--- a/Official/Design.pptx
+++ b/Official/Design.pptx
@@ -5309,16 +5309,13 @@
         <a:p>
           <a:r>
             <a:rPr lang="en-PH" i="0" u="none" dirty="0"/>
-            <a:t>GET: /user/&lt;</a:t>
+            <a:t>GET: /user</a:t>
           </a:r>
           <a:r>
-            <a:rPr lang="en-PH" i="0" u="none" dirty="0" err="1"/>
-            <a:t>userid</a:t>
+            <a:rPr lang="en-PH" i="0" u="none"/>
+            <a:t>/&lt;username&gt;</a:t>
           </a:r>
-          <a:r>
-            <a:rPr lang="en-PH" i="0" u="none" dirty="0"/>
-            <a:t>&gt;</a:t>
-          </a:r>
+          <a:endParaRPr lang="en-PH" i="0" u="none" dirty="0"/>
         </a:p>
       </dgm:t>
     </dgm:pt>
@@ -10922,16 +10919,13 @@
           </a:pPr>
           <a:r>
             <a:rPr lang="en-PH" sz="1000" i="0" u="none" kern="1200" dirty="0"/>
-            <a:t>GET: /user/&lt;</a:t>
+            <a:t>GET: /user</a:t>
           </a:r>
           <a:r>
-            <a:rPr lang="en-PH" sz="1000" i="0" u="none" kern="1200" dirty="0" err="1"/>
-            <a:t>userid</a:t>
+            <a:rPr lang="en-PH" sz="1000" i="0" u="none" kern="1200"/>
+            <a:t>/&lt;username&gt;</a:t>
           </a:r>
-          <a:r>
-            <a:rPr lang="en-PH" sz="1000" i="0" u="none" kern="1200" dirty="0"/>
-            <a:t>&gt;</a:t>
-          </a:r>
+          <a:endParaRPr lang="en-PH" sz="1000" i="0" u="none" kern="1200" dirty="0"/>
         </a:p>
       </dsp:txBody>
       <dsp:txXfrm>
@@ -23581,7 +23575,7 @@
           <a:p>
             <a:fld id="{2CDD62A0-B891-4650-A5BB-561AD783AD7C}" type="datetimeFigureOut">
               <a:rPr lang="en-PH" smtClean="0"/>
-              <a:t>25/05/2022</a:t>
+              <a:t>26/05/2022</a:t>
             </a:fld>
             <a:endParaRPr lang="en-PH"/>
           </a:p>
@@ -23781,7 +23775,7 @@
           <a:p>
             <a:fld id="{2CDD62A0-B891-4650-A5BB-561AD783AD7C}" type="datetimeFigureOut">
               <a:rPr lang="en-PH" smtClean="0"/>
-              <a:t>25/05/2022</a:t>
+              <a:t>26/05/2022</a:t>
             </a:fld>
             <a:endParaRPr lang="en-PH"/>
           </a:p>
@@ -23991,7 +23985,7 @@
           <a:p>
             <a:fld id="{2CDD62A0-B891-4650-A5BB-561AD783AD7C}" type="datetimeFigureOut">
               <a:rPr lang="en-PH" smtClean="0"/>
-              <a:t>25/05/2022</a:t>
+              <a:t>26/05/2022</a:t>
             </a:fld>
             <a:endParaRPr lang="en-PH"/>
           </a:p>
@@ -24191,7 +24185,7 @@
           <a:p>
             <a:fld id="{2CDD62A0-B891-4650-A5BB-561AD783AD7C}" type="datetimeFigureOut">
               <a:rPr lang="en-PH" smtClean="0"/>
-              <a:t>25/05/2022</a:t>
+              <a:t>26/05/2022</a:t>
             </a:fld>
             <a:endParaRPr lang="en-PH"/>
           </a:p>
@@ -24467,7 +24461,7 @@
           <a:p>
             <a:fld id="{2CDD62A0-B891-4650-A5BB-561AD783AD7C}" type="datetimeFigureOut">
               <a:rPr lang="en-PH" smtClean="0"/>
-              <a:t>25/05/2022</a:t>
+              <a:t>26/05/2022</a:t>
             </a:fld>
             <a:endParaRPr lang="en-PH"/>
           </a:p>
@@ -24735,7 +24729,7 @@
           <a:p>
             <a:fld id="{2CDD62A0-B891-4650-A5BB-561AD783AD7C}" type="datetimeFigureOut">
               <a:rPr lang="en-PH" smtClean="0"/>
-              <a:t>25/05/2022</a:t>
+              <a:t>26/05/2022</a:t>
             </a:fld>
             <a:endParaRPr lang="en-PH"/>
           </a:p>
@@ -25150,7 +25144,7 @@
           <a:p>
             <a:fld id="{2CDD62A0-B891-4650-A5BB-561AD783AD7C}" type="datetimeFigureOut">
               <a:rPr lang="en-PH" smtClean="0"/>
-              <a:t>25/05/2022</a:t>
+              <a:t>26/05/2022</a:t>
             </a:fld>
             <a:endParaRPr lang="en-PH"/>
           </a:p>
@@ -25292,7 +25286,7 @@
           <a:p>
             <a:fld id="{2CDD62A0-B891-4650-A5BB-561AD783AD7C}" type="datetimeFigureOut">
               <a:rPr lang="en-PH" smtClean="0"/>
-              <a:t>25/05/2022</a:t>
+              <a:t>26/05/2022</a:t>
             </a:fld>
             <a:endParaRPr lang="en-PH"/>
           </a:p>
@@ -25405,7 +25399,7 @@
           <a:p>
             <a:fld id="{2CDD62A0-B891-4650-A5BB-561AD783AD7C}" type="datetimeFigureOut">
               <a:rPr lang="en-PH" smtClean="0"/>
-              <a:t>25/05/2022</a:t>
+              <a:t>26/05/2022</a:t>
             </a:fld>
             <a:endParaRPr lang="en-PH"/>
           </a:p>
@@ -25718,7 +25712,7 @@
           <a:p>
             <a:fld id="{2CDD62A0-B891-4650-A5BB-561AD783AD7C}" type="datetimeFigureOut">
               <a:rPr lang="en-PH" smtClean="0"/>
-              <a:t>25/05/2022</a:t>
+              <a:t>26/05/2022</a:t>
             </a:fld>
             <a:endParaRPr lang="en-PH"/>
           </a:p>
@@ -26007,7 +26001,7 @@
           <a:p>
             <a:fld id="{2CDD62A0-B891-4650-A5BB-561AD783AD7C}" type="datetimeFigureOut">
               <a:rPr lang="en-PH" smtClean="0"/>
-              <a:t>25/05/2022</a:t>
+              <a:t>26/05/2022</a:t>
             </a:fld>
             <a:endParaRPr lang="en-PH"/>
           </a:p>
@@ -26250,7 +26244,7 @@
           <a:p>
             <a:fld id="{2CDD62A0-B891-4650-A5BB-561AD783AD7C}" type="datetimeFigureOut">
               <a:rPr lang="en-PH" smtClean="0"/>
-              <a:t>25/05/2022</a:t>
+              <a:t>26/05/2022</a:t>
             </a:fld>
             <a:endParaRPr lang="en-PH"/>
           </a:p>
@@ -26938,7 +26932,7 @@
             <p:ph idx="1"/>
             <p:extLst>
               <p:ext uri="{D42A27DB-BD31-4B8C-83A1-F6EECF244321}">
-                <p14:modId xmlns:p14="http://schemas.microsoft.com/office/powerpoint/2010/main" val="3899386776"/>
+                <p14:modId xmlns:p14="http://schemas.microsoft.com/office/powerpoint/2010/main" val="2284953848"/>
               </p:ext>
             </p:extLst>
           </p:nvPr>

--- a/Official/Design.pptx
+++ b/Official/Design.pptx
@@ -13,8 +13,6 @@
     <p:sldId id="260" r:id="rId7"/>
     <p:sldId id="261" r:id="rId8"/>
     <p:sldId id="264" r:id="rId9"/>
-    <p:sldId id="265" r:id="rId10"/>
-    <p:sldId id="266" r:id="rId11"/>
   </p:sldIdLst>
   <p:sldSz cx="12192000" cy="6858000"/>
   <p:notesSz cx="6858000" cy="9144000"/>
@@ -3867,753 +3865,6 @@
 </dgm:colorsDef>
 </file>
 
-<file path=ppt/diagrams/colors6.xml><?xml version="1.0" encoding="utf-8"?>
-<dgm:colorsDef xmlns:dgm="http://schemas.openxmlformats.org/drawingml/2006/diagram" xmlns:a="http://schemas.openxmlformats.org/drawingml/2006/main" uniqueId="urn:microsoft.com/office/officeart/2005/8/colors/accent1_2">
-  <dgm:title val=""/>
-  <dgm:desc val=""/>
-  <dgm:catLst>
-    <dgm:cat type="accent1" pri="11200"/>
-  </dgm:catLst>
-  <dgm:styleLbl name="node0">
-    <dgm:fillClrLst meth="repeat">
-      <a:schemeClr val="accent1"/>
-    </dgm:fillClrLst>
-    <dgm:linClrLst meth="repeat">
-      <a:schemeClr val="lt1"/>
-    </dgm:linClrLst>
-    <dgm:effectClrLst/>
-    <dgm:txLinClrLst/>
-    <dgm:txFillClrLst/>
-    <dgm:txEffectClrLst/>
-  </dgm:styleLbl>
-  <dgm:styleLbl name="alignNode1">
-    <dgm:fillClrLst meth="repeat">
-      <a:schemeClr val="accent1"/>
-    </dgm:fillClrLst>
-    <dgm:linClrLst meth="repeat">
-      <a:schemeClr val="accent1"/>
-    </dgm:linClrLst>
-    <dgm:effectClrLst/>
-    <dgm:txLinClrLst/>
-    <dgm:txFillClrLst/>
-    <dgm:txEffectClrLst/>
-  </dgm:styleLbl>
-  <dgm:styleLbl name="node1">
-    <dgm:fillClrLst meth="repeat">
-      <a:schemeClr val="accent1"/>
-    </dgm:fillClrLst>
-    <dgm:linClrLst meth="repeat">
-      <a:schemeClr val="lt1"/>
-    </dgm:linClrLst>
-    <dgm:effectClrLst/>
-    <dgm:txLinClrLst/>
-    <dgm:txFillClrLst/>
-    <dgm:txEffectClrLst/>
-  </dgm:styleLbl>
-  <dgm:styleLbl name="lnNode1">
-    <dgm:fillClrLst meth="repeat">
-      <a:schemeClr val="accent1"/>
-    </dgm:fillClrLst>
-    <dgm:linClrLst meth="repeat">
-      <a:schemeClr val="lt1"/>
-    </dgm:linClrLst>
-    <dgm:effectClrLst/>
-    <dgm:txLinClrLst/>
-    <dgm:txFillClrLst/>
-    <dgm:txEffectClrLst/>
-  </dgm:styleLbl>
-  <dgm:styleLbl name="vennNode1">
-    <dgm:fillClrLst meth="repeat">
-      <a:schemeClr val="accent1">
-        <a:alpha val="50000"/>
-      </a:schemeClr>
-    </dgm:fillClrLst>
-    <dgm:linClrLst meth="repeat">
-      <a:schemeClr val="lt1"/>
-    </dgm:linClrLst>
-    <dgm:effectClrLst/>
-    <dgm:txLinClrLst/>
-    <dgm:txFillClrLst/>
-    <dgm:txEffectClrLst/>
-  </dgm:styleLbl>
-  <dgm:styleLbl name="node2">
-    <dgm:fillClrLst meth="repeat">
-      <a:schemeClr val="accent1"/>
-    </dgm:fillClrLst>
-    <dgm:linClrLst meth="repeat">
-      <a:schemeClr val="lt1"/>
-    </dgm:linClrLst>
-    <dgm:effectClrLst/>
-    <dgm:txLinClrLst/>
-    <dgm:txFillClrLst/>
-    <dgm:txEffectClrLst/>
-  </dgm:styleLbl>
-  <dgm:styleLbl name="node3">
-    <dgm:fillClrLst meth="repeat">
-      <a:schemeClr val="accent1"/>
-    </dgm:fillClrLst>
-    <dgm:linClrLst meth="repeat">
-      <a:schemeClr val="lt1"/>
-    </dgm:linClrLst>
-    <dgm:effectClrLst/>
-    <dgm:txLinClrLst/>
-    <dgm:txFillClrLst/>
-    <dgm:txEffectClrLst/>
-  </dgm:styleLbl>
-  <dgm:styleLbl name="node4">
-    <dgm:fillClrLst meth="repeat">
-      <a:schemeClr val="accent1"/>
-    </dgm:fillClrLst>
-    <dgm:linClrLst meth="repeat">
-      <a:schemeClr val="lt1"/>
-    </dgm:linClrLst>
-    <dgm:effectClrLst/>
-    <dgm:txLinClrLst/>
-    <dgm:txFillClrLst/>
-    <dgm:txEffectClrLst/>
-  </dgm:styleLbl>
-  <dgm:styleLbl name="fgImgPlace1">
-    <dgm:fillClrLst meth="repeat">
-      <a:schemeClr val="accent1">
-        <a:tint val="50000"/>
-      </a:schemeClr>
-    </dgm:fillClrLst>
-    <dgm:linClrLst meth="repeat">
-      <a:schemeClr val="lt1"/>
-    </dgm:linClrLst>
-    <dgm:effectClrLst/>
-    <dgm:txLinClrLst/>
-    <dgm:txFillClrLst meth="repeat">
-      <a:schemeClr val="lt1"/>
-    </dgm:txFillClrLst>
-    <dgm:txEffectClrLst/>
-  </dgm:styleLbl>
-  <dgm:styleLbl name="alignImgPlace1">
-    <dgm:fillClrLst meth="repeat">
-      <a:schemeClr val="accent1">
-        <a:tint val="50000"/>
-      </a:schemeClr>
-    </dgm:fillClrLst>
-    <dgm:linClrLst meth="repeat">
-      <a:schemeClr val="lt1"/>
-    </dgm:linClrLst>
-    <dgm:effectClrLst/>
-    <dgm:txLinClrLst/>
-    <dgm:txFillClrLst meth="repeat">
-      <a:schemeClr val="lt1"/>
-    </dgm:txFillClrLst>
-    <dgm:txEffectClrLst/>
-  </dgm:styleLbl>
-  <dgm:styleLbl name="bgImgPlace1">
-    <dgm:fillClrLst meth="repeat">
-      <a:schemeClr val="accent1">
-        <a:tint val="50000"/>
-      </a:schemeClr>
-    </dgm:fillClrLst>
-    <dgm:linClrLst meth="repeat">
-      <a:schemeClr val="lt1"/>
-    </dgm:linClrLst>
-    <dgm:effectClrLst/>
-    <dgm:txLinClrLst/>
-    <dgm:txFillClrLst meth="repeat">
-      <a:schemeClr val="lt1"/>
-    </dgm:txFillClrLst>
-    <dgm:txEffectClrLst/>
-  </dgm:styleLbl>
-  <dgm:styleLbl name="sibTrans2D1">
-    <dgm:fillClrLst meth="repeat">
-      <a:schemeClr val="accent1">
-        <a:tint val="60000"/>
-      </a:schemeClr>
-    </dgm:fillClrLst>
-    <dgm:linClrLst meth="repeat">
-      <a:schemeClr val="accent1">
-        <a:tint val="60000"/>
-      </a:schemeClr>
-    </dgm:linClrLst>
-    <dgm:effectClrLst/>
-    <dgm:txLinClrLst/>
-    <dgm:txFillClrLst/>
-    <dgm:txEffectClrLst/>
-  </dgm:styleLbl>
-  <dgm:styleLbl name="fgSibTrans2D1">
-    <dgm:fillClrLst meth="repeat">
-      <a:schemeClr val="accent1">
-        <a:tint val="60000"/>
-      </a:schemeClr>
-    </dgm:fillClrLst>
-    <dgm:linClrLst meth="repeat">
-      <a:schemeClr val="accent1">
-        <a:tint val="60000"/>
-      </a:schemeClr>
-    </dgm:linClrLst>
-    <dgm:effectClrLst/>
-    <dgm:txLinClrLst/>
-    <dgm:txFillClrLst/>
-    <dgm:txEffectClrLst/>
-  </dgm:styleLbl>
-  <dgm:styleLbl name="bgSibTrans2D1">
-    <dgm:fillClrLst meth="repeat">
-      <a:schemeClr val="accent1">
-        <a:tint val="60000"/>
-      </a:schemeClr>
-    </dgm:fillClrLst>
-    <dgm:linClrLst meth="repeat">
-      <a:schemeClr val="accent1">
-        <a:tint val="60000"/>
-      </a:schemeClr>
-    </dgm:linClrLst>
-    <dgm:effectClrLst/>
-    <dgm:txLinClrLst/>
-    <dgm:txFillClrLst/>
-    <dgm:txEffectClrLst/>
-  </dgm:styleLbl>
-  <dgm:styleLbl name="sibTrans1D1">
-    <dgm:fillClrLst meth="repeat">
-      <a:schemeClr val="accent1"/>
-    </dgm:fillClrLst>
-    <dgm:linClrLst meth="repeat">
-      <a:schemeClr val="accent1"/>
-    </dgm:linClrLst>
-    <dgm:effectClrLst/>
-    <dgm:txLinClrLst/>
-    <dgm:txFillClrLst meth="repeat">
-      <a:schemeClr val="tx1"/>
-    </dgm:txFillClrLst>
-    <dgm:txEffectClrLst/>
-  </dgm:styleLbl>
-  <dgm:styleLbl name="callout">
-    <dgm:fillClrLst meth="repeat">
-      <a:schemeClr val="accent1"/>
-    </dgm:fillClrLst>
-    <dgm:linClrLst meth="repeat">
-      <a:schemeClr val="accent1">
-        <a:tint val="50000"/>
-      </a:schemeClr>
-    </dgm:linClrLst>
-    <dgm:effectClrLst/>
-    <dgm:txLinClrLst/>
-    <dgm:txFillClrLst meth="repeat">
-      <a:schemeClr val="tx1"/>
-    </dgm:txFillClrLst>
-    <dgm:txEffectClrLst/>
-  </dgm:styleLbl>
-  <dgm:styleLbl name="asst0">
-    <dgm:fillClrLst meth="repeat">
-      <a:schemeClr val="accent1"/>
-    </dgm:fillClrLst>
-    <dgm:linClrLst meth="repeat">
-      <a:schemeClr val="lt1"/>
-    </dgm:linClrLst>
-    <dgm:effectClrLst/>
-    <dgm:txLinClrLst/>
-    <dgm:txFillClrLst/>
-    <dgm:txEffectClrLst/>
-  </dgm:styleLbl>
-  <dgm:styleLbl name="asst1">
-    <dgm:fillClrLst meth="repeat">
-      <a:schemeClr val="accent1"/>
-    </dgm:fillClrLst>
-    <dgm:linClrLst meth="repeat">
-      <a:schemeClr val="lt1"/>
-    </dgm:linClrLst>
-    <dgm:effectClrLst/>
-    <dgm:txLinClrLst/>
-    <dgm:txFillClrLst/>
-    <dgm:txEffectClrLst/>
-  </dgm:styleLbl>
-  <dgm:styleLbl name="asst2">
-    <dgm:fillClrLst meth="repeat">
-      <a:schemeClr val="accent1"/>
-    </dgm:fillClrLst>
-    <dgm:linClrLst meth="repeat">
-      <a:schemeClr val="lt1"/>
-    </dgm:linClrLst>
-    <dgm:effectClrLst/>
-    <dgm:txLinClrLst/>
-    <dgm:txFillClrLst/>
-    <dgm:txEffectClrLst/>
-  </dgm:styleLbl>
-  <dgm:styleLbl name="asst3">
-    <dgm:fillClrLst meth="repeat">
-      <a:schemeClr val="accent1"/>
-    </dgm:fillClrLst>
-    <dgm:linClrLst meth="repeat">
-      <a:schemeClr val="lt1"/>
-    </dgm:linClrLst>
-    <dgm:effectClrLst/>
-    <dgm:txLinClrLst/>
-    <dgm:txFillClrLst/>
-    <dgm:txEffectClrLst/>
-  </dgm:styleLbl>
-  <dgm:styleLbl name="asst4">
-    <dgm:fillClrLst meth="repeat">
-      <a:schemeClr val="accent1"/>
-    </dgm:fillClrLst>
-    <dgm:linClrLst meth="repeat">
-      <a:schemeClr val="lt1"/>
-    </dgm:linClrLst>
-    <dgm:effectClrLst/>
-    <dgm:txLinClrLst/>
-    <dgm:txFillClrLst/>
-    <dgm:txEffectClrLst/>
-  </dgm:styleLbl>
-  <dgm:styleLbl name="parChTrans2D1">
-    <dgm:fillClrLst meth="repeat">
-      <a:schemeClr val="accent1">
-        <a:tint val="60000"/>
-      </a:schemeClr>
-    </dgm:fillClrLst>
-    <dgm:linClrLst meth="repeat">
-      <a:schemeClr val="accent1">
-        <a:tint val="60000"/>
-      </a:schemeClr>
-    </dgm:linClrLst>
-    <dgm:effectClrLst/>
-    <dgm:txLinClrLst/>
-    <dgm:txFillClrLst meth="repeat">
-      <a:schemeClr val="lt1"/>
-    </dgm:txFillClrLst>
-    <dgm:txEffectClrLst/>
-  </dgm:styleLbl>
-  <dgm:styleLbl name="parChTrans2D2">
-    <dgm:fillClrLst meth="repeat">
-      <a:schemeClr val="accent1"/>
-    </dgm:fillClrLst>
-    <dgm:linClrLst meth="repeat">
-      <a:schemeClr val="accent1"/>
-    </dgm:linClrLst>
-    <dgm:effectClrLst/>
-    <dgm:txLinClrLst/>
-    <dgm:txFillClrLst meth="repeat">
-      <a:schemeClr val="lt1"/>
-    </dgm:txFillClrLst>
-    <dgm:txEffectClrLst/>
-  </dgm:styleLbl>
-  <dgm:styleLbl name="parChTrans2D3">
-    <dgm:fillClrLst meth="repeat">
-      <a:schemeClr val="accent1"/>
-    </dgm:fillClrLst>
-    <dgm:linClrLst meth="repeat">
-      <a:schemeClr val="accent1"/>
-    </dgm:linClrLst>
-    <dgm:effectClrLst/>
-    <dgm:txLinClrLst/>
-    <dgm:txFillClrLst meth="repeat">
-      <a:schemeClr val="lt1"/>
-    </dgm:txFillClrLst>
-    <dgm:txEffectClrLst/>
-  </dgm:styleLbl>
-  <dgm:styleLbl name="parChTrans2D4">
-    <dgm:fillClrLst meth="repeat">
-      <a:schemeClr val="accent1"/>
-    </dgm:fillClrLst>
-    <dgm:linClrLst meth="repeat">
-      <a:schemeClr val="accent1"/>
-    </dgm:linClrLst>
-    <dgm:effectClrLst/>
-    <dgm:txLinClrLst/>
-    <dgm:txFillClrLst meth="repeat">
-      <a:schemeClr val="lt1"/>
-    </dgm:txFillClrLst>
-    <dgm:txEffectClrLst/>
-  </dgm:styleLbl>
-  <dgm:styleLbl name="parChTrans1D1">
-    <dgm:fillClrLst meth="repeat">
-      <a:schemeClr val="accent1"/>
-    </dgm:fillClrLst>
-    <dgm:linClrLst meth="repeat">
-      <a:schemeClr val="accent1">
-        <a:shade val="60000"/>
-      </a:schemeClr>
-    </dgm:linClrLst>
-    <dgm:effectClrLst/>
-    <dgm:txLinClrLst/>
-    <dgm:txFillClrLst meth="repeat">
-      <a:schemeClr val="tx1"/>
-    </dgm:txFillClrLst>
-    <dgm:txEffectClrLst/>
-  </dgm:styleLbl>
-  <dgm:styleLbl name="parChTrans1D2">
-    <dgm:fillClrLst meth="repeat">
-      <a:schemeClr val="accent1"/>
-    </dgm:fillClrLst>
-    <dgm:linClrLst meth="repeat">
-      <a:schemeClr val="accent1">
-        <a:shade val="60000"/>
-      </a:schemeClr>
-    </dgm:linClrLst>
-    <dgm:effectClrLst/>
-    <dgm:txLinClrLst/>
-    <dgm:txFillClrLst meth="repeat">
-      <a:schemeClr val="tx1"/>
-    </dgm:txFillClrLst>
-    <dgm:txEffectClrLst/>
-  </dgm:styleLbl>
-  <dgm:styleLbl name="parChTrans1D3">
-    <dgm:fillClrLst meth="repeat">
-      <a:schemeClr val="accent1"/>
-    </dgm:fillClrLst>
-    <dgm:linClrLst meth="repeat">
-      <a:schemeClr val="accent1">
-        <a:shade val="80000"/>
-      </a:schemeClr>
-    </dgm:linClrLst>
-    <dgm:effectClrLst/>
-    <dgm:txLinClrLst/>
-    <dgm:txFillClrLst meth="repeat">
-      <a:schemeClr val="tx1"/>
-    </dgm:txFillClrLst>
-    <dgm:txEffectClrLst/>
-  </dgm:styleLbl>
-  <dgm:styleLbl name="parChTrans1D4">
-    <dgm:fillClrLst meth="repeat">
-      <a:schemeClr val="accent1"/>
-    </dgm:fillClrLst>
-    <dgm:linClrLst meth="repeat">
-      <a:schemeClr val="accent1">
-        <a:shade val="80000"/>
-      </a:schemeClr>
-    </dgm:linClrLst>
-    <dgm:effectClrLst/>
-    <dgm:txLinClrLst/>
-    <dgm:txFillClrLst meth="repeat">
-      <a:schemeClr val="tx1"/>
-    </dgm:txFillClrLst>
-    <dgm:txEffectClrLst/>
-  </dgm:styleLbl>
-  <dgm:styleLbl name="fgAcc1">
-    <dgm:fillClrLst meth="repeat">
-      <a:schemeClr val="lt1">
-        <a:alpha val="90000"/>
-      </a:schemeClr>
-    </dgm:fillClrLst>
-    <dgm:linClrLst meth="repeat">
-      <a:schemeClr val="accent1"/>
-    </dgm:linClrLst>
-    <dgm:effectClrLst/>
-    <dgm:txLinClrLst/>
-    <dgm:txFillClrLst meth="repeat">
-      <a:schemeClr val="dk1"/>
-    </dgm:txFillClrLst>
-    <dgm:txEffectClrLst/>
-  </dgm:styleLbl>
-  <dgm:styleLbl name="conFgAcc1">
-    <dgm:fillClrLst meth="repeat">
-      <a:schemeClr val="lt1">
-        <a:alpha val="90000"/>
-      </a:schemeClr>
-    </dgm:fillClrLst>
-    <dgm:linClrLst meth="repeat">
-      <a:schemeClr val="accent1"/>
-    </dgm:linClrLst>
-    <dgm:effectClrLst/>
-    <dgm:txLinClrLst/>
-    <dgm:txFillClrLst meth="repeat">
-      <a:schemeClr val="dk1"/>
-    </dgm:txFillClrLst>
-    <dgm:txEffectClrLst/>
-  </dgm:styleLbl>
-  <dgm:styleLbl name="alignAcc1">
-    <dgm:fillClrLst meth="repeat">
-      <a:schemeClr val="lt1">
-        <a:alpha val="90000"/>
-      </a:schemeClr>
-    </dgm:fillClrLst>
-    <dgm:linClrLst meth="repeat">
-      <a:schemeClr val="accent1"/>
-    </dgm:linClrLst>
-    <dgm:effectClrLst/>
-    <dgm:txLinClrLst/>
-    <dgm:txFillClrLst meth="repeat">
-      <a:schemeClr val="dk1"/>
-    </dgm:txFillClrLst>
-    <dgm:txEffectClrLst/>
-  </dgm:styleLbl>
-  <dgm:styleLbl name="trAlignAcc1">
-    <dgm:fillClrLst meth="repeat">
-      <a:schemeClr val="lt1">
-        <a:alpha val="40000"/>
-      </a:schemeClr>
-    </dgm:fillClrLst>
-    <dgm:linClrLst meth="repeat">
-      <a:schemeClr val="accent1"/>
-    </dgm:linClrLst>
-    <dgm:effectClrLst/>
-    <dgm:txLinClrLst/>
-    <dgm:txFillClrLst meth="repeat">
-      <a:schemeClr val="dk1"/>
-    </dgm:txFillClrLst>
-    <dgm:txEffectClrLst/>
-  </dgm:styleLbl>
-  <dgm:styleLbl name="bgAcc1">
-    <dgm:fillClrLst meth="repeat">
-      <a:schemeClr val="lt1">
-        <a:alpha val="90000"/>
-      </a:schemeClr>
-    </dgm:fillClrLst>
-    <dgm:linClrLst meth="repeat">
-      <a:schemeClr val="accent1"/>
-    </dgm:linClrLst>
-    <dgm:effectClrLst/>
-    <dgm:txLinClrLst/>
-    <dgm:txFillClrLst meth="repeat">
-      <a:schemeClr val="dk1"/>
-    </dgm:txFillClrLst>
-    <dgm:txEffectClrLst/>
-  </dgm:styleLbl>
-  <dgm:styleLbl name="solidFgAcc1">
-    <dgm:fillClrLst meth="repeat">
-      <a:schemeClr val="lt1"/>
-    </dgm:fillClrLst>
-    <dgm:linClrLst meth="repeat">
-      <a:schemeClr val="accent1"/>
-    </dgm:linClrLst>
-    <dgm:effectClrLst/>
-    <dgm:txLinClrLst/>
-    <dgm:txFillClrLst meth="repeat">
-      <a:schemeClr val="dk1"/>
-    </dgm:txFillClrLst>
-    <dgm:txEffectClrLst/>
-  </dgm:styleLbl>
-  <dgm:styleLbl name="solidAlignAcc1">
-    <dgm:fillClrLst meth="repeat">
-      <a:schemeClr val="lt1"/>
-    </dgm:fillClrLst>
-    <dgm:linClrLst meth="repeat">
-      <a:schemeClr val="accent1"/>
-    </dgm:linClrLst>
-    <dgm:effectClrLst/>
-    <dgm:txLinClrLst/>
-    <dgm:txFillClrLst meth="repeat">
-      <a:schemeClr val="dk1"/>
-    </dgm:txFillClrLst>
-    <dgm:txEffectClrLst/>
-  </dgm:styleLbl>
-  <dgm:styleLbl name="solidBgAcc1">
-    <dgm:fillClrLst meth="repeat">
-      <a:schemeClr val="lt1"/>
-    </dgm:fillClrLst>
-    <dgm:linClrLst meth="repeat">
-      <a:schemeClr val="accent1"/>
-    </dgm:linClrLst>
-    <dgm:effectClrLst/>
-    <dgm:txLinClrLst/>
-    <dgm:txFillClrLst meth="repeat">
-      <a:schemeClr val="dk1"/>
-    </dgm:txFillClrLst>
-    <dgm:txEffectClrLst/>
-  </dgm:styleLbl>
-  <dgm:styleLbl name="fgAccFollowNode1">
-    <dgm:fillClrLst meth="repeat">
-      <a:schemeClr val="accent1">
-        <a:alpha val="90000"/>
-        <a:tint val="40000"/>
-      </a:schemeClr>
-    </dgm:fillClrLst>
-    <dgm:linClrLst meth="repeat">
-      <a:schemeClr val="accent1">
-        <a:alpha val="90000"/>
-        <a:tint val="40000"/>
-      </a:schemeClr>
-    </dgm:linClrLst>
-    <dgm:effectClrLst/>
-    <dgm:txLinClrLst/>
-    <dgm:txFillClrLst meth="repeat">
-      <a:schemeClr val="dk1"/>
-    </dgm:txFillClrLst>
-    <dgm:txEffectClrLst/>
-  </dgm:styleLbl>
-  <dgm:styleLbl name="alignAccFollowNode1">
-    <dgm:fillClrLst meth="repeat">
-      <a:schemeClr val="accent1">
-        <a:alpha val="90000"/>
-        <a:tint val="40000"/>
-      </a:schemeClr>
-    </dgm:fillClrLst>
-    <dgm:linClrLst meth="repeat">
-      <a:schemeClr val="accent1">
-        <a:alpha val="90000"/>
-        <a:tint val="40000"/>
-      </a:schemeClr>
-    </dgm:linClrLst>
-    <dgm:effectClrLst/>
-    <dgm:txLinClrLst/>
-    <dgm:txFillClrLst meth="repeat">
-      <a:schemeClr val="dk1"/>
-    </dgm:txFillClrLst>
-    <dgm:txEffectClrLst/>
-  </dgm:styleLbl>
-  <dgm:styleLbl name="bgAccFollowNode1">
-    <dgm:fillClrLst meth="repeat">
-      <a:schemeClr val="accent1">
-        <a:alpha val="90000"/>
-        <a:tint val="40000"/>
-      </a:schemeClr>
-    </dgm:fillClrLst>
-    <dgm:linClrLst meth="repeat">
-      <a:schemeClr val="accent1">
-        <a:alpha val="90000"/>
-        <a:tint val="40000"/>
-      </a:schemeClr>
-    </dgm:linClrLst>
-    <dgm:effectClrLst/>
-    <dgm:txLinClrLst/>
-    <dgm:txFillClrLst meth="repeat">
-      <a:schemeClr val="dk1"/>
-    </dgm:txFillClrLst>
-    <dgm:txEffectClrLst/>
-  </dgm:styleLbl>
-  <dgm:styleLbl name="fgAcc0">
-    <dgm:fillClrLst meth="repeat">
-      <a:schemeClr val="lt1">
-        <a:alpha val="90000"/>
-      </a:schemeClr>
-    </dgm:fillClrLst>
-    <dgm:linClrLst meth="repeat">
-      <a:schemeClr val="accent1"/>
-    </dgm:linClrLst>
-    <dgm:effectClrLst/>
-    <dgm:txLinClrLst/>
-    <dgm:txFillClrLst meth="repeat">
-      <a:schemeClr val="dk1"/>
-    </dgm:txFillClrLst>
-    <dgm:txEffectClrLst/>
-  </dgm:styleLbl>
-  <dgm:styleLbl name="fgAcc2">
-    <dgm:fillClrLst meth="repeat">
-      <a:schemeClr val="lt1">
-        <a:alpha val="90000"/>
-      </a:schemeClr>
-    </dgm:fillClrLst>
-    <dgm:linClrLst meth="repeat">
-      <a:schemeClr val="accent1"/>
-    </dgm:linClrLst>
-    <dgm:effectClrLst/>
-    <dgm:txLinClrLst/>
-    <dgm:txFillClrLst meth="repeat">
-      <a:schemeClr val="dk1"/>
-    </dgm:txFillClrLst>
-    <dgm:txEffectClrLst/>
-  </dgm:styleLbl>
-  <dgm:styleLbl name="fgAcc3">
-    <dgm:fillClrLst meth="repeat">
-      <a:schemeClr val="lt1">
-        <a:alpha val="90000"/>
-      </a:schemeClr>
-    </dgm:fillClrLst>
-    <dgm:linClrLst meth="repeat">
-      <a:schemeClr val="accent1"/>
-    </dgm:linClrLst>
-    <dgm:effectClrLst/>
-    <dgm:txLinClrLst/>
-    <dgm:txFillClrLst meth="repeat">
-      <a:schemeClr val="dk1"/>
-    </dgm:txFillClrLst>
-    <dgm:txEffectClrLst/>
-  </dgm:styleLbl>
-  <dgm:styleLbl name="fgAcc4">
-    <dgm:fillClrLst meth="repeat">
-      <a:schemeClr val="lt1">
-        <a:alpha val="90000"/>
-      </a:schemeClr>
-    </dgm:fillClrLst>
-    <dgm:linClrLst meth="repeat">
-      <a:schemeClr val="accent1"/>
-    </dgm:linClrLst>
-    <dgm:effectClrLst/>
-    <dgm:txLinClrLst/>
-    <dgm:txFillClrLst meth="repeat">
-      <a:schemeClr val="dk1"/>
-    </dgm:txFillClrLst>
-    <dgm:txEffectClrLst/>
-  </dgm:styleLbl>
-  <dgm:styleLbl name="bgShp">
-    <dgm:fillClrLst meth="repeat">
-      <a:schemeClr val="accent1">
-        <a:tint val="40000"/>
-      </a:schemeClr>
-    </dgm:fillClrLst>
-    <dgm:linClrLst meth="repeat">
-      <a:schemeClr val="accent1"/>
-    </dgm:linClrLst>
-    <dgm:effectClrLst/>
-    <dgm:txLinClrLst/>
-    <dgm:txFillClrLst meth="repeat">
-      <a:schemeClr val="dk1"/>
-    </dgm:txFillClrLst>
-    <dgm:txEffectClrLst/>
-  </dgm:styleLbl>
-  <dgm:styleLbl name="dkBgShp">
-    <dgm:fillClrLst meth="repeat">
-      <a:schemeClr val="accent1">
-        <a:shade val="80000"/>
-      </a:schemeClr>
-    </dgm:fillClrLst>
-    <dgm:linClrLst meth="repeat">
-      <a:schemeClr val="accent1"/>
-    </dgm:linClrLst>
-    <dgm:effectClrLst/>
-    <dgm:txLinClrLst/>
-    <dgm:txFillClrLst meth="repeat">
-      <a:schemeClr val="lt1"/>
-    </dgm:txFillClrLst>
-    <dgm:txEffectClrLst/>
-  </dgm:styleLbl>
-  <dgm:styleLbl name="trBgShp">
-    <dgm:fillClrLst meth="repeat">
-      <a:schemeClr val="accent1">
-        <a:tint val="50000"/>
-        <a:alpha val="40000"/>
-      </a:schemeClr>
-    </dgm:fillClrLst>
-    <dgm:linClrLst meth="repeat">
-      <a:schemeClr val="accent1"/>
-    </dgm:linClrLst>
-    <dgm:effectClrLst/>
-    <dgm:txLinClrLst/>
-    <dgm:txFillClrLst meth="repeat">
-      <a:schemeClr val="lt1"/>
-    </dgm:txFillClrLst>
-    <dgm:txEffectClrLst/>
-  </dgm:styleLbl>
-  <dgm:styleLbl name="fgShp">
-    <dgm:fillClrLst meth="repeat">
-      <a:schemeClr val="accent1">
-        <a:tint val="60000"/>
-      </a:schemeClr>
-    </dgm:fillClrLst>
-    <dgm:linClrLst meth="repeat">
-      <a:schemeClr val="lt1"/>
-    </dgm:linClrLst>
-    <dgm:effectClrLst/>
-    <dgm:txLinClrLst/>
-    <dgm:txFillClrLst meth="repeat">
-      <a:schemeClr val="dk1"/>
-    </dgm:txFillClrLst>
-    <dgm:txEffectClrLst/>
-  </dgm:styleLbl>
-  <dgm:styleLbl name="revTx">
-    <dgm:fillClrLst meth="repeat">
-      <a:schemeClr val="lt1">
-        <a:alpha val="0"/>
-      </a:schemeClr>
-    </dgm:fillClrLst>
-    <dgm:linClrLst meth="repeat">
-      <a:schemeClr val="dk1">
-        <a:alpha val="0"/>
-      </a:schemeClr>
-    </dgm:linClrLst>
-    <dgm:effectClrLst/>
-    <dgm:txLinClrLst/>
-    <dgm:txFillClrLst meth="repeat">
-      <a:schemeClr val="tx1"/>
-    </dgm:txFillClrLst>
-    <dgm:txEffectClrLst/>
-  </dgm:styleLbl>
-</dgm:colorsDef>
-</file>
-
 <file path=ppt/diagrams/data1.xml><?xml version="1.0" encoding="utf-8"?>
 <dgm:dataModel xmlns:dgm="http://schemas.openxmlformats.org/drawingml/2006/diagram" xmlns:a="http://schemas.openxmlformats.org/drawingml/2006/main">
   <dgm:ptLst>
@@ -5085,7 +4336,7 @@
         <a:p>
           <a:r>
             <a:rPr lang="en-PH" i="0" u="none" dirty="0"/>
-            <a:t>POST: /post/&lt;</a:t>
+            <a:t>PATCH: /post/&lt;</a:t>
           </a:r>
           <a:r>
             <a:rPr lang="en-PH" i="0" u="none" dirty="0" err="1"/>
@@ -5273,7 +4524,7 @@
         <a:p>
           <a:r>
             <a:rPr lang="en-PH" i="0" u="none" dirty="0"/>
-            <a:t>POST: profile/settings/save</a:t>
+            <a:t>PATCH: profile/settings/save</a:t>
           </a:r>
         </a:p>
       </dgm:t>
@@ -5300,7 +4551,7 @@
         </a:p>
       </dgm:t>
     </dgm:pt>
-    <dgm:pt modelId="{8EDFDED0-5AB4-468F-81D6-97B277C6DAF4}">
+    <dgm:pt modelId="{A1C6BA05-AD07-4670-B0CD-118E17FA1993}">
       <dgm:prSet phldrT="[Text]"/>
       <dgm:spPr/>
       <dgm:t>
@@ -5309,17 +4560,20 @@
         <a:p>
           <a:r>
             <a:rPr lang="en-PH" i="0" u="none" dirty="0"/>
-            <a:t>GET: /user</a:t>
+            <a:t>DELETE: /post/&lt;</a:t>
           </a:r>
           <a:r>
-            <a:rPr lang="en-PH" i="0" u="none"/>
-            <a:t>/&lt;username&gt;</a:t>
+            <a:rPr lang="en-PH" i="0" u="none" dirty="0" err="1"/>
+            <a:t>posthash</a:t>
           </a:r>
-          <a:endParaRPr lang="en-PH" i="0" u="none" dirty="0"/>
+          <a:r>
+            <a:rPr lang="en-PH" i="0" u="none" dirty="0"/>
+            <a:t>&gt;/delete</a:t>
+          </a:r>
         </a:p>
       </dgm:t>
     </dgm:pt>
-    <dgm:pt modelId="{BD77A563-7436-447E-91EA-B82CBF55891C}" type="sibTrans" cxnId="{04FB91C6-BF1F-4277-8BE5-04976A8328B8}">
+    <dgm:pt modelId="{423859FD-096E-4927-9390-25344E903FBF}" type="parTrans" cxnId="{5DF6B753-8AEC-45B1-812D-CBEF4E665B5B}">
       <dgm:prSet/>
       <dgm:spPr/>
       <dgm:t>
@@ -5330,7 +4584,79 @@
         </a:p>
       </dgm:t>
     </dgm:pt>
-    <dgm:pt modelId="{7F100CA5-6463-43A4-B999-87EE35319DAC}" type="parTrans" cxnId="{04FB91C6-BF1F-4277-8BE5-04976A8328B8}">
+    <dgm:pt modelId="{249108A4-E90A-45F0-91DE-62B0931DD375}" type="sibTrans" cxnId="{5DF6B753-8AEC-45B1-812D-CBEF4E665B5B}">
+      <dgm:prSet/>
+      <dgm:spPr/>
+      <dgm:t>
+        <a:bodyPr/>
+        <a:lstStyle/>
+        <a:p>
+          <a:endParaRPr lang="en-PH"/>
+        </a:p>
+      </dgm:t>
+    </dgm:pt>
+    <dgm:pt modelId="{795061A3-2B93-41B7-8CB3-D2EA827D06F1}">
+      <dgm:prSet phldrT="[Text]"/>
+      <dgm:spPr/>
+      <dgm:t>
+        <a:bodyPr/>
+        <a:lstStyle/>
+        <a:p>
+          <a:r>
+            <a:rPr lang="en-PH" i="0" u="none" dirty="0"/>
+            <a:t>DELETE: profile/settings/delete</a:t>
+          </a:r>
+        </a:p>
+      </dgm:t>
+    </dgm:pt>
+    <dgm:pt modelId="{AF051581-B2C4-4A22-B3E9-D040DD094A2F}" type="parTrans" cxnId="{374F36DF-6662-4F92-91D9-3C41AFDDBB98}">
+      <dgm:prSet/>
+      <dgm:spPr/>
+      <dgm:t>
+        <a:bodyPr/>
+        <a:lstStyle/>
+        <a:p>
+          <a:endParaRPr lang="en-PH"/>
+        </a:p>
+      </dgm:t>
+    </dgm:pt>
+    <dgm:pt modelId="{A5E25A6B-6ACF-4370-BC1D-916D50C4DBFB}" type="sibTrans" cxnId="{374F36DF-6662-4F92-91D9-3C41AFDDBB98}">
+      <dgm:prSet/>
+      <dgm:spPr/>
+      <dgm:t>
+        <a:bodyPr/>
+        <a:lstStyle/>
+        <a:p>
+          <a:endParaRPr lang="en-PH"/>
+        </a:p>
+      </dgm:t>
+    </dgm:pt>
+    <dgm:pt modelId="{A48100E6-84E1-4E3F-8C93-442D7A1A23CC}">
+      <dgm:prSet phldrT="[Text]"/>
+      <dgm:spPr/>
+      <dgm:t>
+        <a:bodyPr/>
+        <a:lstStyle/>
+        <a:p>
+          <a:r>
+            <a:rPr lang="en-PH" i="0" u="none" dirty="0"/>
+            <a:t>GET: /user/&lt;username&gt;</a:t>
+          </a:r>
+        </a:p>
+      </dgm:t>
+    </dgm:pt>
+    <dgm:pt modelId="{476A2B4E-0CFD-4F03-9824-25789D527EDB}" type="parTrans" cxnId="{B8B8DAD8-4B10-40F0-8ED3-14035B5F0F4D}">
+      <dgm:prSet/>
+      <dgm:spPr/>
+      <dgm:t>
+        <a:bodyPr/>
+        <a:lstStyle/>
+        <a:p>
+          <a:endParaRPr lang="en-PH"/>
+        </a:p>
+      </dgm:t>
+    </dgm:pt>
+    <dgm:pt modelId="{60462F65-71B6-4ECE-9B21-6A15610060E9}" type="sibTrans" cxnId="{B8B8DAD8-4B10-40F0-8ED3-14035B5F0F4D}">
       <dgm:prSet/>
       <dgm:spPr/>
       <dgm:t>
@@ -5415,7 +4741,7 @@
       <dgm:spPr/>
     </dgm:pt>
     <dgm:pt modelId="{32554A9C-FE4D-43F7-AEE1-C54D9D75C200}" type="pres">
-      <dgm:prSet presAssocID="{E8EB6F71-72ED-410E-A6D6-688CC4C8622F}" presName="Name37" presStyleLbl="parChTrans1D3" presStyleIdx="0" presStyleCnt="10"/>
+      <dgm:prSet presAssocID="{E8EB6F71-72ED-410E-A6D6-688CC4C8622F}" presName="Name37" presStyleLbl="parChTrans1D3" presStyleIdx="0" presStyleCnt="11"/>
       <dgm:spPr/>
     </dgm:pt>
     <dgm:pt modelId="{B90CC990-B130-4339-9559-D69CF90E88B4}" type="pres">
@@ -5431,7 +4757,7 @@
       <dgm:spPr/>
     </dgm:pt>
     <dgm:pt modelId="{3C293340-5887-41DE-859C-77675150C6EB}" type="pres">
-      <dgm:prSet presAssocID="{028C5DFA-CD08-425A-9808-BE49C21D580B}" presName="rootText" presStyleLbl="node3" presStyleIdx="0" presStyleCnt="10">
+      <dgm:prSet presAssocID="{028C5DFA-CD08-425A-9808-BE49C21D580B}" presName="rootText" presStyleLbl="node3" presStyleIdx="0" presStyleCnt="11">
         <dgm:presLayoutVars>
           <dgm:chPref val="3"/>
         </dgm:presLayoutVars>
@@ -5439,7 +4765,7 @@
       <dgm:spPr/>
     </dgm:pt>
     <dgm:pt modelId="{31730A28-5687-49A7-9084-9821AA2323E9}" type="pres">
-      <dgm:prSet presAssocID="{028C5DFA-CD08-425A-9808-BE49C21D580B}" presName="rootConnector" presStyleLbl="node3" presStyleIdx="0" presStyleCnt="10"/>
+      <dgm:prSet presAssocID="{028C5DFA-CD08-425A-9808-BE49C21D580B}" presName="rootConnector" presStyleLbl="node3" presStyleIdx="0" presStyleCnt="11"/>
       <dgm:spPr/>
     </dgm:pt>
     <dgm:pt modelId="{854997E6-49AF-48D8-846F-0DF8A234610E}" type="pres">
@@ -5487,7 +4813,7 @@
       <dgm:spPr/>
     </dgm:pt>
     <dgm:pt modelId="{FC1B4037-826A-4F44-80EE-641936EF98B7}" type="pres">
-      <dgm:prSet presAssocID="{0E41C96E-49F8-4F4A-AF74-A981293F785F}" presName="Name37" presStyleLbl="parChTrans1D3" presStyleIdx="1" presStyleCnt="10"/>
+      <dgm:prSet presAssocID="{0E41C96E-49F8-4F4A-AF74-A981293F785F}" presName="Name37" presStyleLbl="parChTrans1D3" presStyleIdx="1" presStyleCnt="11"/>
       <dgm:spPr/>
     </dgm:pt>
     <dgm:pt modelId="{3B7362A0-4644-4129-AD8D-83D094010059}" type="pres">
@@ -5503,7 +4829,7 @@
       <dgm:spPr/>
     </dgm:pt>
     <dgm:pt modelId="{5CEACDA1-7667-40A9-B874-25D1B1E21A99}" type="pres">
-      <dgm:prSet presAssocID="{332EBDA1-FC91-42DD-8C1E-2C7B445019B3}" presName="rootText" presStyleLbl="node3" presStyleIdx="1" presStyleCnt="10">
+      <dgm:prSet presAssocID="{332EBDA1-FC91-42DD-8C1E-2C7B445019B3}" presName="rootText" presStyleLbl="node3" presStyleIdx="1" presStyleCnt="11">
         <dgm:presLayoutVars>
           <dgm:chPref val="3"/>
         </dgm:presLayoutVars>
@@ -5511,7 +4837,7 @@
       <dgm:spPr/>
     </dgm:pt>
     <dgm:pt modelId="{1F530FFE-35D1-4609-8D1C-CEEB0EF8690E}" type="pres">
-      <dgm:prSet presAssocID="{332EBDA1-FC91-42DD-8C1E-2C7B445019B3}" presName="rootConnector" presStyleLbl="node3" presStyleIdx="1" presStyleCnt="10"/>
+      <dgm:prSet presAssocID="{332EBDA1-FC91-42DD-8C1E-2C7B445019B3}" presName="rootConnector" presStyleLbl="node3" presStyleIdx="1" presStyleCnt="11"/>
       <dgm:spPr/>
     </dgm:pt>
     <dgm:pt modelId="{681C3D72-8919-4649-B5A8-1D83A3949CB2}" type="pres">
@@ -5559,7 +4885,7 @@
       <dgm:spPr/>
     </dgm:pt>
     <dgm:pt modelId="{716854A0-890C-4CC0-A8E5-CD94D7FC8137}" type="pres">
-      <dgm:prSet presAssocID="{790F108B-9662-42F5-95CF-AC832BA6873C}" presName="Name37" presStyleLbl="parChTrans1D3" presStyleIdx="2" presStyleCnt="10"/>
+      <dgm:prSet presAssocID="{790F108B-9662-42F5-95CF-AC832BA6873C}" presName="Name37" presStyleLbl="parChTrans1D3" presStyleIdx="2" presStyleCnt="11"/>
       <dgm:spPr/>
     </dgm:pt>
     <dgm:pt modelId="{EF4DCCB7-431D-4CAF-87CB-F98ABBB5014D}" type="pres">
@@ -5575,7 +4901,7 @@
       <dgm:spPr/>
     </dgm:pt>
     <dgm:pt modelId="{63C2CBE3-9669-496C-A884-3CB3E83BD677}" type="pres">
-      <dgm:prSet presAssocID="{6337DACB-DDE6-4541-A455-9928166939F4}" presName="rootText" presStyleLbl="node3" presStyleIdx="2" presStyleCnt="10">
+      <dgm:prSet presAssocID="{6337DACB-DDE6-4541-A455-9928166939F4}" presName="rootText" presStyleLbl="node3" presStyleIdx="2" presStyleCnt="11">
         <dgm:presLayoutVars>
           <dgm:chPref val="3"/>
         </dgm:presLayoutVars>
@@ -5583,7 +4909,7 @@
       <dgm:spPr/>
     </dgm:pt>
     <dgm:pt modelId="{00E3EA50-93C1-48D4-B92E-3D89AE40D7B1}" type="pres">
-      <dgm:prSet presAssocID="{6337DACB-DDE6-4541-A455-9928166939F4}" presName="rootConnector" presStyleLbl="node3" presStyleIdx="2" presStyleCnt="10"/>
+      <dgm:prSet presAssocID="{6337DACB-DDE6-4541-A455-9928166939F4}" presName="rootConnector" presStyleLbl="node3" presStyleIdx="2" presStyleCnt="11"/>
       <dgm:spPr/>
     </dgm:pt>
     <dgm:pt modelId="{4285AD7D-C313-423B-A368-5CCE5A0406F3}" type="pres">
@@ -5595,7 +4921,7 @@
       <dgm:spPr/>
     </dgm:pt>
     <dgm:pt modelId="{A1E73A3F-D4BB-4C61-BD15-E7FB09B21B25}" type="pres">
-      <dgm:prSet presAssocID="{8FFB457D-6AB7-4AA1-96C9-CB71AA206E01}" presName="Name37" presStyleLbl="parChTrans1D3" presStyleIdx="3" presStyleCnt="10"/>
+      <dgm:prSet presAssocID="{8FFB457D-6AB7-4AA1-96C9-CB71AA206E01}" presName="Name37" presStyleLbl="parChTrans1D3" presStyleIdx="3" presStyleCnt="11"/>
       <dgm:spPr/>
     </dgm:pt>
     <dgm:pt modelId="{D71EDAAC-71C1-4BD6-B2C9-4D4B12BDDCDF}" type="pres">
@@ -5611,7 +4937,7 @@
       <dgm:spPr/>
     </dgm:pt>
     <dgm:pt modelId="{09477BDD-AB56-4E58-B538-97082ADD2D44}" type="pres">
-      <dgm:prSet presAssocID="{B91B6797-AE43-4150-84C3-B288959AACE0}" presName="rootText" presStyleLbl="node3" presStyleIdx="3" presStyleCnt="10">
+      <dgm:prSet presAssocID="{B91B6797-AE43-4150-84C3-B288959AACE0}" presName="rootText" presStyleLbl="node3" presStyleIdx="3" presStyleCnt="11">
         <dgm:presLayoutVars>
           <dgm:chPref val="3"/>
         </dgm:presLayoutVars>
@@ -5619,7 +4945,7 @@
       <dgm:spPr/>
     </dgm:pt>
     <dgm:pt modelId="{690171E8-FA30-440B-81EC-C5BC6E1B9634}" type="pres">
-      <dgm:prSet presAssocID="{B91B6797-AE43-4150-84C3-B288959AACE0}" presName="rootConnector" presStyleLbl="node3" presStyleIdx="3" presStyleCnt="10"/>
+      <dgm:prSet presAssocID="{B91B6797-AE43-4150-84C3-B288959AACE0}" presName="rootConnector" presStyleLbl="node3" presStyleIdx="3" presStyleCnt="11"/>
       <dgm:spPr/>
     </dgm:pt>
     <dgm:pt modelId="{1FEB5D41-550B-469A-AA2E-621F17A70007}" type="pres">
@@ -5631,7 +4957,7 @@
       <dgm:spPr/>
     </dgm:pt>
     <dgm:pt modelId="{0C7721DD-C5AC-42F1-A273-F93D484C466E}" type="pres">
-      <dgm:prSet presAssocID="{048582F2-FB0C-4E5E-A8E2-BC00294129C6}" presName="Name37" presStyleLbl="parChTrans1D3" presStyleIdx="4" presStyleCnt="10"/>
+      <dgm:prSet presAssocID="{048582F2-FB0C-4E5E-A8E2-BC00294129C6}" presName="Name37" presStyleLbl="parChTrans1D3" presStyleIdx="4" presStyleCnt="11"/>
       <dgm:spPr/>
     </dgm:pt>
     <dgm:pt modelId="{87C4F283-2195-4779-98F1-7A4958DE6921}" type="pres">
@@ -5647,7 +4973,7 @@
       <dgm:spPr/>
     </dgm:pt>
     <dgm:pt modelId="{5C992A1D-381D-4552-A0F4-72668AABF151}" type="pres">
-      <dgm:prSet presAssocID="{940B71EA-00B4-44A9-9C1E-399B1FBF7110}" presName="rootText" presStyleLbl="node3" presStyleIdx="4" presStyleCnt="10">
+      <dgm:prSet presAssocID="{940B71EA-00B4-44A9-9C1E-399B1FBF7110}" presName="rootText" presStyleLbl="node3" presStyleIdx="4" presStyleCnt="11">
         <dgm:presLayoutVars>
           <dgm:chPref val="3"/>
         </dgm:presLayoutVars>
@@ -5655,7 +4981,7 @@
       <dgm:spPr/>
     </dgm:pt>
     <dgm:pt modelId="{0E85105F-EC2C-4B07-B2EF-47012C806F8C}" type="pres">
-      <dgm:prSet presAssocID="{940B71EA-00B4-44A9-9C1E-399B1FBF7110}" presName="rootConnector" presStyleLbl="node3" presStyleIdx="4" presStyleCnt="10"/>
+      <dgm:prSet presAssocID="{940B71EA-00B4-44A9-9C1E-399B1FBF7110}" presName="rootConnector" presStyleLbl="node3" presStyleIdx="4" presStyleCnt="11"/>
       <dgm:spPr/>
     </dgm:pt>
     <dgm:pt modelId="{CBE697BC-644A-4267-8E0A-FC8ACCA4E162}" type="pres">
@@ -5667,7 +4993,7 @@
       <dgm:spPr/>
     </dgm:pt>
     <dgm:pt modelId="{558F1EF2-AC1B-4379-94FE-33794455BDE1}" type="pres">
-      <dgm:prSet presAssocID="{397525FB-5E1C-4D0B-A3B4-396D027EF830}" presName="Name37" presStyleLbl="parChTrans1D3" presStyleIdx="5" presStyleCnt="10"/>
+      <dgm:prSet presAssocID="{397525FB-5E1C-4D0B-A3B4-396D027EF830}" presName="Name37" presStyleLbl="parChTrans1D3" presStyleIdx="5" presStyleCnt="11"/>
       <dgm:spPr/>
     </dgm:pt>
     <dgm:pt modelId="{CF7E1A98-6FA8-4CC7-9BFE-E5417BD29D5E}" type="pres">
@@ -5683,7 +5009,7 @@
       <dgm:spPr/>
     </dgm:pt>
     <dgm:pt modelId="{0273CF75-F135-4AD3-9F55-82AEBAD45FC4}" type="pres">
-      <dgm:prSet presAssocID="{6D8F1B6F-54AE-49C2-94F8-7199198FE363}" presName="rootText" presStyleLbl="node3" presStyleIdx="5" presStyleCnt="10">
+      <dgm:prSet presAssocID="{6D8F1B6F-54AE-49C2-94F8-7199198FE363}" presName="rootText" presStyleLbl="node3" presStyleIdx="5" presStyleCnt="11">
         <dgm:presLayoutVars>
           <dgm:chPref val="3"/>
         </dgm:presLayoutVars>
@@ -5691,7 +5017,7 @@
       <dgm:spPr/>
     </dgm:pt>
     <dgm:pt modelId="{52881B08-9F82-4EDF-8F29-304B27A2471D}" type="pres">
-      <dgm:prSet presAssocID="{6D8F1B6F-54AE-49C2-94F8-7199198FE363}" presName="rootConnector" presStyleLbl="node3" presStyleIdx="5" presStyleCnt="10"/>
+      <dgm:prSet presAssocID="{6D8F1B6F-54AE-49C2-94F8-7199198FE363}" presName="rootConnector" presStyleLbl="node3" presStyleIdx="5" presStyleCnt="11"/>
       <dgm:spPr/>
     </dgm:pt>
     <dgm:pt modelId="{F8B5F713-B80E-4A82-9FD3-6D416698405F}" type="pres">
@@ -5739,7 +5065,7 @@
       <dgm:spPr/>
     </dgm:pt>
     <dgm:pt modelId="{104BA3A7-D652-47E4-9B20-83BB4665DF76}" type="pres">
-      <dgm:prSet presAssocID="{BF950D71-5670-40D6-AC0F-099BAE4EAFCE}" presName="Name37" presStyleLbl="parChTrans1D3" presStyleIdx="6" presStyleCnt="10"/>
+      <dgm:prSet presAssocID="{BF950D71-5670-40D6-AC0F-099BAE4EAFCE}" presName="Name37" presStyleLbl="parChTrans1D3" presStyleIdx="6" presStyleCnt="11"/>
       <dgm:spPr/>
     </dgm:pt>
     <dgm:pt modelId="{531B9504-8DE6-4712-98FE-50F6F2431DE0}" type="pres">
@@ -5755,7 +5081,7 @@
       <dgm:spPr/>
     </dgm:pt>
     <dgm:pt modelId="{7F097E5B-6209-4AF0-8ED0-402082DA0749}" type="pres">
-      <dgm:prSet presAssocID="{3C6EA423-D64F-4DC7-B184-24C9BC3512E8}" presName="rootText" presStyleLbl="node3" presStyleIdx="6" presStyleCnt="10">
+      <dgm:prSet presAssocID="{3C6EA423-D64F-4DC7-B184-24C9BC3512E8}" presName="rootText" presStyleLbl="node3" presStyleIdx="6" presStyleCnt="11">
         <dgm:presLayoutVars>
           <dgm:chPref val="3"/>
         </dgm:presLayoutVars>
@@ -5763,7 +5089,7 @@
       <dgm:spPr/>
     </dgm:pt>
     <dgm:pt modelId="{6326AB10-BB5C-4854-9D21-95B3803C563E}" type="pres">
-      <dgm:prSet presAssocID="{3C6EA423-D64F-4DC7-B184-24C9BC3512E8}" presName="rootConnector" presStyleLbl="node3" presStyleIdx="6" presStyleCnt="10"/>
+      <dgm:prSet presAssocID="{3C6EA423-D64F-4DC7-B184-24C9BC3512E8}" presName="rootConnector" presStyleLbl="node3" presStyleIdx="6" presStyleCnt="11"/>
       <dgm:spPr/>
     </dgm:pt>
     <dgm:pt modelId="{25A49672-0356-4BA3-BAB1-ADB32D08F479}" type="pres">
@@ -5775,7 +5101,7 @@
       <dgm:spPr/>
     </dgm:pt>
     <dgm:pt modelId="{246DDF7E-D086-468F-AD98-C5A107AC1D5D}" type="pres">
-      <dgm:prSet presAssocID="{B9579491-E72E-41C5-854B-F50C3EB1B30B}" presName="Name37" presStyleLbl="parChTrans1D3" presStyleIdx="7" presStyleCnt="10"/>
+      <dgm:prSet presAssocID="{B9579491-E72E-41C5-854B-F50C3EB1B30B}" presName="Name37" presStyleLbl="parChTrans1D3" presStyleIdx="7" presStyleCnt="11"/>
       <dgm:spPr/>
     </dgm:pt>
     <dgm:pt modelId="{CCBEDB89-BBC0-4E76-85D0-33739605D6D2}" type="pres">
@@ -5791,7 +5117,7 @@
       <dgm:spPr/>
     </dgm:pt>
     <dgm:pt modelId="{E50F9959-464F-43F9-8195-9C82C537826B}" type="pres">
-      <dgm:prSet presAssocID="{F1DABE6E-F8F2-4453-9AF1-0A543F993768}" presName="rootText" presStyleLbl="node3" presStyleIdx="7" presStyleCnt="10">
+      <dgm:prSet presAssocID="{F1DABE6E-F8F2-4453-9AF1-0A543F993768}" presName="rootText" presStyleLbl="node3" presStyleIdx="7" presStyleCnt="11">
         <dgm:presLayoutVars>
           <dgm:chPref val="3"/>
         </dgm:presLayoutVars>
@@ -5799,7 +5125,7 @@
       <dgm:spPr/>
     </dgm:pt>
     <dgm:pt modelId="{29A7D2B3-E83F-48D3-BA82-6C1B33C7D117}" type="pres">
-      <dgm:prSet presAssocID="{F1DABE6E-F8F2-4453-9AF1-0A543F993768}" presName="rootConnector" presStyleLbl="node3" presStyleIdx="7" presStyleCnt="10"/>
+      <dgm:prSet presAssocID="{F1DABE6E-F8F2-4453-9AF1-0A543F993768}" presName="rootConnector" presStyleLbl="node3" presStyleIdx="7" presStyleCnt="11"/>
       <dgm:spPr/>
     </dgm:pt>
     <dgm:pt modelId="{3F8B49D1-1470-4AFD-996C-55991B6E6161}" type="pres">
@@ -5808,6 +5134,42 @@
     </dgm:pt>
     <dgm:pt modelId="{2CDB2AFC-54F1-4BDD-8E75-00BD257F080B}" type="pres">
       <dgm:prSet presAssocID="{F1DABE6E-F8F2-4453-9AF1-0A543F993768}" presName="hierChild5" presStyleCnt="0"/>
+      <dgm:spPr/>
+    </dgm:pt>
+    <dgm:pt modelId="{F07C89FB-7AC0-4D6A-BF40-C0070FED0EE3}" type="pres">
+      <dgm:prSet presAssocID="{423859FD-096E-4927-9390-25344E903FBF}" presName="Name37" presStyleLbl="parChTrans1D3" presStyleIdx="8" presStyleCnt="11"/>
+      <dgm:spPr/>
+    </dgm:pt>
+    <dgm:pt modelId="{B5323093-C52B-4762-88CA-EB05C45B59E6}" type="pres">
+      <dgm:prSet presAssocID="{A1C6BA05-AD07-4670-B0CD-118E17FA1993}" presName="hierRoot2" presStyleCnt="0">
+        <dgm:presLayoutVars>
+          <dgm:hierBranch val="init"/>
+        </dgm:presLayoutVars>
+      </dgm:prSet>
+      <dgm:spPr/>
+    </dgm:pt>
+    <dgm:pt modelId="{4A4C57F8-B270-4BAA-B39A-A821D3790045}" type="pres">
+      <dgm:prSet presAssocID="{A1C6BA05-AD07-4670-B0CD-118E17FA1993}" presName="rootComposite" presStyleCnt="0"/>
+      <dgm:spPr/>
+    </dgm:pt>
+    <dgm:pt modelId="{B99F24ED-3BC7-432A-B386-E1A66BAEF726}" type="pres">
+      <dgm:prSet presAssocID="{A1C6BA05-AD07-4670-B0CD-118E17FA1993}" presName="rootText" presStyleLbl="node3" presStyleIdx="8" presStyleCnt="11">
+        <dgm:presLayoutVars>
+          <dgm:chPref val="3"/>
+        </dgm:presLayoutVars>
+      </dgm:prSet>
+      <dgm:spPr/>
+    </dgm:pt>
+    <dgm:pt modelId="{19FABE79-F8A2-4566-9B89-1E2FB5DFB7A6}" type="pres">
+      <dgm:prSet presAssocID="{A1C6BA05-AD07-4670-B0CD-118E17FA1993}" presName="rootConnector" presStyleLbl="node3" presStyleIdx="8" presStyleCnt="11"/>
+      <dgm:spPr/>
+    </dgm:pt>
+    <dgm:pt modelId="{96062C70-76CB-46F2-A12D-7691F85D67F8}" type="pres">
+      <dgm:prSet presAssocID="{A1C6BA05-AD07-4670-B0CD-118E17FA1993}" presName="hierChild4" presStyleCnt="0"/>
+      <dgm:spPr/>
+    </dgm:pt>
+    <dgm:pt modelId="{F059FFA2-5FA4-4084-9D7E-8BEAC1958138}" type="pres">
+      <dgm:prSet presAssocID="{A1C6BA05-AD07-4670-B0CD-118E17FA1993}" presName="hierChild5" presStyleCnt="0"/>
       <dgm:spPr/>
     </dgm:pt>
     <dgm:pt modelId="{C14FFA53-3ACC-4116-9A39-DB788CCBB57A}" type="pres">
@@ -5847,7 +5209,7 @@
       <dgm:spPr/>
     </dgm:pt>
     <dgm:pt modelId="{206209FB-F600-4BD1-9606-121E90963E67}" type="pres">
-      <dgm:prSet presAssocID="{0ED2AB80-1B48-415F-BD87-852714594E12}" presName="Name37" presStyleLbl="parChTrans1D3" presStyleIdx="8" presStyleCnt="10"/>
+      <dgm:prSet presAssocID="{0ED2AB80-1B48-415F-BD87-852714594E12}" presName="Name37" presStyleLbl="parChTrans1D3" presStyleIdx="9" presStyleCnt="11"/>
       <dgm:spPr/>
     </dgm:pt>
     <dgm:pt modelId="{9D94A714-C145-4F55-BF39-E82CC94072CD}" type="pres">
@@ -5863,7 +5225,7 @@
       <dgm:spPr/>
     </dgm:pt>
     <dgm:pt modelId="{B15B783C-17E1-46DC-B52E-C2A7EDCDDBF6}" type="pres">
-      <dgm:prSet presAssocID="{785ADFEC-7668-46D6-9578-5377B24474CF}" presName="rootText" presStyleLbl="node3" presStyleIdx="8" presStyleCnt="10">
+      <dgm:prSet presAssocID="{785ADFEC-7668-46D6-9578-5377B24474CF}" presName="rootText" presStyleLbl="node3" presStyleIdx="9" presStyleCnt="11">
         <dgm:presLayoutVars>
           <dgm:chPref val="3"/>
         </dgm:presLayoutVars>
@@ -5871,7 +5233,7 @@
       <dgm:spPr/>
     </dgm:pt>
     <dgm:pt modelId="{43888EB2-C238-4AB3-84EF-EB4C21FE5D9D}" type="pres">
-      <dgm:prSet presAssocID="{785ADFEC-7668-46D6-9578-5377B24474CF}" presName="rootConnector" presStyleLbl="node3" presStyleIdx="8" presStyleCnt="10"/>
+      <dgm:prSet presAssocID="{785ADFEC-7668-46D6-9578-5377B24474CF}" presName="rootConnector" presStyleLbl="node3" presStyleIdx="9" presStyleCnt="11"/>
       <dgm:spPr/>
     </dgm:pt>
     <dgm:pt modelId="{1D44AC0C-5EFA-40AA-A409-4132EDAC6BF1}" type="pres">
@@ -5919,7 +5281,7 @@
       <dgm:spPr/>
     </dgm:pt>
     <dgm:pt modelId="{865CC225-A0DA-47E2-8F93-648401CE5D35}" type="pres">
-      <dgm:prSet presAssocID="{42168C56-2F22-4C47-AD41-80714FFDE7B7}" presName="Name37" presStyleLbl="parChTrans1D3" presStyleIdx="9" presStyleCnt="10"/>
+      <dgm:prSet presAssocID="{42168C56-2F22-4C47-AD41-80714FFDE7B7}" presName="Name37" presStyleLbl="parChTrans1D3" presStyleIdx="10" presStyleCnt="11"/>
       <dgm:spPr/>
     </dgm:pt>
     <dgm:pt modelId="{70E78AA5-44C3-4381-958B-78CB23EBFFCE}" type="pres">
@@ -5935,7 +5297,7 @@
       <dgm:spPr/>
     </dgm:pt>
     <dgm:pt modelId="{CC33A293-E3CB-411D-9632-6FE6954F9F3F}" type="pres">
-      <dgm:prSet presAssocID="{4DE3A42A-E3CE-4E99-83D9-D1A6756B3CB9}" presName="rootText" presStyleLbl="node3" presStyleIdx="9" presStyleCnt="10">
+      <dgm:prSet presAssocID="{4DE3A42A-E3CE-4E99-83D9-D1A6756B3CB9}" presName="rootText" presStyleLbl="node3" presStyleIdx="10" presStyleCnt="11">
         <dgm:presLayoutVars>
           <dgm:chPref val="3"/>
         </dgm:presLayoutVars>
@@ -5943,7 +5305,7 @@
       <dgm:spPr/>
     </dgm:pt>
     <dgm:pt modelId="{2C816549-9EE9-4756-A160-AC0E53C139B8}" type="pres">
-      <dgm:prSet presAssocID="{4DE3A42A-E3CE-4E99-83D9-D1A6756B3CB9}" presName="rootConnector" presStyleLbl="node3" presStyleIdx="9" presStyleCnt="10"/>
+      <dgm:prSet presAssocID="{4DE3A42A-E3CE-4E99-83D9-D1A6756B3CB9}" presName="rootConnector" presStyleLbl="node3" presStyleIdx="10" presStyleCnt="11"/>
       <dgm:spPr/>
     </dgm:pt>
     <dgm:pt modelId="{B4B577CE-F927-44B3-B73A-132AB0F7463E}" type="pres">
@@ -5951,7 +5313,7 @@
       <dgm:spPr/>
     </dgm:pt>
     <dgm:pt modelId="{86837EF4-E4BC-47DA-8734-FDF19B2630D1}" type="pres">
-      <dgm:prSet presAssocID="{7EB6568E-DE68-41D0-B072-2D0DA56F4F15}" presName="Name37" presStyleLbl="parChTrans1D4" presStyleIdx="0" presStyleCnt="1"/>
+      <dgm:prSet presAssocID="{7EB6568E-DE68-41D0-B072-2D0DA56F4F15}" presName="Name37" presStyleLbl="parChTrans1D4" presStyleIdx="0" presStyleCnt="2"/>
       <dgm:spPr/>
     </dgm:pt>
     <dgm:pt modelId="{7F194915-9720-4C12-BD85-F7EA4CE4DEBA}" type="pres">
@@ -5967,7 +5329,7 @@
       <dgm:spPr/>
     </dgm:pt>
     <dgm:pt modelId="{070D4700-2947-4504-A795-8589C16A902C}" type="pres">
-      <dgm:prSet presAssocID="{9E9AFA18-4A4C-452D-9BB1-22608177395D}" presName="rootText" presStyleLbl="node4" presStyleIdx="0" presStyleCnt="1">
+      <dgm:prSet presAssocID="{9E9AFA18-4A4C-452D-9BB1-22608177395D}" presName="rootText" presStyleLbl="node4" presStyleIdx="0" presStyleCnt="2">
         <dgm:presLayoutVars>
           <dgm:chPref val="3"/>
         </dgm:presLayoutVars>
@@ -5975,7 +5337,7 @@
       <dgm:spPr/>
     </dgm:pt>
     <dgm:pt modelId="{FA7BB441-4DEF-451F-9DE9-DB38CDAFAFC2}" type="pres">
-      <dgm:prSet presAssocID="{9E9AFA18-4A4C-452D-9BB1-22608177395D}" presName="rootConnector" presStyleLbl="node4" presStyleIdx="0" presStyleCnt="1"/>
+      <dgm:prSet presAssocID="{9E9AFA18-4A4C-452D-9BB1-22608177395D}" presName="rootConnector" presStyleLbl="node4" presStyleIdx="0" presStyleCnt="2"/>
       <dgm:spPr/>
     </dgm:pt>
     <dgm:pt modelId="{FB19F97A-25A6-4A60-BDC7-D123DD56797A}" type="pres">
@@ -5986,48 +5348,84 @@
       <dgm:prSet presAssocID="{9E9AFA18-4A4C-452D-9BB1-22608177395D}" presName="hierChild5" presStyleCnt="0"/>
       <dgm:spPr/>
     </dgm:pt>
-    <dgm:pt modelId="{785A05C1-C30A-417C-A630-2D3F585FA797}" type="pres">
-      <dgm:prSet presAssocID="{4DE3A42A-E3CE-4E99-83D9-D1A6756B3CB9}" presName="hierChild5" presStyleCnt="0"/>
-      <dgm:spPr/>
-    </dgm:pt>
-    <dgm:pt modelId="{68F821E3-1B7B-4189-9C3B-47B2F15F27A1}" type="pres">
-      <dgm:prSet presAssocID="{347BA63F-6330-4E17-9091-C819304D8374}" presName="hierChild5" presStyleCnt="0"/>
-      <dgm:spPr/>
-    </dgm:pt>
-    <dgm:pt modelId="{43F0CCA8-02F4-47A4-B3B0-263184726C84}" type="pres">
-      <dgm:prSet presAssocID="{7F100CA5-6463-43A4-B999-87EE35319DAC}" presName="Name37" presStyleLbl="parChTrans1D2" presStyleIdx="6" presStyleCnt="7"/>
-      <dgm:spPr/>
-    </dgm:pt>
-    <dgm:pt modelId="{890CD56F-2048-4D00-98A6-35EF6449925B}" type="pres">
-      <dgm:prSet presAssocID="{8EDFDED0-5AB4-468F-81D6-97B277C6DAF4}" presName="hierRoot2" presStyleCnt="0">
+    <dgm:pt modelId="{471300FB-DB21-4C22-8086-4742D736E0BD}" type="pres">
+      <dgm:prSet presAssocID="{AF051581-B2C4-4A22-B3E9-D040DD094A2F}" presName="Name37" presStyleLbl="parChTrans1D4" presStyleIdx="1" presStyleCnt="2"/>
+      <dgm:spPr/>
+    </dgm:pt>
+    <dgm:pt modelId="{F2C5B7BF-12D3-43B1-A8A8-0560C712E455}" type="pres">
+      <dgm:prSet presAssocID="{795061A3-2B93-41B7-8CB3-D2EA827D06F1}" presName="hierRoot2" presStyleCnt="0">
         <dgm:presLayoutVars>
           <dgm:hierBranch val="init"/>
         </dgm:presLayoutVars>
       </dgm:prSet>
       <dgm:spPr/>
     </dgm:pt>
-    <dgm:pt modelId="{0ACBAB54-EB8A-428E-8943-F80597C18A2D}" type="pres">
-      <dgm:prSet presAssocID="{8EDFDED0-5AB4-468F-81D6-97B277C6DAF4}" presName="rootComposite" presStyleCnt="0"/>
-      <dgm:spPr/>
-    </dgm:pt>
-    <dgm:pt modelId="{363BECE7-EF17-46EA-9CA5-188A90BE0088}" type="pres">
-      <dgm:prSet presAssocID="{8EDFDED0-5AB4-468F-81D6-97B277C6DAF4}" presName="rootText" presStyleLbl="node2" presStyleIdx="6" presStyleCnt="7">
+    <dgm:pt modelId="{57C4E5C8-83CF-4E2F-A5AF-6BAF1C13851F}" type="pres">
+      <dgm:prSet presAssocID="{795061A3-2B93-41B7-8CB3-D2EA827D06F1}" presName="rootComposite" presStyleCnt="0"/>
+      <dgm:spPr/>
+    </dgm:pt>
+    <dgm:pt modelId="{6E5659B3-987D-47B1-A1A1-39AAF04C38E5}" type="pres">
+      <dgm:prSet presAssocID="{795061A3-2B93-41B7-8CB3-D2EA827D06F1}" presName="rootText" presStyleLbl="node4" presStyleIdx="1" presStyleCnt="2">
         <dgm:presLayoutVars>
           <dgm:chPref val="3"/>
         </dgm:presLayoutVars>
       </dgm:prSet>
       <dgm:spPr/>
     </dgm:pt>
-    <dgm:pt modelId="{0F3BDE6D-35E1-4464-ADE9-188BF71DB699}" type="pres">
-      <dgm:prSet presAssocID="{8EDFDED0-5AB4-468F-81D6-97B277C6DAF4}" presName="rootConnector" presStyleLbl="node2" presStyleIdx="6" presStyleCnt="7"/>
-      <dgm:spPr/>
-    </dgm:pt>
-    <dgm:pt modelId="{EBA096FC-4270-4007-AB5F-249C83FE9562}" type="pres">
-      <dgm:prSet presAssocID="{8EDFDED0-5AB4-468F-81D6-97B277C6DAF4}" presName="hierChild4" presStyleCnt="0"/>
-      <dgm:spPr/>
-    </dgm:pt>
-    <dgm:pt modelId="{1A5B176C-DA52-4AFB-9A7F-B50C12EC8A42}" type="pres">
-      <dgm:prSet presAssocID="{8EDFDED0-5AB4-468F-81D6-97B277C6DAF4}" presName="hierChild5" presStyleCnt="0"/>
+    <dgm:pt modelId="{AEA76822-EF94-4869-A43E-CBD2D264A7AE}" type="pres">
+      <dgm:prSet presAssocID="{795061A3-2B93-41B7-8CB3-D2EA827D06F1}" presName="rootConnector" presStyleLbl="node4" presStyleIdx="1" presStyleCnt="2"/>
+      <dgm:spPr/>
+    </dgm:pt>
+    <dgm:pt modelId="{F2B8EE22-117B-419C-AC13-2A50A5B96B36}" type="pres">
+      <dgm:prSet presAssocID="{795061A3-2B93-41B7-8CB3-D2EA827D06F1}" presName="hierChild4" presStyleCnt="0"/>
+      <dgm:spPr/>
+    </dgm:pt>
+    <dgm:pt modelId="{5CABA45B-EA84-4AB5-98A8-740DB34DE632}" type="pres">
+      <dgm:prSet presAssocID="{795061A3-2B93-41B7-8CB3-D2EA827D06F1}" presName="hierChild5" presStyleCnt="0"/>
+      <dgm:spPr/>
+    </dgm:pt>
+    <dgm:pt modelId="{785A05C1-C30A-417C-A630-2D3F585FA797}" type="pres">
+      <dgm:prSet presAssocID="{4DE3A42A-E3CE-4E99-83D9-D1A6756B3CB9}" presName="hierChild5" presStyleCnt="0"/>
+      <dgm:spPr/>
+    </dgm:pt>
+    <dgm:pt modelId="{68F821E3-1B7B-4189-9C3B-47B2F15F27A1}" type="pres">
+      <dgm:prSet presAssocID="{347BA63F-6330-4E17-9091-C819304D8374}" presName="hierChild5" presStyleCnt="0"/>
+      <dgm:spPr/>
+    </dgm:pt>
+    <dgm:pt modelId="{C01F831D-EFD6-481A-9BCE-21CF8207E0E1}" type="pres">
+      <dgm:prSet presAssocID="{476A2B4E-0CFD-4F03-9824-25789D527EDB}" presName="Name37" presStyleLbl="parChTrans1D2" presStyleIdx="6" presStyleCnt="7"/>
+      <dgm:spPr/>
+    </dgm:pt>
+    <dgm:pt modelId="{C9B38781-C395-4C17-8C7F-BEE957BD4249}" type="pres">
+      <dgm:prSet presAssocID="{A48100E6-84E1-4E3F-8C93-442D7A1A23CC}" presName="hierRoot2" presStyleCnt="0">
+        <dgm:presLayoutVars>
+          <dgm:hierBranch val="init"/>
+        </dgm:presLayoutVars>
+      </dgm:prSet>
+      <dgm:spPr/>
+    </dgm:pt>
+    <dgm:pt modelId="{E9FEC899-8424-4F91-BF00-9F0EA2743AA9}" type="pres">
+      <dgm:prSet presAssocID="{A48100E6-84E1-4E3F-8C93-442D7A1A23CC}" presName="rootComposite" presStyleCnt="0"/>
+      <dgm:spPr/>
+    </dgm:pt>
+    <dgm:pt modelId="{12F0C7F9-8119-4BBD-A7C5-DEFEEA6C7D89}" type="pres">
+      <dgm:prSet presAssocID="{A48100E6-84E1-4E3F-8C93-442D7A1A23CC}" presName="rootText" presStyleLbl="node2" presStyleIdx="6" presStyleCnt="7">
+        <dgm:presLayoutVars>
+          <dgm:chPref val="3"/>
+        </dgm:presLayoutVars>
+      </dgm:prSet>
+      <dgm:spPr/>
+    </dgm:pt>
+    <dgm:pt modelId="{0328B132-74A6-4425-821D-84668D625AD9}" type="pres">
+      <dgm:prSet presAssocID="{A48100E6-84E1-4E3F-8C93-442D7A1A23CC}" presName="rootConnector" presStyleLbl="node2" presStyleIdx="6" presStyleCnt="7"/>
+      <dgm:spPr/>
+    </dgm:pt>
+    <dgm:pt modelId="{2576764E-D309-4CA8-B535-2E32B2410668}" type="pres">
+      <dgm:prSet presAssocID="{A48100E6-84E1-4E3F-8C93-442D7A1A23CC}" presName="hierChild4" presStyleCnt="0"/>
+      <dgm:spPr/>
+    </dgm:pt>
+    <dgm:pt modelId="{B0D3F576-543B-4CA5-96FD-7BC4FFB37716}" type="pres">
+      <dgm:prSet presAssocID="{A48100E6-84E1-4E3F-8C93-442D7A1A23CC}" presName="hierChild5" presStyleCnt="0"/>
       <dgm:spPr/>
     </dgm:pt>
     <dgm:pt modelId="{2DAC1630-BA8F-4206-952C-EBE673153874}" type="pres">
@@ -6038,13 +5436,13 @@
   <dgm:cxnLst>
     <dgm:cxn modelId="{270DDA09-7491-47DE-BF57-0D4FA9136B89}" type="presOf" srcId="{EF6B1CB1-4266-4EA5-804A-ACC48ED2EE3D}" destId="{F18F04F2-ED04-4331-853F-808462CDAC9B}" srcOrd="1" destOrd="0" presId="urn:microsoft.com/office/officeart/2005/8/layout/orgChart1"/>
     <dgm:cxn modelId="{D5359E19-2FD0-4409-A875-DC359F817818}" srcId="{441C9BFF-8AD7-4827-90F5-60BEDCAF3705}" destId="{EF6B1CB1-4266-4EA5-804A-ACC48ED2EE3D}" srcOrd="0" destOrd="0" parTransId="{A1698A36-C129-4FA1-BE7D-9B591DCFED6F}" sibTransId="{874649DD-CE2C-4963-AD9D-6BF4EABFEA87}"/>
-    <dgm:cxn modelId="{67393F1B-AE2B-4357-B283-207CC1D9C4A1}" type="presOf" srcId="{8EDFDED0-5AB4-468F-81D6-97B277C6DAF4}" destId="{363BECE7-EF17-46EA-9CA5-188A90BE0088}" srcOrd="0" destOrd="0" presId="urn:microsoft.com/office/officeart/2005/8/layout/orgChart1"/>
     <dgm:cxn modelId="{CCE1301C-2A14-4DE1-8C7C-725CD2524FA3}" type="presOf" srcId="{790F108B-9662-42F5-95CF-AC832BA6873C}" destId="{716854A0-890C-4CC0-A8E5-CD94D7FC8137}" srcOrd="0" destOrd="0" presId="urn:microsoft.com/office/officeart/2005/8/layout/orgChart1"/>
     <dgm:cxn modelId="{5E95C020-A78C-41B6-8CB7-700EBE4BF264}" type="presOf" srcId="{048582F2-FB0C-4E5E-A8E2-BC00294129C6}" destId="{0C7721DD-C5AC-42F1-A273-F93D484C466E}" srcOrd="0" destOrd="0" presId="urn:microsoft.com/office/officeart/2005/8/layout/orgChart1"/>
     <dgm:cxn modelId="{22329124-28F4-43E7-9A29-8C8B48F07EB6}" type="presOf" srcId="{940B71EA-00B4-44A9-9C1E-399B1FBF7110}" destId="{5C992A1D-381D-4552-A0F4-72668AABF151}" srcOrd="0" destOrd="0" presId="urn:microsoft.com/office/officeart/2005/8/layout/orgChart1"/>
     <dgm:cxn modelId="{438ACE25-C8C6-4AEF-92C4-A2D3A6306E5A}" type="presOf" srcId="{332EBDA1-FC91-42DD-8C1E-2C7B445019B3}" destId="{5CEACDA1-7667-40A9-B874-25D1B1E21A99}" srcOrd="0" destOrd="0" presId="urn:microsoft.com/office/officeart/2005/8/layout/orgChart1"/>
     <dgm:cxn modelId="{0A009826-02C9-4163-9C61-B7F53EBB75B2}" type="presOf" srcId="{441C9BFF-8AD7-4827-90F5-60BEDCAF3705}" destId="{D4AAF6B0-5935-4077-A7BD-9DC102060D2E}" srcOrd="0" destOrd="0" presId="urn:microsoft.com/office/officeart/2005/8/layout/orgChart1"/>
     <dgm:cxn modelId="{3CAD0829-4311-453A-B452-C74675A5E305}" srcId="{441C9BFF-8AD7-4827-90F5-60BEDCAF3705}" destId="{44363CFA-628E-4026-88F3-8868490E44F8}" srcOrd="2" destOrd="0" parTransId="{A98B9FA4-4126-4C91-AF71-10ACE11266DD}" sibTransId="{AD8C0F6F-44FE-4E14-A2AE-D5615410E79B}"/>
+    <dgm:cxn modelId="{F8C42A29-51CF-4A37-8D5B-915CB0E3F273}" type="presOf" srcId="{423859FD-096E-4927-9390-25344E903FBF}" destId="{F07C89FB-7AC0-4D6A-BF40-C0070FED0EE3}" srcOrd="0" destOrd="0" presId="urn:microsoft.com/office/officeart/2005/8/layout/orgChart1"/>
     <dgm:cxn modelId="{0445E130-AE6A-43C6-9FED-F956D6FCD750}" type="presOf" srcId="{F1DABE6E-F8F2-4453-9AF1-0A543F993768}" destId="{E50F9959-464F-43F9-8195-9C82C537826B}" srcOrd="0" destOrd="0" presId="urn:microsoft.com/office/officeart/2005/8/layout/orgChart1"/>
     <dgm:cxn modelId="{14916237-07B0-486C-AB32-4028F1D84EBB}" type="presOf" srcId="{9F967694-B9EF-45F7-AC9F-9806D8CB5482}" destId="{EDE52273-429D-4F0E-B2E9-2F7FE11FCD67}" srcOrd="0" destOrd="0" presId="urn:microsoft.com/office/officeart/2005/8/layout/orgChart1"/>
     <dgm:cxn modelId="{5B946639-C386-43A7-99EF-97B4B9A0EDAF}" type="presOf" srcId="{028C5DFA-CD08-425A-9808-BE49C21D580B}" destId="{31730A28-5687-49A7-9084-9821AA2323E9}" srcOrd="1" destOrd="0" presId="urn:microsoft.com/office/officeart/2005/8/layout/orgChart1"/>
@@ -6058,10 +5456,13 @@
     <dgm:cxn modelId="{523F296D-2CC7-4C29-85F8-5468ED82EAEB}" srcId="{34BEB75E-ED6D-4113-9F50-1BF5F1954990}" destId="{441C9BFF-8AD7-4827-90F5-60BEDCAF3705}" srcOrd="0" destOrd="0" parTransId="{AED53F1B-6F52-4865-A6C0-13F7BB680C57}" sibTransId="{EE93340F-3E48-4F2C-8A92-4BB8BFF38136}"/>
     <dgm:cxn modelId="{C57B504E-E7B8-44A6-BF6D-0E8126B84CEB}" srcId="{675D7F23-7B7E-43D4-96A7-0786DE6601DE}" destId="{F1DABE6E-F8F2-4453-9AF1-0A543F993768}" srcOrd="1" destOrd="0" parTransId="{B9579491-E72E-41C5-854B-F50C3EB1B30B}" sibTransId="{269CB045-857D-4765-8E43-81EB588E44DA}"/>
     <dgm:cxn modelId="{B5473772-6083-4CD2-AE22-1E49D16E24C0}" srcId="{44363CFA-628E-4026-88F3-8868490E44F8}" destId="{940B71EA-00B4-44A9-9C1E-399B1FBF7110}" srcOrd="2" destOrd="0" parTransId="{048582F2-FB0C-4E5E-A8E2-BC00294129C6}" sibTransId="{BD69A7FF-4844-45A4-81E7-1685E1DEBCCF}"/>
+    <dgm:cxn modelId="{5DF6B753-8AEC-45B1-812D-CBEF4E665B5B}" srcId="{675D7F23-7B7E-43D4-96A7-0786DE6601DE}" destId="{A1C6BA05-AD07-4670-B0CD-118E17FA1993}" srcOrd="2" destOrd="0" parTransId="{423859FD-096E-4927-9390-25344E903FBF}" sibTransId="{249108A4-E90A-45F0-91DE-62B0931DD375}"/>
     <dgm:cxn modelId="{9CAC8275-8BAB-40C0-9FD1-D17F51683F82}" type="presOf" srcId="{4DE3A42A-E3CE-4E99-83D9-D1A6756B3CB9}" destId="{2C816549-9EE9-4756-A160-AC0E53C139B8}" srcOrd="1" destOrd="0" presId="urn:microsoft.com/office/officeart/2005/8/layout/orgChart1"/>
     <dgm:cxn modelId="{36565A79-726A-49E4-8D06-2B903089FD1B}" srcId="{347BA63F-6330-4E17-9091-C819304D8374}" destId="{4DE3A42A-E3CE-4E99-83D9-D1A6756B3CB9}" srcOrd="0" destOrd="0" parTransId="{42168C56-2F22-4C47-AD41-80714FFDE7B7}" sibTransId="{E7E8FE3B-7C4D-4032-A180-D927C1C52A59}"/>
     <dgm:cxn modelId="{4BA2AD7D-AEB8-46D3-A98C-3C01FE642FDC}" type="presOf" srcId="{A98B9FA4-4126-4C91-AF71-10ACE11266DD}" destId="{F92D201F-4429-48F2-A613-5C474A994CD9}" srcOrd="0" destOrd="0" presId="urn:microsoft.com/office/officeart/2005/8/layout/orgChart1"/>
     <dgm:cxn modelId="{7A0A5687-8D33-4C97-9CE7-B44967A81946}" srcId="{4DE3A42A-E3CE-4E99-83D9-D1A6756B3CB9}" destId="{9E9AFA18-4A4C-452D-9BB1-22608177395D}" srcOrd="0" destOrd="0" parTransId="{7EB6568E-DE68-41D0-B072-2D0DA56F4F15}" sibTransId="{DB2F4BBF-BA92-46E6-ACB3-D5B8E972779B}"/>
+    <dgm:cxn modelId="{6C3CB288-381C-4A97-8505-4AA97B59E105}" type="presOf" srcId="{A48100E6-84E1-4E3F-8C93-442D7A1A23CC}" destId="{12F0C7F9-8119-4BBD-A7C5-DEFEEA6C7D89}" srcOrd="0" destOrd="0" presId="urn:microsoft.com/office/officeart/2005/8/layout/orgChart1"/>
+    <dgm:cxn modelId="{5ECCA38B-6E25-44ED-A687-D20C973638AC}" type="presOf" srcId="{795061A3-2B93-41B7-8CB3-D2EA827D06F1}" destId="{6E5659B3-987D-47B1-A1A1-39AAF04C38E5}" srcOrd="0" destOrd="0" presId="urn:microsoft.com/office/officeart/2005/8/layout/orgChart1"/>
     <dgm:cxn modelId="{A3F6D991-5237-4FEF-9535-02A35ACB4BCB}" type="presOf" srcId="{34BEB75E-ED6D-4113-9F50-1BF5F1954990}" destId="{5F3FAA4C-44A3-470C-81C5-23BB7113FF75}" srcOrd="0" destOrd="0" presId="urn:microsoft.com/office/officeart/2005/8/layout/orgChart1"/>
     <dgm:cxn modelId="{C22FF093-47D4-457E-86BE-9761A035E44E}" type="presOf" srcId="{6D8F1B6F-54AE-49C2-94F8-7199198FE363}" destId="{0273CF75-F135-4AD3-9F55-82AEBAD45FC4}" srcOrd="0" destOrd="0" presId="urn:microsoft.com/office/officeart/2005/8/layout/orgChart1"/>
     <dgm:cxn modelId="{33DF3899-0AA9-4D12-8AFD-B5E16AF2A923}" srcId="{EB65517D-69B4-43D8-B5D7-51657BA54F8A}" destId="{785ADFEC-7668-46D6-9578-5377B24474CF}" srcOrd="0" destOrd="0" parTransId="{0ED2AB80-1B48-415F-BD87-852714594E12}" sibTransId="{1114127C-B245-4E79-9FFA-C610A89B9B6C}"/>
@@ -6072,41 +5473,46 @@
     <dgm:cxn modelId="{A939899E-AEF0-4A63-B01A-2811913BFAD2}" type="presOf" srcId="{98DE5844-EBFB-4ECB-843E-1E3C116CD0A7}" destId="{43413BE2-49D4-4AD2-85D5-14EDF44EA0F1}" srcOrd="1" destOrd="0" presId="urn:microsoft.com/office/officeart/2005/8/layout/orgChart1"/>
     <dgm:cxn modelId="{0226A49E-23FC-42BA-B8CE-BA3B5D4DCC31}" type="presOf" srcId="{EB65517D-69B4-43D8-B5D7-51657BA54F8A}" destId="{0C2F2216-8D08-4E87-B39E-9F041EF12805}" srcOrd="0" destOrd="0" presId="urn:microsoft.com/office/officeart/2005/8/layout/orgChart1"/>
     <dgm:cxn modelId="{E9B9AF9E-07A1-4ABE-B398-4BFFD9D020D2}" srcId="{44363CFA-628E-4026-88F3-8868490E44F8}" destId="{6337DACB-DDE6-4541-A455-9928166939F4}" srcOrd="0" destOrd="0" parTransId="{790F108B-9662-42F5-95CF-AC832BA6873C}" sibTransId="{12A4C4DE-305D-4D22-A316-12CD53FA3ADE}"/>
+    <dgm:cxn modelId="{41E99A9F-94B0-4301-968D-71C523DEE285}" type="presOf" srcId="{A1C6BA05-AD07-4670-B0CD-118E17FA1993}" destId="{19FABE79-F8A2-4566-9B89-1E2FB5DFB7A6}" srcOrd="1" destOrd="0" presId="urn:microsoft.com/office/officeart/2005/8/layout/orgChart1"/>
     <dgm:cxn modelId="{1C5B25A9-30D7-4B17-9077-AE5716562504}" srcId="{441C9BFF-8AD7-4827-90F5-60BEDCAF3705}" destId="{EB65517D-69B4-43D8-B5D7-51657BA54F8A}" srcOrd="4" destOrd="0" parTransId="{9F967694-B9EF-45F7-AC9F-9806D8CB5482}" sibTransId="{E544A564-370F-49E5-BAD7-5F5A2C41F0DB}"/>
     <dgm:cxn modelId="{0B145AA9-D9A1-40D4-BE05-B952D9805B35}" type="presOf" srcId="{C64C22FD-D31D-4129-A644-EAC90AC2F0EF}" destId="{D4C5CCAB-7FF3-44F7-8278-BB322864B121}" srcOrd="0" destOrd="0" presId="urn:microsoft.com/office/officeart/2005/8/layout/orgChart1"/>
     <dgm:cxn modelId="{723DA6A9-4655-4809-AD79-C6338CB048BF}" type="presOf" srcId="{8FFB457D-6AB7-4AA1-96C9-CB71AA206E01}" destId="{A1E73A3F-D4BB-4C61-BD15-E7FB09B21B25}" srcOrd="0" destOrd="0" presId="urn:microsoft.com/office/officeart/2005/8/layout/orgChart1"/>
+    <dgm:cxn modelId="{83D142AA-AFDE-46F6-BC0E-085CF20ACE1E}" type="presOf" srcId="{A1C6BA05-AD07-4670-B0CD-118E17FA1993}" destId="{B99F24ED-3BC7-432A-B386-E1A66BAEF726}" srcOrd="0" destOrd="0" presId="urn:microsoft.com/office/officeart/2005/8/layout/orgChart1"/>
     <dgm:cxn modelId="{F04E5DAB-1F2B-487B-A909-786FD47B7277}" type="presOf" srcId="{EF6B1CB1-4266-4EA5-804A-ACC48ED2EE3D}" destId="{AE1DD6B5-8922-4162-945A-41BF7A420F55}" srcOrd="0" destOrd="0" presId="urn:microsoft.com/office/officeart/2005/8/layout/orgChart1"/>
     <dgm:cxn modelId="{C8B6B5AB-5AE9-4D0F-A11C-AFD42C6E75F1}" srcId="{44363CFA-628E-4026-88F3-8868490E44F8}" destId="{B91B6797-AE43-4150-84C3-B288959AACE0}" srcOrd="1" destOrd="0" parTransId="{8FFB457D-6AB7-4AA1-96C9-CB71AA206E01}" sibTransId="{BC4AFB9F-BC54-461D-8232-157531B15A14}"/>
     <dgm:cxn modelId="{929F96AF-165C-4875-878C-35084435B405}" type="presOf" srcId="{B9579491-E72E-41C5-854B-F50C3EB1B30B}" destId="{246DDF7E-D086-468F-AD98-C5A107AC1D5D}" srcOrd="0" destOrd="0" presId="urn:microsoft.com/office/officeart/2005/8/layout/orgChart1"/>
     <dgm:cxn modelId="{29C7DCB1-11B9-48A0-A7F2-5AB78B097423}" type="presOf" srcId="{0E41C96E-49F8-4F4A-AF74-A981293F785F}" destId="{FC1B4037-826A-4F44-80EE-641936EF98B7}" srcOrd="0" destOrd="0" presId="urn:microsoft.com/office/officeart/2005/8/layout/orgChart1"/>
+    <dgm:cxn modelId="{81DF26B5-9158-425B-8267-7DB92BE86BAF}" type="presOf" srcId="{795061A3-2B93-41B7-8CB3-D2EA827D06F1}" destId="{AEA76822-EF94-4869-A43E-CBD2D264A7AE}" srcOrd="1" destOrd="0" presId="urn:microsoft.com/office/officeart/2005/8/layout/orgChart1"/>
     <dgm:cxn modelId="{09FEB7B7-BCCA-4ED6-8BE2-889652152D0D}" srcId="{98DE5844-EBFB-4ECB-843E-1E3C116CD0A7}" destId="{332EBDA1-FC91-42DD-8C1E-2C7B445019B3}" srcOrd="0" destOrd="0" parTransId="{0E41C96E-49F8-4F4A-AF74-A981293F785F}" sibTransId="{6F50CEDF-F26E-458C-ABDC-9725FAFC71B9}"/>
     <dgm:cxn modelId="{D8EB9AB8-65B5-4F00-97D6-AC77A68B62FE}" srcId="{EF6B1CB1-4266-4EA5-804A-ACC48ED2EE3D}" destId="{028C5DFA-CD08-425A-9808-BE49C21D580B}" srcOrd="0" destOrd="0" parTransId="{E8EB6F71-72ED-410E-A6D6-688CC4C8622F}" sibTransId="{EC8C1563-BCBD-4458-A64C-29451454356E}"/>
+    <dgm:cxn modelId="{7480D7BE-2436-4FE0-931C-94596479A185}" type="presOf" srcId="{AF051581-B2C4-4A22-B3E9-D040DD094A2F}" destId="{471300FB-DB21-4C22-8086-4742D736E0BD}" srcOrd="0" destOrd="0" presId="urn:microsoft.com/office/officeart/2005/8/layout/orgChart1"/>
     <dgm:cxn modelId="{9901F1C1-19FB-42C6-9BED-6FCF273233DC}" type="presOf" srcId="{0ED2AB80-1B48-415F-BD87-852714594E12}" destId="{206209FB-F600-4BD1-9606-121E90963E67}" srcOrd="0" destOrd="0" presId="urn:microsoft.com/office/officeart/2005/8/layout/orgChart1"/>
     <dgm:cxn modelId="{446851C2-10A3-4989-B0D3-47A882BA10D5}" type="presOf" srcId="{9E9AFA18-4A4C-452D-9BB1-22608177395D}" destId="{070D4700-2947-4504-A795-8589C16A902C}" srcOrd="0" destOrd="0" presId="urn:microsoft.com/office/officeart/2005/8/layout/orgChart1"/>
     <dgm:cxn modelId="{22BE7EC2-7640-4746-B645-BD7D5CDD45E9}" type="presOf" srcId="{441C9BFF-8AD7-4827-90F5-60BEDCAF3705}" destId="{90D799FC-A8ED-47E9-A8BE-785E1AB2B5DB}" srcOrd="1" destOrd="0" presId="urn:microsoft.com/office/officeart/2005/8/layout/orgChart1"/>
-    <dgm:cxn modelId="{04FB91C6-BF1F-4277-8BE5-04976A8328B8}" srcId="{441C9BFF-8AD7-4827-90F5-60BEDCAF3705}" destId="{8EDFDED0-5AB4-468F-81D6-97B277C6DAF4}" srcOrd="6" destOrd="0" parTransId="{7F100CA5-6463-43A4-B999-87EE35319DAC}" sibTransId="{BD77A563-7436-447E-91EA-B82CBF55891C}"/>
     <dgm:cxn modelId="{148792C6-B88E-4AB3-8166-EF8B1E544472}" type="presOf" srcId="{42168C56-2F22-4C47-AD41-80714FFDE7B7}" destId="{865CC225-A0DA-47E2-8F93-648401CE5D35}" srcOrd="0" destOrd="0" presId="urn:microsoft.com/office/officeart/2005/8/layout/orgChart1"/>
     <dgm:cxn modelId="{70F2FFC6-1975-4026-A585-69298C75FA2C}" type="presOf" srcId="{675D7F23-7B7E-43D4-96A7-0786DE6601DE}" destId="{48B4CED0-3B89-45CE-991D-A8F3963860D6}" srcOrd="0" destOrd="0" presId="urn:microsoft.com/office/officeart/2005/8/layout/orgChart1"/>
     <dgm:cxn modelId="{F0101AC8-760C-43EB-9A6F-42EF22F0D95D}" type="presOf" srcId="{44363CFA-628E-4026-88F3-8868490E44F8}" destId="{9C340236-4FFD-45ED-9EE1-A04737FABAE4}" srcOrd="1" destOrd="0" presId="urn:microsoft.com/office/officeart/2005/8/layout/orgChart1"/>
     <dgm:cxn modelId="{C8EF8BC8-8A38-4F2E-8ADF-DE709EFC33A8}" type="presOf" srcId="{B91B6797-AE43-4150-84C3-B288959AACE0}" destId="{09477BDD-AB56-4E58-B538-97082ADD2D44}" srcOrd="0" destOrd="0" presId="urn:microsoft.com/office/officeart/2005/8/layout/orgChart1"/>
     <dgm:cxn modelId="{83B220C9-575D-4410-9866-5F5B448BA45A}" srcId="{441C9BFF-8AD7-4827-90F5-60BEDCAF3705}" destId="{98DE5844-EBFB-4ECB-843E-1E3C116CD0A7}" srcOrd="1" destOrd="0" parTransId="{B829E806-E11E-4BDA-8589-5EF437FD4FD6}" sibTransId="{964986D0-5530-46C8-8F61-2A4F7C778AD2}"/>
-    <dgm:cxn modelId="{03644EC9-0521-431E-98DB-C2160DFB8163}" type="presOf" srcId="{8EDFDED0-5AB4-468F-81D6-97B277C6DAF4}" destId="{0F3BDE6D-35E1-4464-ADE9-188BF71DB699}" srcOrd="1" destOrd="0" presId="urn:microsoft.com/office/officeart/2005/8/layout/orgChart1"/>
     <dgm:cxn modelId="{E1FB8AC9-7B0A-448C-B041-15907572A693}" type="presOf" srcId="{9E9AFA18-4A4C-452D-9BB1-22608177395D}" destId="{FA7BB441-4DEF-451F-9DE9-DB38CDAFAFC2}" srcOrd="1" destOrd="0" presId="urn:microsoft.com/office/officeart/2005/8/layout/orgChart1"/>
     <dgm:cxn modelId="{D7E1BBCA-4415-4710-B16F-21F84ABD7E1E}" type="presOf" srcId="{397525FB-5E1C-4D0B-A3B4-396D027EF830}" destId="{558F1EF2-AC1B-4379-94FE-33794455BDE1}" srcOrd="0" destOrd="0" presId="urn:microsoft.com/office/officeart/2005/8/layout/orgChart1"/>
     <dgm:cxn modelId="{714EDCCA-D136-47E8-93E3-18AD130D9A96}" type="presOf" srcId="{347BA63F-6330-4E17-9091-C819304D8374}" destId="{42DEE17A-3D83-4C0D-B91C-CA141A292DA2}" srcOrd="1" destOrd="0" presId="urn:microsoft.com/office/officeart/2005/8/layout/orgChart1"/>
     <dgm:cxn modelId="{105FF0CA-A9FE-4385-849A-513AFC6AB6C4}" type="presOf" srcId="{A1698A36-C129-4FA1-BE7D-9B591DCFED6F}" destId="{EA35908A-375B-4EF7-A17D-476DA652899F}" srcOrd="0" destOrd="0" presId="urn:microsoft.com/office/officeart/2005/8/layout/orgChart1"/>
     <dgm:cxn modelId="{A59B17D5-B98F-4D2B-8FCB-DE732988D245}" type="presOf" srcId="{332EBDA1-FC91-42DD-8C1E-2C7B445019B3}" destId="{1F530FFE-35D1-4609-8D1C-CEEB0EF8690E}" srcOrd="1" destOrd="0" presId="urn:microsoft.com/office/officeart/2005/8/layout/orgChart1"/>
     <dgm:cxn modelId="{EF32A5D6-A7ED-472E-846C-E4C37BA3F657}" type="presOf" srcId="{785ADFEC-7668-46D6-9578-5377B24474CF}" destId="{B15B783C-17E1-46DC-B52E-C2A7EDCDDBF6}" srcOrd="0" destOrd="0" presId="urn:microsoft.com/office/officeart/2005/8/layout/orgChart1"/>
+    <dgm:cxn modelId="{B8B8DAD8-4B10-40F0-8ED3-14035B5F0F4D}" srcId="{441C9BFF-8AD7-4827-90F5-60BEDCAF3705}" destId="{A48100E6-84E1-4E3F-8C93-442D7A1A23CC}" srcOrd="6" destOrd="0" parTransId="{476A2B4E-0CFD-4F03-9824-25789D527EDB}" sibTransId="{60462F65-71B6-4ECE-9B21-6A15610060E9}"/>
     <dgm:cxn modelId="{59A442DD-F78A-464B-97AF-79AF5CC25412}" type="presOf" srcId="{7EB6568E-DE68-41D0-B072-2D0DA56F4F15}" destId="{86837EF4-E4BC-47DA-8734-FDF19B2630D1}" srcOrd="0" destOrd="0" presId="urn:microsoft.com/office/officeart/2005/8/layout/orgChart1"/>
+    <dgm:cxn modelId="{374F36DF-6662-4F92-91D9-3C41AFDDBB98}" srcId="{4DE3A42A-E3CE-4E99-83D9-D1A6756B3CB9}" destId="{795061A3-2B93-41B7-8CB3-D2EA827D06F1}" srcOrd="1" destOrd="0" parTransId="{AF051581-B2C4-4A22-B3E9-D040DD094A2F}" sibTransId="{A5E25A6B-6ACF-4370-BC1D-916D50C4DBFB}"/>
+    <dgm:cxn modelId="{F57507E4-B4D5-4058-B138-C035C84A9DA0}" type="presOf" srcId="{A48100E6-84E1-4E3F-8C93-442D7A1A23CC}" destId="{0328B132-74A6-4425-821D-84668D625AD9}" srcOrd="1" destOrd="0" presId="urn:microsoft.com/office/officeart/2005/8/layout/orgChart1"/>
     <dgm:cxn modelId="{A7E5B9E7-435F-412E-994E-042677F66A38}" srcId="{675D7F23-7B7E-43D4-96A7-0786DE6601DE}" destId="{3C6EA423-D64F-4DC7-B184-24C9BC3512E8}" srcOrd="0" destOrd="0" parTransId="{BF950D71-5670-40D6-AC0F-099BAE4EAFCE}" sibTransId="{172DF7D6-467F-45FD-9576-96B3C7081EEA}"/>
     <dgm:cxn modelId="{0A8866E8-2AA7-443E-A2BD-C420D709BD0E}" type="presOf" srcId="{028C5DFA-CD08-425A-9808-BE49C21D580B}" destId="{3C293340-5887-41DE-859C-77675150C6EB}" srcOrd="0" destOrd="0" presId="urn:microsoft.com/office/officeart/2005/8/layout/orgChart1"/>
     <dgm:cxn modelId="{6BB4C4E8-ED81-4799-95D5-B6033938A327}" type="presOf" srcId="{44363CFA-628E-4026-88F3-8868490E44F8}" destId="{2D05126F-7CA9-467A-B341-F8E1AF5FCF66}" srcOrd="0" destOrd="0" presId="urn:microsoft.com/office/officeart/2005/8/layout/orgChart1"/>
     <dgm:cxn modelId="{556586EA-E3D4-4E18-8E2C-2A861C00A6F5}" type="presOf" srcId="{1F5D5C09-01CC-47B6-804F-480F88682A9A}" destId="{A6E4CDAD-8DFF-4C4B-BE11-899481496087}" srcOrd="0" destOrd="0" presId="urn:microsoft.com/office/officeart/2005/8/layout/orgChart1"/>
     <dgm:cxn modelId="{B5EC76EE-B0C8-4D57-AD52-D04FB5616EC9}" type="presOf" srcId="{EB65517D-69B4-43D8-B5D7-51657BA54F8A}" destId="{15D3E976-5568-44A0-A255-991A6803201C}" srcOrd="1" destOrd="0" presId="urn:microsoft.com/office/officeart/2005/8/layout/orgChart1"/>
     <dgm:cxn modelId="{1D5D46EF-0FED-4EF5-B231-49F8B8AD4D81}" type="presOf" srcId="{BF950D71-5670-40D6-AC0F-099BAE4EAFCE}" destId="{104BA3A7-D652-47E4-9B20-83BB4665DF76}" srcOrd="0" destOrd="0" presId="urn:microsoft.com/office/officeart/2005/8/layout/orgChart1"/>
+    <dgm:cxn modelId="{C8ABDCEF-2C6B-447C-B5D4-7BA5799C33EA}" type="presOf" srcId="{476A2B4E-0CFD-4F03-9824-25789D527EDB}" destId="{C01F831D-EFD6-481A-9BCE-21CF8207E0E1}" srcOrd="0" destOrd="0" presId="urn:microsoft.com/office/officeart/2005/8/layout/orgChart1"/>
     <dgm:cxn modelId="{48E3AAF0-C012-4C83-8F56-E8F5F0725BE0}" type="presOf" srcId="{98DE5844-EBFB-4ECB-843E-1E3C116CD0A7}" destId="{1FCFCB3A-B4C7-413C-B6B5-18473C4E0215}" srcOrd="0" destOrd="0" presId="urn:microsoft.com/office/officeart/2005/8/layout/orgChart1"/>
     <dgm:cxn modelId="{6947A8F6-DA81-4168-8B99-88F0A35747EE}" type="presOf" srcId="{F1DABE6E-F8F2-4453-9AF1-0A543F993768}" destId="{29A7D2B3-E83F-48D3-BA82-6C1B33C7D117}" srcOrd="1" destOrd="0" presId="urn:microsoft.com/office/officeart/2005/8/layout/orgChart1"/>
-    <dgm:cxn modelId="{2E0008F7-D245-4C48-BCEB-08AFA10F935A}" type="presOf" srcId="{7F100CA5-6463-43A4-B999-87EE35319DAC}" destId="{43F0CCA8-02F4-47A4-B3B0-263184726C84}" srcOrd="0" destOrd="0" presId="urn:microsoft.com/office/officeart/2005/8/layout/orgChart1"/>
     <dgm:cxn modelId="{6B2E06FA-3A8B-4C42-ACC4-8ABAF21B397A}" type="presOf" srcId="{785ADFEC-7668-46D6-9578-5377B24474CF}" destId="{43888EB2-C238-4AB3-84EF-EB4C21FE5D9D}" srcOrd="1" destOrd="0" presId="urn:microsoft.com/office/officeart/2005/8/layout/orgChart1"/>
     <dgm:cxn modelId="{52CAB5FA-29E8-43B7-8860-F13BBCDD9A9C}" type="presOf" srcId="{3C6EA423-D64F-4DC7-B184-24C9BC3512E8}" destId="{6326AB10-BB5C-4854-9D21-95B3803C563E}" srcOrd="1" destOrd="0" presId="urn:microsoft.com/office/officeart/2005/8/layout/orgChart1"/>
     <dgm:cxn modelId="{33BD49FD-5101-4279-946F-FECEDDECC56A}" type="presOf" srcId="{E8EB6F71-72ED-410E-A6D6-688CC4C8622F}" destId="{32554A9C-FE4D-43F7-AEE1-C54D9D75C200}" srcOrd="0" destOrd="0" presId="urn:microsoft.com/office/officeart/2005/8/layout/orgChart1"/>
@@ -6200,6 +5606,13 @@
     <dgm:cxn modelId="{30413F35-F6E7-4E1A-A6BD-6DA0EA22F1FE}" type="presParOf" srcId="{C1C5B976-7A57-4F76-8036-2A713BB83F3D}" destId="{29A7D2B3-E83F-48D3-BA82-6C1B33C7D117}" srcOrd="1" destOrd="0" presId="urn:microsoft.com/office/officeart/2005/8/layout/orgChart1"/>
     <dgm:cxn modelId="{7AD4CD3B-107C-44A1-AA2A-04B42352E682}" type="presParOf" srcId="{CCBEDB89-BBC0-4E76-85D0-33739605D6D2}" destId="{3F8B49D1-1470-4AFD-996C-55991B6E6161}" srcOrd="1" destOrd="0" presId="urn:microsoft.com/office/officeart/2005/8/layout/orgChart1"/>
     <dgm:cxn modelId="{AA30B804-7A77-410E-8C7A-3DAA00539FC9}" type="presParOf" srcId="{CCBEDB89-BBC0-4E76-85D0-33739605D6D2}" destId="{2CDB2AFC-54F1-4BDD-8E75-00BD257F080B}" srcOrd="2" destOrd="0" presId="urn:microsoft.com/office/officeart/2005/8/layout/orgChart1"/>
+    <dgm:cxn modelId="{09AEC48C-2B50-4E20-A0AD-BB4B48754FBF}" type="presParOf" srcId="{C5F35881-85B2-4697-9E03-48457319748C}" destId="{F07C89FB-7AC0-4D6A-BF40-C0070FED0EE3}" srcOrd="4" destOrd="0" presId="urn:microsoft.com/office/officeart/2005/8/layout/orgChart1"/>
+    <dgm:cxn modelId="{90E52C97-8C15-49AB-AEB6-D986D67EB99A}" type="presParOf" srcId="{C5F35881-85B2-4697-9E03-48457319748C}" destId="{B5323093-C52B-4762-88CA-EB05C45B59E6}" srcOrd="5" destOrd="0" presId="urn:microsoft.com/office/officeart/2005/8/layout/orgChart1"/>
+    <dgm:cxn modelId="{C5A854AF-159E-46C3-AF73-C0047C83C4BB}" type="presParOf" srcId="{B5323093-C52B-4762-88CA-EB05C45B59E6}" destId="{4A4C57F8-B270-4BAA-B39A-A821D3790045}" srcOrd="0" destOrd="0" presId="urn:microsoft.com/office/officeart/2005/8/layout/orgChart1"/>
+    <dgm:cxn modelId="{BC30E8DC-9475-4557-8651-0AF00CD17B50}" type="presParOf" srcId="{4A4C57F8-B270-4BAA-B39A-A821D3790045}" destId="{B99F24ED-3BC7-432A-B386-E1A66BAEF726}" srcOrd="0" destOrd="0" presId="urn:microsoft.com/office/officeart/2005/8/layout/orgChart1"/>
+    <dgm:cxn modelId="{9200E07C-F4AA-40FF-B7FD-1B58C4458B37}" type="presParOf" srcId="{4A4C57F8-B270-4BAA-B39A-A821D3790045}" destId="{19FABE79-F8A2-4566-9B89-1E2FB5DFB7A6}" srcOrd="1" destOrd="0" presId="urn:microsoft.com/office/officeart/2005/8/layout/orgChart1"/>
+    <dgm:cxn modelId="{C090DB5C-9017-4DBB-8092-14023453969E}" type="presParOf" srcId="{B5323093-C52B-4762-88CA-EB05C45B59E6}" destId="{96062C70-76CB-46F2-A12D-7691F85D67F8}" srcOrd="1" destOrd="0" presId="urn:microsoft.com/office/officeart/2005/8/layout/orgChart1"/>
+    <dgm:cxn modelId="{583B833E-AF5A-4AF7-ADF7-04E8AAFBADBD}" type="presParOf" srcId="{B5323093-C52B-4762-88CA-EB05C45B59E6}" destId="{F059FFA2-5FA4-4084-9D7E-8BEAC1958138}" srcOrd="2" destOrd="0" presId="urn:microsoft.com/office/officeart/2005/8/layout/orgChart1"/>
     <dgm:cxn modelId="{D7DE5AD4-A4C6-48D8-84F4-990B016EC799}" type="presParOf" srcId="{93E81C40-DD2A-4448-97A9-A786B317CF02}" destId="{C14FFA53-3ACC-4116-9A39-DB788CCBB57A}" srcOrd="2" destOrd="0" presId="urn:microsoft.com/office/officeart/2005/8/layout/orgChart1"/>
     <dgm:cxn modelId="{525D247C-27FF-48B7-8ECF-B252CE00C32F}" type="presParOf" srcId="{E4F35EED-3168-4BAF-B012-BC20D796120D}" destId="{EDE52273-429D-4F0E-B2E9-2F7FE11FCD67}" srcOrd="8" destOrd="0" presId="urn:microsoft.com/office/officeart/2005/8/layout/orgChart1"/>
     <dgm:cxn modelId="{0EDA6DAA-CFF0-40F0-8F9B-B6CD568A6E23}" type="presParOf" srcId="{E4F35EED-3168-4BAF-B012-BC20D796120D}" destId="{8A87B9B0-9590-4772-ADB4-79757898A6E1}" srcOrd="9" destOrd="0" presId="urn:microsoft.com/office/officeart/2005/8/layout/orgChart1"/>
@@ -6234,15 +5647,22 @@
     <dgm:cxn modelId="{8BEB572A-6555-4914-9E6B-01BA21A1824A}" type="presParOf" srcId="{08668996-837D-4CE6-91FB-CF6D4B86338C}" destId="{FA7BB441-4DEF-451F-9DE9-DB38CDAFAFC2}" srcOrd="1" destOrd="0" presId="urn:microsoft.com/office/officeart/2005/8/layout/orgChart1"/>
     <dgm:cxn modelId="{F158D054-7C63-4F6C-BB18-2D50929DC991}" type="presParOf" srcId="{7F194915-9720-4C12-BD85-F7EA4CE4DEBA}" destId="{FB19F97A-25A6-4A60-BDC7-D123DD56797A}" srcOrd="1" destOrd="0" presId="urn:microsoft.com/office/officeart/2005/8/layout/orgChart1"/>
     <dgm:cxn modelId="{F423FE69-C788-4D73-9A05-9B58D7C6710C}" type="presParOf" srcId="{7F194915-9720-4C12-BD85-F7EA4CE4DEBA}" destId="{E2CFA2F8-9D8F-4FA3-B6F0-B72DF9B1AD3A}" srcOrd="2" destOrd="0" presId="urn:microsoft.com/office/officeart/2005/8/layout/orgChart1"/>
+    <dgm:cxn modelId="{5EF73D44-7FD7-426C-95D7-3B0C48C82CE3}" type="presParOf" srcId="{B4B577CE-F927-44B3-B73A-132AB0F7463E}" destId="{471300FB-DB21-4C22-8086-4742D736E0BD}" srcOrd="2" destOrd="0" presId="urn:microsoft.com/office/officeart/2005/8/layout/orgChart1"/>
+    <dgm:cxn modelId="{46235281-4099-4D12-90B7-1F875AC752B8}" type="presParOf" srcId="{B4B577CE-F927-44B3-B73A-132AB0F7463E}" destId="{F2C5B7BF-12D3-43B1-A8A8-0560C712E455}" srcOrd="3" destOrd="0" presId="urn:microsoft.com/office/officeart/2005/8/layout/orgChart1"/>
+    <dgm:cxn modelId="{0E5563B9-6057-4443-9131-E78069890883}" type="presParOf" srcId="{F2C5B7BF-12D3-43B1-A8A8-0560C712E455}" destId="{57C4E5C8-83CF-4E2F-A5AF-6BAF1C13851F}" srcOrd="0" destOrd="0" presId="urn:microsoft.com/office/officeart/2005/8/layout/orgChart1"/>
+    <dgm:cxn modelId="{9356A74A-136D-4A04-B7EB-D1A396CAB6AE}" type="presParOf" srcId="{57C4E5C8-83CF-4E2F-A5AF-6BAF1C13851F}" destId="{6E5659B3-987D-47B1-A1A1-39AAF04C38E5}" srcOrd="0" destOrd="0" presId="urn:microsoft.com/office/officeart/2005/8/layout/orgChart1"/>
+    <dgm:cxn modelId="{9966A4FC-16A6-4BCE-83DC-117C4FDB9C18}" type="presParOf" srcId="{57C4E5C8-83CF-4E2F-A5AF-6BAF1C13851F}" destId="{AEA76822-EF94-4869-A43E-CBD2D264A7AE}" srcOrd="1" destOrd="0" presId="urn:microsoft.com/office/officeart/2005/8/layout/orgChart1"/>
+    <dgm:cxn modelId="{8CE261A2-AE15-4C9E-9D14-BA3FF56A102E}" type="presParOf" srcId="{F2C5B7BF-12D3-43B1-A8A8-0560C712E455}" destId="{F2B8EE22-117B-419C-AC13-2A50A5B96B36}" srcOrd="1" destOrd="0" presId="urn:microsoft.com/office/officeart/2005/8/layout/orgChart1"/>
+    <dgm:cxn modelId="{AC4B8523-603D-4F77-91B0-B5A0A1310468}" type="presParOf" srcId="{F2C5B7BF-12D3-43B1-A8A8-0560C712E455}" destId="{5CABA45B-EA84-4AB5-98A8-740DB34DE632}" srcOrd="2" destOrd="0" presId="urn:microsoft.com/office/officeart/2005/8/layout/orgChart1"/>
     <dgm:cxn modelId="{84A47DEF-7428-4206-A518-4978673470C5}" type="presParOf" srcId="{70E78AA5-44C3-4381-958B-78CB23EBFFCE}" destId="{785A05C1-C30A-417C-A630-2D3F585FA797}" srcOrd="2" destOrd="0" presId="urn:microsoft.com/office/officeart/2005/8/layout/orgChart1"/>
     <dgm:cxn modelId="{EA29B554-56D0-4264-8CF4-F14B37C3A233}" type="presParOf" srcId="{5CC20E89-F633-4EE5-A46A-2881618E8D80}" destId="{68F821E3-1B7B-4189-9C3B-47B2F15F27A1}" srcOrd="2" destOrd="0" presId="urn:microsoft.com/office/officeart/2005/8/layout/orgChart1"/>
-    <dgm:cxn modelId="{63D9D8AC-F3EA-4CC1-82BA-773BED17F6FE}" type="presParOf" srcId="{E4F35EED-3168-4BAF-B012-BC20D796120D}" destId="{43F0CCA8-02F4-47A4-B3B0-263184726C84}" srcOrd="12" destOrd="0" presId="urn:microsoft.com/office/officeart/2005/8/layout/orgChart1"/>
-    <dgm:cxn modelId="{785059D1-FE12-4FED-A414-E47BF4414AC6}" type="presParOf" srcId="{E4F35EED-3168-4BAF-B012-BC20D796120D}" destId="{890CD56F-2048-4D00-98A6-35EF6449925B}" srcOrd="13" destOrd="0" presId="urn:microsoft.com/office/officeart/2005/8/layout/orgChart1"/>
-    <dgm:cxn modelId="{A2029624-D2A2-4E09-BF86-D6F335DE4EC0}" type="presParOf" srcId="{890CD56F-2048-4D00-98A6-35EF6449925B}" destId="{0ACBAB54-EB8A-428E-8943-F80597C18A2D}" srcOrd="0" destOrd="0" presId="urn:microsoft.com/office/officeart/2005/8/layout/orgChart1"/>
-    <dgm:cxn modelId="{1374A898-5C49-4E2C-BDE9-0C817B12EBD2}" type="presParOf" srcId="{0ACBAB54-EB8A-428E-8943-F80597C18A2D}" destId="{363BECE7-EF17-46EA-9CA5-188A90BE0088}" srcOrd="0" destOrd="0" presId="urn:microsoft.com/office/officeart/2005/8/layout/orgChart1"/>
-    <dgm:cxn modelId="{18B6A4F4-2091-4BD0-A8BD-DEE6E3938CE6}" type="presParOf" srcId="{0ACBAB54-EB8A-428E-8943-F80597C18A2D}" destId="{0F3BDE6D-35E1-4464-ADE9-188BF71DB699}" srcOrd="1" destOrd="0" presId="urn:microsoft.com/office/officeart/2005/8/layout/orgChart1"/>
-    <dgm:cxn modelId="{464F6DDD-21F0-441A-8DC5-AF707E9EE7E8}" type="presParOf" srcId="{890CD56F-2048-4D00-98A6-35EF6449925B}" destId="{EBA096FC-4270-4007-AB5F-249C83FE9562}" srcOrd="1" destOrd="0" presId="urn:microsoft.com/office/officeart/2005/8/layout/orgChart1"/>
-    <dgm:cxn modelId="{AC0FCCF2-A0F1-47D1-95E8-0219717C4BD5}" type="presParOf" srcId="{890CD56F-2048-4D00-98A6-35EF6449925B}" destId="{1A5B176C-DA52-4AFB-9A7F-B50C12EC8A42}" srcOrd="2" destOrd="0" presId="urn:microsoft.com/office/officeart/2005/8/layout/orgChart1"/>
+    <dgm:cxn modelId="{707DA28B-294B-4E63-AF79-89F590E65B07}" type="presParOf" srcId="{E4F35EED-3168-4BAF-B012-BC20D796120D}" destId="{C01F831D-EFD6-481A-9BCE-21CF8207E0E1}" srcOrd="12" destOrd="0" presId="urn:microsoft.com/office/officeart/2005/8/layout/orgChart1"/>
+    <dgm:cxn modelId="{17B55354-CFCA-4172-A700-983D806675C8}" type="presParOf" srcId="{E4F35EED-3168-4BAF-B012-BC20D796120D}" destId="{C9B38781-C395-4C17-8C7F-BEE957BD4249}" srcOrd="13" destOrd="0" presId="urn:microsoft.com/office/officeart/2005/8/layout/orgChart1"/>
+    <dgm:cxn modelId="{7758AD0A-D686-4AAB-BBD2-DD7E3D5DA2E5}" type="presParOf" srcId="{C9B38781-C395-4C17-8C7F-BEE957BD4249}" destId="{E9FEC899-8424-4F91-BF00-9F0EA2743AA9}" srcOrd="0" destOrd="0" presId="urn:microsoft.com/office/officeart/2005/8/layout/orgChart1"/>
+    <dgm:cxn modelId="{0D763170-4518-4277-894B-FEB00CACA6F7}" type="presParOf" srcId="{E9FEC899-8424-4F91-BF00-9F0EA2743AA9}" destId="{12F0C7F9-8119-4BBD-A7C5-DEFEEA6C7D89}" srcOrd="0" destOrd="0" presId="urn:microsoft.com/office/officeart/2005/8/layout/orgChart1"/>
+    <dgm:cxn modelId="{45F94CA4-F931-4C58-8F07-0AE8A82F5B4F}" type="presParOf" srcId="{E9FEC899-8424-4F91-BF00-9F0EA2743AA9}" destId="{0328B132-74A6-4425-821D-84668D625AD9}" srcOrd="1" destOrd="0" presId="urn:microsoft.com/office/officeart/2005/8/layout/orgChart1"/>
+    <dgm:cxn modelId="{A6FECA18-7962-4688-9DEE-A0188685EAAA}" type="presParOf" srcId="{C9B38781-C395-4C17-8C7F-BEE957BD4249}" destId="{2576764E-D309-4CA8-B535-2E32B2410668}" srcOrd="1" destOrd="0" presId="urn:microsoft.com/office/officeart/2005/8/layout/orgChart1"/>
+    <dgm:cxn modelId="{64508501-DCAE-4EAB-973D-2C42724DCA1F}" type="presParOf" srcId="{C9B38781-C395-4C17-8C7F-BEE957BD4249}" destId="{B0D3F576-543B-4CA5-96FD-7BC4FFB37716}" srcOrd="2" destOrd="0" presId="urn:microsoft.com/office/officeart/2005/8/layout/orgChart1"/>
     <dgm:cxn modelId="{882046F6-F1A3-4334-AD7D-2E1C4A1F6BF0}" type="presParOf" srcId="{8B848A77-7266-476A-B593-64C912A0F29B}" destId="{2DAC1630-BA8F-4206-952C-EBE673153874}" srcOrd="2" destOrd="0" presId="urn:microsoft.com/office/officeart/2005/8/layout/orgChart1"/>
   </dgm:cxnLst>
   <dgm:bg/>
@@ -6316,7 +5736,10 @@
             <a:rPr lang="en-PH" dirty="0" err="1"/>
             <a:t>userId</a:t>
           </a:r>
-          <a:endParaRPr lang="en-PH" dirty="0"/>
+          <a:r>
+            <a:rPr lang="en-PH" dirty="0"/>
+            <a:t> (System Generated)</a:t>
+          </a:r>
         </a:p>
       </dgm:t>
     </dgm:pt>
@@ -6389,7 +5812,10 @@
             <a:rPr lang="en-PH" dirty="0" err="1"/>
             <a:t>passhash</a:t>
           </a:r>
-          <a:endParaRPr lang="en-PH" dirty="0"/>
+          <a:r>
+            <a:rPr lang="en-PH" dirty="0"/>
+            <a:t> (System Generated, Derived from the plaintext password)</a:t>
+          </a:r>
         </a:p>
       </dgm:t>
     </dgm:pt>
@@ -6645,7 +6071,34 @@
             <a:rPr lang="en-PH" dirty="0" err="1"/>
             <a:t>profilepic</a:t>
           </a:r>
-          <a:endParaRPr lang="en-PH" dirty="0"/>
+          <a:r>
+            <a:rPr lang="en-PH" dirty="0"/>
+            <a:t> (&lt;path to </a:t>
+          </a:r>
+          <a:r>
+            <a:rPr lang="en-PH" dirty="0" err="1"/>
+            <a:t>dp</a:t>
+          </a:r>
+          <a:r>
+            <a:rPr lang="en-PH" dirty="0"/>
+            <a:t>&gt;+</a:t>
+          </a:r>
+          <a:r>
+            <a:rPr lang="en-PH" dirty="0" err="1"/>
+            <a:t>userId</a:t>
+          </a:r>
+          <a:r>
+            <a:rPr lang="en-PH" dirty="0"/>
+            <a:t>+’.</a:t>
+          </a:r>
+          <a:r>
+            <a:rPr lang="en-PH" dirty="0" err="1"/>
+            <a:t>webp</a:t>
+          </a:r>
+          <a:r>
+            <a:rPr lang="en-PH" dirty="0"/>
+            <a:t>’)</a:t>
+          </a:r>
         </a:p>
       </dgm:t>
     </dgm:pt>
@@ -7101,7 +6554,7 @@
         <a:p>
           <a:r>
             <a:rPr lang="en-PH" dirty="0" err="1"/>
-            <a:t>authorId</a:t>
+            <a:t>userId</a:t>
           </a:r>
           <a:endParaRPr lang="en-PH" dirty="0"/>
         </a:p>
@@ -7284,7 +6737,34 @@
             <a:rPr lang="en-PH" dirty="0" err="1"/>
             <a:t>imgurl</a:t>
           </a:r>
-          <a:endParaRPr lang="en-PH" dirty="0"/>
+          <a:r>
+            <a:rPr lang="en-PH" dirty="0"/>
+            <a:t> (&lt;path to </a:t>
+          </a:r>
+          <a:r>
+            <a:rPr lang="en-PH" dirty="0" err="1"/>
+            <a:t>post_img</a:t>
+          </a:r>
+          <a:r>
+            <a:rPr lang="en-PH" dirty="0"/>
+            <a:t>&gt;+</a:t>
+          </a:r>
+          <a:r>
+            <a:rPr lang="en-PH" dirty="0" err="1"/>
+            <a:t>postHash</a:t>
+          </a:r>
+          <a:r>
+            <a:rPr lang="en-PH" dirty="0"/>
+            <a:t>+’.</a:t>
+          </a:r>
+          <a:r>
+            <a:rPr lang="en-PH" dirty="0" err="1"/>
+            <a:t>webp</a:t>
+          </a:r>
+          <a:r>
+            <a:rPr lang="en-PH" dirty="0"/>
+            <a:t>’)</a:t>
+          </a:r>
         </a:p>
       </dgm:t>
     </dgm:pt>
@@ -7318,8 +6798,8 @@
         <a:lstStyle/>
         <a:p>
           <a:r>
-            <a:rPr lang="en-PH" dirty="0" err="1"/>
-            <a:t>posthash</a:t>
+            <a:rPr lang="en-PH"/>
+            <a:t>postHash</a:t>
           </a:r>
           <a:endParaRPr lang="en-PH" dirty="0"/>
         </a:p>
@@ -7749,7 +7229,7 @@
         <a:p>
           <a:r>
             <a:rPr lang="en-PH" dirty="0" err="1"/>
-            <a:t>authorId</a:t>
+            <a:t>userId</a:t>
           </a:r>
           <a:endParaRPr lang="en-PH" dirty="0"/>
         </a:p>
@@ -7822,7 +7302,7 @@
         <a:p>
           <a:r>
             <a:rPr lang="en-PH" dirty="0" err="1"/>
-            <a:t>posthash</a:t>
+            <a:t>postHash</a:t>
           </a:r>
           <a:endParaRPr lang="en-PH" dirty="0"/>
         </a:p>
@@ -8124,7 +7604,7 @@
         <a:p>
           <a:r>
             <a:rPr lang="en-PH" dirty="0" err="1"/>
-            <a:t>authorId</a:t>
+            <a:t>userId</a:t>
           </a:r>
           <a:endParaRPr lang="en-PH" dirty="0"/>
         </a:p>
@@ -8161,7 +7641,7 @@
         <a:p>
           <a:r>
             <a:rPr lang="en-PH" dirty="0" err="1"/>
-            <a:t>posthash</a:t>
+            <a:t>postHash</a:t>
           </a:r>
           <a:endParaRPr lang="en-PH" dirty="0"/>
         </a:p>
@@ -8304,36 +7784,6 @@
 </dgm:dataModel>
 </file>
 
-<file path=ppt/diagrams/data6.xml><?xml version="1.0" encoding="utf-8"?>
-<dgm:dataModel xmlns:dgm="http://schemas.openxmlformats.org/drawingml/2006/diagram" xmlns:a="http://schemas.openxmlformats.org/drawingml/2006/main">
-  <dgm:ptLst>
-    <dgm:pt modelId="{4957C7B5-68EA-4C6D-9991-25747A30707B}" type="doc">
-      <dgm:prSet loTypeId="urn:microsoft.com/office/officeart/2005/8/layout/process1" loCatId="process" qsTypeId="urn:microsoft.com/office/officeart/2005/8/quickstyle/simple1" qsCatId="simple" csTypeId="urn:microsoft.com/office/officeart/2005/8/colors/accent1_2" csCatId="accent1" phldr="1"/>
-      <dgm:spPr/>
-    </dgm:pt>
-    <dgm:pt modelId="{32200215-EA25-427B-BE47-C2A15F2FF6CD}" type="pres">
-      <dgm:prSet presAssocID="{4957C7B5-68EA-4C6D-9991-25747A30707B}" presName="Name0" presStyleCnt="0">
-        <dgm:presLayoutVars>
-          <dgm:dir/>
-          <dgm:resizeHandles val="exact"/>
-        </dgm:presLayoutVars>
-      </dgm:prSet>
-      <dgm:spPr/>
-    </dgm:pt>
-  </dgm:ptLst>
-  <dgm:cxnLst>
-    <dgm:cxn modelId="{8CE24F89-DC21-4817-97AB-C6925874832D}" type="presOf" srcId="{4957C7B5-68EA-4C6D-9991-25747A30707B}" destId="{32200215-EA25-427B-BE47-C2A15F2FF6CD}" srcOrd="0" destOrd="0" presId="urn:microsoft.com/office/officeart/2005/8/layout/process1"/>
-  </dgm:cxnLst>
-  <dgm:bg/>
-  <dgm:whole/>
-  <dgm:extLst>
-    <a:ext uri="http://schemas.microsoft.com/office/drawing/2008/diagram">
-      <dsp:dataModelExt xmlns:dsp="http://schemas.microsoft.com/office/drawing/2008/diagram" relId="rId6" minVer="http://schemas.openxmlformats.org/drawingml/2006/diagram"/>
-    </a:ext>
-  </dgm:extLst>
-</dgm:dataModel>
-</file>
-
 <file path=ppt/diagrams/drawing1.xml><?xml version="1.0" encoding="utf-8"?>
 <dsp:drawing xmlns:dgm="http://schemas.openxmlformats.org/drawingml/2006/diagram" xmlns:dsp="http://schemas.microsoft.com/office/drawing/2008/diagram" xmlns:a="http://schemas.openxmlformats.org/drawingml/2006/main">
   <dsp:spTree>
@@ -8342,7 +7792,7 @@
       <dsp:cNvGrpSpPr/>
     </dsp:nvGrpSpPr>
     <dsp:grpSpPr/>
-    <dsp:sp modelId="{43F0CCA8-02F4-47A4-B3B0-263184726C84}">
+    <dsp:sp modelId="{C01F831D-EFD6-481A-9BCE-21CF8207E0E1}">
       <dsp:nvSpPr>
         <dsp:cNvPr id="0" name=""/>
         <dsp:cNvSpPr/>
@@ -8380,6 +7830,65 @@
           <a:solidFill>
             <a:schemeClr val="accent1">
               <a:shade val="60000"/>
+              <a:hueOff val="0"/>
+              <a:satOff val="0"/>
+              <a:lumOff val="0"/>
+              <a:alphaOff val="0"/>
+            </a:schemeClr>
+          </a:solidFill>
+          <a:prstDash val="solid"/>
+          <a:miter lim="800000"/>
+        </a:ln>
+        <a:effectLst/>
+      </dsp:spPr>
+      <dsp:style>
+        <a:lnRef idx="2">
+          <a:scrgbClr r="0" g="0" b="0"/>
+        </a:lnRef>
+        <a:fillRef idx="0">
+          <a:scrgbClr r="0" g="0" b="0"/>
+        </a:fillRef>
+        <a:effectRef idx="0">
+          <a:scrgbClr r="0" g="0" b="0"/>
+        </a:effectRef>
+        <a:fontRef idx="minor"/>
+      </dsp:style>
+    </dsp:sp>
+    <dsp:sp modelId="{471300FB-DB21-4C22-8086-4742D736E0BD}">
+      <dsp:nvSpPr>
+        <dsp:cNvPr id="0" name=""/>
+        <dsp:cNvSpPr/>
+      </dsp:nvSpPr>
+      <dsp:spPr>
+        <a:xfrm>
+          <a:off x="7907960" y="2776190"/>
+          <a:ext cx="185325" cy="1445541"/>
+        </a:xfrm>
+        <a:custGeom>
+          <a:avLst/>
+          <a:gdLst/>
+          <a:ahLst/>
+          <a:cxnLst/>
+          <a:rect l="0" t="0" r="0" b="0"/>
+          <a:pathLst>
+            <a:path>
+              <a:moveTo>
+                <a:pt x="0" y="0"/>
+              </a:moveTo>
+              <a:lnTo>
+                <a:pt x="0" y="1445541"/>
+              </a:lnTo>
+              <a:lnTo>
+                <a:pt x="185325" y="1445541"/>
+              </a:lnTo>
+            </a:path>
+          </a:pathLst>
+        </a:custGeom>
+        <a:noFill/>
+        <a:ln w="12700" cap="flat" cmpd="sng" algn="ctr">
+          <a:solidFill>
+            <a:schemeClr val="accent1">
+              <a:shade val="80000"/>
               <a:hueOff val="0"/>
               <a:satOff val="0"/>
               <a:lumOff val="0"/>
@@ -8702,6 +8211,65 @@
         <a:fontRef idx="minor"/>
       </dsp:style>
     </dsp:sp>
+    <dsp:sp modelId="{F07C89FB-7AC0-4D6A-BF40-C0070FED0EE3}">
+      <dsp:nvSpPr>
+        <dsp:cNvPr id="0" name=""/>
+        <dsp:cNvSpPr/>
+      </dsp:nvSpPr>
+      <dsp:spPr>
+        <a:xfrm>
+          <a:off x="4609159" y="1898981"/>
+          <a:ext cx="185325" cy="2322751"/>
+        </a:xfrm>
+        <a:custGeom>
+          <a:avLst/>
+          <a:gdLst/>
+          <a:ahLst/>
+          <a:cxnLst/>
+          <a:rect l="0" t="0" r="0" b="0"/>
+          <a:pathLst>
+            <a:path>
+              <a:moveTo>
+                <a:pt x="0" y="0"/>
+              </a:moveTo>
+              <a:lnTo>
+                <a:pt x="0" y="2322751"/>
+              </a:lnTo>
+              <a:lnTo>
+                <a:pt x="185325" y="2322751"/>
+              </a:lnTo>
+            </a:path>
+          </a:pathLst>
+        </a:custGeom>
+        <a:noFill/>
+        <a:ln w="12700" cap="flat" cmpd="sng" algn="ctr">
+          <a:solidFill>
+            <a:schemeClr val="accent1">
+              <a:shade val="80000"/>
+              <a:hueOff val="0"/>
+              <a:satOff val="0"/>
+              <a:lumOff val="0"/>
+              <a:alphaOff val="0"/>
+            </a:schemeClr>
+          </a:solidFill>
+          <a:prstDash val="solid"/>
+          <a:miter lim="800000"/>
+        </a:ln>
+        <a:effectLst/>
+      </dsp:spPr>
+      <dsp:style>
+        <a:lnRef idx="2">
+          <a:scrgbClr r="0" g="0" b="0"/>
+        </a:lnRef>
+        <a:fillRef idx="0">
+          <a:scrgbClr r="0" g="0" b="0"/>
+        </a:fillRef>
+        <a:effectRef idx="0">
+          <a:scrgbClr r="0" g="0" b="0"/>
+        </a:effectRef>
+        <a:fontRef idx="minor"/>
+      </dsp:style>
+    </dsp:sp>
     <dsp:sp modelId="{246DDF7E-D086-468F-AD98-C5A107AC1D5D}">
       <dsp:nvSpPr>
         <dsp:cNvPr id="0" name=""/>
@@ -9472,12 +9040,12 @@
         </a:fontRef>
       </dsp:style>
       <dsp:txBody>
-        <a:bodyPr spcFirstLastPara="0" vert="horz" wrap="square" lIns="6350" tIns="6350" rIns="6350" bIns="6350" numCol="1" spcCol="1270" anchor="ctr" anchorCtr="0">
+        <a:bodyPr spcFirstLastPara="0" vert="horz" wrap="square" lIns="5715" tIns="5715" rIns="5715" bIns="5715" numCol="1" spcCol="1270" anchor="ctr" anchorCtr="0">
           <a:noAutofit/>
         </a:bodyPr>
         <a:lstStyle/>
         <a:p>
-          <a:pPr marL="0" lvl="0" indent="0" algn="ctr" defTabSz="444500">
+          <a:pPr marL="0" lvl="0" indent="0" algn="ctr" defTabSz="400050">
             <a:lnSpc>
               <a:spcPct val="90000"/>
             </a:lnSpc>
@@ -9490,7 +9058,7 @@
             <a:buNone/>
           </a:pPr>
           <a:r>
-            <a:rPr lang="en-PH" sz="1000" i="0" u="none" kern="1200" dirty="0"/>
+            <a:rPr lang="en-PH" sz="900" i="0" u="none" kern="1200" dirty="0"/>
             <a:t>GET: /</a:t>
           </a:r>
         </a:p>
@@ -9550,12 +9118,12 @@
         </a:fontRef>
       </dsp:style>
       <dsp:txBody>
-        <a:bodyPr spcFirstLastPara="0" vert="horz" wrap="square" lIns="6350" tIns="6350" rIns="6350" bIns="6350" numCol="1" spcCol="1270" anchor="ctr" anchorCtr="0">
+        <a:bodyPr spcFirstLastPara="0" vert="horz" wrap="square" lIns="5715" tIns="5715" rIns="5715" bIns="5715" numCol="1" spcCol="1270" anchor="ctr" anchorCtr="0">
           <a:noAutofit/>
         </a:bodyPr>
         <a:lstStyle/>
         <a:p>
-          <a:pPr marL="0" lvl="0" indent="0" algn="ctr" defTabSz="444500">
+          <a:pPr marL="0" lvl="0" indent="0" algn="ctr" defTabSz="400050">
             <a:lnSpc>
               <a:spcPct val="90000"/>
             </a:lnSpc>
@@ -9568,7 +9136,7 @@
             <a:buNone/>
           </a:pPr>
           <a:r>
-            <a:rPr lang="en-PH" sz="1000" i="0" u="none" kern="1200" dirty="0"/>
+            <a:rPr lang="en-PH" sz="900" i="0" u="none" kern="1200" dirty="0"/>
             <a:t>GET: /login</a:t>
           </a:r>
         </a:p>
@@ -9628,12 +9196,12 @@
         </a:fontRef>
       </dsp:style>
       <dsp:txBody>
-        <a:bodyPr spcFirstLastPara="0" vert="horz" wrap="square" lIns="6350" tIns="6350" rIns="6350" bIns="6350" numCol="1" spcCol="1270" anchor="ctr" anchorCtr="0">
+        <a:bodyPr spcFirstLastPara="0" vert="horz" wrap="square" lIns="5715" tIns="5715" rIns="5715" bIns="5715" numCol="1" spcCol="1270" anchor="ctr" anchorCtr="0">
           <a:noAutofit/>
         </a:bodyPr>
         <a:lstStyle/>
         <a:p>
-          <a:pPr marL="0" lvl="0" indent="0" algn="ctr" defTabSz="444500">
+          <a:pPr marL="0" lvl="0" indent="0" algn="ctr" defTabSz="400050">
             <a:lnSpc>
               <a:spcPct val="90000"/>
             </a:lnSpc>
@@ -9646,7 +9214,7 @@
             <a:buNone/>
           </a:pPr>
           <a:r>
-            <a:rPr lang="en-PH" sz="1000" i="0" u="none" kern="1200" dirty="0"/>
+            <a:rPr lang="en-PH" sz="900" i="0" u="none" kern="1200" dirty="0"/>
             <a:t>POST: /login/in</a:t>
           </a:r>
         </a:p>
@@ -9706,12 +9274,12 @@
         </a:fontRef>
       </dsp:style>
       <dsp:txBody>
-        <a:bodyPr spcFirstLastPara="0" vert="horz" wrap="square" lIns="6350" tIns="6350" rIns="6350" bIns="6350" numCol="1" spcCol="1270" anchor="ctr" anchorCtr="0">
+        <a:bodyPr spcFirstLastPara="0" vert="horz" wrap="square" lIns="5715" tIns="5715" rIns="5715" bIns="5715" numCol="1" spcCol="1270" anchor="ctr" anchorCtr="0">
           <a:noAutofit/>
         </a:bodyPr>
         <a:lstStyle/>
         <a:p>
-          <a:pPr marL="0" lvl="0" indent="0" algn="ctr" defTabSz="444500">
+          <a:pPr marL="0" lvl="0" indent="0" algn="ctr" defTabSz="400050">
             <a:lnSpc>
               <a:spcPct val="90000"/>
             </a:lnSpc>
@@ -9724,7 +9292,7 @@
             <a:buNone/>
           </a:pPr>
           <a:r>
-            <a:rPr lang="en-PH" sz="1000" i="0" u="none" kern="1200" dirty="0"/>
+            <a:rPr lang="en-PH" sz="900" i="0" u="none" kern="1200" dirty="0"/>
             <a:t>GET: /logout</a:t>
           </a:r>
         </a:p>
@@ -9784,12 +9352,12 @@
         </a:fontRef>
       </dsp:style>
       <dsp:txBody>
-        <a:bodyPr spcFirstLastPara="0" vert="horz" wrap="square" lIns="6350" tIns="6350" rIns="6350" bIns="6350" numCol="1" spcCol="1270" anchor="ctr" anchorCtr="0">
+        <a:bodyPr spcFirstLastPara="0" vert="horz" wrap="square" lIns="5715" tIns="5715" rIns="5715" bIns="5715" numCol="1" spcCol="1270" anchor="ctr" anchorCtr="0">
           <a:noAutofit/>
         </a:bodyPr>
         <a:lstStyle/>
         <a:p>
-          <a:pPr marL="0" lvl="0" indent="0" algn="ctr" defTabSz="444500">
+          <a:pPr marL="0" lvl="0" indent="0" algn="ctr" defTabSz="400050">
             <a:lnSpc>
               <a:spcPct val="90000"/>
             </a:lnSpc>
@@ -9802,7 +9370,7 @@
             <a:buNone/>
           </a:pPr>
           <a:r>
-            <a:rPr lang="en-PH" sz="1000" i="0" u="none" kern="1200" dirty="0"/>
+            <a:rPr lang="en-PH" sz="900" i="0" u="none" kern="1200" dirty="0"/>
             <a:t>POST: /logout/out</a:t>
           </a:r>
         </a:p>
@@ -9862,12 +9430,12 @@
         </a:fontRef>
       </dsp:style>
       <dsp:txBody>
-        <a:bodyPr spcFirstLastPara="0" vert="horz" wrap="square" lIns="6350" tIns="6350" rIns="6350" bIns="6350" numCol="1" spcCol="1270" anchor="ctr" anchorCtr="0">
+        <a:bodyPr spcFirstLastPara="0" vert="horz" wrap="square" lIns="5715" tIns="5715" rIns="5715" bIns="5715" numCol="1" spcCol="1270" anchor="ctr" anchorCtr="0">
           <a:noAutofit/>
         </a:bodyPr>
         <a:lstStyle/>
         <a:p>
-          <a:pPr marL="0" lvl="0" indent="0" algn="ctr" defTabSz="444500">
+          <a:pPr marL="0" lvl="0" indent="0" algn="ctr" defTabSz="400050">
             <a:lnSpc>
               <a:spcPct val="90000"/>
             </a:lnSpc>
@@ -9880,7 +9448,7 @@
             <a:buNone/>
           </a:pPr>
           <a:r>
-            <a:rPr lang="en-PH" sz="1000" i="0" u="none" kern="1200" dirty="0"/>
+            <a:rPr lang="en-PH" sz="900" i="0" u="none" kern="1200" dirty="0"/>
             <a:t>GET: /home</a:t>
           </a:r>
         </a:p>
@@ -9940,12 +9508,12 @@
         </a:fontRef>
       </dsp:style>
       <dsp:txBody>
-        <a:bodyPr spcFirstLastPara="0" vert="horz" wrap="square" lIns="6350" tIns="6350" rIns="6350" bIns="6350" numCol="1" spcCol="1270" anchor="ctr" anchorCtr="0">
+        <a:bodyPr spcFirstLastPara="0" vert="horz" wrap="square" lIns="5715" tIns="5715" rIns="5715" bIns="5715" numCol="1" spcCol="1270" anchor="ctr" anchorCtr="0">
           <a:noAutofit/>
         </a:bodyPr>
         <a:lstStyle/>
         <a:p>
-          <a:pPr marL="0" lvl="0" indent="0" algn="ctr" defTabSz="444500">
+          <a:pPr marL="0" lvl="0" indent="0" algn="ctr" defTabSz="400050">
             <a:lnSpc>
               <a:spcPct val="90000"/>
             </a:lnSpc>
@@ -9958,7 +9526,7 @@
             <a:buNone/>
           </a:pPr>
           <a:r>
-            <a:rPr lang="en-PH" sz="1000" i="0" u="none" kern="1200" dirty="0"/>
+            <a:rPr lang="en-PH" sz="900" i="0" u="none" kern="1200" dirty="0"/>
             <a:t>POST: /home/post</a:t>
           </a:r>
         </a:p>
@@ -10018,12 +9586,12 @@
         </a:fontRef>
       </dsp:style>
       <dsp:txBody>
-        <a:bodyPr spcFirstLastPara="0" vert="horz" wrap="square" lIns="6350" tIns="6350" rIns="6350" bIns="6350" numCol="1" spcCol="1270" anchor="ctr" anchorCtr="0">
+        <a:bodyPr spcFirstLastPara="0" vert="horz" wrap="square" lIns="5715" tIns="5715" rIns="5715" bIns="5715" numCol="1" spcCol="1270" anchor="ctr" anchorCtr="0">
           <a:noAutofit/>
         </a:bodyPr>
         <a:lstStyle/>
         <a:p>
-          <a:pPr marL="0" lvl="0" indent="0" algn="ctr" defTabSz="444500">
+          <a:pPr marL="0" lvl="0" indent="0" algn="ctr" defTabSz="400050">
             <a:lnSpc>
               <a:spcPct val="90000"/>
             </a:lnSpc>
@@ -10036,7 +9604,7 @@
             <a:buNone/>
           </a:pPr>
           <a:r>
-            <a:rPr lang="en-PH" sz="1000" i="0" u="none" kern="1200" dirty="0"/>
+            <a:rPr lang="en-PH" sz="900" i="0" u="none" kern="1200" dirty="0"/>
             <a:t>POST: /home/like</a:t>
           </a:r>
         </a:p>
@@ -10096,12 +9664,12 @@
         </a:fontRef>
       </dsp:style>
       <dsp:txBody>
-        <a:bodyPr spcFirstLastPara="0" vert="horz" wrap="square" lIns="6350" tIns="6350" rIns="6350" bIns="6350" numCol="1" spcCol="1270" anchor="ctr" anchorCtr="0">
+        <a:bodyPr spcFirstLastPara="0" vert="horz" wrap="square" lIns="5715" tIns="5715" rIns="5715" bIns="5715" numCol="1" spcCol="1270" anchor="ctr" anchorCtr="0">
           <a:noAutofit/>
         </a:bodyPr>
         <a:lstStyle/>
         <a:p>
-          <a:pPr marL="0" lvl="0" indent="0" algn="ctr" defTabSz="444500">
+          <a:pPr marL="0" lvl="0" indent="0" algn="ctr" defTabSz="400050">
             <a:lnSpc>
               <a:spcPct val="90000"/>
             </a:lnSpc>
@@ -10114,7 +9682,7 @@
             <a:buNone/>
           </a:pPr>
           <a:r>
-            <a:rPr lang="en-PH" sz="1000" i="0" u="none" kern="1200" dirty="0"/>
+            <a:rPr lang="en-PH" sz="900" i="0" u="none" kern="1200" dirty="0"/>
             <a:t>POST: /home/report</a:t>
           </a:r>
         </a:p>
@@ -10174,12 +9742,12 @@
         </a:fontRef>
       </dsp:style>
       <dsp:txBody>
-        <a:bodyPr spcFirstLastPara="0" vert="horz" wrap="square" lIns="6350" tIns="6350" rIns="6350" bIns="6350" numCol="1" spcCol="1270" anchor="ctr" anchorCtr="0">
+        <a:bodyPr spcFirstLastPara="0" vert="horz" wrap="square" lIns="5715" tIns="5715" rIns="5715" bIns="5715" numCol="1" spcCol="1270" anchor="ctr" anchorCtr="0">
           <a:noAutofit/>
         </a:bodyPr>
         <a:lstStyle/>
         <a:p>
-          <a:pPr marL="0" lvl="0" indent="0" algn="ctr" defTabSz="444500">
+          <a:pPr marL="0" lvl="0" indent="0" algn="ctr" defTabSz="400050">
             <a:lnSpc>
               <a:spcPct val="90000"/>
             </a:lnSpc>
@@ -10192,7 +9760,7 @@
             <a:buNone/>
           </a:pPr>
           <a:r>
-            <a:rPr lang="en-PH" sz="1000" i="0" u="none" kern="1200" dirty="0"/>
+            <a:rPr lang="en-PH" sz="900" i="0" u="none" kern="1200" dirty="0"/>
             <a:t>POST: /home/comment</a:t>
           </a:r>
         </a:p>
@@ -10252,12 +9820,12 @@
         </a:fontRef>
       </dsp:style>
       <dsp:txBody>
-        <a:bodyPr spcFirstLastPara="0" vert="horz" wrap="square" lIns="6350" tIns="6350" rIns="6350" bIns="6350" numCol="1" spcCol="1270" anchor="ctr" anchorCtr="0">
+        <a:bodyPr spcFirstLastPara="0" vert="horz" wrap="square" lIns="5715" tIns="5715" rIns="5715" bIns="5715" numCol="1" spcCol="1270" anchor="ctr" anchorCtr="0">
           <a:noAutofit/>
         </a:bodyPr>
         <a:lstStyle/>
         <a:p>
-          <a:pPr marL="0" lvl="0" indent="0" algn="ctr" defTabSz="444500">
+          <a:pPr marL="0" lvl="0" indent="0" algn="ctr" defTabSz="400050">
             <a:lnSpc>
               <a:spcPct val="90000"/>
             </a:lnSpc>
@@ -10270,15 +9838,15 @@
             <a:buNone/>
           </a:pPr>
           <a:r>
-            <a:rPr lang="en-PH" sz="1000" i="0" u="none" kern="1200" dirty="0"/>
+            <a:rPr lang="en-PH" sz="900" i="0" u="none" kern="1200" dirty="0"/>
             <a:t>GET: /post/&lt;</a:t>
           </a:r>
           <a:r>
-            <a:rPr lang="en-PH" sz="1000" i="0" u="none" kern="1200" dirty="0" err="1"/>
+            <a:rPr lang="en-PH" sz="900" i="0" u="none" kern="1200" dirty="0" err="1"/>
             <a:t>posthash</a:t>
           </a:r>
           <a:r>
-            <a:rPr lang="en-PH" sz="1000" i="0" u="none" kern="1200" dirty="0"/>
+            <a:rPr lang="en-PH" sz="900" i="0" u="none" kern="1200" dirty="0"/>
             <a:t>&gt;</a:t>
           </a:r>
         </a:p>
@@ -10338,12 +9906,12 @@
         </a:fontRef>
       </dsp:style>
       <dsp:txBody>
-        <a:bodyPr spcFirstLastPara="0" vert="horz" wrap="square" lIns="6350" tIns="6350" rIns="6350" bIns="6350" numCol="1" spcCol="1270" anchor="ctr" anchorCtr="0">
+        <a:bodyPr spcFirstLastPara="0" vert="horz" wrap="square" lIns="5715" tIns="5715" rIns="5715" bIns="5715" numCol="1" spcCol="1270" anchor="ctr" anchorCtr="0">
           <a:noAutofit/>
         </a:bodyPr>
         <a:lstStyle/>
         <a:p>
-          <a:pPr marL="0" lvl="0" indent="0" algn="ctr" defTabSz="444500">
+          <a:pPr marL="0" lvl="0" indent="0" algn="ctr" defTabSz="400050">
             <a:lnSpc>
               <a:spcPct val="90000"/>
             </a:lnSpc>
@@ -10356,15 +9924,15 @@
             <a:buNone/>
           </a:pPr>
           <a:r>
-            <a:rPr lang="en-PH" sz="1000" i="0" u="none" kern="1200" dirty="0"/>
+            <a:rPr lang="en-PH" sz="900" i="0" u="none" kern="1200" dirty="0"/>
             <a:t>POST: /post/&lt;</a:t>
           </a:r>
           <a:r>
-            <a:rPr lang="en-PH" sz="1000" i="0" u="none" kern="1200" dirty="0" err="1"/>
+            <a:rPr lang="en-PH" sz="900" i="0" u="none" kern="1200" dirty="0" err="1"/>
             <a:t>posthash</a:t>
           </a:r>
           <a:r>
-            <a:rPr lang="en-PH" sz="1000" i="0" u="none" kern="1200" dirty="0"/>
+            <a:rPr lang="en-PH" sz="900" i="0" u="none" kern="1200" dirty="0"/>
             <a:t>&gt;/edit</a:t>
           </a:r>
         </a:p>
@@ -10424,12 +9992,12 @@
         </a:fontRef>
       </dsp:style>
       <dsp:txBody>
-        <a:bodyPr spcFirstLastPara="0" vert="horz" wrap="square" lIns="6350" tIns="6350" rIns="6350" bIns="6350" numCol="1" spcCol="1270" anchor="ctr" anchorCtr="0">
+        <a:bodyPr spcFirstLastPara="0" vert="horz" wrap="square" lIns="5715" tIns="5715" rIns="5715" bIns="5715" numCol="1" spcCol="1270" anchor="ctr" anchorCtr="0">
           <a:noAutofit/>
         </a:bodyPr>
         <a:lstStyle/>
         <a:p>
-          <a:pPr marL="0" lvl="0" indent="0" algn="ctr" defTabSz="444500">
+          <a:pPr marL="0" lvl="0" indent="0" algn="ctr" defTabSz="400050">
             <a:lnSpc>
               <a:spcPct val="90000"/>
             </a:lnSpc>
@@ -10442,21 +10010,107 @@
             <a:buNone/>
           </a:pPr>
           <a:r>
-            <a:rPr lang="en-PH" sz="1000" i="0" u="none" kern="1200" dirty="0"/>
-            <a:t>POST: /post/&lt;</a:t>
+            <a:rPr lang="en-PH" sz="900" i="0" u="none" kern="1200" dirty="0"/>
+            <a:t>PATCH: /post/&lt;</a:t>
           </a:r>
           <a:r>
-            <a:rPr lang="en-PH" sz="1000" i="0" u="none" kern="1200" dirty="0" err="1"/>
+            <a:rPr lang="en-PH" sz="900" i="0" u="none" kern="1200" dirty="0" err="1"/>
             <a:t>posthash</a:t>
           </a:r>
           <a:r>
-            <a:rPr lang="en-PH" sz="1000" i="0" u="none" kern="1200" dirty="0"/>
+            <a:rPr lang="en-PH" sz="900" i="0" u="none" kern="1200" dirty="0"/>
             <a:t>&gt;/save</a:t>
           </a:r>
         </a:p>
       </dsp:txBody>
       <dsp:txXfrm>
         <a:off x="4794485" y="3035647"/>
+        <a:ext cx="1235505" cy="617752"/>
+      </dsp:txXfrm>
+    </dsp:sp>
+    <dsp:sp modelId="{B99F24ED-3BC7-432A-B386-E1A66BAEF726}">
+      <dsp:nvSpPr>
+        <dsp:cNvPr id="0" name=""/>
+        <dsp:cNvSpPr/>
+      </dsp:nvSpPr>
+      <dsp:spPr>
+        <a:xfrm>
+          <a:off x="4794485" y="3912856"/>
+          <a:ext cx="1235505" cy="617752"/>
+        </a:xfrm>
+        <a:prstGeom prst="rect">
+          <a:avLst/>
+        </a:prstGeom>
+        <a:solidFill>
+          <a:schemeClr val="accent1">
+            <a:hueOff val="0"/>
+            <a:satOff val="0"/>
+            <a:lumOff val="0"/>
+            <a:alphaOff val="0"/>
+          </a:schemeClr>
+        </a:solidFill>
+        <a:ln w="12700" cap="flat" cmpd="sng" algn="ctr">
+          <a:solidFill>
+            <a:schemeClr val="lt1">
+              <a:hueOff val="0"/>
+              <a:satOff val="0"/>
+              <a:lumOff val="0"/>
+              <a:alphaOff val="0"/>
+            </a:schemeClr>
+          </a:solidFill>
+          <a:prstDash val="solid"/>
+          <a:miter lim="800000"/>
+        </a:ln>
+        <a:effectLst/>
+      </dsp:spPr>
+      <dsp:style>
+        <a:lnRef idx="2">
+          <a:scrgbClr r="0" g="0" b="0"/>
+        </a:lnRef>
+        <a:fillRef idx="1">
+          <a:scrgbClr r="0" g="0" b="0"/>
+        </a:fillRef>
+        <a:effectRef idx="0">
+          <a:scrgbClr r="0" g="0" b="0"/>
+        </a:effectRef>
+        <a:fontRef idx="minor">
+          <a:schemeClr val="lt1"/>
+        </a:fontRef>
+      </dsp:style>
+      <dsp:txBody>
+        <a:bodyPr spcFirstLastPara="0" vert="horz" wrap="square" lIns="5715" tIns="5715" rIns="5715" bIns="5715" numCol="1" spcCol="1270" anchor="ctr" anchorCtr="0">
+          <a:noAutofit/>
+        </a:bodyPr>
+        <a:lstStyle/>
+        <a:p>
+          <a:pPr marL="0" lvl="0" indent="0" algn="ctr" defTabSz="400050">
+            <a:lnSpc>
+              <a:spcPct val="90000"/>
+            </a:lnSpc>
+            <a:spcBef>
+              <a:spcPct val="0"/>
+            </a:spcBef>
+            <a:spcAft>
+              <a:spcPct val="35000"/>
+            </a:spcAft>
+            <a:buNone/>
+          </a:pPr>
+          <a:r>
+            <a:rPr lang="en-PH" sz="900" i="0" u="none" kern="1200" dirty="0"/>
+            <a:t>DELETE: /post/&lt;</a:t>
+          </a:r>
+          <a:r>
+            <a:rPr lang="en-PH" sz="900" i="0" u="none" kern="1200" dirty="0" err="1"/>
+            <a:t>posthash</a:t>
+          </a:r>
+          <a:r>
+            <a:rPr lang="en-PH" sz="900" i="0" u="none" kern="1200" dirty="0"/>
+            <a:t>&gt;/delete</a:t>
+          </a:r>
+        </a:p>
+      </dsp:txBody>
+      <dsp:txXfrm>
+        <a:off x="4794485" y="3912856"/>
         <a:ext cx="1235505" cy="617752"/>
       </dsp:txXfrm>
     </dsp:sp>
@@ -10510,12 +10164,12 @@
         </a:fontRef>
       </dsp:style>
       <dsp:txBody>
-        <a:bodyPr spcFirstLastPara="0" vert="horz" wrap="square" lIns="6350" tIns="6350" rIns="6350" bIns="6350" numCol="1" spcCol="1270" anchor="ctr" anchorCtr="0">
+        <a:bodyPr spcFirstLastPara="0" vert="horz" wrap="square" lIns="5715" tIns="5715" rIns="5715" bIns="5715" numCol="1" spcCol="1270" anchor="ctr" anchorCtr="0">
           <a:noAutofit/>
         </a:bodyPr>
         <a:lstStyle/>
         <a:p>
-          <a:pPr marL="0" lvl="0" indent="0" algn="ctr" defTabSz="444500">
+          <a:pPr marL="0" lvl="0" indent="0" algn="ctr" defTabSz="400050">
             <a:lnSpc>
               <a:spcPct val="90000"/>
             </a:lnSpc>
@@ -10528,7 +10182,7 @@
             <a:buNone/>
           </a:pPr>
           <a:r>
-            <a:rPr lang="en-PH" sz="1000" i="0" u="none" kern="1200" dirty="0"/>
+            <a:rPr lang="en-PH" sz="900" i="0" u="none" kern="1200" dirty="0"/>
             <a:t>GET: /signup</a:t>
           </a:r>
         </a:p>
@@ -10588,12 +10242,12 @@
         </a:fontRef>
       </dsp:style>
       <dsp:txBody>
-        <a:bodyPr spcFirstLastPara="0" vert="horz" wrap="square" lIns="6350" tIns="6350" rIns="6350" bIns="6350" numCol="1" spcCol="1270" anchor="ctr" anchorCtr="0">
+        <a:bodyPr spcFirstLastPara="0" vert="horz" wrap="square" lIns="5715" tIns="5715" rIns="5715" bIns="5715" numCol="1" spcCol="1270" anchor="ctr" anchorCtr="0">
           <a:noAutofit/>
         </a:bodyPr>
         <a:lstStyle/>
         <a:p>
-          <a:pPr marL="0" lvl="0" indent="0" algn="ctr" defTabSz="444500">
+          <a:pPr marL="0" lvl="0" indent="0" algn="ctr" defTabSz="400050">
             <a:lnSpc>
               <a:spcPct val="90000"/>
             </a:lnSpc>
@@ -10606,7 +10260,7 @@
             <a:buNone/>
           </a:pPr>
           <a:r>
-            <a:rPr lang="en-PH" sz="1000" i="0" u="none" kern="1200" dirty="0"/>
+            <a:rPr lang="en-PH" sz="900" i="0" u="none" kern="1200" dirty="0"/>
             <a:t>POST: /signup/save</a:t>
           </a:r>
         </a:p>
@@ -10666,12 +10320,12 @@
         </a:fontRef>
       </dsp:style>
       <dsp:txBody>
-        <a:bodyPr spcFirstLastPara="0" vert="horz" wrap="square" lIns="6350" tIns="6350" rIns="6350" bIns="6350" numCol="1" spcCol="1270" anchor="ctr" anchorCtr="0">
+        <a:bodyPr spcFirstLastPara="0" vert="horz" wrap="square" lIns="5715" tIns="5715" rIns="5715" bIns="5715" numCol="1" spcCol="1270" anchor="ctr" anchorCtr="0">
           <a:noAutofit/>
         </a:bodyPr>
         <a:lstStyle/>
         <a:p>
-          <a:pPr marL="0" lvl="0" indent="0" algn="ctr" defTabSz="444500">
+          <a:pPr marL="0" lvl="0" indent="0" algn="ctr" defTabSz="400050">
             <a:lnSpc>
               <a:spcPct val="90000"/>
             </a:lnSpc>
@@ -10684,7 +10338,7 @@
             <a:buNone/>
           </a:pPr>
           <a:r>
-            <a:rPr lang="en-PH" sz="1000" i="0" u="none" kern="1200" dirty="0"/>
+            <a:rPr lang="en-PH" sz="900" i="0" u="none" kern="1200" dirty="0"/>
             <a:t>GET: /profile</a:t>
           </a:r>
         </a:p>
@@ -10744,12 +10398,12 @@
         </a:fontRef>
       </dsp:style>
       <dsp:txBody>
-        <a:bodyPr spcFirstLastPara="0" vert="horz" wrap="square" lIns="6350" tIns="6350" rIns="6350" bIns="6350" numCol="1" spcCol="1270" anchor="ctr" anchorCtr="0">
+        <a:bodyPr spcFirstLastPara="0" vert="horz" wrap="square" lIns="5715" tIns="5715" rIns="5715" bIns="5715" numCol="1" spcCol="1270" anchor="ctr" anchorCtr="0">
           <a:noAutofit/>
         </a:bodyPr>
         <a:lstStyle/>
         <a:p>
-          <a:pPr marL="0" lvl="0" indent="0" algn="ctr" defTabSz="444500">
+          <a:pPr marL="0" lvl="0" indent="0" algn="ctr" defTabSz="400050">
             <a:lnSpc>
               <a:spcPct val="90000"/>
             </a:lnSpc>
@@ -10762,7 +10416,7 @@
             <a:buNone/>
           </a:pPr>
           <a:r>
-            <a:rPr lang="en-PH" sz="1000" i="0" u="none" kern="1200" dirty="0"/>
+            <a:rPr lang="en-PH" sz="900" i="0" u="none" kern="1200" dirty="0"/>
             <a:t>GET: /profile/settings</a:t>
           </a:r>
         </a:p>
@@ -10822,12 +10476,12 @@
         </a:fontRef>
       </dsp:style>
       <dsp:txBody>
-        <a:bodyPr spcFirstLastPara="0" vert="horz" wrap="square" lIns="6350" tIns="6350" rIns="6350" bIns="6350" numCol="1" spcCol="1270" anchor="ctr" anchorCtr="0">
+        <a:bodyPr spcFirstLastPara="0" vert="horz" wrap="square" lIns="5715" tIns="5715" rIns="5715" bIns="5715" numCol="1" spcCol="1270" anchor="ctr" anchorCtr="0">
           <a:noAutofit/>
         </a:bodyPr>
         <a:lstStyle/>
         <a:p>
-          <a:pPr marL="0" lvl="0" indent="0" algn="ctr" defTabSz="444500">
+          <a:pPr marL="0" lvl="0" indent="0" algn="ctr" defTabSz="400050">
             <a:lnSpc>
               <a:spcPct val="90000"/>
             </a:lnSpc>
@@ -10840,8 +10494,8 @@
             <a:buNone/>
           </a:pPr>
           <a:r>
-            <a:rPr lang="en-PH" sz="1000" i="0" u="none" kern="1200" dirty="0"/>
-            <a:t>POST: profile/settings/save</a:t>
+            <a:rPr lang="en-PH" sz="900" i="0" u="none" kern="1200" dirty="0"/>
+            <a:t>PATCH: profile/settings/save</a:t>
           </a:r>
         </a:p>
       </dsp:txBody>
@@ -10850,7 +10504,85 @@
         <a:ext cx="1235505" cy="617752"/>
       </dsp:txXfrm>
     </dsp:sp>
-    <dsp:sp modelId="{363BECE7-EF17-46EA-9CA5-188A90BE0088}">
+    <dsp:sp modelId="{6E5659B3-987D-47B1-A1A1-39AAF04C38E5}">
+      <dsp:nvSpPr>
+        <dsp:cNvPr id="0" name=""/>
+        <dsp:cNvSpPr/>
+      </dsp:nvSpPr>
+      <dsp:spPr>
+        <a:xfrm>
+          <a:off x="8093286" y="3912856"/>
+          <a:ext cx="1235505" cy="617752"/>
+        </a:xfrm>
+        <a:prstGeom prst="rect">
+          <a:avLst/>
+        </a:prstGeom>
+        <a:solidFill>
+          <a:schemeClr val="accent1">
+            <a:hueOff val="0"/>
+            <a:satOff val="0"/>
+            <a:lumOff val="0"/>
+            <a:alphaOff val="0"/>
+          </a:schemeClr>
+        </a:solidFill>
+        <a:ln w="12700" cap="flat" cmpd="sng" algn="ctr">
+          <a:solidFill>
+            <a:schemeClr val="lt1">
+              <a:hueOff val="0"/>
+              <a:satOff val="0"/>
+              <a:lumOff val="0"/>
+              <a:alphaOff val="0"/>
+            </a:schemeClr>
+          </a:solidFill>
+          <a:prstDash val="solid"/>
+          <a:miter lim="800000"/>
+        </a:ln>
+        <a:effectLst/>
+      </dsp:spPr>
+      <dsp:style>
+        <a:lnRef idx="2">
+          <a:scrgbClr r="0" g="0" b="0"/>
+        </a:lnRef>
+        <a:fillRef idx="1">
+          <a:scrgbClr r="0" g="0" b="0"/>
+        </a:fillRef>
+        <a:effectRef idx="0">
+          <a:scrgbClr r="0" g="0" b="0"/>
+        </a:effectRef>
+        <a:fontRef idx="minor">
+          <a:schemeClr val="lt1"/>
+        </a:fontRef>
+      </dsp:style>
+      <dsp:txBody>
+        <a:bodyPr spcFirstLastPara="0" vert="horz" wrap="square" lIns="5715" tIns="5715" rIns="5715" bIns="5715" numCol="1" spcCol="1270" anchor="ctr" anchorCtr="0">
+          <a:noAutofit/>
+        </a:bodyPr>
+        <a:lstStyle/>
+        <a:p>
+          <a:pPr marL="0" lvl="0" indent="0" algn="ctr" defTabSz="400050">
+            <a:lnSpc>
+              <a:spcPct val="90000"/>
+            </a:lnSpc>
+            <a:spcBef>
+              <a:spcPct val="0"/>
+            </a:spcBef>
+            <a:spcAft>
+              <a:spcPct val="35000"/>
+            </a:spcAft>
+            <a:buNone/>
+          </a:pPr>
+          <a:r>
+            <a:rPr lang="en-PH" sz="900" i="0" u="none" kern="1200" dirty="0"/>
+            <a:t>DELETE: profile/settings/delete</a:t>
+          </a:r>
+        </a:p>
+      </dsp:txBody>
+      <dsp:txXfrm>
+        <a:off x="8093286" y="3912856"/>
+        <a:ext cx="1235505" cy="617752"/>
+      </dsp:txXfrm>
+    </dsp:sp>
+    <dsp:sp modelId="{12F0C7F9-8119-4BBD-A7C5-DEFEEA6C7D89}">
       <dsp:nvSpPr>
         <dsp:cNvPr id="0" name=""/>
         <dsp:cNvSpPr/>
@@ -10900,12 +10632,12 @@
         </a:fontRef>
       </dsp:style>
       <dsp:txBody>
-        <a:bodyPr spcFirstLastPara="0" vert="horz" wrap="square" lIns="6350" tIns="6350" rIns="6350" bIns="6350" numCol="1" spcCol="1270" anchor="ctr" anchorCtr="0">
+        <a:bodyPr spcFirstLastPara="0" vert="horz" wrap="square" lIns="5715" tIns="5715" rIns="5715" bIns="5715" numCol="1" spcCol="1270" anchor="ctr" anchorCtr="0">
           <a:noAutofit/>
         </a:bodyPr>
         <a:lstStyle/>
         <a:p>
-          <a:pPr marL="0" lvl="0" indent="0" algn="ctr" defTabSz="444500">
+          <a:pPr marL="0" lvl="0" indent="0" algn="ctr" defTabSz="400050">
             <a:lnSpc>
               <a:spcPct val="90000"/>
             </a:lnSpc>
@@ -10918,14 +10650,9 @@
             <a:buNone/>
           </a:pPr>
           <a:r>
-            <a:rPr lang="en-PH" sz="1000" i="0" u="none" kern="1200" dirty="0"/>
-            <a:t>GET: /user</a:t>
+            <a:rPr lang="en-PH" sz="900" i="0" u="none" kern="1200" dirty="0"/>
+            <a:t>GET: /user/&lt;username&gt;</a:t>
           </a:r>
-          <a:r>
-            <a:rPr lang="en-PH" sz="1000" i="0" u="none" kern="1200"/>
-            <a:t>/&lt;username&gt;</a:t>
-          </a:r>
-          <a:endParaRPr lang="en-PH" sz="1000" i="0" u="none" kern="1200" dirty="0"/>
         </a:p>
       </dsp:txBody>
       <dsp:txXfrm>
@@ -11087,12 +10814,12 @@
         <a:fontRef idx="minor"/>
       </dsp:style>
       <dsp:txBody>
-        <a:bodyPr spcFirstLastPara="0" vert="horz" wrap="square" lIns="95250" tIns="95250" rIns="95250" bIns="95250" numCol="1" spcCol="1270" anchor="t" anchorCtr="0">
+        <a:bodyPr spcFirstLastPara="0" vert="horz" wrap="square" lIns="87630" tIns="87630" rIns="87630" bIns="87630" numCol="1" spcCol="1270" anchor="t" anchorCtr="0">
           <a:noAutofit/>
         </a:bodyPr>
         <a:lstStyle/>
         <a:p>
-          <a:pPr marL="0" lvl="0" indent="0" algn="l" defTabSz="1111250">
+          <a:pPr marL="0" lvl="0" indent="0" algn="l" defTabSz="1022350">
             <a:lnSpc>
               <a:spcPct val="90000"/>
             </a:lnSpc>
@@ -11105,10 +10832,13 @@
             <a:buNone/>
           </a:pPr>
           <a:r>
-            <a:rPr lang="en-PH" sz="2500" kern="1200" dirty="0" err="1"/>
+            <a:rPr lang="en-PH" sz="2300" kern="1200" dirty="0" err="1"/>
             <a:t>userId</a:t>
           </a:r>
-          <a:endParaRPr lang="en-PH" sz="2500" kern="1200" dirty="0"/>
+          <a:r>
+            <a:rPr lang="en-PH" sz="2300" kern="1200" dirty="0"/>
+            <a:t> (System Generated)</a:t>
+          </a:r>
         </a:p>
       </dsp:txBody>
       <dsp:txXfrm>
@@ -11197,12 +10927,12 @@
         <a:fontRef idx="minor"/>
       </dsp:style>
       <dsp:txBody>
-        <a:bodyPr spcFirstLastPara="0" vert="horz" wrap="square" lIns="95250" tIns="95250" rIns="95250" bIns="95250" numCol="1" spcCol="1270" anchor="t" anchorCtr="0">
+        <a:bodyPr spcFirstLastPara="0" vert="horz" wrap="square" lIns="87630" tIns="87630" rIns="87630" bIns="87630" numCol="1" spcCol="1270" anchor="t" anchorCtr="0">
           <a:noAutofit/>
         </a:bodyPr>
         <a:lstStyle/>
         <a:p>
-          <a:pPr marL="0" lvl="0" indent="0" algn="l" defTabSz="1111250">
+          <a:pPr marL="0" lvl="0" indent="0" algn="l" defTabSz="1022350">
             <a:lnSpc>
               <a:spcPct val="90000"/>
             </a:lnSpc>
@@ -11215,7 +10945,7 @@
             <a:buNone/>
           </a:pPr>
           <a:r>
-            <a:rPr lang="en-PH" sz="2500" kern="1200" dirty="0"/>
+            <a:rPr lang="en-PH" sz="2300" kern="1200" dirty="0"/>
             <a:t>username</a:t>
           </a:r>
         </a:p>
@@ -11306,12 +11036,12 @@
         <a:fontRef idx="minor"/>
       </dsp:style>
       <dsp:txBody>
-        <a:bodyPr spcFirstLastPara="0" vert="horz" wrap="square" lIns="95250" tIns="95250" rIns="95250" bIns="95250" numCol="1" spcCol="1270" anchor="t" anchorCtr="0">
+        <a:bodyPr spcFirstLastPara="0" vert="horz" wrap="square" lIns="87630" tIns="87630" rIns="87630" bIns="87630" numCol="1" spcCol="1270" anchor="t" anchorCtr="0">
           <a:noAutofit/>
         </a:bodyPr>
         <a:lstStyle/>
         <a:p>
-          <a:pPr marL="0" lvl="0" indent="0" algn="l" defTabSz="1111250">
+          <a:pPr marL="0" lvl="0" indent="0" algn="l" defTabSz="1022350">
             <a:lnSpc>
               <a:spcPct val="90000"/>
             </a:lnSpc>
@@ -11324,10 +11054,13 @@
             <a:buNone/>
           </a:pPr>
           <a:r>
-            <a:rPr lang="en-PH" sz="2500" kern="1200" dirty="0" err="1"/>
+            <a:rPr lang="en-PH" sz="2300" kern="1200" dirty="0" err="1"/>
             <a:t>passhash</a:t>
           </a:r>
-          <a:endParaRPr lang="en-PH" sz="2500" kern="1200" dirty="0"/>
+          <a:r>
+            <a:rPr lang="en-PH" sz="2300" kern="1200" dirty="0"/>
+            <a:t> (System Generated, Derived from the plaintext password)</a:t>
+          </a:r>
         </a:p>
       </dsp:txBody>
       <dsp:txXfrm>
@@ -11416,12 +11149,12 @@
         <a:fontRef idx="minor"/>
       </dsp:style>
       <dsp:txBody>
-        <a:bodyPr spcFirstLastPara="0" vert="horz" wrap="square" lIns="95250" tIns="95250" rIns="95250" bIns="95250" numCol="1" spcCol="1270" anchor="t" anchorCtr="0">
+        <a:bodyPr spcFirstLastPara="0" vert="horz" wrap="square" lIns="87630" tIns="87630" rIns="87630" bIns="87630" numCol="1" spcCol="1270" anchor="t" anchorCtr="0">
           <a:noAutofit/>
         </a:bodyPr>
         <a:lstStyle/>
         <a:p>
-          <a:pPr marL="0" lvl="0" indent="0" algn="l" defTabSz="1111250">
+          <a:pPr marL="0" lvl="0" indent="0" algn="l" defTabSz="1022350">
             <a:lnSpc>
               <a:spcPct val="90000"/>
             </a:lnSpc>
@@ -11434,7 +11167,7 @@
             <a:buNone/>
           </a:pPr>
           <a:r>
-            <a:rPr lang="en-PH" sz="2500" kern="1200" dirty="0"/>
+            <a:rPr lang="en-PH" sz="2300" kern="1200" dirty="0"/>
             <a:t>email</a:t>
           </a:r>
         </a:p>
@@ -11525,12 +11258,12 @@
         <a:fontRef idx="minor"/>
       </dsp:style>
       <dsp:txBody>
-        <a:bodyPr spcFirstLastPara="0" vert="horz" wrap="square" lIns="95250" tIns="95250" rIns="95250" bIns="95250" numCol="1" spcCol="1270" anchor="t" anchorCtr="0">
+        <a:bodyPr spcFirstLastPara="0" vert="horz" wrap="square" lIns="87630" tIns="87630" rIns="87630" bIns="87630" numCol="1" spcCol="1270" anchor="t" anchorCtr="0">
           <a:noAutofit/>
         </a:bodyPr>
         <a:lstStyle/>
         <a:p>
-          <a:pPr marL="0" lvl="0" indent="0" algn="l" defTabSz="1111250">
+          <a:pPr marL="0" lvl="0" indent="0" algn="l" defTabSz="1022350">
             <a:lnSpc>
               <a:spcPct val="90000"/>
             </a:lnSpc>
@@ -11543,10 +11276,10 @@
             <a:buNone/>
           </a:pPr>
           <a:r>
-            <a:rPr lang="en-PH" sz="2500" kern="1200" dirty="0" err="1"/>
+            <a:rPr lang="en-PH" sz="2300" kern="1200" dirty="0" err="1"/>
             <a:t>fname</a:t>
           </a:r>
-          <a:endParaRPr lang="en-PH" sz="2500" kern="1200" dirty="0"/>
+          <a:endParaRPr lang="en-PH" sz="2300" kern="1200" dirty="0"/>
         </a:p>
       </dsp:txBody>
       <dsp:txXfrm>
@@ -11635,12 +11368,12 @@
         <a:fontRef idx="minor"/>
       </dsp:style>
       <dsp:txBody>
-        <a:bodyPr spcFirstLastPara="0" vert="horz" wrap="square" lIns="95250" tIns="95250" rIns="95250" bIns="95250" numCol="1" spcCol="1270" anchor="t" anchorCtr="0">
+        <a:bodyPr spcFirstLastPara="0" vert="horz" wrap="square" lIns="87630" tIns="87630" rIns="87630" bIns="87630" numCol="1" spcCol="1270" anchor="t" anchorCtr="0">
           <a:noAutofit/>
         </a:bodyPr>
         <a:lstStyle/>
         <a:p>
-          <a:pPr marL="0" lvl="0" indent="0" algn="l" defTabSz="1111250">
+          <a:pPr marL="0" lvl="0" indent="0" algn="l" defTabSz="1022350">
             <a:lnSpc>
               <a:spcPct val="90000"/>
             </a:lnSpc>
@@ -11653,10 +11386,10 @@
             <a:buNone/>
           </a:pPr>
           <a:r>
-            <a:rPr lang="en-PH" sz="2500" kern="1200" dirty="0" err="1"/>
+            <a:rPr lang="en-PH" sz="2300" kern="1200" dirty="0" err="1"/>
             <a:t>mname</a:t>
           </a:r>
-          <a:endParaRPr lang="en-PH" sz="2500" kern="1200" dirty="0"/>
+          <a:endParaRPr lang="en-PH" sz="2300" kern="1200" dirty="0"/>
         </a:p>
       </dsp:txBody>
       <dsp:txXfrm>
@@ -11745,12 +11478,12 @@
         <a:fontRef idx="minor"/>
       </dsp:style>
       <dsp:txBody>
-        <a:bodyPr spcFirstLastPara="0" vert="horz" wrap="square" lIns="95250" tIns="95250" rIns="95250" bIns="95250" numCol="1" spcCol="1270" anchor="t" anchorCtr="0">
+        <a:bodyPr spcFirstLastPara="0" vert="horz" wrap="square" lIns="87630" tIns="87630" rIns="87630" bIns="87630" numCol="1" spcCol="1270" anchor="t" anchorCtr="0">
           <a:noAutofit/>
         </a:bodyPr>
         <a:lstStyle/>
         <a:p>
-          <a:pPr marL="0" lvl="0" indent="0" algn="l" defTabSz="1111250">
+          <a:pPr marL="0" lvl="0" indent="0" algn="l" defTabSz="1022350">
             <a:lnSpc>
               <a:spcPct val="90000"/>
             </a:lnSpc>
@@ -11763,10 +11496,10 @@
             <a:buNone/>
           </a:pPr>
           <a:r>
-            <a:rPr lang="en-PH" sz="2500" kern="1200" dirty="0" err="1"/>
+            <a:rPr lang="en-PH" sz="2300" kern="1200" dirty="0" err="1"/>
             <a:t>lname</a:t>
           </a:r>
-          <a:endParaRPr lang="en-PH" sz="2500" kern="1200" dirty="0"/>
+          <a:endParaRPr lang="en-PH" sz="2300" kern="1200" dirty="0"/>
         </a:p>
       </dsp:txBody>
       <dsp:txXfrm>
@@ -11855,12 +11588,12 @@
         <a:fontRef idx="minor"/>
       </dsp:style>
       <dsp:txBody>
-        <a:bodyPr spcFirstLastPara="0" vert="horz" wrap="square" lIns="95250" tIns="95250" rIns="95250" bIns="95250" numCol="1" spcCol="1270" anchor="t" anchorCtr="0">
+        <a:bodyPr spcFirstLastPara="0" vert="horz" wrap="square" lIns="87630" tIns="87630" rIns="87630" bIns="87630" numCol="1" spcCol="1270" anchor="t" anchorCtr="0">
           <a:noAutofit/>
         </a:bodyPr>
         <a:lstStyle/>
         <a:p>
-          <a:pPr marL="0" lvl="0" indent="0" algn="l" defTabSz="1111250">
+          <a:pPr marL="0" lvl="0" indent="0" algn="l" defTabSz="1022350">
             <a:lnSpc>
               <a:spcPct val="90000"/>
             </a:lnSpc>
@@ -11873,7 +11606,7 @@
             <a:buNone/>
           </a:pPr>
           <a:r>
-            <a:rPr lang="en-PH" sz="2500" kern="1200" dirty="0"/>
+            <a:rPr lang="en-PH" sz="2300" kern="1200" dirty="0"/>
             <a:t>gender</a:t>
           </a:r>
         </a:p>
@@ -11964,12 +11697,12 @@
         <a:fontRef idx="minor"/>
       </dsp:style>
       <dsp:txBody>
-        <a:bodyPr spcFirstLastPara="0" vert="horz" wrap="square" lIns="95250" tIns="95250" rIns="95250" bIns="95250" numCol="1" spcCol="1270" anchor="t" anchorCtr="0">
+        <a:bodyPr spcFirstLastPara="0" vert="horz" wrap="square" lIns="87630" tIns="87630" rIns="87630" bIns="87630" numCol="1" spcCol="1270" anchor="t" anchorCtr="0">
           <a:noAutofit/>
         </a:bodyPr>
         <a:lstStyle/>
         <a:p>
-          <a:pPr marL="0" lvl="0" indent="0" algn="l" defTabSz="1111250">
+          <a:pPr marL="0" lvl="0" indent="0" algn="l" defTabSz="1022350">
             <a:lnSpc>
               <a:spcPct val="90000"/>
             </a:lnSpc>
@@ -11982,7 +11715,7 @@
             <a:buNone/>
           </a:pPr>
           <a:r>
-            <a:rPr lang="en-PH" sz="2500" kern="1200" dirty="0"/>
+            <a:rPr lang="en-PH" sz="2300" kern="1200" dirty="0"/>
             <a:t>bio</a:t>
           </a:r>
         </a:p>
@@ -12073,12 +11806,12 @@
         <a:fontRef idx="minor"/>
       </dsp:style>
       <dsp:txBody>
-        <a:bodyPr spcFirstLastPara="0" vert="horz" wrap="square" lIns="95250" tIns="95250" rIns="95250" bIns="95250" numCol="1" spcCol="1270" anchor="t" anchorCtr="0">
+        <a:bodyPr spcFirstLastPara="0" vert="horz" wrap="square" lIns="87630" tIns="87630" rIns="87630" bIns="87630" numCol="1" spcCol="1270" anchor="t" anchorCtr="0">
           <a:noAutofit/>
         </a:bodyPr>
         <a:lstStyle/>
         <a:p>
-          <a:pPr marL="0" lvl="0" indent="0" algn="l" defTabSz="1111250">
+          <a:pPr marL="0" lvl="0" indent="0" algn="l" defTabSz="1022350">
             <a:lnSpc>
               <a:spcPct val="90000"/>
             </a:lnSpc>
@@ -12091,10 +11824,37 @@
             <a:buNone/>
           </a:pPr>
           <a:r>
-            <a:rPr lang="en-PH" sz="2500" kern="1200" dirty="0" err="1"/>
+            <a:rPr lang="en-PH" sz="2300" kern="1200" dirty="0" err="1"/>
             <a:t>profilepic</a:t>
           </a:r>
-          <a:endParaRPr lang="en-PH" sz="2500" kern="1200" dirty="0"/>
+          <a:r>
+            <a:rPr lang="en-PH" sz="2300" kern="1200" dirty="0"/>
+            <a:t> (&lt;path to </a:t>
+          </a:r>
+          <a:r>
+            <a:rPr lang="en-PH" sz="2300" kern="1200" dirty="0" err="1"/>
+            <a:t>dp</a:t>
+          </a:r>
+          <a:r>
+            <a:rPr lang="en-PH" sz="2300" kern="1200" dirty="0"/>
+            <a:t>&gt;+</a:t>
+          </a:r>
+          <a:r>
+            <a:rPr lang="en-PH" sz="2300" kern="1200" dirty="0" err="1"/>
+            <a:t>userId</a:t>
+          </a:r>
+          <a:r>
+            <a:rPr lang="en-PH" sz="2300" kern="1200" dirty="0"/>
+            <a:t>+’.</a:t>
+          </a:r>
+          <a:r>
+            <a:rPr lang="en-PH" sz="2300" kern="1200" dirty="0" err="1"/>
+            <a:t>webp</a:t>
+          </a:r>
+          <a:r>
+            <a:rPr lang="en-PH" sz="2300" kern="1200" dirty="0"/>
+            <a:t>’)</a:t>
+          </a:r>
         </a:p>
       </dsp:txBody>
       <dsp:txXfrm>
@@ -12324,7 +12084,7 @@
           </a:pPr>
           <a:r>
             <a:rPr lang="en-PH" sz="3100" kern="1200" dirty="0" err="1"/>
-            <a:t>authorId</a:t>
+            <a:t>userId</a:t>
           </a:r>
           <a:endParaRPr lang="en-PH" sz="3100" kern="1200" dirty="0"/>
         </a:p>
@@ -12872,7 +12632,34 @@
             <a:rPr lang="en-PH" sz="3100" kern="1200" dirty="0" err="1"/>
             <a:t>imgurl</a:t>
           </a:r>
-          <a:endParaRPr lang="en-PH" sz="3100" kern="1200" dirty="0"/>
+          <a:r>
+            <a:rPr lang="en-PH" sz="3100" kern="1200" dirty="0"/>
+            <a:t> (&lt;path to </a:t>
+          </a:r>
+          <a:r>
+            <a:rPr lang="en-PH" sz="3100" kern="1200" dirty="0" err="1"/>
+            <a:t>post_img</a:t>
+          </a:r>
+          <a:r>
+            <a:rPr lang="en-PH" sz="3100" kern="1200" dirty="0"/>
+            <a:t>&gt;+</a:t>
+          </a:r>
+          <a:r>
+            <a:rPr lang="en-PH" sz="3100" kern="1200" dirty="0" err="1"/>
+            <a:t>postHash</a:t>
+          </a:r>
+          <a:r>
+            <a:rPr lang="en-PH" sz="3100" kern="1200" dirty="0"/>
+            <a:t>+’.</a:t>
+          </a:r>
+          <a:r>
+            <a:rPr lang="en-PH" sz="3100" kern="1200" dirty="0" err="1"/>
+            <a:t>webp</a:t>
+          </a:r>
+          <a:r>
+            <a:rPr lang="en-PH" sz="3100" kern="1200" dirty="0"/>
+            <a:t>’)</a:t>
+          </a:r>
         </a:p>
       </dsp:txBody>
       <dsp:txXfrm>
@@ -12979,8 +12766,8 @@
             <a:buNone/>
           </a:pPr>
           <a:r>
-            <a:rPr lang="en-PH" sz="3100" kern="1200" dirty="0" err="1"/>
-            <a:t>posthash</a:t>
+            <a:rPr lang="en-PH" sz="3100" kern="1200"/>
+            <a:t>postHash</a:t>
           </a:r>
           <a:endParaRPr lang="en-PH" sz="3100" kern="1200" dirty="0"/>
         </a:p>
@@ -13321,7 +13108,7 @@
           </a:pPr>
           <a:r>
             <a:rPr lang="en-PH" sz="6300" kern="1200" dirty="0" err="1"/>
-            <a:t>authorId</a:t>
+            <a:t>userId</a:t>
           </a:r>
           <a:endParaRPr lang="en-PH" sz="6300" kern="1200" dirty="0"/>
         </a:p>
@@ -13540,7 +13327,7 @@
           </a:pPr>
           <a:r>
             <a:rPr lang="en-PH" sz="6300" kern="1200" dirty="0" err="1"/>
-            <a:t>posthash</a:t>
+            <a:t>postHash</a:t>
           </a:r>
           <a:endParaRPr lang="en-PH" sz="6300" kern="1200" dirty="0"/>
         </a:p>
@@ -13881,7 +13668,7 @@
           </a:pPr>
           <a:r>
             <a:rPr lang="en-PH" sz="6500" kern="1200" dirty="0" err="1"/>
-            <a:t>authorId</a:t>
+            <a:t>userId</a:t>
           </a:r>
           <a:endParaRPr lang="en-PH" sz="6500" kern="1200" dirty="0"/>
         </a:p>
@@ -13991,7 +13778,7 @@
           </a:pPr>
           <a:r>
             <a:rPr lang="en-PH" sz="6500" kern="1200" dirty="0" err="1"/>
-            <a:t>posthash</a:t>
+            <a:t>postHash</a:t>
           </a:r>
           <a:endParaRPr lang="en-PH" sz="6500" kern="1200" dirty="0"/>
         </a:p>
@@ -14050,18 +13837,6 @@
         <a:fontRef idx="minor"/>
       </dsp:style>
     </dsp:sp>
-  </dsp:spTree>
-</dsp:drawing>
-</file>
-
-<file path=ppt/diagrams/drawing6.xml><?xml version="1.0" encoding="utf-8"?>
-<dsp:drawing xmlns:dgm="http://schemas.openxmlformats.org/drawingml/2006/diagram" xmlns:dsp="http://schemas.microsoft.com/office/drawing/2008/diagram" xmlns:a="http://schemas.openxmlformats.org/drawingml/2006/main">
-  <dsp:spTree>
-    <dsp:nvGrpSpPr>
-      <dsp:cNvPr id="0" name=""/>
-      <dsp:cNvGrpSpPr/>
-    </dsp:nvGrpSpPr>
-    <dsp:grpSpPr/>
   </dsp:spTree>
 </dsp:drawing>
 </file>
@@ -17076,152 +16851,6 @@
 </dgm:layoutDef>
 </file>
 
-<file path=ppt/diagrams/layout6.xml><?xml version="1.0" encoding="utf-8"?>
-<dgm:layoutDef xmlns:dgm="http://schemas.openxmlformats.org/drawingml/2006/diagram" xmlns:a="http://schemas.openxmlformats.org/drawingml/2006/main" uniqueId="urn:microsoft.com/office/officeart/2005/8/layout/process1">
-  <dgm:title val=""/>
-  <dgm:desc val=""/>
-  <dgm:catLst>
-    <dgm:cat type="process" pri="1000"/>
-    <dgm:cat type="convert" pri="15000"/>
-  </dgm:catLst>
-  <dgm:sampData useDef="1">
-    <dgm:dataModel>
-      <dgm:ptLst/>
-      <dgm:bg/>
-      <dgm:whole/>
-    </dgm:dataModel>
-  </dgm:sampData>
-  <dgm:styleData>
-    <dgm:dataModel>
-      <dgm:ptLst>
-        <dgm:pt modelId="0" type="doc"/>
-        <dgm:pt modelId="1"/>
-        <dgm:pt modelId="2"/>
-      </dgm:ptLst>
-      <dgm:cxnLst>
-        <dgm:cxn modelId="3" srcId="0" destId="1" srcOrd="0" destOrd="0"/>
-        <dgm:cxn modelId="4" srcId="0" destId="2" srcOrd="1" destOrd="0"/>
-      </dgm:cxnLst>
-      <dgm:bg/>
-      <dgm:whole/>
-    </dgm:dataModel>
-  </dgm:styleData>
-  <dgm:clrData>
-    <dgm:dataModel>
-      <dgm:ptLst>
-        <dgm:pt modelId="0" type="doc"/>
-        <dgm:pt modelId="1"/>
-        <dgm:pt modelId="2"/>
-        <dgm:pt modelId="3"/>
-        <dgm:pt modelId="4"/>
-      </dgm:ptLst>
-      <dgm:cxnLst>
-        <dgm:cxn modelId="5" srcId="0" destId="1" srcOrd="0" destOrd="0"/>
-        <dgm:cxn modelId="6" srcId="0" destId="2" srcOrd="1" destOrd="0"/>
-        <dgm:cxn modelId="7" srcId="0" destId="3" srcOrd="2" destOrd="0"/>
-        <dgm:cxn modelId="8" srcId="0" destId="4" srcOrd="3" destOrd="0"/>
-      </dgm:cxnLst>
-      <dgm:bg/>
-      <dgm:whole/>
-    </dgm:dataModel>
-  </dgm:clrData>
-  <dgm:layoutNode name="Name0">
-    <dgm:varLst>
-      <dgm:dir/>
-      <dgm:resizeHandles val="exact"/>
-    </dgm:varLst>
-    <dgm:choose name="Name1">
-      <dgm:if name="Name2" func="var" arg="dir" op="equ" val="norm">
-        <dgm:alg type="lin"/>
-      </dgm:if>
-      <dgm:else name="Name3">
-        <dgm:alg type="lin">
-          <dgm:param type="linDir" val="fromR"/>
-        </dgm:alg>
-      </dgm:else>
-    </dgm:choose>
-    <dgm:shape xmlns:r="http://schemas.openxmlformats.org/officeDocument/2006/relationships" r:blip="">
-      <dgm:adjLst/>
-    </dgm:shape>
-    <dgm:presOf/>
-    <dgm:constrLst>
-      <dgm:constr type="w" for="ch" ptType="node" refType="w"/>
-      <dgm:constr type="h" for="ch" ptType="node" op="equ"/>
-      <dgm:constr type="primFontSz" for="ch" ptType="node" op="equ" val="65"/>
-      <dgm:constr type="w" for="ch" ptType="sibTrans" refType="w" refFor="ch" refPtType="node" op="equ" fact="0.4"/>
-      <dgm:constr type="h" for="ch" ptType="sibTrans" op="equ"/>
-      <dgm:constr type="primFontSz" for="des" forName="connectorText" op="equ" val="55"/>
-      <dgm:constr type="primFontSz" for="des" forName="connectorText" refType="primFontSz" refFor="ch" refPtType="node" op="lte" fact="0.8"/>
-    </dgm:constrLst>
-    <dgm:ruleLst/>
-    <dgm:forEach name="nodesForEach" axis="ch" ptType="node">
-      <dgm:layoutNode name="node">
-        <dgm:varLst>
-          <dgm:bulletEnabled val="1"/>
-        </dgm:varLst>
-        <dgm:alg type="tx"/>
-        <dgm:shape xmlns:r="http://schemas.openxmlformats.org/officeDocument/2006/relationships" type="roundRect" r:blip="">
-          <dgm:adjLst>
-            <dgm:adj idx="1" val="0.1"/>
-          </dgm:adjLst>
-        </dgm:shape>
-        <dgm:presOf axis="desOrSelf" ptType="node"/>
-        <dgm:constrLst>
-          <dgm:constr type="h" refType="w" fact="0.6"/>
-          <dgm:constr type="tMarg" refType="primFontSz" fact="0.3"/>
-          <dgm:constr type="bMarg" refType="primFontSz" fact="0.3"/>
-          <dgm:constr type="lMarg" refType="primFontSz" fact="0.3"/>
-          <dgm:constr type="rMarg" refType="primFontSz" fact="0.3"/>
-        </dgm:constrLst>
-        <dgm:ruleLst>
-          <dgm:rule type="primFontSz" val="18" fact="NaN" max="NaN"/>
-          <dgm:rule type="h" val="NaN" fact="1.5" max="NaN"/>
-          <dgm:rule type="primFontSz" val="5" fact="NaN" max="NaN"/>
-          <dgm:rule type="h" val="INF" fact="NaN" max="NaN"/>
-        </dgm:ruleLst>
-      </dgm:layoutNode>
-      <dgm:forEach name="sibTransForEach" axis="followSib" ptType="sibTrans" cnt="1">
-        <dgm:layoutNode name="sibTrans">
-          <dgm:alg type="conn">
-            <dgm:param type="begPts" val="auto"/>
-            <dgm:param type="endPts" val="auto"/>
-          </dgm:alg>
-          <dgm:shape xmlns:r="http://schemas.openxmlformats.org/officeDocument/2006/relationships" type="conn" r:blip="">
-            <dgm:adjLst/>
-          </dgm:shape>
-          <dgm:presOf axis="self"/>
-          <dgm:constrLst>
-            <dgm:constr type="h" refType="w" fact="0.62"/>
-            <dgm:constr type="connDist"/>
-            <dgm:constr type="begPad" refType="connDist" fact="0.25"/>
-            <dgm:constr type="endPad" refType="connDist" fact="0.22"/>
-          </dgm:constrLst>
-          <dgm:ruleLst/>
-          <dgm:layoutNode name="connectorText">
-            <dgm:alg type="tx">
-              <dgm:param type="autoTxRot" val="grav"/>
-            </dgm:alg>
-            <dgm:shape xmlns:r="http://schemas.openxmlformats.org/officeDocument/2006/relationships" type="conn" r:blip="" hideGeom="1">
-              <dgm:adjLst/>
-            </dgm:shape>
-            <dgm:presOf axis="self"/>
-            <dgm:constrLst>
-              <dgm:constr type="lMarg"/>
-              <dgm:constr type="rMarg"/>
-              <dgm:constr type="tMarg"/>
-              <dgm:constr type="bMarg"/>
-            </dgm:constrLst>
-            <dgm:ruleLst>
-              <dgm:rule type="primFontSz" val="5" fact="NaN" max="NaN"/>
-            </dgm:ruleLst>
-          </dgm:layoutNode>
-        </dgm:layoutNode>
-      </dgm:forEach>
-    </dgm:forEach>
-  </dgm:layoutNode>
-</dgm:layoutDef>
-</file>
-
 <file path=ppt/diagrams/quickStyle1.xml><?xml version="1.0" encoding="utf-8"?>
 <dgm:styleDef xmlns:dgm="http://schemas.openxmlformats.org/drawingml/2006/diagram" xmlns:a="http://schemas.openxmlformats.org/drawingml/2006/main" uniqueId="urn:microsoft.com/office/officeart/2005/8/quickstyle/simple1">
   <dgm:title val=""/>
@@ -21359,1040 +20988,6 @@
 </file>
 
 <file path=ppt/diagrams/quickStyle5.xml><?xml version="1.0" encoding="utf-8"?>
-<dgm:styleDef xmlns:dgm="http://schemas.openxmlformats.org/drawingml/2006/diagram" xmlns:a="http://schemas.openxmlformats.org/drawingml/2006/main" uniqueId="urn:microsoft.com/office/officeart/2005/8/quickstyle/simple1">
-  <dgm:title val=""/>
-  <dgm:desc val=""/>
-  <dgm:catLst>
-    <dgm:cat type="simple" pri="10100"/>
-  </dgm:catLst>
-  <dgm:scene3d>
-    <a:camera prst="orthographicFront"/>
-    <a:lightRig rig="threePt" dir="t"/>
-  </dgm:scene3d>
-  <dgm:styleLbl name="node0">
-    <dgm:scene3d>
-      <a:camera prst="orthographicFront"/>
-      <a:lightRig rig="threePt" dir="t"/>
-    </dgm:scene3d>
-    <dgm:sp3d/>
-    <dgm:txPr/>
-    <dgm:style>
-      <a:lnRef idx="2">
-        <a:scrgbClr r="0" g="0" b="0"/>
-      </a:lnRef>
-      <a:fillRef idx="1">
-        <a:scrgbClr r="0" g="0" b="0"/>
-      </a:fillRef>
-      <a:effectRef idx="0">
-        <a:scrgbClr r="0" g="0" b="0"/>
-      </a:effectRef>
-      <a:fontRef idx="minor">
-        <a:schemeClr val="lt1"/>
-      </a:fontRef>
-    </dgm:style>
-  </dgm:styleLbl>
-  <dgm:styleLbl name="lnNode1">
-    <dgm:scene3d>
-      <a:camera prst="orthographicFront"/>
-      <a:lightRig rig="threePt" dir="t"/>
-    </dgm:scene3d>
-    <dgm:sp3d/>
-    <dgm:txPr/>
-    <dgm:style>
-      <a:lnRef idx="2">
-        <a:scrgbClr r="0" g="0" b="0"/>
-      </a:lnRef>
-      <a:fillRef idx="1">
-        <a:scrgbClr r="0" g="0" b="0"/>
-      </a:fillRef>
-      <a:effectRef idx="0">
-        <a:scrgbClr r="0" g="0" b="0"/>
-      </a:effectRef>
-      <a:fontRef idx="minor">
-        <a:schemeClr val="lt1"/>
-      </a:fontRef>
-    </dgm:style>
-  </dgm:styleLbl>
-  <dgm:styleLbl name="vennNode1">
-    <dgm:scene3d>
-      <a:camera prst="orthographicFront"/>
-      <a:lightRig rig="threePt" dir="t"/>
-    </dgm:scene3d>
-    <dgm:sp3d/>
-    <dgm:txPr/>
-    <dgm:style>
-      <a:lnRef idx="2">
-        <a:scrgbClr r="0" g="0" b="0"/>
-      </a:lnRef>
-      <a:fillRef idx="1">
-        <a:scrgbClr r="0" g="0" b="0"/>
-      </a:fillRef>
-      <a:effectRef idx="0">
-        <a:scrgbClr r="0" g="0" b="0"/>
-      </a:effectRef>
-      <a:fontRef idx="minor">
-        <a:schemeClr val="tx1"/>
-      </a:fontRef>
-    </dgm:style>
-  </dgm:styleLbl>
-  <dgm:styleLbl name="alignNode1">
-    <dgm:scene3d>
-      <a:camera prst="orthographicFront"/>
-      <a:lightRig rig="threePt" dir="t"/>
-    </dgm:scene3d>
-    <dgm:sp3d/>
-    <dgm:txPr/>
-    <dgm:style>
-      <a:lnRef idx="2">
-        <a:scrgbClr r="0" g="0" b="0"/>
-      </a:lnRef>
-      <a:fillRef idx="1">
-        <a:scrgbClr r="0" g="0" b="0"/>
-      </a:fillRef>
-      <a:effectRef idx="0">
-        <a:scrgbClr r="0" g="0" b="0"/>
-      </a:effectRef>
-      <a:fontRef idx="minor">
-        <a:schemeClr val="lt1"/>
-      </a:fontRef>
-    </dgm:style>
-  </dgm:styleLbl>
-  <dgm:styleLbl name="node1">
-    <dgm:scene3d>
-      <a:camera prst="orthographicFront"/>
-      <a:lightRig rig="threePt" dir="t"/>
-    </dgm:scene3d>
-    <dgm:sp3d/>
-    <dgm:txPr/>
-    <dgm:style>
-      <a:lnRef idx="2">
-        <a:scrgbClr r="0" g="0" b="0"/>
-      </a:lnRef>
-      <a:fillRef idx="1">
-        <a:scrgbClr r="0" g="0" b="0"/>
-      </a:fillRef>
-      <a:effectRef idx="0">
-        <a:scrgbClr r="0" g="0" b="0"/>
-      </a:effectRef>
-      <a:fontRef idx="minor">
-        <a:schemeClr val="lt1"/>
-      </a:fontRef>
-    </dgm:style>
-  </dgm:styleLbl>
-  <dgm:styleLbl name="node2">
-    <dgm:scene3d>
-      <a:camera prst="orthographicFront"/>
-      <a:lightRig rig="threePt" dir="t"/>
-    </dgm:scene3d>
-    <dgm:sp3d/>
-    <dgm:txPr/>
-    <dgm:style>
-      <a:lnRef idx="2">
-        <a:scrgbClr r="0" g="0" b="0"/>
-      </a:lnRef>
-      <a:fillRef idx="1">
-        <a:scrgbClr r="0" g="0" b="0"/>
-      </a:fillRef>
-      <a:effectRef idx="0">
-        <a:scrgbClr r="0" g="0" b="0"/>
-      </a:effectRef>
-      <a:fontRef idx="minor">
-        <a:schemeClr val="lt1"/>
-      </a:fontRef>
-    </dgm:style>
-  </dgm:styleLbl>
-  <dgm:styleLbl name="node3">
-    <dgm:scene3d>
-      <a:camera prst="orthographicFront"/>
-      <a:lightRig rig="threePt" dir="t"/>
-    </dgm:scene3d>
-    <dgm:sp3d/>
-    <dgm:txPr/>
-    <dgm:style>
-      <a:lnRef idx="2">
-        <a:scrgbClr r="0" g="0" b="0"/>
-      </a:lnRef>
-      <a:fillRef idx="1">
-        <a:scrgbClr r="0" g="0" b="0"/>
-      </a:fillRef>
-      <a:effectRef idx="0">
-        <a:scrgbClr r="0" g="0" b="0"/>
-      </a:effectRef>
-      <a:fontRef idx="minor">
-        <a:schemeClr val="lt1"/>
-      </a:fontRef>
-    </dgm:style>
-  </dgm:styleLbl>
-  <dgm:styleLbl name="node4">
-    <dgm:scene3d>
-      <a:camera prst="orthographicFront"/>
-      <a:lightRig rig="threePt" dir="t"/>
-    </dgm:scene3d>
-    <dgm:sp3d/>
-    <dgm:txPr/>
-    <dgm:style>
-      <a:lnRef idx="2">
-        <a:scrgbClr r="0" g="0" b="0"/>
-      </a:lnRef>
-      <a:fillRef idx="1">
-        <a:scrgbClr r="0" g="0" b="0"/>
-      </a:fillRef>
-      <a:effectRef idx="0">
-        <a:scrgbClr r="0" g="0" b="0"/>
-      </a:effectRef>
-      <a:fontRef idx="minor">
-        <a:schemeClr val="lt1"/>
-      </a:fontRef>
-    </dgm:style>
-  </dgm:styleLbl>
-  <dgm:styleLbl name="fgImgPlace1">
-    <dgm:scene3d>
-      <a:camera prst="orthographicFront"/>
-      <a:lightRig rig="threePt" dir="t"/>
-    </dgm:scene3d>
-    <dgm:sp3d/>
-    <dgm:txPr/>
-    <dgm:style>
-      <a:lnRef idx="2">
-        <a:scrgbClr r="0" g="0" b="0"/>
-      </a:lnRef>
-      <a:fillRef idx="1">
-        <a:scrgbClr r="0" g="0" b="0"/>
-      </a:fillRef>
-      <a:effectRef idx="0">
-        <a:scrgbClr r="0" g="0" b="0"/>
-      </a:effectRef>
-      <a:fontRef idx="minor"/>
-    </dgm:style>
-  </dgm:styleLbl>
-  <dgm:styleLbl name="alignImgPlace1">
-    <dgm:scene3d>
-      <a:camera prst="orthographicFront"/>
-      <a:lightRig rig="threePt" dir="t"/>
-    </dgm:scene3d>
-    <dgm:sp3d/>
-    <dgm:txPr/>
-    <dgm:style>
-      <a:lnRef idx="2">
-        <a:scrgbClr r="0" g="0" b="0"/>
-      </a:lnRef>
-      <a:fillRef idx="1">
-        <a:scrgbClr r="0" g="0" b="0"/>
-      </a:fillRef>
-      <a:effectRef idx="0">
-        <a:scrgbClr r="0" g="0" b="0"/>
-      </a:effectRef>
-      <a:fontRef idx="minor"/>
-    </dgm:style>
-  </dgm:styleLbl>
-  <dgm:styleLbl name="bgImgPlace1">
-    <dgm:scene3d>
-      <a:camera prst="orthographicFront"/>
-      <a:lightRig rig="threePt" dir="t"/>
-    </dgm:scene3d>
-    <dgm:sp3d/>
-    <dgm:txPr/>
-    <dgm:style>
-      <a:lnRef idx="2">
-        <a:scrgbClr r="0" g="0" b="0"/>
-      </a:lnRef>
-      <a:fillRef idx="1">
-        <a:scrgbClr r="0" g="0" b="0"/>
-      </a:fillRef>
-      <a:effectRef idx="0">
-        <a:scrgbClr r="0" g="0" b="0"/>
-      </a:effectRef>
-      <a:fontRef idx="minor"/>
-    </dgm:style>
-  </dgm:styleLbl>
-  <dgm:styleLbl name="sibTrans2D1">
-    <dgm:scene3d>
-      <a:camera prst="orthographicFront"/>
-      <a:lightRig rig="threePt" dir="t"/>
-    </dgm:scene3d>
-    <dgm:sp3d/>
-    <dgm:txPr/>
-    <dgm:style>
-      <a:lnRef idx="0">
-        <a:scrgbClr r="0" g="0" b="0"/>
-      </a:lnRef>
-      <a:fillRef idx="1">
-        <a:scrgbClr r="0" g="0" b="0"/>
-      </a:fillRef>
-      <a:effectRef idx="0">
-        <a:scrgbClr r="0" g="0" b="0"/>
-      </a:effectRef>
-      <a:fontRef idx="minor">
-        <a:schemeClr val="lt1"/>
-      </a:fontRef>
-    </dgm:style>
-  </dgm:styleLbl>
-  <dgm:styleLbl name="fgSibTrans2D1">
-    <dgm:scene3d>
-      <a:camera prst="orthographicFront"/>
-      <a:lightRig rig="threePt" dir="t"/>
-    </dgm:scene3d>
-    <dgm:sp3d/>
-    <dgm:txPr/>
-    <dgm:style>
-      <a:lnRef idx="0">
-        <a:scrgbClr r="0" g="0" b="0"/>
-      </a:lnRef>
-      <a:fillRef idx="1">
-        <a:scrgbClr r="0" g="0" b="0"/>
-      </a:fillRef>
-      <a:effectRef idx="0">
-        <a:scrgbClr r="0" g="0" b="0"/>
-      </a:effectRef>
-      <a:fontRef idx="minor">
-        <a:schemeClr val="lt1"/>
-      </a:fontRef>
-    </dgm:style>
-  </dgm:styleLbl>
-  <dgm:styleLbl name="bgSibTrans2D1">
-    <dgm:scene3d>
-      <a:camera prst="orthographicFront"/>
-      <a:lightRig rig="threePt" dir="t"/>
-    </dgm:scene3d>
-    <dgm:sp3d/>
-    <dgm:txPr/>
-    <dgm:style>
-      <a:lnRef idx="0">
-        <a:scrgbClr r="0" g="0" b="0"/>
-      </a:lnRef>
-      <a:fillRef idx="1">
-        <a:scrgbClr r="0" g="0" b="0"/>
-      </a:fillRef>
-      <a:effectRef idx="0">
-        <a:scrgbClr r="0" g="0" b="0"/>
-      </a:effectRef>
-      <a:fontRef idx="minor">
-        <a:schemeClr val="lt1"/>
-      </a:fontRef>
-    </dgm:style>
-  </dgm:styleLbl>
-  <dgm:styleLbl name="sibTrans1D1">
-    <dgm:scene3d>
-      <a:camera prst="orthographicFront"/>
-      <a:lightRig rig="threePt" dir="t"/>
-    </dgm:scene3d>
-    <dgm:sp3d/>
-    <dgm:txPr/>
-    <dgm:style>
-      <a:lnRef idx="1">
-        <a:scrgbClr r="0" g="0" b="0"/>
-      </a:lnRef>
-      <a:fillRef idx="0">
-        <a:scrgbClr r="0" g="0" b="0"/>
-      </a:fillRef>
-      <a:effectRef idx="0">
-        <a:scrgbClr r="0" g="0" b="0"/>
-      </a:effectRef>
-      <a:fontRef idx="minor"/>
-    </dgm:style>
-  </dgm:styleLbl>
-  <dgm:styleLbl name="callout">
-    <dgm:scene3d>
-      <a:camera prst="orthographicFront"/>
-      <a:lightRig rig="threePt" dir="t"/>
-    </dgm:scene3d>
-    <dgm:sp3d/>
-    <dgm:txPr/>
-    <dgm:style>
-      <a:lnRef idx="2">
-        <a:scrgbClr r="0" g="0" b="0"/>
-      </a:lnRef>
-      <a:fillRef idx="1">
-        <a:scrgbClr r="0" g="0" b="0"/>
-      </a:fillRef>
-      <a:effectRef idx="0">
-        <a:scrgbClr r="0" g="0" b="0"/>
-      </a:effectRef>
-      <a:fontRef idx="minor"/>
-    </dgm:style>
-  </dgm:styleLbl>
-  <dgm:styleLbl name="asst0">
-    <dgm:scene3d>
-      <a:camera prst="orthographicFront"/>
-      <a:lightRig rig="threePt" dir="t"/>
-    </dgm:scene3d>
-    <dgm:sp3d/>
-    <dgm:txPr/>
-    <dgm:style>
-      <a:lnRef idx="2">
-        <a:scrgbClr r="0" g="0" b="0"/>
-      </a:lnRef>
-      <a:fillRef idx="1">
-        <a:scrgbClr r="0" g="0" b="0"/>
-      </a:fillRef>
-      <a:effectRef idx="0">
-        <a:scrgbClr r="0" g="0" b="0"/>
-      </a:effectRef>
-      <a:fontRef idx="minor">
-        <a:schemeClr val="lt1"/>
-      </a:fontRef>
-    </dgm:style>
-  </dgm:styleLbl>
-  <dgm:styleLbl name="asst1">
-    <dgm:scene3d>
-      <a:camera prst="orthographicFront"/>
-      <a:lightRig rig="threePt" dir="t"/>
-    </dgm:scene3d>
-    <dgm:sp3d/>
-    <dgm:txPr/>
-    <dgm:style>
-      <a:lnRef idx="2">
-        <a:scrgbClr r="0" g="0" b="0"/>
-      </a:lnRef>
-      <a:fillRef idx="1">
-        <a:scrgbClr r="0" g="0" b="0"/>
-      </a:fillRef>
-      <a:effectRef idx="0">
-        <a:scrgbClr r="0" g="0" b="0"/>
-      </a:effectRef>
-      <a:fontRef idx="minor">
-        <a:schemeClr val="lt1"/>
-      </a:fontRef>
-    </dgm:style>
-  </dgm:styleLbl>
-  <dgm:styleLbl name="asst2">
-    <dgm:scene3d>
-      <a:camera prst="orthographicFront"/>
-      <a:lightRig rig="threePt" dir="t"/>
-    </dgm:scene3d>
-    <dgm:sp3d/>
-    <dgm:txPr/>
-    <dgm:style>
-      <a:lnRef idx="2">
-        <a:scrgbClr r="0" g="0" b="0"/>
-      </a:lnRef>
-      <a:fillRef idx="1">
-        <a:scrgbClr r="0" g="0" b="0"/>
-      </a:fillRef>
-      <a:effectRef idx="0">
-        <a:scrgbClr r="0" g="0" b="0"/>
-      </a:effectRef>
-      <a:fontRef idx="minor">
-        <a:schemeClr val="lt1"/>
-      </a:fontRef>
-    </dgm:style>
-  </dgm:styleLbl>
-  <dgm:styleLbl name="asst3">
-    <dgm:scene3d>
-      <a:camera prst="orthographicFront"/>
-      <a:lightRig rig="threePt" dir="t"/>
-    </dgm:scene3d>
-    <dgm:sp3d/>
-    <dgm:txPr/>
-    <dgm:style>
-      <a:lnRef idx="2">
-        <a:scrgbClr r="0" g="0" b="0"/>
-      </a:lnRef>
-      <a:fillRef idx="1">
-        <a:scrgbClr r="0" g="0" b="0"/>
-      </a:fillRef>
-      <a:effectRef idx="0">
-        <a:scrgbClr r="0" g="0" b="0"/>
-      </a:effectRef>
-      <a:fontRef idx="minor">
-        <a:schemeClr val="lt1"/>
-      </a:fontRef>
-    </dgm:style>
-  </dgm:styleLbl>
-  <dgm:styleLbl name="asst4">
-    <dgm:scene3d>
-      <a:camera prst="orthographicFront"/>
-      <a:lightRig rig="threePt" dir="t"/>
-    </dgm:scene3d>
-    <dgm:sp3d/>
-    <dgm:txPr/>
-    <dgm:style>
-      <a:lnRef idx="2">
-        <a:scrgbClr r="0" g="0" b="0"/>
-      </a:lnRef>
-      <a:fillRef idx="1">
-        <a:scrgbClr r="0" g="0" b="0"/>
-      </a:fillRef>
-      <a:effectRef idx="0">
-        <a:scrgbClr r="0" g="0" b="0"/>
-      </a:effectRef>
-      <a:fontRef idx="minor">
-        <a:schemeClr val="lt1"/>
-      </a:fontRef>
-    </dgm:style>
-  </dgm:styleLbl>
-  <dgm:styleLbl name="parChTrans2D1">
-    <dgm:scene3d>
-      <a:camera prst="orthographicFront"/>
-      <a:lightRig rig="threePt" dir="t"/>
-    </dgm:scene3d>
-    <dgm:sp3d/>
-    <dgm:txPr/>
-    <dgm:style>
-      <a:lnRef idx="2">
-        <a:scrgbClr r="0" g="0" b="0"/>
-      </a:lnRef>
-      <a:fillRef idx="1">
-        <a:scrgbClr r="0" g="0" b="0"/>
-      </a:fillRef>
-      <a:effectRef idx="0">
-        <a:scrgbClr r="0" g="0" b="0"/>
-      </a:effectRef>
-      <a:fontRef idx="minor">
-        <a:schemeClr val="lt1"/>
-      </a:fontRef>
-    </dgm:style>
-  </dgm:styleLbl>
-  <dgm:styleLbl name="parChTrans2D2">
-    <dgm:scene3d>
-      <a:camera prst="orthographicFront"/>
-      <a:lightRig rig="threePt" dir="t"/>
-    </dgm:scene3d>
-    <dgm:sp3d/>
-    <dgm:txPr/>
-    <dgm:style>
-      <a:lnRef idx="2">
-        <a:scrgbClr r="0" g="0" b="0"/>
-      </a:lnRef>
-      <a:fillRef idx="1">
-        <a:scrgbClr r="0" g="0" b="0"/>
-      </a:fillRef>
-      <a:effectRef idx="0">
-        <a:scrgbClr r="0" g="0" b="0"/>
-      </a:effectRef>
-      <a:fontRef idx="minor">
-        <a:schemeClr val="lt1"/>
-      </a:fontRef>
-    </dgm:style>
-  </dgm:styleLbl>
-  <dgm:styleLbl name="parChTrans2D3">
-    <dgm:scene3d>
-      <a:camera prst="orthographicFront"/>
-      <a:lightRig rig="threePt" dir="t"/>
-    </dgm:scene3d>
-    <dgm:sp3d/>
-    <dgm:txPr/>
-    <dgm:style>
-      <a:lnRef idx="2">
-        <a:scrgbClr r="0" g="0" b="0"/>
-      </a:lnRef>
-      <a:fillRef idx="1">
-        <a:scrgbClr r="0" g="0" b="0"/>
-      </a:fillRef>
-      <a:effectRef idx="0">
-        <a:scrgbClr r="0" g="0" b="0"/>
-      </a:effectRef>
-      <a:fontRef idx="minor">
-        <a:schemeClr val="lt1"/>
-      </a:fontRef>
-    </dgm:style>
-  </dgm:styleLbl>
-  <dgm:styleLbl name="parChTrans2D4">
-    <dgm:scene3d>
-      <a:camera prst="orthographicFront"/>
-      <a:lightRig rig="threePt" dir="t"/>
-    </dgm:scene3d>
-    <dgm:sp3d/>
-    <dgm:txPr/>
-    <dgm:style>
-      <a:lnRef idx="2">
-        <a:scrgbClr r="0" g="0" b="0"/>
-      </a:lnRef>
-      <a:fillRef idx="1">
-        <a:scrgbClr r="0" g="0" b="0"/>
-      </a:fillRef>
-      <a:effectRef idx="0">
-        <a:scrgbClr r="0" g="0" b="0"/>
-      </a:effectRef>
-      <a:fontRef idx="minor">
-        <a:schemeClr val="lt1"/>
-      </a:fontRef>
-    </dgm:style>
-  </dgm:styleLbl>
-  <dgm:styleLbl name="parChTrans1D1">
-    <dgm:scene3d>
-      <a:camera prst="orthographicFront"/>
-      <a:lightRig rig="threePt" dir="t"/>
-    </dgm:scene3d>
-    <dgm:sp3d/>
-    <dgm:txPr/>
-    <dgm:style>
-      <a:lnRef idx="2">
-        <a:scrgbClr r="0" g="0" b="0"/>
-      </a:lnRef>
-      <a:fillRef idx="0">
-        <a:scrgbClr r="0" g="0" b="0"/>
-      </a:fillRef>
-      <a:effectRef idx="0">
-        <a:scrgbClr r="0" g="0" b="0"/>
-      </a:effectRef>
-      <a:fontRef idx="minor"/>
-    </dgm:style>
-  </dgm:styleLbl>
-  <dgm:styleLbl name="parChTrans1D2">
-    <dgm:scene3d>
-      <a:camera prst="orthographicFront"/>
-      <a:lightRig rig="threePt" dir="t"/>
-    </dgm:scene3d>
-    <dgm:sp3d/>
-    <dgm:txPr/>
-    <dgm:style>
-      <a:lnRef idx="2">
-        <a:scrgbClr r="0" g="0" b="0"/>
-      </a:lnRef>
-      <a:fillRef idx="0">
-        <a:scrgbClr r="0" g="0" b="0"/>
-      </a:fillRef>
-      <a:effectRef idx="0">
-        <a:scrgbClr r="0" g="0" b="0"/>
-      </a:effectRef>
-      <a:fontRef idx="minor"/>
-    </dgm:style>
-  </dgm:styleLbl>
-  <dgm:styleLbl name="parChTrans1D3">
-    <dgm:scene3d>
-      <a:camera prst="orthographicFront"/>
-      <a:lightRig rig="threePt" dir="t"/>
-    </dgm:scene3d>
-    <dgm:sp3d/>
-    <dgm:txPr/>
-    <dgm:style>
-      <a:lnRef idx="2">
-        <a:scrgbClr r="0" g="0" b="0"/>
-      </a:lnRef>
-      <a:fillRef idx="0">
-        <a:scrgbClr r="0" g="0" b="0"/>
-      </a:fillRef>
-      <a:effectRef idx="0">
-        <a:scrgbClr r="0" g="0" b="0"/>
-      </a:effectRef>
-      <a:fontRef idx="minor"/>
-    </dgm:style>
-  </dgm:styleLbl>
-  <dgm:styleLbl name="parChTrans1D4">
-    <dgm:scene3d>
-      <a:camera prst="orthographicFront"/>
-      <a:lightRig rig="threePt" dir="t"/>
-    </dgm:scene3d>
-    <dgm:sp3d/>
-    <dgm:txPr/>
-    <dgm:style>
-      <a:lnRef idx="2">
-        <a:scrgbClr r="0" g="0" b="0"/>
-      </a:lnRef>
-      <a:fillRef idx="0">
-        <a:scrgbClr r="0" g="0" b="0"/>
-      </a:fillRef>
-      <a:effectRef idx="0">
-        <a:scrgbClr r="0" g="0" b="0"/>
-      </a:effectRef>
-      <a:fontRef idx="minor"/>
-    </dgm:style>
-  </dgm:styleLbl>
-  <dgm:styleLbl name="fgAcc1">
-    <dgm:scene3d>
-      <a:camera prst="orthographicFront"/>
-      <a:lightRig rig="threePt" dir="t"/>
-    </dgm:scene3d>
-    <dgm:sp3d/>
-    <dgm:txPr/>
-    <dgm:style>
-      <a:lnRef idx="2">
-        <a:scrgbClr r="0" g="0" b="0"/>
-      </a:lnRef>
-      <a:fillRef idx="1">
-        <a:scrgbClr r="0" g="0" b="0"/>
-      </a:fillRef>
-      <a:effectRef idx="0">
-        <a:scrgbClr r="0" g="0" b="0"/>
-      </a:effectRef>
-      <a:fontRef idx="minor"/>
-    </dgm:style>
-  </dgm:styleLbl>
-  <dgm:styleLbl name="conFgAcc1">
-    <dgm:scene3d>
-      <a:camera prst="orthographicFront"/>
-      <a:lightRig rig="threePt" dir="t"/>
-    </dgm:scene3d>
-    <dgm:sp3d/>
-    <dgm:txPr/>
-    <dgm:style>
-      <a:lnRef idx="2">
-        <a:scrgbClr r="0" g="0" b="0"/>
-      </a:lnRef>
-      <a:fillRef idx="1">
-        <a:scrgbClr r="0" g="0" b="0"/>
-      </a:fillRef>
-      <a:effectRef idx="0">
-        <a:scrgbClr r="0" g="0" b="0"/>
-      </a:effectRef>
-      <a:fontRef idx="minor"/>
-    </dgm:style>
-  </dgm:styleLbl>
-  <dgm:styleLbl name="alignAcc1">
-    <dgm:scene3d>
-      <a:camera prst="orthographicFront"/>
-      <a:lightRig rig="threePt" dir="t"/>
-    </dgm:scene3d>
-    <dgm:sp3d/>
-    <dgm:txPr/>
-    <dgm:style>
-      <a:lnRef idx="2">
-        <a:scrgbClr r="0" g="0" b="0"/>
-      </a:lnRef>
-      <a:fillRef idx="1">
-        <a:scrgbClr r="0" g="0" b="0"/>
-      </a:fillRef>
-      <a:effectRef idx="0">
-        <a:scrgbClr r="0" g="0" b="0"/>
-      </a:effectRef>
-      <a:fontRef idx="minor"/>
-    </dgm:style>
-  </dgm:styleLbl>
-  <dgm:styleLbl name="trAlignAcc1">
-    <dgm:scene3d>
-      <a:camera prst="orthographicFront"/>
-      <a:lightRig rig="threePt" dir="t"/>
-    </dgm:scene3d>
-    <dgm:sp3d/>
-    <dgm:txPr/>
-    <dgm:style>
-      <a:lnRef idx="1">
-        <a:scrgbClr r="0" g="0" b="0"/>
-      </a:lnRef>
-      <a:fillRef idx="1">
-        <a:scrgbClr r="0" g="0" b="0"/>
-      </a:fillRef>
-      <a:effectRef idx="0">
-        <a:scrgbClr r="0" g="0" b="0"/>
-      </a:effectRef>
-      <a:fontRef idx="minor"/>
-    </dgm:style>
-  </dgm:styleLbl>
-  <dgm:styleLbl name="bgAcc1">
-    <dgm:scene3d>
-      <a:camera prst="orthographicFront"/>
-      <a:lightRig rig="threePt" dir="t"/>
-    </dgm:scene3d>
-    <dgm:sp3d/>
-    <dgm:txPr/>
-    <dgm:style>
-      <a:lnRef idx="2">
-        <a:scrgbClr r="0" g="0" b="0"/>
-      </a:lnRef>
-      <a:fillRef idx="1">
-        <a:scrgbClr r="0" g="0" b="0"/>
-      </a:fillRef>
-      <a:effectRef idx="0">
-        <a:scrgbClr r="0" g="0" b="0"/>
-      </a:effectRef>
-      <a:fontRef idx="minor"/>
-    </dgm:style>
-  </dgm:styleLbl>
-  <dgm:styleLbl name="solidFgAcc1">
-    <dgm:scene3d>
-      <a:camera prst="orthographicFront"/>
-      <a:lightRig rig="threePt" dir="t"/>
-    </dgm:scene3d>
-    <dgm:sp3d/>
-    <dgm:txPr/>
-    <dgm:style>
-      <a:lnRef idx="2">
-        <a:scrgbClr r="0" g="0" b="0"/>
-      </a:lnRef>
-      <a:fillRef idx="1">
-        <a:scrgbClr r="0" g="0" b="0"/>
-      </a:fillRef>
-      <a:effectRef idx="0">
-        <a:scrgbClr r="0" g="0" b="0"/>
-      </a:effectRef>
-      <a:fontRef idx="minor"/>
-    </dgm:style>
-  </dgm:styleLbl>
-  <dgm:styleLbl name="solidAlignAcc1">
-    <dgm:scene3d>
-      <a:camera prst="orthographicFront"/>
-      <a:lightRig rig="threePt" dir="t"/>
-    </dgm:scene3d>
-    <dgm:sp3d/>
-    <dgm:txPr/>
-    <dgm:style>
-      <a:lnRef idx="2">
-        <a:scrgbClr r="0" g="0" b="0"/>
-      </a:lnRef>
-      <a:fillRef idx="1">
-        <a:scrgbClr r="0" g="0" b="0"/>
-      </a:fillRef>
-      <a:effectRef idx="0">
-        <a:scrgbClr r="0" g="0" b="0"/>
-      </a:effectRef>
-      <a:fontRef idx="minor"/>
-    </dgm:style>
-  </dgm:styleLbl>
-  <dgm:styleLbl name="solidBgAcc1">
-    <dgm:scene3d>
-      <a:camera prst="orthographicFront"/>
-      <a:lightRig rig="threePt" dir="t"/>
-    </dgm:scene3d>
-    <dgm:sp3d/>
-    <dgm:txPr/>
-    <dgm:style>
-      <a:lnRef idx="2">
-        <a:scrgbClr r="0" g="0" b="0"/>
-      </a:lnRef>
-      <a:fillRef idx="1">
-        <a:scrgbClr r="0" g="0" b="0"/>
-      </a:fillRef>
-      <a:effectRef idx="0">
-        <a:scrgbClr r="0" g="0" b="0"/>
-      </a:effectRef>
-      <a:fontRef idx="minor"/>
-    </dgm:style>
-  </dgm:styleLbl>
-  <dgm:styleLbl name="fgAccFollowNode1">
-    <dgm:scene3d>
-      <a:camera prst="orthographicFront"/>
-      <a:lightRig rig="threePt" dir="t"/>
-    </dgm:scene3d>
-    <dgm:sp3d/>
-    <dgm:txPr/>
-    <dgm:style>
-      <a:lnRef idx="2">
-        <a:scrgbClr r="0" g="0" b="0"/>
-      </a:lnRef>
-      <a:fillRef idx="1">
-        <a:scrgbClr r="0" g="0" b="0"/>
-      </a:fillRef>
-      <a:effectRef idx="0">
-        <a:scrgbClr r="0" g="0" b="0"/>
-      </a:effectRef>
-      <a:fontRef idx="minor"/>
-    </dgm:style>
-  </dgm:styleLbl>
-  <dgm:styleLbl name="alignAccFollowNode1">
-    <dgm:scene3d>
-      <a:camera prst="orthographicFront"/>
-      <a:lightRig rig="threePt" dir="t"/>
-    </dgm:scene3d>
-    <dgm:sp3d/>
-    <dgm:txPr/>
-    <dgm:style>
-      <a:lnRef idx="2">
-        <a:scrgbClr r="0" g="0" b="0"/>
-      </a:lnRef>
-      <a:fillRef idx="1">
-        <a:scrgbClr r="0" g="0" b="0"/>
-      </a:fillRef>
-      <a:effectRef idx="0">
-        <a:scrgbClr r="0" g="0" b="0"/>
-      </a:effectRef>
-      <a:fontRef idx="minor"/>
-    </dgm:style>
-  </dgm:styleLbl>
-  <dgm:styleLbl name="bgAccFollowNode1">
-    <dgm:scene3d>
-      <a:camera prst="orthographicFront"/>
-      <a:lightRig rig="threePt" dir="t"/>
-    </dgm:scene3d>
-    <dgm:sp3d/>
-    <dgm:txPr/>
-    <dgm:style>
-      <a:lnRef idx="2">
-        <a:scrgbClr r="0" g="0" b="0"/>
-      </a:lnRef>
-      <a:fillRef idx="1">
-        <a:scrgbClr r="0" g="0" b="0"/>
-      </a:fillRef>
-      <a:effectRef idx="0">
-        <a:scrgbClr r="0" g="0" b="0"/>
-      </a:effectRef>
-      <a:fontRef idx="minor"/>
-    </dgm:style>
-  </dgm:styleLbl>
-  <dgm:styleLbl name="fgAcc0">
-    <dgm:scene3d>
-      <a:camera prst="orthographicFront"/>
-      <a:lightRig rig="threePt" dir="t"/>
-    </dgm:scene3d>
-    <dgm:sp3d/>
-    <dgm:txPr/>
-    <dgm:style>
-      <a:lnRef idx="2">
-        <a:scrgbClr r="0" g="0" b="0"/>
-      </a:lnRef>
-      <a:fillRef idx="1">
-        <a:scrgbClr r="0" g="0" b="0"/>
-      </a:fillRef>
-      <a:effectRef idx="0">
-        <a:scrgbClr r="0" g="0" b="0"/>
-      </a:effectRef>
-      <a:fontRef idx="minor"/>
-    </dgm:style>
-  </dgm:styleLbl>
-  <dgm:styleLbl name="fgAcc2">
-    <dgm:scene3d>
-      <a:camera prst="orthographicFront"/>
-      <a:lightRig rig="threePt" dir="t"/>
-    </dgm:scene3d>
-    <dgm:sp3d/>
-    <dgm:txPr/>
-    <dgm:style>
-      <a:lnRef idx="2">
-        <a:scrgbClr r="0" g="0" b="0"/>
-      </a:lnRef>
-      <a:fillRef idx="1">
-        <a:scrgbClr r="0" g="0" b="0"/>
-      </a:fillRef>
-      <a:effectRef idx="0">
-        <a:scrgbClr r="0" g="0" b="0"/>
-      </a:effectRef>
-      <a:fontRef idx="minor"/>
-    </dgm:style>
-  </dgm:styleLbl>
-  <dgm:styleLbl name="fgAcc3">
-    <dgm:scene3d>
-      <a:camera prst="orthographicFront"/>
-      <a:lightRig rig="threePt" dir="t"/>
-    </dgm:scene3d>
-    <dgm:sp3d/>
-    <dgm:txPr/>
-    <dgm:style>
-      <a:lnRef idx="2">
-        <a:scrgbClr r="0" g="0" b="0"/>
-      </a:lnRef>
-      <a:fillRef idx="1">
-        <a:scrgbClr r="0" g="0" b="0"/>
-      </a:fillRef>
-      <a:effectRef idx="0">
-        <a:scrgbClr r="0" g="0" b="0"/>
-      </a:effectRef>
-      <a:fontRef idx="minor"/>
-    </dgm:style>
-  </dgm:styleLbl>
-  <dgm:styleLbl name="fgAcc4">
-    <dgm:scene3d>
-      <a:camera prst="orthographicFront"/>
-      <a:lightRig rig="threePt" dir="t"/>
-    </dgm:scene3d>
-    <dgm:sp3d/>
-    <dgm:txPr/>
-    <dgm:style>
-      <a:lnRef idx="2">
-        <a:scrgbClr r="0" g="0" b="0"/>
-      </a:lnRef>
-      <a:fillRef idx="1">
-        <a:scrgbClr r="0" g="0" b="0"/>
-      </a:fillRef>
-      <a:effectRef idx="0">
-        <a:scrgbClr r="0" g="0" b="0"/>
-      </a:effectRef>
-      <a:fontRef idx="minor"/>
-    </dgm:style>
-  </dgm:styleLbl>
-  <dgm:styleLbl name="bgShp">
-    <dgm:scene3d>
-      <a:camera prst="orthographicFront"/>
-      <a:lightRig rig="threePt" dir="t"/>
-    </dgm:scene3d>
-    <dgm:sp3d/>
-    <dgm:txPr/>
-    <dgm:style>
-      <a:lnRef idx="0">
-        <a:scrgbClr r="0" g="0" b="0"/>
-      </a:lnRef>
-      <a:fillRef idx="1">
-        <a:scrgbClr r="0" g="0" b="0"/>
-      </a:fillRef>
-      <a:effectRef idx="0">
-        <a:scrgbClr r="0" g="0" b="0"/>
-      </a:effectRef>
-      <a:fontRef idx="minor"/>
-    </dgm:style>
-  </dgm:styleLbl>
-  <dgm:styleLbl name="dkBgShp">
-    <dgm:scene3d>
-      <a:camera prst="orthographicFront"/>
-      <a:lightRig rig="threePt" dir="t"/>
-    </dgm:scene3d>
-    <dgm:sp3d/>
-    <dgm:txPr/>
-    <dgm:style>
-      <a:lnRef idx="0">
-        <a:scrgbClr r="0" g="0" b="0"/>
-      </a:lnRef>
-      <a:fillRef idx="1">
-        <a:scrgbClr r="0" g="0" b="0"/>
-      </a:fillRef>
-      <a:effectRef idx="0">
-        <a:scrgbClr r="0" g="0" b="0"/>
-      </a:effectRef>
-      <a:fontRef idx="minor"/>
-    </dgm:style>
-  </dgm:styleLbl>
-  <dgm:styleLbl name="trBgShp">
-    <dgm:scene3d>
-      <a:camera prst="orthographicFront"/>
-      <a:lightRig rig="threePt" dir="t"/>
-    </dgm:scene3d>
-    <dgm:sp3d/>
-    <dgm:txPr/>
-    <dgm:style>
-      <a:lnRef idx="0">
-        <a:scrgbClr r="0" g="0" b="0"/>
-      </a:lnRef>
-      <a:fillRef idx="1">
-        <a:scrgbClr r="0" g="0" b="0"/>
-      </a:fillRef>
-      <a:effectRef idx="0">
-        <a:scrgbClr r="0" g="0" b="0"/>
-      </a:effectRef>
-      <a:fontRef idx="minor"/>
-    </dgm:style>
-  </dgm:styleLbl>
-  <dgm:styleLbl name="fgShp">
-    <dgm:scene3d>
-      <a:camera prst="orthographicFront"/>
-      <a:lightRig rig="threePt" dir="t"/>
-    </dgm:scene3d>
-    <dgm:sp3d/>
-    <dgm:txPr/>
-    <dgm:style>
-      <a:lnRef idx="2">
-        <a:scrgbClr r="0" g="0" b="0"/>
-      </a:lnRef>
-      <a:fillRef idx="1">
-        <a:scrgbClr r="0" g="0" b="0"/>
-      </a:fillRef>
-      <a:effectRef idx="0">
-        <a:scrgbClr r="0" g="0" b="0"/>
-      </a:effectRef>
-      <a:fontRef idx="minor"/>
-    </dgm:style>
-  </dgm:styleLbl>
-  <dgm:styleLbl name="revTx">
-    <dgm:scene3d>
-      <a:camera prst="orthographicFront"/>
-      <a:lightRig rig="threePt" dir="t"/>
-    </dgm:scene3d>
-    <dgm:sp3d/>
-    <dgm:txPr/>
-    <dgm:style>
-      <a:lnRef idx="0">
-        <a:scrgbClr r="0" g="0" b="0"/>
-      </a:lnRef>
-      <a:fillRef idx="0">
-        <a:scrgbClr r="0" g="0" b="0"/>
-      </a:fillRef>
-      <a:effectRef idx="0">
-        <a:scrgbClr r="0" g="0" b="0"/>
-      </a:effectRef>
-      <a:fontRef idx="minor"/>
-    </dgm:style>
-  </dgm:styleLbl>
-</dgm:styleDef>
-</file>
-
-<file path=ppt/diagrams/quickStyle6.xml><?xml version="1.0" encoding="utf-8"?>
 <dgm:styleDef xmlns:dgm="http://schemas.openxmlformats.org/drawingml/2006/diagram" xmlns:a="http://schemas.openxmlformats.org/drawingml/2006/main" uniqueId="urn:microsoft.com/office/officeart/2005/8/quickstyle/simple1">
   <dgm:title val=""/>
   <dgm:desc val=""/>
@@ -23575,7 +22170,7 @@
           <a:p>
             <a:fld id="{2CDD62A0-B891-4650-A5BB-561AD783AD7C}" type="datetimeFigureOut">
               <a:rPr lang="en-PH" smtClean="0"/>
-              <a:t>26/05/2022</a:t>
+              <a:t>27/05/2022</a:t>
             </a:fld>
             <a:endParaRPr lang="en-PH"/>
           </a:p>
@@ -23775,7 +22370,7 @@
           <a:p>
             <a:fld id="{2CDD62A0-B891-4650-A5BB-561AD783AD7C}" type="datetimeFigureOut">
               <a:rPr lang="en-PH" smtClean="0"/>
-              <a:t>26/05/2022</a:t>
+              <a:t>27/05/2022</a:t>
             </a:fld>
             <a:endParaRPr lang="en-PH"/>
           </a:p>
@@ -23985,7 +22580,7 @@
           <a:p>
             <a:fld id="{2CDD62A0-B891-4650-A5BB-561AD783AD7C}" type="datetimeFigureOut">
               <a:rPr lang="en-PH" smtClean="0"/>
-              <a:t>26/05/2022</a:t>
+              <a:t>27/05/2022</a:t>
             </a:fld>
             <a:endParaRPr lang="en-PH"/>
           </a:p>
@@ -24185,7 +22780,7 @@
           <a:p>
             <a:fld id="{2CDD62A0-B891-4650-A5BB-561AD783AD7C}" type="datetimeFigureOut">
               <a:rPr lang="en-PH" smtClean="0"/>
-              <a:t>26/05/2022</a:t>
+              <a:t>27/05/2022</a:t>
             </a:fld>
             <a:endParaRPr lang="en-PH"/>
           </a:p>
@@ -24461,7 +23056,7 @@
           <a:p>
             <a:fld id="{2CDD62A0-B891-4650-A5BB-561AD783AD7C}" type="datetimeFigureOut">
               <a:rPr lang="en-PH" smtClean="0"/>
-              <a:t>26/05/2022</a:t>
+              <a:t>27/05/2022</a:t>
             </a:fld>
             <a:endParaRPr lang="en-PH"/>
           </a:p>
@@ -24729,7 +23324,7 @@
           <a:p>
             <a:fld id="{2CDD62A0-B891-4650-A5BB-561AD783AD7C}" type="datetimeFigureOut">
               <a:rPr lang="en-PH" smtClean="0"/>
-              <a:t>26/05/2022</a:t>
+              <a:t>27/05/2022</a:t>
             </a:fld>
             <a:endParaRPr lang="en-PH"/>
           </a:p>
@@ -25144,7 +23739,7 @@
           <a:p>
             <a:fld id="{2CDD62A0-B891-4650-A5BB-561AD783AD7C}" type="datetimeFigureOut">
               <a:rPr lang="en-PH" smtClean="0"/>
-              <a:t>26/05/2022</a:t>
+              <a:t>27/05/2022</a:t>
             </a:fld>
             <a:endParaRPr lang="en-PH"/>
           </a:p>
@@ -25286,7 +23881,7 @@
           <a:p>
             <a:fld id="{2CDD62A0-B891-4650-A5BB-561AD783AD7C}" type="datetimeFigureOut">
               <a:rPr lang="en-PH" smtClean="0"/>
-              <a:t>26/05/2022</a:t>
+              <a:t>27/05/2022</a:t>
             </a:fld>
             <a:endParaRPr lang="en-PH"/>
           </a:p>
@@ -25399,7 +23994,7 @@
           <a:p>
             <a:fld id="{2CDD62A0-B891-4650-A5BB-561AD783AD7C}" type="datetimeFigureOut">
               <a:rPr lang="en-PH" smtClean="0"/>
-              <a:t>26/05/2022</a:t>
+              <a:t>27/05/2022</a:t>
             </a:fld>
             <a:endParaRPr lang="en-PH"/>
           </a:p>
@@ -25712,7 +24307,7 @@
           <a:p>
             <a:fld id="{2CDD62A0-B891-4650-A5BB-561AD783AD7C}" type="datetimeFigureOut">
               <a:rPr lang="en-PH" smtClean="0"/>
-              <a:t>26/05/2022</a:t>
+              <a:t>27/05/2022</a:t>
             </a:fld>
             <a:endParaRPr lang="en-PH"/>
           </a:p>
@@ -26001,7 +24596,7 @@
           <a:p>
             <a:fld id="{2CDD62A0-B891-4650-A5BB-561AD783AD7C}" type="datetimeFigureOut">
               <a:rPr lang="en-PH" smtClean="0"/>
-              <a:t>26/05/2022</a:t>
+              <a:t>27/05/2022</a:t>
             </a:fld>
             <a:endParaRPr lang="en-PH"/>
           </a:p>
@@ -26244,7 +24839,7 @@
           <a:p>
             <a:fld id="{2CDD62A0-B891-4650-A5BB-561AD783AD7C}" type="datetimeFigureOut">
               <a:rPr lang="en-PH" smtClean="0"/>
-              <a:t>26/05/2022</a:t>
+              <a:t>27/05/2022</a:t>
             </a:fld>
             <a:endParaRPr lang="en-PH"/>
           </a:p>
@@ -26684,7 +25279,7 @@
           <a:p>
             <a:r>
               <a:rPr lang="en-PH" dirty="0"/>
-              <a:t>Design</a:t>
+              <a:t>MCO</a:t>
             </a:r>
           </a:p>
         </p:txBody>
@@ -26710,7 +25305,23 @@
           <a:bodyPr/>
           <a:lstStyle/>
           <a:p>
-            <a:endParaRPr lang="en-PH"/>
+            <a:endParaRPr lang="en-PH" dirty="0"/>
+          </a:p>
+          <a:p>
+            <a:r>
+              <a:rPr lang="en-PH" dirty="0"/>
+              <a:t>Group 10</a:t>
+            </a:r>
+          </a:p>
+          <a:p>
+            <a:r>
+              <a:rPr lang="en-PH" dirty="0" err="1"/>
+              <a:t>Budol</a:t>
+            </a:r>
+            <a:r>
+              <a:rPr lang="en-PH" dirty="0"/>
+              <a:t> Finds</a:t>
+            </a:r>
           </a:p>
         </p:txBody>
       </p:sp>
@@ -26718,95 +25329,6 @@
     <p:extLst>
       <p:ext uri="{BB962C8B-B14F-4D97-AF65-F5344CB8AC3E}">
         <p14:creationId xmlns:p14="http://schemas.microsoft.com/office/powerpoint/2010/main" val="4218224952"/>
-      </p:ext>
-    </p:extLst>
-  </p:cSld>
-  <p:clrMapOvr>
-    <a:masterClrMapping/>
-  </p:clrMapOvr>
-</p:sld>
-</file>
-
-<file path=ppt/slides/slide10.xml><?xml version="1.0" encoding="utf-8"?>
-<p:sld xmlns:a="http://schemas.openxmlformats.org/drawingml/2006/main" xmlns:r="http://schemas.openxmlformats.org/officeDocument/2006/relationships" xmlns:p="http://schemas.openxmlformats.org/presentationml/2006/main">
-  <p:cSld>
-    <p:spTree>
-      <p:nvGrpSpPr>
-        <p:cNvPr id="1" name=""/>
-        <p:cNvGrpSpPr/>
-        <p:nvPr/>
-      </p:nvGrpSpPr>
-      <p:grpSpPr>
-        <a:xfrm>
-          <a:off x="0" y="0"/>
-          <a:ext cx="0" cy="0"/>
-          <a:chOff x="0" y="0"/>
-          <a:chExt cx="0" cy="0"/>
-        </a:xfrm>
-      </p:grpSpPr>
-      <p:sp>
-        <p:nvSpPr>
-          <p:cNvPr id="2" name="Title 1">
-            <a:extLst>
-              <a:ext uri="{FF2B5EF4-FFF2-40B4-BE49-F238E27FC236}">
-                <a16:creationId xmlns:a16="http://schemas.microsoft.com/office/drawing/2014/main" id="{0D2CABAC-2CEC-74F5-1B4A-84438CCF2028}"/>
-              </a:ext>
-            </a:extLst>
-          </p:cNvPr>
-          <p:cNvSpPr>
-            <a:spLocks noGrp="1"/>
-          </p:cNvSpPr>
-          <p:nvPr>
-            <p:ph type="title"/>
-          </p:nvPr>
-        </p:nvSpPr>
-        <p:spPr/>
-        <p:txBody>
-          <a:bodyPr/>
-          <a:lstStyle/>
-          <a:p>
-            <a:r>
-              <a:rPr lang="en-PH" dirty="0"/>
-              <a:t>Loading homepage</a:t>
-            </a:r>
-          </a:p>
-        </p:txBody>
-      </p:sp>
-      <p:graphicFrame>
-        <p:nvGraphicFramePr>
-          <p:cNvPr id="4" name="Content Placeholder 3">
-            <a:extLst>
-              <a:ext uri="{FF2B5EF4-FFF2-40B4-BE49-F238E27FC236}">
-                <a16:creationId xmlns:a16="http://schemas.microsoft.com/office/drawing/2014/main" id="{1521E541-B991-9DF3-7338-811E6AF6CE77}"/>
-              </a:ext>
-            </a:extLst>
-          </p:cNvPr>
-          <p:cNvGraphicFramePr>
-            <a:graphicFrameLocks noGrp="1"/>
-          </p:cNvGraphicFramePr>
-          <p:nvPr>
-            <p:ph idx="1"/>
-            <p:extLst>
-              <p:ext uri="{D42A27DB-BD31-4B8C-83A1-F6EECF244321}">
-                <p14:modId xmlns:p14="http://schemas.microsoft.com/office/powerpoint/2010/main" val="3197123496"/>
-              </p:ext>
-            </p:extLst>
-          </p:nvPr>
-        </p:nvGraphicFramePr>
-        <p:xfrm>
-          <a:off x="838200" y="1825625"/>
-          <a:ext cx="10515600" cy="4351338"/>
-        </p:xfrm>
-        <a:graphic>
-          <a:graphicData uri="http://schemas.openxmlformats.org/drawingml/2006/diagram">
-            <dgm:relIds xmlns:dgm="http://schemas.openxmlformats.org/drawingml/2006/diagram" xmlns:r="http://schemas.openxmlformats.org/officeDocument/2006/relationships" r:dm="rId2" r:lo="rId3" r:qs="rId4" r:cs="rId5"/>
-          </a:graphicData>
-        </a:graphic>
-      </p:graphicFrame>
-    </p:spTree>
-    <p:extLst>
-      <p:ext uri="{BB962C8B-B14F-4D97-AF65-F5344CB8AC3E}">
-        <p14:creationId xmlns:p14="http://schemas.microsoft.com/office/powerpoint/2010/main" val="3036311459"/>
       </p:ext>
     </p:extLst>
   </p:cSld>
@@ -26932,7 +25454,7 @@
             <p:ph idx="1"/>
             <p:extLst>
               <p:ext uri="{D42A27DB-BD31-4B8C-83A1-F6EECF244321}">
-                <p14:modId xmlns:p14="http://schemas.microsoft.com/office/powerpoint/2010/main" val="2284953848"/>
+                <p14:modId xmlns:p14="http://schemas.microsoft.com/office/powerpoint/2010/main" val="4086281093"/>
               </p:ext>
             </p:extLst>
           </p:nvPr>
@@ -26999,9 +25521,10 @@
           <a:lstStyle/>
           <a:p>
             <a:r>
-              <a:rPr lang="en-PH" dirty="0"/>
-              <a:t>Data</a:t>
+              <a:rPr lang="en-PH"/>
+              <a:t>Data Model</a:t>
             </a:r>
+            <a:endParaRPr lang="en-PH" dirty="0"/>
           </a:p>
         </p:txBody>
       </p:sp>
@@ -27076,7 +25599,7 @@
             <p:ph idx="1"/>
             <p:extLst>
               <p:ext uri="{D42A27DB-BD31-4B8C-83A1-F6EECF244321}">
-                <p14:modId xmlns:p14="http://schemas.microsoft.com/office/powerpoint/2010/main" val="1028801819"/>
+                <p14:modId xmlns:p14="http://schemas.microsoft.com/office/powerpoint/2010/main" val="2779722726"/>
               </p:ext>
             </p:extLst>
           </p:nvPr>
@@ -27137,7 +25660,7 @@
             <p:ph idx="1"/>
             <p:extLst>
               <p:ext uri="{D42A27DB-BD31-4B8C-83A1-F6EECF244321}">
-                <p14:modId xmlns:p14="http://schemas.microsoft.com/office/powerpoint/2010/main" val="3377792032"/>
+                <p14:modId xmlns:p14="http://schemas.microsoft.com/office/powerpoint/2010/main" val="2116071639"/>
               </p:ext>
             </p:extLst>
           </p:nvPr>
@@ -27198,7 +25721,7 @@
             <p:ph idx="1"/>
             <p:extLst>
               <p:ext uri="{D42A27DB-BD31-4B8C-83A1-F6EECF244321}">
-                <p14:modId xmlns:p14="http://schemas.microsoft.com/office/powerpoint/2010/main" val="3078716579"/>
+                <p14:modId xmlns:p14="http://schemas.microsoft.com/office/powerpoint/2010/main" val="3667629186"/>
               </p:ext>
             </p:extLst>
           </p:nvPr>
@@ -27259,7 +25782,7 @@
             <p:ph idx="1"/>
             <p:extLst>
               <p:ext uri="{D42A27DB-BD31-4B8C-83A1-F6EECF244321}">
-                <p14:modId xmlns:p14="http://schemas.microsoft.com/office/powerpoint/2010/main" val="4224714624"/>
+                <p14:modId xmlns:p14="http://schemas.microsoft.com/office/powerpoint/2010/main" val="3271478108"/>
               </p:ext>
             </p:extLst>
           </p:nvPr>
@@ -27278,89 +25801,6 @@
     <p:extLst>
       <p:ext uri="{BB962C8B-B14F-4D97-AF65-F5344CB8AC3E}">
         <p14:creationId xmlns:p14="http://schemas.microsoft.com/office/powerpoint/2010/main" val="222123436"/>
-      </p:ext>
-    </p:extLst>
-  </p:cSld>
-  <p:clrMapOvr>
-    <a:masterClrMapping/>
-  </p:clrMapOvr>
-</p:sld>
-</file>
-
-<file path=ppt/slides/slide9.xml><?xml version="1.0" encoding="utf-8"?>
-<p:sld xmlns:a="http://schemas.openxmlformats.org/drawingml/2006/main" xmlns:r="http://schemas.openxmlformats.org/officeDocument/2006/relationships" xmlns:p="http://schemas.openxmlformats.org/presentationml/2006/main">
-  <p:cSld>
-    <p:spTree>
-      <p:nvGrpSpPr>
-        <p:cNvPr id="1" name=""/>
-        <p:cNvGrpSpPr/>
-        <p:nvPr/>
-      </p:nvGrpSpPr>
-      <p:grpSpPr>
-        <a:xfrm>
-          <a:off x="0" y="0"/>
-          <a:ext cx="0" cy="0"/>
-          <a:chOff x="0" y="0"/>
-          <a:chExt cx="0" cy="0"/>
-        </a:xfrm>
-      </p:grpSpPr>
-      <p:sp>
-        <p:nvSpPr>
-          <p:cNvPr id="2" name="Title 1">
-            <a:extLst>
-              <a:ext uri="{FF2B5EF4-FFF2-40B4-BE49-F238E27FC236}">
-                <a16:creationId xmlns:a16="http://schemas.microsoft.com/office/drawing/2014/main" id="{5567631C-AD2C-03CF-D1A0-2786FDE39B15}"/>
-              </a:ext>
-            </a:extLst>
-          </p:cNvPr>
-          <p:cNvSpPr>
-            <a:spLocks noGrp="1"/>
-          </p:cNvSpPr>
-          <p:nvPr>
-            <p:ph type="title"/>
-          </p:nvPr>
-        </p:nvSpPr>
-        <p:spPr/>
-        <p:txBody>
-          <a:bodyPr/>
-          <a:lstStyle/>
-          <a:p>
-            <a:r>
-              <a:rPr lang="en-PH" dirty="0"/>
-              <a:t>Data Flow</a:t>
-            </a:r>
-          </a:p>
-        </p:txBody>
-      </p:sp>
-      <p:sp>
-        <p:nvSpPr>
-          <p:cNvPr id="3" name="Text Placeholder 2">
-            <a:extLst>
-              <a:ext uri="{FF2B5EF4-FFF2-40B4-BE49-F238E27FC236}">
-                <a16:creationId xmlns:a16="http://schemas.microsoft.com/office/drawing/2014/main" id="{15E8E8F9-DE56-CF86-DE05-641BB90DD944}"/>
-              </a:ext>
-            </a:extLst>
-          </p:cNvPr>
-          <p:cNvSpPr>
-            <a:spLocks noGrp="1"/>
-          </p:cNvSpPr>
-          <p:nvPr>
-            <p:ph type="body" idx="1"/>
-          </p:nvPr>
-        </p:nvSpPr>
-        <p:spPr/>
-        <p:txBody>
-          <a:bodyPr/>
-          <a:lstStyle/>
-          <a:p>
-            <a:endParaRPr lang="en-PH"/>
-          </a:p>
-        </p:txBody>
-      </p:sp>
-    </p:spTree>
-    <p:extLst>
-      <p:ext uri="{BB962C8B-B14F-4D97-AF65-F5344CB8AC3E}">
-        <p14:creationId xmlns:p14="http://schemas.microsoft.com/office/powerpoint/2010/main" val="3866125884"/>
       </p:ext>
     </p:extLst>
   </p:cSld>

--- a/Official/Design.pptx
+++ b/Official/Design.pptx
@@ -4095,194 +4095,6 @@
         </a:p>
       </dgm:t>
     </dgm:pt>
-    <dgm:pt modelId="{6337DACB-DDE6-4541-A455-9928166939F4}">
-      <dgm:prSet phldrT="[Text]"/>
-      <dgm:spPr/>
-      <dgm:t>
-        <a:bodyPr/>
-        <a:lstStyle/>
-        <a:p>
-          <a:r>
-            <a:rPr lang="en-PH" i="0" u="none" dirty="0"/>
-            <a:t>POST: /home/post</a:t>
-          </a:r>
-        </a:p>
-      </dgm:t>
-    </dgm:pt>
-    <dgm:pt modelId="{12A4C4DE-305D-4D22-A316-12CD53FA3ADE}" type="sibTrans" cxnId="{E9B9AF9E-07A1-4ABE-B398-4BFFD9D020D2}">
-      <dgm:prSet/>
-      <dgm:spPr/>
-      <dgm:t>
-        <a:bodyPr/>
-        <a:lstStyle/>
-        <a:p>
-          <a:endParaRPr lang="en-PH" i="0" u="none"/>
-        </a:p>
-      </dgm:t>
-    </dgm:pt>
-    <dgm:pt modelId="{790F108B-9662-42F5-95CF-AC832BA6873C}" type="parTrans" cxnId="{E9B9AF9E-07A1-4ABE-B398-4BFFD9D020D2}">
-      <dgm:prSet/>
-      <dgm:spPr/>
-      <dgm:t>
-        <a:bodyPr/>
-        <a:lstStyle/>
-        <a:p>
-          <a:endParaRPr lang="en-PH" i="0" u="none"/>
-        </a:p>
-      </dgm:t>
-    </dgm:pt>
-    <dgm:pt modelId="{B91B6797-AE43-4150-84C3-B288959AACE0}">
-      <dgm:prSet phldrT="[Text]"/>
-      <dgm:spPr/>
-      <dgm:t>
-        <a:bodyPr/>
-        <a:lstStyle/>
-        <a:p>
-          <a:r>
-            <a:rPr lang="en-PH" i="0" u="none" dirty="0"/>
-            <a:t>POST: /home/like</a:t>
-          </a:r>
-        </a:p>
-      </dgm:t>
-    </dgm:pt>
-    <dgm:pt modelId="{BC4AFB9F-BC54-461D-8232-157531B15A14}" type="sibTrans" cxnId="{C8B6B5AB-5AE9-4D0F-A11C-AFD42C6E75F1}">
-      <dgm:prSet/>
-      <dgm:spPr/>
-      <dgm:t>
-        <a:bodyPr/>
-        <a:lstStyle/>
-        <a:p>
-          <a:endParaRPr lang="en-PH" i="0" u="none"/>
-        </a:p>
-      </dgm:t>
-    </dgm:pt>
-    <dgm:pt modelId="{8FFB457D-6AB7-4AA1-96C9-CB71AA206E01}" type="parTrans" cxnId="{C8B6B5AB-5AE9-4D0F-A11C-AFD42C6E75F1}">
-      <dgm:prSet/>
-      <dgm:spPr/>
-      <dgm:t>
-        <a:bodyPr/>
-        <a:lstStyle/>
-        <a:p>
-          <a:endParaRPr lang="en-PH" i="0" u="none"/>
-        </a:p>
-      </dgm:t>
-    </dgm:pt>
-    <dgm:pt modelId="{940B71EA-00B4-44A9-9C1E-399B1FBF7110}">
-      <dgm:prSet phldrT="[Text]"/>
-      <dgm:spPr/>
-      <dgm:t>
-        <a:bodyPr/>
-        <a:lstStyle/>
-        <a:p>
-          <a:r>
-            <a:rPr lang="en-PH" i="0" u="none" dirty="0"/>
-            <a:t>POST: /home/report</a:t>
-          </a:r>
-        </a:p>
-      </dgm:t>
-    </dgm:pt>
-    <dgm:pt modelId="{BD69A7FF-4844-45A4-81E7-1685E1DEBCCF}" type="sibTrans" cxnId="{B5473772-6083-4CD2-AE22-1E49D16E24C0}">
-      <dgm:prSet/>
-      <dgm:spPr/>
-      <dgm:t>
-        <a:bodyPr/>
-        <a:lstStyle/>
-        <a:p>
-          <a:endParaRPr lang="en-PH" i="0" u="none"/>
-        </a:p>
-      </dgm:t>
-    </dgm:pt>
-    <dgm:pt modelId="{048582F2-FB0C-4E5E-A8E2-BC00294129C6}" type="parTrans" cxnId="{B5473772-6083-4CD2-AE22-1E49D16E24C0}">
-      <dgm:prSet/>
-      <dgm:spPr/>
-      <dgm:t>
-        <a:bodyPr/>
-        <a:lstStyle/>
-        <a:p>
-          <a:endParaRPr lang="en-PH" i="0" u="none"/>
-        </a:p>
-      </dgm:t>
-    </dgm:pt>
-    <dgm:pt modelId="{6D8F1B6F-54AE-49C2-94F8-7199198FE363}">
-      <dgm:prSet phldrT="[Text]"/>
-      <dgm:spPr/>
-      <dgm:t>
-        <a:bodyPr/>
-        <a:lstStyle/>
-        <a:p>
-          <a:r>
-            <a:rPr lang="en-PH" i="0" u="none" dirty="0"/>
-            <a:t>POST: /home/comment</a:t>
-          </a:r>
-        </a:p>
-      </dgm:t>
-    </dgm:pt>
-    <dgm:pt modelId="{180E9275-DD41-4C6D-9009-DB926B941B41}" type="sibTrans" cxnId="{241C9E41-C308-4B3F-91CA-DC5CD646D6E0}">
-      <dgm:prSet/>
-      <dgm:spPr/>
-      <dgm:t>
-        <a:bodyPr/>
-        <a:lstStyle/>
-        <a:p>
-          <a:endParaRPr lang="en-PH" i="0" u="none"/>
-        </a:p>
-      </dgm:t>
-    </dgm:pt>
-    <dgm:pt modelId="{397525FB-5E1C-4D0B-A3B4-396D027EF830}" type="parTrans" cxnId="{241C9E41-C308-4B3F-91CA-DC5CD646D6E0}">
-      <dgm:prSet/>
-      <dgm:spPr/>
-      <dgm:t>
-        <a:bodyPr/>
-        <a:lstStyle/>
-        <a:p>
-          <a:endParaRPr lang="en-PH" i="0" u="none"/>
-        </a:p>
-      </dgm:t>
-    </dgm:pt>
-    <dgm:pt modelId="{675D7F23-7B7E-43D4-96A7-0786DE6601DE}">
-      <dgm:prSet phldrT="[Text]"/>
-      <dgm:spPr/>
-      <dgm:t>
-        <a:bodyPr/>
-        <a:lstStyle/>
-        <a:p>
-          <a:r>
-            <a:rPr lang="en-PH" i="0" u="none" dirty="0"/>
-            <a:t>GET: /post/&lt;</a:t>
-          </a:r>
-          <a:r>
-            <a:rPr lang="en-PH" i="0" u="none" dirty="0" err="1"/>
-            <a:t>posthash</a:t>
-          </a:r>
-          <a:r>
-            <a:rPr lang="en-PH" i="0" u="none" dirty="0"/>
-            <a:t>&gt;</a:t>
-          </a:r>
-        </a:p>
-      </dgm:t>
-    </dgm:pt>
-    <dgm:pt modelId="{02F9123B-99BB-42CB-8C35-39675812A207}" type="sibTrans" cxnId="{B2F4BD67-D15E-477C-B93C-B5056B878A5E}">
-      <dgm:prSet/>
-      <dgm:spPr/>
-      <dgm:t>
-        <a:bodyPr/>
-        <a:lstStyle/>
-        <a:p>
-          <a:endParaRPr lang="en-PH" i="0" u="none"/>
-        </a:p>
-      </dgm:t>
-    </dgm:pt>
-    <dgm:pt modelId="{1F5D5C09-01CC-47B6-804F-480F88682A9A}" type="parTrans" cxnId="{B2F4BD67-D15E-477C-B93C-B5056B878A5E}">
-      <dgm:prSet/>
-      <dgm:spPr/>
-      <dgm:t>
-        <a:bodyPr/>
-        <a:lstStyle/>
-        <a:p>
-          <a:endParaRPr lang="en-PH" i="0" u="none"/>
-        </a:p>
-      </dgm:t>
-    </dgm:pt>
     <dgm:pt modelId="{3C6EA423-D64F-4DC7-B184-24C9BC3512E8}">
       <dgm:prSet phldrT="[Text]"/>
       <dgm:spPr/>
@@ -4667,6 +4479,145 @@
         </a:p>
       </dgm:t>
     </dgm:pt>
+    <dgm:pt modelId="{305846AD-47C4-463B-9DBE-6AA8AAAFD9CA}">
+      <dgm:prSet phldrT="[Text]"/>
+      <dgm:spPr/>
+      <dgm:t>
+        <a:bodyPr/>
+        <a:lstStyle/>
+        <a:p>
+          <a:r>
+            <a:rPr lang="en-PH" i="0" u="none" dirty="0"/>
+            <a:t>POST: /post/new</a:t>
+          </a:r>
+        </a:p>
+      </dgm:t>
+    </dgm:pt>
+    <dgm:pt modelId="{57A8CB2D-79BE-4C74-9A37-D6A913DE1B82}" type="parTrans" cxnId="{C81E8C91-5EF5-45E9-ACD4-E449A9809B80}">
+      <dgm:prSet/>
+      <dgm:spPr/>
+    </dgm:pt>
+    <dgm:pt modelId="{6A058D6F-D207-4F81-A3FF-D70611BE6534}" type="sibTrans" cxnId="{C81E8C91-5EF5-45E9-ACD4-E449A9809B80}">
+      <dgm:prSet/>
+      <dgm:spPr/>
+    </dgm:pt>
+    <dgm:pt modelId="{DE023E0B-5C31-4E35-A101-3DA3908C072F}">
+      <dgm:prSet phldrT="[Text]"/>
+      <dgm:spPr/>
+      <dgm:t>
+        <a:bodyPr/>
+        <a:lstStyle/>
+        <a:p>
+          <a:r>
+            <a:rPr lang="en-PH" i="0" u="none" dirty="0"/>
+            <a:t>POST: /post/like</a:t>
+          </a:r>
+        </a:p>
+      </dgm:t>
+    </dgm:pt>
+    <dgm:pt modelId="{967C17FD-B87B-4CD0-BD44-345E2E5D2EA3}" type="parTrans" cxnId="{F812C254-ECB2-457A-B2DD-0DA61683069B}">
+      <dgm:prSet/>
+      <dgm:spPr/>
+    </dgm:pt>
+    <dgm:pt modelId="{8A9ACAAE-236A-4C50-8D2E-022C95250F55}" type="sibTrans" cxnId="{F812C254-ECB2-457A-B2DD-0DA61683069B}">
+      <dgm:prSet/>
+      <dgm:spPr/>
+    </dgm:pt>
+    <dgm:pt modelId="{10F04DDC-9425-470F-8153-E7CB032EC473}">
+      <dgm:prSet phldrT="[Text]"/>
+      <dgm:spPr/>
+      <dgm:t>
+        <a:bodyPr/>
+        <a:lstStyle/>
+        <a:p>
+          <a:r>
+            <a:rPr lang="en-PH" i="0" u="none" dirty="0"/>
+            <a:t>POST: /post/report</a:t>
+          </a:r>
+        </a:p>
+      </dgm:t>
+    </dgm:pt>
+    <dgm:pt modelId="{7CF047C5-7A21-4DCA-910B-CBEC1AA93BA9}" type="parTrans" cxnId="{7117AE58-47CE-4D5A-8642-D4C6CB160D3B}">
+      <dgm:prSet/>
+      <dgm:spPr/>
+      <dgm:t>
+        <a:bodyPr/>
+        <a:lstStyle/>
+        <a:p>
+          <a:endParaRPr lang="en-PH"/>
+        </a:p>
+      </dgm:t>
+    </dgm:pt>
+    <dgm:pt modelId="{5F84F869-E56B-4634-ABE7-790FDDE6A648}" type="sibTrans" cxnId="{7117AE58-47CE-4D5A-8642-D4C6CB160D3B}">
+      <dgm:prSet/>
+      <dgm:spPr/>
+      <dgm:t>
+        <a:bodyPr/>
+        <a:lstStyle/>
+        <a:p>
+          <a:endParaRPr lang="en-PH"/>
+        </a:p>
+      </dgm:t>
+    </dgm:pt>
+    <dgm:pt modelId="{10948DB9-C87A-4CB4-AA25-2159E53038FA}">
+      <dgm:prSet phldrT="[Text]"/>
+      <dgm:spPr/>
+      <dgm:t>
+        <a:bodyPr/>
+        <a:lstStyle/>
+        <a:p>
+          <a:r>
+            <a:rPr lang="en-PH" i="0" u="none" dirty="0"/>
+            <a:t>POST: /post/comment</a:t>
+          </a:r>
+        </a:p>
+      </dgm:t>
+    </dgm:pt>
+    <dgm:pt modelId="{341C93D3-8A95-4DFB-AA9D-C38CA282C9E7}" type="parTrans" cxnId="{719804FB-D49B-4C65-BC61-5CD0F7789CA5}">
+      <dgm:prSet/>
+      <dgm:spPr/>
+      <dgm:t>
+        <a:bodyPr/>
+        <a:lstStyle/>
+        <a:p>
+          <a:endParaRPr lang="en-PH"/>
+        </a:p>
+      </dgm:t>
+    </dgm:pt>
+    <dgm:pt modelId="{87270465-EDA7-4083-84B6-95D5BD538DDB}" type="sibTrans" cxnId="{719804FB-D49B-4C65-BC61-5CD0F7789CA5}">
+      <dgm:prSet/>
+      <dgm:spPr/>
+      <dgm:t>
+        <a:bodyPr/>
+        <a:lstStyle/>
+        <a:p>
+          <a:endParaRPr lang="en-PH"/>
+        </a:p>
+      </dgm:t>
+    </dgm:pt>
+    <dgm:pt modelId="{1924ECD5-AA0E-4B54-9424-D53165043932}">
+      <dgm:prSet phldrT="[Text]"/>
+      <dgm:spPr/>
+      <dgm:t>
+        <a:bodyPr/>
+        <a:lstStyle/>
+        <a:p>
+          <a:r>
+            <a:rPr lang="en-PH" i="0" u="none"/>
+            <a:t>GET: /post/&lt;posthash&gt;</a:t>
+          </a:r>
+          <a:endParaRPr lang="en-PH" i="0" u="none" dirty="0"/>
+        </a:p>
+      </dgm:t>
+    </dgm:pt>
+    <dgm:pt modelId="{3930E226-FA6F-40B0-905E-754A21C6644C}" type="parTrans" cxnId="{A379DEAC-9ED6-46D7-BA90-0F0F0114656E}">
+      <dgm:prSet/>
+      <dgm:spPr/>
+    </dgm:pt>
+    <dgm:pt modelId="{CBA63FA3-5470-4234-A511-234C76F1D9FA}" type="sibTrans" cxnId="{A379DEAC-9ED6-46D7-BA90-0F0F0114656E}">
+      <dgm:prSet/>
+      <dgm:spPr/>
+    </dgm:pt>
     <dgm:pt modelId="{5F3FAA4C-44A3-470C-81C5-23BB7113FF75}" type="pres">
       <dgm:prSet presAssocID="{34BEB75E-ED6D-4113-9F50-1BF5F1954990}" presName="hierChild1" presStyleCnt="0">
         <dgm:presLayoutVars>
@@ -4884,188 +4835,44 @@
       <dgm:prSet presAssocID="{44363CFA-628E-4026-88F3-8868490E44F8}" presName="hierChild4" presStyleCnt="0"/>
       <dgm:spPr/>
     </dgm:pt>
-    <dgm:pt modelId="{716854A0-890C-4CC0-A8E5-CD94D7FC8137}" type="pres">
-      <dgm:prSet presAssocID="{790F108B-9662-42F5-95CF-AC832BA6873C}" presName="Name37" presStyleLbl="parChTrans1D3" presStyleIdx="2" presStyleCnt="11"/>
-      <dgm:spPr/>
-    </dgm:pt>
-    <dgm:pt modelId="{EF4DCCB7-431D-4CAF-87CB-F98ABBB5014D}" type="pres">
-      <dgm:prSet presAssocID="{6337DACB-DDE6-4541-A455-9928166939F4}" presName="hierRoot2" presStyleCnt="0">
+    <dgm:pt modelId="{2B358511-A0D0-46D9-8267-856248CA4EE9}" type="pres">
+      <dgm:prSet presAssocID="{44363CFA-628E-4026-88F3-8868490E44F8}" presName="hierChild5" presStyleCnt="0"/>
+      <dgm:spPr/>
+    </dgm:pt>
+    <dgm:pt modelId="{F2FC5845-76F4-45FC-9102-1D5405CED484}" type="pres">
+      <dgm:prSet presAssocID="{3930E226-FA6F-40B0-905E-754A21C6644C}" presName="Name37" presStyleLbl="parChTrans1D2" presStyleIdx="3" presStyleCnt="7"/>
+      <dgm:spPr/>
+    </dgm:pt>
+    <dgm:pt modelId="{B4B6317A-15CF-41A3-8884-996C77B54179}" type="pres">
+      <dgm:prSet presAssocID="{1924ECD5-AA0E-4B54-9424-D53165043932}" presName="hierRoot2" presStyleCnt="0">
         <dgm:presLayoutVars>
           <dgm:hierBranch val="init"/>
         </dgm:presLayoutVars>
       </dgm:prSet>
       <dgm:spPr/>
     </dgm:pt>
-    <dgm:pt modelId="{49552C08-6504-4636-8C05-C691B0173E58}" type="pres">
-      <dgm:prSet presAssocID="{6337DACB-DDE6-4541-A455-9928166939F4}" presName="rootComposite" presStyleCnt="0"/>
-      <dgm:spPr/>
-    </dgm:pt>
-    <dgm:pt modelId="{63C2CBE3-9669-496C-A884-3CB3E83BD677}" type="pres">
-      <dgm:prSet presAssocID="{6337DACB-DDE6-4541-A455-9928166939F4}" presName="rootText" presStyleLbl="node3" presStyleIdx="2" presStyleCnt="11">
+    <dgm:pt modelId="{48053AFB-4B30-4D84-9AF9-0B2A1C5543CB}" type="pres">
+      <dgm:prSet presAssocID="{1924ECD5-AA0E-4B54-9424-D53165043932}" presName="rootComposite" presStyleCnt="0"/>
+      <dgm:spPr/>
+    </dgm:pt>
+    <dgm:pt modelId="{816DF2EF-6A2D-47D7-82D8-0F775682513B}" type="pres">
+      <dgm:prSet presAssocID="{1924ECD5-AA0E-4B54-9424-D53165043932}" presName="rootText" presStyleLbl="node2" presStyleIdx="3" presStyleCnt="7">
         <dgm:presLayoutVars>
           <dgm:chPref val="3"/>
         </dgm:presLayoutVars>
       </dgm:prSet>
       <dgm:spPr/>
     </dgm:pt>
-    <dgm:pt modelId="{00E3EA50-93C1-48D4-B92E-3D89AE40D7B1}" type="pres">
-      <dgm:prSet presAssocID="{6337DACB-DDE6-4541-A455-9928166939F4}" presName="rootConnector" presStyleLbl="node3" presStyleIdx="2" presStyleCnt="11"/>
-      <dgm:spPr/>
-    </dgm:pt>
-    <dgm:pt modelId="{4285AD7D-C313-423B-A368-5CCE5A0406F3}" type="pres">
-      <dgm:prSet presAssocID="{6337DACB-DDE6-4541-A455-9928166939F4}" presName="hierChild4" presStyleCnt="0"/>
-      <dgm:spPr/>
-    </dgm:pt>
-    <dgm:pt modelId="{6C6D6756-80A8-44EF-A128-8E751B7DB810}" type="pres">
-      <dgm:prSet presAssocID="{6337DACB-DDE6-4541-A455-9928166939F4}" presName="hierChild5" presStyleCnt="0"/>
-      <dgm:spPr/>
-    </dgm:pt>
-    <dgm:pt modelId="{A1E73A3F-D4BB-4C61-BD15-E7FB09B21B25}" type="pres">
-      <dgm:prSet presAssocID="{8FFB457D-6AB7-4AA1-96C9-CB71AA206E01}" presName="Name37" presStyleLbl="parChTrans1D3" presStyleIdx="3" presStyleCnt="11"/>
-      <dgm:spPr/>
-    </dgm:pt>
-    <dgm:pt modelId="{D71EDAAC-71C1-4BD6-B2C9-4D4B12BDDCDF}" type="pres">
-      <dgm:prSet presAssocID="{B91B6797-AE43-4150-84C3-B288959AACE0}" presName="hierRoot2" presStyleCnt="0">
-        <dgm:presLayoutVars>
-          <dgm:hierBranch val="init"/>
-        </dgm:presLayoutVars>
-      </dgm:prSet>
-      <dgm:spPr/>
-    </dgm:pt>
-    <dgm:pt modelId="{66F716A4-9149-4063-BA67-9EEC222D6076}" type="pres">
-      <dgm:prSet presAssocID="{B91B6797-AE43-4150-84C3-B288959AACE0}" presName="rootComposite" presStyleCnt="0"/>
-      <dgm:spPr/>
-    </dgm:pt>
-    <dgm:pt modelId="{09477BDD-AB56-4E58-B538-97082ADD2D44}" type="pres">
-      <dgm:prSet presAssocID="{B91B6797-AE43-4150-84C3-B288959AACE0}" presName="rootText" presStyleLbl="node3" presStyleIdx="3" presStyleCnt="11">
-        <dgm:presLayoutVars>
-          <dgm:chPref val="3"/>
-        </dgm:presLayoutVars>
-      </dgm:prSet>
-      <dgm:spPr/>
-    </dgm:pt>
-    <dgm:pt modelId="{690171E8-FA30-440B-81EC-C5BC6E1B9634}" type="pres">
-      <dgm:prSet presAssocID="{B91B6797-AE43-4150-84C3-B288959AACE0}" presName="rootConnector" presStyleLbl="node3" presStyleIdx="3" presStyleCnt="11"/>
-      <dgm:spPr/>
-    </dgm:pt>
-    <dgm:pt modelId="{1FEB5D41-550B-469A-AA2E-621F17A70007}" type="pres">
-      <dgm:prSet presAssocID="{B91B6797-AE43-4150-84C3-B288959AACE0}" presName="hierChild4" presStyleCnt="0"/>
-      <dgm:spPr/>
-    </dgm:pt>
-    <dgm:pt modelId="{96FBD9C2-B45D-42D5-AAC3-2BA053FEBF89}" type="pres">
-      <dgm:prSet presAssocID="{B91B6797-AE43-4150-84C3-B288959AACE0}" presName="hierChild5" presStyleCnt="0"/>
-      <dgm:spPr/>
-    </dgm:pt>
-    <dgm:pt modelId="{0C7721DD-C5AC-42F1-A273-F93D484C466E}" type="pres">
-      <dgm:prSet presAssocID="{048582F2-FB0C-4E5E-A8E2-BC00294129C6}" presName="Name37" presStyleLbl="parChTrans1D3" presStyleIdx="4" presStyleCnt="11"/>
-      <dgm:spPr/>
-    </dgm:pt>
-    <dgm:pt modelId="{87C4F283-2195-4779-98F1-7A4958DE6921}" type="pres">
-      <dgm:prSet presAssocID="{940B71EA-00B4-44A9-9C1E-399B1FBF7110}" presName="hierRoot2" presStyleCnt="0">
-        <dgm:presLayoutVars>
-          <dgm:hierBranch val="init"/>
-        </dgm:presLayoutVars>
-      </dgm:prSet>
-      <dgm:spPr/>
-    </dgm:pt>
-    <dgm:pt modelId="{3A9E4A67-1973-4473-86D6-1E508CF9830B}" type="pres">
-      <dgm:prSet presAssocID="{940B71EA-00B4-44A9-9C1E-399B1FBF7110}" presName="rootComposite" presStyleCnt="0"/>
-      <dgm:spPr/>
-    </dgm:pt>
-    <dgm:pt modelId="{5C992A1D-381D-4552-A0F4-72668AABF151}" type="pres">
-      <dgm:prSet presAssocID="{940B71EA-00B4-44A9-9C1E-399B1FBF7110}" presName="rootText" presStyleLbl="node3" presStyleIdx="4" presStyleCnt="11">
-        <dgm:presLayoutVars>
-          <dgm:chPref val="3"/>
-        </dgm:presLayoutVars>
-      </dgm:prSet>
-      <dgm:spPr/>
-    </dgm:pt>
-    <dgm:pt modelId="{0E85105F-EC2C-4B07-B2EF-47012C806F8C}" type="pres">
-      <dgm:prSet presAssocID="{940B71EA-00B4-44A9-9C1E-399B1FBF7110}" presName="rootConnector" presStyleLbl="node3" presStyleIdx="4" presStyleCnt="11"/>
-      <dgm:spPr/>
-    </dgm:pt>
-    <dgm:pt modelId="{CBE697BC-644A-4267-8E0A-FC8ACCA4E162}" type="pres">
-      <dgm:prSet presAssocID="{940B71EA-00B4-44A9-9C1E-399B1FBF7110}" presName="hierChild4" presStyleCnt="0"/>
-      <dgm:spPr/>
-    </dgm:pt>
-    <dgm:pt modelId="{0824AA0B-33EE-4EBB-A246-B15EF85FA42C}" type="pres">
-      <dgm:prSet presAssocID="{940B71EA-00B4-44A9-9C1E-399B1FBF7110}" presName="hierChild5" presStyleCnt="0"/>
-      <dgm:spPr/>
-    </dgm:pt>
-    <dgm:pt modelId="{558F1EF2-AC1B-4379-94FE-33794455BDE1}" type="pres">
-      <dgm:prSet presAssocID="{397525FB-5E1C-4D0B-A3B4-396D027EF830}" presName="Name37" presStyleLbl="parChTrans1D3" presStyleIdx="5" presStyleCnt="11"/>
-      <dgm:spPr/>
-    </dgm:pt>
-    <dgm:pt modelId="{CF7E1A98-6FA8-4CC7-9BFE-E5417BD29D5E}" type="pres">
-      <dgm:prSet presAssocID="{6D8F1B6F-54AE-49C2-94F8-7199198FE363}" presName="hierRoot2" presStyleCnt="0">
-        <dgm:presLayoutVars>
-          <dgm:hierBranch val="init"/>
-        </dgm:presLayoutVars>
-      </dgm:prSet>
-      <dgm:spPr/>
-    </dgm:pt>
-    <dgm:pt modelId="{278E9E4E-0EE1-4A76-9B46-15FFB108E414}" type="pres">
-      <dgm:prSet presAssocID="{6D8F1B6F-54AE-49C2-94F8-7199198FE363}" presName="rootComposite" presStyleCnt="0"/>
-      <dgm:spPr/>
-    </dgm:pt>
-    <dgm:pt modelId="{0273CF75-F135-4AD3-9F55-82AEBAD45FC4}" type="pres">
-      <dgm:prSet presAssocID="{6D8F1B6F-54AE-49C2-94F8-7199198FE363}" presName="rootText" presStyleLbl="node3" presStyleIdx="5" presStyleCnt="11">
-        <dgm:presLayoutVars>
-          <dgm:chPref val="3"/>
-        </dgm:presLayoutVars>
-      </dgm:prSet>
-      <dgm:spPr/>
-    </dgm:pt>
-    <dgm:pt modelId="{52881B08-9F82-4EDF-8F29-304B27A2471D}" type="pres">
-      <dgm:prSet presAssocID="{6D8F1B6F-54AE-49C2-94F8-7199198FE363}" presName="rootConnector" presStyleLbl="node3" presStyleIdx="5" presStyleCnt="11"/>
-      <dgm:spPr/>
-    </dgm:pt>
-    <dgm:pt modelId="{F8B5F713-B80E-4A82-9FD3-6D416698405F}" type="pres">
-      <dgm:prSet presAssocID="{6D8F1B6F-54AE-49C2-94F8-7199198FE363}" presName="hierChild4" presStyleCnt="0"/>
-      <dgm:spPr/>
-    </dgm:pt>
-    <dgm:pt modelId="{69711554-FB82-47AD-B8F5-224F88618B70}" type="pres">
-      <dgm:prSet presAssocID="{6D8F1B6F-54AE-49C2-94F8-7199198FE363}" presName="hierChild5" presStyleCnt="0"/>
-      <dgm:spPr/>
-    </dgm:pt>
-    <dgm:pt modelId="{2B358511-A0D0-46D9-8267-856248CA4EE9}" type="pres">
-      <dgm:prSet presAssocID="{44363CFA-628E-4026-88F3-8868490E44F8}" presName="hierChild5" presStyleCnt="0"/>
-      <dgm:spPr/>
-    </dgm:pt>
-    <dgm:pt modelId="{A6E4CDAD-8DFF-4C4B-BE11-899481496087}" type="pres">
-      <dgm:prSet presAssocID="{1F5D5C09-01CC-47B6-804F-480F88682A9A}" presName="Name37" presStyleLbl="parChTrans1D2" presStyleIdx="3" presStyleCnt="7"/>
-      <dgm:spPr/>
-    </dgm:pt>
-    <dgm:pt modelId="{93E81C40-DD2A-4448-97A9-A786B317CF02}" type="pres">
-      <dgm:prSet presAssocID="{675D7F23-7B7E-43D4-96A7-0786DE6601DE}" presName="hierRoot2" presStyleCnt="0">
-        <dgm:presLayoutVars>
-          <dgm:hierBranch val="init"/>
-        </dgm:presLayoutVars>
-      </dgm:prSet>
-      <dgm:spPr/>
-    </dgm:pt>
-    <dgm:pt modelId="{4463D071-9E34-4B1E-B731-596A55D97755}" type="pres">
-      <dgm:prSet presAssocID="{675D7F23-7B7E-43D4-96A7-0786DE6601DE}" presName="rootComposite" presStyleCnt="0"/>
-      <dgm:spPr/>
-    </dgm:pt>
-    <dgm:pt modelId="{48B4CED0-3B89-45CE-991D-A8F3963860D6}" type="pres">
-      <dgm:prSet presAssocID="{675D7F23-7B7E-43D4-96A7-0786DE6601DE}" presName="rootText" presStyleLbl="node2" presStyleIdx="3" presStyleCnt="7">
-        <dgm:presLayoutVars>
-          <dgm:chPref val="3"/>
-        </dgm:presLayoutVars>
-      </dgm:prSet>
-      <dgm:spPr/>
-    </dgm:pt>
-    <dgm:pt modelId="{194934A6-2B03-4C5B-9593-F212664A9EA9}" type="pres">
-      <dgm:prSet presAssocID="{675D7F23-7B7E-43D4-96A7-0786DE6601DE}" presName="rootConnector" presStyleLbl="node2" presStyleIdx="3" presStyleCnt="7"/>
-      <dgm:spPr/>
-    </dgm:pt>
-    <dgm:pt modelId="{C5F35881-85B2-4697-9E03-48457319748C}" type="pres">
-      <dgm:prSet presAssocID="{675D7F23-7B7E-43D4-96A7-0786DE6601DE}" presName="hierChild4" presStyleCnt="0"/>
+    <dgm:pt modelId="{29EC5DCF-76B9-464F-84BA-87F256E14F2F}" type="pres">
+      <dgm:prSet presAssocID="{1924ECD5-AA0E-4B54-9424-D53165043932}" presName="rootConnector" presStyleLbl="node2" presStyleIdx="3" presStyleCnt="7"/>
+      <dgm:spPr/>
+    </dgm:pt>
+    <dgm:pt modelId="{46125244-8048-47DF-A71C-35A05F4D1C16}" type="pres">
+      <dgm:prSet presAssocID="{1924ECD5-AA0E-4B54-9424-D53165043932}" presName="hierChild4" presStyleCnt="0"/>
       <dgm:spPr/>
     </dgm:pt>
     <dgm:pt modelId="{104BA3A7-D652-47E4-9B20-83BB4665DF76}" type="pres">
-      <dgm:prSet presAssocID="{BF950D71-5670-40D6-AC0F-099BAE4EAFCE}" presName="Name37" presStyleLbl="parChTrans1D3" presStyleIdx="6" presStyleCnt="11"/>
+      <dgm:prSet presAssocID="{BF950D71-5670-40D6-AC0F-099BAE4EAFCE}" presName="Name37" presStyleLbl="parChTrans1D3" presStyleIdx="2" presStyleCnt="11"/>
       <dgm:spPr/>
     </dgm:pt>
     <dgm:pt modelId="{531B9504-8DE6-4712-98FE-50F6F2431DE0}" type="pres">
@@ -5081,7 +4888,7 @@
       <dgm:spPr/>
     </dgm:pt>
     <dgm:pt modelId="{7F097E5B-6209-4AF0-8ED0-402082DA0749}" type="pres">
-      <dgm:prSet presAssocID="{3C6EA423-D64F-4DC7-B184-24C9BC3512E8}" presName="rootText" presStyleLbl="node3" presStyleIdx="6" presStyleCnt="11">
+      <dgm:prSet presAssocID="{3C6EA423-D64F-4DC7-B184-24C9BC3512E8}" presName="rootText" presStyleLbl="node3" presStyleIdx="2" presStyleCnt="11">
         <dgm:presLayoutVars>
           <dgm:chPref val="3"/>
         </dgm:presLayoutVars>
@@ -5089,7 +4896,7 @@
       <dgm:spPr/>
     </dgm:pt>
     <dgm:pt modelId="{6326AB10-BB5C-4854-9D21-95B3803C563E}" type="pres">
-      <dgm:prSet presAssocID="{3C6EA423-D64F-4DC7-B184-24C9BC3512E8}" presName="rootConnector" presStyleLbl="node3" presStyleIdx="6" presStyleCnt="11"/>
+      <dgm:prSet presAssocID="{3C6EA423-D64F-4DC7-B184-24C9BC3512E8}" presName="rootConnector" presStyleLbl="node3" presStyleIdx="2" presStyleCnt="11"/>
       <dgm:spPr/>
     </dgm:pt>
     <dgm:pt modelId="{25A49672-0356-4BA3-BAB1-ADB32D08F479}" type="pres">
@@ -5101,7 +4908,7 @@
       <dgm:spPr/>
     </dgm:pt>
     <dgm:pt modelId="{246DDF7E-D086-468F-AD98-C5A107AC1D5D}" type="pres">
-      <dgm:prSet presAssocID="{B9579491-E72E-41C5-854B-F50C3EB1B30B}" presName="Name37" presStyleLbl="parChTrans1D3" presStyleIdx="7" presStyleCnt="11"/>
+      <dgm:prSet presAssocID="{B9579491-E72E-41C5-854B-F50C3EB1B30B}" presName="Name37" presStyleLbl="parChTrans1D3" presStyleIdx="3" presStyleCnt="11"/>
       <dgm:spPr/>
     </dgm:pt>
     <dgm:pt modelId="{CCBEDB89-BBC0-4E76-85D0-33739605D6D2}" type="pres">
@@ -5117,7 +4924,7 @@
       <dgm:spPr/>
     </dgm:pt>
     <dgm:pt modelId="{E50F9959-464F-43F9-8195-9C82C537826B}" type="pres">
-      <dgm:prSet presAssocID="{F1DABE6E-F8F2-4453-9AF1-0A543F993768}" presName="rootText" presStyleLbl="node3" presStyleIdx="7" presStyleCnt="11">
+      <dgm:prSet presAssocID="{F1DABE6E-F8F2-4453-9AF1-0A543F993768}" presName="rootText" presStyleLbl="node3" presStyleIdx="3" presStyleCnt="11">
         <dgm:presLayoutVars>
           <dgm:chPref val="3"/>
         </dgm:presLayoutVars>
@@ -5125,7 +4932,7 @@
       <dgm:spPr/>
     </dgm:pt>
     <dgm:pt modelId="{29A7D2B3-E83F-48D3-BA82-6C1B33C7D117}" type="pres">
-      <dgm:prSet presAssocID="{F1DABE6E-F8F2-4453-9AF1-0A543F993768}" presName="rootConnector" presStyleLbl="node3" presStyleIdx="7" presStyleCnt="11"/>
+      <dgm:prSet presAssocID="{F1DABE6E-F8F2-4453-9AF1-0A543F993768}" presName="rootConnector" presStyleLbl="node3" presStyleIdx="3" presStyleCnt="11"/>
       <dgm:spPr/>
     </dgm:pt>
     <dgm:pt modelId="{3F8B49D1-1470-4AFD-996C-55991B6E6161}" type="pres">
@@ -5137,7 +4944,7 @@
       <dgm:spPr/>
     </dgm:pt>
     <dgm:pt modelId="{F07C89FB-7AC0-4D6A-BF40-C0070FED0EE3}" type="pres">
-      <dgm:prSet presAssocID="{423859FD-096E-4927-9390-25344E903FBF}" presName="Name37" presStyleLbl="parChTrans1D3" presStyleIdx="8" presStyleCnt="11"/>
+      <dgm:prSet presAssocID="{423859FD-096E-4927-9390-25344E903FBF}" presName="Name37" presStyleLbl="parChTrans1D3" presStyleIdx="4" presStyleCnt="11"/>
       <dgm:spPr/>
     </dgm:pt>
     <dgm:pt modelId="{B5323093-C52B-4762-88CA-EB05C45B59E6}" type="pres">
@@ -5153,7 +4960,7 @@
       <dgm:spPr/>
     </dgm:pt>
     <dgm:pt modelId="{B99F24ED-3BC7-432A-B386-E1A66BAEF726}" type="pres">
-      <dgm:prSet presAssocID="{A1C6BA05-AD07-4670-B0CD-118E17FA1993}" presName="rootText" presStyleLbl="node3" presStyleIdx="8" presStyleCnt="11">
+      <dgm:prSet presAssocID="{A1C6BA05-AD07-4670-B0CD-118E17FA1993}" presName="rootText" presStyleLbl="node3" presStyleIdx="4" presStyleCnt="11">
         <dgm:presLayoutVars>
           <dgm:chPref val="3"/>
         </dgm:presLayoutVars>
@@ -5161,7 +4968,7 @@
       <dgm:spPr/>
     </dgm:pt>
     <dgm:pt modelId="{19FABE79-F8A2-4566-9B89-1E2FB5DFB7A6}" type="pres">
-      <dgm:prSet presAssocID="{A1C6BA05-AD07-4670-B0CD-118E17FA1993}" presName="rootConnector" presStyleLbl="node3" presStyleIdx="8" presStyleCnt="11"/>
+      <dgm:prSet presAssocID="{A1C6BA05-AD07-4670-B0CD-118E17FA1993}" presName="rootConnector" presStyleLbl="node3" presStyleIdx="4" presStyleCnt="11"/>
       <dgm:spPr/>
     </dgm:pt>
     <dgm:pt modelId="{96062C70-76CB-46F2-A12D-7691F85D67F8}" type="pres">
@@ -5172,8 +4979,152 @@
       <dgm:prSet presAssocID="{A1C6BA05-AD07-4670-B0CD-118E17FA1993}" presName="hierChild5" presStyleCnt="0"/>
       <dgm:spPr/>
     </dgm:pt>
-    <dgm:pt modelId="{C14FFA53-3ACC-4116-9A39-DB788CCBB57A}" type="pres">
-      <dgm:prSet presAssocID="{675D7F23-7B7E-43D4-96A7-0786DE6601DE}" presName="hierChild5" presStyleCnt="0"/>
+    <dgm:pt modelId="{ED24999A-CB54-48D6-8528-2545D016E1D3}" type="pres">
+      <dgm:prSet presAssocID="{57A8CB2D-79BE-4C74-9A37-D6A913DE1B82}" presName="Name37" presStyleLbl="parChTrans1D3" presStyleIdx="5" presStyleCnt="11"/>
+      <dgm:spPr/>
+    </dgm:pt>
+    <dgm:pt modelId="{C220EF82-2A32-455B-B92E-AB4AE94BE50C}" type="pres">
+      <dgm:prSet presAssocID="{305846AD-47C4-463B-9DBE-6AA8AAAFD9CA}" presName="hierRoot2" presStyleCnt="0">
+        <dgm:presLayoutVars>
+          <dgm:hierBranch val="init"/>
+        </dgm:presLayoutVars>
+      </dgm:prSet>
+      <dgm:spPr/>
+    </dgm:pt>
+    <dgm:pt modelId="{0EC8960B-6391-4E5D-A0B6-740A9360E186}" type="pres">
+      <dgm:prSet presAssocID="{305846AD-47C4-463B-9DBE-6AA8AAAFD9CA}" presName="rootComposite" presStyleCnt="0"/>
+      <dgm:spPr/>
+    </dgm:pt>
+    <dgm:pt modelId="{1B492F86-1603-4E21-B660-DA6307964BAD}" type="pres">
+      <dgm:prSet presAssocID="{305846AD-47C4-463B-9DBE-6AA8AAAFD9CA}" presName="rootText" presStyleLbl="node3" presStyleIdx="5" presStyleCnt="11">
+        <dgm:presLayoutVars>
+          <dgm:chPref val="3"/>
+        </dgm:presLayoutVars>
+      </dgm:prSet>
+      <dgm:spPr/>
+    </dgm:pt>
+    <dgm:pt modelId="{166FE553-CB8C-48D6-822E-56CDBDF78666}" type="pres">
+      <dgm:prSet presAssocID="{305846AD-47C4-463B-9DBE-6AA8AAAFD9CA}" presName="rootConnector" presStyleLbl="node3" presStyleIdx="5" presStyleCnt="11"/>
+      <dgm:spPr/>
+    </dgm:pt>
+    <dgm:pt modelId="{EDD082AB-8072-49AE-821E-1F6D02B72C2A}" type="pres">
+      <dgm:prSet presAssocID="{305846AD-47C4-463B-9DBE-6AA8AAAFD9CA}" presName="hierChild4" presStyleCnt="0"/>
+      <dgm:spPr/>
+    </dgm:pt>
+    <dgm:pt modelId="{5A3A306C-FE86-434D-ABE4-F03E1CF51A1C}" type="pres">
+      <dgm:prSet presAssocID="{305846AD-47C4-463B-9DBE-6AA8AAAFD9CA}" presName="hierChild5" presStyleCnt="0"/>
+      <dgm:spPr/>
+    </dgm:pt>
+    <dgm:pt modelId="{E4F616C8-77CD-4807-B795-EDC2BC3DD8F2}" type="pres">
+      <dgm:prSet presAssocID="{967C17FD-B87B-4CD0-BD44-345E2E5D2EA3}" presName="Name37" presStyleLbl="parChTrans1D3" presStyleIdx="6" presStyleCnt="11"/>
+      <dgm:spPr/>
+    </dgm:pt>
+    <dgm:pt modelId="{97BCDE9B-FA44-4866-B9CD-42F4D28FC57C}" type="pres">
+      <dgm:prSet presAssocID="{DE023E0B-5C31-4E35-A101-3DA3908C072F}" presName="hierRoot2" presStyleCnt="0">
+        <dgm:presLayoutVars>
+          <dgm:hierBranch val="init"/>
+        </dgm:presLayoutVars>
+      </dgm:prSet>
+      <dgm:spPr/>
+    </dgm:pt>
+    <dgm:pt modelId="{5AAA2699-4234-4E1A-AB59-31D42E064ED3}" type="pres">
+      <dgm:prSet presAssocID="{DE023E0B-5C31-4E35-A101-3DA3908C072F}" presName="rootComposite" presStyleCnt="0"/>
+      <dgm:spPr/>
+    </dgm:pt>
+    <dgm:pt modelId="{26976F64-C724-4705-94F5-0E6CD971C2E4}" type="pres">
+      <dgm:prSet presAssocID="{DE023E0B-5C31-4E35-A101-3DA3908C072F}" presName="rootText" presStyleLbl="node3" presStyleIdx="6" presStyleCnt="11">
+        <dgm:presLayoutVars>
+          <dgm:chPref val="3"/>
+        </dgm:presLayoutVars>
+      </dgm:prSet>
+      <dgm:spPr/>
+    </dgm:pt>
+    <dgm:pt modelId="{F5DA5587-5EB1-405E-8951-92F671AE6BE5}" type="pres">
+      <dgm:prSet presAssocID="{DE023E0B-5C31-4E35-A101-3DA3908C072F}" presName="rootConnector" presStyleLbl="node3" presStyleIdx="6" presStyleCnt="11"/>
+      <dgm:spPr/>
+    </dgm:pt>
+    <dgm:pt modelId="{0BACCB52-5846-4B4E-82B3-B705AA185DE8}" type="pres">
+      <dgm:prSet presAssocID="{DE023E0B-5C31-4E35-A101-3DA3908C072F}" presName="hierChild4" presStyleCnt="0"/>
+      <dgm:spPr/>
+    </dgm:pt>
+    <dgm:pt modelId="{5743E1AE-DF2D-4F6C-8EEB-1DC2E380AE38}" type="pres">
+      <dgm:prSet presAssocID="{DE023E0B-5C31-4E35-A101-3DA3908C072F}" presName="hierChild5" presStyleCnt="0"/>
+      <dgm:spPr/>
+    </dgm:pt>
+    <dgm:pt modelId="{72D06BF6-42C5-434C-92ED-F618F0FF3B5A}" type="pres">
+      <dgm:prSet presAssocID="{7CF047C5-7A21-4DCA-910B-CBEC1AA93BA9}" presName="Name37" presStyleLbl="parChTrans1D3" presStyleIdx="7" presStyleCnt="11"/>
+      <dgm:spPr/>
+    </dgm:pt>
+    <dgm:pt modelId="{7CE87129-122F-415D-9687-B4831C7BAD6B}" type="pres">
+      <dgm:prSet presAssocID="{10F04DDC-9425-470F-8153-E7CB032EC473}" presName="hierRoot2" presStyleCnt="0">
+        <dgm:presLayoutVars>
+          <dgm:hierBranch val="init"/>
+        </dgm:presLayoutVars>
+      </dgm:prSet>
+      <dgm:spPr/>
+    </dgm:pt>
+    <dgm:pt modelId="{BD4BF6D6-4736-4B31-83F6-E3391E63DFCE}" type="pres">
+      <dgm:prSet presAssocID="{10F04DDC-9425-470F-8153-E7CB032EC473}" presName="rootComposite" presStyleCnt="0"/>
+      <dgm:spPr/>
+    </dgm:pt>
+    <dgm:pt modelId="{50EC3807-8481-4C01-82B7-F19C2342E1A0}" type="pres">
+      <dgm:prSet presAssocID="{10F04DDC-9425-470F-8153-E7CB032EC473}" presName="rootText" presStyleLbl="node3" presStyleIdx="7" presStyleCnt="11">
+        <dgm:presLayoutVars>
+          <dgm:chPref val="3"/>
+        </dgm:presLayoutVars>
+      </dgm:prSet>
+      <dgm:spPr/>
+    </dgm:pt>
+    <dgm:pt modelId="{274E767F-761A-4B30-B369-389DF89B937D}" type="pres">
+      <dgm:prSet presAssocID="{10F04DDC-9425-470F-8153-E7CB032EC473}" presName="rootConnector" presStyleLbl="node3" presStyleIdx="7" presStyleCnt="11"/>
+      <dgm:spPr/>
+    </dgm:pt>
+    <dgm:pt modelId="{4A3801EA-4E87-4854-89D0-F5EE8C40E870}" type="pres">
+      <dgm:prSet presAssocID="{10F04DDC-9425-470F-8153-E7CB032EC473}" presName="hierChild4" presStyleCnt="0"/>
+      <dgm:spPr/>
+    </dgm:pt>
+    <dgm:pt modelId="{9415778B-6015-4B2E-979A-720F11704AC6}" type="pres">
+      <dgm:prSet presAssocID="{10F04DDC-9425-470F-8153-E7CB032EC473}" presName="hierChild5" presStyleCnt="0"/>
+      <dgm:spPr/>
+    </dgm:pt>
+    <dgm:pt modelId="{A3F9BD0E-C624-4151-9767-64BBD33870D8}" type="pres">
+      <dgm:prSet presAssocID="{341C93D3-8A95-4DFB-AA9D-C38CA282C9E7}" presName="Name37" presStyleLbl="parChTrans1D3" presStyleIdx="8" presStyleCnt="11"/>
+      <dgm:spPr/>
+    </dgm:pt>
+    <dgm:pt modelId="{F2908DFE-90E6-4506-8F75-EC087EFF2791}" type="pres">
+      <dgm:prSet presAssocID="{10948DB9-C87A-4CB4-AA25-2159E53038FA}" presName="hierRoot2" presStyleCnt="0">
+        <dgm:presLayoutVars>
+          <dgm:hierBranch val="init"/>
+        </dgm:presLayoutVars>
+      </dgm:prSet>
+      <dgm:spPr/>
+    </dgm:pt>
+    <dgm:pt modelId="{9C7D3B4A-1CC0-444A-99C6-BA95C0B359E0}" type="pres">
+      <dgm:prSet presAssocID="{10948DB9-C87A-4CB4-AA25-2159E53038FA}" presName="rootComposite" presStyleCnt="0"/>
+      <dgm:spPr/>
+    </dgm:pt>
+    <dgm:pt modelId="{FE90803F-BB98-472A-87D1-B85B7689304F}" type="pres">
+      <dgm:prSet presAssocID="{10948DB9-C87A-4CB4-AA25-2159E53038FA}" presName="rootText" presStyleLbl="node3" presStyleIdx="8" presStyleCnt="11">
+        <dgm:presLayoutVars>
+          <dgm:chPref val="3"/>
+        </dgm:presLayoutVars>
+      </dgm:prSet>
+      <dgm:spPr/>
+    </dgm:pt>
+    <dgm:pt modelId="{BEB1E389-DC78-4834-98AF-B72FEAAD2902}" type="pres">
+      <dgm:prSet presAssocID="{10948DB9-C87A-4CB4-AA25-2159E53038FA}" presName="rootConnector" presStyleLbl="node3" presStyleIdx="8" presStyleCnt="11"/>
+      <dgm:spPr/>
+    </dgm:pt>
+    <dgm:pt modelId="{ACA86701-4A36-495A-A1A1-9DC9B364DF9A}" type="pres">
+      <dgm:prSet presAssocID="{10948DB9-C87A-4CB4-AA25-2159E53038FA}" presName="hierChild4" presStyleCnt="0"/>
+      <dgm:spPr/>
+    </dgm:pt>
+    <dgm:pt modelId="{9813FB9A-AF67-46EC-AB06-686B5CA034D3}" type="pres">
+      <dgm:prSet presAssocID="{10948DB9-C87A-4CB4-AA25-2159E53038FA}" presName="hierChild5" presStyleCnt="0"/>
+      <dgm:spPr/>
+    </dgm:pt>
+    <dgm:pt modelId="{3CD5346E-7C5B-4D7B-AE42-84A6C79D83A6}" type="pres">
+      <dgm:prSet presAssocID="{1924ECD5-AA0E-4B54-9424-D53165043932}" presName="hierChild5" presStyleCnt="0"/>
       <dgm:spPr/>
     </dgm:pt>
     <dgm:pt modelId="{EDE52273-429D-4F0E-B2E9-2F7FE11FCD67}" type="pres">
@@ -5435,88 +5386,88 @@
   </dgm:ptLst>
   <dgm:cxnLst>
     <dgm:cxn modelId="{270DDA09-7491-47DE-BF57-0D4FA9136B89}" type="presOf" srcId="{EF6B1CB1-4266-4EA5-804A-ACC48ED2EE3D}" destId="{F18F04F2-ED04-4331-853F-808462CDAC9B}" srcOrd="1" destOrd="0" presId="urn:microsoft.com/office/officeart/2005/8/layout/orgChart1"/>
+    <dgm:cxn modelId="{D95FE817-C3E6-4CE6-AC73-B2F0C288457F}" type="presOf" srcId="{305846AD-47C4-463B-9DBE-6AA8AAAFD9CA}" destId="{166FE553-CB8C-48D6-822E-56CDBDF78666}" srcOrd="1" destOrd="0" presId="urn:microsoft.com/office/officeart/2005/8/layout/orgChart1"/>
     <dgm:cxn modelId="{D5359E19-2FD0-4409-A875-DC359F817818}" srcId="{441C9BFF-8AD7-4827-90F5-60BEDCAF3705}" destId="{EF6B1CB1-4266-4EA5-804A-ACC48ED2EE3D}" srcOrd="0" destOrd="0" parTransId="{A1698A36-C129-4FA1-BE7D-9B591DCFED6F}" sibTransId="{874649DD-CE2C-4963-AD9D-6BF4EABFEA87}"/>
-    <dgm:cxn modelId="{CCE1301C-2A14-4DE1-8C7C-725CD2524FA3}" type="presOf" srcId="{790F108B-9662-42F5-95CF-AC832BA6873C}" destId="{716854A0-890C-4CC0-A8E5-CD94D7FC8137}" srcOrd="0" destOrd="0" presId="urn:microsoft.com/office/officeart/2005/8/layout/orgChart1"/>
-    <dgm:cxn modelId="{5E95C020-A78C-41B6-8CB7-700EBE4BF264}" type="presOf" srcId="{048582F2-FB0C-4E5E-A8E2-BC00294129C6}" destId="{0C7721DD-C5AC-42F1-A273-F93D484C466E}" srcOrd="0" destOrd="0" presId="urn:microsoft.com/office/officeart/2005/8/layout/orgChart1"/>
-    <dgm:cxn modelId="{22329124-28F4-43E7-9A29-8C8B48F07EB6}" type="presOf" srcId="{940B71EA-00B4-44A9-9C1E-399B1FBF7110}" destId="{5C992A1D-381D-4552-A0F4-72668AABF151}" srcOrd="0" destOrd="0" presId="urn:microsoft.com/office/officeart/2005/8/layout/orgChart1"/>
     <dgm:cxn modelId="{438ACE25-C8C6-4AEF-92C4-A2D3A6306E5A}" type="presOf" srcId="{332EBDA1-FC91-42DD-8C1E-2C7B445019B3}" destId="{5CEACDA1-7667-40A9-B874-25D1B1E21A99}" srcOrd="0" destOrd="0" presId="urn:microsoft.com/office/officeart/2005/8/layout/orgChart1"/>
     <dgm:cxn modelId="{0A009826-02C9-4163-9C61-B7F53EBB75B2}" type="presOf" srcId="{441C9BFF-8AD7-4827-90F5-60BEDCAF3705}" destId="{D4AAF6B0-5935-4077-A7BD-9DC102060D2E}" srcOrd="0" destOrd="0" presId="urn:microsoft.com/office/officeart/2005/8/layout/orgChart1"/>
+    <dgm:cxn modelId="{C54F5B28-6AE5-41FA-A76A-40C3EBDC4BAD}" type="presOf" srcId="{1924ECD5-AA0E-4B54-9424-D53165043932}" destId="{29EC5DCF-76B9-464F-84BA-87F256E14F2F}" srcOrd="1" destOrd="0" presId="urn:microsoft.com/office/officeart/2005/8/layout/orgChart1"/>
     <dgm:cxn modelId="{3CAD0829-4311-453A-B452-C74675A5E305}" srcId="{441C9BFF-8AD7-4827-90F5-60BEDCAF3705}" destId="{44363CFA-628E-4026-88F3-8868490E44F8}" srcOrd="2" destOrd="0" parTransId="{A98B9FA4-4126-4C91-AF71-10ACE11266DD}" sibTransId="{AD8C0F6F-44FE-4E14-A2AE-D5615410E79B}"/>
-    <dgm:cxn modelId="{F8C42A29-51CF-4A37-8D5B-915CB0E3F273}" type="presOf" srcId="{423859FD-096E-4927-9390-25344E903FBF}" destId="{F07C89FB-7AC0-4D6A-BF40-C0070FED0EE3}" srcOrd="0" destOrd="0" presId="urn:microsoft.com/office/officeart/2005/8/layout/orgChart1"/>
-    <dgm:cxn modelId="{0445E130-AE6A-43C6-9FED-F956D6FCD750}" type="presOf" srcId="{F1DABE6E-F8F2-4453-9AF1-0A543F993768}" destId="{E50F9959-464F-43F9-8195-9C82C537826B}" srcOrd="0" destOrd="0" presId="urn:microsoft.com/office/officeart/2005/8/layout/orgChart1"/>
+    <dgm:cxn modelId="{66B6CD30-0CE2-458C-AFF5-D5AFDD4A7D0C}" type="presOf" srcId="{3C6EA423-D64F-4DC7-B184-24C9BC3512E8}" destId="{7F097E5B-6209-4AF0-8ED0-402082DA0749}" srcOrd="0" destOrd="0" presId="urn:microsoft.com/office/officeart/2005/8/layout/orgChart1"/>
     <dgm:cxn modelId="{14916237-07B0-486C-AB32-4028F1D84EBB}" type="presOf" srcId="{9F967694-B9EF-45F7-AC9F-9806D8CB5482}" destId="{EDE52273-429D-4F0E-B2E9-2F7FE11FCD67}" srcOrd="0" destOrd="0" presId="urn:microsoft.com/office/officeart/2005/8/layout/orgChart1"/>
+    <dgm:cxn modelId="{67EFE438-94F0-4BBA-9CA6-DCBB8E871FB1}" type="presOf" srcId="{F1DABE6E-F8F2-4453-9AF1-0A543F993768}" destId="{29A7D2B3-E83F-48D3-BA82-6C1B33C7D117}" srcOrd="1" destOrd="0" presId="urn:microsoft.com/office/officeart/2005/8/layout/orgChart1"/>
     <dgm:cxn modelId="{5B946639-C386-43A7-99EF-97B4B9A0EDAF}" type="presOf" srcId="{028C5DFA-CD08-425A-9808-BE49C21D580B}" destId="{31730A28-5687-49A7-9084-9821AA2323E9}" srcOrd="1" destOrd="0" presId="urn:microsoft.com/office/officeart/2005/8/layout/orgChart1"/>
     <dgm:cxn modelId="{78841D3B-011C-4F77-863D-764B0865371F}" type="presOf" srcId="{B829E806-E11E-4BDA-8589-5EF437FD4FD6}" destId="{940D3546-6031-400F-B1CF-0A05124CD0AE}" srcOrd="0" destOrd="0" presId="urn:microsoft.com/office/officeart/2005/8/layout/orgChart1"/>
-    <dgm:cxn modelId="{1EBAC03C-DCF7-400E-931F-D0C12CE84A33}" type="presOf" srcId="{940B71EA-00B4-44A9-9C1E-399B1FBF7110}" destId="{0E85105F-EC2C-4B07-B2EF-47012C806F8C}" srcOrd="1" destOrd="0" presId="urn:microsoft.com/office/officeart/2005/8/layout/orgChart1"/>
-    <dgm:cxn modelId="{853CED40-8843-45A1-9EA1-0EF8E01BC582}" type="presOf" srcId="{6D8F1B6F-54AE-49C2-94F8-7199198FE363}" destId="{52881B08-9F82-4EDF-8F29-304B27A2471D}" srcOrd="1" destOrd="0" presId="urn:microsoft.com/office/officeart/2005/8/layout/orgChart1"/>
-    <dgm:cxn modelId="{241C9E41-C308-4B3F-91CA-DC5CD646D6E0}" srcId="{44363CFA-628E-4026-88F3-8868490E44F8}" destId="{6D8F1B6F-54AE-49C2-94F8-7199198FE363}" srcOrd="3" destOrd="0" parTransId="{397525FB-5E1C-4D0B-A3B4-396D027EF830}" sibTransId="{180E9275-DD41-4C6D-9009-DB926B941B41}"/>
-    <dgm:cxn modelId="{B2F4BD67-D15E-477C-B93C-B5056B878A5E}" srcId="{441C9BFF-8AD7-4827-90F5-60BEDCAF3705}" destId="{675D7F23-7B7E-43D4-96A7-0786DE6601DE}" srcOrd="3" destOrd="0" parTransId="{1F5D5C09-01CC-47B6-804F-480F88682A9A}" sibTransId="{02F9123B-99BB-42CB-8C35-39675812A207}"/>
     <dgm:cxn modelId="{3679A549-E1BF-4456-B75B-8BA78A97E6CE}" type="presOf" srcId="{4DE3A42A-E3CE-4E99-83D9-D1A6756B3CB9}" destId="{CC33A293-E3CB-411D-9632-6FE6954F9F3F}" srcOrd="0" destOrd="0" presId="urn:microsoft.com/office/officeart/2005/8/layout/orgChart1"/>
-    <dgm:cxn modelId="{4D06B14B-287D-4E3A-9D69-875F59FDFC1F}" type="presOf" srcId="{B91B6797-AE43-4150-84C3-B288959AACE0}" destId="{690171E8-FA30-440B-81EC-C5BC6E1B9634}" srcOrd="1" destOrd="0" presId="urn:microsoft.com/office/officeart/2005/8/layout/orgChart1"/>
+    <dgm:cxn modelId="{1D7CEA49-FBBA-4F7B-ACF8-330C48D879F8}" type="presOf" srcId="{57A8CB2D-79BE-4C74-9A37-D6A913DE1B82}" destId="{ED24999A-CB54-48D6-8528-2545D016E1D3}" srcOrd="0" destOrd="0" presId="urn:microsoft.com/office/officeart/2005/8/layout/orgChart1"/>
     <dgm:cxn modelId="{523F296D-2CC7-4C29-85F8-5468ED82EAEB}" srcId="{34BEB75E-ED6D-4113-9F50-1BF5F1954990}" destId="{441C9BFF-8AD7-4827-90F5-60BEDCAF3705}" srcOrd="0" destOrd="0" parTransId="{AED53F1B-6F52-4865-A6C0-13F7BB680C57}" sibTransId="{EE93340F-3E48-4F2C-8A92-4BB8BFF38136}"/>
-    <dgm:cxn modelId="{C57B504E-E7B8-44A6-BF6D-0E8126B84CEB}" srcId="{675D7F23-7B7E-43D4-96A7-0786DE6601DE}" destId="{F1DABE6E-F8F2-4453-9AF1-0A543F993768}" srcOrd="1" destOrd="0" parTransId="{B9579491-E72E-41C5-854B-F50C3EB1B30B}" sibTransId="{269CB045-857D-4765-8E43-81EB588E44DA}"/>
-    <dgm:cxn modelId="{B5473772-6083-4CD2-AE22-1E49D16E24C0}" srcId="{44363CFA-628E-4026-88F3-8868490E44F8}" destId="{940B71EA-00B4-44A9-9C1E-399B1FBF7110}" srcOrd="2" destOrd="0" parTransId="{048582F2-FB0C-4E5E-A8E2-BC00294129C6}" sibTransId="{BD69A7FF-4844-45A4-81E7-1685E1DEBCCF}"/>
-    <dgm:cxn modelId="{5DF6B753-8AEC-45B1-812D-CBEF4E665B5B}" srcId="{675D7F23-7B7E-43D4-96A7-0786DE6601DE}" destId="{A1C6BA05-AD07-4670-B0CD-118E17FA1993}" srcOrd="2" destOrd="0" parTransId="{423859FD-096E-4927-9390-25344E903FBF}" sibTransId="{249108A4-E90A-45F0-91DE-62B0931DD375}"/>
+    <dgm:cxn modelId="{C57B504E-E7B8-44A6-BF6D-0E8126B84CEB}" srcId="{1924ECD5-AA0E-4B54-9424-D53165043932}" destId="{F1DABE6E-F8F2-4453-9AF1-0A543F993768}" srcOrd="1" destOrd="0" parTransId="{B9579491-E72E-41C5-854B-F50C3EB1B30B}" sibTransId="{269CB045-857D-4765-8E43-81EB588E44DA}"/>
+    <dgm:cxn modelId="{6029A672-D63D-4FFC-946A-7C3F54E310F4}" type="presOf" srcId="{F1DABE6E-F8F2-4453-9AF1-0A543F993768}" destId="{E50F9959-464F-43F9-8195-9C82C537826B}" srcOrd="0" destOrd="0" presId="urn:microsoft.com/office/officeart/2005/8/layout/orgChart1"/>
+    <dgm:cxn modelId="{5DF6B753-8AEC-45B1-812D-CBEF4E665B5B}" srcId="{1924ECD5-AA0E-4B54-9424-D53165043932}" destId="{A1C6BA05-AD07-4670-B0CD-118E17FA1993}" srcOrd="2" destOrd="0" parTransId="{423859FD-096E-4927-9390-25344E903FBF}" sibTransId="{249108A4-E90A-45F0-91DE-62B0931DD375}"/>
+    <dgm:cxn modelId="{F812C254-ECB2-457A-B2DD-0DA61683069B}" srcId="{1924ECD5-AA0E-4B54-9424-D53165043932}" destId="{DE023E0B-5C31-4E35-A101-3DA3908C072F}" srcOrd="4" destOrd="0" parTransId="{967C17FD-B87B-4CD0-BD44-345E2E5D2EA3}" sibTransId="{8A9ACAAE-236A-4C50-8D2E-022C95250F55}"/>
     <dgm:cxn modelId="{9CAC8275-8BAB-40C0-9FD1-D17F51683F82}" type="presOf" srcId="{4DE3A42A-E3CE-4E99-83D9-D1A6756B3CB9}" destId="{2C816549-9EE9-4756-A160-AC0E53C139B8}" srcOrd="1" destOrd="0" presId="urn:microsoft.com/office/officeart/2005/8/layout/orgChart1"/>
+    <dgm:cxn modelId="{7117AE58-47CE-4D5A-8642-D4C6CB160D3B}" srcId="{1924ECD5-AA0E-4B54-9424-D53165043932}" destId="{10F04DDC-9425-470F-8153-E7CB032EC473}" srcOrd="5" destOrd="0" parTransId="{7CF047C5-7A21-4DCA-910B-CBEC1AA93BA9}" sibTransId="{5F84F869-E56B-4634-ABE7-790FDDE6A648}"/>
     <dgm:cxn modelId="{36565A79-726A-49E4-8D06-2B903089FD1B}" srcId="{347BA63F-6330-4E17-9091-C819304D8374}" destId="{4DE3A42A-E3CE-4E99-83D9-D1A6756B3CB9}" srcOrd="0" destOrd="0" parTransId="{42168C56-2F22-4C47-AD41-80714FFDE7B7}" sibTransId="{E7E8FE3B-7C4D-4032-A180-D927C1C52A59}"/>
+    <dgm:cxn modelId="{3566285A-ABAE-452D-9251-F94883B7CF9E}" type="presOf" srcId="{B9579491-E72E-41C5-854B-F50C3EB1B30B}" destId="{246DDF7E-D086-468F-AD98-C5A107AC1D5D}" srcOrd="0" destOrd="0" presId="urn:microsoft.com/office/officeart/2005/8/layout/orgChart1"/>
     <dgm:cxn modelId="{4BA2AD7D-AEB8-46D3-A98C-3C01FE642FDC}" type="presOf" srcId="{A98B9FA4-4126-4C91-AF71-10ACE11266DD}" destId="{F92D201F-4429-48F2-A613-5C474A994CD9}" srcOrd="0" destOrd="0" presId="urn:microsoft.com/office/officeart/2005/8/layout/orgChart1"/>
     <dgm:cxn modelId="{7A0A5687-8D33-4C97-9CE7-B44967A81946}" srcId="{4DE3A42A-E3CE-4E99-83D9-D1A6756B3CB9}" destId="{9E9AFA18-4A4C-452D-9BB1-22608177395D}" srcOrd="0" destOrd="0" parTransId="{7EB6568E-DE68-41D0-B072-2D0DA56F4F15}" sibTransId="{DB2F4BBF-BA92-46E6-ACB3-D5B8E972779B}"/>
+    <dgm:cxn modelId="{C08AD887-C20C-4490-A7AE-D52D0A77658D}" type="presOf" srcId="{BF950D71-5670-40D6-AC0F-099BAE4EAFCE}" destId="{104BA3A7-D652-47E4-9B20-83BB4665DF76}" srcOrd="0" destOrd="0" presId="urn:microsoft.com/office/officeart/2005/8/layout/orgChart1"/>
     <dgm:cxn modelId="{6C3CB288-381C-4A97-8505-4AA97B59E105}" type="presOf" srcId="{A48100E6-84E1-4E3F-8C93-442D7A1A23CC}" destId="{12F0C7F9-8119-4BBD-A7C5-DEFEEA6C7D89}" srcOrd="0" destOrd="0" presId="urn:microsoft.com/office/officeart/2005/8/layout/orgChart1"/>
+    <dgm:cxn modelId="{22A03889-C31F-4932-9032-214B397B0A0F}" type="presOf" srcId="{305846AD-47C4-463B-9DBE-6AA8AAAFD9CA}" destId="{1B492F86-1603-4E21-B660-DA6307964BAD}" srcOrd="0" destOrd="0" presId="urn:microsoft.com/office/officeart/2005/8/layout/orgChart1"/>
+    <dgm:cxn modelId="{8FFBDF89-5769-4DA0-89DA-2C34592C540B}" type="presOf" srcId="{3C6EA423-D64F-4DC7-B184-24C9BC3512E8}" destId="{6326AB10-BB5C-4854-9D21-95B3803C563E}" srcOrd="1" destOrd="0" presId="urn:microsoft.com/office/officeart/2005/8/layout/orgChart1"/>
     <dgm:cxn modelId="{5ECCA38B-6E25-44ED-A687-D20C973638AC}" type="presOf" srcId="{795061A3-2B93-41B7-8CB3-D2EA827D06F1}" destId="{6E5659B3-987D-47B1-A1A1-39AAF04C38E5}" srcOrd="0" destOrd="0" presId="urn:microsoft.com/office/officeart/2005/8/layout/orgChart1"/>
+    <dgm:cxn modelId="{96A74491-5C5F-47EE-80D2-0B4E847CFBE4}" type="presOf" srcId="{967C17FD-B87B-4CD0-BD44-345E2E5D2EA3}" destId="{E4F616C8-77CD-4807-B795-EDC2BC3DD8F2}" srcOrd="0" destOrd="0" presId="urn:microsoft.com/office/officeart/2005/8/layout/orgChart1"/>
+    <dgm:cxn modelId="{C81E8C91-5EF5-45E9-ACD4-E449A9809B80}" srcId="{1924ECD5-AA0E-4B54-9424-D53165043932}" destId="{305846AD-47C4-463B-9DBE-6AA8AAAFD9CA}" srcOrd="3" destOrd="0" parTransId="{57A8CB2D-79BE-4C74-9A37-D6A913DE1B82}" sibTransId="{6A058D6F-D207-4F81-A3FF-D70611BE6534}"/>
     <dgm:cxn modelId="{A3F6D991-5237-4FEF-9535-02A35ACB4BCB}" type="presOf" srcId="{34BEB75E-ED6D-4113-9F50-1BF5F1954990}" destId="{5F3FAA4C-44A3-470C-81C5-23BB7113FF75}" srcOrd="0" destOrd="0" presId="urn:microsoft.com/office/officeart/2005/8/layout/orgChart1"/>
-    <dgm:cxn modelId="{C22FF093-47D4-457E-86BE-9761A035E44E}" type="presOf" srcId="{6D8F1B6F-54AE-49C2-94F8-7199198FE363}" destId="{0273CF75-F135-4AD3-9F55-82AEBAD45FC4}" srcOrd="0" destOrd="0" presId="urn:microsoft.com/office/officeart/2005/8/layout/orgChart1"/>
     <dgm:cxn modelId="{33DF3899-0AA9-4D12-8AFD-B5E16AF2A923}" srcId="{EB65517D-69B4-43D8-B5D7-51657BA54F8A}" destId="{785ADFEC-7668-46D6-9578-5377B24474CF}" srcOrd="0" destOrd="0" parTransId="{0ED2AB80-1B48-415F-BD87-852714594E12}" sibTransId="{1114127C-B245-4E79-9FFA-C610A89B9B6C}"/>
-    <dgm:cxn modelId="{7343A099-793A-41D5-9265-ED66EDE94EBA}" type="presOf" srcId="{675D7F23-7B7E-43D4-96A7-0786DE6601DE}" destId="{194934A6-2B03-4C5B-9593-F212664A9EA9}" srcOrd="1" destOrd="0" presId="urn:microsoft.com/office/officeart/2005/8/layout/orgChart1"/>
-    <dgm:cxn modelId="{1AE95A9A-002A-4BFB-9274-B9E2C62FF3A3}" type="presOf" srcId="{3C6EA423-D64F-4DC7-B184-24C9BC3512E8}" destId="{7F097E5B-6209-4AF0-8ED0-402082DA0749}" srcOrd="0" destOrd="0" presId="urn:microsoft.com/office/officeart/2005/8/layout/orgChart1"/>
-    <dgm:cxn modelId="{60F20D9B-326F-4081-953C-8BA0E5B14B69}" type="presOf" srcId="{6337DACB-DDE6-4541-A455-9928166939F4}" destId="{63C2CBE3-9669-496C-A884-3CB3E83BD677}" srcOrd="0" destOrd="0" presId="urn:microsoft.com/office/officeart/2005/8/layout/orgChart1"/>
     <dgm:cxn modelId="{3517AE9C-6628-4933-8CE6-0CA1EC7C87DD}" srcId="{441C9BFF-8AD7-4827-90F5-60BEDCAF3705}" destId="{347BA63F-6330-4E17-9091-C819304D8374}" srcOrd="5" destOrd="0" parTransId="{C64C22FD-D31D-4129-A644-EAC90AC2F0EF}" sibTransId="{36DAFF60-F4E1-4919-B05F-DD90C1E847D2}"/>
     <dgm:cxn modelId="{A939899E-AEF0-4A63-B01A-2811913BFAD2}" type="presOf" srcId="{98DE5844-EBFB-4ECB-843E-1E3C116CD0A7}" destId="{43413BE2-49D4-4AD2-85D5-14EDF44EA0F1}" srcOrd="1" destOrd="0" presId="urn:microsoft.com/office/officeart/2005/8/layout/orgChart1"/>
     <dgm:cxn modelId="{0226A49E-23FC-42BA-B8CE-BA3B5D4DCC31}" type="presOf" srcId="{EB65517D-69B4-43D8-B5D7-51657BA54F8A}" destId="{0C2F2216-8D08-4E87-B39E-9F041EF12805}" srcOrd="0" destOrd="0" presId="urn:microsoft.com/office/officeart/2005/8/layout/orgChart1"/>
-    <dgm:cxn modelId="{E9B9AF9E-07A1-4ABE-B398-4BFFD9D020D2}" srcId="{44363CFA-628E-4026-88F3-8868490E44F8}" destId="{6337DACB-DDE6-4541-A455-9928166939F4}" srcOrd="0" destOrd="0" parTransId="{790F108B-9662-42F5-95CF-AC832BA6873C}" sibTransId="{12A4C4DE-305D-4D22-A316-12CD53FA3ADE}"/>
-    <dgm:cxn modelId="{41E99A9F-94B0-4301-968D-71C523DEE285}" type="presOf" srcId="{A1C6BA05-AD07-4670-B0CD-118E17FA1993}" destId="{19FABE79-F8A2-4566-9B89-1E2FB5DFB7A6}" srcOrd="1" destOrd="0" presId="urn:microsoft.com/office/officeart/2005/8/layout/orgChart1"/>
     <dgm:cxn modelId="{1C5B25A9-30D7-4B17-9077-AE5716562504}" srcId="{441C9BFF-8AD7-4827-90F5-60BEDCAF3705}" destId="{EB65517D-69B4-43D8-B5D7-51657BA54F8A}" srcOrd="4" destOrd="0" parTransId="{9F967694-B9EF-45F7-AC9F-9806D8CB5482}" sibTransId="{E544A564-370F-49E5-BAD7-5F5A2C41F0DB}"/>
     <dgm:cxn modelId="{0B145AA9-D9A1-40D4-BE05-B952D9805B35}" type="presOf" srcId="{C64C22FD-D31D-4129-A644-EAC90AC2F0EF}" destId="{D4C5CCAB-7FF3-44F7-8278-BB322864B121}" srcOrd="0" destOrd="0" presId="urn:microsoft.com/office/officeart/2005/8/layout/orgChart1"/>
-    <dgm:cxn modelId="{723DA6A9-4655-4809-AD79-C6338CB048BF}" type="presOf" srcId="{8FFB457D-6AB7-4AA1-96C9-CB71AA206E01}" destId="{A1E73A3F-D4BB-4C61-BD15-E7FB09B21B25}" srcOrd="0" destOrd="0" presId="urn:microsoft.com/office/officeart/2005/8/layout/orgChart1"/>
-    <dgm:cxn modelId="{83D142AA-AFDE-46F6-BC0E-085CF20ACE1E}" type="presOf" srcId="{A1C6BA05-AD07-4670-B0CD-118E17FA1993}" destId="{B99F24ED-3BC7-432A-B386-E1A66BAEF726}" srcOrd="0" destOrd="0" presId="urn:microsoft.com/office/officeart/2005/8/layout/orgChart1"/>
     <dgm:cxn modelId="{F04E5DAB-1F2B-487B-A909-786FD47B7277}" type="presOf" srcId="{EF6B1CB1-4266-4EA5-804A-ACC48ED2EE3D}" destId="{AE1DD6B5-8922-4162-945A-41BF7A420F55}" srcOrd="0" destOrd="0" presId="urn:microsoft.com/office/officeart/2005/8/layout/orgChart1"/>
-    <dgm:cxn modelId="{C8B6B5AB-5AE9-4D0F-A11C-AFD42C6E75F1}" srcId="{44363CFA-628E-4026-88F3-8868490E44F8}" destId="{B91B6797-AE43-4150-84C3-B288959AACE0}" srcOrd="1" destOrd="0" parTransId="{8FFB457D-6AB7-4AA1-96C9-CB71AA206E01}" sibTransId="{BC4AFB9F-BC54-461D-8232-157531B15A14}"/>
-    <dgm:cxn modelId="{929F96AF-165C-4875-878C-35084435B405}" type="presOf" srcId="{B9579491-E72E-41C5-854B-F50C3EB1B30B}" destId="{246DDF7E-D086-468F-AD98-C5A107AC1D5D}" srcOrd="0" destOrd="0" presId="urn:microsoft.com/office/officeart/2005/8/layout/orgChart1"/>
+    <dgm:cxn modelId="{10B083AC-0A7E-4BDD-83CC-5A4036412ED4}" type="presOf" srcId="{10F04DDC-9425-470F-8153-E7CB032EC473}" destId="{50EC3807-8481-4C01-82B7-F19C2342E1A0}" srcOrd="0" destOrd="0" presId="urn:microsoft.com/office/officeart/2005/8/layout/orgChart1"/>
+    <dgm:cxn modelId="{A379DEAC-9ED6-46D7-BA90-0F0F0114656E}" srcId="{441C9BFF-8AD7-4827-90F5-60BEDCAF3705}" destId="{1924ECD5-AA0E-4B54-9424-D53165043932}" srcOrd="3" destOrd="0" parTransId="{3930E226-FA6F-40B0-905E-754A21C6644C}" sibTransId="{CBA63FA3-5470-4234-A511-234C76F1D9FA}"/>
+    <dgm:cxn modelId="{A58B0BAE-AB07-4924-826A-17941DCD081C}" type="presOf" srcId="{10948DB9-C87A-4CB4-AA25-2159E53038FA}" destId="{FE90803F-BB98-472A-87D1-B85B7689304F}" srcOrd="0" destOrd="0" presId="urn:microsoft.com/office/officeart/2005/8/layout/orgChart1"/>
     <dgm:cxn modelId="{29C7DCB1-11B9-48A0-A7F2-5AB78B097423}" type="presOf" srcId="{0E41C96E-49F8-4F4A-AF74-A981293F785F}" destId="{FC1B4037-826A-4F44-80EE-641936EF98B7}" srcOrd="0" destOrd="0" presId="urn:microsoft.com/office/officeart/2005/8/layout/orgChart1"/>
+    <dgm:cxn modelId="{7385D7B3-AD8B-4BFA-B6C8-28E20137B53F}" type="presOf" srcId="{A1C6BA05-AD07-4670-B0CD-118E17FA1993}" destId="{B99F24ED-3BC7-432A-B386-E1A66BAEF726}" srcOrd="0" destOrd="0" presId="urn:microsoft.com/office/officeart/2005/8/layout/orgChart1"/>
     <dgm:cxn modelId="{81DF26B5-9158-425B-8267-7DB92BE86BAF}" type="presOf" srcId="{795061A3-2B93-41B7-8CB3-D2EA827D06F1}" destId="{AEA76822-EF94-4869-A43E-CBD2D264A7AE}" srcOrd="1" destOrd="0" presId="urn:microsoft.com/office/officeart/2005/8/layout/orgChart1"/>
+    <dgm:cxn modelId="{36DC23B6-1CF5-4FBB-BF71-01FD578075C1}" type="presOf" srcId="{7CF047C5-7A21-4DCA-910B-CBEC1AA93BA9}" destId="{72D06BF6-42C5-434C-92ED-F618F0FF3B5A}" srcOrd="0" destOrd="0" presId="urn:microsoft.com/office/officeart/2005/8/layout/orgChart1"/>
+    <dgm:cxn modelId="{8C4270B6-A089-4814-9B16-0448C64B2F70}" type="presOf" srcId="{A1C6BA05-AD07-4670-B0CD-118E17FA1993}" destId="{19FABE79-F8A2-4566-9B89-1E2FB5DFB7A6}" srcOrd="1" destOrd="0" presId="urn:microsoft.com/office/officeart/2005/8/layout/orgChart1"/>
+    <dgm:cxn modelId="{3D8570B6-A2E5-48FD-9945-08DF09824886}" type="presOf" srcId="{423859FD-096E-4927-9390-25344E903FBF}" destId="{F07C89FB-7AC0-4D6A-BF40-C0070FED0EE3}" srcOrd="0" destOrd="0" presId="urn:microsoft.com/office/officeart/2005/8/layout/orgChart1"/>
     <dgm:cxn modelId="{09FEB7B7-BCCA-4ED6-8BE2-889652152D0D}" srcId="{98DE5844-EBFB-4ECB-843E-1E3C116CD0A7}" destId="{332EBDA1-FC91-42DD-8C1E-2C7B445019B3}" srcOrd="0" destOrd="0" parTransId="{0E41C96E-49F8-4F4A-AF74-A981293F785F}" sibTransId="{6F50CEDF-F26E-458C-ABDC-9725FAFC71B9}"/>
     <dgm:cxn modelId="{D8EB9AB8-65B5-4F00-97D6-AC77A68B62FE}" srcId="{EF6B1CB1-4266-4EA5-804A-ACC48ED2EE3D}" destId="{028C5DFA-CD08-425A-9808-BE49C21D580B}" srcOrd="0" destOrd="0" parTransId="{E8EB6F71-72ED-410E-A6D6-688CC4C8622F}" sibTransId="{EC8C1563-BCBD-4458-A64C-29451454356E}"/>
+    <dgm:cxn modelId="{C7C20BBC-8971-4BF9-8460-334CE5DEB96F}" type="presOf" srcId="{341C93D3-8A95-4DFB-AA9D-C38CA282C9E7}" destId="{A3F9BD0E-C624-4151-9767-64BBD33870D8}" srcOrd="0" destOrd="0" presId="urn:microsoft.com/office/officeart/2005/8/layout/orgChart1"/>
     <dgm:cxn modelId="{7480D7BE-2436-4FE0-931C-94596479A185}" type="presOf" srcId="{AF051581-B2C4-4A22-B3E9-D040DD094A2F}" destId="{471300FB-DB21-4C22-8086-4742D736E0BD}" srcOrd="0" destOrd="0" presId="urn:microsoft.com/office/officeart/2005/8/layout/orgChart1"/>
     <dgm:cxn modelId="{9901F1C1-19FB-42C6-9BED-6FCF273233DC}" type="presOf" srcId="{0ED2AB80-1B48-415F-BD87-852714594E12}" destId="{206209FB-F600-4BD1-9606-121E90963E67}" srcOrd="0" destOrd="0" presId="urn:microsoft.com/office/officeart/2005/8/layout/orgChart1"/>
     <dgm:cxn modelId="{446851C2-10A3-4989-B0D3-47A882BA10D5}" type="presOf" srcId="{9E9AFA18-4A4C-452D-9BB1-22608177395D}" destId="{070D4700-2947-4504-A795-8589C16A902C}" srcOrd="0" destOrd="0" presId="urn:microsoft.com/office/officeart/2005/8/layout/orgChart1"/>
     <dgm:cxn modelId="{22BE7EC2-7640-4746-B645-BD7D5CDD45E9}" type="presOf" srcId="{441C9BFF-8AD7-4827-90F5-60BEDCAF3705}" destId="{90D799FC-A8ED-47E9-A8BE-785E1AB2B5DB}" srcOrd="1" destOrd="0" presId="urn:microsoft.com/office/officeart/2005/8/layout/orgChart1"/>
     <dgm:cxn modelId="{148792C6-B88E-4AB3-8166-EF8B1E544472}" type="presOf" srcId="{42168C56-2F22-4C47-AD41-80714FFDE7B7}" destId="{865CC225-A0DA-47E2-8F93-648401CE5D35}" srcOrd="0" destOrd="0" presId="urn:microsoft.com/office/officeart/2005/8/layout/orgChart1"/>
-    <dgm:cxn modelId="{70F2FFC6-1975-4026-A585-69298C75FA2C}" type="presOf" srcId="{675D7F23-7B7E-43D4-96A7-0786DE6601DE}" destId="{48B4CED0-3B89-45CE-991D-A8F3963860D6}" srcOrd="0" destOrd="0" presId="urn:microsoft.com/office/officeart/2005/8/layout/orgChart1"/>
+    <dgm:cxn modelId="{AF69B7C7-1B09-49A8-9995-724D6A711B85}" type="presOf" srcId="{DE023E0B-5C31-4E35-A101-3DA3908C072F}" destId="{26976F64-C724-4705-94F5-0E6CD971C2E4}" srcOrd="0" destOrd="0" presId="urn:microsoft.com/office/officeart/2005/8/layout/orgChart1"/>
     <dgm:cxn modelId="{F0101AC8-760C-43EB-9A6F-42EF22F0D95D}" type="presOf" srcId="{44363CFA-628E-4026-88F3-8868490E44F8}" destId="{9C340236-4FFD-45ED-9EE1-A04737FABAE4}" srcOrd="1" destOrd="0" presId="urn:microsoft.com/office/officeart/2005/8/layout/orgChart1"/>
-    <dgm:cxn modelId="{C8EF8BC8-8A38-4F2E-8ADF-DE709EFC33A8}" type="presOf" srcId="{B91B6797-AE43-4150-84C3-B288959AACE0}" destId="{09477BDD-AB56-4E58-B538-97082ADD2D44}" srcOrd="0" destOrd="0" presId="urn:microsoft.com/office/officeart/2005/8/layout/orgChart1"/>
+    <dgm:cxn modelId="{32A76DC8-7272-4297-9017-3363D8EEE47B}" type="presOf" srcId="{3930E226-FA6F-40B0-905E-754A21C6644C}" destId="{F2FC5845-76F4-45FC-9102-1D5405CED484}" srcOrd="0" destOrd="0" presId="urn:microsoft.com/office/officeart/2005/8/layout/orgChart1"/>
     <dgm:cxn modelId="{83B220C9-575D-4410-9866-5F5B448BA45A}" srcId="{441C9BFF-8AD7-4827-90F5-60BEDCAF3705}" destId="{98DE5844-EBFB-4ECB-843E-1E3C116CD0A7}" srcOrd="1" destOrd="0" parTransId="{B829E806-E11E-4BDA-8589-5EF437FD4FD6}" sibTransId="{964986D0-5530-46C8-8F61-2A4F7C778AD2}"/>
     <dgm:cxn modelId="{E1FB8AC9-7B0A-448C-B041-15907572A693}" type="presOf" srcId="{9E9AFA18-4A4C-452D-9BB1-22608177395D}" destId="{FA7BB441-4DEF-451F-9DE9-DB38CDAFAFC2}" srcOrd="1" destOrd="0" presId="urn:microsoft.com/office/officeart/2005/8/layout/orgChart1"/>
-    <dgm:cxn modelId="{D7E1BBCA-4415-4710-B16F-21F84ABD7E1E}" type="presOf" srcId="{397525FB-5E1C-4D0B-A3B4-396D027EF830}" destId="{558F1EF2-AC1B-4379-94FE-33794455BDE1}" srcOrd="0" destOrd="0" presId="urn:microsoft.com/office/officeart/2005/8/layout/orgChart1"/>
     <dgm:cxn modelId="{714EDCCA-D136-47E8-93E3-18AD130D9A96}" type="presOf" srcId="{347BA63F-6330-4E17-9091-C819304D8374}" destId="{42DEE17A-3D83-4C0D-B91C-CA141A292DA2}" srcOrd="1" destOrd="0" presId="urn:microsoft.com/office/officeart/2005/8/layout/orgChart1"/>
     <dgm:cxn modelId="{105FF0CA-A9FE-4385-849A-513AFC6AB6C4}" type="presOf" srcId="{A1698A36-C129-4FA1-BE7D-9B591DCFED6F}" destId="{EA35908A-375B-4EF7-A17D-476DA652899F}" srcOrd="0" destOrd="0" presId="urn:microsoft.com/office/officeart/2005/8/layout/orgChart1"/>
+    <dgm:cxn modelId="{A894B2CE-042B-4933-973A-0F0987339BD2}" type="presOf" srcId="{10F04DDC-9425-470F-8153-E7CB032EC473}" destId="{274E767F-761A-4B30-B369-389DF89B937D}" srcOrd="1" destOrd="0" presId="urn:microsoft.com/office/officeart/2005/8/layout/orgChart1"/>
     <dgm:cxn modelId="{A59B17D5-B98F-4D2B-8FCB-DE732988D245}" type="presOf" srcId="{332EBDA1-FC91-42DD-8C1E-2C7B445019B3}" destId="{1F530FFE-35D1-4609-8D1C-CEEB0EF8690E}" srcOrd="1" destOrd="0" presId="urn:microsoft.com/office/officeart/2005/8/layout/orgChart1"/>
+    <dgm:cxn modelId="{C0EFEBD5-5DF4-4D4F-8FE8-1BE15E6AF913}" type="presOf" srcId="{DE023E0B-5C31-4E35-A101-3DA3908C072F}" destId="{F5DA5587-5EB1-405E-8951-92F671AE6BE5}" srcOrd="1" destOrd="0" presId="urn:microsoft.com/office/officeart/2005/8/layout/orgChart1"/>
     <dgm:cxn modelId="{EF32A5D6-A7ED-472E-846C-E4C37BA3F657}" type="presOf" srcId="{785ADFEC-7668-46D6-9578-5377B24474CF}" destId="{B15B783C-17E1-46DC-B52E-C2A7EDCDDBF6}" srcOrd="0" destOrd="0" presId="urn:microsoft.com/office/officeart/2005/8/layout/orgChart1"/>
     <dgm:cxn modelId="{B8B8DAD8-4B10-40F0-8ED3-14035B5F0F4D}" srcId="{441C9BFF-8AD7-4827-90F5-60BEDCAF3705}" destId="{A48100E6-84E1-4E3F-8C93-442D7A1A23CC}" srcOrd="6" destOrd="0" parTransId="{476A2B4E-0CFD-4F03-9824-25789D527EDB}" sibTransId="{60462F65-71B6-4ECE-9B21-6A15610060E9}"/>
+    <dgm:cxn modelId="{D823A7DB-3914-4E93-A007-C4D851BBA925}" type="presOf" srcId="{1924ECD5-AA0E-4B54-9424-D53165043932}" destId="{816DF2EF-6A2D-47D7-82D8-0F775682513B}" srcOrd="0" destOrd="0" presId="urn:microsoft.com/office/officeart/2005/8/layout/orgChart1"/>
     <dgm:cxn modelId="{59A442DD-F78A-464B-97AF-79AF5CC25412}" type="presOf" srcId="{7EB6568E-DE68-41D0-B072-2D0DA56F4F15}" destId="{86837EF4-E4BC-47DA-8734-FDF19B2630D1}" srcOrd="0" destOrd="0" presId="urn:microsoft.com/office/officeart/2005/8/layout/orgChart1"/>
     <dgm:cxn modelId="{374F36DF-6662-4F92-91D9-3C41AFDDBB98}" srcId="{4DE3A42A-E3CE-4E99-83D9-D1A6756B3CB9}" destId="{795061A3-2B93-41B7-8CB3-D2EA827D06F1}" srcOrd="1" destOrd="0" parTransId="{AF051581-B2C4-4A22-B3E9-D040DD094A2F}" sibTransId="{A5E25A6B-6ACF-4370-BC1D-916D50C4DBFB}"/>
     <dgm:cxn modelId="{F57507E4-B4D5-4058-B138-C035C84A9DA0}" type="presOf" srcId="{A48100E6-84E1-4E3F-8C93-442D7A1A23CC}" destId="{0328B132-74A6-4425-821D-84668D625AD9}" srcOrd="1" destOrd="0" presId="urn:microsoft.com/office/officeart/2005/8/layout/orgChart1"/>
-    <dgm:cxn modelId="{A7E5B9E7-435F-412E-994E-042677F66A38}" srcId="{675D7F23-7B7E-43D4-96A7-0786DE6601DE}" destId="{3C6EA423-D64F-4DC7-B184-24C9BC3512E8}" srcOrd="0" destOrd="0" parTransId="{BF950D71-5670-40D6-AC0F-099BAE4EAFCE}" sibTransId="{172DF7D6-467F-45FD-9576-96B3C7081EEA}"/>
+    <dgm:cxn modelId="{A7E5B9E7-435F-412E-994E-042677F66A38}" srcId="{1924ECD5-AA0E-4B54-9424-D53165043932}" destId="{3C6EA423-D64F-4DC7-B184-24C9BC3512E8}" srcOrd="0" destOrd="0" parTransId="{BF950D71-5670-40D6-AC0F-099BAE4EAFCE}" sibTransId="{172DF7D6-467F-45FD-9576-96B3C7081EEA}"/>
     <dgm:cxn modelId="{0A8866E8-2AA7-443E-A2BD-C420D709BD0E}" type="presOf" srcId="{028C5DFA-CD08-425A-9808-BE49C21D580B}" destId="{3C293340-5887-41DE-859C-77675150C6EB}" srcOrd="0" destOrd="0" presId="urn:microsoft.com/office/officeart/2005/8/layout/orgChart1"/>
     <dgm:cxn modelId="{6BB4C4E8-ED81-4799-95D5-B6033938A327}" type="presOf" srcId="{44363CFA-628E-4026-88F3-8868490E44F8}" destId="{2D05126F-7CA9-467A-B341-F8E1AF5FCF66}" srcOrd="0" destOrd="0" presId="urn:microsoft.com/office/officeart/2005/8/layout/orgChart1"/>
-    <dgm:cxn modelId="{556586EA-E3D4-4E18-8E2C-2A861C00A6F5}" type="presOf" srcId="{1F5D5C09-01CC-47B6-804F-480F88682A9A}" destId="{A6E4CDAD-8DFF-4C4B-BE11-899481496087}" srcOrd="0" destOrd="0" presId="urn:microsoft.com/office/officeart/2005/8/layout/orgChart1"/>
     <dgm:cxn modelId="{B5EC76EE-B0C8-4D57-AD52-D04FB5616EC9}" type="presOf" srcId="{EB65517D-69B4-43D8-B5D7-51657BA54F8A}" destId="{15D3E976-5568-44A0-A255-991A6803201C}" srcOrd="1" destOrd="0" presId="urn:microsoft.com/office/officeart/2005/8/layout/orgChart1"/>
-    <dgm:cxn modelId="{1D5D46EF-0FED-4EF5-B231-49F8B8AD4D81}" type="presOf" srcId="{BF950D71-5670-40D6-AC0F-099BAE4EAFCE}" destId="{104BA3A7-D652-47E4-9B20-83BB4665DF76}" srcOrd="0" destOrd="0" presId="urn:microsoft.com/office/officeart/2005/8/layout/orgChart1"/>
+    <dgm:cxn modelId="{2987C2EF-D373-40CB-A3CB-1FE39C3C0855}" type="presOf" srcId="{10948DB9-C87A-4CB4-AA25-2159E53038FA}" destId="{BEB1E389-DC78-4834-98AF-B72FEAAD2902}" srcOrd="1" destOrd="0" presId="urn:microsoft.com/office/officeart/2005/8/layout/orgChart1"/>
     <dgm:cxn modelId="{C8ABDCEF-2C6B-447C-B5D4-7BA5799C33EA}" type="presOf" srcId="{476A2B4E-0CFD-4F03-9824-25789D527EDB}" destId="{C01F831D-EFD6-481A-9BCE-21CF8207E0E1}" srcOrd="0" destOrd="0" presId="urn:microsoft.com/office/officeart/2005/8/layout/orgChart1"/>
     <dgm:cxn modelId="{48E3AAF0-C012-4C83-8F56-E8F5F0725BE0}" type="presOf" srcId="{98DE5844-EBFB-4ECB-843E-1E3C116CD0A7}" destId="{1FCFCB3A-B4C7-413C-B6B5-18473C4E0215}" srcOrd="0" destOrd="0" presId="urn:microsoft.com/office/officeart/2005/8/layout/orgChart1"/>
-    <dgm:cxn modelId="{6947A8F6-DA81-4168-8B99-88F0A35747EE}" type="presOf" srcId="{F1DABE6E-F8F2-4453-9AF1-0A543F993768}" destId="{29A7D2B3-E83F-48D3-BA82-6C1B33C7D117}" srcOrd="1" destOrd="0" presId="urn:microsoft.com/office/officeart/2005/8/layout/orgChart1"/>
     <dgm:cxn modelId="{6B2E06FA-3A8B-4C42-ACC4-8ABAF21B397A}" type="presOf" srcId="{785ADFEC-7668-46D6-9578-5377B24474CF}" destId="{43888EB2-C238-4AB3-84EF-EB4C21FE5D9D}" srcOrd="1" destOrd="0" presId="urn:microsoft.com/office/officeart/2005/8/layout/orgChart1"/>
-    <dgm:cxn modelId="{52CAB5FA-29E8-43B7-8860-F13BBCDD9A9C}" type="presOf" srcId="{3C6EA423-D64F-4DC7-B184-24C9BC3512E8}" destId="{6326AB10-BB5C-4854-9D21-95B3803C563E}" srcOrd="1" destOrd="0" presId="urn:microsoft.com/office/officeart/2005/8/layout/orgChart1"/>
+    <dgm:cxn modelId="{719804FB-D49B-4C65-BC61-5CD0F7789CA5}" srcId="{1924ECD5-AA0E-4B54-9424-D53165043932}" destId="{10948DB9-C87A-4CB4-AA25-2159E53038FA}" srcOrd="6" destOrd="0" parTransId="{341C93D3-8A95-4DFB-AA9D-C38CA282C9E7}" sibTransId="{87270465-EDA7-4083-84B6-95D5BD538DDB}"/>
     <dgm:cxn modelId="{33BD49FD-5101-4279-946F-FECEDDECC56A}" type="presOf" srcId="{E8EB6F71-72ED-410E-A6D6-688CC4C8622F}" destId="{32554A9C-FE4D-43F7-AEE1-C54D9D75C200}" srcOrd="0" destOrd="0" presId="urn:microsoft.com/office/officeart/2005/8/layout/orgChart1"/>
-    <dgm:cxn modelId="{B5750CFE-33B8-43E4-BEA2-4E270C379CEC}" type="presOf" srcId="{6337DACB-DDE6-4541-A455-9928166939F4}" destId="{00E3EA50-93C1-48D4-B92E-3D89AE40D7B1}" srcOrd="1" destOrd="0" presId="urn:microsoft.com/office/officeart/2005/8/layout/orgChart1"/>
     <dgm:cxn modelId="{2EEEE9FE-4819-47C9-90CB-DBE883B070CB}" type="presOf" srcId="{347BA63F-6330-4E17-9091-C819304D8374}" destId="{022713AF-96D9-4A2B-A358-49115AFE68DF}" srcOrd="0" destOrd="0" presId="urn:microsoft.com/office/officeart/2005/8/layout/orgChart1"/>
     <dgm:cxn modelId="{AA918EF0-A6B8-4B83-B7B8-22E11F564EC6}" type="presParOf" srcId="{5F3FAA4C-44A3-470C-81C5-23BB7113FF75}" destId="{8B848A77-7266-476A-B593-64C912A0F29B}" srcOrd="0" destOrd="0" presId="urn:microsoft.com/office/officeart/2005/8/layout/orgChart1"/>
     <dgm:cxn modelId="{08D144FC-95C4-4A59-AE18-E638B22E64B0}" type="presParOf" srcId="{8B848A77-7266-476A-B593-64C912A0F29B}" destId="{835A1611-F014-46CD-8370-6185C5A1C000}" srcOrd="0" destOrd="0" presId="urn:microsoft.com/office/officeart/2005/8/layout/orgChart1"/>
@@ -5557,63 +5508,63 @@
     <dgm:cxn modelId="{53FD0442-F118-460F-96D9-B19FF2646F31}" type="presParOf" srcId="{82990AE5-EA67-44AF-B5C7-812F8D1B493B}" destId="{2D05126F-7CA9-467A-B341-F8E1AF5FCF66}" srcOrd="0" destOrd="0" presId="urn:microsoft.com/office/officeart/2005/8/layout/orgChart1"/>
     <dgm:cxn modelId="{22B6FF1F-5A87-48FA-BF0E-721F5C159B60}" type="presParOf" srcId="{82990AE5-EA67-44AF-B5C7-812F8D1B493B}" destId="{9C340236-4FFD-45ED-9EE1-A04737FABAE4}" srcOrd="1" destOrd="0" presId="urn:microsoft.com/office/officeart/2005/8/layout/orgChart1"/>
     <dgm:cxn modelId="{19C0CCED-B244-4718-BDE1-8BEEF1A02086}" type="presParOf" srcId="{80FD1344-699F-4451-B64E-18964A3F14D0}" destId="{DE4A9740-7D9B-4A7D-9A6A-26B43F1C9054}" srcOrd="1" destOrd="0" presId="urn:microsoft.com/office/officeart/2005/8/layout/orgChart1"/>
-    <dgm:cxn modelId="{686026A7-B282-451C-8B05-9032B423ADAF}" type="presParOf" srcId="{DE4A9740-7D9B-4A7D-9A6A-26B43F1C9054}" destId="{716854A0-890C-4CC0-A8E5-CD94D7FC8137}" srcOrd="0" destOrd="0" presId="urn:microsoft.com/office/officeart/2005/8/layout/orgChart1"/>
-    <dgm:cxn modelId="{24F10A39-C3B8-4187-8259-B6345086686B}" type="presParOf" srcId="{DE4A9740-7D9B-4A7D-9A6A-26B43F1C9054}" destId="{EF4DCCB7-431D-4CAF-87CB-F98ABBB5014D}" srcOrd="1" destOrd="0" presId="urn:microsoft.com/office/officeart/2005/8/layout/orgChart1"/>
-    <dgm:cxn modelId="{F35BBB65-13F1-43D2-A5C4-000302BF9912}" type="presParOf" srcId="{EF4DCCB7-431D-4CAF-87CB-F98ABBB5014D}" destId="{49552C08-6504-4636-8C05-C691B0173E58}" srcOrd="0" destOrd="0" presId="urn:microsoft.com/office/officeart/2005/8/layout/orgChart1"/>
-    <dgm:cxn modelId="{5D5881CF-17B9-4E76-826C-5294368F21D1}" type="presParOf" srcId="{49552C08-6504-4636-8C05-C691B0173E58}" destId="{63C2CBE3-9669-496C-A884-3CB3E83BD677}" srcOrd="0" destOrd="0" presId="urn:microsoft.com/office/officeart/2005/8/layout/orgChart1"/>
-    <dgm:cxn modelId="{199FA8E0-3B79-4AE8-90EC-1F2E439996FE}" type="presParOf" srcId="{49552C08-6504-4636-8C05-C691B0173E58}" destId="{00E3EA50-93C1-48D4-B92E-3D89AE40D7B1}" srcOrd="1" destOrd="0" presId="urn:microsoft.com/office/officeart/2005/8/layout/orgChart1"/>
-    <dgm:cxn modelId="{01CC3F96-C5FA-4646-BF8F-B5709655FC18}" type="presParOf" srcId="{EF4DCCB7-431D-4CAF-87CB-F98ABBB5014D}" destId="{4285AD7D-C313-423B-A368-5CCE5A0406F3}" srcOrd="1" destOrd="0" presId="urn:microsoft.com/office/officeart/2005/8/layout/orgChart1"/>
-    <dgm:cxn modelId="{43F0A41B-2099-427A-A916-72C4BD0462BF}" type="presParOf" srcId="{EF4DCCB7-431D-4CAF-87CB-F98ABBB5014D}" destId="{6C6D6756-80A8-44EF-A128-8E751B7DB810}" srcOrd="2" destOrd="0" presId="urn:microsoft.com/office/officeart/2005/8/layout/orgChart1"/>
-    <dgm:cxn modelId="{6EB8E6C8-5F8F-441B-9406-883A33117EE3}" type="presParOf" srcId="{DE4A9740-7D9B-4A7D-9A6A-26B43F1C9054}" destId="{A1E73A3F-D4BB-4C61-BD15-E7FB09B21B25}" srcOrd="2" destOrd="0" presId="urn:microsoft.com/office/officeart/2005/8/layout/orgChart1"/>
-    <dgm:cxn modelId="{B450C40B-640E-43A2-9A1D-6403F9F056C1}" type="presParOf" srcId="{DE4A9740-7D9B-4A7D-9A6A-26B43F1C9054}" destId="{D71EDAAC-71C1-4BD6-B2C9-4D4B12BDDCDF}" srcOrd="3" destOrd="0" presId="urn:microsoft.com/office/officeart/2005/8/layout/orgChart1"/>
-    <dgm:cxn modelId="{4E845907-CA49-43BC-B2B3-FC15B2A1FE83}" type="presParOf" srcId="{D71EDAAC-71C1-4BD6-B2C9-4D4B12BDDCDF}" destId="{66F716A4-9149-4063-BA67-9EEC222D6076}" srcOrd="0" destOrd="0" presId="urn:microsoft.com/office/officeart/2005/8/layout/orgChart1"/>
-    <dgm:cxn modelId="{23008BE8-2514-40A9-AB94-695D9000DCFB}" type="presParOf" srcId="{66F716A4-9149-4063-BA67-9EEC222D6076}" destId="{09477BDD-AB56-4E58-B538-97082ADD2D44}" srcOrd="0" destOrd="0" presId="urn:microsoft.com/office/officeart/2005/8/layout/orgChart1"/>
-    <dgm:cxn modelId="{568E2C01-C639-4C2B-9B0D-DED5B21C989C}" type="presParOf" srcId="{66F716A4-9149-4063-BA67-9EEC222D6076}" destId="{690171E8-FA30-440B-81EC-C5BC6E1B9634}" srcOrd="1" destOrd="0" presId="urn:microsoft.com/office/officeart/2005/8/layout/orgChart1"/>
-    <dgm:cxn modelId="{979B69EB-F8E9-4246-8591-C3D42C86AC17}" type="presParOf" srcId="{D71EDAAC-71C1-4BD6-B2C9-4D4B12BDDCDF}" destId="{1FEB5D41-550B-469A-AA2E-621F17A70007}" srcOrd="1" destOrd="0" presId="urn:microsoft.com/office/officeart/2005/8/layout/orgChart1"/>
-    <dgm:cxn modelId="{E49D8A0D-46EF-4E32-8407-D949B176E81D}" type="presParOf" srcId="{D71EDAAC-71C1-4BD6-B2C9-4D4B12BDDCDF}" destId="{96FBD9C2-B45D-42D5-AAC3-2BA053FEBF89}" srcOrd="2" destOrd="0" presId="urn:microsoft.com/office/officeart/2005/8/layout/orgChart1"/>
-    <dgm:cxn modelId="{D2530391-7366-44C7-BA5B-C0509FB97BC3}" type="presParOf" srcId="{DE4A9740-7D9B-4A7D-9A6A-26B43F1C9054}" destId="{0C7721DD-C5AC-42F1-A273-F93D484C466E}" srcOrd="4" destOrd="0" presId="urn:microsoft.com/office/officeart/2005/8/layout/orgChart1"/>
-    <dgm:cxn modelId="{9B80F2D8-7F25-41E5-9B23-579CDAA8C3FF}" type="presParOf" srcId="{DE4A9740-7D9B-4A7D-9A6A-26B43F1C9054}" destId="{87C4F283-2195-4779-98F1-7A4958DE6921}" srcOrd="5" destOrd="0" presId="urn:microsoft.com/office/officeart/2005/8/layout/orgChart1"/>
-    <dgm:cxn modelId="{E23B9284-2EBF-42FA-9E31-68E2AC21BCE4}" type="presParOf" srcId="{87C4F283-2195-4779-98F1-7A4958DE6921}" destId="{3A9E4A67-1973-4473-86D6-1E508CF9830B}" srcOrd="0" destOrd="0" presId="urn:microsoft.com/office/officeart/2005/8/layout/orgChart1"/>
-    <dgm:cxn modelId="{7DC4161E-C201-418A-A033-BC23AE90FFA3}" type="presParOf" srcId="{3A9E4A67-1973-4473-86D6-1E508CF9830B}" destId="{5C992A1D-381D-4552-A0F4-72668AABF151}" srcOrd="0" destOrd="0" presId="urn:microsoft.com/office/officeart/2005/8/layout/orgChart1"/>
-    <dgm:cxn modelId="{20709FFD-D027-4367-9D65-38FC64D962E6}" type="presParOf" srcId="{3A9E4A67-1973-4473-86D6-1E508CF9830B}" destId="{0E85105F-EC2C-4B07-B2EF-47012C806F8C}" srcOrd="1" destOrd="0" presId="urn:microsoft.com/office/officeart/2005/8/layout/orgChart1"/>
-    <dgm:cxn modelId="{6D9D775A-43DA-4C4C-BB82-B72B882F6E26}" type="presParOf" srcId="{87C4F283-2195-4779-98F1-7A4958DE6921}" destId="{CBE697BC-644A-4267-8E0A-FC8ACCA4E162}" srcOrd="1" destOrd="0" presId="urn:microsoft.com/office/officeart/2005/8/layout/orgChart1"/>
-    <dgm:cxn modelId="{9056D042-B376-4244-A36D-9B56B7AFF806}" type="presParOf" srcId="{87C4F283-2195-4779-98F1-7A4958DE6921}" destId="{0824AA0B-33EE-4EBB-A246-B15EF85FA42C}" srcOrd="2" destOrd="0" presId="urn:microsoft.com/office/officeart/2005/8/layout/orgChart1"/>
-    <dgm:cxn modelId="{B300BFCB-7E56-4CE2-8CD1-50FBD5DFF922}" type="presParOf" srcId="{DE4A9740-7D9B-4A7D-9A6A-26B43F1C9054}" destId="{558F1EF2-AC1B-4379-94FE-33794455BDE1}" srcOrd="6" destOrd="0" presId="urn:microsoft.com/office/officeart/2005/8/layout/orgChart1"/>
-    <dgm:cxn modelId="{5EB066FC-BE82-4520-B919-A0B192E0348B}" type="presParOf" srcId="{DE4A9740-7D9B-4A7D-9A6A-26B43F1C9054}" destId="{CF7E1A98-6FA8-4CC7-9BFE-E5417BD29D5E}" srcOrd="7" destOrd="0" presId="urn:microsoft.com/office/officeart/2005/8/layout/orgChart1"/>
-    <dgm:cxn modelId="{3244090F-1B90-4F28-A533-A1645052126F}" type="presParOf" srcId="{CF7E1A98-6FA8-4CC7-9BFE-E5417BD29D5E}" destId="{278E9E4E-0EE1-4A76-9B46-15FFB108E414}" srcOrd="0" destOrd="0" presId="urn:microsoft.com/office/officeart/2005/8/layout/orgChart1"/>
-    <dgm:cxn modelId="{7B7711FE-C20F-4DED-95E7-97F5A55A7FF6}" type="presParOf" srcId="{278E9E4E-0EE1-4A76-9B46-15FFB108E414}" destId="{0273CF75-F135-4AD3-9F55-82AEBAD45FC4}" srcOrd="0" destOrd="0" presId="urn:microsoft.com/office/officeart/2005/8/layout/orgChart1"/>
-    <dgm:cxn modelId="{7E7C8563-E7BA-43A8-BF0C-95966FCBA959}" type="presParOf" srcId="{278E9E4E-0EE1-4A76-9B46-15FFB108E414}" destId="{52881B08-9F82-4EDF-8F29-304B27A2471D}" srcOrd="1" destOrd="0" presId="urn:microsoft.com/office/officeart/2005/8/layout/orgChart1"/>
-    <dgm:cxn modelId="{7815110B-E2A1-4B0F-B947-A8780E43D848}" type="presParOf" srcId="{CF7E1A98-6FA8-4CC7-9BFE-E5417BD29D5E}" destId="{F8B5F713-B80E-4A82-9FD3-6D416698405F}" srcOrd="1" destOrd="0" presId="urn:microsoft.com/office/officeart/2005/8/layout/orgChart1"/>
-    <dgm:cxn modelId="{9DABB907-13A0-4C57-B595-602D974E4A13}" type="presParOf" srcId="{CF7E1A98-6FA8-4CC7-9BFE-E5417BD29D5E}" destId="{69711554-FB82-47AD-B8F5-224F88618B70}" srcOrd="2" destOrd="0" presId="urn:microsoft.com/office/officeart/2005/8/layout/orgChart1"/>
     <dgm:cxn modelId="{48FAAEDA-3439-480E-AF63-59AAA8EED615}" type="presParOf" srcId="{80FD1344-699F-4451-B64E-18964A3F14D0}" destId="{2B358511-A0D0-46D9-8267-856248CA4EE9}" srcOrd="2" destOrd="0" presId="urn:microsoft.com/office/officeart/2005/8/layout/orgChart1"/>
-    <dgm:cxn modelId="{25002A69-F86E-42F4-AC11-1F4617769134}" type="presParOf" srcId="{E4F35EED-3168-4BAF-B012-BC20D796120D}" destId="{A6E4CDAD-8DFF-4C4B-BE11-899481496087}" srcOrd="6" destOrd="0" presId="urn:microsoft.com/office/officeart/2005/8/layout/orgChart1"/>
-    <dgm:cxn modelId="{27618430-CA72-4AC7-975E-341133873CBF}" type="presParOf" srcId="{E4F35EED-3168-4BAF-B012-BC20D796120D}" destId="{93E81C40-DD2A-4448-97A9-A786B317CF02}" srcOrd="7" destOrd="0" presId="urn:microsoft.com/office/officeart/2005/8/layout/orgChart1"/>
-    <dgm:cxn modelId="{CE8FBA99-78BE-47CD-A6B9-084EC242248E}" type="presParOf" srcId="{93E81C40-DD2A-4448-97A9-A786B317CF02}" destId="{4463D071-9E34-4B1E-B731-596A55D97755}" srcOrd="0" destOrd="0" presId="urn:microsoft.com/office/officeart/2005/8/layout/orgChart1"/>
-    <dgm:cxn modelId="{19CDB01A-61E6-4C05-B0F6-48EACF98CA7A}" type="presParOf" srcId="{4463D071-9E34-4B1E-B731-596A55D97755}" destId="{48B4CED0-3B89-45CE-991D-A8F3963860D6}" srcOrd="0" destOrd="0" presId="urn:microsoft.com/office/officeart/2005/8/layout/orgChart1"/>
-    <dgm:cxn modelId="{BD498370-DE95-4594-B959-0F61BCDDEF25}" type="presParOf" srcId="{4463D071-9E34-4B1E-B731-596A55D97755}" destId="{194934A6-2B03-4C5B-9593-F212664A9EA9}" srcOrd="1" destOrd="0" presId="urn:microsoft.com/office/officeart/2005/8/layout/orgChart1"/>
-    <dgm:cxn modelId="{7728031C-6833-4411-82BB-7D27D745EB77}" type="presParOf" srcId="{93E81C40-DD2A-4448-97A9-A786B317CF02}" destId="{C5F35881-85B2-4697-9E03-48457319748C}" srcOrd="1" destOrd="0" presId="urn:microsoft.com/office/officeart/2005/8/layout/orgChart1"/>
-    <dgm:cxn modelId="{992AC49A-690A-4FF8-93CC-1F53283F69FF}" type="presParOf" srcId="{C5F35881-85B2-4697-9E03-48457319748C}" destId="{104BA3A7-D652-47E4-9B20-83BB4665DF76}" srcOrd="0" destOrd="0" presId="urn:microsoft.com/office/officeart/2005/8/layout/orgChart1"/>
-    <dgm:cxn modelId="{0ADDB46B-4700-4313-A02D-DD02A20872AA}" type="presParOf" srcId="{C5F35881-85B2-4697-9E03-48457319748C}" destId="{531B9504-8DE6-4712-98FE-50F6F2431DE0}" srcOrd="1" destOrd="0" presId="urn:microsoft.com/office/officeart/2005/8/layout/orgChart1"/>
-    <dgm:cxn modelId="{05A2FE7B-BE29-41CF-A00D-440CC601A547}" type="presParOf" srcId="{531B9504-8DE6-4712-98FE-50F6F2431DE0}" destId="{C93F0ED4-004D-4D2E-83FB-F0768C3F56B7}" srcOrd="0" destOrd="0" presId="urn:microsoft.com/office/officeart/2005/8/layout/orgChart1"/>
-    <dgm:cxn modelId="{875F7BDC-D106-4390-BA69-6C024B65FCCF}" type="presParOf" srcId="{C93F0ED4-004D-4D2E-83FB-F0768C3F56B7}" destId="{7F097E5B-6209-4AF0-8ED0-402082DA0749}" srcOrd="0" destOrd="0" presId="urn:microsoft.com/office/officeart/2005/8/layout/orgChart1"/>
-    <dgm:cxn modelId="{505FAA17-6623-4C8D-A169-D8A78E4BA816}" type="presParOf" srcId="{C93F0ED4-004D-4D2E-83FB-F0768C3F56B7}" destId="{6326AB10-BB5C-4854-9D21-95B3803C563E}" srcOrd="1" destOrd="0" presId="urn:microsoft.com/office/officeart/2005/8/layout/orgChart1"/>
-    <dgm:cxn modelId="{C17CCA94-6697-4056-9B5F-BCC312D81B6D}" type="presParOf" srcId="{531B9504-8DE6-4712-98FE-50F6F2431DE0}" destId="{25A49672-0356-4BA3-BAB1-ADB32D08F479}" srcOrd="1" destOrd="0" presId="urn:microsoft.com/office/officeart/2005/8/layout/orgChart1"/>
-    <dgm:cxn modelId="{2FF53779-45F1-4B45-B0A5-230B520C221E}" type="presParOf" srcId="{531B9504-8DE6-4712-98FE-50F6F2431DE0}" destId="{D24A5CC3-C580-4FC4-857F-5B0019C4D29E}" srcOrd="2" destOrd="0" presId="urn:microsoft.com/office/officeart/2005/8/layout/orgChart1"/>
-    <dgm:cxn modelId="{01328D1A-827B-4812-84EC-D1948196C574}" type="presParOf" srcId="{C5F35881-85B2-4697-9E03-48457319748C}" destId="{246DDF7E-D086-468F-AD98-C5A107AC1D5D}" srcOrd="2" destOrd="0" presId="urn:microsoft.com/office/officeart/2005/8/layout/orgChart1"/>
-    <dgm:cxn modelId="{3E279D41-BBA9-40C6-A324-5337433110A7}" type="presParOf" srcId="{C5F35881-85B2-4697-9E03-48457319748C}" destId="{CCBEDB89-BBC0-4E76-85D0-33739605D6D2}" srcOrd="3" destOrd="0" presId="urn:microsoft.com/office/officeart/2005/8/layout/orgChart1"/>
-    <dgm:cxn modelId="{EB366DAE-7436-4AA6-B1CA-FEC2A2768151}" type="presParOf" srcId="{CCBEDB89-BBC0-4E76-85D0-33739605D6D2}" destId="{C1C5B976-7A57-4F76-8036-2A713BB83F3D}" srcOrd="0" destOrd="0" presId="urn:microsoft.com/office/officeart/2005/8/layout/orgChart1"/>
-    <dgm:cxn modelId="{4F16CF7D-8F27-4B40-B27E-4568E2F01F99}" type="presParOf" srcId="{C1C5B976-7A57-4F76-8036-2A713BB83F3D}" destId="{E50F9959-464F-43F9-8195-9C82C537826B}" srcOrd="0" destOrd="0" presId="urn:microsoft.com/office/officeart/2005/8/layout/orgChart1"/>
-    <dgm:cxn modelId="{30413F35-F6E7-4E1A-A6BD-6DA0EA22F1FE}" type="presParOf" srcId="{C1C5B976-7A57-4F76-8036-2A713BB83F3D}" destId="{29A7D2B3-E83F-48D3-BA82-6C1B33C7D117}" srcOrd="1" destOrd="0" presId="urn:microsoft.com/office/officeart/2005/8/layout/orgChart1"/>
-    <dgm:cxn modelId="{7AD4CD3B-107C-44A1-AA2A-04B42352E682}" type="presParOf" srcId="{CCBEDB89-BBC0-4E76-85D0-33739605D6D2}" destId="{3F8B49D1-1470-4AFD-996C-55991B6E6161}" srcOrd="1" destOrd="0" presId="urn:microsoft.com/office/officeart/2005/8/layout/orgChart1"/>
-    <dgm:cxn modelId="{AA30B804-7A77-410E-8C7A-3DAA00539FC9}" type="presParOf" srcId="{CCBEDB89-BBC0-4E76-85D0-33739605D6D2}" destId="{2CDB2AFC-54F1-4BDD-8E75-00BD257F080B}" srcOrd="2" destOrd="0" presId="urn:microsoft.com/office/officeart/2005/8/layout/orgChart1"/>
-    <dgm:cxn modelId="{09AEC48C-2B50-4E20-A0AD-BB4B48754FBF}" type="presParOf" srcId="{C5F35881-85B2-4697-9E03-48457319748C}" destId="{F07C89FB-7AC0-4D6A-BF40-C0070FED0EE3}" srcOrd="4" destOrd="0" presId="urn:microsoft.com/office/officeart/2005/8/layout/orgChart1"/>
-    <dgm:cxn modelId="{90E52C97-8C15-49AB-AEB6-D986D67EB99A}" type="presParOf" srcId="{C5F35881-85B2-4697-9E03-48457319748C}" destId="{B5323093-C52B-4762-88CA-EB05C45B59E6}" srcOrd="5" destOrd="0" presId="urn:microsoft.com/office/officeart/2005/8/layout/orgChart1"/>
-    <dgm:cxn modelId="{C5A854AF-159E-46C3-AF73-C0047C83C4BB}" type="presParOf" srcId="{B5323093-C52B-4762-88CA-EB05C45B59E6}" destId="{4A4C57F8-B270-4BAA-B39A-A821D3790045}" srcOrd="0" destOrd="0" presId="urn:microsoft.com/office/officeart/2005/8/layout/orgChart1"/>
-    <dgm:cxn modelId="{BC30E8DC-9475-4557-8651-0AF00CD17B50}" type="presParOf" srcId="{4A4C57F8-B270-4BAA-B39A-A821D3790045}" destId="{B99F24ED-3BC7-432A-B386-E1A66BAEF726}" srcOrd="0" destOrd="0" presId="urn:microsoft.com/office/officeart/2005/8/layout/orgChart1"/>
-    <dgm:cxn modelId="{9200E07C-F4AA-40FF-B7FD-1B58C4458B37}" type="presParOf" srcId="{4A4C57F8-B270-4BAA-B39A-A821D3790045}" destId="{19FABE79-F8A2-4566-9B89-1E2FB5DFB7A6}" srcOrd="1" destOrd="0" presId="urn:microsoft.com/office/officeart/2005/8/layout/orgChart1"/>
-    <dgm:cxn modelId="{C090DB5C-9017-4DBB-8092-14023453969E}" type="presParOf" srcId="{B5323093-C52B-4762-88CA-EB05C45B59E6}" destId="{96062C70-76CB-46F2-A12D-7691F85D67F8}" srcOrd="1" destOrd="0" presId="urn:microsoft.com/office/officeart/2005/8/layout/orgChart1"/>
-    <dgm:cxn modelId="{583B833E-AF5A-4AF7-ADF7-04E8AAFBADBD}" type="presParOf" srcId="{B5323093-C52B-4762-88CA-EB05C45B59E6}" destId="{F059FFA2-5FA4-4084-9D7E-8BEAC1958138}" srcOrd="2" destOrd="0" presId="urn:microsoft.com/office/officeart/2005/8/layout/orgChart1"/>
-    <dgm:cxn modelId="{D7DE5AD4-A4C6-48D8-84F4-990B016EC799}" type="presParOf" srcId="{93E81C40-DD2A-4448-97A9-A786B317CF02}" destId="{C14FFA53-3ACC-4116-9A39-DB788CCBB57A}" srcOrd="2" destOrd="0" presId="urn:microsoft.com/office/officeart/2005/8/layout/orgChart1"/>
+    <dgm:cxn modelId="{31FFA8EA-F7CF-48D2-9107-5B5EC9ABF3E3}" type="presParOf" srcId="{E4F35EED-3168-4BAF-B012-BC20D796120D}" destId="{F2FC5845-76F4-45FC-9102-1D5405CED484}" srcOrd="6" destOrd="0" presId="urn:microsoft.com/office/officeart/2005/8/layout/orgChart1"/>
+    <dgm:cxn modelId="{C959F902-64C2-4EEA-9450-7D68CF149FCB}" type="presParOf" srcId="{E4F35EED-3168-4BAF-B012-BC20D796120D}" destId="{B4B6317A-15CF-41A3-8884-996C77B54179}" srcOrd="7" destOrd="0" presId="urn:microsoft.com/office/officeart/2005/8/layout/orgChart1"/>
+    <dgm:cxn modelId="{8376CC14-B90B-41DE-A8F7-6679829B4A6A}" type="presParOf" srcId="{B4B6317A-15CF-41A3-8884-996C77B54179}" destId="{48053AFB-4B30-4D84-9AF9-0B2A1C5543CB}" srcOrd="0" destOrd="0" presId="urn:microsoft.com/office/officeart/2005/8/layout/orgChart1"/>
+    <dgm:cxn modelId="{9CE90417-D976-478E-B0BA-BCFA2751404D}" type="presParOf" srcId="{48053AFB-4B30-4D84-9AF9-0B2A1C5543CB}" destId="{816DF2EF-6A2D-47D7-82D8-0F775682513B}" srcOrd="0" destOrd="0" presId="urn:microsoft.com/office/officeart/2005/8/layout/orgChart1"/>
+    <dgm:cxn modelId="{20469511-D40D-4C0F-AE51-20C1773EBD9B}" type="presParOf" srcId="{48053AFB-4B30-4D84-9AF9-0B2A1C5543CB}" destId="{29EC5DCF-76B9-464F-84BA-87F256E14F2F}" srcOrd="1" destOrd="0" presId="urn:microsoft.com/office/officeart/2005/8/layout/orgChart1"/>
+    <dgm:cxn modelId="{AC8DB43E-D46D-4617-AACD-52BE35CA8FED}" type="presParOf" srcId="{B4B6317A-15CF-41A3-8884-996C77B54179}" destId="{46125244-8048-47DF-A71C-35A05F4D1C16}" srcOrd="1" destOrd="0" presId="urn:microsoft.com/office/officeart/2005/8/layout/orgChart1"/>
+    <dgm:cxn modelId="{CCD47CC8-4F98-4132-980C-2EC9E4BCB2BC}" type="presParOf" srcId="{46125244-8048-47DF-A71C-35A05F4D1C16}" destId="{104BA3A7-D652-47E4-9B20-83BB4665DF76}" srcOrd="0" destOrd="0" presId="urn:microsoft.com/office/officeart/2005/8/layout/orgChart1"/>
+    <dgm:cxn modelId="{352F007E-F735-44F2-9744-AECF0369E265}" type="presParOf" srcId="{46125244-8048-47DF-A71C-35A05F4D1C16}" destId="{531B9504-8DE6-4712-98FE-50F6F2431DE0}" srcOrd="1" destOrd="0" presId="urn:microsoft.com/office/officeart/2005/8/layout/orgChart1"/>
+    <dgm:cxn modelId="{3291FFEE-7A42-4E63-AD75-29F75BD6AA32}" type="presParOf" srcId="{531B9504-8DE6-4712-98FE-50F6F2431DE0}" destId="{C93F0ED4-004D-4D2E-83FB-F0768C3F56B7}" srcOrd="0" destOrd="0" presId="urn:microsoft.com/office/officeart/2005/8/layout/orgChart1"/>
+    <dgm:cxn modelId="{D18DDFB1-5315-4B5F-B430-DDA03C666E3E}" type="presParOf" srcId="{C93F0ED4-004D-4D2E-83FB-F0768C3F56B7}" destId="{7F097E5B-6209-4AF0-8ED0-402082DA0749}" srcOrd="0" destOrd="0" presId="urn:microsoft.com/office/officeart/2005/8/layout/orgChart1"/>
+    <dgm:cxn modelId="{FF55B2CD-133A-4049-A4F6-26EFC694F820}" type="presParOf" srcId="{C93F0ED4-004D-4D2E-83FB-F0768C3F56B7}" destId="{6326AB10-BB5C-4854-9D21-95B3803C563E}" srcOrd="1" destOrd="0" presId="urn:microsoft.com/office/officeart/2005/8/layout/orgChart1"/>
+    <dgm:cxn modelId="{B79957EF-80C4-48A9-AF68-49A26B1C10D9}" type="presParOf" srcId="{531B9504-8DE6-4712-98FE-50F6F2431DE0}" destId="{25A49672-0356-4BA3-BAB1-ADB32D08F479}" srcOrd="1" destOrd="0" presId="urn:microsoft.com/office/officeart/2005/8/layout/orgChart1"/>
+    <dgm:cxn modelId="{8A903D73-4E71-424A-B6AC-528419512B3B}" type="presParOf" srcId="{531B9504-8DE6-4712-98FE-50F6F2431DE0}" destId="{D24A5CC3-C580-4FC4-857F-5B0019C4D29E}" srcOrd="2" destOrd="0" presId="urn:microsoft.com/office/officeart/2005/8/layout/orgChart1"/>
+    <dgm:cxn modelId="{1BD48662-84D7-4743-A09F-8EECA8FD173C}" type="presParOf" srcId="{46125244-8048-47DF-A71C-35A05F4D1C16}" destId="{246DDF7E-D086-468F-AD98-C5A107AC1D5D}" srcOrd="2" destOrd="0" presId="urn:microsoft.com/office/officeart/2005/8/layout/orgChart1"/>
+    <dgm:cxn modelId="{F1E48258-316C-4821-A699-98AA3C04052E}" type="presParOf" srcId="{46125244-8048-47DF-A71C-35A05F4D1C16}" destId="{CCBEDB89-BBC0-4E76-85D0-33739605D6D2}" srcOrd="3" destOrd="0" presId="urn:microsoft.com/office/officeart/2005/8/layout/orgChart1"/>
+    <dgm:cxn modelId="{AB8B17F4-A7E7-4DAF-B881-998CB51D89CA}" type="presParOf" srcId="{CCBEDB89-BBC0-4E76-85D0-33739605D6D2}" destId="{C1C5B976-7A57-4F76-8036-2A713BB83F3D}" srcOrd="0" destOrd="0" presId="urn:microsoft.com/office/officeart/2005/8/layout/orgChart1"/>
+    <dgm:cxn modelId="{5D9DC3FD-4A1C-44AF-A45B-D43B133DD40D}" type="presParOf" srcId="{C1C5B976-7A57-4F76-8036-2A713BB83F3D}" destId="{E50F9959-464F-43F9-8195-9C82C537826B}" srcOrd="0" destOrd="0" presId="urn:microsoft.com/office/officeart/2005/8/layout/orgChart1"/>
+    <dgm:cxn modelId="{7681C744-8B8C-4175-A673-81CA1C3F8F32}" type="presParOf" srcId="{C1C5B976-7A57-4F76-8036-2A713BB83F3D}" destId="{29A7D2B3-E83F-48D3-BA82-6C1B33C7D117}" srcOrd="1" destOrd="0" presId="urn:microsoft.com/office/officeart/2005/8/layout/orgChart1"/>
+    <dgm:cxn modelId="{C8AF7CBB-0560-4B62-9910-43F668A615D7}" type="presParOf" srcId="{CCBEDB89-BBC0-4E76-85D0-33739605D6D2}" destId="{3F8B49D1-1470-4AFD-996C-55991B6E6161}" srcOrd="1" destOrd="0" presId="urn:microsoft.com/office/officeart/2005/8/layout/orgChart1"/>
+    <dgm:cxn modelId="{AF6ECF5C-A618-4F85-B6D2-8E1B85A88134}" type="presParOf" srcId="{CCBEDB89-BBC0-4E76-85D0-33739605D6D2}" destId="{2CDB2AFC-54F1-4BDD-8E75-00BD257F080B}" srcOrd="2" destOrd="0" presId="urn:microsoft.com/office/officeart/2005/8/layout/orgChart1"/>
+    <dgm:cxn modelId="{50FBDAAF-B286-4E77-88A9-C26B07CB3D09}" type="presParOf" srcId="{46125244-8048-47DF-A71C-35A05F4D1C16}" destId="{F07C89FB-7AC0-4D6A-BF40-C0070FED0EE3}" srcOrd="4" destOrd="0" presId="urn:microsoft.com/office/officeart/2005/8/layout/orgChart1"/>
+    <dgm:cxn modelId="{0B155870-4835-4E9C-988A-023E249A8ACC}" type="presParOf" srcId="{46125244-8048-47DF-A71C-35A05F4D1C16}" destId="{B5323093-C52B-4762-88CA-EB05C45B59E6}" srcOrd="5" destOrd="0" presId="urn:microsoft.com/office/officeart/2005/8/layout/orgChart1"/>
+    <dgm:cxn modelId="{6B0B7FD4-205A-42B9-ACA8-FAF3D8EFFCCA}" type="presParOf" srcId="{B5323093-C52B-4762-88CA-EB05C45B59E6}" destId="{4A4C57F8-B270-4BAA-B39A-A821D3790045}" srcOrd="0" destOrd="0" presId="urn:microsoft.com/office/officeart/2005/8/layout/orgChart1"/>
+    <dgm:cxn modelId="{9A1A8315-7985-4C90-AC4A-E5AC460FC7E3}" type="presParOf" srcId="{4A4C57F8-B270-4BAA-B39A-A821D3790045}" destId="{B99F24ED-3BC7-432A-B386-E1A66BAEF726}" srcOrd="0" destOrd="0" presId="urn:microsoft.com/office/officeart/2005/8/layout/orgChart1"/>
+    <dgm:cxn modelId="{DB64E54F-48D5-47D5-851D-DF00F22643AC}" type="presParOf" srcId="{4A4C57F8-B270-4BAA-B39A-A821D3790045}" destId="{19FABE79-F8A2-4566-9B89-1E2FB5DFB7A6}" srcOrd="1" destOrd="0" presId="urn:microsoft.com/office/officeart/2005/8/layout/orgChart1"/>
+    <dgm:cxn modelId="{A0CDC68D-96B0-47B1-B2BD-BE61E0DD35E1}" type="presParOf" srcId="{B5323093-C52B-4762-88CA-EB05C45B59E6}" destId="{96062C70-76CB-46F2-A12D-7691F85D67F8}" srcOrd="1" destOrd="0" presId="urn:microsoft.com/office/officeart/2005/8/layout/orgChart1"/>
+    <dgm:cxn modelId="{97AF5EB9-499C-4A34-849C-A85AE20A3552}" type="presParOf" srcId="{B5323093-C52B-4762-88CA-EB05C45B59E6}" destId="{F059FFA2-5FA4-4084-9D7E-8BEAC1958138}" srcOrd="2" destOrd="0" presId="urn:microsoft.com/office/officeart/2005/8/layout/orgChart1"/>
+    <dgm:cxn modelId="{E033D341-8979-4919-B7C5-72181B184841}" type="presParOf" srcId="{46125244-8048-47DF-A71C-35A05F4D1C16}" destId="{ED24999A-CB54-48D6-8528-2545D016E1D3}" srcOrd="6" destOrd="0" presId="urn:microsoft.com/office/officeart/2005/8/layout/orgChart1"/>
+    <dgm:cxn modelId="{4CCCD335-A0F7-4E0E-BBD9-A8F41F2A9D27}" type="presParOf" srcId="{46125244-8048-47DF-A71C-35A05F4D1C16}" destId="{C220EF82-2A32-455B-B92E-AB4AE94BE50C}" srcOrd="7" destOrd="0" presId="urn:microsoft.com/office/officeart/2005/8/layout/orgChart1"/>
+    <dgm:cxn modelId="{FDD00E12-40FC-479E-8EB1-40E889C6308B}" type="presParOf" srcId="{C220EF82-2A32-455B-B92E-AB4AE94BE50C}" destId="{0EC8960B-6391-4E5D-A0B6-740A9360E186}" srcOrd="0" destOrd="0" presId="urn:microsoft.com/office/officeart/2005/8/layout/orgChart1"/>
+    <dgm:cxn modelId="{23A6FA2A-3DDE-40BD-A25F-26C6EE4C1949}" type="presParOf" srcId="{0EC8960B-6391-4E5D-A0B6-740A9360E186}" destId="{1B492F86-1603-4E21-B660-DA6307964BAD}" srcOrd="0" destOrd="0" presId="urn:microsoft.com/office/officeart/2005/8/layout/orgChart1"/>
+    <dgm:cxn modelId="{7B50AE0A-711B-4947-B82A-85026BFD8EDF}" type="presParOf" srcId="{0EC8960B-6391-4E5D-A0B6-740A9360E186}" destId="{166FE553-CB8C-48D6-822E-56CDBDF78666}" srcOrd="1" destOrd="0" presId="urn:microsoft.com/office/officeart/2005/8/layout/orgChart1"/>
+    <dgm:cxn modelId="{7B5D3D62-4CD2-42BE-AB82-9E5114D3186B}" type="presParOf" srcId="{C220EF82-2A32-455B-B92E-AB4AE94BE50C}" destId="{EDD082AB-8072-49AE-821E-1F6D02B72C2A}" srcOrd="1" destOrd="0" presId="urn:microsoft.com/office/officeart/2005/8/layout/orgChart1"/>
+    <dgm:cxn modelId="{DA9B0107-6018-4D60-AA01-B45B140B43CB}" type="presParOf" srcId="{C220EF82-2A32-455B-B92E-AB4AE94BE50C}" destId="{5A3A306C-FE86-434D-ABE4-F03E1CF51A1C}" srcOrd="2" destOrd="0" presId="urn:microsoft.com/office/officeart/2005/8/layout/orgChart1"/>
+    <dgm:cxn modelId="{181FD578-3E2B-49D4-BBC9-4FCB57D74811}" type="presParOf" srcId="{46125244-8048-47DF-A71C-35A05F4D1C16}" destId="{E4F616C8-77CD-4807-B795-EDC2BC3DD8F2}" srcOrd="8" destOrd="0" presId="urn:microsoft.com/office/officeart/2005/8/layout/orgChart1"/>
+    <dgm:cxn modelId="{77FB099A-E770-4E21-8B11-6D1F22EF028C}" type="presParOf" srcId="{46125244-8048-47DF-A71C-35A05F4D1C16}" destId="{97BCDE9B-FA44-4866-B9CD-42F4D28FC57C}" srcOrd="9" destOrd="0" presId="urn:microsoft.com/office/officeart/2005/8/layout/orgChart1"/>
+    <dgm:cxn modelId="{B381061D-1E78-4AB5-B48A-ADC1EBCB62BB}" type="presParOf" srcId="{97BCDE9B-FA44-4866-B9CD-42F4D28FC57C}" destId="{5AAA2699-4234-4E1A-AB59-31D42E064ED3}" srcOrd="0" destOrd="0" presId="urn:microsoft.com/office/officeart/2005/8/layout/orgChart1"/>
+    <dgm:cxn modelId="{AE683BD1-02F2-4892-8E85-CF9F53E80573}" type="presParOf" srcId="{5AAA2699-4234-4E1A-AB59-31D42E064ED3}" destId="{26976F64-C724-4705-94F5-0E6CD971C2E4}" srcOrd="0" destOrd="0" presId="urn:microsoft.com/office/officeart/2005/8/layout/orgChart1"/>
+    <dgm:cxn modelId="{CCEE00B2-7F9B-4F91-81AA-6F60AF78B6AF}" type="presParOf" srcId="{5AAA2699-4234-4E1A-AB59-31D42E064ED3}" destId="{F5DA5587-5EB1-405E-8951-92F671AE6BE5}" srcOrd="1" destOrd="0" presId="urn:microsoft.com/office/officeart/2005/8/layout/orgChart1"/>
+    <dgm:cxn modelId="{BB65BA5C-A6D1-4663-8881-5AC3E727CEE9}" type="presParOf" srcId="{97BCDE9B-FA44-4866-B9CD-42F4D28FC57C}" destId="{0BACCB52-5846-4B4E-82B3-B705AA185DE8}" srcOrd="1" destOrd="0" presId="urn:microsoft.com/office/officeart/2005/8/layout/orgChart1"/>
+    <dgm:cxn modelId="{32FA1F31-2B12-4987-A64E-76290FA4FBDF}" type="presParOf" srcId="{97BCDE9B-FA44-4866-B9CD-42F4D28FC57C}" destId="{5743E1AE-DF2D-4F6C-8EEB-1DC2E380AE38}" srcOrd="2" destOrd="0" presId="urn:microsoft.com/office/officeart/2005/8/layout/orgChart1"/>
+    <dgm:cxn modelId="{82471E1F-914D-43A5-AA19-1396150749BD}" type="presParOf" srcId="{46125244-8048-47DF-A71C-35A05F4D1C16}" destId="{72D06BF6-42C5-434C-92ED-F618F0FF3B5A}" srcOrd="10" destOrd="0" presId="urn:microsoft.com/office/officeart/2005/8/layout/orgChart1"/>
+    <dgm:cxn modelId="{CE388025-81EB-4988-92EA-CABDA2A413F0}" type="presParOf" srcId="{46125244-8048-47DF-A71C-35A05F4D1C16}" destId="{7CE87129-122F-415D-9687-B4831C7BAD6B}" srcOrd="11" destOrd="0" presId="urn:microsoft.com/office/officeart/2005/8/layout/orgChart1"/>
+    <dgm:cxn modelId="{7DA6B9EF-BC5B-4862-A441-74D8AEB2D73B}" type="presParOf" srcId="{7CE87129-122F-415D-9687-B4831C7BAD6B}" destId="{BD4BF6D6-4736-4B31-83F6-E3391E63DFCE}" srcOrd="0" destOrd="0" presId="urn:microsoft.com/office/officeart/2005/8/layout/orgChart1"/>
+    <dgm:cxn modelId="{0B315558-D159-49BB-9CFF-A4D9FC5FF2ED}" type="presParOf" srcId="{BD4BF6D6-4736-4B31-83F6-E3391E63DFCE}" destId="{50EC3807-8481-4C01-82B7-F19C2342E1A0}" srcOrd="0" destOrd="0" presId="urn:microsoft.com/office/officeart/2005/8/layout/orgChart1"/>
+    <dgm:cxn modelId="{6ECA8060-FB92-4D90-A2B4-8E2120AE865D}" type="presParOf" srcId="{BD4BF6D6-4736-4B31-83F6-E3391E63DFCE}" destId="{274E767F-761A-4B30-B369-389DF89B937D}" srcOrd="1" destOrd="0" presId="urn:microsoft.com/office/officeart/2005/8/layout/orgChart1"/>
+    <dgm:cxn modelId="{1C9F54C8-E6A0-4340-A1CD-2BE8BA6FA760}" type="presParOf" srcId="{7CE87129-122F-415D-9687-B4831C7BAD6B}" destId="{4A3801EA-4E87-4854-89D0-F5EE8C40E870}" srcOrd="1" destOrd="0" presId="urn:microsoft.com/office/officeart/2005/8/layout/orgChart1"/>
+    <dgm:cxn modelId="{A80E5C71-CD1C-453F-AA88-D8EE4BE812DA}" type="presParOf" srcId="{7CE87129-122F-415D-9687-B4831C7BAD6B}" destId="{9415778B-6015-4B2E-979A-720F11704AC6}" srcOrd="2" destOrd="0" presId="urn:microsoft.com/office/officeart/2005/8/layout/orgChart1"/>
+    <dgm:cxn modelId="{7A23C49D-89FD-426F-B58B-D22F94F6885D}" type="presParOf" srcId="{46125244-8048-47DF-A71C-35A05F4D1C16}" destId="{A3F9BD0E-C624-4151-9767-64BBD33870D8}" srcOrd="12" destOrd="0" presId="urn:microsoft.com/office/officeart/2005/8/layout/orgChart1"/>
+    <dgm:cxn modelId="{FAF0AF0E-66D4-4C69-B049-C9A37366F5F9}" type="presParOf" srcId="{46125244-8048-47DF-A71C-35A05F4D1C16}" destId="{F2908DFE-90E6-4506-8F75-EC087EFF2791}" srcOrd="13" destOrd="0" presId="urn:microsoft.com/office/officeart/2005/8/layout/orgChart1"/>
+    <dgm:cxn modelId="{419288F8-8B95-49A0-8DBC-38D6C2B1745E}" type="presParOf" srcId="{F2908DFE-90E6-4506-8F75-EC087EFF2791}" destId="{9C7D3B4A-1CC0-444A-99C6-BA95C0B359E0}" srcOrd="0" destOrd="0" presId="urn:microsoft.com/office/officeart/2005/8/layout/orgChart1"/>
+    <dgm:cxn modelId="{104E6287-368D-4AA9-9017-EB8BFEFA4B11}" type="presParOf" srcId="{9C7D3B4A-1CC0-444A-99C6-BA95C0B359E0}" destId="{FE90803F-BB98-472A-87D1-B85B7689304F}" srcOrd="0" destOrd="0" presId="urn:microsoft.com/office/officeart/2005/8/layout/orgChart1"/>
+    <dgm:cxn modelId="{9B12BBCF-73FB-4376-9531-3734CEE8F8F9}" type="presParOf" srcId="{9C7D3B4A-1CC0-444A-99C6-BA95C0B359E0}" destId="{BEB1E389-DC78-4834-98AF-B72FEAAD2902}" srcOrd="1" destOrd="0" presId="urn:microsoft.com/office/officeart/2005/8/layout/orgChart1"/>
+    <dgm:cxn modelId="{BCF24C15-14C5-4711-97D7-647CDFCD00B6}" type="presParOf" srcId="{F2908DFE-90E6-4506-8F75-EC087EFF2791}" destId="{ACA86701-4A36-495A-A1A1-9DC9B364DF9A}" srcOrd="1" destOrd="0" presId="urn:microsoft.com/office/officeart/2005/8/layout/orgChart1"/>
+    <dgm:cxn modelId="{8A81223D-6FD3-423F-9C63-FD361CBC53C1}" type="presParOf" srcId="{F2908DFE-90E6-4506-8F75-EC087EFF2791}" destId="{9813FB9A-AF67-46EC-AB06-686B5CA034D3}" srcOrd="2" destOrd="0" presId="urn:microsoft.com/office/officeart/2005/8/layout/orgChart1"/>
+    <dgm:cxn modelId="{6355B794-60CD-4636-88D5-97FF61423E41}" type="presParOf" srcId="{B4B6317A-15CF-41A3-8884-996C77B54179}" destId="{3CD5346E-7C5B-4D7B-AE42-84A6C79D83A6}" srcOrd="2" destOrd="0" presId="urn:microsoft.com/office/officeart/2005/8/layout/orgChart1"/>
     <dgm:cxn modelId="{525D247C-27FF-48B7-8ECF-B252CE00C32F}" type="presParOf" srcId="{E4F35EED-3168-4BAF-B012-BC20D796120D}" destId="{EDE52273-429D-4F0E-B2E9-2F7FE11FCD67}" srcOrd="8" destOrd="0" presId="urn:microsoft.com/office/officeart/2005/8/layout/orgChart1"/>
     <dgm:cxn modelId="{0EDA6DAA-CFF0-40F0-8F9B-B6CD568A6E23}" type="presParOf" srcId="{E4F35EED-3168-4BAF-B012-BC20D796120D}" destId="{8A87B9B0-9590-4772-ADB4-79757898A6E1}" srcOrd="9" destOrd="0" presId="urn:microsoft.com/office/officeart/2005/8/layout/orgChart1"/>
     <dgm:cxn modelId="{1E2BD289-2707-48DA-8766-FEB4B629090F}" type="presParOf" srcId="{8A87B9B0-9590-4772-ADB4-79757898A6E1}" destId="{449FE744-1163-4809-AC95-EAE9790573F6}" srcOrd="0" destOrd="0" presId="urn:microsoft.com/office/officeart/2005/8/layout/orgChart1"/>
@@ -7799,8 +7750,8 @@
       </dsp:nvSpPr>
       <dsp:spPr>
         <a:xfrm>
-          <a:off x="5257800" y="1021772"/>
-          <a:ext cx="4639324" cy="259456"/>
+          <a:off x="5257800" y="470624"/>
+          <a:ext cx="3530707" cy="197456"/>
         </a:xfrm>
         <a:custGeom>
           <a:avLst/>
@@ -7814,13 +7765,13 @@
                 <a:pt x="0" y="0"/>
               </a:moveTo>
               <a:lnTo>
-                <a:pt x="0" y="129728"/>
+                <a:pt x="0" y="98728"/>
               </a:lnTo>
               <a:lnTo>
-                <a:pt x="4639324" y="129728"/>
+                <a:pt x="3530707" y="98728"/>
               </a:lnTo>
               <a:lnTo>
-                <a:pt x="4639324" y="259456"/>
+                <a:pt x="3530707" y="197456"/>
               </a:lnTo>
             </a:path>
           </a:pathLst>
@@ -7861,8 +7812,8 @@
       </dsp:nvSpPr>
       <dsp:spPr>
         <a:xfrm>
-          <a:off x="7907960" y="2776190"/>
-          <a:ext cx="185325" cy="1445541"/>
+          <a:off x="7274675" y="1805805"/>
+          <a:ext cx="141040" cy="1100113"/>
         </a:xfrm>
         <a:custGeom>
           <a:avLst/>
@@ -7876,10 +7827,10 @@
                 <a:pt x="0" y="0"/>
               </a:moveTo>
               <a:lnTo>
-                <a:pt x="0" y="1445541"/>
+                <a:pt x="0" y="1100113"/>
               </a:lnTo>
               <a:lnTo>
-                <a:pt x="185325" y="1445541"/>
+                <a:pt x="141040" y="1100113"/>
               </a:lnTo>
             </a:path>
           </a:pathLst>
@@ -7920,8 +7871,8 @@
       </dsp:nvSpPr>
       <dsp:spPr>
         <a:xfrm>
-          <a:off x="7907960" y="2776190"/>
-          <a:ext cx="185325" cy="568332"/>
+          <a:off x="7274675" y="1805805"/>
+          <a:ext cx="141040" cy="432523"/>
         </a:xfrm>
         <a:custGeom>
           <a:avLst/>
@@ -7935,10 +7886,10 @@
                 <a:pt x="0" y="0"/>
               </a:moveTo>
               <a:lnTo>
-                <a:pt x="0" y="568332"/>
+                <a:pt x="0" y="432523"/>
               </a:lnTo>
               <a:lnTo>
-                <a:pt x="185325" y="568332"/>
+                <a:pt x="141040" y="432523"/>
               </a:lnTo>
             </a:path>
           </a:pathLst>
@@ -7979,8 +7930,8 @@
       </dsp:nvSpPr>
       <dsp:spPr>
         <a:xfrm>
-          <a:off x="8356442" y="1898981"/>
-          <a:ext cx="91440" cy="259456"/>
+          <a:off x="7605062" y="1138214"/>
+          <a:ext cx="91440" cy="197456"/>
         </a:xfrm>
         <a:custGeom>
           <a:avLst/>
@@ -7994,7 +7945,7 @@
                 <a:pt x="45720" y="0"/>
               </a:moveTo>
               <a:lnTo>
-                <a:pt x="45720" y="259456"/>
+                <a:pt x="45720" y="197456"/>
               </a:lnTo>
             </a:path>
           </a:pathLst>
@@ -8035,8 +7986,8 @@
       </dsp:nvSpPr>
       <dsp:spPr>
         <a:xfrm>
-          <a:off x="5257800" y="1021772"/>
-          <a:ext cx="3144362" cy="259456"/>
+          <a:off x="5257800" y="470624"/>
+          <a:ext cx="2392982" cy="197456"/>
         </a:xfrm>
         <a:custGeom>
           <a:avLst/>
@@ -8050,13 +8001,13 @@
                 <a:pt x="0" y="0"/>
               </a:moveTo>
               <a:lnTo>
-                <a:pt x="0" y="129728"/>
+                <a:pt x="0" y="98728"/>
               </a:lnTo>
               <a:lnTo>
-                <a:pt x="3144362" y="129728"/>
+                <a:pt x="2392982" y="98728"/>
               </a:lnTo>
               <a:lnTo>
-                <a:pt x="3144362" y="259456"/>
+                <a:pt x="2392982" y="197456"/>
               </a:lnTo>
             </a:path>
           </a:pathLst>
@@ -8097,8 +8048,8 @@
       </dsp:nvSpPr>
       <dsp:spPr>
         <a:xfrm>
-          <a:off x="6104121" y="1898981"/>
-          <a:ext cx="185325" cy="568332"/>
+          <a:off x="5901883" y="1138214"/>
+          <a:ext cx="141040" cy="432523"/>
         </a:xfrm>
         <a:custGeom>
           <a:avLst/>
@@ -8112,10 +8063,10 @@
                 <a:pt x="0" y="0"/>
               </a:moveTo>
               <a:lnTo>
-                <a:pt x="0" y="568332"/>
+                <a:pt x="0" y="432523"/>
               </a:lnTo>
               <a:lnTo>
-                <a:pt x="185325" y="568332"/>
+                <a:pt x="141040" y="432523"/>
               </a:lnTo>
             </a:path>
           </a:pathLst>
@@ -8156,8 +8107,8 @@
       </dsp:nvSpPr>
       <dsp:spPr>
         <a:xfrm>
-          <a:off x="5257800" y="1021772"/>
-          <a:ext cx="1340523" cy="259456"/>
+          <a:off x="5257800" y="470624"/>
+          <a:ext cx="1020190" cy="197456"/>
         </a:xfrm>
         <a:custGeom>
           <a:avLst/>
@@ -8171,13 +8122,13 @@
                 <a:pt x="0" y="0"/>
               </a:moveTo>
               <a:lnTo>
-                <a:pt x="0" y="129728"/>
+                <a:pt x="0" y="98728"/>
               </a:lnTo>
               <a:lnTo>
-                <a:pt x="1340523" y="129728"/>
+                <a:pt x="1020190" y="98728"/>
               </a:lnTo>
               <a:lnTo>
-                <a:pt x="1340523" y="259456"/>
+                <a:pt x="1020190" y="197456"/>
               </a:lnTo>
             </a:path>
           </a:pathLst>
@@ -8211,15 +8162,15 @@
         <a:fontRef idx="minor"/>
       </dsp:style>
     </dsp:sp>
-    <dsp:sp modelId="{F07C89FB-7AC0-4D6A-BF40-C0070FED0EE3}">
+    <dsp:sp modelId="{A3F9BD0E-C624-4151-9767-64BBD33870D8}">
       <dsp:nvSpPr>
         <dsp:cNvPr id="0" name=""/>
         <dsp:cNvSpPr/>
       </dsp:nvSpPr>
       <dsp:spPr>
         <a:xfrm>
-          <a:off x="4609159" y="1898981"/>
-          <a:ext cx="185325" cy="2322751"/>
+          <a:off x="4764159" y="1138214"/>
+          <a:ext cx="141040" cy="4438065"/>
         </a:xfrm>
         <a:custGeom>
           <a:avLst/>
@@ -8233,10 +8184,10 @@
                 <a:pt x="0" y="0"/>
               </a:moveTo>
               <a:lnTo>
-                <a:pt x="0" y="2322751"/>
+                <a:pt x="0" y="4438065"/>
               </a:lnTo>
               <a:lnTo>
-                <a:pt x="185325" y="2322751"/>
+                <a:pt x="141040" y="4438065"/>
               </a:lnTo>
             </a:path>
           </a:pathLst>
@@ -8270,15 +8221,15 @@
         <a:fontRef idx="minor"/>
       </dsp:style>
     </dsp:sp>
-    <dsp:sp modelId="{246DDF7E-D086-468F-AD98-C5A107AC1D5D}">
+    <dsp:sp modelId="{72D06BF6-42C5-434C-92ED-F618F0FF3B5A}">
       <dsp:nvSpPr>
         <dsp:cNvPr id="0" name=""/>
         <dsp:cNvSpPr/>
       </dsp:nvSpPr>
       <dsp:spPr>
         <a:xfrm>
-          <a:off x="4609159" y="1898981"/>
-          <a:ext cx="185325" cy="1445541"/>
+          <a:off x="4764159" y="1138214"/>
+          <a:ext cx="141040" cy="3770475"/>
         </a:xfrm>
         <a:custGeom>
           <a:avLst/>
@@ -8292,10 +8243,10 @@
                 <a:pt x="0" y="0"/>
               </a:moveTo>
               <a:lnTo>
-                <a:pt x="0" y="1445541"/>
+                <a:pt x="0" y="3770475"/>
               </a:lnTo>
               <a:lnTo>
-                <a:pt x="185325" y="1445541"/>
+                <a:pt x="141040" y="3770475"/>
               </a:lnTo>
             </a:path>
           </a:pathLst>
@@ -8329,15 +8280,15 @@
         <a:fontRef idx="minor"/>
       </dsp:style>
     </dsp:sp>
-    <dsp:sp modelId="{104BA3A7-D652-47E4-9B20-83BB4665DF76}">
+    <dsp:sp modelId="{E4F616C8-77CD-4807-B795-EDC2BC3DD8F2}">
       <dsp:nvSpPr>
         <dsp:cNvPr id="0" name=""/>
         <dsp:cNvSpPr/>
       </dsp:nvSpPr>
       <dsp:spPr>
         <a:xfrm>
-          <a:off x="4609159" y="1898981"/>
-          <a:ext cx="185325" cy="568332"/>
+          <a:off x="4764159" y="1138214"/>
+          <a:ext cx="141040" cy="3102885"/>
         </a:xfrm>
         <a:custGeom>
           <a:avLst/>
@@ -8351,10 +8302,10 @@
                 <a:pt x="0" y="0"/>
               </a:moveTo>
               <a:lnTo>
-                <a:pt x="0" y="568332"/>
+                <a:pt x="0" y="3102885"/>
               </a:lnTo>
               <a:lnTo>
-                <a:pt x="185325" y="568332"/>
+                <a:pt x="141040" y="3102885"/>
               </a:lnTo>
             </a:path>
           </a:pathLst>
@@ -8388,15 +8339,15 @@
         <a:fontRef idx="minor"/>
       </dsp:style>
     </dsp:sp>
-    <dsp:sp modelId="{A6E4CDAD-8DFF-4C4B-BE11-899481496087}">
+    <dsp:sp modelId="{ED24999A-CB54-48D6-8528-2545D016E1D3}">
       <dsp:nvSpPr>
         <dsp:cNvPr id="0" name=""/>
         <dsp:cNvSpPr/>
       </dsp:nvSpPr>
       <dsp:spPr>
         <a:xfrm>
-          <a:off x="5103361" y="1021772"/>
-          <a:ext cx="154438" cy="259456"/>
+          <a:off x="4764159" y="1138214"/>
+          <a:ext cx="141040" cy="2435294"/>
         </a:xfrm>
         <a:custGeom>
           <a:avLst/>
@@ -8407,16 +8358,252 @@
           <a:pathLst>
             <a:path>
               <a:moveTo>
-                <a:pt x="154438" y="0"/>
+                <a:pt x="0" y="0"/>
               </a:moveTo>
               <a:lnTo>
-                <a:pt x="154438" y="129728"/>
+                <a:pt x="0" y="2435294"/>
               </a:lnTo>
               <a:lnTo>
-                <a:pt x="0" y="129728"/>
+                <a:pt x="141040" y="2435294"/>
+              </a:lnTo>
+            </a:path>
+          </a:pathLst>
+        </a:custGeom>
+        <a:noFill/>
+        <a:ln w="12700" cap="flat" cmpd="sng" algn="ctr">
+          <a:solidFill>
+            <a:schemeClr val="accent1">
+              <a:shade val="80000"/>
+              <a:hueOff val="0"/>
+              <a:satOff val="0"/>
+              <a:lumOff val="0"/>
+              <a:alphaOff val="0"/>
+            </a:schemeClr>
+          </a:solidFill>
+          <a:prstDash val="solid"/>
+          <a:miter lim="800000"/>
+        </a:ln>
+        <a:effectLst/>
+      </dsp:spPr>
+      <dsp:style>
+        <a:lnRef idx="2">
+          <a:scrgbClr r="0" g="0" b="0"/>
+        </a:lnRef>
+        <a:fillRef idx="0">
+          <a:scrgbClr r="0" g="0" b="0"/>
+        </a:fillRef>
+        <a:effectRef idx="0">
+          <a:scrgbClr r="0" g="0" b="0"/>
+        </a:effectRef>
+        <a:fontRef idx="minor"/>
+      </dsp:style>
+    </dsp:sp>
+    <dsp:sp modelId="{F07C89FB-7AC0-4D6A-BF40-C0070FED0EE3}">
+      <dsp:nvSpPr>
+        <dsp:cNvPr id="0" name=""/>
+        <dsp:cNvSpPr/>
+      </dsp:nvSpPr>
+      <dsp:spPr>
+        <a:xfrm>
+          <a:off x="4764159" y="1138214"/>
+          <a:ext cx="141040" cy="1767704"/>
+        </a:xfrm>
+        <a:custGeom>
+          <a:avLst/>
+          <a:gdLst/>
+          <a:ahLst/>
+          <a:cxnLst/>
+          <a:rect l="0" t="0" r="0" b="0"/>
+          <a:pathLst>
+            <a:path>
+              <a:moveTo>
+                <a:pt x="0" y="0"/>
+              </a:moveTo>
+              <a:lnTo>
+                <a:pt x="0" y="1767704"/>
               </a:lnTo>
               <a:lnTo>
-                <a:pt x="0" y="259456"/>
+                <a:pt x="141040" y="1767704"/>
+              </a:lnTo>
+            </a:path>
+          </a:pathLst>
+        </a:custGeom>
+        <a:noFill/>
+        <a:ln w="12700" cap="flat" cmpd="sng" algn="ctr">
+          <a:solidFill>
+            <a:schemeClr val="accent1">
+              <a:shade val="80000"/>
+              <a:hueOff val="0"/>
+              <a:satOff val="0"/>
+              <a:lumOff val="0"/>
+              <a:alphaOff val="0"/>
+            </a:schemeClr>
+          </a:solidFill>
+          <a:prstDash val="solid"/>
+          <a:miter lim="800000"/>
+        </a:ln>
+        <a:effectLst/>
+      </dsp:spPr>
+      <dsp:style>
+        <a:lnRef idx="2">
+          <a:scrgbClr r="0" g="0" b="0"/>
+        </a:lnRef>
+        <a:fillRef idx="0">
+          <a:scrgbClr r="0" g="0" b="0"/>
+        </a:fillRef>
+        <a:effectRef idx="0">
+          <a:scrgbClr r="0" g="0" b="0"/>
+        </a:effectRef>
+        <a:fontRef idx="minor"/>
+      </dsp:style>
+    </dsp:sp>
+    <dsp:sp modelId="{246DDF7E-D086-468F-AD98-C5A107AC1D5D}">
+      <dsp:nvSpPr>
+        <dsp:cNvPr id="0" name=""/>
+        <dsp:cNvSpPr/>
+      </dsp:nvSpPr>
+      <dsp:spPr>
+        <a:xfrm>
+          <a:off x="4764159" y="1138214"/>
+          <a:ext cx="141040" cy="1100113"/>
+        </a:xfrm>
+        <a:custGeom>
+          <a:avLst/>
+          <a:gdLst/>
+          <a:ahLst/>
+          <a:cxnLst/>
+          <a:rect l="0" t="0" r="0" b="0"/>
+          <a:pathLst>
+            <a:path>
+              <a:moveTo>
+                <a:pt x="0" y="0"/>
+              </a:moveTo>
+              <a:lnTo>
+                <a:pt x="0" y="1100113"/>
+              </a:lnTo>
+              <a:lnTo>
+                <a:pt x="141040" y="1100113"/>
+              </a:lnTo>
+            </a:path>
+          </a:pathLst>
+        </a:custGeom>
+        <a:noFill/>
+        <a:ln w="12700" cap="flat" cmpd="sng" algn="ctr">
+          <a:solidFill>
+            <a:schemeClr val="accent1">
+              <a:shade val="80000"/>
+              <a:hueOff val="0"/>
+              <a:satOff val="0"/>
+              <a:lumOff val="0"/>
+              <a:alphaOff val="0"/>
+            </a:schemeClr>
+          </a:solidFill>
+          <a:prstDash val="solid"/>
+          <a:miter lim="800000"/>
+        </a:ln>
+        <a:effectLst/>
+      </dsp:spPr>
+      <dsp:style>
+        <a:lnRef idx="2">
+          <a:scrgbClr r="0" g="0" b="0"/>
+        </a:lnRef>
+        <a:fillRef idx="0">
+          <a:scrgbClr r="0" g="0" b="0"/>
+        </a:fillRef>
+        <a:effectRef idx="0">
+          <a:scrgbClr r="0" g="0" b="0"/>
+        </a:effectRef>
+        <a:fontRef idx="minor"/>
+      </dsp:style>
+    </dsp:sp>
+    <dsp:sp modelId="{104BA3A7-D652-47E4-9B20-83BB4665DF76}">
+      <dsp:nvSpPr>
+        <dsp:cNvPr id="0" name=""/>
+        <dsp:cNvSpPr/>
+      </dsp:nvSpPr>
+      <dsp:spPr>
+        <a:xfrm>
+          <a:off x="4764159" y="1138214"/>
+          <a:ext cx="141040" cy="432523"/>
+        </a:xfrm>
+        <a:custGeom>
+          <a:avLst/>
+          <a:gdLst/>
+          <a:ahLst/>
+          <a:cxnLst/>
+          <a:rect l="0" t="0" r="0" b="0"/>
+          <a:pathLst>
+            <a:path>
+              <a:moveTo>
+                <a:pt x="0" y="0"/>
+              </a:moveTo>
+              <a:lnTo>
+                <a:pt x="0" y="432523"/>
+              </a:lnTo>
+              <a:lnTo>
+                <a:pt x="141040" y="432523"/>
+              </a:lnTo>
+            </a:path>
+          </a:pathLst>
+        </a:custGeom>
+        <a:noFill/>
+        <a:ln w="12700" cap="flat" cmpd="sng" algn="ctr">
+          <a:solidFill>
+            <a:schemeClr val="accent1">
+              <a:shade val="80000"/>
+              <a:hueOff val="0"/>
+              <a:satOff val="0"/>
+              <a:lumOff val="0"/>
+              <a:alphaOff val="0"/>
+            </a:schemeClr>
+          </a:solidFill>
+          <a:prstDash val="solid"/>
+          <a:miter lim="800000"/>
+        </a:ln>
+        <a:effectLst/>
+      </dsp:spPr>
+      <dsp:style>
+        <a:lnRef idx="2">
+          <a:scrgbClr r="0" g="0" b="0"/>
+        </a:lnRef>
+        <a:fillRef idx="0">
+          <a:scrgbClr r="0" g="0" b="0"/>
+        </a:fillRef>
+        <a:effectRef idx="0">
+          <a:scrgbClr r="0" g="0" b="0"/>
+        </a:effectRef>
+        <a:fontRef idx="minor"/>
+      </dsp:style>
+    </dsp:sp>
+    <dsp:sp modelId="{F2FC5845-76F4-45FC-9102-1D5405CED484}">
+      <dsp:nvSpPr>
+        <dsp:cNvPr id="0" name=""/>
+        <dsp:cNvSpPr/>
+      </dsp:nvSpPr>
+      <dsp:spPr>
+        <a:xfrm>
+          <a:off x="5140266" y="470624"/>
+          <a:ext cx="117533" cy="197456"/>
+        </a:xfrm>
+        <a:custGeom>
+          <a:avLst/>
+          <a:gdLst/>
+          <a:ahLst/>
+          <a:cxnLst/>
+          <a:rect l="0" t="0" r="0" b="0"/>
+          <a:pathLst>
+            <a:path>
+              <a:moveTo>
+                <a:pt x="117533" y="0"/>
+              </a:moveTo>
+              <a:lnTo>
+                <a:pt x="117533" y="98728"/>
+              </a:lnTo>
+              <a:lnTo>
+                <a:pt x="0" y="98728"/>
+              </a:lnTo>
+              <a:lnTo>
+                <a:pt x="0" y="197456"/>
               </a:lnTo>
             </a:path>
           </a:pathLst>
@@ -8450,15 +8637,77 @@
         <a:fontRef idx="minor"/>
       </dsp:style>
     </dsp:sp>
-    <dsp:sp modelId="{558F1EF2-AC1B-4379-94FE-33794455BDE1}">
+    <dsp:sp modelId="{F92D201F-4429-48F2-A613-5C474A994CD9}">
       <dsp:nvSpPr>
         <dsp:cNvPr id="0" name=""/>
         <dsp:cNvSpPr/>
       </dsp:nvSpPr>
       <dsp:spPr>
         <a:xfrm>
-          <a:off x="3114197" y="1898981"/>
-          <a:ext cx="185325" cy="3199960"/>
+          <a:off x="4002541" y="470624"/>
+          <a:ext cx="1255258" cy="197456"/>
+        </a:xfrm>
+        <a:custGeom>
+          <a:avLst/>
+          <a:gdLst/>
+          <a:ahLst/>
+          <a:cxnLst/>
+          <a:rect l="0" t="0" r="0" b="0"/>
+          <a:pathLst>
+            <a:path>
+              <a:moveTo>
+                <a:pt x="1255258" y="0"/>
+              </a:moveTo>
+              <a:lnTo>
+                <a:pt x="1255258" y="98728"/>
+              </a:lnTo>
+              <a:lnTo>
+                <a:pt x="0" y="98728"/>
+              </a:lnTo>
+              <a:lnTo>
+                <a:pt x="0" y="197456"/>
+              </a:lnTo>
+            </a:path>
+          </a:pathLst>
+        </a:custGeom>
+        <a:noFill/>
+        <a:ln w="12700" cap="flat" cmpd="sng" algn="ctr">
+          <a:solidFill>
+            <a:schemeClr val="accent1">
+              <a:shade val="60000"/>
+              <a:hueOff val="0"/>
+              <a:satOff val="0"/>
+              <a:lumOff val="0"/>
+              <a:alphaOff val="0"/>
+            </a:schemeClr>
+          </a:solidFill>
+          <a:prstDash val="solid"/>
+          <a:miter lim="800000"/>
+        </a:ln>
+        <a:effectLst/>
+      </dsp:spPr>
+      <dsp:style>
+        <a:lnRef idx="2">
+          <a:scrgbClr r="0" g="0" b="0"/>
+        </a:lnRef>
+        <a:fillRef idx="0">
+          <a:scrgbClr r="0" g="0" b="0"/>
+        </a:fillRef>
+        <a:effectRef idx="0">
+          <a:scrgbClr r="0" g="0" b="0"/>
+        </a:effectRef>
+        <a:fontRef idx="minor"/>
+      </dsp:style>
+    </dsp:sp>
+    <dsp:sp modelId="{FC1B4037-826A-4F44-80EE-641936EF98B7}">
+      <dsp:nvSpPr>
+        <dsp:cNvPr id="0" name=""/>
+        <dsp:cNvSpPr/>
+      </dsp:nvSpPr>
+      <dsp:spPr>
+        <a:xfrm>
+          <a:off x="2488710" y="1138214"/>
+          <a:ext cx="141040" cy="432523"/>
         </a:xfrm>
         <a:custGeom>
           <a:avLst/>
@@ -8472,10 +8721,10 @@
                 <a:pt x="0" y="0"/>
               </a:moveTo>
               <a:lnTo>
-                <a:pt x="0" y="3199960"/>
+                <a:pt x="0" y="432523"/>
               </a:lnTo>
               <a:lnTo>
-                <a:pt x="185325" y="3199960"/>
+                <a:pt x="141040" y="432523"/>
               </a:lnTo>
             </a:path>
           </a:pathLst>
@@ -8509,15 +8758,77 @@
         <a:fontRef idx="minor"/>
       </dsp:style>
     </dsp:sp>
-    <dsp:sp modelId="{0C7721DD-C5AC-42F1-A273-F93D484C466E}">
+    <dsp:sp modelId="{940D3546-6031-400F-B1CF-0A05124CD0AE}">
       <dsp:nvSpPr>
         <dsp:cNvPr id="0" name=""/>
         <dsp:cNvSpPr/>
       </dsp:nvSpPr>
       <dsp:spPr>
         <a:xfrm>
-          <a:off x="3114197" y="1898981"/>
-          <a:ext cx="185325" cy="2322751"/>
+          <a:off x="2864817" y="470624"/>
+          <a:ext cx="2392982" cy="197456"/>
+        </a:xfrm>
+        <a:custGeom>
+          <a:avLst/>
+          <a:gdLst/>
+          <a:ahLst/>
+          <a:cxnLst/>
+          <a:rect l="0" t="0" r="0" b="0"/>
+          <a:pathLst>
+            <a:path>
+              <a:moveTo>
+                <a:pt x="2392982" y="0"/>
+              </a:moveTo>
+              <a:lnTo>
+                <a:pt x="2392982" y="98728"/>
+              </a:lnTo>
+              <a:lnTo>
+                <a:pt x="0" y="98728"/>
+              </a:lnTo>
+              <a:lnTo>
+                <a:pt x="0" y="197456"/>
+              </a:lnTo>
+            </a:path>
+          </a:pathLst>
+        </a:custGeom>
+        <a:noFill/>
+        <a:ln w="12700" cap="flat" cmpd="sng" algn="ctr">
+          <a:solidFill>
+            <a:schemeClr val="accent1">
+              <a:shade val="60000"/>
+              <a:hueOff val="0"/>
+              <a:satOff val="0"/>
+              <a:lumOff val="0"/>
+              <a:alphaOff val="0"/>
+            </a:schemeClr>
+          </a:solidFill>
+          <a:prstDash val="solid"/>
+          <a:miter lim="800000"/>
+        </a:ln>
+        <a:effectLst/>
+      </dsp:spPr>
+      <dsp:style>
+        <a:lnRef idx="2">
+          <a:scrgbClr r="0" g="0" b="0"/>
+        </a:lnRef>
+        <a:fillRef idx="0">
+          <a:scrgbClr r="0" g="0" b="0"/>
+        </a:fillRef>
+        <a:effectRef idx="0">
+          <a:scrgbClr r="0" g="0" b="0"/>
+        </a:effectRef>
+        <a:fontRef idx="minor"/>
+      </dsp:style>
+    </dsp:sp>
+    <dsp:sp modelId="{32554A9C-FE4D-43F7-AEE1-C54D9D75C200}">
+      <dsp:nvSpPr>
+        <dsp:cNvPr id="0" name=""/>
+        <dsp:cNvSpPr/>
+      </dsp:nvSpPr>
+      <dsp:spPr>
+        <a:xfrm>
+          <a:off x="1350985" y="1138214"/>
+          <a:ext cx="141040" cy="432523"/>
         </a:xfrm>
         <a:custGeom>
           <a:avLst/>
@@ -8531,10 +8842,10 @@
                 <a:pt x="0" y="0"/>
               </a:moveTo>
               <a:lnTo>
-                <a:pt x="0" y="2322751"/>
+                <a:pt x="0" y="432523"/>
               </a:lnTo>
               <a:lnTo>
-                <a:pt x="185325" y="2322751"/>
+                <a:pt x="141040" y="432523"/>
               </a:lnTo>
             </a:path>
           </a:pathLst>
@@ -8568,15 +8879,15 @@
         <a:fontRef idx="minor"/>
       </dsp:style>
     </dsp:sp>
-    <dsp:sp modelId="{A1E73A3F-D4BB-4C61-BD15-E7FB09B21B25}">
+    <dsp:sp modelId="{EA35908A-375B-4EF7-A17D-476DA652899F}">
       <dsp:nvSpPr>
         <dsp:cNvPr id="0" name=""/>
         <dsp:cNvSpPr/>
       </dsp:nvSpPr>
       <dsp:spPr>
         <a:xfrm>
-          <a:off x="3114197" y="1898981"/>
-          <a:ext cx="185325" cy="1445541"/>
+          <a:off x="1727092" y="470624"/>
+          <a:ext cx="3530707" cy="197456"/>
         </a:xfrm>
         <a:custGeom>
           <a:avLst/>
@@ -8587,134 +8898,16 @@
           <a:pathLst>
             <a:path>
               <a:moveTo>
-                <a:pt x="0" y="0"/>
+                <a:pt x="3530707" y="0"/>
               </a:moveTo>
               <a:lnTo>
-                <a:pt x="0" y="1445541"/>
+                <a:pt x="3530707" y="98728"/>
               </a:lnTo>
               <a:lnTo>
-                <a:pt x="185325" y="1445541"/>
-              </a:lnTo>
-            </a:path>
-          </a:pathLst>
-        </a:custGeom>
-        <a:noFill/>
-        <a:ln w="12700" cap="flat" cmpd="sng" algn="ctr">
-          <a:solidFill>
-            <a:schemeClr val="accent1">
-              <a:shade val="80000"/>
-              <a:hueOff val="0"/>
-              <a:satOff val="0"/>
-              <a:lumOff val="0"/>
-              <a:alphaOff val="0"/>
-            </a:schemeClr>
-          </a:solidFill>
-          <a:prstDash val="solid"/>
-          <a:miter lim="800000"/>
-        </a:ln>
-        <a:effectLst/>
-      </dsp:spPr>
-      <dsp:style>
-        <a:lnRef idx="2">
-          <a:scrgbClr r="0" g="0" b="0"/>
-        </a:lnRef>
-        <a:fillRef idx="0">
-          <a:scrgbClr r="0" g="0" b="0"/>
-        </a:fillRef>
-        <a:effectRef idx="0">
-          <a:scrgbClr r="0" g="0" b="0"/>
-        </a:effectRef>
-        <a:fontRef idx="minor"/>
-      </dsp:style>
-    </dsp:sp>
-    <dsp:sp modelId="{716854A0-890C-4CC0-A8E5-CD94D7FC8137}">
-      <dsp:nvSpPr>
-        <dsp:cNvPr id="0" name=""/>
-        <dsp:cNvSpPr/>
-      </dsp:nvSpPr>
-      <dsp:spPr>
-        <a:xfrm>
-          <a:off x="3114197" y="1898981"/>
-          <a:ext cx="185325" cy="568332"/>
-        </a:xfrm>
-        <a:custGeom>
-          <a:avLst/>
-          <a:gdLst/>
-          <a:ahLst/>
-          <a:cxnLst/>
-          <a:rect l="0" t="0" r="0" b="0"/>
-          <a:pathLst>
-            <a:path>
-              <a:moveTo>
-                <a:pt x="0" y="0"/>
-              </a:moveTo>
-              <a:lnTo>
-                <a:pt x="0" y="568332"/>
+                <a:pt x="0" y="98728"/>
               </a:lnTo>
               <a:lnTo>
-                <a:pt x="185325" y="568332"/>
-              </a:lnTo>
-            </a:path>
-          </a:pathLst>
-        </a:custGeom>
-        <a:noFill/>
-        <a:ln w="12700" cap="flat" cmpd="sng" algn="ctr">
-          <a:solidFill>
-            <a:schemeClr val="accent1">
-              <a:shade val="80000"/>
-              <a:hueOff val="0"/>
-              <a:satOff val="0"/>
-              <a:lumOff val="0"/>
-              <a:alphaOff val="0"/>
-            </a:schemeClr>
-          </a:solidFill>
-          <a:prstDash val="solid"/>
-          <a:miter lim="800000"/>
-        </a:ln>
-        <a:effectLst/>
-      </dsp:spPr>
-      <dsp:style>
-        <a:lnRef idx="2">
-          <a:scrgbClr r="0" g="0" b="0"/>
-        </a:lnRef>
-        <a:fillRef idx="0">
-          <a:scrgbClr r="0" g="0" b="0"/>
-        </a:fillRef>
-        <a:effectRef idx="0">
-          <a:scrgbClr r="0" g="0" b="0"/>
-        </a:effectRef>
-        <a:fontRef idx="minor"/>
-      </dsp:style>
-    </dsp:sp>
-    <dsp:sp modelId="{F92D201F-4429-48F2-A613-5C474A994CD9}">
-      <dsp:nvSpPr>
-        <dsp:cNvPr id="0" name=""/>
-        <dsp:cNvSpPr/>
-      </dsp:nvSpPr>
-      <dsp:spPr>
-        <a:xfrm>
-          <a:off x="3608399" y="1021772"/>
-          <a:ext cx="1649400" cy="259456"/>
-        </a:xfrm>
-        <a:custGeom>
-          <a:avLst/>
-          <a:gdLst/>
-          <a:ahLst/>
-          <a:cxnLst/>
-          <a:rect l="0" t="0" r="0" b="0"/>
-          <a:pathLst>
-            <a:path>
-              <a:moveTo>
-                <a:pt x="1649400" y="0"/>
-              </a:moveTo>
-              <a:lnTo>
-                <a:pt x="1649400" y="129728"/>
-              </a:lnTo>
-              <a:lnTo>
-                <a:pt x="0" y="129728"/>
-              </a:lnTo>
-              <a:lnTo>
-                <a:pt x="0" y="259456"/>
+                <a:pt x="0" y="197456"/>
               </a:lnTo>
             </a:path>
           </a:pathLst>
@@ -8748,248 +8941,6 @@
         <a:fontRef idx="minor"/>
       </dsp:style>
     </dsp:sp>
-    <dsp:sp modelId="{FC1B4037-826A-4F44-80EE-641936EF98B7}">
-      <dsp:nvSpPr>
-        <dsp:cNvPr id="0" name=""/>
-        <dsp:cNvSpPr/>
-      </dsp:nvSpPr>
-      <dsp:spPr>
-        <a:xfrm>
-          <a:off x="1619234" y="1898981"/>
-          <a:ext cx="185325" cy="568332"/>
-        </a:xfrm>
-        <a:custGeom>
-          <a:avLst/>
-          <a:gdLst/>
-          <a:ahLst/>
-          <a:cxnLst/>
-          <a:rect l="0" t="0" r="0" b="0"/>
-          <a:pathLst>
-            <a:path>
-              <a:moveTo>
-                <a:pt x="0" y="0"/>
-              </a:moveTo>
-              <a:lnTo>
-                <a:pt x="0" y="568332"/>
-              </a:lnTo>
-              <a:lnTo>
-                <a:pt x="185325" y="568332"/>
-              </a:lnTo>
-            </a:path>
-          </a:pathLst>
-        </a:custGeom>
-        <a:noFill/>
-        <a:ln w="12700" cap="flat" cmpd="sng" algn="ctr">
-          <a:solidFill>
-            <a:schemeClr val="accent1">
-              <a:shade val="80000"/>
-              <a:hueOff val="0"/>
-              <a:satOff val="0"/>
-              <a:lumOff val="0"/>
-              <a:alphaOff val="0"/>
-            </a:schemeClr>
-          </a:solidFill>
-          <a:prstDash val="solid"/>
-          <a:miter lim="800000"/>
-        </a:ln>
-        <a:effectLst/>
-      </dsp:spPr>
-      <dsp:style>
-        <a:lnRef idx="2">
-          <a:scrgbClr r="0" g="0" b="0"/>
-        </a:lnRef>
-        <a:fillRef idx="0">
-          <a:scrgbClr r="0" g="0" b="0"/>
-        </a:fillRef>
-        <a:effectRef idx="0">
-          <a:scrgbClr r="0" g="0" b="0"/>
-        </a:effectRef>
-        <a:fontRef idx="minor"/>
-      </dsp:style>
-    </dsp:sp>
-    <dsp:sp modelId="{940D3546-6031-400F-B1CF-0A05124CD0AE}">
-      <dsp:nvSpPr>
-        <dsp:cNvPr id="0" name=""/>
-        <dsp:cNvSpPr/>
-      </dsp:nvSpPr>
-      <dsp:spPr>
-        <a:xfrm>
-          <a:off x="2113437" y="1021772"/>
-          <a:ext cx="3144362" cy="259456"/>
-        </a:xfrm>
-        <a:custGeom>
-          <a:avLst/>
-          <a:gdLst/>
-          <a:ahLst/>
-          <a:cxnLst/>
-          <a:rect l="0" t="0" r="0" b="0"/>
-          <a:pathLst>
-            <a:path>
-              <a:moveTo>
-                <a:pt x="3144362" y="0"/>
-              </a:moveTo>
-              <a:lnTo>
-                <a:pt x="3144362" y="129728"/>
-              </a:lnTo>
-              <a:lnTo>
-                <a:pt x="0" y="129728"/>
-              </a:lnTo>
-              <a:lnTo>
-                <a:pt x="0" y="259456"/>
-              </a:lnTo>
-            </a:path>
-          </a:pathLst>
-        </a:custGeom>
-        <a:noFill/>
-        <a:ln w="12700" cap="flat" cmpd="sng" algn="ctr">
-          <a:solidFill>
-            <a:schemeClr val="accent1">
-              <a:shade val="60000"/>
-              <a:hueOff val="0"/>
-              <a:satOff val="0"/>
-              <a:lumOff val="0"/>
-              <a:alphaOff val="0"/>
-            </a:schemeClr>
-          </a:solidFill>
-          <a:prstDash val="solid"/>
-          <a:miter lim="800000"/>
-        </a:ln>
-        <a:effectLst/>
-      </dsp:spPr>
-      <dsp:style>
-        <a:lnRef idx="2">
-          <a:scrgbClr r="0" g="0" b="0"/>
-        </a:lnRef>
-        <a:fillRef idx="0">
-          <a:scrgbClr r="0" g="0" b="0"/>
-        </a:fillRef>
-        <a:effectRef idx="0">
-          <a:scrgbClr r="0" g="0" b="0"/>
-        </a:effectRef>
-        <a:fontRef idx="minor"/>
-      </dsp:style>
-    </dsp:sp>
-    <dsp:sp modelId="{32554A9C-FE4D-43F7-AEE1-C54D9D75C200}">
-      <dsp:nvSpPr>
-        <dsp:cNvPr id="0" name=""/>
-        <dsp:cNvSpPr/>
-      </dsp:nvSpPr>
-      <dsp:spPr>
-        <a:xfrm>
-          <a:off x="124272" y="1898981"/>
-          <a:ext cx="185325" cy="568332"/>
-        </a:xfrm>
-        <a:custGeom>
-          <a:avLst/>
-          <a:gdLst/>
-          <a:ahLst/>
-          <a:cxnLst/>
-          <a:rect l="0" t="0" r="0" b="0"/>
-          <a:pathLst>
-            <a:path>
-              <a:moveTo>
-                <a:pt x="0" y="0"/>
-              </a:moveTo>
-              <a:lnTo>
-                <a:pt x="0" y="568332"/>
-              </a:lnTo>
-              <a:lnTo>
-                <a:pt x="185325" y="568332"/>
-              </a:lnTo>
-            </a:path>
-          </a:pathLst>
-        </a:custGeom>
-        <a:noFill/>
-        <a:ln w="12700" cap="flat" cmpd="sng" algn="ctr">
-          <a:solidFill>
-            <a:schemeClr val="accent1">
-              <a:shade val="80000"/>
-              <a:hueOff val="0"/>
-              <a:satOff val="0"/>
-              <a:lumOff val="0"/>
-              <a:alphaOff val="0"/>
-            </a:schemeClr>
-          </a:solidFill>
-          <a:prstDash val="solid"/>
-          <a:miter lim="800000"/>
-        </a:ln>
-        <a:effectLst/>
-      </dsp:spPr>
-      <dsp:style>
-        <a:lnRef idx="2">
-          <a:scrgbClr r="0" g="0" b="0"/>
-        </a:lnRef>
-        <a:fillRef idx="0">
-          <a:scrgbClr r="0" g="0" b="0"/>
-        </a:fillRef>
-        <a:effectRef idx="0">
-          <a:scrgbClr r="0" g="0" b="0"/>
-        </a:effectRef>
-        <a:fontRef idx="minor"/>
-      </dsp:style>
-    </dsp:sp>
-    <dsp:sp modelId="{EA35908A-375B-4EF7-A17D-476DA652899F}">
-      <dsp:nvSpPr>
-        <dsp:cNvPr id="0" name=""/>
-        <dsp:cNvSpPr/>
-      </dsp:nvSpPr>
-      <dsp:spPr>
-        <a:xfrm>
-          <a:off x="618475" y="1021772"/>
-          <a:ext cx="4639324" cy="259456"/>
-        </a:xfrm>
-        <a:custGeom>
-          <a:avLst/>
-          <a:gdLst/>
-          <a:ahLst/>
-          <a:cxnLst/>
-          <a:rect l="0" t="0" r="0" b="0"/>
-          <a:pathLst>
-            <a:path>
-              <a:moveTo>
-                <a:pt x="4639324" y="0"/>
-              </a:moveTo>
-              <a:lnTo>
-                <a:pt x="4639324" y="129728"/>
-              </a:lnTo>
-              <a:lnTo>
-                <a:pt x="0" y="129728"/>
-              </a:lnTo>
-              <a:lnTo>
-                <a:pt x="0" y="259456"/>
-              </a:lnTo>
-            </a:path>
-          </a:pathLst>
-        </a:custGeom>
-        <a:noFill/>
-        <a:ln w="12700" cap="flat" cmpd="sng" algn="ctr">
-          <a:solidFill>
-            <a:schemeClr val="accent1">
-              <a:shade val="60000"/>
-              <a:hueOff val="0"/>
-              <a:satOff val="0"/>
-              <a:lumOff val="0"/>
-              <a:alphaOff val="0"/>
-            </a:schemeClr>
-          </a:solidFill>
-          <a:prstDash val="solid"/>
-          <a:miter lim="800000"/>
-        </a:ln>
-        <a:effectLst/>
-      </dsp:spPr>
-      <dsp:style>
-        <a:lnRef idx="2">
-          <a:scrgbClr r="0" g="0" b="0"/>
-        </a:lnRef>
-        <a:fillRef idx="0">
-          <a:scrgbClr r="0" g="0" b="0"/>
-        </a:fillRef>
-        <a:effectRef idx="0">
-          <a:scrgbClr r="0" g="0" b="0"/>
-        </a:effectRef>
-        <a:fontRef idx="minor"/>
-      </dsp:style>
-    </dsp:sp>
     <dsp:sp modelId="{D4AAF6B0-5935-4077-A7BD-9DC102060D2E}">
       <dsp:nvSpPr>
         <dsp:cNvPr id="0" name=""/>
@@ -8997,8 +8948,8 @@
       </dsp:nvSpPr>
       <dsp:spPr>
         <a:xfrm>
-          <a:off x="4640047" y="404019"/>
-          <a:ext cx="1235505" cy="617752"/>
+          <a:off x="4787665" y="490"/>
+          <a:ext cx="940268" cy="470134"/>
         </a:xfrm>
         <a:prstGeom prst="rect">
           <a:avLst/>
@@ -9040,12 +8991,12 @@
         </a:fontRef>
       </dsp:style>
       <dsp:txBody>
-        <a:bodyPr spcFirstLastPara="0" vert="horz" wrap="square" lIns="5715" tIns="5715" rIns="5715" bIns="5715" numCol="1" spcCol="1270" anchor="ctr" anchorCtr="0">
+        <a:bodyPr spcFirstLastPara="0" vert="horz" wrap="square" lIns="4445" tIns="4445" rIns="4445" bIns="4445" numCol="1" spcCol="1270" anchor="ctr" anchorCtr="0">
           <a:noAutofit/>
         </a:bodyPr>
         <a:lstStyle/>
         <a:p>
-          <a:pPr marL="0" lvl="0" indent="0" algn="ctr" defTabSz="400050">
+          <a:pPr marL="0" lvl="0" indent="0" algn="ctr" defTabSz="311150">
             <a:lnSpc>
               <a:spcPct val="90000"/>
             </a:lnSpc>
@@ -9058,14 +9009,14 @@
             <a:buNone/>
           </a:pPr>
           <a:r>
-            <a:rPr lang="en-PH" sz="900" i="0" u="none" kern="1200" dirty="0"/>
+            <a:rPr lang="en-PH" sz="700" i="0" u="none" kern="1200" dirty="0"/>
             <a:t>GET: /</a:t>
           </a:r>
         </a:p>
       </dsp:txBody>
       <dsp:txXfrm>
-        <a:off x="4640047" y="404019"/>
-        <a:ext cx="1235505" cy="617752"/>
+        <a:off x="4787665" y="490"/>
+        <a:ext cx="940268" cy="470134"/>
       </dsp:txXfrm>
     </dsp:sp>
     <dsp:sp modelId="{AE1DD6B5-8922-4162-945A-41BF7A420F55}">
@@ -9075,8 +9026,8 @@
       </dsp:nvSpPr>
       <dsp:spPr>
         <a:xfrm>
-          <a:off x="722" y="1281228"/>
-          <a:ext cx="1235505" cy="617752"/>
+          <a:off x="1256958" y="668080"/>
+          <a:ext cx="940268" cy="470134"/>
         </a:xfrm>
         <a:prstGeom prst="rect">
           <a:avLst/>
@@ -9118,12 +9069,12 @@
         </a:fontRef>
       </dsp:style>
       <dsp:txBody>
-        <a:bodyPr spcFirstLastPara="0" vert="horz" wrap="square" lIns="5715" tIns="5715" rIns="5715" bIns="5715" numCol="1" spcCol="1270" anchor="ctr" anchorCtr="0">
+        <a:bodyPr spcFirstLastPara="0" vert="horz" wrap="square" lIns="4445" tIns="4445" rIns="4445" bIns="4445" numCol="1" spcCol="1270" anchor="ctr" anchorCtr="0">
           <a:noAutofit/>
         </a:bodyPr>
         <a:lstStyle/>
         <a:p>
-          <a:pPr marL="0" lvl="0" indent="0" algn="ctr" defTabSz="400050">
+          <a:pPr marL="0" lvl="0" indent="0" algn="ctr" defTabSz="311150">
             <a:lnSpc>
               <a:spcPct val="90000"/>
             </a:lnSpc>
@@ -9136,14 +9087,14 @@
             <a:buNone/>
           </a:pPr>
           <a:r>
-            <a:rPr lang="en-PH" sz="900" i="0" u="none" kern="1200" dirty="0"/>
+            <a:rPr lang="en-PH" sz="700" i="0" u="none" kern="1200" dirty="0"/>
             <a:t>GET: /login</a:t>
           </a:r>
         </a:p>
       </dsp:txBody>
       <dsp:txXfrm>
-        <a:off x="722" y="1281228"/>
-        <a:ext cx="1235505" cy="617752"/>
+        <a:off x="1256958" y="668080"/>
+        <a:ext cx="940268" cy="470134"/>
       </dsp:txXfrm>
     </dsp:sp>
     <dsp:sp modelId="{3C293340-5887-41DE-859C-77675150C6EB}">
@@ -9153,8 +9104,8 @@
       </dsp:nvSpPr>
       <dsp:spPr>
         <a:xfrm>
-          <a:off x="309598" y="2158437"/>
-          <a:ext cx="1235505" cy="617752"/>
+          <a:off x="1492025" y="1335671"/>
+          <a:ext cx="940268" cy="470134"/>
         </a:xfrm>
         <a:prstGeom prst="rect">
           <a:avLst/>
@@ -9196,12 +9147,12 @@
         </a:fontRef>
       </dsp:style>
       <dsp:txBody>
-        <a:bodyPr spcFirstLastPara="0" vert="horz" wrap="square" lIns="5715" tIns="5715" rIns="5715" bIns="5715" numCol="1" spcCol="1270" anchor="ctr" anchorCtr="0">
+        <a:bodyPr spcFirstLastPara="0" vert="horz" wrap="square" lIns="4445" tIns="4445" rIns="4445" bIns="4445" numCol="1" spcCol="1270" anchor="ctr" anchorCtr="0">
           <a:noAutofit/>
         </a:bodyPr>
         <a:lstStyle/>
         <a:p>
-          <a:pPr marL="0" lvl="0" indent="0" algn="ctr" defTabSz="400050">
+          <a:pPr marL="0" lvl="0" indent="0" algn="ctr" defTabSz="311150">
             <a:lnSpc>
               <a:spcPct val="90000"/>
             </a:lnSpc>
@@ -9214,14 +9165,14 @@
             <a:buNone/>
           </a:pPr>
           <a:r>
-            <a:rPr lang="en-PH" sz="900" i="0" u="none" kern="1200" dirty="0"/>
+            <a:rPr lang="en-PH" sz="700" i="0" u="none" kern="1200" dirty="0"/>
             <a:t>POST: /login/in</a:t>
           </a:r>
         </a:p>
       </dsp:txBody>
       <dsp:txXfrm>
-        <a:off x="309598" y="2158437"/>
-        <a:ext cx="1235505" cy="617752"/>
+        <a:off x="1492025" y="1335671"/>
+        <a:ext cx="940268" cy="470134"/>
       </dsp:txXfrm>
     </dsp:sp>
     <dsp:sp modelId="{1FCFCB3A-B4C7-413C-B6B5-18473C4E0215}">
@@ -9231,8 +9182,8 @@
       </dsp:nvSpPr>
       <dsp:spPr>
         <a:xfrm>
-          <a:off x="1495684" y="1281228"/>
-          <a:ext cx="1235505" cy="617752"/>
+          <a:off x="2394683" y="668080"/>
+          <a:ext cx="940268" cy="470134"/>
         </a:xfrm>
         <a:prstGeom prst="rect">
           <a:avLst/>
@@ -9274,12 +9225,12 @@
         </a:fontRef>
       </dsp:style>
       <dsp:txBody>
-        <a:bodyPr spcFirstLastPara="0" vert="horz" wrap="square" lIns="5715" tIns="5715" rIns="5715" bIns="5715" numCol="1" spcCol="1270" anchor="ctr" anchorCtr="0">
+        <a:bodyPr spcFirstLastPara="0" vert="horz" wrap="square" lIns="4445" tIns="4445" rIns="4445" bIns="4445" numCol="1" spcCol="1270" anchor="ctr" anchorCtr="0">
           <a:noAutofit/>
         </a:bodyPr>
         <a:lstStyle/>
         <a:p>
-          <a:pPr marL="0" lvl="0" indent="0" algn="ctr" defTabSz="400050">
+          <a:pPr marL="0" lvl="0" indent="0" algn="ctr" defTabSz="311150">
             <a:lnSpc>
               <a:spcPct val="90000"/>
             </a:lnSpc>
@@ -9292,14 +9243,14 @@
             <a:buNone/>
           </a:pPr>
           <a:r>
-            <a:rPr lang="en-PH" sz="900" i="0" u="none" kern="1200" dirty="0"/>
+            <a:rPr lang="en-PH" sz="700" i="0" u="none" kern="1200" dirty="0"/>
             <a:t>GET: /logout</a:t>
           </a:r>
         </a:p>
       </dsp:txBody>
       <dsp:txXfrm>
-        <a:off x="1495684" y="1281228"/>
-        <a:ext cx="1235505" cy="617752"/>
+        <a:off x="2394683" y="668080"/>
+        <a:ext cx="940268" cy="470134"/>
       </dsp:txXfrm>
     </dsp:sp>
     <dsp:sp modelId="{5CEACDA1-7667-40A9-B874-25D1B1E21A99}">
@@ -9309,8 +9260,8 @@
       </dsp:nvSpPr>
       <dsp:spPr>
         <a:xfrm>
-          <a:off x="1804560" y="2158437"/>
-          <a:ext cx="1235505" cy="617752"/>
+          <a:off x="2629750" y="1335671"/>
+          <a:ext cx="940268" cy="470134"/>
         </a:xfrm>
         <a:prstGeom prst="rect">
           <a:avLst/>
@@ -9352,12 +9303,12 @@
         </a:fontRef>
       </dsp:style>
       <dsp:txBody>
-        <a:bodyPr spcFirstLastPara="0" vert="horz" wrap="square" lIns="5715" tIns="5715" rIns="5715" bIns="5715" numCol="1" spcCol="1270" anchor="ctr" anchorCtr="0">
+        <a:bodyPr spcFirstLastPara="0" vert="horz" wrap="square" lIns="4445" tIns="4445" rIns="4445" bIns="4445" numCol="1" spcCol="1270" anchor="ctr" anchorCtr="0">
           <a:noAutofit/>
         </a:bodyPr>
         <a:lstStyle/>
         <a:p>
-          <a:pPr marL="0" lvl="0" indent="0" algn="ctr" defTabSz="400050">
+          <a:pPr marL="0" lvl="0" indent="0" algn="ctr" defTabSz="311150">
             <a:lnSpc>
               <a:spcPct val="90000"/>
             </a:lnSpc>
@@ -9370,14 +9321,14 @@
             <a:buNone/>
           </a:pPr>
           <a:r>
-            <a:rPr lang="en-PH" sz="900" i="0" u="none" kern="1200" dirty="0"/>
+            <a:rPr lang="en-PH" sz="700" i="0" u="none" kern="1200" dirty="0"/>
             <a:t>POST: /logout/out</a:t>
           </a:r>
         </a:p>
       </dsp:txBody>
       <dsp:txXfrm>
-        <a:off x="1804560" y="2158437"/>
-        <a:ext cx="1235505" cy="617752"/>
+        <a:off x="2629750" y="1335671"/>
+        <a:ext cx="940268" cy="470134"/>
       </dsp:txXfrm>
     </dsp:sp>
     <dsp:sp modelId="{2D05126F-7CA9-467A-B341-F8E1AF5FCF66}">
@@ -9387,8 +9338,8 @@
       </dsp:nvSpPr>
       <dsp:spPr>
         <a:xfrm>
-          <a:off x="2990646" y="1281228"/>
-          <a:ext cx="1235505" cy="617752"/>
+          <a:off x="3532407" y="668080"/>
+          <a:ext cx="940268" cy="470134"/>
         </a:xfrm>
         <a:prstGeom prst="rect">
           <a:avLst/>
@@ -9430,12 +9381,12 @@
         </a:fontRef>
       </dsp:style>
       <dsp:txBody>
-        <a:bodyPr spcFirstLastPara="0" vert="horz" wrap="square" lIns="5715" tIns="5715" rIns="5715" bIns="5715" numCol="1" spcCol="1270" anchor="ctr" anchorCtr="0">
+        <a:bodyPr spcFirstLastPara="0" vert="horz" wrap="square" lIns="4445" tIns="4445" rIns="4445" bIns="4445" numCol="1" spcCol="1270" anchor="ctr" anchorCtr="0">
           <a:noAutofit/>
         </a:bodyPr>
         <a:lstStyle/>
         <a:p>
-          <a:pPr marL="0" lvl="0" indent="0" algn="ctr" defTabSz="400050">
+          <a:pPr marL="0" lvl="0" indent="0" algn="ctr" defTabSz="311150">
             <a:lnSpc>
               <a:spcPct val="90000"/>
             </a:lnSpc>
@@ -9448,25 +9399,25 @@
             <a:buNone/>
           </a:pPr>
           <a:r>
-            <a:rPr lang="en-PH" sz="900" i="0" u="none" kern="1200" dirty="0"/>
+            <a:rPr lang="en-PH" sz="700" i="0" u="none" kern="1200" dirty="0"/>
             <a:t>GET: /home</a:t>
           </a:r>
         </a:p>
       </dsp:txBody>
       <dsp:txXfrm>
-        <a:off x="2990646" y="1281228"/>
-        <a:ext cx="1235505" cy="617752"/>
+        <a:off x="3532407" y="668080"/>
+        <a:ext cx="940268" cy="470134"/>
       </dsp:txXfrm>
     </dsp:sp>
-    <dsp:sp modelId="{63C2CBE3-9669-496C-A884-3CB3E83BD677}">
+    <dsp:sp modelId="{816DF2EF-6A2D-47D7-82D8-0F775682513B}">
       <dsp:nvSpPr>
         <dsp:cNvPr id="0" name=""/>
         <dsp:cNvSpPr/>
       </dsp:nvSpPr>
       <dsp:spPr>
         <a:xfrm>
-          <a:off x="3299523" y="2158437"/>
-          <a:ext cx="1235505" cy="617752"/>
+          <a:off x="4670132" y="668080"/>
+          <a:ext cx="940268" cy="470134"/>
         </a:xfrm>
         <a:prstGeom prst="rect">
           <a:avLst/>
@@ -9508,12 +9459,12 @@
         </a:fontRef>
       </dsp:style>
       <dsp:txBody>
-        <a:bodyPr spcFirstLastPara="0" vert="horz" wrap="square" lIns="5715" tIns="5715" rIns="5715" bIns="5715" numCol="1" spcCol="1270" anchor="ctr" anchorCtr="0">
+        <a:bodyPr spcFirstLastPara="0" vert="horz" wrap="square" lIns="4445" tIns="4445" rIns="4445" bIns="4445" numCol="1" spcCol="1270" anchor="ctr" anchorCtr="0">
           <a:noAutofit/>
         </a:bodyPr>
         <a:lstStyle/>
         <a:p>
-          <a:pPr marL="0" lvl="0" indent="0" algn="ctr" defTabSz="400050">
+          <a:pPr marL="0" lvl="0" indent="0" algn="ctr" defTabSz="311150">
             <a:lnSpc>
               <a:spcPct val="90000"/>
             </a:lnSpc>
@@ -9526,25 +9477,26 @@
             <a:buNone/>
           </a:pPr>
           <a:r>
-            <a:rPr lang="en-PH" sz="900" i="0" u="none" kern="1200" dirty="0"/>
-            <a:t>POST: /home/post</a:t>
+            <a:rPr lang="en-PH" sz="700" i="0" u="none" kern="1200"/>
+            <a:t>GET: /post/&lt;posthash&gt;</a:t>
           </a:r>
+          <a:endParaRPr lang="en-PH" sz="700" i="0" u="none" kern="1200" dirty="0"/>
         </a:p>
       </dsp:txBody>
       <dsp:txXfrm>
-        <a:off x="3299523" y="2158437"/>
-        <a:ext cx="1235505" cy="617752"/>
+        <a:off x="4670132" y="668080"/>
+        <a:ext cx="940268" cy="470134"/>
       </dsp:txXfrm>
     </dsp:sp>
-    <dsp:sp modelId="{09477BDD-AB56-4E58-B538-97082ADD2D44}">
+    <dsp:sp modelId="{7F097E5B-6209-4AF0-8ED0-402082DA0749}">
       <dsp:nvSpPr>
         <dsp:cNvPr id="0" name=""/>
         <dsp:cNvSpPr/>
       </dsp:nvSpPr>
       <dsp:spPr>
         <a:xfrm>
-          <a:off x="3299523" y="3035647"/>
-          <a:ext cx="1235505" cy="617752"/>
+          <a:off x="4905199" y="1335671"/>
+          <a:ext cx="940268" cy="470134"/>
         </a:xfrm>
         <a:prstGeom prst="rect">
           <a:avLst/>
@@ -9586,12 +9538,12 @@
         </a:fontRef>
       </dsp:style>
       <dsp:txBody>
-        <a:bodyPr spcFirstLastPara="0" vert="horz" wrap="square" lIns="5715" tIns="5715" rIns="5715" bIns="5715" numCol="1" spcCol="1270" anchor="ctr" anchorCtr="0">
+        <a:bodyPr spcFirstLastPara="0" vert="horz" wrap="square" lIns="4445" tIns="4445" rIns="4445" bIns="4445" numCol="1" spcCol="1270" anchor="ctr" anchorCtr="0">
           <a:noAutofit/>
         </a:bodyPr>
         <a:lstStyle/>
         <a:p>
-          <a:pPr marL="0" lvl="0" indent="0" algn="ctr" defTabSz="400050">
+          <a:pPr marL="0" lvl="0" indent="0" algn="ctr" defTabSz="311150">
             <a:lnSpc>
               <a:spcPct val="90000"/>
             </a:lnSpc>
@@ -9604,25 +9556,33 @@
             <a:buNone/>
           </a:pPr>
           <a:r>
-            <a:rPr lang="en-PH" sz="900" i="0" u="none" kern="1200" dirty="0"/>
-            <a:t>POST: /home/like</a:t>
+            <a:rPr lang="en-PH" sz="700" i="0" u="none" kern="1200" dirty="0"/>
+            <a:t>POST: /post/&lt;</a:t>
+          </a:r>
+          <a:r>
+            <a:rPr lang="en-PH" sz="700" i="0" u="none" kern="1200" dirty="0" err="1"/>
+            <a:t>posthash</a:t>
+          </a:r>
+          <a:r>
+            <a:rPr lang="en-PH" sz="700" i="0" u="none" kern="1200" dirty="0"/>
+            <a:t>&gt;/edit</a:t>
           </a:r>
         </a:p>
       </dsp:txBody>
       <dsp:txXfrm>
-        <a:off x="3299523" y="3035647"/>
-        <a:ext cx="1235505" cy="617752"/>
+        <a:off x="4905199" y="1335671"/>
+        <a:ext cx="940268" cy="470134"/>
       </dsp:txXfrm>
     </dsp:sp>
-    <dsp:sp modelId="{5C992A1D-381D-4552-A0F4-72668AABF151}">
+    <dsp:sp modelId="{E50F9959-464F-43F9-8195-9C82C537826B}">
       <dsp:nvSpPr>
         <dsp:cNvPr id="0" name=""/>
         <dsp:cNvSpPr/>
       </dsp:nvSpPr>
       <dsp:spPr>
         <a:xfrm>
-          <a:off x="3299523" y="3912856"/>
-          <a:ext cx="1235505" cy="617752"/>
+          <a:off x="4905199" y="2003261"/>
+          <a:ext cx="940268" cy="470134"/>
         </a:xfrm>
         <a:prstGeom prst="rect">
           <a:avLst/>
@@ -9664,12 +9624,12 @@
         </a:fontRef>
       </dsp:style>
       <dsp:txBody>
-        <a:bodyPr spcFirstLastPara="0" vert="horz" wrap="square" lIns="5715" tIns="5715" rIns="5715" bIns="5715" numCol="1" spcCol="1270" anchor="ctr" anchorCtr="0">
+        <a:bodyPr spcFirstLastPara="0" vert="horz" wrap="square" lIns="4445" tIns="4445" rIns="4445" bIns="4445" numCol="1" spcCol="1270" anchor="ctr" anchorCtr="0">
           <a:noAutofit/>
         </a:bodyPr>
         <a:lstStyle/>
         <a:p>
-          <a:pPr marL="0" lvl="0" indent="0" algn="ctr" defTabSz="400050">
+          <a:pPr marL="0" lvl="0" indent="0" algn="ctr" defTabSz="311150">
             <a:lnSpc>
               <a:spcPct val="90000"/>
             </a:lnSpc>
@@ -9682,25 +9642,33 @@
             <a:buNone/>
           </a:pPr>
           <a:r>
-            <a:rPr lang="en-PH" sz="900" i="0" u="none" kern="1200" dirty="0"/>
-            <a:t>POST: /home/report</a:t>
+            <a:rPr lang="en-PH" sz="700" i="0" u="none" kern="1200" dirty="0"/>
+            <a:t>PATCH: /post/&lt;</a:t>
+          </a:r>
+          <a:r>
+            <a:rPr lang="en-PH" sz="700" i="0" u="none" kern="1200" dirty="0" err="1"/>
+            <a:t>posthash</a:t>
+          </a:r>
+          <a:r>
+            <a:rPr lang="en-PH" sz="700" i="0" u="none" kern="1200" dirty="0"/>
+            <a:t>&gt;/save</a:t>
           </a:r>
         </a:p>
       </dsp:txBody>
       <dsp:txXfrm>
-        <a:off x="3299523" y="3912856"/>
-        <a:ext cx="1235505" cy="617752"/>
+        <a:off x="4905199" y="2003261"/>
+        <a:ext cx="940268" cy="470134"/>
       </dsp:txXfrm>
     </dsp:sp>
-    <dsp:sp modelId="{0273CF75-F135-4AD3-9F55-82AEBAD45FC4}">
+    <dsp:sp modelId="{B99F24ED-3BC7-432A-B386-E1A66BAEF726}">
       <dsp:nvSpPr>
         <dsp:cNvPr id="0" name=""/>
         <dsp:cNvSpPr/>
       </dsp:nvSpPr>
       <dsp:spPr>
         <a:xfrm>
-          <a:off x="3299523" y="4790065"/>
-          <a:ext cx="1235505" cy="617752"/>
+          <a:off x="4905199" y="2670851"/>
+          <a:ext cx="940268" cy="470134"/>
         </a:xfrm>
         <a:prstGeom prst="rect">
           <a:avLst/>
@@ -9742,12 +9710,12 @@
         </a:fontRef>
       </dsp:style>
       <dsp:txBody>
-        <a:bodyPr spcFirstLastPara="0" vert="horz" wrap="square" lIns="5715" tIns="5715" rIns="5715" bIns="5715" numCol="1" spcCol="1270" anchor="ctr" anchorCtr="0">
+        <a:bodyPr spcFirstLastPara="0" vert="horz" wrap="square" lIns="4445" tIns="4445" rIns="4445" bIns="4445" numCol="1" spcCol="1270" anchor="ctr" anchorCtr="0">
           <a:noAutofit/>
         </a:bodyPr>
         <a:lstStyle/>
         <a:p>
-          <a:pPr marL="0" lvl="0" indent="0" algn="ctr" defTabSz="400050">
+          <a:pPr marL="0" lvl="0" indent="0" algn="ctr" defTabSz="311150">
             <a:lnSpc>
               <a:spcPct val="90000"/>
             </a:lnSpc>
@@ -9760,25 +9728,33 @@
             <a:buNone/>
           </a:pPr>
           <a:r>
-            <a:rPr lang="en-PH" sz="900" i="0" u="none" kern="1200" dirty="0"/>
-            <a:t>POST: /home/comment</a:t>
+            <a:rPr lang="en-PH" sz="700" i="0" u="none" kern="1200" dirty="0"/>
+            <a:t>DELETE: /post/&lt;</a:t>
+          </a:r>
+          <a:r>
+            <a:rPr lang="en-PH" sz="700" i="0" u="none" kern="1200" dirty="0" err="1"/>
+            <a:t>posthash</a:t>
+          </a:r>
+          <a:r>
+            <a:rPr lang="en-PH" sz="700" i="0" u="none" kern="1200" dirty="0"/>
+            <a:t>&gt;/delete</a:t>
           </a:r>
         </a:p>
       </dsp:txBody>
       <dsp:txXfrm>
-        <a:off x="3299523" y="4790065"/>
-        <a:ext cx="1235505" cy="617752"/>
+        <a:off x="4905199" y="2670851"/>
+        <a:ext cx="940268" cy="470134"/>
       </dsp:txXfrm>
     </dsp:sp>
-    <dsp:sp modelId="{48B4CED0-3B89-45CE-991D-A8F3963860D6}">
+    <dsp:sp modelId="{1B492F86-1603-4E21-B660-DA6307964BAD}">
       <dsp:nvSpPr>
         <dsp:cNvPr id="0" name=""/>
         <dsp:cNvSpPr/>
       </dsp:nvSpPr>
       <dsp:spPr>
         <a:xfrm>
-          <a:off x="4485608" y="1281228"/>
-          <a:ext cx="1235505" cy="617752"/>
+          <a:off x="4905199" y="3338442"/>
+          <a:ext cx="940268" cy="470134"/>
         </a:xfrm>
         <a:prstGeom prst="rect">
           <a:avLst/>
@@ -9820,12 +9796,12 @@
         </a:fontRef>
       </dsp:style>
       <dsp:txBody>
-        <a:bodyPr spcFirstLastPara="0" vert="horz" wrap="square" lIns="5715" tIns="5715" rIns="5715" bIns="5715" numCol="1" spcCol="1270" anchor="ctr" anchorCtr="0">
+        <a:bodyPr spcFirstLastPara="0" vert="horz" wrap="square" lIns="4445" tIns="4445" rIns="4445" bIns="4445" numCol="1" spcCol="1270" anchor="ctr" anchorCtr="0">
           <a:noAutofit/>
         </a:bodyPr>
         <a:lstStyle/>
         <a:p>
-          <a:pPr marL="0" lvl="0" indent="0" algn="ctr" defTabSz="400050">
+          <a:pPr marL="0" lvl="0" indent="0" algn="ctr" defTabSz="311150">
             <a:lnSpc>
               <a:spcPct val="90000"/>
             </a:lnSpc>
@@ -9838,33 +9814,25 @@
             <a:buNone/>
           </a:pPr>
           <a:r>
-            <a:rPr lang="en-PH" sz="900" i="0" u="none" kern="1200" dirty="0"/>
-            <a:t>GET: /post/&lt;</a:t>
-          </a:r>
-          <a:r>
-            <a:rPr lang="en-PH" sz="900" i="0" u="none" kern="1200" dirty="0" err="1"/>
-            <a:t>posthash</a:t>
-          </a:r>
-          <a:r>
-            <a:rPr lang="en-PH" sz="900" i="0" u="none" kern="1200" dirty="0"/>
-            <a:t>&gt;</a:t>
+            <a:rPr lang="en-PH" sz="700" i="0" u="none" kern="1200" dirty="0"/>
+            <a:t>POST: /post/new</a:t>
           </a:r>
         </a:p>
       </dsp:txBody>
       <dsp:txXfrm>
-        <a:off x="4485608" y="1281228"/>
-        <a:ext cx="1235505" cy="617752"/>
+        <a:off x="4905199" y="3338442"/>
+        <a:ext cx="940268" cy="470134"/>
       </dsp:txXfrm>
     </dsp:sp>
-    <dsp:sp modelId="{7F097E5B-6209-4AF0-8ED0-402082DA0749}">
+    <dsp:sp modelId="{26976F64-C724-4705-94F5-0E6CD971C2E4}">
       <dsp:nvSpPr>
         <dsp:cNvPr id="0" name=""/>
         <dsp:cNvSpPr/>
       </dsp:nvSpPr>
       <dsp:spPr>
         <a:xfrm>
-          <a:off x="4794485" y="2158437"/>
-          <a:ext cx="1235505" cy="617752"/>
+          <a:off x="4905199" y="4006032"/>
+          <a:ext cx="940268" cy="470134"/>
         </a:xfrm>
         <a:prstGeom prst="rect">
           <a:avLst/>
@@ -9906,12 +9874,12 @@
         </a:fontRef>
       </dsp:style>
       <dsp:txBody>
-        <a:bodyPr spcFirstLastPara="0" vert="horz" wrap="square" lIns="5715" tIns="5715" rIns="5715" bIns="5715" numCol="1" spcCol="1270" anchor="ctr" anchorCtr="0">
+        <a:bodyPr spcFirstLastPara="0" vert="horz" wrap="square" lIns="4445" tIns="4445" rIns="4445" bIns="4445" numCol="1" spcCol="1270" anchor="ctr" anchorCtr="0">
           <a:noAutofit/>
         </a:bodyPr>
         <a:lstStyle/>
         <a:p>
-          <a:pPr marL="0" lvl="0" indent="0" algn="ctr" defTabSz="400050">
+          <a:pPr marL="0" lvl="0" indent="0" algn="ctr" defTabSz="311150">
             <a:lnSpc>
               <a:spcPct val="90000"/>
             </a:lnSpc>
@@ -9924,33 +9892,25 @@
             <a:buNone/>
           </a:pPr>
           <a:r>
-            <a:rPr lang="en-PH" sz="900" i="0" u="none" kern="1200" dirty="0"/>
-            <a:t>POST: /post/&lt;</a:t>
-          </a:r>
-          <a:r>
-            <a:rPr lang="en-PH" sz="900" i="0" u="none" kern="1200" dirty="0" err="1"/>
-            <a:t>posthash</a:t>
-          </a:r>
-          <a:r>
-            <a:rPr lang="en-PH" sz="900" i="0" u="none" kern="1200" dirty="0"/>
-            <a:t>&gt;/edit</a:t>
+            <a:rPr lang="en-PH" sz="700" i="0" u="none" kern="1200" dirty="0"/>
+            <a:t>POST: /post/like</a:t>
           </a:r>
         </a:p>
       </dsp:txBody>
       <dsp:txXfrm>
-        <a:off x="4794485" y="2158437"/>
-        <a:ext cx="1235505" cy="617752"/>
+        <a:off x="4905199" y="4006032"/>
+        <a:ext cx="940268" cy="470134"/>
       </dsp:txXfrm>
     </dsp:sp>
-    <dsp:sp modelId="{E50F9959-464F-43F9-8195-9C82C537826B}">
+    <dsp:sp modelId="{50EC3807-8481-4C01-82B7-F19C2342E1A0}">
       <dsp:nvSpPr>
         <dsp:cNvPr id="0" name=""/>
         <dsp:cNvSpPr/>
       </dsp:nvSpPr>
       <dsp:spPr>
         <a:xfrm>
-          <a:off x="4794485" y="3035647"/>
-          <a:ext cx="1235505" cy="617752"/>
+          <a:off x="4905199" y="4673623"/>
+          <a:ext cx="940268" cy="470134"/>
         </a:xfrm>
         <a:prstGeom prst="rect">
           <a:avLst/>
@@ -9992,12 +9952,12 @@
         </a:fontRef>
       </dsp:style>
       <dsp:txBody>
-        <a:bodyPr spcFirstLastPara="0" vert="horz" wrap="square" lIns="5715" tIns="5715" rIns="5715" bIns="5715" numCol="1" spcCol="1270" anchor="ctr" anchorCtr="0">
+        <a:bodyPr spcFirstLastPara="0" vert="horz" wrap="square" lIns="4445" tIns="4445" rIns="4445" bIns="4445" numCol="1" spcCol="1270" anchor="ctr" anchorCtr="0">
           <a:noAutofit/>
         </a:bodyPr>
         <a:lstStyle/>
         <a:p>
-          <a:pPr marL="0" lvl="0" indent="0" algn="ctr" defTabSz="400050">
+          <a:pPr marL="0" lvl="0" indent="0" algn="ctr" defTabSz="311150">
             <a:lnSpc>
               <a:spcPct val="90000"/>
             </a:lnSpc>
@@ -10010,33 +9970,25 @@
             <a:buNone/>
           </a:pPr>
           <a:r>
-            <a:rPr lang="en-PH" sz="900" i="0" u="none" kern="1200" dirty="0"/>
-            <a:t>PATCH: /post/&lt;</a:t>
-          </a:r>
-          <a:r>
-            <a:rPr lang="en-PH" sz="900" i="0" u="none" kern="1200" dirty="0" err="1"/>
-            <a:t>posthash</a:t>
-          </a:r>
-          <a:r>
-            <a:rPr lang="en-PH" sz="900" i="0" u="none" kern="1200" dirty="0"/>
-            <a:t>&gt;/save</a:t>
+            <a:rPr lang="en-PH" sz="700" i="0" u="none" kern="1200" dirty="0"/>
+            <a:t>POST: /post/report</a:t>
           </a:r>
         </a:p>
       </dsp:txBody>
       <dsp:txXfrm>
-        <a:off x="4794485" y="3035647"/>
-        <a:ext cx="1235505" cy="617752"/>
+        <a:off x="4905199" y="4673623"/>
+        <a:ext cx="940268" cy="470134"/>
       </dsp:txXfrm>
     </dsp:sp>
-    <dsp:sp modelId="{B99F24ED-3BC7-432A-B386-E1A66BAEF726}">
+    <dsp:sp modelId="{FE90803F-BB98-472A-87D1-B85B7689304F}">
       <dsp:nvSpPr>
         <dsp:cNvPr id="0" name=""/>
         <dsp:cNvSpPr/>
       </dsp:nvSpPr>
       <dsp:spPr>
         <a:xfrm>
-          <a:off x="4794485" y="3912856"/>
-          <a:ext cx="1235505" cy="617752"/>
+          <a:off x="4905199" y="5341213"/>
+          <a:ext cx="940268" cy="470134"/>
         </a:xfrm>
         <a:prstGeom prst="rect">
           <a:avLst/>
@@ -10078,12 +10030,12 @@
         </a:fontRef>
       </dsp:style>
       <dsp:txBody>
-        <a:bodyPr spcFirstLastPara="0" vert="horz" wrap="square" lIns="5715" tIns="5715" rIns="5715" bIns="5715" numCol="1" spcCol="1270" anchor="ctr" anchorCtr="0">
+        <a:bodyPr spcFirstLastPara="0" vert="horz" wrap="square" lIns="4445" tIns="4445" rIns="4445" bIns="4445" numCol="1" spcCol="1270" anchor="ctr" anchorCtr="0">
           <a:noAutofit/>
         </a:bodyPr>
         <a:lstStyle/>
         <a:p>
-          <a:pPr marL="0" lvl="0" indent="0" algn="ctr" defTabSz="400050">
+          <a:pPr marL="0" lvl="0" indent="0" algn="ctr" defTabSz="311150">
             <a:lnSpc>
               <a:spcPct val="90000"/>
             </a:lnSpc>
@@ -10096,22 +10048,14 @@
             <a:buNone/>
           </a:pPr>
           <a:r>
-            <a:rPr lang="en-PH" sz="900" i="0" u="none" kern="1200" dirty="0"/>
-            <a:t>DELETE: /post/&lt;</a:t>
-          </a:r>
-          <a:r>
-            <a:rPr lang="en-PH" sz="900" i="0" u="none" kern="1200" dirty="0" err="1"/>
-            <a:t>posthash</a:t>
-          </a:r>
-          <a:r>
-            <a:rPr lang="en-PH" sz="900" i="0" u="none" kern="1200" dirty="0"/>
-            <a:t>&gt;/delete</a:t>
+            <a:rPr lang="en-PH" sz="700" i="0" u="none" kern="1200" dirty="0"/>
+            <a:t>POST: /post/comment</a:t>
           </a:r>
         </a:p>
       </dsp:txBody>
       <dsp:txXfrm>
-        <a:off x="4794485" y="3912856"/>
-        <a:ext cx="1235505" cy="617752"/>
+        <a:off x="4905199" y="5341213"/>
+        <a:ext cx="940268" cy="470134"/>
       </dsp:txXfrm>
     </dsp:sp>
     <dsp:sp modelId="{0C2F2216-8D08-4E87-B39E-9F041EF12805}">
@@ -10121,8 +10065,8 @@
       </dsp:nvSpPr>
       <dsp:spPr>
         <a:xfrm>
-          <a:off x="5980570" y="1281228"/>
-          <a:ext cx="1235505" cy="617752"/>
+          <a:off x="5807856" y="668080"/>
+          <a:ext cx="940268" cy="470134"/>
         </a:xfrm>
         <a:prstGeom prst="rect">
           <a:avLst/>
@@ -10164,12 +10108,12 @@
         </a:fontRef>
       </dsp:style>
       <dsp:txBody>
-        <a:bodyPr spcFirstLastPara="0" vert="horz" wrap="square" lIns="5715" tIns="5715" rIns="5715" bIns="5715" numCol="1" spcCol="1270" anchor="ctr" anchorCtr="0">
+        <a:bodyPr spcFirstLastPara="0" vert="horz" wrap="square" lIns="4445" tIns="4445" rIns="4445" bIns="4445" numCol="1" spcCol="1270" anchor="ctr" anchorCtr="0">
           <a:noAutofit/>
         </a:bodyPr>
         <a:lstStyle/>
         <a:p>
-          <a:pPr marL="0" lvl="0" indent="0" algn="ctr" defTabSz="400050">
+          <a:pPr marL="0" lvl="0" indent="0" algn="ctr" defTabSz="311150">
             <a:lnSpc>
               <a:spcPct val="90000"/>
             </a:lnSpc>
@@ -10182,14 +10126,14 @@
             <a:buNone/>
           </a:pPr>
           <a:r>
-            <a:rPr lang="en-PH" sz="900" i="0" u="none" kern="1200" dirty="0"/>
+            <a:rPr lang="en-PH" sz="700" i="0" u="none" kern="1200" dirty="0"/>
             <a:t>GET: /signup</a:t>
           </a:r>
         </a:p>
       </dsp:txBody>
       <dsp:txXfrm>
-        <a:off x="5980570" y="1281228"/>
-        <a:ext cx="1235505" cy="617752"/>
+        <a:off x="5807856" y="668080"/>
+        <a:ext cx="940268" cy="470134"/>
       </dsp:txXfrm>
     </dsp:sp>
     <dsp:sp modelId="{B15B783C-17E1-46DC-B52E-C2A7EDCDDBF6}">
@@ -10199,8 +10143,8 @@
       </dsp:nvSpPr>
       <dsp:spPr>
         <a:xfrm>
-          <a:off x="6289447" y="2158437"/>
-          <a:ext cx="1235505" cy="617752"/>
+          <a:off x="6042923" y="1335671"/>
+          <a:ext cx="940268" cy="470134"/>
         </a:xfrm>
         <a:prstGeom prst="rect">
           <a:avLst/>
@@ -10242,12 +10186,12 @@
         </a:fontRef>
       </dsp:style>
       <dsp:txBody>
-        <a:bodyPr spcFirstLastPara="0" vert="horz" wrap="square" lIns="5715" tIns="5715" rIns="5715" bIns="5715" numCol="1" spcCol="1270" anchor="ctr" anchorCtr="0">
+        <a:bodyPr spcFirstLastPara="0" vert="horz" wrap="square" lIns="4445" tIns="4445" rIns="4445" bIns="4445" numCol="1" spcCol="1270" anchor="ctr" anchorCtr="0">
           <a:noAutofit/>
         </a:bodyPr>
         <a:lstStyle/>
         <a:p>
-          <a:pPr marL="0" lvl="0" indent="0" algn="ctr" defTabSz="400050">
+          <a:pPr marL="0" lvl="0" indent="0" algn="ctr" defTabSz="311150">
             <a:lnSpc>
               <a:spcPct val="90000"/>
             </a:lnSpc>
@@ -10260,14 +10204,14 @@
             <a:buNone/>
           </a:pPr>
           <a:r>
-            <a:rPr lang="en-PH" sz="900" i="0" u="none" kern="1200" dirty="0"/>
+            <a:rPr lang="en-PH" sz="700" i="0" u="none" kern="1200" dirty="0"/>
             <a:t>POST: /signup/save</a:t>
           </a:r>
         </a:p>
       </dsp:txBody>
       <dsp:txXfrm>
-        <a:off x="6289447" y="2158437"/>
-        <a:ext cx="1235505" cy="617752"/>
+        <a:off x="6042923" y="1335671"/>
+        <a:ext cx="940268" cy="470134"/>
       </dsp:txXfrm>
     </dsp:sp>
     <dsp:sp modelId="{022713AF-96D9-4A2B-A358-49115AFE68DF}">
@@ -10277,8 +10221,8 @@
       </dsp:nvSpPr>
       <dsp:spPr>
         <a:xfrm>
-          <a:off x="7784409" y="1281228"/>
-          <a:ext cx="1235505" cy="617752"/>
+          <a:off x="7180648" y="668080"/>
+          <a:ext cx="940268" cy="470134"/>
         </a:xfrm>
         <a:prstGeom prst="rect">
           <a:avLst/>
@@ -10320,12 +10264,12 @@
         </a:fontRef>
       </dsp:style>
       <dsp:txBody>
-        <a:bodyPr spcFirstLastPara="0" vert="horz" wrap="square" lIns="5715" tIns="5715" rIns="5715" bIns="5715" numCol="1" spcCol="1270" anchor="ctr" anchorCtr="0">
+        <a:bodyPr spcFirstLastPara="0" vert="horz" wrap="square" lIns="4445" tIns="4445" rIns="4445" bIns="4445" numCol="1" spcCol="1270" anchor="ctr" anchorCtr="0">
           <a:noAutofit/>
         </a:bodyPr>
         <a:lstStyle/>
         <a:p>
-          <a:pPr marL="0" lvl="0" indent="0" algn="ctr" defTabSz="400050">
+          <a:pPr marL="0" lvl="0" indent="0" algn="ctr" defTabSz="311150">
             <a:lnSpc>
               <a:spcPct val="90000"/>
             </a:lnSpc>
@@ -10338,14 +10282,14 @@
             <a:buNone/>
           </a:pPr>
           <a:r>
-            <a:rPr lang="en-PH" sz="900" i="0" u="none" kern="1200" dirty="0"/>
+            <a:rPr lang="en-PH" sz="700" i="0" u="none" kern="1200" dirty="0"/>
             <a:t>GET: /profile</a:t>
           </a:r>
         </a:p>
       </dsp:txBody>
       <dsp:txXfrm>
-        <a:off x="7784409" y="1281228"/>
-        <a:ext cx="1235505" cy="617752"/>
+        <a:off x="7180648" y="668080"/>
+        <a:ext cx="940268" cy="470134"/>
       </dsp:txXfrm>
     </dsp:sp>
     <dsp:sp modelId="{CC33A293-E3CB-411D-9632-6FE6954F9F3F}">
@@ -10355,8 +10299,8 @@
       </dsp:nvSpPr>
       <dsp:spPr>
         <a:xfrm>
-          <a:off x="7784409" y="2158437"/>
-          <a:ext cx="1235505" cy="617752"/>
+          <a:off x="7180648" y="1335671"/>
+          <a:ext cx="940268" cy="470134"/>
         </a:xfrm>
         <a:prstGeom prst="rect">
           <a:avLst/>
@@ -10398,12 +10342,12 @@
         </a:fontRef>
       </dsp:style>
       <dsp:txBody>
-        <a:bodyPr spcFirstLastPara="0" vert="horz" wrap="square" lIns="5715" tIns="5715" rIns="5715" bIns="5715" numCol="1" spcCol="1270" anchor="ctr" anchorCtr="0">
+        <a:bodyPr spcFirstLastPara="0" vert="horz" wrap="square" lIns="4445" tIns="4445" rIns="4445" bIns="4445" numCol="1" spcCol="1270" anchor="ctr" anchorCtr="0">
           <a:noAutofit/>
         </a:bodyPr>
         <a:lstStyle/>
         <a:p>
-          <a:pPr marL="0" lvl="0" indent="0" algn="ctr" defTabSz="400050">
+          <a:pPr marL="0" lvl="0" indent="0" algn="ctr" defTabSz="311150">
             <a:lnSpc>
               <a:spcPct val="90000"/>
             </a:lnSpc>
@@ -10416,14 +10360,14 @@
             <a:buNone/>
           </a:pPr>
           <a:r>
-            <a:rPr lang="en-PH" sz="900" i="0" u="none" kern="1200" dirty="0"/>
+            <a:rPr lang="en-PH" sz="700" i="0" u="none" kern="1200" dirty="0"/>
             <a:t>GET: /profile/settings</a:t>
           </a:r>
         </a:p>
       </dsp:txBody>
       <dsp:txXfrm>
-        <a:off x="7784409" y="2158437"/>
-        <a:ext cx="1235505" cy="617752"/>
+        <a:off x="7180648" y="1335671"/>
+        <a:ext cx="940268" cy="470134"/>
       </dsp:txXfrm>
     </dsp:sp>
     <dsp:sp modelId="{070D4700-2947-4504-A795-8589C16A902C}">
@@ -10433,8 +10377,8 @@
       </dsp:nvSpPr>
       <dsp:spPr>
         <a:xfrm>
-          <a:off x="8093286" y="3035647"/>
-          <a:ext cx="1235505" cy="617752"/>
+          <a:off x="7415715" y="2003261"/>
+          <a:ext cx="940268" cy="470134"/>
         </a:xfrm>
         <a:prstGeom prst="rect">
           <a:avLst/>
@@ -10476,12 +10420,12 @@
         </a:fontRef>
       </dsp:style>
       <dsp:txBody>
-        <a:bodyPr spcFirstLastPara="0" vert="horz" wrap="square" lIns="5715" tIns="5715" rIns="5715" bIns="5715" numCol="1" spcCol="1270" anchor="ctr" anchorCtr="0">
+        <a:bodyPr spcFirstLastPara="0" vert="horz" wrap="square" lIns="4445" tIns="4445" rIns="4445" bIns="4445" numCol="1" spcCol="1270" anchor="ctr" anchorCtr="0">
           <a:noAutofit/>
         </a:bodyPr>
         <a:lstStyle/>
         <a:p>
-          <a:pPr marL="0" lvl="0" indent="0" algn="ctr" defTabSz="400050">
+          <a:pPr marL="0" lvl="0" indent="0" algn="ctr" defTabSz="311150">
             <a:lnSpc>
               <a:spcPct val="90000"/>
             </a:lnSpc>
@@ -10494,14 +10438,14 @@
             <a:buNone/>
           </a:pPr>
           <a:r>
-            <a:rPr lang="en-PH" sz="900" i="0" u="none" kern="1200" dirty="0"/>
+            <a:rPr lang="en-PH" sz="700" i="0" u="none" kern="1200" dirty="0"/>
             <a:t>PATCH: profile/settings/save</a:t>
           </a:r>
         </a:p>
       </dsp:txBody>
       <dsp:txXfrm>
-        <a:off x="8093286" y="3035647"/>
-        <a:ext cx="1235505" cy="617752"/>
+        <a:off x="7415715" y="2003261"/>
+        <a:ext cx="940268" cy="470134"/>
       </dsp:txXfrm>
     </dsp:sp>
     <dsp:sp modelId="{6E5659B3-987D-47B1-A1A1-39AAF04C38E5}">
@@ -10511,8 +10455,8 @@
       </dsp:nvSpPr>
       <dsp:spPr>
         <a:xfrm>
-          <a:off x="8093286" y="3912856"/>
-          <a:ext cx="1235505" cy="617752"/>
+          <a:off x="7415715" y="2670851"/>
+          <a:ext cx="940268" cy="470134"/>
         </a:xfrm>
         <a:prstGeom prst="rect">
           <a:avLst/>
@@ -10554,12 +10498,12 @@
         </a:fontRef>
       </dsp:style>
       <dsp:txBody>
-        <a:bodyPr spcFirstLastPara="0" vert="horz" wrap="square" lIns="5715" tIns="5715" rIns="5715" bIns="5715" numCol="1" spcCol="1270" anchor="ctr" anchorCtr="0">
+        <a:bodyPr spcFirstLastPara="0" vert="horz" wrap="square" lIns="4445" tIns="4445" rIns="4445" bIns="4445" numCol="1" spcCol="1270" anchor="ctr" anchorCtr="0">
           <a:noAutofit/>
         </a:bodyPr>
         <a:lstStyle/>
         <a:p>
-          <a:pPr marL="0" lvl="0" indent="0" algn="ctr" defTabSz="400050">
+          <a:pPr marL="0" lvl="0" indent="0" algn="ctr" defTabSz="311150">
             <a:lnSpc>
               <a:spcPct val="90000"/>
             </a:lnSpc>
@@ -10572,14 +10516,14 @@
             <a:buNone/>
           </a:pPr>
           <a:r>
-            <a:rPr lang="en-PH" sz="900" i="0" u="none" kern="1200" dirty="0"/>
+            <a:rPr lang="en-PH" sz="700" i="0" u="none" kern="1200" dirty="0"/>
             <a:t>DELETE: profile/settings/delete</a:t>
           </a:r>
         </a:p>
       </dsp:txBody>
       <dsp:txXfrm>
-        <a:off x="8093286" y="3912856"/>
-        <a:ext cx="1235505" cy="617752"/>
+        <a:off x="7415715" y="2670851"/>
+        <a:ext cx="940268" cy="470134"/>
       </dsp:txXfrm>
     </dsp:sp>
     <dsp:sp modelId="{12F0C7F9-8119-4BBD-A7C5-DEFEEA6C7D89}">
@@ -10589,8 +10533,8 @@
       </dsp:nvSpPr>
       <dsp:spPr>
         <a:xfrm>
-          <a:off x="9279371" y="1281228"/>
-          <a:ext cx="1235505" cy="617752"/>
+          <a:off x="8318372" y="668080"/>
+          <a:ext cx="940268" cy="470134"/>
         </a:xfrm>
         <a:prstGeom prst="rect">
           <a:avLst/>
@@ -10632,12 +10576,12 @@
         </a:fontRef>
       </dsp:style>
       <dsp:txBody>
-        <a:bodyPr spcFirstLastPara="0" vert="horz" wrap="square" lIns="5715" tIns="5715" rIns="5715" bIns="5715" numCol="1" spcCol="1270" anchor="ctr" anchorCtr="0">
+        <a:bodyPr spcFirstLastPara="0" vert="horz" wrap="square" lIns="4445" tIns="4445" rIns="4445" bIns="4445" numCol="1" spcCol="1270" anchor="ctr" anchorCtr="0">
           <a:noAutofit/>
         </a:bodyPr>
         <a:lstStyle/>
         <a:p>
-          <a:pPr marL="0" lvl="0" indent="0" algn="ctr" defTabSz="400050">
+          <a:pPr marL="0" lvl="0" indent="0" algn="ctr" defTabSz="311150">
             <a:lnSpc>
               <a:spcPct val="90000"/>
             </a:lnSpc>
@@ -10650,14 +10594,14 @@
             <a:buNone/>
           </a:pPr>
           <a:r>
-            <a:rPr lang="en-PH" sz="900" i="0" u="none" kern="1200" dirty="0"/>
+            <a:rPr lang="en-PH" sz="700" i="0" u="none" kern="1200" dirty="0"/>
             <a:t>GET: /user/&lt;username&gt;</a:t>
           </a:r>
         </a:p>
       </dsp:txBody>
       <dsp:txXfrm>
-        <a:off x="9279371" y="1281228"/>
-        <a:ext cx="1235505" cy="617752"/>
+        <a:off x="8318372" y="668080"/>
+        <a:ext cx="940268" cy="470134"/>
       </dsp:txXfrm>
     </dsp:sp>
   </dsp:spTree>
@@ -22170,7 +22114,7 @@
           <a:p>
             <a:fld id="{2CDD62A0-B891-4650-A5BB-561AD783AD7C}" type="datetimeFigureOut">
               <a:rPr lang="en-PH" smtClean="0"/>
-              <a:t>27/05/2022</a:t>
+              <a:t>29/05/2022</a:t>
             </a:fld>
             <a:endParaRPr lang="en-PH"/>
           </a:p>
@@ -22370,7 +22314,7 @@
           <a:p>
             <a:fld id="{2CDD62A0-B891-4650-A5BB-561AD783AD7C}" type="datetimeFigureOut">
               <a:rPr lang="en-PH" smtClean="0"/>
-              <a:t>27/05/2022</a:t>
+              <a:t>29/05/2022</a:t>
             </a:fld>
             <a:endParaRPr lang="en-PH"/>
           </a:p>
@@ -22580,7 +22524,7 @@
           <a:p>
             <a:fld id="{2CDD62A0-B891-4650-A5BB-561AD783AD7C}" type="datetimeFigureOut">
               <a:rPr lang="en-PH" smtClean="0"/>
-              <a:t>27/05/2022</a:t>
+              <a:t>29/05/2022</a:t>
             </a:fld>
             <a:endParaRPr lang="en-PH"/>
           </a:p>
@@ -22780,7 +22724,7 @@
           <a:p>
             <a:fld id="{2CDD62A0-B891-4650-A5BB-561AD783AD7C}" type="datetimeFigureOut">
               <a:rPr lang="en-PH" smtClean="0"/>
-              <a:t>27/05/2022</a:t>
+              <a:t>29/05/2022</a:t>
             </a:fld>
             <a:endParaRPr lang="en-PH"/>
           </a:p>
@@ -23056,7 +23000,7 @@
           <a:p>
             <a:fld id="{2CDD62A0-B891-4650-A5BB-561AD783AD7C}" type="datetimeFigureOut">
               <a:rPr lang="en-PH" smtClean="0"/>
-              <a:t>27/05/2022</a:t>
+              <a:t>29/05/2022</a:t>
             </a:fld>
             <a:endParaRPr lang="en-PH"/>
           </a:p>
@@ -23324,7 +23268,7 @@
           <a:p>
             <a:fld id="{2CDD62A0-B891-4650-A5BB-561AD783AD7C}" type="datetimeFigureOut">
               <a:rPr lang="en-PH" smtClean="0"/>
-              <a:t>27/05/2022</a:t>
+              <a:t>29/05/2022</a:t>
             </a:fld>
             <a:endParaRPr lang="en-PH"/>
           </a:p>
@@ -23739,7 +23683,7 @@
           <a:p>
             <a:fld id="{2CDD62A0-B891-4650-A5BB-561AD783AD7C}" type="datetimeFigureOut">
               <a:rPr lang="en-PH" smtClean="0"/>
-              <a:t>27/05/2022</a:t>
+              <a:t>29/05/2022</a:t>
             </a:fld>
             <a:endParaRPr lang="en-PH"/>
           </a:p>
@@ -23881,7 +23825,7 @@
           <a:p>
             <a:fld id="{2CDD62A0-B891-4650-A5BB-561AD783AD7C}" type="datetimeFigureOut">
               <a:rPr lang="en-PH" smtClean="0"/>
-              <a:t>27/05/2022</a:t>
+              <a:t>29/05/2022</a:t>
             </a:fld>
             <a:endParaRPr lang="en-PH"/>
           </a:p>
@@ -23994,7 +23938,7 @@
           <a:p>
             <a:fld id="{2CDD62A0-B891-4650-A5BB-561AD783AD7C}" type="datetimeFigureOut">
               <a:rPr lang="en-PH" smtClean="0"/>
-              <a:t>27/05/2022</a:t>
+              <a:t>29/05/2022</a:t>
             </a:fld>
             <a:endParaRPr lang="en-PH"/>
           </a:p>
@@ -24307,7 +24251,7 @@
           <a:p>
             <a:fld id="{2CDD62A0-B891-4650-A5BB-561AD783AD7C}" type="datetimeFigureOut">
               <a:rPr lang="en-PH" smtClean="0"/>
-              <a:t>27/05/2022</a:t>
+              <a:t>29/05/2022</a:t>
             </a:fld>
             <a:endParaRPr lang="en-PH"/>
           </a:p>
@@ -24596,7 +24540,7 @@
           <a:p>
             <a:fld id="{2CDD62A0-B891-4650-A5BB-561AD783AD7C}" type="datetimeFigureOut">
               <a:rPr lang="en-PH" smtClean="0"/>
-              <a:t>27/05/2022</a:t>
+              <a:t>29/05/2022</a:t>
             </a:fld>
             <a:endParaRPr lang="en-PH"/>
           </a:p>
@@ -24839,7 +24783,7 @@
           <a:p>
             <a:fld id="{2CDD62A0-B891-4650-A5BB-561AD783AD7C}" type="datetimeFigureOut">
               <a:rPr lang="en-PH" smtClean="0"/>
-              <a:t>27/05/2022</a:t>
+              <a:t>29/05/2022</a:t>
             </a:fld>
             <a:endParaRPr lang="en-PH"/>
           </a:p>
@@ -25454,7 +25398,7 @@
             <p:ph idx="1"/>
             <p:extLst>
               <p:ext uri="{D42A27DB-BD31-4B8C-83A1-F6EECF244321}">
-                <p14:modId xmlns:p14="http://schemas.microsoft.com/office/powerpoint/2010/main" val="4086281093"/>
+                <p14:modId xmlns:p14="http://schemas.microsoft.com/office/powerpoint/2010/main" val="289620441"/>
               </p:ext>
             </p:extLst>
           </p:nvPr>

--- a/Official/Design.pptx
+++ b/Official/Design.pptx
@@ -13,6 +13,8 @@
     <p:sldId id="260" r:id="rId7"/>
     <p:sldId id="261" r:id="rId8"/>
     <p:sldId id="264" r:id="rId9"/>
+    <p:sldId id="265" r:id="rId10"/>
+    <p:sldId id="266" r:id="rId11"/>
   </p:sldIdLst>
   <p:sldSz cx="12192000" cy="6858000"/>
   <p:notesSz cx="6858000" cy="9144000"/>
@@ -3119,6 +3121,1500 @@
 </file>
 
 <file path=ppt/diagrams/colors5.xml><?xml version="1.0" encoding="utf-8"?>
+<dgm:colorsDef xmlns:dgm="http://schemas.openxmlformats.org/drawingml/2006/diagram" xmlns:a="http://schemas.openxmlformats.org/drawingml/2006/main" uniqueId="urn:microsoft.com/office/officeart/2005/8/colors/accent1_2">
+  <dgm:title val=""/>
+  <dgm:desc val=""/>
+  <dgm:catLst>
+    <dgm:cat type="accent1" pri="11200"/>
+  </dgm:catLst>
+  <dgm:styleLbl name="node0">
+    <dgm:fillClrLst meth="repeat">
+      <a:schemeClr val="accent1"/>
+    </dgm:fillClrLst>
+    <dgm:linClrLst meth="repeat">
+      <a:schemeClr val="lt1"/>
+    </dgm:linClrLst>
+    <dgm:effectClrLst/>
+    <dgm:txLinClrLst/>
+    <dgm:txFillClrLst/>
+    <dgm:txEffectClrLst/>
+  </dgm:styleLbl>
+  <dgm:styleLbl name="alignNode1">
+    <dgm:fillClrLst meth="repeat">
+      <a:schemeClr val="accent1"/>
+    </dgm:fillClrLst>
+    <dgm:linClrLst meth="repeat">
+      <a:schemeClr val="accent1"/>
+    </dgm:linClrLst>
+    <dgm:effectClrLst/>
+    <dgm:txLinClrLst/>
+    <dgm:txFillClrLst/>
+    <dgm:txEffectClrLst/>
+  </dgm:styleLbl>
+  <dgm:styleLbl name="node1">
+    <dgm:fillClrLst meth="repeat">
+      <a:schemeClr val="accent1"/>
+    </dgm:fillClrLst>
+    <dgm:linClrLst meth="repeat">
+      <a:schemeClr val="lt1"/>
+    </dgm:linClrLst>
+    <dgm:effectClrLst/>
+    <dgm:txLinClrLst/>
+    <dgm:txFillClrLst/>
+    <dgm:txEffectClrLst/>
+  </dgm:styleLbl>
+  <dgm:styleLbl name="lnNode1">
+    <dgm:fillClrLst meth="repeat">
+      <a:schemeClr val="accent1"/>
+    </dgm:fillClrLst>
+    <dgm:linClrLst meth="repeat">
+      <a:schemeClr val="lt1"/>
+    </dgm:linClrLst>
+    <dgm:effectClrLst/>
+    <dgm:txLinClrLst/>
+    <dgm:txFillClrLst/>
+    <dgm:txEffectClrLst/>
+  </dgm:styleLbl>
+  <dgm:styleLbl name="vennNode1">
+    <dgm:fillClrLst meth="repeat">
+      <a:schemeClr val="accent1">
+        <a:alpha val="50000"/>
+      </a:schemeClr>
+    </dgm:fillClrLst>
+    <dgm:linClrLst meth="repeat">
+      <a:schemeClr val="lt1"/>
+    </dgm:linClrLst>
+    <dgm:effectClrLst/>
+    <dgm:txLinClrLst/>
+    <dgm:txFillClrLst/>
+    <dgm:txEffectClrLst/>
+  </dgm:styleLbl>
+  <dgm:styleLbl name="node2">
+    <dgm:fillClrLst meth="repeat">
+      <a:schemeClr val="accent1"/>
+    </dgm:fillClrLst>
+    <dgm:linClrLst meth="repeat">
+      <a:schemeClr val="lt1"/>
+    </dgm:linClrLst>
+    <dgm:effectClrLst/>
+    <dgm:txLinClrLst/>
+    <dgm:txFillClrLst/>
+    <dgm:txEffectClrLst/>
+  </dgm:styleLbl>
+  <dgm:styleLbl name="node3">
+    <dgm:fillClrLst meth="repeat">
+      <a:schemeClr val="accent1"/>
+    </dgm:fillClrLst>
+    <dgm:linClrLst meth="repeat">
+      <a:schemeClr val="lt1"/>
+    </dgm:linClrLst>
+    <dgm:effectClrLst/>
+    <dgm:txLinClrLst/>
+    <dgm:txFillClrLst/>
+    <dgm:txEffectClrLst/>
+  </dgm:styleLbl>
+  <dgm:styleLbl name="node4">
+    <dgm:fillClrLst meth="repeat">
+      <a:schemeClr val="accent1"/>
+    </dgm:fillClrLst>
+    <dgm:linClrLst meth="repeat">
+      <a:schemeClr val="lt1"/>
+    </dgm:linClrLst>
+    <dgm:effectClrLst/>
+    <dgm:txLinClrLst/>
+    <dgm:txFillClrLst/>
+    <dgm:txEffectClrLst/>
+  </dgm:styleLbl>
+  <dgm:styleLbl name="fgImgPlace1">
+    <dgm:fillClrLst meth="repeat">
+      <a:schemeClr val="accent1">
+        <a:tint val="50000"/>
+      </a:schemeClr>
+    </dgm:fillClrLst>
+    <dgm:linClrLst meth="repeat">
+      <a:schemeClr val="lt1"/>
+    </dgm:linClrLst>
+    <dgm:effectClrLst/>
+    <dgm:txLinClrLst/>
+    <dgm:txFillClrLst meth="repeat">
+      <a:schemeClr val="lt1"/>
+    </dgm:txFillClrLst>
+    <dgm:txEffectClrLst/>
+  </dgm:styleLbl>
+  <dgm:styleLbl name="alignImgPlace1">
+    <dgm:fillClrLst meth="repeat">
+      <a:schemeClr val="accent1">
+        <a:tint val="50000"/>
+      </a:schemeClr>
+    </dgm:fillClrLst>
+    <dgm:linClrLst meth="repeat">
+      <a:schemeClr val="lt1"/>
+    </dgm:linClrLst>
+    <dgm:effectClrLst/>
+    <dgm:txLinClrLst/>
+    <dgm:txFillClrLst meth="repeat">
+      <a:schemeClr val="lt1"/>
+    </dgm:txFillClrLst>
+    <dgm:txEffectClrLst/>
+  </dgm:styleLbl>
+  <dgm:styleLbl name="bgImgPlace1">
+    <dgm:fillClrLst meth="repeat">
+      <a:schemeClr val="accent1">
+        <a:tint val="50000"/>
+      </a:schemeClr>
+    </dgm:fillClrLst>
+    <dgm:linClrLst meth="repeat">
+      <a:schemeClr val="lt1"/>
+    </dgm:linClrLst>
+    <dgm:effectClrLst/>
+    <dgm:txLinClrLst/>
+    <dgm:txFillClrLst meth="repeat">
+      <a:schemeClr val="lt1"/>
+    </dgm:txFillClrLst>
+    <dgm:txEffectClrLst/>
+  </dgm:styleLbl>
+  <dgm:styleLbl name="sibTrans2D1">
+    <dgm:fillClrLst meth="repeat">
+      <a:schemeClr val="accent1">
+        <a:tint val="60000"/>
+      </a:schemeClr>
+    </dgm:fillClrLst>
+    <dgm:linClrLst meth="repeat">
+      <a:schemeClr val="accent1">
+        <a:tint val="60000"/>
+      </a:schemeClr>
+    </dgm:linClrLst>
+    <dgm:effectClrLst/>
+    <dgm:txLinClrLst/>
+    <dgm:txFillClrLst/>
+    <dgm:txEffectClrLst/>
+  </dgm:styleLbl>
+  <dgm:styleLbl name="fgSibTrans2D1">
+    <dgm:fillClrLst meth="repeat">
+      <a:schemeClr val="accent1">
+        <a:tint val="60000"/>
+      </a:schemeClr>
+    </dgm:fillClrLst>
+    <dgm:linClrLst meth="repeat">
+      <a:schemeClr val="accent1">
+        <a:tint val="60000"/>
+      </a:schemeClr>
+    </dgm:linClrLst>
+    <dgm:effectClrLst/>
+    <dgm:txLinClrLst/>
+    <dgm:txFillClrLst/>
+    <dgm:txEffectClrLst/>
+  </dgm:styleLbl>
+  <dgm:styleLbl name="bgSibTrans2D1">
+    <dgm:fillClrLst meth="repeat">
+      <a:schemeClr val="accent1">
+        <a:tint val="60000"/>
+      </a:schemeClr>
+    </dgm:fillClrLst>
+    <dgm:linClrLst meth="repeat">
+      <a:schemeClr val="accent1">
+        <a:tint val="60000"/>
+      </a:schemeClr>
+    </dgm:linClrLst>
+    <dgm:effectClrLst/>
+    <dgm:txLinClrLst/>
+    <dgm:txFillClrLst/>
+    <dgm:txEffectClrLst/>
+  </dgm:styleLbl>
+  <dgm:styleLbl name="sibTrans1D1">
+    <dgm:fillClrLst meth="repeat">
+      <a:schemeClr val="accent1"/>
+    </dgm:fillClrLst>
+    <dgm:linClrLst meth="repeat">
+      <a:schemeClr val="accent1"/>
+    </dgm:linClrLst>
+    <dgm:effectClrLst/>
+    <dgm:txLinClrLst/>
+    <dgm:txFillClrLst meth="repeat">
+      <a:schemeClr val="tx1"/>
+    </dgm:txFillClrLst>
+    <dgm:txEffectClrLst/>
+  </dgm:styleLbl>
+  <dgm:styleLbl name="callout">
+    <dgm:fillClrLst meth="repeat">
+      <a:schemeClr val="accent1"/>
+    </dgm:fillClrLst>
+    <dgm:linClrLst meth="repeat">
+      <a:schemeClr val="accent1">
+        <a:tint val="50000"/>
+      </a:schemeClr>
+    </dgm:linClrLst>
+    <dgm:effectClrLst/>
+    <dgm:txLinClrLst/>
+    <dgm:txFillClrLst meth="repeat">
+      <a:schemeClr val="tx1"/>
+    </dgm:txFillClrLst>
+    <dgm:txEffectClrLst/>
+  </dgm:styleLbl>
+  <dgm:styleLbl name="asst0">
+    <dgm:fillClrLst meth="repeat">
+      <a:schemeClr val="accent1"/>
+    </dgm:fillClrLst>
+    <dgm:linClrLst meth="repeat">
+      <a:schemeClr val="lt1"/>
+    </dgm:linClrLst>
+    <dgm:effectClrLst/>
+    <dgm:txLinClrLst/>
+    <dgm:txFillClrLst/>
+    <dgm:txEffectClrLst/>
+  </dgm:styleLbl>
+  <dgm:styleLbl name="asst1">
+    <dgm:fillClrLst meth="repeat">
+      <a:schemeClr val="accent1"/>
+    </dgm:fillClrLst>
+    <dgm:linClrLst meth="repeat">
+      <a:schemeClr val="lt1"/>
+    </dgm:linClrLst>
+    <dgm:effectClrLst/>
+    <dgm:txLinClrLst/>
+    <dgm:txFillClrLst/>
+    <dgm:txEffectClrLst/>
+  </dgm:styleLbl>
+  <dgm:styleLbl name="asst2">
+    <dgm:fillClrLst meth="repeat">
+      <a:schemeClr val="accent1"/>
+    </dgm:fillClrLst>
+    <dgm:linClrLst meth="repeat">
+      <a:schemeClr val="lt1"/>
+    </dgm:linClrLst>
+    <dgm:effectClrLst/>
+    <dgm:txLinClrLst/>
+    <dgm:txFillClrLst/>
+    <dgm:txEffectClrLst/>
+  </dgm:styleLbl>
+  <dgm:styleLbl name="asst3">
+    <dgm:fillClrLst meth="repeat">
+      <a:schemeClr val="accent1"/>
+    </dgm:fillClrLst>
+    <dgm:linClrLst meth="repeat">
+      <a:schemeClr val="lt1"/>
+    </dgm:linClrLst>
+    <dgm:effectClrLst/>
+    <dgm:txLinClrLst/>
+    <dgm:txFillClrLst/>
+    <dgm:txEffectClrLst/>
+  </dgm:styleLbl>
+  <dgm:styleLbl name="asst4">
+    <dgm:fillClrLst meth="repeat">
+      <a:schemeClr val="accent1"/>
+    </dgm:fillClrLst>
+    <dgm:linClrLst meth="repeat">
+      <a:schemeClr val="lt1"/>
+    </dgm:linClrLst>
+    <dgm:effectClrLst/>
+    <dgm:txLinClrLst/>
+    <dgm:txFillClrLst/>
+    <dgm:txEffectClrLst/>
+  </dgm:styleLbl>
+  <dgm:styleLbl name="parChTrans2D1">
+    <dgm:fillClrLst meth="repeat">
+      <a:schemeClr val="accent1">
+        <a:tint val="60000"/>
+      </a:schemeClr>
+    </dgm:fillClrLst>
+    <dgm:linClrLst meth="repeat">
+      <a:schemeClr val="accent1">
+        <a:tint val="60000"/>
+      </a:schemeClr>
+    </dgm:linClrLst>
+    <dgm:effectClrLst/>
+    <dgm:txLinClrLst/>
+    <dgm:txFillClrLst meth="repeat">
+      <a:schemeClr val="lt1"/>
+    </dgm:txFillClrLst>
+    <dgm:txEffectClrLst/>
+  </dgm:styleLbl>
+  <dgm:styleLbl name="parChTrans2D2">
+    <dgm:fillClrLst meth="repeat">
+      <a:schemeClr val="accent1"/>
+    </dgm:fillClrLst>
+    <dgm:linClrLst meth="repeat">
+      <a:schemeClr val="accent1"/>
+    </dgm:linClrLst>
+    <dgm:effectClrLst/>
+    <dgm:txLinClrLst/>
+    <dgm:txFillClrLst meth="repeat">
+      <a:schemeClr val="lt1"/>
+    </dgm:txFillClrLst>
+    <dgm:txEffectClrLst/>
+  </dgm:styleLbl>
+  <dgm:styleLbl name="parChTrans2D3">
+    <dgm:fillClrLst meth="repeat">
+      <a:schemeClr val="accent1"/>
+    </dgm:fillClrLst>
+    <dgm:linClrLst meth="repeat">
+      <a:schemeClr val="accent1"/>
+    </dgm:linClrLst>
+    <dgm:effectClrLst/>
+    <dgm:txLinClrLst/>
+    <dgm:txFillClrLst meth="repeat">
+      <a:schemeClr val="lt1"/>
+    </dgm:txFillClrLst>
+    <dgm:txEffectClrLst/>
+  </dgm:styleLbl>
+  <dgm:styleLbl name="parChTrans2D4">
+    <dgm:fillClrLst meth="repeat">
+      <a:schemeClr val="accent1"/>
+    </dgm:fillClrLst>
+    <dgm:linClrLst meth="repeat">
+      <a:schemeClr val="accent1"/>
+    </dgm:linClrLst>
+    <dgm:effectClrLst/>
+    <dgm:txLinClrLst/>
+    <dgm:txFillClrLst meth="repeat">
+      <a:schemeClr val="lt1"/>
+    </dgm:txFillClrLst>
+    <dgm:txEffectClrLst/>
+  </dgm:styleLbl>
+  <dgm:styleLbl name="parChTrans1D1">
+    <dgm:fillClrLst meth="repeat">
+      <a:schemeClr val="accent1"/>
+    </dgm:fillClrLst>
+    <dgm:linClrLst meth="repeat">
+      <a:schemeClr val="accent1">
+        <a:shade val="60000"/>
+      </a:schemeClr>
+    </dgm:linClrLst>
+    <dgm:effectClrLst/>
+    <dgm:txLinClrLst/>
+    <dgm:txFillClrLst meth="repeat">
+      <a:schemeClr val="tx1"/>
+    </dgm:txFillClrLst>
+    <dgm:txEffectClrLst/>
+  </dgm:styleLbl>
+  <dgm:styleLbl name="parChTrans1D2">
+    <dgm:fillClrLst meth="repeat">
+      <a:schemeClr val="accent1"/>
+    </dgm:fillClrLst>
+    <dgm:linClrLst meth="repeat">
+      <a:schemeClr val="accent1">
+        <a:shade val="60000"/>
+      </a:schemeClr>
+    </dgm:linClrLst>
+    <dgm:effectClrLst/>
+    <dgm:txLinClrLst/>
+    <dgm:txFillClrLst meth="repeat">
+      <a:schemeClr val="tx1"/>
+    </dgm:txFillClrLst>
+    <dgm:txEffectClrLst/>
+  </dgm:styleLbl>
+  <dgm:styleLbl name="parChTrans1D3">
+    <dgm:fillClrLst meth="repeat">
+      <a:schemeClr val="accent1"/>
+    </dgm:fillClrLst>
+    <dgm:linClrLst meth="repeat">
+      <a:schemeClr val="accent1">
+        <a:shade val="80000"/>
+      </a:schemeClr>
+    </dgm:linClrLst>
+    <dgm:effectClrLst/>
+    <dgm:txLinClrLst/>
+    <dgm:txFillClrLst meth="repeat">
+      <a:schemeClr val="tx1"/>
+    </dgm:txFillClrLst>
+    <dgm:txEffectClrLst/>
+  </dgm:styleLbl>
+  <dgm:styleLbl name="parChTrans1D4">
+    <dgm:fillClrLst meth="repeat">
+      <a:schemeClr val="accent1"/>
+    </dgm:fillClrLst>
+    <dgm:linClrLst meth="repeat">
+      <a:schemeClr val="accent1">
+        <a:shade val="80000"/>
+      </a:schemeClr>
+    </dgm:linClrLst>
+    <dgm:effectClrLst/>
+    <dgm:txLinClrLst/>
+    <dgm:txFillClrLst meth="repeat">
+      <a:schemeClr val="tx1"/>
+    </dgm:txFillClrLst>
+    <dgm:txEffectClrLst/>
+  </dgm:styleLbl>
+  <dgm:styleLbl name="fgAcc1">
+    <dgm:fillClrLst meth="repeat">
+      <a:schemeClr val="lt1">
+        <a:alpha val="90000"/>
+      </a:schemeClr>
+    </dgm:fillClrLst>
+    <dgm:linClrLst meth="repeat">
+      <a:schemeClr val="accent1"/>
+    </dgm:linClrLst>
+    <dgm:effectClrLst/>
+    <dgm:txLinClrLst/>
+    <dgm:txFillClrLst meth="repeat">
+      <a:schemeClr val="dk1"/>
+    </dgm:txFillClrLst>
+    <dgm:txEffectClrLst/>
+  </dgm:styleLbl>
+  <dgm:styleLbl name="conFgAcc1">
+    <dgm:fillClrLst meth="repeat">
+      <a:schemeClr val="lt1">
+        <a:alpha val="90000"/>
+      </a:schemeClr>
+    </dgm:fillClrLst>
+    <dgm:linClrLst meth="repeat">
+      <a:schemeClr val="accent1"/>
+    </dgm:linClrLst>
+    <dgm:effectClrLst/>
+    <dgm:txLinClrLst/>
+    <dgm:txFillClrLst meth="repeat">
+      <a:schemeClr val="dk1"/>
+    </dgm:txFillClrLst>
+    <dgm:txEffectClrLst/>
+  </dgm:styleLbl>
+  <dgm:styleLbl name="alignAcc1">
+    <dgm:fillClrLst meth="repeat">
+      <a:schemeClr val="lt1">
+        <a:alpha val="90000"/>
+      </a:schemeClr>
+    </dgm:fillClrLst>
+    <dgm:linClrLst meth="repeat">
+      <a:schemeClr val="accent1"/>
+    </dgm:linClrLst>
+    <dgm:effectClrLst/>
+    <dgm:txLinClrLst/>
+    <dgm:txFillClrLst meth="repeat">
+      <a:schemeClr val="dk1"/>
+    </dgm:txFillClrLst>
+    <dgm:txEffectClrLst/>
+  </dgm:styleLbl>
+  <dgm:styleLbl name="trAlignAcc1">
+    <dgm:fillClrLst meth="repeat">
+      <a:schemeClr val="lt1">
+        <a:alpha val="40000"/>
+      </a:schemeClr>
+    </dgm:fillClrLst>
+    <dgm:linClrLst meth="repeat">
+      <a:schemeClr val="accent1"/>
+    </dgm:linClrLst>
+    <dgm:effectClrLst/>
+    <dgm:txLinClrLst/>
+    <dgm:txFillClrLst meth="repeat">
+      <a:schemeClr val="dk1"/>
+    </dgm:txFillClrLst>
+    <dgm:txEffectClrLst/>
+  </dgm:styleLbl>
+  <dgm:styleLbl name="bgAcc1">
+    <dgm:fillClrLst meth="repeat">
+      <a:schemeClr val="lt1">
+        <a:alpha val="90000"/>
+      </a:schemeClr>
+    </dgm:fillClrLst>
+    <dgm:linClrLst meth="repeat">
+      <a:schemeClr val="accent1"/>
+    </dgm:linClrLst>
+    <dgm:effectClrLst/>
+    <dgm:txLinClrLst/>
+    <dgm:txFillClrLst meth="repeat">
+      <a:schemeClr val="dk1"/>
+    </dgm:txFillClrLst>
+    <dgm:txEffectClrLst/>
+  </dgm:styleLbl>
+  <dgm:styleLbl name="solidFgAcc1">
+    <dgm:fillClrLst meth="repeat">
+      <a:schemeClr val="lt1"/>
+    </dgm:fillClrLst>
+    <dgm:linClrLst meth="repeat">
+      <a:schemeClr val="accent1"/>
+    </dgm:linClrLst>
+    <dgm:effectClrLst/>
+    <dgm:txLinClrLst/>
+    <dgm:txFillClrLst meth="repeat">
+      <a:schemeClr val="dk1"/>
+    </dgm:txFillClrLst>
+    <dgm:txEffectClrLst/>
+  </dgm:styleLbl>
+  <dgm:styleLbl name="solidAlignAcc1">
+    <dgm:fillClrLst meth="repeat">
+      <a:schemeClr val="lt1"/>
+    </dgm:fillClrLst>
+    <dgm:linClrLst meth="repeat">
+      <a:schemeClr val="accent1"/>
+    </dgm:linClrLst>
+    <dgm:effectClrLst/>
+    <dgm:txLinClrLst/>
+    <dgm:txFillClrLst meth="repeat">
+      <a:schemeClr val="dk1"/>
+    </dgm:txFillClrLst>
+    <dgm:txEffectClrLst/>
+  </dgm:styleLbl>
+  <dgm:styleLbl name="solidBgAcc1">
+    <dgm:fillClrLst meth="repeat">
+      <a:schemeClr val="lt1"/>
+    </dgm:fillClrLst>
+    <dgm:linClrLst meth="repeat">
+      <a:schemeClr val="accent1"/>
+    </dgm:linClrLst>
+    <dgm:effectClrLst/>
+    <dgm:txLinClrLst/>
+    <dgm:txFillClrLst meth="repeat">
+      <a:schemeClr val="dk1"/>
+    </dgm:txFillClrLst>
+    <dgm:txEffectClrLst/>
+  </dgm:styleLbl>
+  <dgm:styleLbl name="fgAccFollowNode1">
+    <dgm:fillClrLst meth="repeat">
+      <a:schemeClr val="accent1">
+        <a:alpha val="90000"/>
+        <a:tint val="40000"/>
+      </a:schemeClr>
+    </dgm:fillClrLst>
+    <dgm:linClrLst meth="repeat">
+      <a:schemeClr val="accent1">
+        <a:alpha val="90000"/>
+        <a:tint val="40000"/>
+      </a:schemeClr>
+    </dgm:linClrLst>
+    <dgm:effectClrLst/>
+    <dgm:txLinClrLst/>
+    <dgm:txFillClrLst meth="repeat">
+      <a:schemeClr val="dk1"/>
+    </dgm:txFillClrLst>
+    <dgm:txEffectClrLst/>
+  </dgm:styleLbl>
+  <dgm:styleLbl name="alignAccFollowNode1">
+    <dgm:fillClrLst meth="repeat">
+      <a:schemeClr val="accent1">
+        <a:alpha val="90000"/>
+        <a:tint val="40000"/>
+      </a:schemeClr>
+    </dgm:fillClrLst>
+    <dgm:linClrLst meth="repeat">
+      <a:schemeClr val="accent1">
+        <a:alpha val="90000"/>
+        <a:tint val="40000"/>
+      </a:schemeClr>
+    </dgm:linClrLst>
+    <dgm:effectClrLst/>
+    <dgm:txLinClrLst/>
+    <dgm:txFillClrLst meth="repeat">
+      <a:schemeClr val="dk1"/>
+    </dgm:txFillClrLst>
+    <dgm:txEffectClrLst/>
+  </dgm:styleLbl>
+  <dgm:styleLbl name="bgAccFollowNode1">
+    <dgm:fillClrLst meth="repeat">
+      <a:schemeClr val="accent1">
+        <a:alpha val="90000"/>
+        <a:tint val="40000"/>
+      </a:schemeClr>
+    </dgm:fillClrLst>
+    <dgm:linClrLst meth="repeat">
+      <a:schemeClr val="accent1">
+        <a:alpha val="90000"/>
+        <a:tint val="40000"/>
+      </a:schemeClr>
+    </dgm:linClrLst>
+    <dgm:effectClrLst/>
+    <dgm:txLinClrLst/>
+    <dgm:txFillClrLst meth="repeat">
+      <a:schemeClr val="dk1"/>
+    </dgm:txFillClrLst>
+    <dgm:txEffectClrLst/>
+  </dgm:styleLbl>
+  <dgm:styleLbl name="fgAcc0">
+    <dgm:fillClrLst meth="repeat">
+      <a:schemeClr val="lt1">
+        <a:alpha val="90000"/>
+      </a:schemeClr>
+    </dgm:fillClrLst>
+    <dgm:linClrLst meth="repeat">
+      <a:schemeClr val="accent1"/>
+    </dgm:linClrLst>
+    <dgm:effectClrLst/>
+    <dgm:txLinClrLst/>
+    <dgm:txFillClrLst meth="repeat">
+      <a:schemeClr val="dk1"/>
+    </dgm:txFillClrLst>
+    <dgm:txEffectClrLst/>
+  </dgm:styleLbl>
+  <dgm:styleLbl name="fgAcc2">
+    <dgm:fillClrLst meth="repeat">
+      <a:schemeClr val="lt1">
+        <a:alpha val="90000"/>
+      </a:schemeClr>
+    </dgm:fillClrLst>
+    <dgm:linClrLst meth="repeat">
+      <a:schemeClr val="accent1"/>
+    </dgm:linClrLst>
+    <dgm:effectClrLst/>
+    <dgm:txLinClrLst/>
+    <dgm:txFillClrLst meth="repeat">
+      <a:schemeClr val="dk1"/>
+    </dgm:txFillClrLst>
+    <dgm:txEffectClrLst/>
+  </dgm:styleLbl>
+  <dgm:styleLbl name="fgAcc3">
+    <dgm:fillClrLst meth="repeat">
+      <a:schemeClr val="lt1">
+        <a:alpha val="90000"/>
+      </a:schemeClr>
+    </dgm:fillClrLst>
+    <dgm:linClrLst meth="repeat">
+      <a:schemeClr val="accent1"/>
+    </dgm:linClrLst>
+    <dgm:effectClrLst/>
+    <dgm:txLinClrLst/>
+    <dgm:txFillClrLst meth="repeat">
+      <a:schemeClr val="dk1"/>
+    </dgm:txFillClrLst>
+    <dgm:txEffectClrLst/>
+  </dgm:styleLbl>
+  <dgm:styleLbl name="fgAcc4">
+    <dgm:fillClrLst meth="repeat">
+      <a:schemeClr val="lt1">
+        <a:alpha val="90000"/>
+      </a:schemeClr>
+    </dgm:fillClrLst>
+    <dgm:linClrLst meth="repeat">
+      <a:schemeClr val="accent1"/>
+    </dgm:linClrLst>
+    <dgm:effectClrLst/>
+    <dgm:txLinClrLst/>
+    <dgm:txFillClrLst meth="repeat">
+      <a:schemeClr val="dk1"/>
+    </dgm:txFillClrLst>
+    <dgm:txEffectClrLst/>
+  </dgm:styleLbl>
+  <dgm:styleLbl name="bgShp">
+    <dgm:fillClrLst meth="repeat">
+      <a:schemeClr val="accent1">
+        <a:tint val="40000"/>
+      </a:schemeClr>
+    </dgm:fillClrLst>
+    <dgm:linClrLst meth="repeat">
+      <a:schemeClr val="accent1"/>
+    </dgm:linClrLst>
+    <dgm:effectClrLst/>
+    <dgm:txLinClrLst/>
+    <dgm:txFillClrLst meth="repeat">
+      <a:schemeClr val="dk1"/>
+    </dgm:txFillClrLst>
+    <dgm:txEffectClrLst/>
+  </dgm:styleLbl>
+  <dgm:styleLbl name="dkBgShp">
+    <dgm:fillClrLst meth="repeat">
+      <a:schemeClr val="accent1">
+        <a:shade val="80000"/>
+      </a:schemeClr>
+    </dgm:fillClrLst>
+    <dgm:linClrLst meth="repeat">
+      <a:schemeClr val="accent1"/>
+    </dgm:linClrLst>
+    <dgm:effectClrLst/>
+    <dgm:txLinClrLst/>
+    <dgm:txFillClrLst meth="repeat">
+      <a:schemeClr val="lt1"/>
+    </dgm:txFillClrLst>
+    <dgm:txEffectClrLst/>
+  </dgm:styleLbl>
+  <dgm:styleLbl name="trBgShp">
+    <dgm:fillClrLst meth="repeat">
+      <a:schemeClr val="accent1">
+        <a:tint val="50000"/>
+        <a:alpha val="40000"/>
+      </a:schemeClr>
+    </dgm:fillClrLst>
+    <dgm:linClrLst meth="repeat">
+      <a:schemeClr val="accent1"/>
+    </dgm:linClrLst>
+    <dgm:effectClrLst/>
+    <dgm:txLinClrLst/>
+    <dgm:txFillClrLst meth="repeat">
+      <a:schemeClr val="lt1"/>
+    </dgm:txFillClrLst>
+    <dgm:txEffectClrLst/>
+  </dgm:styleLbl>
+  <dgm:styleLbl name="fgShp">
+    <dgm:fillClrLst meth="repeat">
+      <a:schemeClr val="accent1">
+        <a:tint val="60000"/>
+      </a:schemeClr>
+    </dgm:fillClrLst>
+    <dgm:linClrLst meth="repeat">
+      <a:schemeClr val="lt1"/>
+    </dgm:linClrLst>
+    <dgm:effectClrLst/>
+    <dgm:txLinClrLst/>
+    <dgm:txFillClrLst meth="repeat">
+      <a:schemeClr val="dk1"/>
+    </dgm:txFillClrLst>
+    <dgm:txEffectClrLst/>
+  </dgm:styleLbl>
+  <dgm:styleLbl name="revTx">
+    <dgm:fillClrLst meth="repeat">
+      <a:schemeClr val="lt1">
+        <a:alpha val="0"/>
+      </a:schemeClr>
+    </dgm:fillClrLst>
+    <dgm:linClrLst meth="repeat">
+      <a:schemeClr val="dk1">
+        <a:alpha val="0"/>
+      </a:schemeClr>
+    </dgm:linClrLst>
+    <dgm:effectClrLst/>
+    <dgm:txLinClrLst/>
+    <dgm:txFillClrLst meth="repeat">
+      <a:schemeClr val="tx1"/>
+    </dgm:txFillClrLst>
+    <dgm:txEffectClrLst/>
+  </dgm:styleLbl>
+</dgm:colorsDef>
+</file>
+
+<file path=ppt/diagrams/colors6.xml><?xml version="1.0" encoding="utf-8"?>
+<dgm:colorsDef xmlns:dgm="http://schemas.openxmlformats.org/drawingml/2006/diagram" xmlns:a="http://schemas.openxmlformats.org/drawingml/2006/main" uniqueId="urn:microsoft.com/office/officeart/2005/8/colors/accent1_2">
+  <dgm:title val=""/>
+  <dgm:desc val=""/>
+  <dgm:catLst>
+    <dgm:cat type="accent1" pri="11200"/>
+  </dgm:catLst>
+  <dgm:styleLbl name="node0">
+    <dgm:fillClrLst meth="repeat">
+      <a:schemeClr val="accent1"/>
+    </dgm:fillClrLst>
+    <dgm:linClrLst meth="repeat">
+      <a:schemeClr val="lt1"/>
+    </dgm:linClrLst>
+    <dgm:effectClrLst/>
+    <dgm:txLinClrLst/>
+    <dgm:txFillClrLst/>
+    <dgm:txEffectClrLst/>
+  </dgm:styleLbl>
+  <dgm:styleLbl name="alignNode1">
+    <dgm:fillClrLst meth="repeat">
+      <a:schemeClr val="accent1"/>
+    </dgm:fillClrLst>
+    <dgm:linClrLst meth="repeat">
+      <a:schemeClr val="accent1"/>
+    </dgm:linClrLst>
+    <dgm:effectClrLst/>
+    <dgm:txLinClrLst/>
+    <dgm:txFillClrLst/>
+    <dgm:txEffectClrLst/>
+  </dgm:styleLbl>
+  <dgm:styleLbl name="node1">
+    <dgm:fillClrLst meth="repeat">
+      <a:schemeClr val="accent1"/>
+    </dgm:fillClrLst>
+    <dgm:linClrLst meth="repeat">
+      <a:schemeClr val="lt1"/>
+    </dgm:linClrLst>
+    <dgm:effectClrLst/>
+    <dgm:txLinClrLst/>
+    <dgm:txFillClrLst/>
+    <dgm:txEffectClrLst/>
+  </dgm:styleLbl>
+  <dgm:styleLbl name="lnNode1">
+    <dgm:fillClrLst meth="repeat">
+      <a:schemeClr val="accent1"/>
+    </dgm:fillClrLst>
+    <dgm:linClrLst meth="repeat">
+      <a:schemeClr val="lt1"/>
+    </dgm:linClrLst>
+    <dgm:effectClrLst/>
+    <dgm:txLinClrLst/>
+    <dgm:txFillClrLst/>
+    <dgm:txEffectClrLst/>
+  </dgm:styleLbl>
+  <dgm:styleLbl name="vennNode1">
+    <dgm:fillClrLst meth="repeat">
+      <a:schemeClr val="accent1">
+        <a:alpha val="50000"/>
+      </a:schemeClr>
+    </dgm:fillClrLst>
+    <dgm:linClrLst meth="repeat">
+      <a:schemeClr val="lt1"/>
+    </dgm:linClrLst>
+    <dgm:effectClrLst/>
+    <dgm:txLinClrLst/>
+    <dgm:txFillClrLst/>
+    <dgm:txEffectClrLst/>
+  </dgm:styleLbl>
+  <dgm:styleLbl name="node2">
+    <dgm:fillClrLst meth="repeat">
+      <a:schemeClr val="accent1"/>
+    </dgm:fillClrLst>
+    <dgm:linClrLst meth="repeat">
+      <a:schemeClr val="lt1"/>
+    </dgm:linClrLst>
+    <dgm:effectClrLst/>
+    <dgm:txLinClrLst/>
+    <dgm:txFillClrLst/>
+    <dgm:txEffectClrLst/>
+  </dgm:styleLbl>
+  <dgm:styleLbl name="node3">
+    <dgm:fillClrLst meth="repeat">
+      <a:schemeClr val="accent1"/>
+    </dgm:fillClrLst>
+    <dgm:linClrLst meth="repeat">
+      <a:schemeClr val="lt1"/>
+    </dgm:linClrLst>
+    <dgm:effectClrLst/>
+    <dgm:txLinClrLst/>
+    <dgm:txFillClrLst/>
+    <dgm:txEffectClrLst/>
+  </dgm:styleLbl>
+  <dgm:styleLbl name="node4">
+    <dgm:fillClrLst meth="repeat">
+      <a:schemeClr val="accent1"/>
+    </dgm:fillClrLst>
+    <dgm:linClrLst meth="repeat">
+      <a:schemeClr val="lt1"/>
+    </dgm:linClrLst>
+    <dgm:effectClrLst/>
+    <dgm:txLinClrLst/>
+    <dgm:txFillClrLst/>
+    <dgm:txEffectClrLst/>
+  </dgm:styleLbl>
+  <dgm:styleLbl name="fgImgPlace1">
+    <dgm:fillClrLst meth="repeat">
+      <a:schemeClr val="accent1">
+        <a:tint val="50000"/>
+      </a:schemeClr>
+    </dgm:fillClrLst>
+    <dgm:linClrLst meth="repeat">
+      <a:schemeClr val="lt1"/>
+    </dgm:linClrLst>
+    <dgm:effectClrLst/>
+    <dgm:txLinClrLst/>
+    <dgm:txFillClrLst meth="repeat">
+      <a:schemeClr val="lt1"/>
+    </dgm:txFillClrLst>
+    <dgm:txEffectClrLst/>
+  </dgm:styleLbl>
+  <dgm:styleLbl name="alignImgPlace1">
+    <dgm:fillClrLst meth="repeat">
+      <a:schemeClr val="accent1">
+        <a:tint val="50000"/>
+      </a:schemeClr>
+    </dgm:fillClrLst>
+    <dgm:linClrLst meth="repeat">
+      <a:schemeClr val="lt1"/>
+    </dgm:linClrLst>
+    <dgm:effectClrLst/>
+    <dgm:txLinClrLst/>
+    <dgm:txFillClrLst meth="repeat">
+      <a:schemeClr val="lt1"/>
+    </dgm:txFillClrLst>
+    <dgm:txEffectClrLst/>
+  </dgm:styleLbl>
+  <dgm:styleLbl name="bgImgPlace1">
+    <dgm:fillClrLst meth="repeat">
+      <a:schemeClr val="accent1">
+        <a:tint val="50000"/>
+      </a:schemeClr>
+    </dgm:fillClrLst>
+    <dgm:linClrLst meth="repeat">
+      <a:schemeClr val="lt1"/>
+    </dgm:linClrLst>
+    <dgm:effectClrLst/>
+    <dgm:txLinClrLst/>
+    <dgm:txFillClrLst meth="repeat">
+      <a:schemeClr val="lt1"/>
+    </dgm:txFillClrLst>
+    <dgm:txEffectClrLst/>
+  </dgm:styleLbl>
+  <dgm:styleLbl name="sibTrans2D1">
+    <dgm:fillClrLst meth="repeat">
+      <a:schemeClr val="accent1">
+        <a:tint val="60000"/>
+      </a:schemeClr>
+    </dgm:fillClrLst>
+    <dgm:linClrLst meth="repeat">
+      <a:schemeClr val="accent1">
+        <a:tint val="60000"/>
+      </a:schemeClr>
+    </dgm:linClrLst>
+    <dgm:effectClrLst/>
+    <dgm:txLinClrLst/>
+    <dgm:txFillClrLst/>
+    <dgm:txEffectClrLst/>
+  </dgm:styleLbl>
+  <dgm:styleLbl name="fgSibTrans2D1">
+    <dgm:fillClrLst meth="repeat">
+      <a:schemeClr val="accent1">
+        <a:tint val="60000"/>
+      </a:schemeClr>
+    </dgm:fillClrLst>
+    <dgm:linClrLst meth="repeat">
+      <a:schemeClr val="accent1">
+        <a:tint val="60000"/>
+      </a:schemeClr>
+    </dgm:linClrLst>
+    <dgm:effectClrLst/>
+    <dgm:txLinClrLst/>
+    <dgm:txFillClrLst/>
+    <dgm:txEffectClrLst/>
+  </dgm:styleLbl>
+  <dgm:styleLbl name="bgSibTrans2D1">
+    <dgm:fillClrLst meth="repeat">
+      <a:schemeClr val="accent1">
+        <a:tint val="60000"/>
+      </a:schemeClr>
+    </dgm:fillClrLst>
+    <dgm:linClrLst meth="repeat">
+      <a:schemeClr val="accent1">
+        <a:tint val="60000"/>
+      </a:schemeClr>
+    </dgm:linClrLst>
+    <dgm:effectClrLst/>
+    <dgm:txLinClrLst/>
+    <dgm:txFillClrLst/>
+    <dgm:txEffectClrLst/>
+  </dgm:styleLbl>
+  <dgm:styleLbl name="sibTrans1D1">
+    <dgm:fillClrLst meth="repeat">
+      <a:schemeClr val="accent1"/>
+    </dgm:fillClrLst>
+    <dgm:linClrLst meth="repeat">
+      <a:schemeClr val="accent1"/>
+    </dgm:linClrLst>
+    <dgm:effectClrLst/>
+    <dgm:txLinClrLst/>
+    <dgm:txFillClrLst meth="repeat">
+      <a:schemeClr val="tx1"/>
+    </dgm:txFillClrLst>
+    <dgm:txEffectClrLst/>
+  </dgm:styleLbl>
+  <dgm:styleLbl name="callout">
+    <dgm:fillClrLst meth="repeat">
+      <a:schemeClr val="accent1"/>
+    </dgm:fillClrLst>
+    <dgm:linClrLst meth="repeat">
+      <a:schemeClr val="accent1">
+        <a:tint val="50000"/>
+      </a:schemeClr>
+    </dgm:linClrLst>
+    <dgm:effectClrLst/>
+    <dgm:txLinClrLst/>
+    <dgm:txFillClrLst meth="repeat">
+      <a:schemeClr val="tx1"/>
+    </dgm:txFillClrLst>
+    <dgm:txEffectClrLst/>
+  </dgm:styleLbl>
+  <dgm:styleLbl name="asst0">
+    <dgm:fillClrLst meth="repeat">
+      <a:schemeClr val="accent1"/>
+    </dgm:fillClrLst>
+    <dgm:linClrLst meth="repeat">
+      <a:schemeClr val="lt1"/>
+    </dgm:linClrLst>
+    <dgm:effectClrLst/>
+    <dgm:txLinClrLst/>
+    <dgm:txFillClrLst/>
+    <dgm:txEffectClrLst/>
+  </dgm:styleLbl>
+  <dgm:styleLbl name="asst1">
+    <dgm:fillClrLst meth="repeat">
+      <a:schemeClr val="accent1"/>
+    </dgm:fillClrLst>
+    <dgm:linClrLst meth="repeat">
+      <a:schemeClr val="lt1"/>
+    </dgm:linClrLst>
+    <dgm:effectClrLst/>
+    <dgm:txLinClrLst/>
+    <dgm:txFillClrLst/>
+    <dgm:txEffectClrLst/>
+  </dgm:styleLbl>
+  <dgm:styleLbl name="asst2">
+    <dgm:fillClrLst meth="repeat">
+      <a:schemeClr val="accent1"/>
+    </dgm:fillClrLst>
+    <dgm:linClrLst meth="repeat">
+      <a:schemeClr val="lt1"/>
+    </dgm:linClrLst>
+    <dgm:effectClrLst/>
+    <dgm:txLinClrLst/>
+    <dgm:txFillClrLst/>
+    <dgm:txEffectClrLst/>
+  </dgm:styleLbl>
+  <dgm:styleLbl name="asst3">
+    <dgm:fillClrLst meth="repeat">
+      <a:schemeClr val="accent1"/>
+    </dgm:fillClrLst>
+    <dgm:linClrLst meth="repeat">
+      <a:schemeClr val="lt1"/>
+    </dgm:linClrLst>
+    <dgm:effectClrLst/>
+    <dgm:txLinClrLst/>
+    <dgm:txFillClrLst/>
+    <dgm:txEffectClrLst/>
+  </dgm:styleLbl>
+  <dgm:styleLbl name="asst4">
+    <dgm:fillClrLst meth="repeat">
+      <a:schemeClr val="accent1"/>
+    </dgm:fillClrLst>
+    <dgm:linClrLst meth="repeat">
+      <a:schemeClr val="lt1"/>
+    </dgm:linClrLst>
+    <dgm:effectClrLst/>
+    <dgm:txLinClrLst/>
+    <dgm:txFillClrLst/>
+    <dgm:txEffectClrLst/>
+  </dgm:styleLbl>
+  <dgm:styleLbl name="parChTrans2D1">
+    <dgm:fillClrLst meth="repeat">
+      <a:schemeClr val="accent1">
+        <a:tint val="60000"/>
+      </a:schemeClr>
+    </dgm:fillClrLst>
+    <dgm:linClrLst meth="repeat">
+      <a:schemeClr val="accent1">
+        <a:tint val="60000"/>
+      </a:schemeClr>
+    </dgm:linClrLst>
+    <dgm:effectClrLst/>
+    <dgm:txLinClrLst/>
+    <dgm:txFillClrLst meth="repeat">
+      <a:schemeClr val="lt1"/>
+    </dgm:txFillClrLst>
+    <dgm:txEffectClrLst/>
+  </dgm:styleLbl>
+  <dgm:styleLbl name="parChTrans2D2">
+    <dgm:fillClrLst meth="repeat">
+      <a:schemeClr val="accent1"/>
+    </dgm:fillClrLst>
+    <dgm:linClrLst meth="repeat">
+      <a:schemeClr val="accent1"/>
+    </dgm:linClrLst>
+    <dgm:effectClrLst/>
+    <dgm:txLinClrLst/>
+    <dgm:txFillClrLst meth="repeat">
+      <a:schemeClr val="lt1"/>
+    </dgm:txFillClrLst>
+    <dgm:txEffectClrLst/>
+  </dgm:styleLbl>
+  <dgm:styleLbl name="parChTrans2D3">
+    <dgm:fillClrLst meth="repeat">
+      <a:schemeClr val="accent1"/>
+    </dgm:fillClrLst>
+    <dgm:linClrLst meth="repeat">
+      <a:schemeClr val="accent1"/>
+    </dgm:linClrLst>
+    <dgm:effectClrLst/>
+    <dgm:txLinClrLst/>
+    <dgm:txFillClrLst meth="repeat">
+      <a:schemeClr val="lt1"/>
+    </dgm:txFillClrLst>
+    <dgm:txEffectClrLst/>
+  </dgm:styleLbl>
+  <dgm:styleLbl name="parChTrans2D4">
+    <dgm:fillClrLst meth="repeat">
+      <a:schemeClr val="accent1"/>
+    </dgm:fillClrLst>
+    <dgm:linClrLst meth="repeat">
+      <a:schemeClr val="accent1"/>
+    </dgm:linClrLst>
+    <dgm:effectClrLst/>
+    <dgm:txLinClrLst/>
+    <dgm:txFillClrLst meth="repeat">
+      <a:schemeClr val="lt1"/>
+    </dgm:txFillClrLst>
+    <dgm:txEffectClrLst/>
+  </dgm:styleLbl>
+  <dgm:styleLbl name="parChTrans1D1">
+    <dgm:fillClrLst meth="repeat">
+      <a:schemeClr val="accent1"/>
+    </dgm:fillClrLst>
+    <dgm:linClrLst meth="repeat">
+      <a:schemeClr val="accent1">
+        <a:shade val="60000"/>
+      </a:schemeClr>
+    </dgm:linClrLst>
+    <dgm:effectClrLst/>
+    <dgm:txLinClrLst/>
+    <dgm:txFillClrLst meth="repeat">
+      <a:schemeClr val="tx1"/>
+    </dgm:txFillClrLst>
+    <dgm:txEffectClrLst/>
+  </dgm:styleLbl>
+  <dgm:styleLbl name="parChTrans1D2">
+    <dgm:fillClrLst meth="repeat">
+      <a:schemeClr val="accent1"/>
+    </dgm:fillClrLst>
+    <dgm:linClrLst meth="repeat">
+      <a:schemeClr val="accent1">
+        <a:shade val="60000"/>
+      </a:schemeClr>
+    </dgm:linClrLst>
+    <dgm:effectClrLst/>
+    <dgm:txLinClrLst/>
+    <dgm:txFillClrLst meth="repeat">
+      <a:schemeClr val="tx1"/>
+    </dgm:txFillClrLst>
+    <dgm:txEffectClrLst/>
+  </dgm:styleLbl>
+  <dgm:styleLbl name="parChTrans1D3">
+    <dgm:fillClrLst meth="repeat">
+      <a:schemeClr val="accent1"/>
+    </dgm:fillClrLst>
+    <dgm:linClrLst meth="repeat">
+      <a:schemeClr val="accent1">
+        <a:shade val="80000"/>
+      </a:schemeClr>
+    </dgm:linClrLst>
+    <dgm:effectClrLst/>
+    <dgm:txLinClrLst/>
+    <dgm:txFillClrLst meth="repeat">
+      <a:schemeClr val="tx1"/>
+    </dgm:txFillClrLst>
+    <dgm:txEffectClrLst/>
+  </dgm:styleLbl>
+  <dgm:styleLbl name="parChTrans1D4">
+    <dgm:fillClrLst meth="repeat">
+      <a:schemeClr val="accent1"/>
+    </dgm:fillClrLst>
+    <dgm:linClrLst meth="repeat">
+      <a:schemeClr val="accent1">
+        <a:shade val="80000"/>
+      </a:schemeClr>
+    </dgm:linClrLst>
+    <dgm:effectClrLst/>
+    <dgm:txLinClrLst/>
+    <dgm:txFillClrLst meth="repeat">
+      <a:schemeClr val="tx1"/>
+    </dgm:txFillClrLst>
+    <dgm:txEffectClrLst/>
+  </dgm:styleLbl>
+  <dgm:styleLbl name="fgAcc1">
+    <dgm:fillClrLst meth="repeat">
+      <a:schemeClr val="lt1">
+        <a:alpha val="90000"/>
+      </a:schemeClr>
+    </dgm:fillClrLst>
+    <dgm:linClrLst meth="repeat">
+      <a:schemeClr val="accent1"/>
+    </dgm:linClrLst>
+    <dgm:effectClrLst/>
+    <dgm:txLinClrLst/>
+    <dgm:txFillClrLst meth="repeat">
+      <a:schemeClr val="dk1"/>
+    </dgm:txFillClrLst>
+    <dgm:txEffectClrLst/>
+  </dgm:styleLbl>
+  <dgm:styleLbl name="conFgAcc1">
+    <dgm:fillClrLst meth="repeat">
+      <a:schemeClr val="lt1">
+        <a:alpha val="90000"/>
+      </a:schemeClr>
+    </dgm:fillClrLst>
+    <dgm:linClrLst meth="repeat">
+      <a:schemeClr val="accent1"/>
+    </dgm:linClrLst>
+    <dgm:effectClrLst/>
+    <dgm:txLinClrLst/>
+    <dgm:txFillClrLst meth="repeat">
+      <a:schemeClr val="dk1"/>
+    </dgm:txFillClrLst>
+    <dgm:txEffectClrLst/>
+  </dgm:styleLbl>
+  <dgm:styleLbl name="alignAcc1">
+    <dgm:fillClrLst meth="repeat">
+      <a:schemeClr val="lt1">
+        <a:alpha val="90000"/>
+      </a:schemeClr>
+    </dgm:fillClrLst>
+    <dgm:linClrLst meth="repeat">
+      <a:schemeClr val="accent1"/>
+    </dgm:linClrLst>
+    <dgm:effectClrLst/>
+    <dgm:txLinClrLst/>
+    <dgm:txFillClrLst meth="repeat">
+      <a:schemeClr val="dk1"/>
+    </dgm:txFillClrLst>
+    <dgm:txEffectClrLst/>
+  </dgm:styleLbl>
+  <dgm:styleLbl name="trAlignAcc1">
+    <dgm:fillClrLst meth="repeat">
+      <a:schemeClr val="lt1">
+        <a:alpha val="40000"/>
+      </a:schemeClr>
+    </dgm:fillClrLst>
+    <dgm:linClrLst meth="repeat">
+      <a:schemeClr val="accent1"/>
+    </dgm:linClrLst>
+    <dgm:effectClrLst/>
+    <dgm:txLinClrLst/>
+    <dgm:txFillClrLst meth="repeat">
+      <a:schemeClr val="dk1"/>
+    </dgm:txFillClrLst>
+    <dgm:txEffectClrLst/>
+  </dgm:styleLbl>
+  <dgm:styleLbl name="bgAcc1">
+    <dgm:fillClrLst meth="repeat">
+      <a:schemeClr val="lt1">
+        <a:alpha val="90000"/>
+      </a:schemeClr>
+    </dgm:fillClrLst>
+    <dgm:linClrLst meth="repeat">
+      <a:schemeClr val="accent1"/>
+    </dgm:linClrLst>
+    <dgm:effectClrLst/>
+    <dgm:txLinClrLst/>
+    <dgm:txFillClrLst meth="repeat">
+      <a:schemeClr val="dk1"/>
+    </dgm:txFillClrLst>
+    <dgm:txEffectClrLst/>
+  </dgm:styleLbl>
+  <dgm:styleLbl name="solidFgAcc1">
+    <dgm:fillClrLst meth="repeat">
+      <a:schemeClr val="lt1"/>
+    </dgm:fillClrLst>
+    <dgm:linClrLst meth="repeat">
+      <a:schemeClr val="accent1"/>
+    </dgm:linClrLst>
+    <dgm:effectClrLst/>
+    <dgm:txLinClrLst/>
+    <dgm:txFillClrLst meth="repeat">
+      <a:schemeClr val="dk1"/>
+    </dgm:txFillClrLst>
+    <dgm:txEffectClrLst/>
+  </dgm:styleLbl>
+  <dgm:styleLbl name="solidAlignAcc1">
+    <dgm:fillClrLst meth="repeat">
+      <a:schemeClr val="lt1"/>
+    </dgm:fillClrLst>
+    <dgm:linClrLst meth="repeat">
+      <a:schemeClr val="accent1"/>
+    </dgm:linClrLst>
+    <dgm:effectClrLst/>
+    <dgm:txLinClrLst/>
+    <dgm:txFillClrLst meth="repeat">
+      <a:schemeClr val="dk1"/>
+    </dgm:txFillClrLst>
+    <dgm:txEffectClrLst/>
+  </dgm:styleLbl>
+  <dgm:styleLbl name="solidBgAcc1">
+    <dgm:fillClrLst meth="repeat">
+      <a:schemeClr val="lt1"/>
+    </dgm:fillClrLst>
+    <dgm:linClrLst meth="repeat">
+      <a:schemeClr val="accent1"/>
+    </dgm:linClrLst>
+    <dgm:effectClrLst/>
+    <dgm:txLinClrLst/>
+    <dgm:txFillClrLst meth="repeat">
+      <a:schemeClr val="dk1"/>
+    </dgm:txFillClrLst>
+    <dgm:txEffectClrLst/>
+  </dgm:styleLbl>
+  <dgm:styleLbl name="fgAccFollowNode1">
+    <dgm:fillClrLst meth="repeat">
+      <a:schemeClr val="accent1">
+        <a:alpha val="90000"/>
+        <a:tint val="40000"/>
+      </a:schemeClr>
+    </dgm:fillClrLst>
+    <dgm:linClrLst meth="repeat">
+      <a:schemeClr val="accent1">
+        <a:alpha val="90000"/>
+        <a:tint val="40000"/>
+      </a:schemeClr>
+    </dgm:linClrLst>
+    <dgm:effectClrLst/>
+    <dgm:txLinClrLst/>
+    <dgm:txFillClrLst meth="repeat">
+      <a:schemeClr val="dk1"/>
+    </dgm:txFillClrLst>
+    <dgm:txEffectClrLst/>
+  </dgm:styleLbl>
+  <dgm:styleLbl name="alignAccFollowNode1">
+    <dgm:fillClrLst meth="repeat">
+      <a:schemeClr val="accent1">
+        <a:alpha val="90000"/>
+        <a:tint val="40000"/>
+      </a:schemeClr>
+    </dgm:fillClrLst>
+    <dgm:linClrLst meth="repeat">
+      <a:schemeClr val="accent1">
+        <a:alpha val="90000"/>
+        <a:tint val="40000"/>
+      </a:schemeClr>
+    </dgm:linClrLst>
+    <dgm:effectClrLst/>
+    <dgm:txLinClrLst/>
+    <dgm:txFillClrLst meth="repeat">
+      <a:schemeClr val="dk1"/>
+    </dgm:txFillClrLst>
+    <dgm:txEffectClrLst/>
+  </dgm:styleLbl>
+  <dgm:styleLbl name="bgAccFollowNode1">
+    <dgm:fillClrLst meth="repeat">
+      <a:schemeClr val="accent1">
+        <a:alpha val="90000"/>
+        <a:tint val="40000"/>
+      </a:schemeClr>
+    </dgm:fillClrLst>
+    <dgm:linClrLst meth="repeat">
+      <a:schemeClr val="accent1">
+        <a:alpha val="90000"/>
+        <a:tint val="40000"/>
+      </a:schemeClr>
+    </dgm:linClrLst>
+    <dgm:effectClrLst/>
+    <dgm:txLinClrLst/>
+    <dgm:txFillClrLst meth="repeat">
+      <a:schemeClr val="dk1"/>
+    </dgm:txFillClrLst>
+    <dgm:txEffectClrLst/>
+  </dgm:styleLbl>
+  <dgm:styleLbl name="fgAcc0">
+    <dgm:fillClrLst meth="repeat">
+      <a:schemeClr val="lt1">
+        <a:alpha val="90000"/>
+      </a:schemeClr>
+    </dgm:fillClrLst>
+    <dgm:linClrLst meth="repeat">
+      <a:schemeClr val="accent1"/>
+    </dgm:linClrLst>
+    <dgm:effectClrLst/>
+    <dgm:txLinClrLst/>
+    <dgm:txFillClrLst meth="repeat">
+      <a:schemeClr val="dk1"/>
+    </dgm:txFillClrLst>
+    <dgm:txEffectClrLst/>
+  </dgm:styleLbl>
+  <dgm:styleLbl name="fgAcc2">
+    <dgm:fillClrLst meth="repeat">
+      <a:schemeClr val="lt1">
+        <a:alpha val="90000"/>
+      </a:schemeClr>
+    </dgm:fillClrLst>
+    <dgm:linClrLst meth="repeat">
+      <a:schemeClr val="accent1"/>
+    </dgm:linClrLst>
+    <dgm:effectClrLst/>
+    <dgm:txLinClrLst/>
+    <dgm:txFillClrLst meth="repeat">
+      <a:schemeClr val="dk1"/>
+    </dgm:txFillClrLst>
+    <dgm:txEffectClrLst/>
+  </dgm:styleLbl>
+  <dgm:styleLbl name="fgAcc3">
+    <dgm:fillClrLst meth="repeat">
+      <a:schemeClr val="lt1">
+        <a:alpha val="90000"/>
+      </a:schemeClr>
+    </dgm:fillClrLst>
+    <dgm:linClrLst meth="repeat">
+      <a:schemeClr val="accent1"/>
+    </dgm:linClrLst>
+    <dgm:effectClrLst/>
+    <dgm:txLinClrLst/>
+    <dgm:txFillClrLst meth="repeat">
+      <a:schemeClr val="dk1"/>
+    </dgm:txFillClrLst>
+    <dgm:txEffectClrLst/>
+  </dgm:styleLbl>
+  <dgm:styleLbl name="fgAcc4">
+    <dgm:fillClrLst meth="repeat">
+      <a:schemeClr val="lt1">
+        <a:alpha val="90000"/>
+      </a:schemeClr>
+    </dgm:fillClrLst>
+    <dgm:linClrLst meth="repeat">
+      <a:schemeClr val="accent1"/>
+    </dgm:linClrLst>
+    <dgm:effectClrLst/>
+    <dgm:txLinClrLst/>
+    <dgm:txFillClrLst meth="repeat">
+      <a:schemeClr val="dk1"/>
+    </dgm:txFillClrLst>
+    <dgm:txEffectClrLst/>
+  </dgm:styleLbl>
+  <dgm:styleLbl name="bgShp">
+    <dgm:fillClrLst meth="repeat">
+      <a:schemeClr val="accent1">
+        <a:tint val="40000"/>
+      </a:schemeClr>
+    </dgm:fillClrLst>
+    <dgm:linClrLst meth="repeat">
+      <a:schemeClr val="accent1"/>
+    </dgm:linClrLst>
+    <dgm:effectClrLst/>
+    <dgm:txLinClrLst/>
+    <dgm:txFillClrLst meth="repeat">
+      <a:schemeClr val="dk1"/>
+    </dgm:txFillClrLst>
+    <dgm:txEffectClrLst/>
+  </dgm:styleLbl>
+  <dgm:styleLbl name="dkBgShp">
+    <dgm:fillClrLst meth="repeat">
+      <a:schemeClr val="accent1">
+        <a:shade val="80000"/>
+      </a:schemeClr>
+    </dgm:fillClrLst>
+    <dgm:linClrLst meth="repeat">
+      <a:schemeClr val="accent1"/>
+    </dgm:linClrLst>
+    <dgm:effectClrLst/>
+    <dgm:txLinClrLst/>
+    <dgm:txFillClrLst meth="repeat">
+      <a:schemeClr val="lt1"/>
+    </dgm:txFillClrLst>
+    <dgm:txEffectClrLst/>
+  </dgm:styleLbl>
+  <dgm:styleLbl name="trBgShp">
+    <dgm:fillClrLst meth="repeat">
+      <a:schemeClr val="accent1">
+        <a:tint val="50000"/>
+        <a:alpha val="40000"/>
+      </a:schemeClr>
+    </dgm:fillClrLst>
+    <dgm:linClrLst meth="repeat">
+      <a:schemeClr val="accent1"/>
+    </dgm:linClrLst>
+    <dgm:effectClrLst/>
+    <dgm:txLinClrLst/>
+    <dgm:txFillClrLst meth="repeat">
+      <a:schemeClr val="lt1"/>
+    </dgm:txFillClrLst>
+    <dgm:txEffectClrLst/>
+  </dgm:styleLbl>
+  <dgm:styleLbl name="fgShp">
+    <dgm:fillClrLst meth="repeat">
+      <a:schemeClr val="accent1">
+        <a:tint val="60000"/>
+      </a:schemeClr>
+    </dgm:fillClrLst>
+    <dgm:linClrLst meth="repeat">
+      <a:schemeClr val="lt1"/>
+    </dgm:linClrLst>
+    <dgm:effectClrLst/>
+    <dgm:txLinClrLst/>
+    <dgm:txFillClrLst meth="repeat">
+      <a:schemeClr val="dk1"/>
+    </dgm:txFillClrLst>
+    <dgm:txEffectClrLst/>
+  </dgm:styleLbl>
+  <dgm:styleLbl name="revTx">
+    <dgm:fillClrLst meth="repeat">
+      <a:schemeClr val="lt1">
+        <a:alpha val="0"/>
+      </a:schemeClr>
+    </dgm:fillClrLst>
+    <dgm:linClrLst meth="repeat">
+      <a:schemeClr val="dk1">
+        <a:alpha val="0"/>
+      </a:schemeClr>
+    </dgm:linClrLst>
+    <dgm:effectClrLst/>
+    <dgm:txLinClrLst/>
+    <dgm:txFillClrLst meth="repeat">
+      <a:schemeClr val="tx1"/>
+    </dgm:txFillClrLst>
+    <dgm:txEffectClrLst/>
+  </dgm:styleLbl>
+</dgm:colorsDef>
+</file>
+
+<file path=ppt/diagrams/colors7.xml><?xml version="1.0" encoding="utf-8"?>
 <dgm:colorsDef xmlns:dgm="http://schemas.openxmlformats.org/drawingml/2006/diagram" xmlns:a="http://schemas.openxmlformats.org/drawingml/2006/main" uniqueId="urn:microsoft.com/office/officeart/2005/8/colors/accent1_2">
   <dgm:title val=""/>
   <dgm:desc val=""/>
@@ -7735,6 +9231,620 @@
 </dgm:dataModel>
 </file>
 
+<file path=ppt/diagrams/data6.xml><?xml version="1.0" encoding="utf-8"?>
+<dgm:dataModel xmlns:dgm="http://schemas.openxmlformats.org/drawingml/2006/diagram" xmlns:a="http://schemas.openxmlformats.org/drawingml/2006/main">
+  <dgm:ptLst>
+    <dgm:pt modelId="{34BEB75E-ED6D-4113-9F50-1BF5F1954990}" type="doc">
+      <dgm:prSet loTypeId="urn:microsoft.com/office/officeart/2008/layout/LinedList" loCatId="hierarchy" qsTypeId="urn:microsoft.com/office/officeart/2005/8/quickstyle/simple1" qsCatId="simple" csTypeId="urn:microsoft.com/office/officeart/2005/8/colors/accent1_2" csCatId="accent1" phldr="1"/>
+      <dgm:spPr/>
+      <dgm:t>
+        <a:bodyPr/>
+        <a:lstStyle/>
+        <a:p>
+          <a:endParaRPr lang="en-PH"/>
+        </a:p>
+      </dgm:t>
+    </dgm:pt>
+    <dgm:pt modelId="{441C9BFF-8AD7-4827-90F5-60BEDCAF3705}">
+      <dgm:prSet phldrT="[Text]"/>
+      <dgm:spPr/>
+      <dgm:t>
+        <a:bodyPr/>
+        <a:lstStyle/>
+        <a:p>
+          <a:r>
+            <a:rPr lang="en-PH" dirty="0"/>
+            <a:t>Likes</a:t>
+          </a:r>
+        </a:p>
+      </dgm:t>
+    </dgm:pt>
+    <dgm:pt modelId="{AED53F1B-6F52-4865-A6C0-13F7BB680C57}" type="parTrans" cxnId="{523F296D-2CC7-4C29-85F8-5468ED82EAEB}">
+      <dgm:prSet/>
+      <dgm:spPr/>
+      <dgm:t>
+        <a:bodyPr/>
+        <a:lstStyle/>
+        <a:p>
+          <a:endParaRPr lang="en-PH"/>
+        </a:p>
+      </dgm:t>
+    </dgm:pt>
+    <dgm:pt modelId="{EE93340F-3E48-4F2C-8A92-4BB8BFF38136}" type="sibTrans" cxnId="{523F296D-2CC7-4C29-85F8-5468ED82EAEB}">
+      <dgm:prSet/>
+      <dgm:spPr/>
+      <dgm:t>
+        <a:bodyPr/>
+        <a:lstStyle/>
+        <a:p>
+          <a:endParaRPr lang="en-PH"/>
+        </a:p>
+      </dgm:t>
+    </dgm:pt>
+    <dgm:pt modelId="{D809E429-04AF-422B-B080-571F331ACCDF}">
+      <dgm:prSet phldrT="[Text]"/>
+      <dgm:spPr/>
+      <dgm:t>
+        <a:bodyPr/>
+        <a:lstStyle/>
+        <a:p>
+          <a:r>
+            <a:rPr lang="en-PH" dirty="0" err="1"/>
+            <a:t>userId</a:t>
+          </a:r>
+          <a:endParaRPr lang="en-PH" dirty="0"/>
+        </a:p>
+      </dgm:t>
+    </dgm:pt>
+    <dgm:pt modelId="{13CCF95D-B99C-49A1-977D-D76183D718CF}" type="parTrans" cxnId="{605E4440-290F-426D-ACD9-1A5FCB40EB0E}">
+      <dgm:prSet/>
+      <dgm:spPr/>
+      <dgm:t>
+        <a:bodyPr/>
+        <a:lstStyle/>
+        <a:p>
+          <a:endParaRPr lang="en-PH"/>
+        </a:p>
+      </dgm:t>
+    </dgm:pt>
+    <dgm:pt modelId="{E2317A59-187B-401C-A619-D2B0DDE89B9A}" type="sibTrans" cxnId="{605E4440-290F-426D-ACD9-1A5FCB40EB0E}">
+      <dgm:prSet/>
+      <dgm:spPr/>
+      <dgm:t>
+        <a:bodyPr/>
+        <a:lstStyle/>
+        <a:p>
+          <a:endParaRPr lang="en-PH"/>
+        </a:p>
+      </dgm:t>
+    </dgm:pt>
+    <dgm:pt modelId="{B8A96C09-D3D8-4A74-A80B-BEA0C980453B}">
+      <dgm:prSet phldrT="[Text]"/>
+      <dgm:spPr/>
+      <dgm:t>
+        <a:bodyPr/>
+        <a:lstStyle/>
+        <a:p>
+          <a:r>
+            <a:rPr lang="en-PH" dirty="0" err="1"/>
+            <a:t>postHash</a:t>
+          </a:r>
+          <a:endParaRPr lang="en-PH" dirty="0"/>
+        </a:p>
+      </dgm:t>
+    </dgm:pt>
+    <dgm:pt modelId="{E3FAACCE-0CD7-4FD4-BC21-AA3AC94926E0}" type="parTrans" cxnId="{B17A2A60-71E1-45E5-961E-93E09E16DBDE}">
+      <dgm:prSet/>
+      <dgm:spPr/>
+      <dgm:t>
+        <a:bodyPr/>
+        <a:lstStyle/>
+        <a:p>
+          <a:endParaRPr lang="en-PH"/>
+        </a:p>
+      </dgm:t>
+    </dgm:pt>
+    <dgm:pt modelId="{3CCF7115-C32E-40D2-B920-114BED460AFD}" type="sibTrans" cxnId="{B17A2A60-71E1-45E5-961E-93E09E16DBDE}">
+      <dgm:prSet/>
+      <dgm:spPr/>
+      <dgm:t>
+        <a:bodyPr/>
+        <a:lstStyle/>
+        <a:p>
+          <a:endParaRPr lang="en-PH"/>
+        </a:p>
+      </dgm:t>
+    </dgm:pt>
+    <dgm:pt modelId="{A90E5BA9-B030-4072-AA39-F4FDDB6BD880}">
+      <dgm:prSet phldrT="[Text]"/>
+      <dgm:spPr/>
+      <dgm:t>
+        <a:bodyPr/>
+        <a:lstStyle/>
+        <a:p>
+          <a:r>
+            <a:rPr lang="en-PH" dirty="0"/>
+            <a:t>datetime</a:t>
+          </a:r>
+        </a:p>
+      </dgm:t>
+    </dgm:pt>
+    <dgm:pt modelId="{E2728D14-72E4-4149-945D-3BE0F8FB60CA}" type="parTrans" cxnId="{A45E0700-94C5-4387-A183-699629E4B5E3}">
+      <dgm:prSet/>
+      <dgm:spPr/>
+      <dgm:t>
+        <a:bodyPr/>
+        <a:lstStyle/>
+        <a:p>
+          <a:endParaRPr lang="en-PH"/>
+        </a:p>
+      </dgm:t>
+    </dgm:pt>
+    <dgm:pt modelId="{D061BD53-454C-4918-9133-4B555BA12FF8}" type="sibTrans" cxnId="{A45E0700-94C5-4387-A183-699629E4B5E3}">
+      <dgm:prSet/>
+      <dgm:spPr/>
+      <dgm:t>
+        <a:bodyPr/>
+        <a:lstStyle/>
+        <a:p>
+          <a:endParaRPr lang="en-PH"/>
+        </a:p>
+      </dgm:t>
+    </dgm:pt>
+    <dgm:pt modelId="{C3352426-939D-4321-8649-D6716BB162C4}" type="pres">
+      <dgm:prSet presAssocID="{34BEB75E-ED6D-4113-9F50-1BF5F1954990}" presName="vert0" presStyleCnt="0">
+        <dgm:presLayoutVars>
+          <dgm:dir/>
+          <dgm:animOne val="branch"/>
+          <dgm:animLvl val="lvl"/>
+        </dgm:presLayoutVars>
+      </dgm:prSet>
+      <dgm:spPr/>
+    </dgm:pt>
+    <dgm:pt modelId="{F0557730-8B9A-4E9D-832D-78384F71DA4A}" type="pres">
+      <dgm:prSet presAssocID="{441C9BFF-8AD7-4827-90F5-60BEDCAF3705}" presName="thickLine" presStyleLbl="alignNode1" presStyleIdx="0" presStyleCnt="1"/>
+      <dgm:spPr/>
+    </dgm:pt>
+    <dgm:pt modelId="{CFD527BF-B157-4E07-8C44-F012E9130A4E}" type="pres">
+      <dgm:prSet presAssocID="{441C9BFF-8AD7-4827-90F5-60BEDCAF3705}" presName="horz1" presStyleCnt="0"/>
+      <dgm:spPr/>
+    </dgm:pt>
+    <dgm:pt modelId="{E3CC5A9C-1C2B-4849-BDA5-16B8B34A5987}" type="pres">
+      <dgm:prSet presAssocID="{441C9BFF-8AD7-4827-90F5-60BEDCAF3705}" presName="tx1" presStyleLbl="revTx" presStyleIdx="0" presStyleCnt="4"/>
+      <dgm:spPr/>
+    </dgm:pt>
+    <dgm:pt modelId="{8D16F346-2AFD-42B3-8D89-71DE88801702}" type="pres">
+      <dgm:prSet presAssocID="{441C9BFF-8AD7-4827-90F5-60BEDCAF3705}" presName="vert1" presStyleCnt="0"/>
+      <dgm:spPr/>
+    </dgm:pt>
+    <dgm:pt modelId="{B0B4D1F8-D1D3-4302-AF97-85F2B054BEC0}" type="pres">
+      <dgm:prSet presAssocID="{D809E429-04AF-422B-B080-571F331ACCDF}" presName="vertSpace2a" presStyleCnt="0"/>
+      <dgm:spPr/>
+    </dgm:pt>
+    <dgm:pt modelId="{D68C06F4-D011-4D10-A7CA-231612848987}" type="pres">
+      <dgm:prSet presAssocID="{D809E429-04AF-422B-B080-571F331ACCDF}" presName="horz2" presStyleCnt="0"/>
+      <dgm:spPr/>
+    </dgm:pt>
+    <dgm:pt modelId="{A67507B9-D4E0-45F0-8B6F-E1194C50A57D}" type="pres">
+      <dgm:prSet presAssocID="{D809E429-04AF-422B-B080-571F331ACCDF}" presName="horzSpace2" presStyleCnt="0"/>
+      <dgm:spPr/>
+    </dgm:pt>
+    <dgm:pt modelId="{7C715882-15D3-4785-8D04-6D401EF6AFB0}" type="pres">
+      <dgm:prSet presAssocID="{D809E429-04AF-422B-B080-571F331ACCDF}" presName="tx2" presStyleLbl="revTx" presStyleIdx="1" presStyleCnt="4"/>
+      <dgm:spPr/>
+    </dgm:pt>
+    <dgm:pt modelId="{7345CB9B-9D84-4289-8283-A21AB0F34105}" type="pres">
+      <dgm:prSet presAssocID="{D809E429-04AF-422B-B080-571F331ACCDF}" presName="vert2" presStyleCnt="0"/>
+      <dgm:spPr/>
+    </dgm:pt>
+    <dgm:pt modelId="{0FF34B0B-2E65-4520-92BB-4118F260C032}" type="pres">
+      <dgm:prSet presAssocID="{D809E429-04AF-422B-B080-571F331ACCDF}" presName="thinLine2b" presStyleLbl="callout" presStyleIdx="0" presStyleCnt="3"/>
+      <dgm:spPr/>
+    </dgm:pt>
+    <dgm:pt modelId="{453D1700-8AF1-45E8-959E-433D1C8D7356}" type="pres">
+      <dgm:prSet presAssocID="{D809E429-04AF-422B-B080-571F331ACCDF}" presName="vertSpace2b" presStyleCnt="0"/>
+      <dgm:spPr/>
+    </dgm:pt>
+    <dgm:pt modelId="{15A6752B-A400-4195-B5DD-03592935198C}" type="pres">
+      <dgm:prSet presAssocID="{B8A96C09-D3D8-4A74-A80B-BEA0C980453B}" presName="horz2" presStyleCnt="0"/>
+      <dgm:spPr/>
+    </dgm:pt>
+    <dgm:pt modelId="{BA431673-A4E9-4785-A54E-FCC40487DB2E}" type="pres">
+      <dgm:prSet presAssocID="{B8A96C09-D3D8-4A74-A80B-BEA0C980453B}" presName="horzSpace2" presStyleCnt="0"/>
+      <dgm:spPr/>
+    </dgm:pt>
+    <dgm:pt modelId="{347C6339-B231-447A-BCBE-4DD771E79BCD}" type="pres">
+      <dgm:prSet presAssocID="{B8A96C09-D3D8-4A74-A80B-BEA0C980453B}" presName="tx2" presStyleLbl="revTx" presStyleIdx="2" presStyleCnt="4"/>
+      <dgm:spPr/>
+    </dgm:pt>
+    <dgm:pt modelId="{B050AE53-096D-41C4-B06F-035F6E844E1A}" type="pres">
+      <dgm:prSet presAssocID="{B8A96C09-D3D8-4A74-A80B-BEA0C980453B}" presName="vert2" presStyleCnt="0"/>
+      <dgm:spPr/>
+    </dgm:pt>
+    <dgm:pt modelId="{38233778-9C02-4BB2-AB72-F25A0E5E82CE}" type="pres">
+      <dgm:prSet presAssocID="{B8A96C09-D3D8-4A74-A80B-BEA0C980453B}" presName="thinLine2b" presStyleLbl="callout" presStyleIdx="1" presStyleCnt="3"/>
+      <dgm:spPr/>
+    </dgm:pt>
+    <dgm:pt modelId="{B61029BE-BA77-4BBC-B76C-5D8976283DBB}" type="pres">
+      <dgm:prSet presAssocID="{B8A96C09-D3D8-4A74-A80B-BEA0C980453B}" presName="vertSpace2b" presStyleCnt="0"/>
+      <dgm:spPr/>
+    </dgm:pt>
+    <dgm:pt modelId="{F931B3E2-556C-4CFF-9545-D08F9986106E}" type="pres">
+      <dgm:prSet presAssocID="{A90E5BA9-B030-4072-AA39-F4FDDB6BD880}" presName="horz2" presStyleCnt="0"/>
+      <dgm:spPr/>
+    </dgm:pt>
+    <dgm:pt modelId="{FAB5F7D6-EF9D-4235-BB15-526F7CAC450C}" type="pres">
+      <dgm:prSet presAssocID="{A90E5BA9-B030-4072-AA39-F4FDDB6BD880}" presName="horzSpace2" presStyleCnt="0"/>
+      <dgm:spPr/>
+    </dgm:pt>
+    <dgm:pt modelId="{1A7DDCE1-AE9D-4BF5-86FE-BF88F167DF4B}" type="pres">
+      <dgm:prSet presAssocID="{A90E5BA9-B030-4072-AA39-F4FDDB6BD880}" presName="tx2" presStyleLbl="revTx" presStyleIdx="3" presStyleCnt="4"/>
+      <dgm:spPr/>
+    </dgm:pt>
+    <dgm:pt modelId="{A800B557-0B56-4C3B-A1F7-D149B30AEF9B}" type="pres">
+      <dgm:prSet presAssocID="{A90E5BA9-B030-4072-AA39-F4FDDB6BD880}" presName="vert2" presStyleCnt="0"/>
+      <dgm:spPr/>
+    </dgm:pt>
+    <dgm:pt modelId="{96804172-8889-4561-9A0F-ED6AD8558439}" type="pres">
+      <dgm:prSet presAssocID="{A90E5BA9-B030-4072-AA39-F4FDDB6BD880}" presName="thinLine2b" presStyleLbl="callout" presStyleIdx="2" presStyleCnt="3"/>
+      <dgm:spPr/>
+    </dgm:pt>
+    <dgm:pt modelId="{557824F9-59F8-4589-B84D-38A0A9600673}" type="pres">
+      <dgm:prSet presAssocID="{A90E5BA9-B030-4072-AA39-F4FDDB6BD880}" presName="vertSpace2b" presStyleCnt="0"/>
+      <dgm:spPr/>
+    </dgm:pt>
+  </dgm:ptLst>
+  <dgm:cxnLst>
+    <dgm:cxn modelId="{A45E0700-94C5-4387-A183-699629E4B5E3}" srcId="{441C9BFF-8AD7-4827-90F5-60BEDCAF3705}" destId="{A90E5BA9-B030-4072-AA39-F4FDDB6BD880}" srcOrd="2" destOrd="0" parTransId="{E2728D14-72E4-4149-945D-3BE0F8FB60CA}" sibTransId="{D061BD53-454C-4918-9133-4B555BA12FF8}"/>
+    <dgm:cxn modelId="{AC998630-0F33-4500-9AB0-6BC5C13CF463}" type="presOf" srcId="{A90E5BA9-B030-4072-AA39-F4FDDB6BD880}" destId="{1A7DDCE1-AE9D-4BF5-86FE-BF88F167DF4B}" srcOrd="0" destOrd="0" presId="urn:microsoft.com/office/officeart/2008/layout/LinedList"/>
+    <dgm:cxn modelId="{DB4F8735-0D01-48BD-85A0-85F0B748A85D}" type="presOf" srcId="{441C9BFF-8AD7-4827-90F5-60BEDCAF3705}" destId="{E3CC5A9C-1C2B-4849-BDA5-16B8B34A5987}" srcOrd="0" destOrd="0" presId="urn:microsoft.com/office/officeart/2008/layout/LinedList"/>
+    <dgm:cxn modelId="{F51E733D-C3D0-4CA3-ADA8-483E175EAC31}" type="presOf" srcId="{D809E429-04AF-422B-B080-571F331ACCDF}" destId="{7C715882-15D3-4785-8D04-6D401EF6AFB0}" srcOrd="0" destOrd="0" presId="urn:microsoft.com/office/officeart/2008/layout/LinedList"/>
+    <dgm:cxn modelId="{605E4440-290F-426D-ACD9-1A5FCB40EB0E}" srcId="{441C9BFF-8AD7-4827-90F5-60BEDCAF3705}" destId="{D809E429-04AF-422B-B080-571F331ACCDF}" srcOrd="0" destOrd="0" parTransId="{13CCF95D-B99C-49A1-977D-D76183D718CF}" sibTransId="{E2317A59-187B-401C-A619-D2B0DDE89B9A}"/>
+    <dgm:cxn modelId="{B17A2A60-71E1-45E5-961E-93E09E16DBDE}" srcId="{441C9BFF-8AD7-4827-90F5-60BEDCAF3705}" destId="{B8A96C09-D3D8-4A74-A80B-BEA0C980453B}" srcOrd="1" destOrd="0" parTransId="{E3FAACCE-0CD7-4FD4-BC21-AA3AC94926E0}" sibTransId="{3CCF7115-C32E-40D2-B920-114BED460AFD}"/>
+    <dgm:cxn modelId="{523F296D-2CC7-4C29-85F8-5468ED82EAEB}" srcId="{34BEB75E-ED6D-4113-9F50-1BF5F1954990}" destId="{441C9BFF-8AD7-4827-90F5-60BEDCAF3705}" srcOrd="0" destOrd="0" parTransId="{AED53F1B-6F52-4865-A6C0-13F7BB680C57}" sibTransId="{EE93340F-3E48-4F2C-8A92-4BB8BFF38136}"/>
+    <dgm:cxn modelId="{740EE279-A384-42E1-9054-1B0EAAF877E3}" type="presOf" srcId="{B8A96C09-D3D8-4A74-A80B-BEA0C980453B}" destId="{347C6339-B231-447A-BCBE-4DD771E79BCD}" srcOrd="0" destOrd="0" presId="urn:microsoft.com/office/officeart/2008/layout/LinedList"/>
+    <dgm:cxn modelId="{F2B1DBC2-3901-4D1E-BB45-0A525BA7B60E}" type="presOf" srcId="{34BEB75E-ED6D-4113-9F50-1BF5F1954990}" destId="{C3352426-939D-4321-8649-D6716BB162C4}" srcOrd="0" destOrd="0" presId="urn:microsoft.com/office/officeart/2008/layout/LinedList"/>
+    <dgm:cxn modelId="{054E2C87-8887-4DA9-A413-AA67AC171074}" type="presParOf" srcId="{C3352426-939D-4321-8649-D6716BB162C4}" destId="{F0557730-8B9A-4E9D-832D-78384F71DA4A}" srcOrd="0" destOrd="0" presId="urn:microsoft.com/office/officeart/2008/layout/LinedList"/>
+    <dgm:cxn modelId="{A3C9C481-7CBF-426B-9165-22202B290AB5}" type="presParOf" srcId="{C3352426-939D-4321-8649-D6716BB162C4}" destId="{CFD527BF-B157-4E07-8C44-F012E9130A4E}" srcOrd="1" destOrd="0" presId="urn:microsoft.com/office/officeart/2008/layout/LinedList"/>
+    <dgm:cxn modelId="{FAA65E88-306D-4325-8A1B-DEB4A2D2D979}" type="presParOf" srcId="{CFD527BF-B157-4E07-8C44-F012E9130A4E}" destId="{E3CC5A9C-1C2B-4849-BDA5-16B8B34A5987}" srcOrd="0" destOrd="0" presId="urn:microsoft.com/office/officeart/2008/layout/LinedList"/>
+    <dgm:cxn modelId="{D5FB4FC5-382D-4306-8A07-BB00E2262791}" type="presParOf" srcId="{CFD527BF-B157-4E07-8C44-F012E9130A4E}" destId="{8D16F346-2AFD-42B3-8D89-71DE88801702}" srcOrd="1" destOrd="0" presId="urn:microsoft.com/office/officeart/2008/layout/LinedList"/>
+    <dgm:cxn modelId="{1690AA78-51FA-4406-A140-22F19ED979BC}" type="presParOf" srcId="{8D16F346-2AFD-42B3-8D89-71DE88801702}" destId="{B0B4D1F8-D1D3-4302-AF97-85F2B054BEC0}" srcOrd="0" destOrd="0" presId="urn:microsoft.com/office/officeart/2008/layout/LinedList"/>
+    <dgm:cxn modelId="{D4767373-135F-4A72-B3CB-3288472DCF15}" type="presParOf" srcId="{8D16F346-2AFD-42B3-8D89-71DE88801702}" destId="{D68C06F4-D011-4D10-A7CA-231612848987}" srcOrd="1" destOrd="0" presId="urn:microsoft.com/office/officeart/2008/layout/LinedList"/>
+    <dgm:cxn modelId="{07B5BAD5-CE46-4586-990B-6D623BBDD441}" type="presParOf" srcId="{D68C06F4-D011-4D10-A7CA-231612848987}" destId="{A67507B9-D4E0-45F0-8B6F-E1194C50A57D}" srcOrd="0" destOrd="0" presId="urn:microsoft.com/office/officeart/2008/layout/LinedList"/>
+    <dgm:cxn modelId="{FB25FB53-193A-4CE8-85B8-4397FFF9A349}" type="presParOf" srcId="{D68C06F4-D011-4D10-A7CA-231612848987}" destId="{7C715882-15D3-4785-8D04-6D401EF6AFB0}" srcOrd="1" destOrd="0" presId="urn:microsoft.com/office/officeart/2008/layout/LinedList"/>
+    <dgm:cxn modelId="{288BD028-A3CC-4C57-B422-2E974FFDD467}" type="presParOf" srcId="{D68C06F4-D011-4D10-A7CA-231612848987}" destId="{7345CB9B-9D84-4289-8283-A21AB0F34105}" srcOrd="2" destOrd="0" presId="urn:microsoft.com/office/officeart/2008/layout/LinedList"/>
+    <dgm:cxn modelId="{528C4013-8ED6-4310-9778-3AEE3087C5A8}" type="presParOf" srcId="{8D16F346-2AFD-42B3-8D89-71DE88801702}" destId="{0FF34B0B-2E65-4520-92BB-4118F260C032}" srcOrd="2" destOrd="0" presId="urn:microsoft.com/office/officeart/2008/layout/LinedList"/>
+    <dgm:cxn modelId="{7D06037A-BE20-40CD-BD8E-076EA7A4BE6A}" type="presParOf" srcId="{8D16F346-2AFD-42B3-8D89-71DE88801702}" destId="{453D1700-8AF1-45E8-959E-433D1C8D7356}" srcOrd="3" destOrd="0" presId="urn:microsoft.com/office/officeart/2008/layout/LinedList"/>
+    <dgm:cxn modelId="{E12C1032-48AD-4236-A9B7-65D9C8AF32DF}" type="presParOf" srcId="{8D16F346-2AFD-42B3-8D89-71DE88801702}" destId="{15A6752B-A400-4195-B5DD-03592935198C}" srcOrd="4" destOrd="0" presId="urn:microsoft.com/office/officeart/2008/layout/LinedList"/>
+    <dgm:cxn modelId="{214A6D22-8BA8-4321-82F2-64210E9D7679}" type="presParOf" srcId="{15A6752B-A400-4195-B5DD-03592935198C}" destId="{BA431673-A4E9-4785-A54E-FCC40487DB2E}" srcOrd="0" destOrd="0" presId="urn:microsoft.com/office/officeart/2008/layout/LinedList"/>
+    <dgm:cxn modelId="{93CA7631-EC17-4A30-8EB9-708FCFC14DA3}" type="presParOf" srcId="{15A6752B-A400-4195-B5DD-03592935198C}" destId="{347C6339-B231-447A-BCBE-4DD771E79BCD}" srcOrd="1" destOrd="0" presId="urn:microsoft.com/office/officeart/2008/layout/LinedList"/>
+    <dgm:cxn modelId="{CDD0300B-B5F3-4765-BE49-9A49B0E1E03F}" type="presParOf" srcId="{15A6752B-A400-4195-B5DD-03592935198C}" destId="{B050AE53-096D-41C4-B06F-035F6E844E1A}" srcOrd="2" destOrd="0" presId="urn:microsoft.com/office/officeart/2008/layout/LinedList"/>
+    <dgm:cxn modelId="{8729D974-2B57-46BF-8B0D-26A74AA7FDC6}" type="presParOf" srcId="{8D16F346-2AFD-42B3-8D89-71DE88801702}" destId="{38233778-9C02-4BB2-AB72-F25A0E5E82CE}" srcOrd="5" destOrd="0" presId="urn:microsoft.com/office/officeart/2008/layout/LinedList"/>
+    <dgm:cxn modelId="{B2C00419-4481-4CF2-B8CA-636022BCC5FC}" type="presParOf" srcId="{8D16F346-2AFD-42B3-8D89-71DE88801702}" destId="{B61029BE-BA77-4BBC-B76C-5D8976283DBB}" srcOrd="6" destOrd="0" presId="urn:microsoft.com/office/officeart/2008/layout/LinedList"/>
+    <dgm:cxn modelId="{C8161F33-EBC3-4B81-9AE7-59DAC4F4D0AA}" type="presParOf" srcId="{8D16F346-2AFD-42B3-8D89-71DE88801702}" destId="{F931B3E2-556C-4CFF-9545-D08F9986106E}" srcOrd="7" destOrd="0" presId="urn:microsoft.com/office/officeart/2008/layout/LinedList"/>
+    <dgm:cxn modelId="{7E503CB1-6088-4F73-B9A4-C187F33055B6}" type="presParOf" srcId="{F931B3E2-556C-4CFF-9545-D08F9986106E}" destId="{FAB5F7D6-EF9D-4235-BB15-526F7CAC450C}" srcOrd="0" destOrd="0" presId="urn:microsoft.com/office/officeart/2008/layout/LinedList"/>
+    <dgm:cxn modelId="{4D7A8DF5-9A1D-46BF-A103-38B3AFBC2DF7}" type="presParOf" srcId="{F931B3E2-556C-4CFF-9545-D08F9986106E}" destId="{1A7DDCE1-AE9D-4BF5-86FE-BF88F167DF4B}" srcOrd="1" destOrd="0" presId="urn:microsoft.com/office/officeart/2008/layout/LinedList"/>
+    <dgm:cxn modelId="{C530AB76-8DE6-494D-B069-E11A0B752916}" type="presParOf" srcId="{F931B3E2-556C-4CFF-9545-D08F9986106E}" destId="{A800B557-0B56-4C3B-A1F7-D149B30AEF9B}" srcOrd="2" destOrd="0" presId="urn:microsoft.com/office/officeart/2008/layout/LinedList"/>
+    <dgm:cxn modelId="{972B4B05-B97B-4E37-AB73-2AB2C889C3FC}" type="presParOf" srcId="{8D16F346-2AFD-42B3-8D89-71DE88801702}" destId="{96804172-8889-4561-9A0F-ED6AD8558439}" srcOrd="8" destOrd="0" presId="urn:microsoft.com/office/officeart/2008/layout/LinedList"/>
+    <dgm:cxn modelId="{F44406EF-FF1D-4853-A501-7A2E8C54BA94}" type="presParOf" srcId="{8D16F346-2AFD-42B3-8D89-71DE88801702}" destId="{557824F9-59F8-4589-B84D-38A0A9600673}" srcOrd="9" destOrd="0" presId="urn:microsoft.com/office/officeart/2008/layout/LinedList"/>
+  </dgm:cxnLst>
+  <dgm:bg/>
+  <dgm:whole/>
+  <dgm:extLst>
+    <a:ext uri="http://schemas.microsoft.com/office/drawing/2008/diagram">
+      <dsp:dataModelExt xmlns:dsp="http://schemas.microsoft.com/office/drawing/2008/diagram" relId="rId6" minVer="http://schemas.openxmlformats.org/drawingml/2006/diagram"/>
+    </a:ext>
+  </dgm:extLst>
+</dgm:dataModel>
+</file>
+
+<file path=ppt/diagrams/data7.xml><?xml version="1.0" encoding="utf-8"?>
+<dgm:dataModel xmlns:dgm="http://schemas.openxmlformats.org/drawingml/2006/diagram" xmlns:a="http://schemas.openxmlformats.org/drawingml/2006/main">
+  <dgm:ptLst>
+    <dgm:pt modelId="{34BEB75E-ED6D-4113-9F50-1BF5F1954990}" type="doc">
+      <dgm:prSet loTypeId="urn:microsoft.com/office/officeart/2008/layout/LinedList" loCatId="hierarchy" qsTypeId="urn:microsoft.com/office/officeart/2005/8/quickstyle/simple1" qsCatId="simple" csTypeId="urn:microsoft.com/office/officeart/2005/8/colors/accent1_2" csCatId="accent1" phldr="1"/>
+      <dgm:spPr/>
+      <dgm:t>
+        <a:bodyPr/>
+        <a:lstStyle/>
+        <a:p>
+          <a:endParaRPr lang="en-PH"/>
+        </a:p>
+      </dgm:t>
+    </dgm:pt>
+    <dgm:pt modelId="{441C9BFF-8AD7-4827-90F5-60BEDCAF3705}">
+      <dgm:prSet phldrT="[Text]"/>
+      <dgm:spPr/>
+      <dgm:t>
+        <a:bodyPr/>
+        <a:lstStyle/>
+        <a:p>
+          <a:r>
+            <a:rPr lang="en-PH" dirty="0"/>
+            <a:t>Reports</a:t>
+          </a:r>
+        </a:p>
+      </dgm:t>
+    </dgm:pt>
+    <dgm:pt modelId="{AED53F1B-6F52-4865-A6C0-13F7BB680C57}" type="parTrans" cxnId="{523F296D-2CC7-4C29-85F8-5468ED82EAEB}">
+      <dgm:prSet/>
+      <dgm:spPr/>
+      <dgm:t>
+        <a:bodyPr/>
+        <a:lstStyle/>
+        <a:p>
+          <a:endParaRPr lang="en-PH"/>
+        </a:p>
+      </dgm:t>
+    </dgm:pt>
+    <dgm:pt modelId="{EE93340F-3E48-4F2C-8A92-4BB8BFF38136}" type="sibTrans" cxnId="{523F296D-2CC7-4C29-85F8-5468ED82EAEB}">
+      <dgm:prSet/>
+      <dgm:spPr/>
+      <dgm:t>
+        <a:bodyPr/>
+        <a:lstStyle/>
+        <a:p>
+          <a:endParaRPr lang="en-PH"/>
+        </a:p>
+      </dgm:t>
+    </dgm:pt>
+    <dgm:pt modelId="{D809E429-04AF-422B-B080-571F331ACCDF}">
+      <dgm:prSet phldrT="[Text]"/>
+      <dgm:spPr/>
+      <dgm:t>
+        <a:bodyPr/>
+        <a:lstStyle/>
+        <a:p>
+          <a:r>
+            <a:rPr lang="en-PH" dirty="0" err="1"/>
+            <a:t>userId</a:t>
+          </a:r>
+          <a:endParaRPr lang="en-PH" dirty="0"/>
+        </a:p>
+      </dgm:t>
+    </dgm:pt>
+    <dgm:pt modelId="{13CCF95D-B99C-49A1-977D-D76183D718CF}" type="parTrans" cxnId="{605E4440-290F-426D-ACD9-1A5FCB40EB0E}">
+      <dgm:prSet/>
+      <dgm:spPr/>
+      <dgm:t>
+        <a:bodyPr/>
+        <a:lstStyle/>
+        <a:p>
+          <a:endParaRPr lang="en-PH"/>
+        </a:p>
+      </dgm:t>
+    </dgm:pt>
+    <dgm:pt modelId="{E2317A59-187B-401C-A619-D2B0DDE89B9A}" type="sibTrans" cxnId="{605E4440-290F-426D-ACD9-1A5FCB40EB0E}">
+      <dgm:prSet/>
+      <dgm:spPr/>
+      <dgm:t>
+        <a:bodyPr/>
+        <a:lstStyle/>
+        <a:p>
+          <a:endParaRPr lang="en-PH"/>
+        </a:p>
+      </dgm:t>
+    </dgm:pt>
+    <dgm:pt modelId="{B8A96C09-D3D8-4A74-A80B-BEA0C980453B}">
+      <dgm:prSet phldrT="[Text]"/>
+      <dgm:spPr/>
+      <dgm:t>
+        <a:bodyPr/>
+        <a:lstStyle/>
+        <a:p>
+          <a:r>
+            <a:rPr lang="en-PH" dirty="0" err="1"/>
+            <a:t>postHash</a:t>
+          </a:r>
+          <a:endParaRPr lang="en-PH" dirty="0"/>
+        </a:p>
+      </dgm:t>
+    </dgm:pt>
+    <dgm:pt modelId="{E3FAACCE-0CD7-4FD4-BC21-AA3AC94926E0}" type="parTrans" cxnId="{B17A2A60-71E1-45E5-961E-93E09E16DBDE}">
+      <dgm:prSet/>
+      <dgm:spPr/>
+      <dgm:t>
+        <a:bodyPr/>
+        <a:lstStyle/>
+        <a:p>
+          <a:endParaRPr lang="en-PH"/>
+        </a:p>
+      </dgm:t>
+    </dgm:pt>
+    <dgm:pt modelId="{3CCF7115-C32E-40D2-B920-114BED460AFD}" type="sibTrans" cxnId="{B17A2A60-71E1-45E5-961E-93E09E16DBDE}">
+      <dgm:prSet/>
+      <dgm:spPr/>
+      <dgm:t>
+        <a:bodyPr/>
+        <a:lstStyle/>
+        <a:p>
+          <a:endParaRPr lang="en-PH"/>
+        </a:p>
+      </dgm:t>
+    </dgm:pt>
+    <dgm:pt modelId="{A90E5BA9-B030-4072-AA39-F4FDDB6BD880}">
+      <dgm:prSet phldrT="[Text]"/>
+      <dgm:spPr/>
+      <dgm:t>
+        <a:bodyPr/>
+        <a:lstStyle/>
+        <a:p>
+          <a:r>
+            <a:rPr lang="en-PH" dirty="0"/>
+            <a:t>datetime</a:t>
+          </a:r>
+        </a:p>
+      </dgm:t>
+    </dgm:pt>
+    <dgm:pt modelId="{E2728D14-72E4-4149-945D-3BE0F8FB60CA}" type="parTrans" cxnId="{A45E0700-94C5-4387-A183-699629E4B5E3}">
+      <dgm:prSet/>
+      <dgm:spPr/>
+      <dgm:t>
+        <a:bodyPr/>
+        <a:lstStyle/>
+        <a:p>
+          <a:endParaRPr lang="en-PH"/>
+        </a:p>
+      </dgm:t>
+    </dgm:pt>
+    <dgm:pt modelId="{D061BD53-454C-4918-9133-4B555BA12FF8}" type="sibTrans" cxnId="{A45E0700-94C5-4387-A183-699629E4B5E3}">
+      <dgm:prSet/>
+      <dgm:spPr/>
+      <dgm:t>
+        <a:bodyPr/>
+        <a:lstStyle/>
+        <a:p>
+          <a:endParaRPr lang="en-PH"/>
+        </a:p>
+      </dgm:t>
+    </dgm:pt>
+    <dgm:pt modelId="{C3352426-939D-4321-8649-D6716BB162C4}" type="pres">
+      <dgm:prSet presAssocID="{34BEB75E-ED6D-4113-9F50-1BF5F1954990}" presName="vert0" presStyleCnt="0">
+        <dgm:presLayoutVars>
+          <dgm:dir/>
+          <dgm:animOne val="branch"/>
+          <dgm:animLvl val="lvl"/>
+        </dgm:presLayoutVars>
+      </dgm:prSet>
+      <dgm:spPr/>
+    </dgm:pt>
+    <dgm:pt modelId="{F0557730-8B9A-4E9D-832D-78384F71DA4A}" type="pres">
+      <dgm:prSet presAssocID="{441C9BFF-8AD7-4827-90F5-60BEDCAF3705}" presName="thickLine" presStyleLbl="alignNode1" presStyleIdx="0" presStyleCnt="1"/>
+      <dgm:spPr/>
+    </dgm:pt>
+    <dgm:pt modelId="{CFD527BF-B157-4E07-8C44-F012E9130A4E}" type="pres">
+      <dgm:prSet presAssocID="{441C9BFF-8AD7-4827-90F5-60BEDCAF3705}" presName="horz1" presStyleCnt="0"/>
+      <dgm:spPr/>
+    </dgm:pt>
+    <dgm:pt modelId="{E3CC5A9C-1C2B-4849-BDA5-16B8B34A5987}" type="pres">
+      <dgm:prSet presAssocID="{441C9BFF-8AD7-4827-90F5-60BEDCAF3705}" presName="tx1" presStyleLbl="revTx" presStyleIdx="0" presStyleCnt="4"/>
+      <dgm:spPr/>
+    </dgm:pt>
+    <dgm:pt modelId="{8D16F346-2AFD-42B3-8D89-71DE88801702}" type="pres">
+      <dgm:prSet presAssocID="{441C9BFF-8AD7-4827-90F5-60BEDCAF3705}" presName="vert1" presStyleCnt="0"/>
+      <dgm:spPr/>
+    </dgm:pt>
+    <dgm:pt modelId="{B0B4D1F8-D1D3-4302-AF97-85F2B054BEC0}" type="pres">
+      <dgm:prSet presAssocID="{D809E429-04AF-422B-B080-571F331ACCDF}" presName="vertSpace2a" presStyleCnt="0"/>
+      <dgm:spPr/>
+    </dgm:pt>
+    <dgm:pt modelId="{D68C06F4-D011-4D10-A7CA-231612848987}" type="pres">
+      <dgm:prSet presAssocID="{D809E429-04AF-422B-B080-571F331ACCDF}" presName="horz2" presStyleCnt="0"/>
+      <dgm:spPr/>
+    </dgm:pt>
+    <dgm:pt modelId="{A67507B9-D4E0-45F0-8B6F-E1194C50A57D}" type="pres">
+      <dgm:prSet presAssocID="{D809E429-04AF-422B-B080-571F331ACCDF}" presName="horzSpace2" presStyleCnt="0"/>
+      <dgm:spPr/>
+    </dgm:pt>
+    <dgm:pt modelId="{7C715882-15D3-4785-8D04-6D401EF6AFB0}" type="pres">
+      <dgm:prSet presAssocID="{D809E429-04AF-422B-B080-571F331ACCDF}" presName="tx2" presStyleLbl="revTx" presStyleIdx="1" presStyleCnt="4"/>
+      <dgm:spPr/>
+    </dgm:pt>
+    <dgm:pt modelId="{7345CB9B-9D84-4289-8283-A21AB0F34105}" type="pres">
+      <dgm:prSet presAssocID="{D809E429-04AF-422B-B080-571F331ACCDF}" presName="vert2" presStyleCnt="0"/>
+      <dgm:spPr/>
+    </dgm:pt>
+    <dgm:pt modelId="{0FF34B0B-2E65-4520-92BB-4118F260C032}" type="pres">
+      <dgm:prSet presAssocID="{D809E429-04AF-422B-B080-571F331ACCDF}" presName="thinLine2b" presStyleLbl="callout" presStyleIdx="0" presStyleCnt="3"/>
+      <dgm:spPr/>
+    </dgm:pt>
+    <dgm:pt modelId="{453D1700-8AF1-45E8-959E-433D1C8D7356}" type="pres">
+      <dgm:prSet presAssocID="{D809E429-04AF-422B-B080-571F331ACCDF}" presName="vertSpace2b" presStyleCnt="0"/>
+      <dgm:spPr/>
+    </dgm:pt>
+    <dgm:pt modelId="{15A6752B-A400-4195-B5DD-03592935198C}" type="pres">
+      <dgm:prSet presAssocID="{B8A96C09-D3D8-4A74-A80B-BEA0C980453B}" presName="horz2" presStyleCnt="0"/>
+      <dgm:spPr/>
+    </dgm:pt>
+    <dgm:pt modelId="{BA431673-A4E9-4785-A54E-FCC40487DB2E}" type="pres">
+      <dgm:prSet presAssocID="{B8A96C09-D3D8-4A74-A80B-BEA0C980453B}" presName="horzSpace2" presStyleCnt="0"/>
+      <dgm:spPr/>
+    </dgm:pt>
+    <dgm:pt modelId="{347C6339-B231-447A-BCBE-4DD771E79BCD}" type="pres">
+      <dgm:prSet presAssocID="{B8A96C09-D3D8-4A74-A80B-BEA0C980453B}" presName="tx2" presStyleLbl="revTx" presStyleIdx="2" presStyleCnt="4"/>
+      <dgm:spPr/>
+    </dgm:pt>
+    <dgm:pt modelId="{B050AE53-096D-41C4-B06F-035F6E844E1A}" type="pres">
+      <dgm:prSet presAssocID="{B8A96C09-D3D8-4A74-A80B-BEA0C980453B}" presName="vert2" presStyleCnt="0"/>
+      <dgm:spPr/>
+    </dgm:pt>
+    <dgm:pt modelId="{38233778-9C02-4BB2-AB72-F25A0E5E82CE}" type="pres">
+      <dgm:prSet presAssocID="{B8A96C09-D3D8-4A74-A80B-BEA0C980453B}" presName="thinLine2b" presStyleLbl="callout" presStyleIdx="1" presStyleCnt="3"/>
+      <dgm:spPr/>
+    </dgm:pt>
+    <dgm:pt modelId="{B61029BE-BA77-4BBC-B76C-5D8976283DBB}" type="pres">
+      <dgm:prSet presAssocID="{B8A96C09-D3D8-4A74-A80B-BEA0C980453B}" presName="vertSpace2b" presStyleCnt="0"/>
+      <dgm:spPr/>
+    </dgm:pt>
+    <dgm:pt modelId="{F931B3E2-556C-4CFF-9545-D08F9986106E}" type="pres">
+      <dgm:prSet presAssocID="{A90E5BA9-B030-4072-AA39-F4FDDB6BD880}" presName="horz2" presStyleCnt="0"/>
+      <dgm:spPr/>
+    </dgm:pt>
+    <dgm:pt modelId="{FAB5F7D6-EF9D-4235-BB15-526F7CAC450C}" type="pres">
+      <dgm:prSet presAssocID="{A90E5BA9-B030-4072-AA39-F4FDDB6BD880}" presName="horzSpace2" presStyleCnt="0"/>
+      <dgm:spPr/>
+    </dgm:pt>
+    <dgm:pt modelId="{1A7DDCE1-AE9D-4BF5-86FE-BF88F167DF4B}" type="pres">
+      <dgm:prSet presAssocID="{A90E5BA9-B030-4072-AA39-F4FDDB6BD880}" presName="tx2" presStyleLbl="revTx" presStyleIdx="3" presStyleCnt="4"/>
+      <dgm:spPr/>
+    </dgm:pt>
+    <dgm:pt modelId="{A800B557-0B56-4C3B-A1F7-D149B30AEF9B}" type="pres">
+      <dgm:prSet presAssocID="{A90E5BA9-B030-4072-AA39-F4FDDB6BD880}" presName="vert2" presStyleCnt="0"/>
+      <dgm:spPr/>
+    </dgm:pt>
+    <dgm:pt modelId="{96804172-8889-4561-9A0F-ED6AD8558439}" type="pres">
+      <dgm:prSet presAssocID="{A90E5BA9-B030-4072-AA39-F4FDDB6BD880}" presName="thinLine2b" presStyleLbl="callout" presStyleIdx="2" presStyleCnt="3"/>
+      <dgm:spPr/>
+    </dgm:pt>
+    <dgm:pt modelId="{557824F9-59F8-4589-B84D-38A0A9600673}" type="pres">
+      <dgm:prSet presAssocID="{A90E5BA9-B030-4072-AA39-F4FDDB6BD880}" presName="vertSpace2b" presStyleCnt="0"/>
+      <dgm:spPr/>
+    </dgm:pt>
+  </dgm:ptLst>
+  <dgm:cxnLst>
+    <dgm:cxn modelId="{A45E0700-94C5-4387-A183-699629E4B5E3}" srcId="{441C9BFF-8AD7-4827-90F5-60BEDCAF3705}" destId="{A90E5BA9-B030-4072-AA39-F4FDDB6BD880}" srcOrd="2" destOrd="0" parTransId="{E2728D14-72E4-4149-945D-3BE0F8FB60CA}" sibTransId="{D061BD53-454C-4918-9133-4B555BA12FF8}"/>
+    <dgm:cxn modelId="{AC998630-0F33-4500-9AB0-6BC5C13CF463}" type="presOf" srcId="{A90E5BA9-B030-4072-AA39-F4FDDB6BD880}" destId="{1A7DDCE1-AE9D-4BF5-86FE-BF88F167DF4B}" srcOrd="0" destOrd="0" presId="urn:microsoft.com/office/officeart/2008/layout/LinedList"/>
+    <dgm:cxn modelId="{DB4F8735-0D01-48BD-85A0-85F0B748A85D}" type="presOf" srcId="{441C9BFF-8AD7-4827-90F5-60BEDCAF3705}" destId="{E3CC5A9C-1C2B-4849-BDA5-16B8B34A5987}" srcOrd="0" destOrd="0" presId="urn:microsoft.com/office/officeart/2008/layout/LinedList"/>
+    <dgm:cxn modelId="{F51E733D-C3D0-4CA3-ADA8-483E175EAC31}" type="presOf" srcId="{D809E429-04AF-422B-B080-571F331ACCDF}" destId="{7C715882-15D3-4785-8D04-6D401EF6AFB0}" srcOrd="0" destOrd="0" presId="urn:microsoft.com/office/officeart/2008/layout/LinedList"/>
+    <dgm:cxn modelId="{605E4440-290F-426D-ACD9-1A5FCB40EB0E}" srcId="{441C9BFF-8AD7-4827-90F5-60BEDCAF3705}" destId="{D809E429-04AF-422B-B080-571F331ACCDF}" srcOrd="0" destOrd="0" parTransId="{13CCF95D-B99C-49A1-977D-D76183D718CF}" sibTransId="{E2317A59-187B-401C-A619-D2B0DDE89B9A}"/>
+    <dgm:cxn modelId="{B17A2A60-71E1-45E5-961E-93E09E16DBDE}" srcId="{441C9BFF-8AD7-4827-90F5-60BEDCAF3705}" destId="{B8A96C09-D3D8-4A74-A80B-BEA0C980453B}" srcOrd="1" destOrd="0" parTransId="{E3FAACCE-0CD7-4FD4-BC21-AA3AC94926E0}" sibTransId="{3CCF7115-C32E-40D2-B920-114BED460AFD}"/>
+    <dgm:cxn modelId="{523F296D-2CC7-4C29-85F8-5468ED82EAEB}" srcId="{34BEB75E-ED6D-4113-9F50-1BF5F1954990}" destId="{441C9BFF-8AD7-4827-90F5-60BEDCAF3705}" srcOrd="0" destOrd="0" parTransId="{AED53F1B-6F52-4865-A6C0-13F7BB680C57}" sibTransId="{EE93340F-3E48-4F2C-8A92-4BB8BFF38136}"/>
+    <dgm:cxn modelId="{740EE279-A384-42E1-9054-1B0EAAF877E3}" type="presOf" srcId="{B8A96C09-D3D8-4A74-A80B-BEA0C980453B}" destId="{347C6339-B231-447A-BCBE-4DD771E79BCD}" srcOrd="0" destOrd="0" presId="urn:microsoft.com/office/officeart/2008/layout/LinedList"/>
+    <dgm:cxn modelId="{F2B1DBC2-3901-4D1E-BB45-0A525BA7B60E}" type="presOf" srcId="{34BEB75E-ED6D-4113-9F50-1BF5F1954990}" destId="{C3352426-939D-4321-8649-D6716BB162C4}" srcOrd="0" destOrd="0" presId="urn:microsoft.com/office/officeart/2008/layout/LinedList"/>
+    <dgm:cxn modelId="{054E2C87-8887-4DA9-A413-AA67AC171074}" type="presParOf" srcId="{C3352426-939D-4321-8649-D6716BB162C4}" destId="{F0557730-8B9A-4E9D-832D-78384F71DA4A}" srcOrd="0" destOrd="0" presId="urn:microsoft.com/office/officeart/2008/layout/LinedList"/>
+    <dgm:cxn modelId="{A3C9C481-7CBF-426B-9165-22202B290AB5}" type="presParOf" srcId="{C3352426-939D-4321-8649-D6716BB162C4}" destId="{CFD527BF-B157-4E07-8C44-F012E9130A4E}" srcOrd="1" destOrd="0" presId="urn:microsoft.com/office/officeart/2008/layout/LinedList"/>
+    <dgm:cxn modelId="{FAA65E88-306D-4325-8A1B-DEB4A2D2D979}" type="presParOf" srcId="{CFD527BF-B157-4E07-8C44-F012E9130A4E}" destId="{E3CC5A9C-1C2B-4849-BDA5-16B8B34A5987}" srcOrd="0" destOrd="0" presId="urn:microsoft.com/office/officeart/2008/layout/LinedList"/>
+    <dgm:cxn modelId="{D5FB4FC5-382D-4306-8A07-BB00E2262791}" type="presParOf" srcId="{CFD527BF-B157-4E07-8C44-F012E9130A4E}" destId="{8D16F346-2AFD-42B3-8D89-71DE88801702}" srcOrd="1" destOrd="0" presId="urn:microsoft.com/office/officeart/2008/layout/LinedList"/>
+    <dgm:cxn modelId="{1690AA78-51FA-4406-A140-22F19ED979BC}" type="presParOf" srcId="{8D16F346-2AFD-42B3-8D89-71DE88801702}" destId="{B0B4D1F8-D1D3-4302-AF97-85F2B054BEC0}" srcOrd="0" destOrd="0" presId="urn:microsoft.com/office/officeart/2008/layout/LinedList"/>
+    <dgm:cxn modelId="{D4767373-135F-4A72-B3CB-3288472DCF15}" type="presParOf" srcId="{8D16F346-2AFD-42B3-8D89-71DE88801702}" destId="{D68C06F4-D011-4D10-A7CA-231612848987}" srcOrd="1" destOrd="0" presId="urn:microsoft.com/office/officeart/2008/layout/LinedList"/>
+    <dgm:cxn modelId="{07B5BAD5-CE46-4586-990B-6D623BBDD441}" type="presParOf" srcId="{D68C06F4-D011-4D10-A7CA-231612848987}" destId="{A67507B9-D4E0-45F0-8B6F-E1194C50A57D}" srcOrd="0" destOrd="0" presId="urn:microsoft.com/office/officeart/2008/layout/LinedList"/>
+    <dgm:cxn modelId="{FB25FB53-193A-4CE8-85B8-4397FFF9A349}" type="presParOf" srcId="{D68C06F4-D011-4D10-A7CA-231612848987}" destId="{7C715882-15D3-4785-8D04-6D401EF6AFB0}" srcOrd="1" destOrd="0" presId="urn:microsoft.com/office/officeart/2008/layout/LinedList"/>
+    <dgm:cxn modelId="{288BD028-A3CC-4C57-B422-2E974FFDD467}" type="presParOf" srcId="{D68C06F4-D011-4D10-A7CA-231612848987}" destId="{7345CB9B-9D84-4289-8283-A21AB0F34105}" srcOrd="2" destOrd="0" presId="urn:microsoft.com/office/officeart/2008/layout/LinedList"/>
+    <dgm:cxn modelId="{528C4013-8ED6-4310-9778-3AEE3087C5A8}" type="presParOf" srcId="{8D16F346-2AFD-42B3-8D89-71DE88801702}" destId="{0FF34B0B-2E65-4520-92BB-4118F260C032}" srcOrd="2" destOrd="0" presId="urn:microsoft.com/office/officeart/2008/layout/LinedList"/>
+    <dgm:cxn modelId="{7D06037A-BE20-40CD-BD8E-076EA7A4BE6A}" type="presParOf" srcId="{8D16F346-2AFD-42B3-8D89-71DE88801702}" destId="{453D1700-8AF1-45E8-959E-433D1C8D7356}" srcOrd="3" destOrd="0" presId="urn:microsoft.com/office/officeart/2008/layout/LinedList"/>
+    <dgm:cxn modelId="{E12C1032-48AD-4236-A9B7-65D9C8AF32DF}" type="presParOf" srcId="{8D16F346-2AFD-42B3-8D89-71DE88801702}" destId="{15A6752B-A400-4195-B5DD-03592935198C}" srcOrd="4" destOrd="0" presId="urn:microsoft.com/office/officeart/2008/layout/LinedList"/>
+    <dgm:cxn modelId="{214A6D22-8BA8-4321-82F2-64210E9D7679}" type="presParOf" srcId="{15A6752B-A400-4195-B5DD-03592935198C}" destId="{BA431673-A4E9-4785-A54E-FCC40487DB2E}" srcOrd="0" destOrd="0" presId="urn:microsoft.com/office/officeart/2008/layout/LinedList"/>
+    <dgm:cxn modelId="{93CA7631-EC17-4A30-8EB9-708FCFC14DA3}" type="presParOf" srcId="{15A6752B-A400-4195-B5DD-03592935198C}" destId="{347C6339-B231-447A-BCBE-4DD771E79BCD}" srcOrd="1" destOrd="0" presId="urn:microsoft.com/office/officeart/2008/layout/LinedList"/>
+    <dgm:cxn modelId="{CDD0300B-B5F3-4765-BE49-9A49B0E1E03F}" type="presParOf" srcId="{15A6752B-A400-4195-B5DD-03592935198C}" destId="{B050AE53-096D-41C4-B06F-035F6E844E1A}" srcOrd="2" destOrd="0" presId="urn:microsoft.com/office/officeart/2008/layout/LinedList"/>
+    <dgm:cxn modelId="{8729D974-2B57-46BF-8B0D-26A74AA7FDC6}" type="presParOf" srcId="{8D16F346-2AFD-42B3-8D89-71DE88801702}" destId="{38233778-9C02-4BB2-AB72-F25A0E5E82CE}" srcOrd="5" destOrd="0" presId="urn:microsoft.com/office/officeart/2008/layout/LinedList"/>
+    <dgm:cxn modelId="{B2C00419-4481-4CF2-B8CA-636022BCC5FC}" type="presParOf" srcId="{8D16F346-2AFD-42B3-8D89-71DE88801702}" destId="{B61029BE-BA77-4BBC-B76C-5D8976283DBB}" srcOrd="6" destOrd="0" presId="urn:microsoft.com/office/officeart/2008/layout/LinedList"/>
+    <dgm:cxn modelId="{C8161F33-EBC3-4B81-9AE7-59DAC4F4D0AA}" type="presParOf" srcId="{8D16F346-2AFD-42B3-8D89-71DE88801702}" destId="{F931B3E2-556C-4CFF-9545-D08F9986106E}" srcOrd="7" destOrd="0" presId="urn:microsoft.com/office/officeart/2008/layout/LinedList"/>
+    <dgm:cxn modelId="{7E503CB1-6088-4F73-B9A4-C187F33055B6}" type="presParOf" srcId="{F931B3E2-556C-4CFF-9545-D08F9986106E}" destId="{FAB5F7D6-EF9D-4235-BB15-526F7CAC450C}" srcOrd="0" destOrd="0" presId="urn:microsoft.com/office/officeart/2008/layout/LinedList"/>
+    <dgm:cxn modelId="{4D7A8DF5-9A1D-46BF-A103-38B3AFBC2DF7}" type="presParOf" srcId="{F931B3E2-556C-4CFF-9545-D08F9986106E}" destId="{1A7DDCE1-AE9D-4BF5-86FE-BF88F167DF4B}" srcOrd="1" destOrd="0" presId="urn:microsoft.com/office/officeart/2008/layout/LinedList"/>
+    <dgm:cxn modelId="{C530AB76-8DE6-494D-B069-E11A0B752916}" type="presParOf" srcId="{F931B3E2-556C-4CFF-9545-D08F9986106E}" destId="{A800B557-0B56-4C3B-A1F7-D149B30AEF9B}" srcOrd="2" destOrd="0" presId="urn:microsoft.com/office/officeart/2008/layout/LinedList"/>
+    <dgm:cxn modelId="{972B4B05-B97B-4E37-AB73-2AB2C889C3FC}" type="presParOf" srcId="{8D16F346-2AFD-42B3-8D89-71DE88801702}" destId="{96804172-8889-4561-9A0F-ED6AD8558439}" srcOrd="8" destOrd="0" presId="urn:microsoft.com/office/officeart/2008/layout/LinedList"/>
+    <dgm:cxn modelId="{F44406EF-FF1D-4853-A501-7A2E8C54BA94}" type="presParOf" srcId="{8D16F346-2AFD-42B3-8D89-71DE88801702}" destId="{557824F9-59F8-4589-B84D-38A0A9600673}" srcOrd="9" destOrd="0" presId="urn:microsoft.com/office/officeart/2008/layout/LinedList"/>
+  </dgm:cxnLst>
+  <dgm:bg/>
+  <dgm:whole/>
+  <dgm:extLst>
+    <a:ext uri="http://schemas.microsoft.com/office/drawing/2008/diagram">
+      <dsp:dataModelExt xmlns:dsp="http://schemas.microsoft.com/office/drawing/2008/diagram" relId="rId6" minVer="http://schemas.openxmlformats.org/drawingml/2006/diagram"/>
+    </a:ext>
+  </dgm:extLst>
+</dgm:dataModel>
+</file>
+
 <file path=ppt/diagrams/drawing1.xml><?xml version="1.0" encoding="utf-8"?>
 <dsp:drawing xmlns:dgm="http://schemas.openxmlformats.org/drawingml/2006/diagram" xmlns:dsp="http://schemas.microsoft.com/office/drawing/2008/diagram" xmlns:a="http://schemas.openxmlformats.org/drawingml/2006/main">
   <dsp:spTree>
@@ -13740,6 +15850,908 @@
       <dsp:spPr>
         <a:xfrm>
           <a:off x="2103120" y="5673352"/>
+          <a:ext cx="8412480" cy="0"/>
+        </a:xfrm>
+        <a:prstGeom prst="line">
+          <a:avLst/>
+        </a:prstGeom>
+        <a:solidFill>
+          <a:schemeClr val="accent1">
+            <a:hueOff val="0"/>
+            <a:satOff val="0"/>
+            <a:lumOff val="0"/>
+            <a:alphaOff val="0"/>
+          </a:schemeClr>
+        </a:solidFill>
+        <a:ln w="12700" cap="flat" cmpd="sng" algn="ctr">
+          <a:solidFill>
+            <a:schemeClr val="accent1">
+              <a:tint val="50000"/>
+              <a:hueOff val="0"/>
+              <a:satOff val="0"/>
+              <a:lumOff val="0"/>
+              <a:alphaOff val="0"/>
+            </a:schemeClr>
+          </a:solidFill>
+          <a:prstDash val="solid"/>
+          <a:miter lim="800000"/>
+        </a:ln>
+        <a:effectLst/>
+      </dsp:spPr>
+      <dsp:style>
+        <a:lnRef idx="2">
+          <a:scrgbClr r="0" g="0" b="0"/>
+        </a:lnRef>
+        <a:fillRef idx="1">
+          <a:scrgbClr r="0" g="0" b="0"/>
+        </a:fillRef>
+        <a:effectRef idx="0">
+          <a:scrgbClr r="0" g="0" b="0"/>
+        </a:effectRef>
+        <a:fontRef idx="minor"/>
+      </dsp:style>
+    </dsp:sp>
+  </dsp:spTree>
+</dsp:drawing>
+</file>
+
+<file path=ppt/diagrams/drawing6.xml><?xml version="1.0" encoding="utf-8"?>
+<dsp:drawing xmlns:dgm="http://schemas.openxmlformats.org/drawingml/2006/diagram" xmlns:dsp="http://schemas.microsoft.com/office/drawing/2008/diagram" xmlns:a="http://schemas.openxmlformats.org/drawingml/2006/main">
+  <dsp:spTree>
+    <dsp:nvGrpSpPr>
+      <dsp:cNvPr id="0" name=""/>
+      <dsp:cNvGrpSpPr/>
+    </dsp:nvGrpSpPr>
+    <dsp:grpSpPr/>
+    <dsp:sp modelId="{F0557730-8B9A-4E9D-832D-78384F71DA4A}">
+      <dsp:nvSpPr>
+        <dsp:cNvPr id="0" name=""/>
+        <dsp:cNvSpPr/>
+      </dsp:nvSpPr>
+      <dsp:spPr>
+        <a:xfrm>
+          <a:off x="0" y="0"/>
+          <a:ext cx="10515600" cy="0"/>
+        </a:xfrm>
+        <a:prstGeom prst="line">
+          <a:avLst/>
+        </a:prstGeom>
+        <a:solidFill>
+          <a:schemeClr val="accent1">
+            <a:hueOff val="0"/>
+            <a:satOff val="0"/>
+            <a:lumOff val="0"/>
+            <a:alphaOff val="0"/>
+          </a:schemeClr>
+        </a:solidFill>
+        <a:ln w="12700" cap="flat" cmpd="sng" algn="ctr">
+          <a:solidFill>
+            <a:schemeClr val="accent1">
+              <a:hueOff val="0"/>
+              <a:satOff val="0"/>
+              <a:lumOff val="0"/>
+              <a:alphaOff val="0"/>
+            </a:schemeClr>
+          </a:solidFill>
+          <a:prstDash val="solid"/>
+          <a:miter lim="800000"/>
+        </a:ln>
+        <a:effectLst/>
+      </dsp:spPr>
+      <dsp:style>
+        <a:lnRef idx="2">
+          <a:scrgbClr r="0" g="0" b="0"/>
+        </a:lnRef>
+        <a:fillRef idx="1">
+          <a:scrgbClr r="0" g="0" b="0"/>
+        </a:fillRef>
+        <a:effectRef idx="0">
+          <a:scrgbClr r="0" g="0" b="0"/>
+        </a:effectRef>
+        <a:fontRef idx="minor">
+          <a:schemeClr val="lt1"/>
+        </a:fontRef>
+      </dsp:style>
+    </dsp:sp>
+    <dsp:sp modelId="{E3CC5A9C-1C2B-4849-BDA5-16B8B34A5987}">
+      <dsp:nvSpPr>
+        <dsp:cNvPr id="0" name=""/>
+        <dsp:cNvSpPr/>
+      </dsp:nvSpPr>
+      <dsp:spPr>
+        <a:xfrm>
+          <a:off x="0" y="0"/>
+          <a:ext cx="2103120" cy="5811838"/>
+        </a:xfrm>
+        <a:prstGeom prst="rect">
+          <a:avLst/>
+        </a:prstGeom>
+        <a:noFill/>
+        <a:ln>
+          <a:noFill/>
+        </a:ln>
+        <a:effectLst/>
+      </dsp:spPr>
+      <dsp:style>
+        <a:lnRef idx="0">
+          <a:scrgbClr r="0" g="0" b="0"/>
+        </a:lnRef>
+        <a:fillRef idx="0">
+          <a:scrgbClr r="0" g="0" b="0"/>
+        </a:fillRef>
+        <a:effectRef idx="0">
+          <a:scrgbClr r="0" g="0" b="0"/>
+        </a:effectRef>
+        <a:fontRef idx="minor"/>
+      </dsp:style>
+      <dsp:txBody>
+        <a:bodyPr spcFirstLastPara="0" vert="horz" wrap="square" lIns="243840" tIns="243840" rIns="243840" bIns="243840" numCol="1" spcCol="1270" anchor="t" anchorCtr="0">
+          <a:noAutofit/>
+        </a:bodyPr>
+        <a:lstStyle/>
+        <a:p>
+          <a:pPr marL="0" lvl="0" indent="0" algn="l" defTabSz="2844800">
+            <a:lnSpc>
+              <a:spcPct val="90000"/>
+            </a:lnSpc>
+            <a:spcBef>
+              <a:spcPct val="0"/>
+            </a:spcBef>
+            <a:spcAft>
+              <a:spcPct val="35000"/>
+            </a:spcAft>
+            <a:buNone/>
+          </a:pPr>
+          <a:r>
+            <a:rPr lang="en-PH" sz="6400" kern="1200" dirty="0"/>
+            <a:t>Likes</a:t>
+          </a:r>
+        </a:p>
+      </dsp:txBody>
+      <dsp:txXfrm>
+        <a:off x="0" y="0"/>
+        <a:ext cx="2103120" cy="5811838"/>
+      </dsp:txXfrm>
+    </dsp:sp>
+    <dsp:sp modelId="{7C715882-15D3-4785-8D04-6D401EF6AFB0}">
+      <dsp:nvSpPr>
+        <dsp:cNvPr id="0" name=""/>
+        <dsp:cNvSpPr/>
+      </dsp:nvSpPr>
+      <dsp:spPr>
+        <a:xfrm>
+          <a:off x="2260854" y="90809"/>
+          <a:ext cx="8254746" cy="1816199"/>
+        </a:xfrm>
+        <a:prstGeom prst="rect">
+          <a:avLst/>
+        </a:prstGeom>
+        <a:noFill/>
+        <a:ln>
+          <a:noFill/>
+        </a:ln>
+        <a:effectLst/>
+      </dsp:spPr>
+      <dsp:style>
+        <a:lnRef idx="0">
+          <a:scrgbClr r="0" g="0" b="0"/>
+        </a:lnRef>
+        <a:fillRef idx="0">
+          <a:scrgbClr r="0" g="0" b="0"/>
+        </a:fillRef>
+        <a:effectRef idx="0">
+          <a:scrgbClr r="0" g="0" b="0"/>
+        </a:effectRef>
+        <a:fontRef idx="minor"/>
+      </dsp:style>
+      <dsp:txBody>
+        <a:bodyPr spcFirstLastPara="0" vert="horz" wrap="square" lIns="247650" tIns="247650" rIns="247650" bIns="247650" numCol="1" spcCol="1270" anchor="t" anchorCtr="0">
+          <a:noAutofit/>
+        </a:bodyPr>
+        <a:lstStyle/>
+        <a:p>
+          <a:pPr marL="0" lvl="0" indent="0" algn="l" defTabSz="2889250">
+            <a:lnSpc>
+              <a:spcPct val="90000"/>
+            </a:lnSpc>
+            <a:spcBef>
+              <a:spcPct val="0"/>
+            </a:spcBef>
+            <a:spcAft>
+              <a:spcPct val="35000"/>
+            </a:spcAft>
+            <a:buNone/>
+          </a:pPr>
+          <a:r>
+            <a:rPr lang="en-PH" sz="6500" kern="1200" dirty="0" err="1"/>
+            <a:t>userId</a:t>
+          </a:r>
+          <a:endParaRPr lang="en-PH" sz="6500" kern="1200" dirty="0"/>
+        </a:p>
+      </dsp:txBody>
+      <dsp:txXfrm>
+        <a:off x="2260854" y="90809"/>
+        <a:ext cx="8254746" cy="1816199"/>
+      </dsp:txXfrm>
+    </dsp:sp>
+    <dsp:sp modelId="{0FF34B0B-2E65-4520-92BB-4118F260C032}">
+      <dsp:nvSpPr>
+        <dsp:cNvPr id="0" name=""/>
+        <dsp:cNvSpPr/>
+      </dsp:nvSpPr>
+      <dsp:spPr>
+        <a:xfrm>
+          <a:off x="2103120" y="1907009"/>
+          <a:ext cx="8412480" cy="0"/>
+        </a:xfrm>
+        <a:prstGeom prst="line">
+          <a:avLst/>
+        </a:prstGeom>
+        <a:solidFill>
+          <a:schemeClr val="accent1">
+            <a:hueOff val="0"/>
+            <a:satOff val="0"/>
+            <a:lumOff val="0"/>
+            <a:alphaOff val="0"/>
+          </a:schemeClr>
+        </a:solidFill>
+        <a:ln w="12700" cap="flat" cmpd="sng" algn="ctr">
+          <a:solidFill>
+            <a:schemeClr val="accent1">
+              <a:tint val="50000"/>
+              <a:hueOff val="0"/>
+              <a:satOff val="0"/>
+              <a:lumOff val="0"/>
+              <a:alphaOff val="0"/>
+            </a:schemeClr>
+          </a:solidFill>
+          <a:prstDash val="solid"/>
+          <a:miter lim="800000"/>
+        </a:ln>
+        <a:effectLst/>
+      </dsp:spPr>
+      <dsp:style>
+        <a:lnRef idx="2">
+          <a:scrgbClr r="0" g="0" b="0"/>
+        </a:lnRef>
+        <a:fillRef idx="1">
+          <a:scrgbClr r="0" g="0" b="0"/>
+        </a:fillRef>
+        <a:effectRef idx="0">
+          <a:scrgbClr r="0" g="0" b="0"/>
+        </a:effectRef>
+        <a:fontRef idx="minor"/>
+      </dsp:style>
+    </dsp:sp>
+    <dsp:sp modelId="{347C6339-B231-447A-BCBE-4DD771E79BCD}">
+      <dsp:nvSpPr>
+        <dsp:cNvPr id="0" name=""/>
+        <dsp:cNvSpPr/>
+      </dsp:nvSpPr>
+      <dsp:spPr>
+        <a:xfrm>
+          <a:off x="2260854" y="1997819"/>
+          <a:ext cx="8254746" cy="1816199"/>
+        </a:xfrm>
+        <a:prstGeom prst="rect">
+          <a:avLst/>
+        </a:prstGeom>
+        <a:noFill/>
+        <a:ln>
+          <a:noFill/>
+        </a:ln>
+        <a:effectLst/>
+      </dsp:spPr>
+      <dsp:style>
+        <a:lnRef idx="0">
+          <a:scrgbClr r="0" g="0" b="0"/>
+        </a:lnRef>
+        <a:fillRef idx="0">
+          <a:scrgbClr r="0" g="0" b="0"/>
+        </a:fillRef>
+        <a:effectRef idx="0">
+          <a:scrgbClr r="0" g="0" b="0"/>
+        </a:effectRef>
+        <a:fontRef idx="minor"/>
+      </dsp:style>
+      <dsp:txBody>
+        <a:bodyPr spcFirstLastPara="0" vert="horz" wrap="square" lIns="247650" tIns="247650" rIns="247650" bIns="247650" numCol="1" spcCol="1270" anchor="t" anchorCtr="0">
+          <a:noAutofit/>
+        </a:bodyPr>
+        <a:lstStyle/>
+        <a:p>
+          <a:pPr marL="0" lvl="0" indent="0" algn="l" defTabSz="2889250">
+            <a:lnSpc>
+              <a:spcPct val="90000"/>
+            </a:lnSpc>
+            <a:spcBef>
+              <a:spcPct val="0"/>
+            </a:spcBef>
+            <a:spcAft>
+              <a:spcPct val="35000"/>
+            </a:spcAft>
+            <a:buNone/>
+          </a:pPr>
+          <a:r>
+            <a:rPr lang="en-PH" sz="6500" kern="1200" dirty="0" err="1"/>
+            <a:t>postHash</a:t>
+          </a:r>
+          <a:endParaRPr lang="en-PH" sz="6500" kern="1200" dirty="0"/>
+        </a:p>
+      </dsp:txBody>
+      <dsp:txXfrm>
+        <a:off x="2260854" y="1997819"/>
+        <a:ext cx="8254746" cy="1816199"/>
+      </dsp:txXfrm>
+    </dsp:sp>
+    <dsp:sp modelId="{38233778-9C02-4BB2-AB72-F25A0E5E82CE}">
+      <dsp:nvSpPr>
+        <dsp:cNvPr id="0" name=""/>
+        <dsp:cNvSpPr/>
+      </dsp:nvSpPr>
+      <dsp:spPr>
+        <a:xfrm>
+          <a:off x="2103120" y="3814018"/>
+          <a:ext cx="8412480" cy="0"/>
+        </a:xfrm>
+        <a:prstGeom prst="line">
+          <a:avLst/>
+        </a:prstGeom>
+        <a:solidFill>
+          <a:schemeClr val="accent1">
+            <a:hueOff val="0"/>
+            <a:satOff val="0"/>
+            <a:lumOff val="0"/>
+            <a:alphaOff val="0"/>
+          </a:schemeClr>
+        </a:solidFill>
+        <a:ln w="12700" cap="flat" cmpd="sng" algn="ctr">
+          <a:solidFill>
+            <a:schemeClr val="accent1">
+              <a:tint val="50000"/>
+              <a:hueOff val="0"/>
+              <a:satOff val="0"/>
+              <a:lumOff val="0"/>
+              <a:alphaOff val="0"/>
+            </a:schemeClr>
+          </a:solidFill>
+          <a:prstDash val="solid"/>
+          <a:miter lim="800000"/>
+        </a:ln>
+        <a:effectLst/>
+      </dsp:spPr>
+      <dsp:style>
+        <a:lnRef idx="2">
+          <a:scrgbClr r="0" g="0" b="0"/>
+        </a:lnRef>
+        <a:fillRef idx="1">
+          <a:scrgbClr r="0" g="0" b="0"/>
+        </a:fillRef>
+        <a:effectRef idx="0">
+          <a:scrgbClr r="0" g="0" b="0"/>
+        </a:effectRef>
+        <a:fontRef idx="minor"/>
+      </dsp:style>
+    </dsp:sp>
+    <dsp:sp modelId="{1A7DDCE1-AE9D-4BF5-86FE-BF88F167DF4B}">
+      <dsp:nvSpPr>
+        <dsp:cNvPr id="0" name=""/>
+        <dsp:cNvSpPr/>
+      </dsp:nvSpPr>
+      <dsp:spPr>
+        <a:xfrm>
+          <a:off x="2260854" y="3904828"/>
+          <a:ext cx="8254746" cy="1816199"/>
+        </a:xfrm>
+        <a:prstGeom prst="rect">
+          <a:avLst/>
+        </a:prstGeom>
+        <a:noFill/>
+        <a:ln>
+          <a:noFill/>
+        </a:ln>
+        <a:effectLst/>
+      </dsp:spPr>
+      <dsp:style>
+        <a:lnRef idx="0">
+          <a:scrgbClr r="0" g="0" b="0"/>
+        </a:lnRef>
+        <a:fillRef idx="0">
+          <a:scrgbClr r="0" g="0" b="0"/>
+        </a:fillRef>
+        <a:effectRef idx="0">
+          <a:scrgbClr r="0" g="0" b="0"/>
+        </a:effectRef>
+        <a:fontRef idx="minor"/>
+      </dsp:style>
+      <dsp:txBody>
+        <a:bodyPr spcFirstLastPara="0" vert="horz" wrap="square" lIns="247650" tIns="247650" rIns="247650" bIns="247650" numCol="1" spcCol="1270" anchor="t" anchorCtr="0">
+          <a:noAutofit/>
+        </a:bodyPr>
+        <a:lstStyle/>
+        <a:p>
+          <a:pPr marL="0" lvl="0" indent="0" algn="l" defTabSz="2889250">
+            <a:lnSpc>
+              <a:spcPct val="90000"/>
+            </a:lnSpc>
+            <a:spcBef>
+              <a:spcPct val="0"/>
+            </a:spcBef>
+            <a:spcAft>
+              <a:spcPct val="35000"/>
+            </a:spcAft>
+            <a:buNone/>
+          </a:pPr>
+          <a:r>
+            <a:rPr lang="en-PH" sz="6500" kern="1200" dirty="0"/>
+            <a:t>datetime</a:t>
+          </a:r>
+        </a:p>
+      </dsp:txBody>
+      <dsp:txXfrm>
+        <a:off x="2260854" y="3904828"/>
+        <a:ext cx="8254746" cy="1816199"/>
+      </dsp:txXfrm>
+    </dsp:sp>
+    <dsp:sp modelId="{96804172-8889-4561-9A0F-ED6AD8558439}">
+      <dsp:nvSpPr>
+        <dsp:cNvPr id="0" name=""/>
+        <dsp:cNvSpPr/>
+      </dsp:nvSpPr>
+      <dsp:spPr>
+        <a:xfrm>
+          <a:off x="2103120" y="5721028"/>
+          <a:ext cx="8412480" cy="0"/>
+        </a:xfrm>
+        <a:prstGeom prst="line">
+          <a:avLst/>
+        </a:prstGeom>
+        <a:solidFill>
+          <a:schemeClr val="accent1">
+            <a:hueOff val="0"/>
+            <a:satOff val="0"/>
+            <a:lumOff val="0"/>
+            <a:alphaOff val="0"/>
+          </a:schemeClr>
+        </a:solidFill>
+        <a:ln w="12700" cap="flat" cmpd="sng" algn="ctr">
+          <a:solidFill>
+            <a:schemeClr val="accent1">
+              <a:tint val="50000"/>
+              <a:hueOff val="0"/>
+              <a:satOff val="0"/>
+              <a:lumOff val="0"/>
+              <a:alphaOff val="0"/>
+            </a:schemeClr>
+          </a:solidFill>
+          <a:prstDash val="solid"/>
+          <a:miter lim="800000"/>
+        </a:ln>
+        <a:effectLst/>
+      </dsp:spPr>
+      <dsp:style>
+        <a:lnRef idx="2">
+          <a:scrgbClr r="0" g="0" b="0"/>
+        </a:lnRef>
+        <a:fillRef idx="1">
+          <a:scrgbClr r="0" g="0" b="0"/>
+        </a:fillRef>
+        <a:effectRef idx="0">
+          <a:scrgbClr r="0" g="0" b="0"/>
+        </a:effectRef>
+        <a:fontRef idx="minor"/>
+      </dsp:style>
+    </dsp:sp>
+  </dsp:spTree>
+</dsp:drawing>
+</file>
+
+<file path=ppt/diagrams/drawing7.xml><?xml version="1.0" encoding="utf-8"?>
+<dsp:drawing xmlns:dgm="http://schemas.openxmlformats.org/drawingml/2006/diagram" xmlns:dsp="http://schemas.microsoft.com/office/drawing/2008/diagram" xmlns:a="http://schemas.openxmlformats.org/drawingml/2006/main">
+  <dsp:spTree>
+    <dsp:nvGrpSpPr>
+      <dsp:cNvPr id="0" name=""/>
+      <dsp:cNvGrpSpPr/>
+    </dsp:nvGrpSpPr>
+    <dsp:grpSpPr/>
+    <dsp:sp modelId="{F0557730-8B9A-4E9D-832D-78384F71DA4A}">
+      <dsp:nvSpPr>
+        <dsp:cNvPr id="0" name=""/>
+        <dsp:cNvSpPr/>
+      </dsp:nvSpPr>
+      <dsp:spPr>
+        <a:xfrm>
+          <a:off x="0" y="0"/>
+          <a:ext cx="10515600" cy="0"/>
+        </a:xfrm>
+        <a:prstGeom prst="line">
+          <a:avLst/>
+        </a:prstGeom>
+        <a:solidFill>
+          <a:schemeClr val="accent1">
+            <a:hueOff val="0"/>
+            <a:satOff val="0"/>
+            <a:lumOff val="0"/>
+            <a:alphaOff val="0"/>
+          </a:schemeClr>
+        </a:solidFill>
+        <a:ln w="12700" cap="flat" cmpd="sng" algn="ctr">
+          <a:solidFill>
+            <a:schemeClr val="accent1">
+              <a:hueOff val="0"/>
+              <a:satOff val="0"/>
+              <a:lumOff val="0"/>
+              <a:alphaOff val="0"/>
+            </a:schemeClr>
+          </a:solidFill>
+          <a:prstDash val="solid"/>
+          <a:miter lim="800000"/>
+        </a:ln>
+        <a:effectLst/>
+      </dsp:spPr>
+      <dsp:style>
+        <a:lnRef idx="2">
+          <a:scrgbClr r="0" g="0" b="0"/>
+        </a:lnRef>
+        <a:fillRef idx="1">
+          <a:scrgbClr r="0" g="0" b="0"/>
+        </a:fillRef>
+        <a:effectRef idx="0">
+          <a:scrgbClr r="0" g="0" b="0"/>
+        </a:effectRef>
+        <a:fontRef idx="minor">
+          <a:schemeClr val="lt1"/>
+        </a:fontRef>
+      </dsp:style>
+    </dsp:sp>
+    <dsp:sp modelId="{E3CC5A9C-1C2B-4849-BDA5-16B8B34A5987}">
+      <dsp:nvSpPr>
+        <dsp:cNvPr id="0" name=""/>
+        <dsp:cNvSpPr/>
+      </dsp:nvSpPr>
+      <dsp:spPr>
+        <a:xfrm>
+          <a:off x="0" y="0"/>
+          <a:ext cx="2103120" cy="5811838"/>
+        </a:xfrm>
+        <a:prstGeom prst="rect">
+          <a:avLst/>
+        </a:prstGeom>
+        <a:noFill/>
+        <a:ln>
+          <a:noFill/>
+        </a:ln>
+        <a:effectLst/>
+      </dsp:spPr>
+      <dsp:style>
+        <a:lnRef idx="0">
+          <a:scrgbClr r="0" g="0" b="0"/>
+        </a:lnRef>
+        <a:fillRef idx="0">
+          <a:scrgbClr r="0" g="0" b="0"/>
+        </a:fillRef>
+        <a:effectRef idx="0">
+          <a:scrgbClr r="0" g="0" b="0"/>
+        </a:effectRef>
+        <a:fontRef idx="minor"/>
+      </dsp:style>
+      <dsp:txBody>
+        <a:bodyPr spcFirstLastPara="0" vert="horz" wrap="square" lIns="167640" tIns="167640" rIns="167640" bIns="167640" numCol="1" spcCol="1270" anchor="t" anchorCtr="0">
+          <a:noAutofit/>
+        </a:bodyPr>
+        <a:lstStyle/>
+        <a:p>
+          <a:pPr marL="0" lvl="0" indent="0" algn="l" defTabSz="1955800">
+            <a:lnSpc>
+              <a:spcPct val="90000"/>
+            </a:lnSpc>
+            <a:spcBef>
+              <a:spcPct val="0"/>
+            </a:spcBef>
+            <a:spcAft>
+              <a:spcPct val="35000"/>
+            </a:spcAft>
+            <a:buNone/>
+          </a:pPr>
+          <a:r>
+            <a:rPr lang="en-PH" sz="4400" kern="1200" dirty="0"/>
+            <a:t>Reports</a:t>
+          </a:r>
+        </a:p>
+      </dsp:txBody>
+      <dsp:txXfrm>
+        <a:off x="0" y="0"/>
+        <a:ext cx="2103120" cy="5811838"/>
+      </dsp:txXfrm>
+    </dsp:sp>
+    <dsp:sp modelId="{7C715882-15D3-4785-8D04-6D401EF6AFB0}">
+      <dsp:nvSpPr>
+        <dsp:cNvPr id="0" name=""/>
+        <dsp:cNvSpPr/>
+      </dsp:nvSpPr>
+      <dsp:spPr>
+        <a:xfrm>
+          <a:off x="2260854" y="90809"/>
+          <a:ext cx="8254746" cy="1816199"/>
+        </a:xfrm>
+        <a:prstGeom prst="rect">
+          <a:avLst/>
+        </a:prstGeom>
+        <a:noFill/>
+        <a:ln>
+          <a:noFill/>
+        </a:ln>
+        <a:effectLst/>
+      </dsp:spPr>
+      <dsp:style>
+        <a:lnRef idx="0">
+          <a:scrgbClr r="0" g="0" b="0"/>
+        </a:lnRef>
+        <a:fillRef idx="0">
+          <a:scrgbClr r="0" g="0" b="0"/>
+        </a:fillRef>
+        <a:effectRef idx="0">
+          <a:scrgbClr r="0" g="0" b="0"/>
+        </a:effectRef>
+        <a:fontRef idx="minor"/>
+      </dsp:style>
+      <dsp:txBody>
+        <a:bodyPr spcFirstLastPara="0" vert="horz" wrap="square" lIns="247650" tIns="247650" rIns="247650" bIns="247650" numCol="1" spcCol="1270" anchor="t" anchorCtr="0">
+          <a:noAutofit/>
+        </a:bodyPr>
+        <a:lstStyle/>
+        <a:p>
+          <a:pPr marL="0" lvl="0" indent="0" algn="l" defTabSz="2889250">
+            <a:lnSpc>
+              <a:spcPct val="90000"/>
+            </a:lnSpc>
+            <a:spcBef>
+              <a:spcPct val="0"/>
+            </a:spcBef>
+            <a:spcAft>
+              <a:spcPct val="35000"/>
+            </a:spcAft>
+            <a:buNone/>
+          </a:pPr>
+          <a:r>
+            <a:rPr lang="en-PH" sz="6500" kern="1200" dirty="0" err="1"/>
+            <a:t>userId</a:t>
+          </a:r>
+          <a:endParaRPr lang="en-PH" sz="6500" kern="1200" dirty="0"/>
+        </a:p>
+      </dsp:txBody>
+      <dsp:txXfrm>
+        <a:off x="2260854" y="90809"/>
+        <a:ext cx="8254746" cy="1816199"/>
+      </dsp:txXfrm>
+    </dsp:sp>
+    <dsp:sp modelId="{0FF34B0B-2E65-4520-92BB-4118F260C032}">
+      <dsp:nvSpPr>
+        <dsp:cNvPr id="0" name=""/>
+        <dsp:cNvSpPr/>
+      </dsp:nvSpPr>
+      <dsp:spPr>
+        <a:xfrm>
+          <a:off x="2103120" y="1907009"/>
+          <a:ext cx="8412480" cy="0"/>
+        </a:xfrm>
+        <a:prstGeom prst="line">
+          <a:avLst/>
+        </a:prstGeom>
+        <a:solidFill>
+          <a:schemeClr val="accent1">
+            <a:hueOff val="0"/>
+            <a:satOff val="0"/>
+            <a:lumOff val="0"/>
+            <a:alphaOff val="0"/>
+          </a:schemeClr>
+        </a:solidFill>
+        <a:ln w="12700" cap="flat" cmpd="sng" algn="ctr">
+          <a:solidFill>
+            <a:schemeClr val="accent1">
+              <a:tint val="50000"/>
+              <a:hueOff val="0"/>
+              <a:satOff val="0"/>
+              <a:lumOff val="0"/>
+              <a:alphaOff val="0"/>
+            </a:schemeClr>
+          </a:solidFill>
+          <a:prstDash val="solid"/>
+          <a:miter lim="800000"/>
+        </a:ln>
+        <a:effectLst/>
+      </dsp:spPr>
+      <dsp:style>
+        <a:lnRef idx="2">
+          <a:scrgbClr r="0" g="0" b="0"/>
+        </a:lnRef>
+        <a:fillRef idx="1">
+          <a:scrgbClr r="0" g="0" b="0"/>
+        </a:fillRef>
+        <a:effectRef idx="0">
+          <a:scrgbClr r="0" g="0" b="0"/>
+        </a:effectRef>
+        <a:fontRef idx="minor"/>
+      </dsp:style>
+    </dsp:sp>
+    <dsp:sp modelId="{347C6339-B231-447A-BCBE-4DD771E79BCD}">
+      <dsp:nvSpPr>
+        <dsp:cNvPr id="0" name=""/>
+        <dsp:cNvSpPr/>
+      </dsp:nvSpPr>
+      <dsp:spPr>
+        <a:xfrm>
+          <a:off x="2260854" y="1997819"/>
+          <a:ext cx="8254746" cy="1816199"/>
+        </a:xfrm>
+        <a:prstGeom prst="rect">
+          <a:avLst/>
+        </a:prstGeom>
+        <a:noFill/>
+        <a:ln>
+          <a:noFill/>
+        </a:ln>
+        <a:effectLst/>
+      </dsp:spPr>
+      <dsp:style>
+        <a:lnRef idx="0">
+          <a:scrgbClr r="0" g="0" b="0"/>
+        </a:lnRef>
+        <a:fillRef idx="0">
+          <a:scrgbClr r="0" g="0" b="0"/>
+        </a:fillRef>
+        <a:effectRef idx="0">
+          <a:scrgbClr r="0" g="0" b="0"/>
+        </a:effectRef>
+        <a:fontRef idx="minor"/>
+      </dsp:style>
+      <dsp:txBody>
+        <a:bodyPr spcFirstLastPara="0" vert="horz" wrap="square" lIns="247650" tIns="247650" rIns="247650" bIns="247650" numCol="1" spcCol="1270" anchor="t" anchorCtr="0">
+          <a:noAutofit/>
+        </a:bodyPr>
+        <a:lstStyle/>
+        <a:p>
+          <a:pPr marL="0" lvl="0" indent="0" algn="l" defTabSz="2889250">
+            <a:lnSpc>
+              <a:spcPct val="90000"/>
+            </a:lnSpc>
+            <a:spcBef>
+              <a:spcPct val="0"/>
+            </a:spcBef>
+            <a:spcAft>
+              <a:spcPct val="35000"/>
+            </a:spcAft>
+            <a:buNone/>
+          </a:pPr>
+          <a:r>
+            <a:rPr lang="en-PH" sz="6500" kern="1200" dirty="0" err="1"/>
+            <a:t>postHash</a:t>
+          </a:r>
+          <a:endParaRPr lang="en-PH" sz="6500" kern="1200" dirty="0"/>
+        </a:p>
+      </dsp:txBody>
+      <dsp:txXfrm>
+        <a:off x="2260854" y="1997819"/>
+        <a:ext cx="8254746" cy="1816199"/>
+      </dsp:txXfrm>
+    </dsp:sp>
+    <dsp:sp modelId="{38233778-9C02-4BB2-AB72-F25A0E5E82CE}">
+      <dsp:nvSpPr>
+        <dsp:cNvPr id="0" name=""/>
+        <dsp:cNvSpPr/>
+      </dsp:nvSpPr>
+      <dsp:spPr>
+        <a:xfrm>
+          <a:off x="2103120" y="3814018"/>
+          <a:ext cx="8412480" cy="0"/>
+        </a:xfrm>
+        <a:prstGeom prst="line">
+          <a:avLst/>
+        </a:prstGeom>
+        <a:solidFill>
+          <a:schemeClr val="accent1">
+            <a:hueOff val="0"/>
+            <a:satOff val="0"/>
+            <a:lumOff val="0"/>
+            <a:alphaOff val="0"/>
+          </a:schemeClr>
+        </a:solidFill>
+        <a:ln w="12700" cap="flat" cmpd="sng" algn="ctr">
+          <a:solidFill>
+            <a:schemeClr val="accent1">
+              <a:tint val="50000"/>
+              <a:hueOff val="0"/>
+              <a:satOff val="0"/>
+              <a:lumOff val="0"/>
+              <a:alphaOff val="0"/>
+            </a:schemeClr>
+          </a:solidFill>
+          <a:prstDash val="solid"/>
+          <a:miter lim="800000"/>
+        </a:ln>
+        <a:effectLst/>
+      </dsp:spPr>
+      <dsp:style>
+        <a:lnRef idx="2">
+          <a:scrgbClr r="0" g="0" b="0"/>
+        </a:lnRef>
+        <a:fillRef idx="1">
+          <a:scrgbClr r="0" g="0" b="0"/>
+        </a:fillRef>
+        <a:effectRef idx="0">
+          <a:scrgbClr r="0" g="0" b="0"/>
+        </a:effectRef>
+        <a:fontRef idx="minor"/>
+      </dsp:style>
+    </dsp:sp>
+    <dsp:sp modelId="{1A7DDCE1-AE9D-4BF5-86FE-BF88F167DF4B}">
+      <dsp:nvSpPr>
+        <dsp:cNvPr id="0" name=""/>
+        <dsp:cNvSpPr/>
+      </dsp:nvSpPr>
+      <dsp:spPr>
+        <a:xfrm>
+          <a:off x="2260854" y="3904828"/>
+          <a:ext cx="8254746" cy="1816199"/>
+        </a:xfrm>
+        <a:prstGeom prst="rect">
+          <a:avLst/>
+        </a:prstGeom>
+        <a:noFill/>
+        <a:ln>
+          <a:noFill/>
+        </a:ln>
+        <a:effectLst/>
+      </dsp:spPr>
+      <dsp:style>
+        <a:lnRef idx="0">
+          <a:scrgbClr r="0" g="0" b="0"/>
+        </a:lnRef>
+        <a:fillRef idx="0">
+          <a:scrgbClr r="0" g="0" b="0"/>
+        </a:fillRef>
+        <a:effectRef idx="0">
+          <a:scrgbClr r="0" g="0" b="0"/>
+        </a:effectRef>
+        <a:fontRef idx="minor"/>
+      </dsp:style>
+      <dsp:txBody>
+        <a:bodyPr spcFirstLastPara="0" vert="horz" wrap="square" lIns="247650" tIns="247650" rIns="247650" bIns="247650" numCol="1" spcCol="1270" anchor="t" anchorCtr="0">
+          <a:noAutofit/>
+        </a:bodyPr>
+        <a:lstStyle/>
+        <a:p>
+          <a:pPr marL="0" lvl="0" indent="0" algn="l" defTabSz="2889250">
+            <a:lnSpc>
+              <a:spcPct val="90000"/>
+            </a:lnSpc>
+            <a:spcBef>
+              <a:spcPct val="0"/>
+            </a:spcBef>
+            <a:spcAft>
+              <a:spcPct val="35000"/>
+            </a:spcAft>
+            <a:buNone/>
+          </a:pPr>
+          <a:r>
+            <a:rPr lang="en-PH" sz="6500" kern="1200" dirty="0"/>
+            <a:t>datetime</a:t>
+          </a:r>
+        </a:p>
+      </dsp:txBody>
+      <dsp:txXfrm>
+        <a:off x="2260854" y="3904828"/>
+        <a:ext cx="8254746" cy="1816199"/>
+      </dsp:txXfrm>
+    </dsp:sp>
+    <dsp:sp modelId="{96804172-8889-4561-9A0F-ED6AD8558439}">
+      <dsp:nvSpPr>
+        <dsp:cNvPr id="0" name=""/>
+        <dsp:cNvSpPr/>
+      </dsp:nvSpPr>
+      <dsp:spPr>
+        <a:xfrm>
+          <a:off x="2103120" y="5721028"/>
           <a:ext cx="8412480" cy="0"/>
         </a:xfrm>
         <a:prstGeom prst="line">
@@ -16795,6 +19807,938 @@
 </dgm:layoutDef>
 </file>
 
+<file path=ppt/diagrams/layout6.xml><?xml version="1.0" encoding="utf-8"?>
+<dgm:layoutDef xmlns:dgm="http://schemas.openxmlformats.org/drawingml/2006/diagram" xmlns:a="http://schemas.openxmlformats.org/drawingml/2006/main" uniqueId="urn:microsoft.com/office/officeart/2008/layout/LinedList">
+  <dgm:title val=""/>
+  <dgm:desc val=""/>
+  <dgm:catLst>
+    <dgm:cat type="hierarchy" pri="8000"/>
+    <dgm:cat type="list" pri="2500"/>
+  </dgm:catLst>
+  <dgm:sampData>
+    <dgm:dataModel>
+      <dgm:ptLst>
+        <dgm:pt modelId="0" type="doc"/>
+        <dgm:pt modelId="1">
+          <dgm:prSet phldr="1"/>
+        </dgm:pt>
+        <dgm:pt modelId="11">
+          <dgm:prSet phldr="1"/>
+        </dgm:pt>
+        <dgm:pt modelId="12">
+          <dgm:prSet phldr="1"/>
+        </dgm:pt>
+        <dgm:pt modelId="13">
+          <dgm:prSet phldr="1"/>
+        </dgm:pt>
+      </dgm:ptLst>
+      <dgm:cxnLst>
+        <dgm:cxn modelId="2" srcId="0" destId="1" srcOrd="0" destOrd="0"/>
+        <dgm:cxn modelId="3" srcId="1" destId="11" srcOrd="0" destOrd="0"/>
+        <dgm:cxn modelId="4" srcId="1" destId="12" srcOrd="1" destOrd="0"/>
+        <dgm:cxn modelId="5" srcId="1" destId="13" srcOrd="2" destOrd="0"/>
+      </dgm:cxnLst>
+      <dgm:bg/>
+      <dgm:whole/>
+    </dgm:dataModel>
+  </dgm:sampData>
+  <dgm:styleData>
+    <dgm:dataModel>
+      <dgm:ptLst>
+        <dgm:pt modelId="0" type="doc"/>
+        <dgm:pt modelId="1">
+          <dgm:prSet phldr="1"/>
+        </dgm:pt>
+        <dgm:pt modelId="11">
+          <dgm:prSet phldr="1"/>
+        </dgm:pt>
+        <dgm:pt modelId="12">
+          <dgm:prSet phldr="1"/>
+        </dgm:pt>
+      </dgm:ptLst>
+      <dgm:cxnLst>
+        <dgm:cxn modelId="2" srcId="0" destId="1" srcOrd="0" destOrd="0"/>
+        <dgm:cxn modelId="3" srcId="1" destId="11" srcOrd="0" destOrd="0"/>
+        <dgm:cxn modelId="4" srcId="1" destId="12" srcOrd="1" destOrd="0"/>
+      </dgm:cxnLst>
+      <dgm:bg/>
+      <dgm:whole/>
+    </dgm:dataModel>
+  </dgm:styleData>
+  <dgm:clrData>
+    <dgm:dataModel>
+      <dgm:ptLst>
+        <dgm:pt modelId="0" type="doc"/>
+        <dgm:pt modelId="1">
+          <dgm:prSet phldr="1"/>
+        </dgm:pt>
+        <dgm:pt modelId="11">
+          <dgm:prSet phldr="1"/>
+        </dgm:pt>
+        <dgm:pt modelId="12">
+          <dgm:prSet phldr="1"/>
+        </dgm:pt>
+      </dgm:ptLst>
+      <dgm:cxnLst>
+        <dgm:cxn modelId="2" srcId="0" destId="1" srcOrd="0" destOrd="0"/>
+        <dgm:cxn modelId="3" srcId="1" destId="11" srcOrd="0" destOrd="0"/>
+        <dgm:cxn modelId="4" srcId="1" destId="12" srcOrd="1" destOrd="0"/>
+      </dgm:cxnLst>
+      <dgm:bg/>
+      <dgm:whole/>
+    </dgm:dataModel>
+  </dgm:clrData>
+  <dgm:layoutNode name="vert0">
+    <dgm:varLst>
+      <dgm:dir/>
+      <dgm:animOne val="branch"/>
+      <dgm:animLvl val="lvl"/>
+    </dgm:varLst>
+    <dgm:choose name="Name0">
+      <dgm:if name="Name1" func="var" arg="dir" op="equ" val="norm">
+        <dgm:alg type="lin">
+          <dgm:param type="linDir" val="fromT"/>
+          <dgm:param type="nodeHorzAlign" val="l"/>
+        </dgm:alg>
+      </dgm:if>
+      <dgm:else name="Name2">
+        <dgm:alg type="lin">
+          <dgm:param type="linDir" val="fromT"/>
+          <dgm:param type="nodeHorzAlign" val="r"/>
+        </dgm:alg>
+      </dgm:else>
+    </dgm:choose>
+    <dgm:shape xmlns:r="http://schemas.openxmlformats.org/officeDocument/2006/relationships" r:blip="">
+      <dgm:adjLst/>
+    </dgm:shape>
+    <dgm:presOf/>
+    <dgm:constrLst>
+      <dgm:constr type="w" for="ch" forName="horz1" refType="w"/>
+      <dgm:constr type="h" for="ch" forName="horz1" refType="h"/>
+      <dgm:constr type="h" for="des" forName="vert1" refType="h"/>
+      <dgm:constr type="h" for="des" forName="tx1" refType="h"/>
+      <dgm:constr type="h" for="des" forName="horz2" refType="h"/>
+      <dgm:constr type="h" for="des" forName="vert2" refType="h"/>
+      <dgm:constr type="h" for="des" forName="horz3" refType="h"/>
+      <dgm:constr type="h" for="des" forName="vert3" refType="h"/>
+      <dgm:constr type="h" for="des" forName="horz4" refType="h"/>
+      <dgm:constr type="h" for="des" ptType="node" refType="h"/>
+      <dgm:constr type="primFontSz" for="des" forName="tx1" op="equ" val="65"/>
+      <dgm:constr type="primFontSz" for="des" forName="tx2" op="equ" val="65"/>
+      <dgm:constr type="primFontSz" for="des" forName="tx3" op="equ" val="65"/>
+      <dgm:constr type="primFontSz" for="des" forName="tx4" op="equ" val="65"/>
+      <dgm:constr type="w" for="des" forName="thickLine" refType="w"/>
+      <dgm:constr type="h" for="des" forName="thickLine"/>
+      <dgm:constr type="h" for="des" forName="thinLine1"/>
+      <dgm:constr type="h" for="des" forName="thinLine2b"/>
+      <dgm:constr type="h" for="des" forName="thinLine3"/>
+      <dgm:constr type="h" for="des" forName="vertSpace2a" refType="h" fact="0.05"/>
+      <dgm:constr type="h" for="des" forName="vertSpace2b" refType="h" refFor="des" refForName="vertSpace2a"/>
+    </dgm:constrLst>
+    <dgm:forEach name="Name3" axis="ch" ptType="node">
+      <dgm:layoutNode name="thickLine" styleLbl="alignNode1">
+        <dgm:alg type="sp"/>
+        <dgm:shape xmlns:r="http://schemas.openxmlformats.org/officeDocument/2006/relationships" type="line" r:blip="">
+          <dgm:adjLst/>
+        </dgm:shape>
+        <dgm:presOf/>
+      </dgm:layoutNode>
+      <dgm:layoutNode name="horz1">
+        <dgm:choose name="Name4">
+          <dgm:if name="Name5" func="var" arg="dir" op="equ" val="norm">
+            <dgm:alg type="lin">
+              <dgm:param type="linDir" val="fromL"/>
+              <dgm:param type="nodeVertAlign" val="t"/>
+            </dgm:alg>
+          </dgm:if>
+          <dgm:else name="Name6">
+            <dgm:alg type="lin">
+              <dgm:param type="linDir" val="fromR"/>
+              <dgm:param type="nodeVertAlign" val="t"/>
+            </dgm:alg>
+          </dgm:else>
+        </dgm:choose>
+        <dgm:shape xmlns:r="http://schemas.openxmlformats.org/officeDocument/2006/relationships" r:blip="">
+          <dgm:adjLst/>
+        </dgm:shape>
+        <dgm:presOf/>
+        <dgm:choose name="Name7">
+          <dgm:if name="Name8" axis="root des" func="maxDepth" op="equ" val="1">
+            <dgm:constrLst>
+              <dgm:constr type="w" for="ch" forName="tx1" refType="w"/>
+            </dgm:constrLst>
+          </dgm:if>
+          <dgm:if name="Name9" axis="root des" func="maxDepth" op="equ" val="2">
+            <dgm:constrLst>
+              <dgm:constr type="w" for="ch" forName="tx1" refType="w" fact="0.2"/>
+              <dgm:constr type="w" for="des" forName="tx2" refType="w" fact="0.785"/>
+              <dgm:constr type="w" for="des" forName="horzSpace2" refType="w" fact="0.015"/>
+              <dgm:constr type="w" for="des" forName="thinLine2b" refType="w" fact="0.8"/>
+            </dgm:constrLst>
+          </dgm:if>
+          <dgm:if name="Name10" axis="root des" func="maxDepth" op="equ" val="3">
+            <dgm:constrLst>
+              <dgm:constr type="w" for="ch" forName="tx1" refType="w" fact="0.2"/>
+              <dgm:constr type="w" for="des" forName="tx2" refType="w" fact="0.385"/>
+              <dgm:constr type="w" for="des" forName="tx3" refType="w" fact="0.385"/>
+              <dgm:constr type="w" for="des" forName="horzSpace2" refType="w" fact="0.015"/>
+              <dgm:constr type="w" for="des" forName="horzSpace3" refType="w" fact="0.015"/>
+              <dgm:constr type="w" for="des" forName="thinLine2b" refType="w" fact="0.8"/>
+              <dgm:constr type="w" for="des" forName="thinLine3" refType="w" fact="0.385"/>
+            </dgm:constrLst>
+          </dgm:if>
+          <dgm:if name="Name11" axis="root des" func="maxDepth" op="gte" val="4">
+            <dgm:constrLst>
+              <dgm:constr type="w" for="ch" forName="tx1" refType="w" fact="0.2"/>
+              <dgm:constr type="w" for="des" forName="tx2" refType="w" fact="0.2516"/>
+              <dgm:constr type="w" for="des" forName="tx3" refType="w" fact="0.2516"/>
+              <dgm:constr type="w" for="des" forName="tx4" refType="w" fact="0.2516"/>
+              <dgm:constr type="w" for="des" forName="horzSpace2" refType="w" fact="0.015"/>
+              <dgm:constr type="w" for="des" forName="horzSpace3" refType="w" fact="0.015"/>
+              <dgm:constr type="w" for="des" forName="horzSpace4" refType="w" fact="0.015"/>
+              <dgm:constr type="w" for="des" forName="thinLine2b" refType="w" fact="0.8"/>
+              <dgm:constr type="w" for="des" forName="thinLine3" refType="w" fact="0.5332"/>
+            </dgm:constrLst>
+          </dgm:if>
+          <dgm:else name="Name12"/>
+        </dgm:choose>
+        <dgm:layoutNode name="tx1" styleLbl="revTx">
+          <dgm:alg type="tx">
+            <dgm:param type="parTxLTRAlign" val="l"/>
+            <dgm:param type="parTxRTLAlign" val="r"/>
+            <dgm:param type="txAnchorVert" val="t"/>
+          </dgm:alg>
+          <dgm:shape xmlns:r="http://schemas.openxmlformats.org/officeDocument/2006/relationships" type="rect" r:blip="">
+            <dgm:adjLst/>
+          </dgm:shape>
+          <dgm:presOf axis="self"/>
+          <dgm:constrLst>
+            <dgm:constr type="tMarg" refType="primFontSz" fact="0.3"/>
+            <dgm:constr type="bMarg" refType="primFontSz" fact="0.3"/>
+            <dgm:constr type="lMarg" refType="primFontSz" fact="0.3"/>
+            <dgm:constr type="rMarg" refType="primFontSz" fact="0.3"/>
+          </dgm:constrLst>
+          <dgm:ruleLst>
+            <dgm:rule type="primFontSz" val="5" fact="NaN" max="NaN"/>
+          </dgm:ruleLst>
+        </dgm:layoutNode>
+        <dgm:layoutNode name="vert1">
+          <dgm:choose name="Name13">
+            <dgm:if name="Name14" func="var" arg="dir" op="equ" val="norm">
+              <dgm:alg type="lin">
+                <dgm:param type="linDir" val="fromT"/>
+                <dgm:param type="nodeHorzAlign" val="l"/>
+              </dgm:alg>
+            </dgm:if>
+            <dgm:else name="Name15">
+              <dgm:alg type="lin">
+                <dgm:param type="linDir" val="fromT"/>
+                <dgm:param type="nodeHorzAlign" val="r"/>
+              </dgm:alg>
+            </dgm:else>
+          </dgm:choose>
+          <dgm:shape xmlns:r="http://schemas.openxmlformats.org/officeDocument/2006/relationships" r:blip="">
+            <dgm:adjLst/>
+          </dgm:shape>
+          <dgm:presOf/>
+          <dgm:forEach name="Name16" axis="ch" ptType="node">
+            <dgm:choose name="Name17">
+              <dgm:if name="Name18" axis="self" ptType="node" func="pos" op="equ" val="1">
+                <dgm:layoutNode name="vertSpace2a">
+                  <dgm:alg type="sp"/>
+                  <dgm:shape xmlns:r="http://schemas.openxmlformats.org/officeDocument/2006/relationships" r:blip="">
+                    <dgm:adjLst/>
+                  </dgm:shape>
+                  <dgm:presOf/>
+                </dgm:layoutNode>
+              </dgm:if>
+              <dgm:else name="Name19"/>
+            </dgm:choose>
+            <dgm:layoutNode name="horz2">
+              <dgm:choose name="Name20">
+                <dgm:if name="Name21" func="var" arg="dir" op="equ" val="norm">
+                  <dgm:alg type="lin">
+                    <dgm:param type="linDir" val="fromL"/>
+                    <dgm:param type="nodeVertAlign" val="t"/>
+                  </dgm:alg>
+                </dgm:if>
+                <dgm:else name="Name22">
+                  <dgm:alg type="lin">
+                    <dgm:param type="linDir" val="fromR"/>
+                    <dgm:param type="nodeVertAlign" val="t"/>
+                  </dgm:alg>
+                </dgm:else>
+              </dgm:choose>
+              <dgm:shape xmlns:r="http://schemas.openxmlformats.org/officeDocument/2006/relationships" r:blip="">
+                <dgm:adjLst/>
+              </dgm:shape>
+              <dgm:presOf/>
+              <dgm:layoutNode name="horzSpace2">
+                <dgm:alg type="sp"/>
+                <dgm:shape xmlns:r="http://schemas.openxmlformats.org/officeDocument/2006/relationships" r:blip="">
+                  <dgm:adjLst/>
+                </dgm:shape>
+                <dgm:presOf/>
+              </dgm:layoutNode>
+              <dgm:layoutNode name="tx2" styleLbl="revTx">
+                <dgm:alg type="tx">
+                  <dgm:param type="parTxLTRAlign" val="l"/>
+                  <dgm:param type="parTxRTLAlign" val="r"/>
+                  <dgm:param type="txAnchorVert" val="t"/>
+                </dgm:alg>
+                <dgm:shape xmlns:r="http://schemas.openxmlformats.org/officeDocument/2006/relationships" type="rect" r:blip="">
+                  <dgm:adjLst/>
+                </dgm:shape>
+                <dgm:presOf axis="self"/>
+                <dgm:constrLst>
+                  <dgm:constr type="tMarg" refType="primFontSz" fact="0.3"/>
+                  <dgm:constr type="bMarg" refType="primFontSz" fact="0.3"/>
+                  <dgm:constr type="lMarg" refType="primFontSz" fact="0.3"/>
+                  <dgm:constr type="rMarg" refType="primFontSz" fact="0.3"/>
+                </dgm:constrLst>
+                <dgm:ruleLst>
+                  <dgm:rule type="primFontSz" val="5" fact="NaN" max="NaN"/>
+                </dgm:ruleLst>
+              </dgm:layoutNode>
+              <dgm:layoutNode name="vert2">
+                <dgm:choose name="Name23">
+                  <dgm:if name="Name24" func="var" arg="dir" op="equ" val="norm">
+                    <dgm:alg type="lin">
+                      <dgm:param type="linDir" val="fromT"/>
+                      <dgm:param type="nodeHorzAlign" val="l"/>
+                    </dgm:alg>
+                  </dgm:if>
+                  <dgm:else name="Name25">
+                    <dgm:alg type="lin">
+                      <dgm:param type="linDir" val="fromT"/>
+                      <dgm:param type="nodeHorzAlign" val="r"/>
+                    </dgm:alg>
+                  </dgm:else>
+                </dgm:choose>
+                <dgm:shape xmlns:r="http://schemas.openxmlformats.org/officeDocument/2006/relationships" r:blip="">
+                  <dgm:adjLst/>
+                </dgm:shape>
+                <dgm:presOf/>
+                <dgm:forEach name="Name26" axis="ch" ptType="node">
+                  <dgm:layoutNode name="horz3">
+                    <dgm:choose name="Name27">
+                      <dgm:if name="Name28" func="var" arg="dir" op="equ" val="norm">
+                        <dgm:alg type="lin">
+                          <dgm:param type="linDir" val="fromL"/>
+                          <dgm:param type="nodeVertAlign" val="t"/>
+                        </dgm:alg>
+                      </dgm:if>
+                      <dgm:else name="Name29">
+                        <dgm:alg type="lin">
+                          <dgm:param type="linDir" val="fromR"/>
+                          <dgm:param type="nodeVertAlign" val="t"/>
+                        </dgm:alg>
+                      </dgm:else>
+                    </dgm:choose>
+                    <dgm:shape xmlns:r="http://schemas.openxmlformats.org/officeDocument/2006/relationships" r:blip="">
+                      <dgm:adjLst/>
+                    </dgm:shape>
+                    <dgm:presOf/>
+                    <dgm:layoutNode name="horzSpace3">
+                      <dgm:alg type="sp"/>
+                      <dgm:shape xmlns:r="http://schemas.openxmlformats.org/officeDocument/2006/relationships" r:blip="">
+                        <dgm:adjLst/>
+                      </dgm:shape>
+                      <dgm:presOf/>
+                    </dgm:layoutNode>
+                    <dgm:layoutNode name="tx3" styleLbl="revTx">
+                      <dgm:alg type="tx">
+                        <dgm:param type="parTxLTRAlign" val="l"/>
+                        <dgm:param type="parTxRTLAlign" val="r"/>
+                        <dgm:param type="txAnchorVert" val="t"/>
+                      </dgm:alg>
+                      <dgm:shape xmlns:r="http://schemas.openxmlformats.org/officeDocument/2006/relationships" type="rect" r:blip="">
+                        <dgm:adjLst/>
+                      </dgm:shape>
+                      <dgm:presOf axis="self"/>
+                      <dgm:constrLst>
+                        <dgm:constr type="tMarg" refType="primFontSz" fact="0.3"/>
+                        <dgm:constr type="bMarg" refType="primFontSz" fact="0.3"/>
+                        <dgm:constr type="lMarg" refType="primFontSz" fact="0.3"/>
+                        <dgm:constr type="rMarg" refType="primFontSz" fact="0.3"/>
+                      </dgm:constrLst>
+                      <dgm:ruleLst>
+                        <dgm:rule type="primFontSz" val="5" fact="NaN" max="NaN"/>
+                      </dgm:ruleLst>
+                    </dgm:layoutNode>
+                    <dgm:layoutNode name="vert3">
+                      <dgm:choose name="Name30">
+                        <dgm:if name="Name31" func="var" arg="dir" op="equ" val="norm">
+                          <dgm:alg type="lin">
+                            <dgm:param type="linDir" val="fromT"/>
+                            <dgm:param type="nodeHorzAlign" val="l"/>
+                          </dgm:alg>
+                        </dgm:if>
+                        <dgm:else name="Name32">
+                          <dgm:alg type="lin">
+                            <dgm:param type="linDir" val="fromT"/>
+                            <dgm:param type="nodeHorzAlign" val="r"/>
+                          </dgm:alg>
+                        </dgm:else>
+                      </dgm:choose>
+                      <dgm:shape xmlns:r="http://schemas.openxmlformats.org/officeDocument/2006/relationships" r:blip="">
+                        <dgm:adjLst/>
+                      </dgm:shape>
+                      <dgm:presOf/>
+                      <dgm:forEach name="Name33" axis="ch" ptType="node">
+                        <dgm:layoutNode name="horz4">
+                          <dgm:choose name="Name34">
+                            <dgm:if name="Name35" func="var" arg="dir" op="equ" val="norm">
+                              <dgm:alg type="lin">
+                                <dgm:param type="linDir" val="fromL"/>
+                                <dgm:param type="nodeVertAlign" val="t"/>
+                              </dgm:alg>
+                            </dgm:if>
+                            <dgm:else name="Name36">
+                              <dgm:alg type="lin">
+                                <dgm:param type="linDir" val="fromR"/>
+                                <dgm:param type="nodeVertAlign" val="t"/>
+                              </dgm:alg>
+                            </dgm:else>
+                          </dgm:choose>
+                          <dgm:shape xmlns:r="http://schemas.openxmlformats.org/officeDocument/2006/relationships" r:blip="">
+                            <dgm:adjLst/>
+                          </dgm:shape>
+                          <dgm:presOf/>
+                          <dgm:layoutNode name="horzSpace4">
+                            <dgm:alg type="sp"/>
+                            <dgm:shape xmlns:r="http://schemas.openxmlformats.org/officeDocument/2006/relationships" r:blip="">
+                              <dgm:adjLst/>
+                            </dgm:shape>
+                            <dgm:presOf/>
+                          </dgm:layoutNode>
+                          <dgm:layoutNode name="tx4" styleLbl="revTx">
+                            <dgm:varLst>
+                              <dgm:bulletEnabled val="1"/>
+                            </dgm:varLst>
+                            <dgm:alg type="tx">
+                              <dgm:param type="parTxLTRAlign" val="l"/>
+                              <dgm:param type="parTxRTLAlign" val="r"/>
+                              <dgm:param type="txAnchorVert" val="t"/>
+                            </dgm:alg>
+                            <dgm:shape xmlns:r="http://schemas.openxmlformats.org/officeDocument/2006/relationships" type="rect" r:blip="">
+                              <dgm:adjLst/>
+                            </dgm:shape>
+                            <dgm:presOf axis="desOrSelf" ptType="node"/>
+                            <dgm:constrLst>
+                              <dgm:constr type="tMarg" refType="primFontSz" fact="0.3"/>
+                              <dgm:constr type="bMarg" refType="primFontSz" fact="0.3"/>
+                              <dgm:constr type="lMarg" refType="primFontSz" fact="0.3"/>
+                              <dgm:constr type="rMarg" refType="primFontSz" fact="0.3"/>
+                            </dgm:constrLst>
+                            <dgm:ruleLst>
+                              <dgm:rule type="primFontSz" val="5" fact="NaN" max="NaN"/>
+                            </dgm:ruleLst>
+                          </dgm:layoutNode>
+                        </dgm:layoutNode>
+                      </dgm:forEach>
+                    </dgm:layoutNode>
+                  </dgm:layoutNode>
+                  <dgm:forEach name="Name37" axis="followSib" ptType="sibTrans" cnt="1">
+                    <dgm:layoutNode name="thinLine3" styleLbl="callout">
+                      <dgm:alg type="sp"/>
+                      <dgm:shape xmlns:r="http://schemas.openxmlformats.org/officeDocument/2006/relationships" type="line" r:blip="">
+                        <dgm:adjLst/>
+                      </dgm:shape>
+                      <dgm:presOf/>
+                    </dgm:layoutNode>
+                  </dgm:forEach>
+                </dgm:forEach>
+              </dgm:layoutNode>
+            </dgm:layoutNode>
+            <dgm:layoutNode name="thinLine2b" styleLbl="callout">
+              <dgm:alg type="sp"/>
+              <dgm:shape xmlns:r="http://schemas.openxmlformats.org/officeDocument/2006/relationships" type="line" r:blip="">
+                <dgm:adjLst/>
+              </dgm:shape>
+              <dgm:presOf/>
+            </dgm:layoutNode>
+            <dgm:layoutNode name="vertSpace2b">
+              <dgm:alg type="sp"/>
+              <dgm:shape xmlns:r="http://schemas.openxmlformats.org/officeDocument/2006/relationships" r:blip="">
+                <dgm:adjLst/>
+              </dgm:shape>
+              <dgm:presOf/>
+            </dgm:layoutNode>
+          </dgm:forEach>
+        </dgm:layoutNode>
+      </dgm:layoutNode>
+    </dgm:forEach>
+  </dgm:layoutNode>
+</dgm:layoutDef>
+</file>
+
+<file path=ppt/diagrams/layout7.xml><?xml version="1.0" encoding="utf-8"?>
+<dgm:layoutDef xmlns:dgm="http://schemas.openxmlformats.org/drawingml/2006/diagram" xmlns:a="http://schemas.openxmlformats.org/drawingml/2006/main" uniqueId="urn:microsoft.com/office/officeart/2008/layout/LinedList">
+  <dgm:title val=""/>
+  <dgm:desc val=""/>
+  <dgm:catLst>
+    <dgm:cat type="hierarchy" pri="8000"/>
+    <dgm:cat type="list" pri="2500"/>
+  </dgm:catLst>
+  <dgm:sampData>
+    <dgm:dataModel>
+      <dgm:ptLst>
+        <dgm:pt modelId="0" type="doc"/>
+        <dgm:pt modelId="1">
+          <dgm:prSet phldr="1"/>
+        </dgm:pt>
+        <dgm:pt modelId="11">
+          <dgm:prSet phldr="1"/>
+        </dgm:pt>
+        <dgm:pt modelId="12">
+          <dgm:prSet phldr="1"/>
+        </dgm:pt>
+        <dgm:pt modelId="13">
+          <dgm:prSet phldr="1"/>
+        </dgm:pt>
+      </dgm:ptLst>
+      <dgm:cxnLst>
+        <dgm:cxn modelId="2" srcId="0" destId="1" srcOrd="0" destOrd="0"/>
+        <dgm:cxn modelId="3" srcId="1" destId="11" srcOrd="0" destOrd="0"/>
+        <dgm:cxn modelId="4" srcId="1" destId="12" srcOrd="1" destOrd="0"/>
+        <dgm:cxn modelId="5" srcId="1" destId="13" srcOrd="2" destOrd="0"/>
+      </dgm:cxnLst>
+      <dgm:bg/>
+      <dgm:whole/>
+    </dgm:dataModel>
+  </dgm:sampData>
+  <dgm:styleData>
+    <dgm:dataModel>
+      <dgm:ptLst>
+        <dgm:pt modelId="0" type="doc"/>
+        <dgm:pt modelId="1">
+          <dgm:prSet phldr="1"/>
+        </dgm:pt>
+        <dgm:pt modelId="11">
+          <dgm:prSet phldr="1"/>
+        </dgm:pt>
+        <dgm:pt modelId="12">
+          <dgm:prSet phldr="1"/>
+        </dgm:pt>
+      </dgm:ptLst>
+      <dgm:cxnLst>
+        <dgm:cxn modelId="2" srcId="0" destId="1" srcOrd="0" destOrd="0"/>
+        <dgm:cxn modelId="3" srcId="1" destId="11" srcOrd="0" destOrd="0"/>
+        <dgm:cxn modelId="4" srcId="1" destId="12" srcOrd="1" destOrd="0"/>
+      </dgm:cxnLst>
+      <dgm:bg/>
+      <dgm:whole/>
+    </dgm:dataModel>
+  </dgm:styleData>
+  <dgm:clrData>
+    <dgm:dataModel>
+      <dgm:ptLst>
+        <dgm:pt modelId="0" type="doc"/>
+        <dgm:pt modelId="1">
+          <dgm:prSet phldr="1"/>
+        </dgm:pt>
+        <dgm:pt modelId="11">
+          <dgm:prSet phldr="1"/>
+        </dgm:pt>
+        <dgm:pt modelId="12">
+          <dgm:prSet phldr="1"/>
+        </dgm:pt>
+      </dgm:ptLst>
+      <dgm:cxnLst>
+        <dgm:cxn modelId="2" srcId="0" destId="1" srcOrd="0" destOrd="0"/>
+        <dgm:cxn modelId="3" srcId="1" destId="11" srcOrd="0" destOrd="0"/>
+        <dgm:cxn modelId="4" srcId="1" destId="12" srcOrd="1" destOrd="0"/>
+      </dgm:cxnLst>
+      <dgm:bg/>
+      <dgm:whole/>
+    </dgm:dataModel>
+  </dgm:clrData>
+  <dgm:layoutNode name="vert0">
+    <dgm:varLst>
+      <dgm:dir/>
+      <dgm:animOne val="branch"/>
+      <dgm:animLvl val="lvl"/>
+    </dgm:varLst>
+    <dgm:choose name="Name0">
+      <dgm:if name="Name1" func="var" arg="dir" op="equ" val="norm">
+        <dgm:alg type="lin">
+          <dgm:param type="linDir" val="fromT"/>
+          <dgm:param type="nodeHorzAlign" val="l"/>
+        </dgm:alg>
+      </dgm:if>
+      <dgm:else name="Name2">
+        <dgm:alg type="lin">
+          <dgm:param type="linDir" val="fromT"/>
+          <dgm:param type="nodeHorzAlign" val="r"/>
+        </dgm:alg>
+      </dgm:else>
+    </dgm:choose>
+    <dgm:shape xmlns:r="http://schemas.openxmlformats.org/officeDocument/2006/relationships" r:blip="">
+      <dgm:adjLst/>
+    </dgm:shape>
+    <dgm:presOf/>
+    <dgm:constrLst>
+      <dgm:constr type="w" for="ch" forName="horz1" refType="w"/>
+      <dgm:constr type="h" for="ch" forName="horz1" refType="h"/>
+      <dgm:constr type="h" for="des" forName="vert1" refType="h"/>
+      <dgm:constr type="h" for="des" forName="tx1" refType="h"/>
+      <dgm:constr type="h" for="des" forName="horz2" refType="h"/>
+      <dgm:constr type="h" for="des" forName="vert2" refType="h"/>
+      <dgm:constr type="h" for="des" forName="horz3" refType="h"/>
+      <dgm:constr type="h" for="des" forName="vert3" refType="h"/>
+      <dgm:constr type="h" for="des" forName="horz4" refType="h"/>
+      <dgm:constr type="h" for="des" ptType="node" refType="h"/>
+      <dgm:constr type="primFontSz" for="des" forName="tx1" op="equ" val="65"/>
+      <dgm:constr type="primFontSz" for="des" forName="tx2" op="equ" val="65"/>
+      <dgm:constr type="primFontSz" for="des" forName="tx3" op="equ" val="65"/>
+      <dgm:constr type="primFontSz" for="des" forName="tx4" op="equ" val="65"/>
+      <dgm:constr type="w" for="des" forName="thickLine" refType="w"/>
+      <dgm:constr type="h" for="des" forName="thickLine"/>
+      <dgm:constr type="h" for="des" forName="thinLine1"/>
+      <dgm:constr type="h" for="des" forName="thinLine2b"/>
+      <dgm:constr type="h" for="des" forName="thinLine3"/>
+      <dgm:constr type="h" for="des" forName="vertSpace2a" refType="h" fact="0.05"/>
+      <dgm:constr type="h" for="des" forName="vertSpace2b" refType="h" refFor="des" refForName="vertSpace2a"/>
+    </dgm:constrLst>
+    <dgm:forEach name="Name3" axis="ch" ptType="node">
+      <dgm:layoutNode name="thickLine" styleLbl="alignNode1">
+        <dgm:alg type="sp"/>
+        <dgm:shape xmlns:r="http://schemas.openxmlformats.org/officeDocument/2006/relationships" type="line" r:blip="">
+          <dgm:adjLst/>
+        </dgm:shape>
+        <dgm:presOf/>
+      </dgm:layoutNode>
+      <dgm:layoutNode name="horz1">
+        <dgm:choose name="Name4">
+          <dgm:if name="Name5" func="var" arg="dir" op="equ" val="norm">
+            <dgm:alg type="lin">
+              <dgm:param type="linDir" val="fromL"/>
+              <dgm:param type="nodeVertAlign" val="t"/>
+            </dgm:alg>
+          </dgm:if>
+          <dgm:else name="Name6">
+            <dgm:alg type="lin">
+              <dgm:param type="linDir" val="fromR"/>
+              <dgm:param type="nodeVertAlign" val="t"/>
+            </dgm:alg>
+          </dgm:else>
+        </dgm:choose>
+        <dgm:shape xmlns:r="http://schemas.openxmlformats.org/officeDocument/2006/relationships" r:blip="">
+          <dgm:adjLst/>
+        </dgm:shape>
+        <dgm:presOf/>
+        <dgm:choose name="Name7">
+          <dgm:if name="Name8" axis="root des" func="maxDepth" op="equ" val="1">
+            <dgm:constrLst>
+              <dgm:constr type="w" for="ch" forName="tx1" refType="w"/>
+            </dgm:constrLst>
+          </dgm:if>
+          <dgm:if name="Name9" axis="root des" func="maxDepth" op="equ" val="2">
+            <dgm:constrLst>
+              <dgm:constr type="w" for="ch" forName="tx1" refType="w" fact="0.2"/>
+              <dgm:constr type="w" for="des" forName="tx2" refType="w" fact="0.785"/>
+              <dgm:constr type="w" for="des" forName="horzSpace2" refType="w" fact="0.015"/>
+              <dgm:constr type="w" for="des" forName="thinLine2b" refType="w" fact="0.8"/>
+            </dgm:constrLst>
+          </dgm:if>
+          <dgm:if name="Name10" axis="root des" func="maxDepth" op="equ" val="3">
+            <dgm:constrLst>
+              <dgm:constr type="w" for="ch" forName="tx1" refType="w" fact="0.2"/>
+              <dgm:constr type="w" for="des" forName="tx2" refType="w" fact="0.385"/>
+              <dgm:constr type="w" for="des" forName="tx3" refType="w" fact="0.385"/>
+              <dgm:constr type="w" for="des" forName="horzSpace2" refType="w" fact="0.015"/>
+              <dgm:constr type="w" for="des" forName="horzSpace3" refType="w" fact="0.015"/>
+              <dgm:constr type="w" for="des" forName="thinLine2b" refType="w" fact="0.8"/>
+              <dgm:constr type="w" for="des" forName="thinLine3" refType="w" fact="0.385"/>
+            </dgm:constrLst>
+          </dgm:if>
+          <dgm:if name="Name11" axis="root des" func="maxDepth" op="gte" val="4">
+            <dgm:constrLst>
+              <dgm:constr type="w" for="ch" forName="tx1" refType="w" fact="0.2"/>
+              <dgm:constr type="w" for="des" forName="tx2" refType="w" fact="0.2516"/>
+              <dgm:constr type="w" for="des" forName="tx3" refType="w" fact="0.2516"/>
+              <dgm:constr type="w" for="des" forName="tx4" refType="w" fact="0.2516"/>
+              <dgm:constr type="w" for="des" forName="horzSpace2" refType="w" fact="0.015"/>
+              <dgm:constr type="w" for="des" forName="horzSpace3" refType="w" fact="0.015"/>
+              <dgm:constr type="w" for="des" forName="horzSpace4" refType="w" fact="0.015"/>
+              <dgm:constr type="w" for="des" forName="thinLine2b" refType="w" fact="0.8"/>
+              <dgm:constr type="w" for="des" forName="thinLine3" refType="w" fact="0.5332"/>
+            </dgm:constrLst>
+          </dgm:if>
+          <dgm:else name="Name12"/>
+        </dgm:choose>
+        <dgm:layoutNode name="tx1" styleLbl="revTx">
+          <dgm:alg type="tx">
+            <dgm:param type="parTxLTRAlign" val="l"/>
+            <dgm:param type="parTxRTLAlign" val="r"/>
+            <dgm:param type="txAnchorVert" val="t"/>
+          </dgm:alg>
+          <dgm:shape xmlns:r="http://schemas.openxmlformats.org/officeDocument/2006/relationships" type="rect" r:blip="">
+            <dgm:adjLst/>
+          </dgm:shape>
+          <dgm:presOf axis="self"/>
+          <dgm:constrLst>
+            <dgm:constr type="tMarg" refType="primFontSz" fact="0.3"/>
+            <dgm:constr type="bMarg" refType="primFontSz" fact="0.3"/>
+            <dgm:constr type="lMarg" refType="primFontSz" fact="0.3"/>
+            <dgm:constr type="rMarg" refType="primFontSz" fact="0.3"/>
+          </dgm:constrLst>
+          <dgm:ruleLst>
+            <dgm:rule type="primFontSz" val="5" fact="NaN" max="NaN"/>
+          </dgm:ruleLst>
+        </dgm:layoutNode>
+        <dgm:layoutNode name="vert1">
+          <dgm:choose name="Name13">
+            <dgm:if name="Name14" func="var" arg="dir" op="equ" val="norm">
+              <dgm:alg type="lin">
+                <dgm:param type="linDir" val="fromT"/>
+                <dgm:param type="nodeHorzAlign" val="l"/>
+              </dgm:alg>
+            </dgm:if>
+            <dgm:else name="Name15">
+              <dgm:alg type="lin">
+                <dgm:param type="linDir" val="fromT"/>
+                <dgm:param type="nodeHorzAlign" val="r"/>
+              </dgm:alg>
+            </dgm:else>
+          </dgm:choose>
+          <dgm:shape xmlns:r="http://schemas.openxmlformats.org/officeDocument/2006/relationships" r:blip="">
+            <dgm:adjLst/>
+          </dgm:shape>
+          <dgm:presOf/>
+          <dgm:forEach name="Name16" axis="ch" ptType="node">
+            <dgm:choose name="Name17">
+              <dgm:if name="Name18" axis="self" ptType="node" func="pos" op="equ" val="1">
+                <dgm:layoutNode name="vertSpace2a">
+                  <dgm:alg type="sp"/>
+                  <dgm:shape xmlns:r="http://schemas.openxmlformats.org/officeDocument/2006/relationships" r:blip="">
+                    <dgm:adjLst/>
+                  </dgm:shape>
+                  <dgm:presOf/>
+                </dgm:layoutNode>
+              </dgm:if>
+              <dgm:else name="Name19"/>
+            </dgm:choose>
+            <dgm:layoutNode name="horz2">
+              <dgm:choose name="Name20">
+                <dgm:if name="Name21" func="var" arg="dir" op="equ" val="norm">
+                  <dgm:alg type="lin">
+                    <dgm:param type="linDir" val="fromL"/>
+                    <dgm:param type="nodeVertAlign" val="t"/>
+                  </dgm:alg>
+                </dgm:if>
+                <dgm:else name="Name22">
+                  <dgm:alg type="lin">
+                    <dgm:param type="linDir" val="fromR"/>
+                    <dgm:param type="nodeVertAlign" val="t"/>
+                  </dgm:alg>
+                </dgm:else>
+              </dgm:choose>
+              <dgm:shape xmlns:r="http://schemas.openxmlformats.org/officeDocument/2006/relationships" r:blip="">
+                <dgm:adjLst/>
+              </dgm:shape>
+              <dgm:presOf/>
+              <dgm:layoutNode name="horzSpace2">
+                <dgm:alg type="sp"/>
+                <dgm:shape xmlns:r="http://schemas.openxmlformats.org/officeDocument/2006/relationships" r:blip="">
+                  <dgm:adjLst/>
+                </dgm:shape>
+                <dgm:presOf/>
+              </dgm:layoutNode>
+              <dgm:layoutNode name="tx2" styleLbl="revTx">
+                <dgm:alg type="tx">
+                  <dgm:param type="parTxLTRAlign" val="l"/>
+                  <dgm:param type="parTxRTLAlign" val="r"/>
+                  <dgm:param type="txAnchorVert" val="t"/>
+                </dgm:alg>
+                <dgm:shape xmlns:r="http://schemas.openxmlformats.org/officeDocument/2006/relationships" type="rect" r:blip="">
+                  <dgm:adjLst/>
+                </dgm:shape>
+                <dgm:presOf axis="self"/>
+                <dgm:constrLst>
+                  <dgm:constr type="tMarg" refType="primFontSz" fact="0.3"/>
+                  <dgm:constr type="bMarg" refType="primFontSz" fact="0.3"/>
+                  <dgm:constr type="lMarg" refType="primFontSz" fact="0.3"/>
+                  <dgm:constr type="rMarg" refType="primFontSz" fact="0.3"/>
+                </dgm:constrLst>
+                <dgm:ruleLst>
+                  <dgm:rule type="primFontSz" val="5" fact="NaN" max="NaN"/>
+                </dgm:ruleLst>
+              </dgm:layoutNode>
+              <dgm:layoutNode name="vert2">
+                <dgm:choose name="Name23">
+                  <dgm:if name="Name24" func="var" arg="dir" op="equ" val="norm">
+                    <dgm:alg type="lin">
+                      <dgm:param type="linDir" val="fromT"/>
+                      <dgm:param type="nodeHorzAlign" val="l"/>
+                    </dgm:alg>
+                  </dgm:if>
+                  <dgm:else name="Name25">
+                    <dgm:alg type="lin">
+                      <dgm:param type="linDir" val="fromT"/>
+                      <dgm:param type="nodeHorzAlign" val="r"/>
+                    </dgm:alg>
+                  </dgm:else>
+                </dgm:choose>
+                <dgm:shape xmlns:r="http://schemas.openxmlformats.org/officeDocument/2006/relationships" r:blip="">
+                  <dgm:adjLst/>
+                </dgm:shape>
+                <dgm:presOf/>
+                <dgm:forEach name="Name26" axis="ch" ptType="node">
+                  <dgm:layoutNode name="horz3">
+                    <dgm:choose name="Name27">
+                      <dgm:if name="Name28" func="var" arg="dir" op="equ" val="norm">
+                        <dgm:alg type="lin">
+                          <dgm:param type="linDir" val="fromL"/>
+                          <dgm:param type="nodeVertAlign" val="t"/>
+                        </dgm:alg>
+                      </dgm:if>
+                      <dgm:else name="Name29">
+                        <dgm:alg type="lin">
+                          <dgm:param type="linDir" val="fromR"/>
+                          <dgm:param type="nodeVertAlign" val="t"/>
+                        </dgm:alg>
+                      </dgm:else>
+                    </dgm:choose>
+                    <dgm:shape xmlns:r="http://schemas.openxmlformats.org/officeDocument/2006/relationships" r:blip="">
+                      <dgm:adjLst/>
+                    </dgm:shape>
+                    <dgm:presOf/>
+                    <dgm:layoutNode name="horzSpace3">
+                      <dgm:alg type="sp"/>
+                      <dgm:shape xmlns:r="http://schemas.openxmlformats.org/officeDocument/2006/relationships" r:blip="">
+                        <dgm:adjLst/>
+                      </dgm:shape>
+                      <dgm:presOf/>
+                    </dgm:layoutNode>
+                    <dgm:layoutNode name="tx3" styleLbl="revTx">
+                      <dgm:alg type="tx">
+                        <dgm:param type="parTxLTRAlign" val="l"/>
+                        <dgm:param type="parTxRTLAlign" val="r"/>
+                        <dgm:param type="txAnchorVert" val="t"/>
+                      </dgm:alg>
+                      <dgm:shape xmlns:r="http://schemas.openxmlformats.org/officeDocument/2006/relationships" type="rect" r:blip="">
+                        <dgm:adjLst/>
+                      </dgm:shape>
+                      <dgm:presOf axis="self"/>
+                      <dgm:constrLst>
+                        <dgm:constr type="tMarg" refType="primFontSz" fact="0.3"/>
+                        <dgm:constr type="bMarg" refType="primFontSz" fact="0.3"/>
+                        <dgm:constr type="lMarg" refType="primFontSz" fact="0.3"/>
+                        <dgm:constr type="rMarg" refType="primFontSz" fact="0.3"/>
+                      </dgm:constrLst>
+                      <dgm:ruleLst>
+                        <dgm:rule type="primFontSz" val="5" fact="NaN" max="NaN"/>
+                      </dgm:ruleLst>
+                    </dgm:layoutNode>
+                    <dgm:layoutNode name="vert3">
+                      <dgm:choose name="Name30">
+                        <dgm:if name="Name31" func="var" arg="dir" op="equ" val="norm">
+                          <dgm:alg type="lin">
+                            <dgm:param type="linDir" val="fromT"/>
+                            <dgm:param type="nodeHorzAlign" val="l"/>
+                          </dgm:alg>
+                        </dgm:if>
+                        <dgm:else name="Name32">
+                          <dgm:alg type="lin">
+                            <dgm:param type="linDir" val="fromT"/>
+                            <dgm:param type="nodeHorzAlign" val="r"/>
+                          </dgm:alg>
+                        </dgm:else>
+                      </dgm:choose>
+                      <dgm:shape xmlns:r="http://schemas.openxmlformats.org/officeDocument/2006/relationships" r:blip="">
+                        <dgm:adjLst/>
+                      </dgm:shape>
+                      <dgm:presOf/>
+                      <dgm:forEach name="Name33" axis="ch" ptType="node">
+                        <dgm:layoutNode name="horz4">
+                          <dgm:choose name="Name34">
+                            <dgm:if name="Name35" func="var" arg="dir" op="equ" val="norm">
+                              <dgm:alg type="lin">
+                                <dgm:param type="linDir" val="fromL"/>
+                                <dgm:param type="nodeVertAlign" val="t"/>
+                              </dgm:alg>
+                            </dgm:if>
+                            <dgm:else name="Name36">
+                              <dgm:alg type="lin">
+                                <dgm:param type="linDir" val="fromR"/>
+                                <dgm:param type="nodeVertAlign" val="t"/>
+                              </dgm:alg>
+                            </dgm:else>
+                          </dgm:choose>
+                          <dgm:shape xmlns:r="http://schemas.openxmlformats.org/officeDocument/2006/relationships" r:blip="">
+                            <dgm:adjLst/>
+                          </dgm:shape>
+                          <dgm:presOf/>
+                          <dgm:layoutNode name="horzSpace4">
+                            <dgm:alg type="sp"/>
+                            <dgm:shape xmlns:r="http://schemas.openxmlformats.org/officeDocument/2006/relationships" r:blip="">
+                              <dgm:adjLst/>
+                            </dgm:shape>
+                            <dgm:presOf/>
+                          </dgm:layoutNode>
+                          <dgm:layoutNode name="tx4" styleLbl="revTx">
+                            <dgm:varLst>
+                              <dgm:bulletEnabled val="1"/>
+                            </dgm:varLst>
+                            <dgm:alg type="tx">
+                              <dgm:param type="parTxLTRAlign" val="l"/>
+                              <dgm:param type="parTxRTLAlign" val="r"/>
+                              <dgm:param type="txAnchorVert" val="t"/>
+                            </dgm:alg>
+                            <dgm:shape xmlns:r="http://schemas.openxmlformats.org/officeDocument/2006/relationships" type="rect" r:blip="">
+                              <dgm:adjLst/>
+                            </dgm:shape>
+                            <dgm:presOf axis="desOrSelf" ptType="node"/>
+                            <dgm:constrLst>
+                              <dgm:constr type="tMarg" refType="primFontSz" fact="0.3"/>
+                              <dgm:constr type="bMarg" refType="primFontSz" fact="0.3"/>
+                              <dgm:constr type="lMarg" refType="primFontSz" fact="0.3"/>
+                              <dgm:constr type="rMarg" refType="primFontSz" fact="0.3"/>
+                            </dgm:constrLst>
+                            <dgm:ruleLst>
+                              <dgm:rule type="primFontSz" val="5" fact="NaN" max="NaN"/>
+                            </dgm:ruleLst>
+                          </dgm:layoutNode>
+                        </dgm:layoutNode>
+                      </dgm:forEach>
+                    </dgm:layoutNode>
+                  </dgm:layoutNode>
+                  <dgm:forEach name="Name37" axis="followSib" ptType="sibTrans" cnt="1">
+                    <dgm:layoutNode name="thinLine3" styleLbl="callout">
+                      <dgm:alg type="sp"/>
+                      <dgm:shape xmlns:r="http://schemas.openxmlformats.org/officeDocument/2006/relationships" type="line" r:blip="">
+                        <dgm:adjLst/>
+                      </dgm:shape>
+                      <dgm:presOf/>
+                    </dgm:layoutNode>
+                  </dgm:forEach>
+                </dgm:forEach>
+              </dgm:layoutNode>
+            </dgm:layoutNode>
+            <dgm:layoutNode name="thinLine2b" styleLbl="callout">
+              <dgm:alg type="sp"/>
+              <dgm:shape xmlns:r="http://schemas.openxmlformats.org/officeDocument/2006/relationships" type="line" r:blip="">
+                <dgm:adjLst/>
+              </dgm:shape>
+              <dgm:presOf/>
+            </dgm:layoutNode>
+            <dgm:layoutNode name="vertSpace2b">
+              <dgm:alg type="sp"/>
+              <dgm:shape xmlns:r="http://schemas.openxmlformats.org/officeDocument/2006/relationships" r:blip="">
+                <dgm:adjLst/>
+              </dgm:shape>
+              <dgm:presOf/>
+            </dgm:layoutNode>
+          </dgm:forEach>
+        </dgm:layoutNode>
+      </dgm:layoutNode>
+    </dgm:forEach>
+  </dgm:layoutNode>
+</dgm:layoutDef>
+</file>
+
 <file path=ppt/diagrams/quickStyle1.xml><?xml version="1.0" encoding="utf-8"?>
 <dgm:styleDef xmlns:dgm="http://schemas.openxmlformats.org/drawingml/2006/diagram" xmlns:a="http://schemas.openxmlformats.org/drawingml/2006/main" uniqueId="urn:microsoft.com/office/officeart/2005/8/quickstyle/simple1">
   <dgm:title val=""/>
@@ -20932,6 +24876,2074 @@
 </file>
 
 <file path=ppt/diagrams/quickStyle5.xml><?xml version="1.0" encoding="utf-8"?>
+<dgm:styleDef xmlns:dgm="http://schemas.openxmlformats.org/drawingml/2006/diagram" xmlns:a="http://schemas.openxmlformats.org/drawingml/2006/main" uniqueId="urn:microsoft.com/office/officeart/2005/8/quickstyle/simple1">
+  <dgm:title val=""/>
+  <dgm:desc val=""/>
+  <dgm:catLst>
+    <dgm:cat type="simple" pri="10100"/>
+  </dgm:catLst>
+  <dgm:scene3d>
+    <a:camera prst="orthographicFront"/>
+    <a:lightRig rig="threePt" dir="t"/>
+  </dgm:scene3d>
+  <dgm:styleLbl name="node0">
+    <dgm:scene3d>
+      <a:camera prst="orthographicFront"/>
+      <a:lightRig rig="threePt" dir="t"/>
+    </dgm:scene3d>
+    <dgm:sp3d/>
+    <dgm:txPr/>
+    <dgm:style>
+      <a:lnRef idx="2">
+        <a:scrgbClr r="0" g="0" b="0"/>
+      </a:lnRef>
+      <a:fillRef idx="1">
+        <a:scrgbClr r="0" g="0" b="0"/>
+      </a:fillRef>
+      <a:effectRef idx="0">
+        <a:scrgbClr r="0" g="0" b="0"/>
+      </a:effectRef>
+      <a:fontRef idx="minor">
+        <a:schemeClr val="lt1"/>
+      </a:fontRef>
+    </dgm:style>
+  </dgm:styleLbl>
+  <dgm:styleLbl name="lnNode1">
+    <dgm:scene3d>
+      <a:camera prst="orthographicFront"/>
+      <a:lightRig rig="threePt" dir="t"/>
+    </dgm:scene3d>
+    <dgm:sp3d/>
+    <dgm:txPr/>
+    <dgm:style>
+      <a:lnRef idx="2">
+        <a:scrgbClr r="0" g="0" b="0"/>
+      </a:lnRef>
+      <a:fillRef idx="1">
+        <a:scrgbClr r="0" g="0" b="0"/>
+      </a:fillRef>
+      <a:effectRef idx="0">
+        <a:scrgbClr r="0" g="0" b="0"/>
+      </a:effectRef>
+      <a:fontRef idx="minor">
+        <a:schemeClr val="lt1"/>
+      </a:fontRef>
+    </dgm:style>
+  </dgm:styleLbl>
+  <dgm:styleLbl name="vennNode1">
+    <dgm:scene3d>
+      <a:camera prst="orthographicFront"/>
+      <a:lightRig rig="threePt" dir="t"/>
+    </dgm:scene3d>
+    <dgm:sp3d/>
+    <dgm:txPr/>
+    <dgm:style>
+      <a:lnRef idx="2">
+        <a:scrgbClr r="0" g="0" b="0"/>
+      </a:lnRef>
+      <a:fillRef idx="1">
+        <a:scrgbClr r="0" g="0" b="0"/>
+      </a:fillRef>
+      <a:effectRef idx="0">
+        <a:scrgbClr r="0" g="0" b="0"/>
+      </a:effectRef>
+      <a:fontRef idx="minor">
+        <a:schemeClr val="tx1"/>
+      </a:fontRef>
+    </dgm:style>
+  </dgm:styleLbl>
+  <dgm:styleLbl name="alignNode1">
+    <dgm:scene3d>
+      <a:camera prst="orthographicFront"/>
+      <a:lightRig rig="threePt" dir="t"/>
+    </dgm:scene3d>
+    <dgm:sp3d/>
+    <dgm:txPr/>
+    <dgm:style>
+      <a:lnRef idx="2">
+        <a:scrgbClr r="0" g="0" b="0"/>
+      </a:lnRef>
+      <a:fillRef idx="1">
+        <a:scrgbClr r="0" g="0" b="0"/>
+      </a:fillRef>
+      <a:effectRef idx="0">
+        <a:scrgbClr r="0" g="0" b="0"/>
+      </a:effectRef>
+      <a:fontRef idx="minor">
+        <a:schemeClr val="lt1"/>
+      </a:fontRef>
+    </dgm:style>
+  </dgm:styleLbl>
+  <dgm:styleLbl name="node1">
+    <dgm:scene3d>
+      <a:camera prst="orthographicFront"/>
+      <a:lightRig rig="threePt" dir="t"/>
+    </dgm:scene3d>
+    <dgm:sp3d/>
+    <dgm:txPr/>
+    <dgm:style>
+      <a:lnRef idx="2">
+        <a:scrgbClr r="0" g="0" b="0"/>
+      </a:lnRef>
+      <a:fillRef idx="1">
+        <a:scrgbClr r="0" g="0" b="0"/>
+      </a:fillRef>
+      <a:effectRef idx="0">
+        <a:scrgbClr r="0" g="0" b="0"/>
+      </a:effectRef>
+      <a:fontRef idx="minor">
+        <a:schemeClr val="lt1"/>
+      </a:fontRef>
+    </dgm:style>
+  </dgm:styleLbl>
+  <dgm:styleLbl name="node2">
+    <dgm:scene3d>
+      <a:camera prst="orthographicFront"/>
+      <a:lightRig rig="threePt" dir="t"/>
+    </dgm:scene3d>
+    <dgm:sp3d/>
+    <dgm:txPr/>
+    <dgm:style>
+      <a:lnRef idx="2">
+        <a:scrgbClr r="0" g="0" b="0"/>
+      </a:lnRef>
+      <a:fillRef idx="1">
+        <a:scrgbClr r="0" g="0" b="0"/>
+      </a:fillRef>
+      <a:effectRef idx="0">
+        <a:scrgbClr r="0" g="0" b="0"/>
+      </a:effectRef>
+      <a:fontRef idx="minor">
+        <a:schemeClr val="lt1"/>
+      </a:fontRef>
+    </dgm:style>
+  </dgm:styleLbl>
+  <dgm:styleLbl name="node3">
+    <dgm:scene3d>
+      <a:camera prst="orthographicFront"/>
+      <a:lightRig rig="threePt" dir="t"/>
+    </dgm:scene3d>
+    <dgm:sp3d/>
+    <dgm:txPr/>
+    <dgm:style>
+      <a:lnRef idx="2">
+        <a:scrgbClr r="0" g="0" b="0"/>
+      </a:lnRef>
+      <a:fillRef idx="1">
+        <a:scrgbClr r="0" g="0" b="0"/>
+      </a:fillRef>
+      <a:effectRef idx="0">
+        <a:scrgbClr r="0" g="0" b="0"/>
+      </a:effectRef>
+      <a:fontRef idx="minor">
+        <a:schemeClr val="lt1"/>
+      </a:fontRef>
+    </dgm:style>
+  </dgm:styleLbl>
+  <dgm:styleLbl name="node4">
+    <dgm:scene3d>
+      <a:camera prst="orthographicFront"/>
+      <a:lightRig rig="threePt" dir="t"/>
+    </dgm:scene3d>
+    <dgm:sp3d/>
+    <dgm:txPr/>
+    <dgm:style>
+      <a:lnRef idx="2">
+        <a:scrgbClr r="0" g="0" b="0"/>
+      </a:lnRef>
+      <a:fillRef idx="1">
+        <a:scrgbClr r="0" g="0" b="0"/>
+      </a:fillRef>
+      <a:effectRef idx="0">
+        <a:scrgbClr r="0" g="0" b="0"/>
+      </a:effectRef>
+      <a:fontRef idx="minor">
+        <a:schemeClr val="lt1"/>
+      </a:fontRef>
+    </dgm:style>
+  </dgm:styleLbl>
+  <dgm:styleLbl name="fgImgPlace1">
+    <dgm:scene3d>
+      <a:camera prst="orthographicFront"/>
+      <a:lightRig rig="threePt" dir="t"/>
+    </dgm:scene3d>
+    <dgm:sp3d/>
+    <dgm:txPr/>
+    <dgm:style>
+      <a:lnRef idx="2">
+        <a:scrgbClr r="0" g="0" b="0"/>
+      </a:lnRef>
+      <a:fillRef idx="1">
+        <a:scrgbClr r="0" g="0" b="0"/>
+      </a:fillRef>
+      <a:effectRef idx="0">
+        <a:scrgbClr r="0" g="0" b="0"/>
+      </a:effectRef>
+      <a:fontRef idx="minor"/>
+    </dgm:style>
+  </dgm:styleLbl>
+  <dgm:styleLbl name="alignImgPlace1">
+    <dgm:scene3d>
+      <a:camera prst="orthographicFront"/>
+      <a:lightRig rig="threePt" dir="t"/>
+    </dgm:scene3d>
+    <dgm:sp3d/>
+    <dgm:txPr/>
+    <dgm:style>
+      <a:lnRef idx="2">
+        <a:scrgbClr r="0" g="0" b="0"/>
+      </a:lnRef>
+      <a:fillRef idx="1">
+        <a:scrgbClr r="0" g="0" b="0"/>
+      </a:fillRef>
+      <a:effectRef idx="0">
+        <a:scrgbClr r="0" g="0" b="0"/>
+      </a:effectRef>
+      <a:fontRef idx="minor"/>
+    </dgm:style>
+  </dgm:styleLbl>
+  <dgm:styleLbl name="bgImgPlace1">
+    <dgm:scene3d>
+      <a:camera prst="orthographicFront"/>
+      <a:lightRig rig="threePt" dir="t"/>
+    </dgm:scene3d>
+    <dgm:sp3d/>
+    <dgm:txPr/>
+    <dgm:style>
+      <a:lnRef idx="2">
+        <a:scrgbClr r="0" g="0" b="0"/>
+      </a:lnRef>
+      <a:fillRef idx="1">
+        <a:scrgbClr r="0" g="0" b="0"/>
+      </a:fillRef>
+      <a:effectRef idx="0">
+        <a:scrgbClr r="0" g="0" b="0"/>
+      </a:effectRef>
+      <a:fontRef idx="minor"/>
+    </dgm:style>
+  </dgm:styleLbl>
+  <dgm:styleLbl name="sibTrans2D1">
+    <dgm:scene3d>
+      <a:camera prst="orthographicFront"/>
+      <a:lightRig rig="threePt" dir="t"/>
+    </dgm:scene3d>
+    <dgm:sp3d/>
+    <dgm:txPr/>
+    <dgm:style>
+      <a:lnRef idx="0">
+        <a:scrgbClr r="0" g="0" b="0"/>
+      </a:lnRef>
+      <a:fillRef idx="1">
+        <a:scrgbClr r="0" g="0" b="0"/>
+      </a:fillRef>
+      <a:effectRef idx="0">
+        <a:scrgbClr r="0" g="0" b="0"/>
+      </a:effectRef>
+      <a:fontRef idx="minor">
+        <a:schemeClr val="lt1"/>
+      </a:fontRef>
+    </dgm:style>
+  </dgm:styleLbl>
+  <dgm:styleLbl name="fgSibTrans2D1">
+    <dgm:scene3d>
+      <a:camera prst="orthographicFront"/>
+      <a:lightRig rig="threePt" dir="t"/>
+    </dgm:scene3d>
+    <dgm:sp3d/>
+    <dgm:txPr/>
+    <dgm:style>
+      <a:lnRef idx="0">
+        <a:scrgbClr r="0" g="0" b="0"/>
+      </a:lnRef>
+      <a:fillRef idx="1">
+        <a:scrgbClr r="0" g="0" b="0"/>
+      </a:fillRef>
+      <a:effectRef idx="0">
+        <a:scrgbClr r="0" g="0" b="0"/>
+      </a:effectRef>
+      <a:fontRef idx="minor">
+        <a:schemeClr val="lt1"/>
+      </a:fontRef>
+    </dgm:style>
+  </dgm:styleLbl>
+  <dgm:styleLbl name="bgSibTrans2D1">
+    <dgm:scene3d>
+      <a:camera prst="orthographicFront"/>
+      <a:lightRig rig="threePt" dir="t"/>
+    </dgm:scene3d>
+    <dgm:sp3d/>
+    <dgm:txPr/>
+    <dgm:style>
+      <a:lnRef idx="0">
+        <a:scrgbClr r="0" g="0" b="0"/>
+      </a:lnRef>
+      <a:fillRef idx="1">
+        <a:scrgbClr r="0" g="0" b="0"/>
+      </a:fillRef>
+      <a:effectRef idx="0">
+        <a:scrgbClr r="0" g="0" b="0"/>
+      </a:effectRef>
+      <a:fontRef idx="minor">
+        <a:schemeClr val="lt1"/>
+      </a:fontRef>
+    </dgm:style>
+  </dgm:styleLbl>
+  <dgm:styleLbl name="sibTrans1D1">
+    <dgm:scene3d>
+      <a:camera prst="orthographicFront"/>
+      <a:lightRig rig="threePt" dir="t"/>
+    </dgm:scene3d>
+    <dgm:sp3d/>
+    <dgm:txPr/>
+    <dgm:style>
+      <a:lnRef idx="1">
+        <a:scrgbClr r="0" g="0" b="0"/>
+      </a:lnRef>
+      <a:fillRef idx="0">
+        <a:scrgbClr r="0" g="0" b="0"/>
+      </a:fillRef>
+      <a:effectRef idx="0">
+        <a:scrgbClr r="0" g="0" b="0"/>
+      </a:effectRef>
+      <a:fontRef idx="minor"/>
+    </dgm:style>
+  </dgm:styleLbl>
+  <dgm:styleLbl name="callout">
+    <dgm:scene3d>
+      <a:camera prst="orthographicFront"/>
+      <a:lightRig rig="threePt" dir="t"/>
+    </dgm:scene3d>
+    <dgm:sp3d/>
+    <dgm:txPr/>
+    <dgm:style>
+      <a:lnRef idx="2">
+        <a:scrgbClr r="0" g="0" b="0"/>
+      </a:lnRef>
+      <a:fillRef idx="1">
+        <a:scrgbClr r="0" g="0" b="0"/>
+      </a:fillRef>
+      <a:effectRef idx="0">
+        <a:scrgbClr r="0" g="0" b="0"/>
+      </a:effectRef>
+      <a:fontRef idx="minor"/>
+    </dgm:style>
+  </dgm:styleLbl>
+  <dgm:styleLbl name="asst0">
+    <dgm:scene3d>
+      <a:camera prst="orthographicFront"/>
+      <a:lightRig rig="threePt" dir="t"/>
+    </dgm:scene3d>
+    <dgm:sp3d/>
+    <dgm:txPr/>
+    <dgm:style>
+      <a:lnRef idx="2">
+        <a:scrgbClr r="0" g="0" b="0"/>
+      </a:lnRef>
+      <a:fillRef idx="1">
+        <a:scrgbClr r="0" g="0" b="0"/>
+      </a:fillRef>
+      <a:effectRef idx="0">
+        <a:scrgbClr r="0" g="0" b="0"/>
+      </a:effectRef>
+      <a:fontRef idx="minor">
+        <a:schemeClr val="lt1"/>
+      </a:fontRef>
+    </dgm:style>
+  </dgm:styleLbl>
+  <dgm:styleLbl name="asst1">
+    <dgm:scene3d>
+      <a:camera prst="orthographicFront"/>
+      <a:lightRig rig="threePt" dir="t"/>
+    </dgm:scene3d>
+    <dgm:sp3d/>
+    <dgm:txPr/>
+    <dgm:style>
+      <a:lnRef idx="2">
+        <a:scrgbClr r="0" g="0" b="0"/>
+      </a:lnRef>
+      <a:fillRef idx="1">
+        <a:scrgbClr r="0" g="0" b="0"/>
+      </a:fillRef>
+      <a:effectRef idx="0">
+        <a:scrgbClr r="0" g="0" b="0"/>
+      </a:effectRef>
+      <a:fontRef idx="minor">
+        <a:schemeClr val="lt1"/>
+      </a:fontRef>
+    </dgm:style>
+  </dgm:styleLbl>
+  <dgm:styleLbl name="asst2">
+    <dgm:scene3d>
+      <a:camera prst="orthographicFront"/>
+      <a:lightRig rig="threePt" dir="t"/>
+    </dgm:scene3d>
+    <dgm:sp3d/>
+    <dgm:txPr/>
+    <dgm:style>
+      <a:lnRef idx="2">
+        <a:scrgbClr r="0" g="0" b="0"/>
+      </a:lnRef>
+      <a:fillRef idx="1">
+        <a:scrgbClr r="0" g="0" b="0"/>
+      </a:fillRef>
+      <a:effectRef idx="0">
+        <a:scrgbClr r="0" g="0" b="0"/>
+      </a:effectRef>
+      <a:fontRef idx="minor">
+        <a:schemeClr val="lt1"/>
+      </a:fontRef>
+    </dgm:style>
+  </dgm:styleLbl>
+  <dgm:styleLbl name="asst3">
+    <dgm:scene3d>
+      <a:camera prst="orthographicFront"/>
+      <a:lightRig rig="threePt" dir="t"/>
+    </dgm:scene3d>
+    <dgm:sp3d/>
+    <dgm:txPr/>
+    <dgm:style>
+      <a:lnRef idx="2">
+        <a:scrgbClr r="0" g="0" b="0"/>
+      </a:lnRef>
+      <a:fillRef idx="1">
+        <a:scrgbClr r="0" g="0" b="0"/>
+      </a:fillRef>
+      <a:effectRef idx="0">
+        <a:scrgbClr r="0" g="0" b="0"/>
+      </a:effectRef>
+      <a:fontRef idx="minor">
+        <a:schemeClr val="lt1"/>
+      </a:fontRef>
+    </dgm:style>
+  </dgm:styleLbl>
+  <dgm:styleLbl name="asst4">
+    <dgm:scene3d>
+      <a:camera prst="orthographicFront"/>
+      <a:lightRig rig="threePt" dir="t"/>
+    </dgm:scene3d>
+    <dgm:sp3d/>
+    <dgm:txPr/>
+    <dgm:style>
+      <a:lnRef idx="2">
+        <a:scrgbClr r="0" g="0" b="0"/>
+      </a:lnRef>
+      <a:fillRef idx="1">
+        <a:scrgbClr r="0" g="0" b="0"/>
+      </a:fillRef>
+      <a:effectRef idx="0">
+        <a:scrgbClr r="0" g="0" b="0"/>
+      </a:effectRef>
+      <a:fontRef idx="minor">
+        <a:schemeClr val="lt1"/>
+      </a:fontRef>
+    </dgm:style>
+  </dgm:styleLbl>
+  <dgm:styleLbl name="parChTrans2D1">
+    <dgm:scene3d>
+      <a:camera prst="orthographicFront"/>
+      <a:lightRig rig="threePt" dir="t"/>
+    </dgm:scene3d>
+    <dgm:sp3d/>
+    <dgm:txPr/>
+    <dgm:style>
+      <a:lnRef idx="2">
+        <a:scrgbClr r="0" g="0" b="0"/>
+      </a:lnRef>
+      <a:fillRef idx="1">
+        <a:scrgbClr r="0" g="0" b="0"/>
+      </a:fillRef>
+      <a:effectRef idx="0">
+        <a:scrgbClr r="0" g="0" b="0"/>
+      </a:effectRef>
+      <a:fontRef idx="minor">
+        <a:schemeClr val="lt1"/>
+      </a:fontRef>
+    </dgm:style>
+  </dgm:styleLbl>
+  <dgm:styleLbl name="parChTrans2D2">
+    <dgm:scene3d>
+      <a:camera prst="orthographicFront"/>
+      <a:lightRig rig="threePt" dir="t"/>
+    </dgm:scene3d>
+    <dgm:sp3d/>
+    <dgm:txPr/>
+    <dgm:style>
+      <a:lnRef idx="2">
+        <a:scrgbClr r="0" g="0" b="0"/>
+      </a:lnRef>
+      <a:fillRef idx="1">
+        <a:scrgbClr r="0" g="0" b="0"/>
+      </a:fillRef>
+      <a:effectRef idx="0">
+        <a:scrgbClr r="0" g="0" b="0"/>
+      </a:effectRef>
+      <a:fontRef idx="minor">
+        <a:schemeClr val="lt1"/>
+      </a:fontRef>
+    </dgm:style>
+  </dgm:styleLbl>
+  <dgm:styleLbl name="parChTrans2D3">
+    <dgm:scene3d>
+      <a:camera prst="orthographicFront"/>
+      <a:lightRig rig="threePt" dir="t"/>
+    </dgm:scene3d>
+    <dgm:sp3d/>
+    <dgm:txPr/>
+    <dgm:style>
+      <a:lnRef idx="2">
+        <a:scrgbClr r="0" g="0" b="0"/>
+      </a:lnRef>
+      <a:fillRef idx="1">
+        <a:scrgbClr r="0" g="0" b="0"/>
+      </a:fillRef>
+      <a:effectRef idx="0">
+        <a:scrgbClr r="0" g="0" b="0"/>
+      </a:effectRef>
+      <a:fontRef idx="minor">
+        <a:schemeClr val="lt1"/>
+      </a:fontRef>
+    </dgm:style>
+  </dgm:styleLbl>
+  <dgm:styleLbl name="parChTrans2D4">
+    <dgm:scene3d>
+      <a:camera prst="orthographicFront"/>
+      <a:lightRig rig="threePt" dir="t"/>
+    </dgm:scene3d>
+    <dgm:sp3d/>
+    <dgm:txPr/>
+    <dgm:style>
+      <a:lnRef idx="2">
+        <a:scrgbClr r="0" g="0" b="0"/>
+      </a:lnRef>
+      <a:fillRef idx="1">
+        <a:scrgbClr r="0" g="0" b="0"/>
+      </a:fillRef>
+      <a:effectRef idx="0">
+        <a:scrgbClr r="0" g="0" b="0"/>
+      </a:effectRef>
+      <a:fontRef idx="minor">
+        <a:schemeClr val="lt1"/>
+      </a:fontRef>
+    </dgm:style>
+  </dgm:styleLbl>
+  <dgm:styleLbl name="parChTrans1D1">
+    <dgm:scene3d>
+      <a:camera prst="orthographicFront"/>
+      <a:lightRig rig="threePt" dir="t"/>
+    </dgm:scene3d>
+    <dgm:sp3d/>
+    <dgm:txPr/>
+    <dgm:style>
+      <a:lnRef idx="2">
+        <a:scrgbClr r="0" g="0" b="0"/>
+      </a:lnRef>
+      <a:fillRef idx="0">
+        <a:scrgbClr r="0" g="0" b="0"/>
+      </a:fillRef>
+      <a:effectRef idx="0">
+        <a:scrgbClr r="0" g="0" b="0"/>
+      </a:effectRef>
+      <a:fontRef idx="minor"/>
+    </dgm:style>
+  </dgm:styleLbl>
+  <dgm:styleLbl name="parChTrans1D2">
+    <dgm:scene3d>
+      <a:camera prst="orthographicFront"/>
+      <a:lightRig rig="threePt" dir="t"/>
+    </dgm:scene3d>
+    <dgm:sp3d/>
+    <dgm:txPr/>
+    <dgm:style>
+      <a:lnRef idx="2">
+        <a:scrgbClr r="0" g="0" b="0"/>
+      </a:lnRef>
+      <a:fillRef idx="0">
+        <a:scrgbClr r="0" g="0" b="0"/>
+      </a:fillRef>
+      <a:effectRef idx="0">
+        <a:scrgbClr r="0" g="0" b="0"/>
+      </a:effectRef>
+      <a:fontRef idx="minor"/>
+    </dgm:style>
+  </dgm:styleLbl>
+  <dgm:styleLbl name="parChTrans1D3">
+    <dgm:scene3d>
+      <a:camera prst="orthographicFront"/>
+      <a:lightRig rig="threePt" dir="t"/>
+    </dgm:scene3d>
+    <dgm:sp3d/>
+    <dgm:txPr/>
+    <dgm:style>
+      <a:lnRef idx="2">
+        <a:scrgbClr r="0" g="0" b="0"/>
+      </a:lnRef>
+      <a:fillRef idx="0">
+        <a:scrgbClr r="0" g="0" b="0"/>
+      </a:fillRef>
+      <a:effectRef idx="0">
+        <a:scrgbClr r="0" g="0" b="0"/>
+      </a:effectRef>
+      <a:fontRef idx="minor"/>
+    </dgm:style>
+  </dgm:styleLbl>
+  <dgm:styleLbl name="parChTrans1D4">
+    <dgm:scene3d>
+      <a:camera prst="orthographicFront"/>
+      <a:lightRig rig="threePt" dir="t"/>
+    </dgm:scene3d>
+    <dgm:sp3d/>
+    <dgm:txPr/>
+    <dgm:style>
+      <a:lnRef idx="2">
+        <a:scrgbClr r="0" g="0" b="0"/>
+      </a:lnRef>
+      <a:fillRef idx="0">
+        <a:scrgbClr r="0" g="0" b="0"/>
+      </a:fillRef>
+      <a:effectRef idx="0">
+        <a:scrgbClr r="0" g="0" b="0"/>
+      </a:effectRef>
+      <a:fontRef idx="minor"/>
+    </dgm:style>
+  </dgm:styleLbl>
+  <dgm:styleLbl name="fgAcc1">
+    <dgm:scene3d>
+      <a:camera prst="orthographicFront"/>
+      <a:lightRig rig="threePt" dir="t"/>
+    </dgm:scene3d>
+    <dgm:sp3d/>
+    <dgm:txPr/>
+    <dgm:style>
+      <a:lnRef idx="2">
+        <a:scrgbClr r="0" g="0" b="0"/>
+      </a:lnRef>
+      <a:fillRef idx="1">
+        <a:scrgbClr r="0" g="0" b="0"/>
+      </a:fillRef>
+      <a:effectRef idx="0">
+        <a:scrgbClr r="0" g="0" b="0"/>
+      </a:effectRef>
+      <a:fontRef idx="minor"/>
+    </dgm:style>
+  </dgm:styleLbl>
+  <dgm:styleLbl name="conFgAcc1">
+    <dgm:scene3d>
+      <a:camera prst="orthographicFront"/>
+      <a:lightRig rig="threePt" dir="t"/>
+    </dgm:scene3d>
+    <dgm:sp3d/>
+    <dgm:txPr/>
+    <dgm:style>
+      <a:lnRef idx="2">
+        <a:scrgbClr r="0" g="0" b="0"/>
+      </a:lnRef>
+      <a:fillRef idx="1">
+        <a:scrgbClr r="0" g="0" b="0"/>
+      </a:fillRef>
+      <a:effectRef idx="0">
+        <a:scrgbClr r="0" g="0" b="0"/>
+      </a:effectRef>
+      <a:fontRef idx="minor"/>
+    </dgm:style>
+  </dgm:styleLbl>
+  <dgm:styleLbl name="alignAcc1">
+    <dgm:scene3d>
+      <a:camera prst="orthographicFront"/>
+      <a:lightRig rig="threePt" dir="t"/>
+    </dgm:scene3d>
+    <dgm:sp3d/>
+    <dgm:txPr/>
+    <dgm:style>
+      <a:lnRef idx="2">
+        <a:scrgbClr r="0" g="0" b="0"/>
+      </a:lnRef>
+      <a:fillRef idx="1">
+        <a:scrgbClr r="0" g="0" b="0"/>
+      </a:fillRef>
+      <a:effectRef idx="0">
+        <a:scrgbClr r="0" g="0" b="0"/>
+      </a:effectRef>
+      <a:fontRef idx="minor"/>
+    </dgm:style>
+  </dgm:styleLbl>
+  <dgm:styleLbl name="trAlignAcc1">
+    <dgm:scene3d>
+      <a:camera prst="orthographicFront"/>
+      <a:lightRig rig="threePt" dir="t"/>
+    </dgm:scene3d>
+    <dgm:sp3d/>
+    <dgm:txPr/>
+    <dgm:style>
+      <a:lnRef idx="1">
+        <a:scrgbClr r="0" g="0" b="0"/>
+      </a:lnRef>
+      <a:fillRef idx="1">
+        <a:scrgbClr r="0" g="0" b="0"/>
+      </a:fillRef>
+      <a:effectRef idx="0">
+        <a:scrgbClr r="0" g="0" b="0"/>
+      </a:effectRef>
+      <a:fontRef idx="minor"/>
+    </dgm:style>
+  </dgm:styleLbl>
+  <dgm:styleLbl name="bgAcc1">
+    <dgm:scene3d>
+      <a:camera prst="orthographicFront"/>
+      <a:lightRig rig="threePt" dir="t"/>
+    </dgm:scene3d>
+    <dgm:sp3d/>
+    <dgm:txPr/>
+    <dgm:style>
+      <a:lnRef idx="2">
+        <a:scrgbClr r="0" g="0" b="0"/>
+      </a:lnRef>
+      <a:fillRef idx="1">
+        <a:scrgbClr r="0" g="0" b="0"/>
+      </a:fillRef>
+      <a:effectRef idx="0">
+        <a:scrgbClr r="0" g="0" b="0"/>
+      </a:effectRef>
+      <a:fontRef idx="minor"/>
+    </dgm:style>
+  </dgm:styleLbl>
+  <dgm:styleLbl name="solidFgAcc1">
+    <dgm:scene3d>
+      <a:camera prst="orthographicFront"/>
+      <a:lightRig rig="threePt" dir="t"/>
+    </dgm:scene3d>
+    <dgm:sp3d/>
+    <dgm:txPr/>
+    <dgm:style>
+      <a:lnRef idx="2">
+        <a:scrgbClr r="0" g="0" b="0"/>
+      </a:lnRef>
+      <a:fillRef idx="1">
+        <a:scrgbClr r="0" g="0" b="0"/>
+      </a:fillRef>
+      <a:effectRef idx="0">
+        <a:scrgbClr r="0" g="0" b="0"/>
+      </a:effectRef>
+      <a:fontRef idx="minor"/>
+    </dgm:style>
+  </dgm:styleLbl>
+  <dgm:styleLbl name="solidAlignAcc1">
+    <dgm:scene3d>
+      <a:camera prst="orthographicFront"/>
+      <a:lightRig rig="threePt" dir="t"/>
+    </dgm:scene3d>
+    <dgm:sp3d/>
+    <dgm:txPr/>
+    <dgm:style>
+      <a:lnRef idx="2">
+        <a:scrgbClr r="0" g="0" b="0"/>
+      </a:lnRef>
+      <a:fillRef idx="1">
+        <a:scrgbClr r="0" g="0" b="0"/>
+      </a:fillRef>
+      <a:effectRef idx="0">
+        <a:scrgbClr r="0" g="0" b="0"/>
+      </a:effectRef>
+      <a:fontRef idx="minor"/>
+    </dgm:style>
+  </dgm:styleLbl>
+  <dgm:styleLbl name="solidBgAcc1">
+    <dgm:scene3d>
+      <a:camera prst="orthographicFront"/>
+      <a:lightRig rig="threePt" dir="t"/>
+    </dgm:scene3d>
+    <dgm:sp3d/>
+    <dgm:txPr/>
+    <dgm:style>
+      <a:lnRef idx="2">
+        <a:scrgbClr r="0" g="0" b="0"/>
+      </a:lnRef>
+      <a:fillRef idx="1">
+        <a:scrgbClr r="0" g="0" b="0"/>
+      </a:fillRef>
+      <a:effectRef idx="0">
+        <a:scrgbClr r="0" g="0" b="0"/>
+      </a:effectRef>
+      <a:fontRef idx="minor"/>
+    </dgm:style>
+  </dgm:styleLbl>
+  <dgm:styleLbl name="fgAccFollowNode1">
+    <dgm:scene3d>
+      <a:camera prst="orthographicFront"/>
+      <a:lightRig rig="threePt" dir="t"/>
+    </dgm:scene3d>
+    <dgm:sp3d/>
+    <dgm:txPr/>
+    <dgm:style>
+      <a:lnRef idx="2">
+        <a:scrgbClr r="0" g="0" b="0"/>
+      </a:lnRef>
+      <a:fillRef idx="1">
+        <a:scrgbClr r="0" g="0" b="0"/>
+      </a:fillRef>
+      <a:effectRef idx="0">
+        <a:scrgbClr r="0" g="0" b="0"/>
+      </a:effectRef>
+      <a:fontRef idx="minor"/>
+    </dgm:style>
+  </dgm:styleLbl>
+  <dgm:styleLbl name="alignAccFollowNode1">
+    <dgm:scene3d>
+      <a:camera prst="orthographicFront"/>
+      <a:lightRig rig="threePt" dir="t"/>
+    </dgm:scene3d>
+    <dgm:sp3d/>
+    <dgm:txPr/>
+    <dgm:style>
+      <a:lnRef idx="2">
+        <a:scrgbClr r="0" g="0" b="0"/>
+      </a:lnRef>
+      <a:fillRef idx="1">
+        <a:scrgbClr r="0" g="0" b="0"/>
+      </a:fillRef>
+      <a:effectRef idx="0">
+        <a:scrgbClr r="0" g="0" b="0"/>
+      </a:effectRef>
+      <a:fontRef idx="minor"/>
+    </dgm:style>
+  </dgm:styleLbl>
+  <dgm:styleLbl name="bgAccFollowNode1">
+    <dgm:scene3d>
+      <a:camera prst="orthographicFront"/>
+      <a:lightRig rig="threePt" dir="t"/>
+    </dgm:scene3d>
+    <dgm:sp3d/>
+    <dgm:txPr/>
+    <dgm:style>
+      <a:lnRef idx="2">
+        <a:scrgbClr r="0" g="0" b="0"/>
+      </a:lnRef>
+      <a:fillRef idx="1">
+        <a:scrgbClr r="0" g="0" b="0"/>
+      </a:fillRef>
+      <a:effectRef idx="0">
+        <a:scrgbClr r="0" g="0" b="0"/>
+      </a:effectRef>
+      <a:fontRef idx="minor"/>
+    </dgm:style>
+  </dgm:styleLbl>
+  <dgm:styleLbl name="fgAcc0">
+    <dgm:scene3d>
+      <a:camera prst="orthographicFront"/>
+      <a:lightRig rig="threePt" dir="t"/>
+    </dgm:scene3d>
+    <dgm:sp3d/>
+    <dgm:txPr/>
+    <dgm:style>
+      <a:lnRef idx="2">
+        <a:scrgbClr r="0" g="0" b="0"/>
+      </a:lnRef>
+      <a:fillRef idx="1">
+        <a:scrgbClr r="0" g="0" b="0"/>
+      </a:fillRef>
+      <a:effectRef idx="0">
+        <a:scrgbClr r="0" g="0" b="0"/>
+      </a:effectRef>
+      <a:fontRef idx="minor"/>
+    </dgm:style>
+  </dgm:styleLbl>
+  <dgm:styleLbl name="fgAcc2">
+    <dgm:scene3d>
+      <a:camera prst="orthographicFront"/>
+      <a:lightRig rig="threePt" dir="t"/>
+    </dgm:scene3d>
+    <dgm:sp3d/>
+    <dgm:txPr/>
+    <dgm:style>
+      <a:lnRef idx="2">
+        <a:scrgbClr r="0" g="0" b="0"/>
+      </a:lnRef>
+      <a:fillRef idx="1">
+        <a:scrgbClr r="0" g="0" b="0"/>
+      </a:fillRef>
+      <a:effectRef idx="0">
+        <a:scrgbClr r="0" g="0" b="0"/>
+      </a:effectRef>
+      <a:fontRef idx="minor"/>
+    </dgm:style>
+  </dgm:styleLbl>
+  <dgm:styleLbl name="fgAcc3">
+    <dgm:scene3d>
+      <a:camera prst="orthographicFront"/>
+      <a:lightRig rig="threePt" dir="t"/>
+    </dgm:scene3d>
+    <dgm:sp3d/>
+    <dgm:txPr/>
+    <dgm:style>
+      <a:lnRef idx="2">
+        <a:scrgbClr r="0" g="0" b="0"/>
+      </a:lnRef>
+      <a:fillRef idx="1">
+        <a:scrgbClr r="0" g="0" b="0"/>
+      </a:fillRef>
+      <a:effectRef idx="0">
+        <a:scrgbClr r="0" g="0" b="0"/>
+      </a:effectRef>
+      <a:fontRef idx="minor"/>
+    </dgm:style>
+  </dgm:styleLbl>
+  <dgm:styleLbl name="fgAcc4">
+    <dgm:scene3d>
+      <a:camera prst="orthographicFront"/>
+      <a:lightRig rig="threePt" dir="t"/>
+    </dgm:scene3d>
+    <dgm:sp3d/>
+    <dgm:txPr/>
+    <dgm:style>
+      <a:lnRef idx="2">
+        <a:scrgbClr r="0" g="0" b="0"/>
+      </a:lnRef>
+      <a:fillRef idx="1">
+        <a:scrgbClr r="0" g="0" b="0"/>
+      </a:fillRef>
+      <a:effectRef idx="0">
+        <a:scrgbClr r="0" g="0" b="0"/>
+      </a:effectRef>
+      <a:fontRef idx="minor"/>
+    </dgm:style>
+  </dgm:styleLbl>
+  <dgm:styleLbl name="bgShp">
+    <dgm:scene3d>
+      <a:camera prst="orthographicFront"/>
+      <a:lightRig rig="threePt" dir="t"/>
+    </dgm:scene3d>
+    <dgm:sp3d/>
+    <dgm:txPr/>
+    <dgm:style>
+      <a:lnRef idx="0">
+        <a:scrgbClr r="0" g="0" b="0"/>
+      </a:lnRef>
+      <a:fillRef idx="1">
+        <a:scrgbClr r="0" g="0" b="0"/>
+      </a:fillRef>
+      <a:effectRef idx="0">
+        <a:scrgbClr r="0" g="0" b="0"/>
+      </a:effectRef>
+      <a:fontRef idx="minor"/>
+    </dgm:style>
+  </dgm:styleLbl>
+  <dgm:styleLbl name="dkBgShp">
+    <dgm:scene3d>
+      <a:camera prst="orthographicFront"/>
+      <a:lightRig rig="threePt" dir="t"/>
+    </dgm:scene3d>
+    <dgm:sp3d/>
+    <dgm:txPr/>
+    <dgm:style>
+      <a:lnRef idx="0">
+        <a:scrgbClr r="0" g="0" b="0"/>
+      </a:lnRef>
+      <a:fillRef idx="1">
+        <a:scrgbClr r="0" g="0" b="0"/>
+      </a:fillRef>
+      <a:effectRef idx="0">
+        <a:scrgbClr r="0" g="0" b="0"/>
+      </a:effectRef>
+      <a:fontRef idx="minor"/>
+    </dgm:style>
+  </dgm:styleLbl>
+  <dgm:styleLbl name="trBgShp">
+    <dgm:scene3d>
+      <a:camera prst="orthographicFront"/>
+      <a:lightRig rig="threePt" dir="t"/>
+    </dgm:scene3d>
+    <dgm:sp3d/>
+    <dgm:txPr/>
+    <dgm:style>
+      <a:lnRef idx="0">
+        <a:scrgbClr r="0" g="0" b="0"/>
+      </a:lnRef>
+      <a:fillRef idx="1">
+        <a:scrgbClr r="0" g="0" b="0"/>
+      </a:fillRef>
+      <a:effectRef idx="0">
+        <a:scrgbClr r="0" g="0" b="0"/>
+      </a:effectRef>
+      <a:fontRef idx="minor"/>
+    </dgm:style>
+  </dgm:styleLbl>
+  <dgm:styleLbl name="fgShp">
+    <dgm:scene3d>
+      <a:camera prst="orthographicFront"/>
+      <a:lightRig rig="threePt" dir="t"/>
+    </dgm:scene3d>
+    <dgm:sp3d/>
+    <dgm:txPr/>
+    <dgm:style>
+      <a:lnRef idx="2">
+        <a:scrgbClr r="0" g="0" b="0"/>
+      </a:lnRef>
+      <a:fillRef idx="1">
+        <a:scrgbClr r="0" g="0" b="0"/>
+      </a:fillRef>
+      <a:effectRef idx="0">
+        <a:scrgbClr r="0" g="0" b="0"/>
+      </a:effectRef>
+      <a:fontRef idx="minor"/>
+    </dgm:style>
+  </dgm:styleLbl>
+  <dgm:styleLbl name="revTx">
+    <dgm:scene3d>
+      <a:camera prst="orthographicFront"/>
+      <a:lightRig rig="threePt" dir="t"/>
+    </dgm:scene3d>
+    <dgm:sp3d/>
+    <dgm:txPr/>
+    <dgm:style>
+      <a:lnRef idx="0">
+        <a:scrgbClr r="0" g="0" b="0"/>
+      </a:lnRef>
+      <a:fillRef idx="0">
+        <a:scrgbClr r="0" g="0" b="0"/>
+      </a:fillRef>
+      <a:effectRef idx="0">
+        <a:scrgbClr r="0" g="0" b="0"/>
+      </a:effectRef>
+      <a:fontRef idx="minor"/>
+    </dgm:style>
+  </dgm:styleLbl>
+</dgm:styleDef>
+</file>
+
+<file path=ppt/diagrams/quickStyle6.xml><?xml version="1.0" encoding="utf-8"?>
+<dgm:styleDef xmlns:dgm="http://schemas.openxmlformats.org/drawingml/2006/diagram" xmlns:a="http://schemas.openxmlformats.org/drawingml/2006/main" uniqueId="urn:microsoft.com/office/officeart/2005/8/quickstyle/simple1">
+  <dgm:title val=""/>
+  <dgm:desc val=""/>
+  <dgm:catLst>
+    <dgm:cat type="simple" pri="10100"/>
+  </dgm:catLst>
+  <dgm:scene3d>
+    <a:camera prst="orthographicFront"/>
+    <a:lightRig rig="threePt" dir="t"/>
+  </dgm:scene3d>
+  <dgm:styleLbl name="node0">
+    <dgm:scene3d>
+      <a:camera prst="orthographicFront"/>
+      <a:lightRig rig="threePt" dir="t"/>
+    </dgm:scene3d>
+    <dgm:sp3d/>
+    <dgm:txPr/>
+    <dgm:style>
+      <a:lnRef idx="2">
+        <a:scrgbClr r="0" g="0" b="0"/>
+      </a:lnRef>
+      <a:fillRef idx="1">
+        <a:scrgbClr r="0" g="0" b="0"/>
+      </a:fillRef>
+      <a:effectRef idx="0">
+        <a:scrgbClr r="0" g="0" b="0"/>
+      </a:effectRef>
+      <a:fontRef idx="minor">
+        <a:schemeClr val="lt1"/>
+      </a:fontRef>
+    </dgm:style>
+  </dgm:styleLbl>
+  <dgm:styleLbl name="lnNode1">
+    <dgm:scene3d>
+      <a:camera prst="orthographicFront"/>
+      <a:lightRig rig="threePt" dir="t"/>
+    </dgm:scene3d>
+    <dgm:sp3d/>
+    <dgm:txPr/>
+    <dgm:style>
+      <a:lnRef idx="2">
+        <a:scrgbClr r="0" g="0" b="0"/>
+      </a:lnRef>
+      <a:fillRef idx="1">
+        <a:scrgbClr r="0" g="0" b="0"/>
+      </a:fillRef>
+      <a:effectRef idx="0">
+        <a:scrgbClr r="0" g="0" b="0"/>
+      </a:effectRef>
+      <a:fontRef idx="minor">
+        <a:schemeClr val="lt1"/>
+      </a:fontRef>
+    </dgm:style>
+  </dgm:styleLbl>
+  <dgm:styleLbl name="vennNode1">
+    <dgm:scene3d>
+      <a:camera prst="orthographicFront"/>
+      <a:lightRig rig="threePt" dir="t"/>
+    </dgm:scene3d>
+    <dgm:sp3d/>
+    <dgm:txPr/>
+    <dgm:style>
+      <a:lnRef idx="2">
+        <a:scrgbClr r="0" g="0" b="0"/>
+      </a:lnRef>
+      <a:fillRef idx="1">
+        <a:scrgbClr r="0" g="0" b="0"/>
+      </a:fillRef>
+      <a:effectRef idx="0">
+        <a:scrgbClr r="0" g="0" b="0"/>
+      </a:effectRef>
+      <a:fontRef idx="minor">
+        <a:schemeClr val="tx1"/>
+      </a:fontRef>
+    </dgm:style>
+  </dgm:styleLbl>
+  <dgm:styleLbl name="alignNode1">
+    <dgm:scene3d>
+      <a:camera prst="orthographicFront"/>
+      <a:lightRig rig="threePt" dir="t"/>
+    </dgm:scene3d>
+    <dgm:sp3d/>
+    <dgm:txPr/>
+    <dgm:style>
+      <a:lnRef idx="2">
+        <a:scrgbClr r="0" g="0" b="0"/>
+      </a:lnRef>
+      <a:fillRef idx="1">
+        <a:scrgbClr r="0" g="0" b="0"/>
+      </a:fillRef>
+      <a:effectRef idx="0">
+        <a:scrgbClr r="0" g="0" b="0"/>
+      </a:effectRef>
+      <a:fontRef idx="minor">
+        <a:schemeClr val="lt1"/>
+      </a:fontRef>
+    </dgm:style>
+  </dgm:styleLbl>
+  <dgm:styleLbl name="node1">
+    <dgm:scene3d>
+      <a:camera prst="orthographicFront"/>
+      <a:lightRig rig="threePt" dir="t"/>
+    </dgm:scene3d>
+    <dgm:sp3d/>
+    <dgm:txPr/>
+    <dgm:style>
+      <a:lnRef idx="2">
+        <a:scrgbClr r="0" g="0" b="0"/>
+      </a:lnRef>
+      <a:fillRef idx="1">
+        <a:scrgbClr r="0" g="0" b="0"/>
+      </a:fillRef>
+      <a:effectRef idx="0">
+        <a:scrgbClr r="0" g="0" b="0"/>
+      </a:effectRef>
+      <a:fontRef idx="minor">
+        <a:schemeClr val="lt1"/>
+      </a:fontRef>
+    </dgm:style>
+  </dgm:styleLbl>
+  <dgm:styleLbl name="node2">
+    <dgm:scene3d>
+      <a:camera prst="orthographicFront"/>
+      <a:lightRig rig="threePt" dir="t"/>
+    </dgm:scene3d>
+    <dgm:sp3d/>
+    <dgm:txPr/>
+    <dgm:style>
+      <a:lnRef idx="2">
+        <a:scrgbClr r="0" g="0" b="0"/>
+      </a:lnRef>
+      <a:fillRef idx="1">
+        <a:scrgbClr r="0" g="0" b="0"/>
+      </a:fillRef>
+      <a:effectRef idx="0">
+        <a:scrgbClr r="0" g="0" b="0"/>
+      </a:effectRef>
+      <a:fontRef idx="minor">
+        <a:schemeClr val="lt1"/>
+      </a:fontRef>
+    </dgm:style>
+  </dgm:styleLbl>
+  <dgm:styleLbl name="node3">
+    <dgm:scene3d>
+      <a:camera prst="orthographicFront"/>
+      <a:lightRig rig="threePt" dir="t"/>
+    </dgm:scene3d>
+    <dgm:sp3d/>
+    <dgm:txPr/>
+    <dgm:style>
+      <a:lnRef idx="2">
+        <a:scrgbClr r="0" g="0" b="0"/>
+      </a:lnRef>
+      <a:fillRef idx="1">
+        <a:scrgbClr r="0" g="0" b="0"/>
+      </a:fillRef>
+      <a:effectRef idx="0">
+        <a:scrgbClr r="0" g="0" b="0"/>
+      </a:effectRef>
+      <a:fontRef idx="minor">
+        <a:schemeClr val="lt1"/>
+      </a:fontRef>
+    </dgm:style>
+  </dgm:styleLbl>
+  <dgm:styleLbl name="node4">
+    <dgm:scene3d>
+      <a:camera prst="orthographicFront"/>
+      <a:lightRig rig="threePt" dir="t"/>
+    </dgm:scene3d>
+    <dgm:sp3d/>
+    <dgm:txPr/>
+    <dgm:style>
+      <a:lnRef idx="2">
+        <a:scrgbClr r="0" g="0" b="0"/>
+      </a:lnRef>
+      <a:fillRef idx="1">
+        <a:scrgbClr r="0" g="0" b="0"/>
+      </a:fillRef>
+      <a:effectRef idx="0">
+        <a:scrgbClr r="0" g="0" b="0"/>
+      </a:effectRef>
+      <a:fontRef idx="minor">
+        <a:schemeClr val="lt1"/>
+      </a:fontRef>
+    </dgm:style>
+  </dgm:styleLbl>
+  <dgm:styleLbl name="fgImgPlace1">
+    <dgm:scene3d>
+      <a:camera prst="orthographicFront"/>
+      <a:lightRig rig="threePt" dir="t"/>
+    </dgm:scene3d>
+    <dgm:sp3d/>
+    <dgm:txPr/>
+    <dgm:style>
+      <a:lnRef idx="2">
+        <a:scrgbClr r="0" g="0" b="0"/>
+      </a:lnRef>
+      <a:fillRef idx="1">
+        <a:scrgbClr r="0" g="0" b="0"/>
+      </a:fillRef>
+      <a:effectRef idx="0">
+        <a:scrgbClr r="0" g="0" b="0"/>
+      </a:effectRef>
+      <a:fontRef idx="minor"/>
+    </dgm:style>
+  </dgm:styleLbl>
+  <dgm:styleLbl name="alignImgPlace1">
+    <dgm:scene3d>
+      <a:camera prst="orthographicFront"/>
+      <a:lightRig rig="threePt" dir="t"/>
+    </dgm:scene3d>
+    <dgm:sp3d/>
+    <dgm:txPr/>
+    <dgm:style>
+      <a:lnRef idx="2">
+        <a:scrgbClr r="0" g="0" b="0"/>
+      </a:lnRef>
+      <a:fillRef idx="1">
+        <a:scrgbClr r="0" g="0" b="0"/>
+      </a:fillRef>
+      <a:effectRef idx="0">
+        <a:scrgbClr r="0" g="0" b="0"/>
+      </a:effectRef>
+      <a:fontRef idx="minor"/>
+    </dgm:style>
+  </dgm:styleLbl>
+  <dgm:styleLbl name="bgImgPlace1">
+    <dgm:scene3d>
+      <a:camera prst="orthographicFront"/>
+      <a:lightRig rig="threePt" dir="t"/>
+    </dgm:scene3d>
+    <dgm:sp3d/>
+    <dgm:txPr/>
+    <dgm:style>
+      <a:lnRef idx="2">
+        <a:scrgbClr r="0" g="0" b="0"/>
+      </a:lnRef>
+      <a:fillRef idx="1">
+        <a:scrgbClr r="0" g="0" b="0"/>
+      </a:fillRef>
+      <a:effectRef idx="0">
+        <a:scrgbClr r="0" g="0" b="0"/>
+      </a:effectRef>
+      <a:fontRef idx="minor"/>
+    </dgm:style>
+  </dgm:styleLbl>
+  <dgm:styleLbl name="sibTrans2D1">
+    <dgm:scene3d>
+      <a:camera prst="orthographicFront"/>
+      <a:lightRig rig="threePt" dir="t"/>
+    </dgm:scene3d>
+    <dgm:sp3d/>
+    <dgm:txPr/>
+    <dgm:style>
+      <a:lnRef idx="0">
+        <a:scrgbClr r="0" g="0" b="0"/>
+      </a:lnRef>
+      <a:fillRef idx="1">
+        <a:scrgbClr r="0" g="0" b="0"/>
+      </a:fillRef>
+      <a:effectRef idx="0">
+        <a:scrgbClr r="0" g="0" b="0"/>
+      </a:effectRef>
+      <a:fontRef idx="minor">
+        <a:schemeClr val="lt1"/>
+      </a:fontRef>
+    </dgm:style>
+  </dgm:styleLbl>
+  <dgm:styleLbl name="fgSibTrans2D1">
+    <dgm:scene3d>
+      <a:camera prst="orthographicFront"/>
+      <a:lightRig rig="threePt" dir="t"/>
+    </dgm:scene3d>
+    <dgm:sp3d/>
+    <dgm:txPr/>
+    <dgm:style>
+      <a:lnRef idx="0">
+        <a:scrgbClr r="0" g="0" b="0"/>
+      </a:lnRef>
+      <a:fillRef idx="1">
+        <a:scrgbClr r="0" g="0" b="0"/>
+      </a:fillRef>
+      <a:effectRef idx="0">
+        <a:scrgbClr r="0" g="0" b="0"/>
+      </a:effectRef>
+      <a:fontRef idx="minor">
+        <a:schemeClr val="lt1"/>
+      </a:fontRef>
+    </dgm:style>
+  </dgm:styleLbl>
+  <dgm:styleLbl name="bgSibTrans2D1">
+    <dgm:scene3d>
+      <a:camera prst="orthographicFront"/>
+      <a:lightRig rig="threePt" dir="t"/>
+    </dgm:scene3d>
+    <dgm:sp3d/>
+    <dgm:txPr/>
+    <dgm:style>
+      <a:lnRef idx="0">
+        <a:scrgbClr r="0" g="0" b="0"/>
+      </a:lnRef>
+      <a:fillRef idx="1">
+        <a:scrgbClr r="0" g="0" b="0"/>
+      </a:fillRef>
+      <a:effectRef idx="0">
+        <a:scrgbClr r="0" g="0" b="0"/>
+      </a:effectRef>
+      <a:fontRef idx="minor">
+        <a:schemeClr val="lt1"/>
+      </a:fontRef>
+    </dgm:style>
+  </dgm:styleLbl>
+  <dgm:styleLbl name="sibTrans1D1">
+    <dgm:scene3d>
+      <a:camera prst="orthographicFront"/>
+      <a:lightRig rig="threePt" dir="t"/>
+    </dgm:scene3d>
+    <dgm:sp3d/>
+    <dgm:txPr/>
+    <dgm:style>
+      <a:lnRef idx="1">
+        <a:scrgbClr r="0" g="0" b="0"/>
+      </a:lnRef>
+      <a:fillRef idx="0">
+        <a:scrgbClr r="0" g="0" b="0"/>
+      </a:fillRef>
+      <a:effectRef idx="0">
+        <a:scrgbClr r="0" g="0" b="0"/>
+      </a:effectRef>
+      <a:fontRef idx="minor"/>
+    </dgm:style>
+  </dgm:styleLbl>
+  <dgm:styleLbl name="callout">
+    <dgm:scene3d>
+      <a:camera prst="orthographicFront"/>
+      <a:lightRig rig="threePt" dir="t"/>
+    </dgm:scene3d>
+    <dgm:sp3d/>
+    <dgm:txPr/>
+    <dgm:style>
+      <a:lnRef idx="2">
+        <a:scrgbClr r="0" g="0" b="0"/>
+      </a:lnRef>
+      <a:fillRef idx="1">
+        <a:scrgbClr r="0" g="0" b="0"/>
+      </a:fillRef>
+      <a:effectRef idx="0">
+        <a:scrgbClr r="0" g="0" b="0"/>
+      </a:effectRef>
+      <a:fontRef idx="minor"/>
+    </dgm:style>
+  </dgm:styleLbl>
+  <dgm:styleLbl name="asst0">
+    <dgm:scene3d>
+      <a:camera prst="orthographicFront"/>
+      <a:lightRig rig="threePt" dir="t"/>
+    </dgm:scene3d>
+    <dgm:sp3d/>
+    <dgm:txPr/>
+    <dgm:style>
+      <a:lnRef idx="2">
+        <a:scrgbClr r="0" g="0" b="0"/>
+      </a:lnRef>
+      <a:fillRef idx="1">
+        <a:scrgbClr r="0" g="0" b="0"/>
+      </a:fillRef>
+      <a:effectRef idx="0">
+        <a:scrgbClr r="0" g="0" b="0"/>
+      </a:effectRef>
+      <a:fontRef idx="minor">
+        <a:schemeClr val="lt1"/>
+      </a:fontRef>
+    </dgm:style>
+  </dgm:styleLbl>
+  <dgm:styleLbl name="asst1">
+    <dgm:scene3d>
+      <a:camera prst="orthographicFront"/>
+      <a:lightRig rig="threePt" dir="t"/>
+    </dgm:scene3d>
+    <dgm:sp3d/>
+    <dgm:txPr/>
+    <dgm:style>
+      <a:lnRef idx="2">
+        <a:scrgbClr r="0" g="0" b="0"/>
+      </a:lnRef>
+      <a:fillRef idx="1">
+        <a:scrgbClr r="0" g="0" b="0"/>
+      </a:fillRef>
+      <a:effectRef idx="0">
+        <a:scrgbClr r="0" g="0" b="0"/>
+      </a:effectRef>
+      <a:fontRef idx="minor">
+        <a:schemeClr val="lt1"/>
+      </a:fontRef>
+    </dgm:style>
+  </dgm:styleLbl>
+  <dgm:styleLbl name="asst2">
+    <dgm:scene3d>
+      <a:camera prst="orthographicFront"/>
+      <a:lightRig rig="threePt" dir="t"/>
+    </dgm:scene3d>
+    <dgm:sp3d/>
+    <dgm:txPr/>
+    <dgm:style>
+      <a:lnRef idx="2">
+        <a:scrgbClr r="0" g="0" b="0"/>
+      </a:lnRef>
+      <a:fillRef idx="1">
+        <a:scrgbClr r="0" g="0" b="0"/>
+      </a:fillRef>
+      <a:effectRef idx="0">
+        <a:scrgbClr r="0" g="0" b="0"/>
+      </a:effectRef>
+      <a:fontRef idx="minor">
+        <a:schemeClr val="lt1"/>
+      </a:fontRef>
+    </dgm:style>
+  </dgm:styleLbl>
+  <dgm:styleLbl name="asst3">
+    <dgm:scene3d>
+      <a:camera prst="orthographicFront"/>
+      <a:lightRig rig="threePt" dir="t"/>
+    </dgm:scene3d>
+    <dgm:sp3d/>
+    <dgm:txPr/>
+    <dgm:style>
+      <a:lnRef idx="2">
+        <a:scrgbClr r="0" g="0" b="0"/>
+      </a:lnRef>
+      <a:fillRef idx="1">
+        <a:scrgbClr r="0" g="0" b="0"/>
+      </a:fillRef>
+      <a:effectRef idx="0">
+        <a:scrgbClr r="0" g="0" b="0"/>
+      </a:effectRef>
+      <a:fontRef idx="minor">
+        <a:schemeClr val="lt1"/>
+      </a:fontRef>
+    </dgm:style>
+  </dgm:styleLbl>
+  <dgm:styleLbl name="asst4">
+    <dgm:scene3d>
+      <a:camera prst="orthographicFront"/>
+      <a:lightRig rig="threePt" dir="t"/>
+    </dgm:scene3d>
+    <dgm:sp3d/>
+    <dgm:txPr/>
+    <dgm:style>
+      <a:lnRef idx="2">
+        <a:scrgbClr r="0" g="0" b="0"/>
+      </a:lnRef>
+      <a:fillRef idx="1">
+        <a:scrgbClr r="0" g="0" b="0"/>
+      </a:fillRef>
+      <a:effectRef idx="0">
+        <a:scrgbClr r="0" g="0" b="0"/>
+      </a:effectRef>
+      <a:fontRef idx="minor">
+        <a:schemeClr val="lt1"/>
+      </a:fontRef>
+    </dgm:style>
+  </dgm:styleLbl>
+  <dgm:styleLbl name="parChTrans2D1">
+    <dgm:scene3d>
+      <a:camera prst="orthographicFront"/>
+      <a:lightRig rig="threePt" dir="t"/>
+    </dgm:scene3d>
+    <dgm:sp3d/>
+    <dgm:txPr/>
+    <dgm:style>
+      <a:lnRef idx="2">
+        <a:scrgbClr r="0" g="0" b="0"/>
+      </a:lnRef>
+      <a:fillRef idx="1">
+        <a:scrgbClr r="0" g="0" b="0"/>
+      </a:fillRef>
+      <a:effectRef idx="0">
+        <a:scrgbClr r="0" g="0" b="0"/>
+      </a:effectRef>
+      <a:fontRef idx="minor">
+        <a:schemeClr val="lt1"/>
+      </a:fontRef>
+    </dgm:style>
+  </dgm:styleLbl>
+  <dgm:styleLbl name="parChTrans2D2">
+    <dgm:scene3d>
+      <a:camera prst="orthographicFront"/>
+      <a:lightRig rig="threePt" dir="t"/>
+    </dgm:scene3d>
+    <dgm:sp3d/>
+    <dgm:txPr/>
+    <dgm:style>
+      <a:lnRef idx="2">
+        <a:scrgbClr r="0" g="0" b="0"/>
+      </a:lnRef>
+      <a:fillRef idx="1">
+        <a:scrgbClr r="0" g="0" b="0"/>
+      </a:fillRef>
+      <a:effectRef idx="0">
+        <a:scrgbClr r="0" g="0" b="0"/>
+      </a:effectRef>
+      <a:fontRef idx="minor">
+        <a:schemeClr val="lt1"/>
+      </a:fontRef>
+    </dgm:style>
+  </dgm:styleLbl>
+  <dgm:styleLbl name="parChTrans2D3">
+    <dgm:scene3d>
+      <a:camera prst="orthographicFront"/>
+      <a:lightRig rig="threePt" dir="t"/>
+    </dgm:scene3d>
+    <dgm:sp3d/>
+    <dgm:txPr/>
+    <dgm:style>
+      <a:lnRef idx="2">
+        <a:scrgbClr r="0" g="0" b="0"/>
+      </a:lnRef>
+      <a:fillRef idx="1">
+        <a:scrgbClr r="0" g="0" b="0"/>
+      </a:fillRef>
+      <a:effectRef idx="0">
+        <a:scrgbClr r="0" g="0" b="0"/>
+      </a:effectRef>
+      <a:fontRef idx="minor">
+        <a:schemeClr val="lt1"/>
+      </a:fontRef>
+    </dgm:style>
+  </dgm:styleLbl>
+  <dgm:styleLbl name="parChTrans2D4">
+    <dgm:scene3d>
+      <a:camera prst="orthographicFront"/>
+      <a:lightRig rig="threePt" dir="t"/>
+    </dgm:scene3d>
+    <dgm:sp3d/>
+    <dgm:txPr/>
+    <dgm:style>
+      <a:lnRef idx="2">
+        <a:scrgbClr r="0" g="0" b="0"/>
+      </a:lnRef>
+      <a:fillRef idx="1">
+        <a:scrgbClr r="0" g="0" b="0"/>
+      </a:fillRef>
+      <a:effectRef idx="0">
+        <a:scrgbClr r="0" g="0" b="0"/>
+      </a:effectRef>
+      <a:fontRef idx="minor">
+        <a:schemeClr val="lt1"/>
+      </a:fontRef>
+    </dgm:style>
+  </dgm:styleLbl>
+  <dgm:styleLbl name="parChTrans1D1">
+    <dgm:scene3d>
+      <a:camera prst="orthographicFront"/>
+      <a:lightRig rig="threePt" dir="t"/>
+    </dgm:scene3d>
+    <dgm:sp3d/>
+    <dgm:txPr/>
+    <dgm:style>
+      <a:lnRef idx="2">
+        <a:scrgbClr r="0" g="0" b="0"/>
+      </a:lnRef>
+      <a:fillRef idx="0">
+        <a:scrgbClr r="0" g="0" b="0"/>
+      </a:fillRef>
+      <a:effectRef idx="0">
+        <a:scrgbClr r="0" g="0" b="0"/>
+      </a:effectRef>
+      <a:fontRef idx="minor"/>
+    </dgm:style>
+  </dgm:styleLbl>
+  <dgm:styleLbl name="parChTrans1D2">
+    <dgm:scene3d>
+      <a:camera prst="orthographicFront"/>
+      <a:lightRig rig="threePt" dir="t"/>
+    </dgm:scene3d>
+    <dgm:sp3d/>
+    <dgm:txPr/>
+    <dgm:style>
+      <a:lnRef idx="2">
+        <a:scrgbClr r="0" g="0" b="0"/>
+      </a:lnRef>
+      <a:fillRef idx="0">
+        <a:scrgbClr r="0" g="0" b="0"/>
+      </a:fillRef>
+      <a:effectRef idx="0">
+        <a:scrgbClr r="0" g="0" b="0"/>
+      </a:effectRef>
+      <a:fontRef idx="minor"/>
+    </dgm:style>
+  </dgm:styleLbl>
+  <dgm:styleLbl name="parChTrans1D3">
+    <dgm:scene3d>
+      <a:camera prst="orthographicFront"/>
+      <a:lightRig rig="threePt" dir="t"/>
+    </dgm:scene3d>
+    <dgm:sp3d/>
+    <dgm:txPr/>
+    <dgm:style>
+      <a:lnRef idx="2">
+        <a:scrgbClr r="0" g="0" b="0"/>
+      </a:lnRef>
+      <a:fillRef idx="0">
+        <a:scrgbClr r="0" g="0" b="0"/>
+      </a:fillRef>
+      <a:effectRef idx="0">
+        <a:scrgbClr r="0" g="0" b="0"/>
+      </a:effectRef>
+      <a:fontRef idx="minor"/>
+    </dgm:style>
+  </dgm:styleLbl>
+  <dgm:styleLbl name="parChTrans1D4">
+    <dgm:scene3d>
+      <a:camera prst="orthographicFront"/>
+      <a:lightRig rig="threePt" dir="t"/>
+    </dgm:scene3d>
+    <dgm:sp3d/>
+    <dgm:txPr/>
+    <dgm:style>
+      <a:lnRef idx="2">
+        <a:scrgbClr r="0" g="0" b="0"/>
+      </a:lnRef>
+      <a:fillRef idx="0">
+        <a:scrgbClr r="0" g="0" b="0"/>
+      </a:fillRef>
+      <a:effectRef idx="0">
+        <a:scrgbClr r="0" g="0" b="0"/>
+      </a:effectRef>
+      <a:fontRef idx="minor"/>
+    </dgm:style>
+  </dgm:styleLbl>
+  <dgm:styleLbl name="fgAcc1">
+    <dgm:scene3d>
+      <a:camera prst="orthographicFront"/>
+      <a:lightRig rig="threePt" dir="t"/>
+    </dgm:scene3d>
+    <dgm:sp3d/>
+    <dgm:txPr/>
+    <dgm:style>
+      <a:lnRef idx="2">
+        <a:scrgbClr r="0" g="0" b="0"/>
+      </a:lnRef>
+      <a:fillRef idx="1">
+        <a:scrgbClr r="0" g="0" b="0"/>
+      </a:fillRef>
+      <a:effectRef idx="0">
+        <a:scrgbClr r="0" g="0" b="0"/>
+      </a:effectRef>
+      <a:fontRef idx="minor"/>
+    </dgm:style>
+  </dgm:styleLbl>
+  <dgm:styleLbl name="conFgAcc1">
+    <dgm:scene3d>
+      <a:camera prst="orthographicFront"/>
+      <a:lightRig rig="threePt" dir="t"/>
+    </dgm:scene3d>
+    <dgm:sp3d/>
+    <dgm:txPr/>
+    <dgm:style>
+      <a:lnRef idx="2">
+        <a:scrgbClr r="0" g="0" b="0"/>
+      </a:lnRef>
+      <a:fillRef idx="1">
+        <a:scrgbClr r="0" g="0" b="0"/>
+      </a:fillRef>
+      <a:effectRef idx="0">
+        <a:scrgbClr r="0" g="0" b="0"/>
+      </a:effectRef>
+      <a:fontRef idx="minor"/>
+    </dgm:style>
+  </dgm:styleLbl>
+  <dgm:styleLbl name="alignAcc1">
+    <dgm:scene3d>
+      <a:camera prst="orthographicFront"/>
+      <a:lightRig rig="threePt" dir="t"/>
+    </dgm:scene3d>
+    <dgm:sp3d/>
+    <dgm:txPr/>
+    <dgm:style>
+      <a:lnRef idx="2">
+        <a:scrgbClr r="0" g="0" b="0"/>
+      </a:lnRef>
+      <a:fillRef idx="1">
+        <a:scrgbClr r="0" g="0" b="0"/>
+      </a:fillRef>
+      <a:effectRef idx="0">
+        <a:scrgbClr r="0" g="0" b="0"/>
+      </a:effectRef>
+      <a:fontRef idx="minor"/>
+    </dgm:style>
+  </dgm:styleLbl>
+  <dgm:styleLbl name="trAlignAcc1">
+    <dgm:scene3d>
+      <a:camera prst="orthographicFront"/>
+      <a:lightRig rig="threePt" dir="t"/>
+    </dgm:scene3d>
+    <dgm:sp3d/>
+    <dgm:txPr/>
+    <dgm:style>
+      <a:lnRef idx="1">
+        <a:scrgbClr r="0" g="0" b="0"/>
+      </a:lnRef>
+      <a:fillRef idx="1">
+        <a:scrgbClr r="0" g="0" b="0"/>
+      </a:fillRef>
+      <a:effectRef idx="0">
+        <a:scrgbClr r="0" g="0" b="0"/>
+      </a:effectRef>
+      <a:fontRef idx="minor"/>
+    </dgm:style>
+  </dgm:styleLbl>
+  <dgm:styleLbl name="bgAcc1">
+    <dgm:scene3d>
+      <a:camera prst="orthographicFront"/>
+      <a:lightRig rig="threePt" dir="t"/>
+    </dgm:scene3d>
+    <dgm:sp3d/>
+    <dgm:txPr/>
+    <dgm:style>
+      <a:lnRef idx="2">
+        <a:scrgbClr r="0" g="0" b="0"/>
+      </a:lnRef>
+      <a:fillRef idx="1">
+        <a:scrgbClr r="0" g="0" b="0"/>
+      </a:fillRef>
+      <a:effectRef idx="0">
+        <a:scrgbClr r="0" g="0" b="0"/>
+      </a:effectRef>
+      <a:fontRef idx="minor"/>
+    </dgm:style>
+  </dgm:styleLbl>
+  <dgm:styleLbl name="solidFgAcc1">
+    <dgm:scene3d>
+      <a:camera prst="orthographicFront"/>
+      <a:lightRig rig="threePt" dir="t"/>
+    </dgm:scene3d>
+    <dgm:sp3d/>
+    <dgm:txPr/>
+    <dgm:style>
+      <a:lnRef idx="2">
+        <a:scrgbClr r="0" g="0" b="0"/>
+      </a:lnRef>
+      <a:fillRef idx="1">
+        <a:scrgbClr r="0" g="0" b="0"/>
+      </a:fillRef>
+      <a:effectRef idx="0">
+        <a:scrgbClr r="0" g="0" b="0"/>
+      </a:effectRef>
+      <a:fontRef idx="minor"/>
+    </dgm:style>
+  </dgm:styleLbl>
+  <dgm:styleLbl name="solidAlignAcc1">
+    <dgm:scene3d>
+      <a:camera prst="orthographicFront"/>
+      <a:lightRig rig="threePt" dir="t"/>
+    </dgm:scene3d>
+    <dgm:sp3d/>
+    <dgm:txPr/>
+    <dgm:style>
+      <a:lnRef idx="2">
+        <a:scrgbClr r="0" g="0" b="0"/>
+      </a:lnRef>
+      <a:fillRef idx="1">
+        <a:scrgbClr r="0" g="0" b="0"/>
+      </a:fillRef>
+      <a:effectRef idx="0">
+        <a:scrgbClr r="0" g="0" b="0"/>
+      </a:effectRef>
+      <a:fontRef idx="minor"/>
+    </dgm:style>
+  </dgm:styleLbl>
+  <dgm:styleLbl name="solidBgAcc1">
+    <dgm:scene3d>
+      <a:camera prst="orthographicFront"/>
+      <a:lightRig rig="threePt" dir="t"/>
+    </dgm:scene3d>
+    <dgm:sp3d/>
+    <dgm:txPr/>
+    <dgm:style>
+      <a:lnRef idx="2">
+        <a:scrgbClr r="0" g="0" b="0"/>
+      </a:lnRef>
+      <a:fillRef idx="1">
+        <a:scrgbClr r="0" g="0" b="0"/>
+      </a:fillRef>
+      <a:effectRef idx="0">
+        <a:scrgbClr r="0" g="0" b="0"/>
+      </a:effectRef>
+      <a:fontRef idx="minor"/>
+    </dgm:style>
+  </dgm:styleLbl>
+  <dgm:styleLbl name="fgAccFollowNode1">
+    <dgm:scene3d>
+      <a:camera prst="orthographicFront"/>
+      <a:lightRig rig="threePt" dir="t"/>
+    </dgm:scene3d>
+    <dgm:sp3d/>
+    <dgm:txPr/>
+    <dgm:style>
+      <a:lnRef idx="2">
+        <a:scrgbClr r="0" g="0" b="0"/>
+      </a:lnRef>
+      <a:fillRef idx="1">
+        <a:scrgbClr r="0" g="0" b="0"/>
+      </a:fillRef>
+      <a:effectRef idx="0">
+        <a:scrgbClr r="0" g="0" b="0"/>
+      </a:effectRef>
+      <a:fontRef idx="minor"/>
+    </dgm:style>
+  </dgm:styleLbl>
+  <dgm:styleLbl name="alignAccFollowNode1">
+    <dgm:scene3d>
+      <a:camera prst="orthographicFront"/>
+      <a:lightRig rig="threePt" dir="t"/>
+    </dgm:scene3d>
+    <dgm:sp3d/>
+    <dgm:txPr/>
+    <dgm:style>
+      <a:lnRef idx="2">
+        <a:scrgbClr r="0" g="0" b="0"/>
+      </a:lnRef>
+      <a:fillRef idx="1">
+        <a:scrgbClr r="0" g="0" b="0"/>
+      </a:fillRef>
+      <a:effectRef idx="0">
+        <a:scrgbClr r="0" g="0" b="0"/>
+      </a:effectRef>
+      <a:fontRef idx="minor"/>
+    </dgm:style>
+  </dgm:styleLbl>
+  <dgm:styleLbl name="bgAccFollowNode1">
+    <dgm:scene3d>
+      <a:camera prst="orthographicFront"/>
+      <a:lightRig rig="threePt" dir="t"/>
+    </dgm:scene3d>
+    <dgm:sp3d/>
+    <dgm:txPr/>
+    <dgm:style>
+      <a:lnRef idx="2">
+        <a:scrgbClr r="0" g="0" b="0"/>
+      </a:lnRef>
+      <a:fillRef idx="1">
+        <a:scrgbClr r="0" g="0" b="0"/>
+      </a:fillRef>
+      <a:effectRef idx="0">
+        <a:scrgbClr r="0" g="0" b="0"/>
+      </a:effectRef>
+      <a:fontRef idx="minor"/>
+    </dgm:style>
+  </dgm:styleLbl>
+  <dgm:styleLbl name="fgAcc0">
+    <dgm:scene3d>
+      <a:camera prst="orthographicFront"/>
+      <a:lightRig rig="threePt" dir="t"/>
+    </dgm:scene3d>
+    <dgm:sp3d/>
+    <dgm:txPr/>
+    <dgm:style>
+      <a:lnRef idx="2">
+        <a:scrgbClr r="0" g="0" b="0"/>
+      </a:lnRef>
+      <a:fillRef idx="1">
+        <a:scrgbClr r="0" g="0" b="0"/>
+      </a:fillRef>
+      <a:effectRef idx="0">
+        <a:scrgbClr r="0" g="0" b="0"/>
+      </a:effectRef>
+      <a:fontRef idx="minor"/>
+    </dgm:style>
+  </dgm:styleLbl>
+  <dgm:styleLbl name="fgAcc2">
+    <dgm:scene3d>
+      <a:camera prst="orthographicFront"/>
+      <a:lightRig rig="threePt" dir="t"/>
+    </dgm:scene3d>
+    <dgm:sp3d/>
+    <dgm:txPr/>
+    <dgm:style>
+      <a:lnRef idx="2">
+        <a:scrgbClr r="0" g="0" b="0"/>
+      </a:lnRef>
+      <a:fillRef idx="1">
+        <a:scrgbClr r="0" g="0" b="0"/>
+      </a:fillRef>
+      <a:effectRef idx="0">
+        <a:scrgbClr r="0" g="0" b="0"/>
+      </a:effectRef>
+      <a:fontRef idx="minor"/>
+    </dgm:style>
+  </dgm:styleLbl>
+  <dgm:styleLbl name="fgAcc3">
+    <dgm:scene3d>
+      <a:camera prst="orthographicFront"/>
+      <a:lightRig rig="threePt" dir="t"/>
+    </dgm:scene3d>
+    <dgm:sp3d/>
+    <dgm:txPr/>
+    <dgm:style>
+      <a:lnRef idx="2">
+        <a:scrgbClr r="0" g="0" b="0"/>
+      </a:lnRef>
+      <a:fillRef idx="1">
+        <a:scrgbClr r="0" g="0" b="0"/>
+      </a:fillRef>
+      <a:effectRef idx="0">
+        <a:scrgbClr r="0" g="0" b="0"/>
+      </a:effectRef>
+      <a:fontRef idx="minor"/>
+    </dgm:style>
+  </dgm:styleLbl>
+  <dgm:styleLbl name="fgAcc4">
+    <dgm:scene3d>
+      <a:camera prst="orthographicFront"/>
+      <a:lightRig rig="threePt" dir="t"/>
+    </dgm:scene3d>
+    <dgm:sp3d/>
+    <dgm:txPr/>
+    <dgm:style>
+      <a:lnRef idx="2">
+        <a:scrgbClr r="0" g="0" b="0"/>
+      </a:lnRef>
+      <a:fillRef idx="1">
+        <a:scrgbClr r="0" g="0" b="0"/>
+      </a:fillRef>
+      <a:effectRef idx="0">
+        <a:scrgbClr r="0" g="0" b="0"/>
+      </a:effectRef>
+      <a:fontRef idx="minor"/>
+    </dgm:style>
+  </dgm:styleLbl>
+  <dgm:styleLbl name="bgShp">
+    <dgm:scene3d>
+      <a:camera prst="orthographicFront"/>
+      <a:lightRig rig="threePt" dir="t"/>
+    </dgm:scene3d>
+    <dgm:sp3d/>
+    <dgm:txPr/>
+    <dgm:style>
+      <a:lnRef idx="0">
+        <a:scrgbClr r="0" g="0" b="0"/>
+      </a:lnRef>
+      <a:fillRef idx="1">
+        <a:scrgbClr r="0" g="0" b="0"/>
+      </a:fillRef>
+      <a:effectRef idx="0">
+        <a:scrgbClr r="0" g="0" b="0"/>
+      </a:effectRef>
+      <a:fontRef idx="minor"/>
+    </dgm:style>
+  </dgm:styleLbl>
+  <dgm:styleLbl name="dkBgShp">
+    <dgm:scene3d>
+      <a:camera prst="orthographicFront"/>
+      <a:lightRig rig="threePt" dir="t"/>
+    </dgm:scene3d>
+    <dgm:sp3d/>
+    <dgm:txPr/>
+    <dgm:style>
+      <a:lnRef idx="0">
+        <a:scrgbClr r="0" g="0" b="0"/>
+      </a:lnRef>
+      <a:fillRef idx="1">
+        <a:scrgbClr r="0" g="0" b="0"/>
+      </a:fillRef>
+      <a:effectRef idx="0">
+        <a:scrgbClr r="0" g="0" b="0"/>
+      </a:effectRef>
+      <a:fontRef idx="minor"/>
+    </dgm:style>
+  </dgm:styleLbl>
+  <dgm:styleLbl name="trBgShp">
+    <dgm:scene3d>
+      <a:camera prst="orthographicFront"/>
+      <a:lightRig rig="threePt" dir="t"/>
+    </dgm:scene3d>
+    <dgm:sp3d/>
+    <dgm:txPr/>
+    <dgm:style>
+      <a:lnRef idx="0">
+        <a:scrgbClr r="0" g="0" b="0"/>
+      </a:lnRef>
+      <a:fillRef idx="1">
+        <a:scrgbClr r="0" g="0" b="0"/>
+      </a:fillRef>
+      <a:effectRef idx="0">
+        <a:scrgbClr r="0" g="0" b="0"/>
+      </a:effectRef>
+      <a:fontRef idx="minor"/>
+    </dgm:style>
+  </dgm:styleLbl>
+  <dgm:styleLbl name="fgShp">
+    <dgm:scene3d>
+      <a:camera prst="orthographicFront"/>
+      <a:lightRig rig="threePt" dir="t"/>
+    </dgm:scene3d>
+    <dgm:sp3d/>
+    <dgm:txPr/>
+    <dgm:style>
+      <a:lnRef idx="2">
+        <a:scrgbClr r="0" g="0" b="0"/>
+      </a:lnRef>
+      <a:fillRef idx="1">
+        <a:scrgbClr r="0" g="0" b="0"/>
+      </a:fillRef>
+      <a:effectRef idx="0">
+        <a:scrgbClr r="0" g="0" b="0"/>
+      </a:effectRef>
+      <a:fontRef idx="minor"/>
+    </dgm:style>
+  </dgm:styleLbl>
+  <dgm:styleLbl name="revTx">
+    <dgm:scene3d>
+      <a:camera prst="orthographicFront"/>
+      <a:lightRig rig="threePt" dir="t"/>
+    </dgm:scene3d>
+    <dgm:sp3d/>
+    <dgm:txPr/>
+    <dgm:style>
+      <a:lnRef idx="0">
+        <a:scrgbClr r="0" g="0" b="0"/>
+      </a:lnRef>
+      <a:fillRef idx="0">
+        <a:scrgbClr r="0" g="0" b="0"/>
+      </a:fillRef>
+      <a:effectRef idx="0">
+        <a:scrgbClr r="0" g="0" b="0"/>
+      </a:effectRef>
+      <a:fontRef idx="minor"/>
+    </dgm:style>
+  </dgm:styleLbl>
+</dgm:styleDef>
+</file>
+
+<file path=ppt/diagrams/quickStyle7.xml><?xml version="1.0" encoding="utf-8"?>
 <dgm:styleDef xmlns:dgm="http://schemas.openxmlformats.org/drawingml/2006/diagram" xmlns:a="http://schemas.openxmlformats.org/drawingml/2006/main" uniqueId="urn:microsoft.com/office/officeart/2005/8/quickstyle/simple1">
   <dgm:title val=""/>
   <dgm:desc val=""/>
@@ -25282,6 +31294,67 @@
 </p:sld>
 </file>
 
+<file path=ppt/slides/slide10.xml><?xml version="1.0" encoding="utf-8"?>
+<p:sld xmlns:a="http://schemas.openxmlformats.org/drawingml/2006/main" xmlns:r="http://schemas.openxmlformats.org/officeDocument/2006/relationships" xmlns:p="http://schemas.openxmlformats.org/presentationml/2006/main">
+  <p:cSld>
+    <p:spTree>
+      <p:nvGrpSpPr>
+        <p:cNvPr id="1" name=""/>
+        <p:cNvGrpSpPr/>
+        <p:nvPr/>
+      </p:nvGrpSpPr>
+      <p:grpSpPr>
+        <a:xfrm>
+          <a:off x="0" y="0"/>
+          <a:ext cx="0" cy="0"/>
+          <a:chOff x="0" y="0"/>
+          <a:chExt cx="0" cy="0"/>
+        </a:xfrm>
+      </p:grpSpPr>
+      <p:graphicFrame>
+        <p:nvGraphicFramePr>
+          <p:cNvPr id="4" name="Content Placeholder 3">
+            <a:extLst>
+              <a:ext uri="{FF2B5EF4-FFF2-40B4-BE49-F238E27FC236}">
+                <a16:creationId xmlns:a16="http://schemas.microsoft.com/office/drawing/2014/main" id="{E59EE799-D428-B18B-F941-8E4F96844163}"/>
+              </a:ext>
+            </a:extLst>
+          </p:cNvPr>
+          <p:cNvGraphicFramePr>
+            <a:graphicFrameLocks noGrp="1"/>
+          </p:cNvGraphicFramePr>
+          <p:nvPr>
+            <p:ph idx="1"/>
+            <p:extLst>
+              <p:ext uri="{D42A27DB-BD31-4B8C-83A1-F6EECF244321}">
+                <p14:modId xmlns:p14="http://schemas.microsoft.com/office/powerpoint/2010/main" val="274332087"/>
+              </p:ext>
+            </p:extLst>
+          </p:nvPr>
+        </p:nvGraphicFramePr>
+        <p:xfrm>
+          <a:off x="838200" y="365125"/>
+          <a:ext cx="10515600" cy="5811838"/>
+        </p:xfrm>
+        <a:graphic>
+          <a:graphicData uri="http://schemas.openxmlformats.org/drawingml/2006/diagram">
+            <dgm:relIds xmlns:dgm="http://schemas.openxmlformats.org/drawingml/2006/diagram" xmlns:r="http://schemas.openxmlformats.org/officeDocument/2006/relationships" r:dm="rId2" r:lo="rId3" r:qs="rId4" r:cs="rId5"/>
+          </a:graphicData>
+        </a:graphic>
+      </p:graphicFrame>
+    </p:spTree>
+    <p:extLst>
+      <p:ext uri="{BB962C8B-B14F-4D97-AF65-F5344CB8AC3E}">
+        <p14:creationId xmlns:p14="http://schemas.microsoft.com/office/powerpoint/2010/main" val="3404919231"/>
+      </p:ext>
+    </p:extLst>
+  </p:cSld>
+  <p:clrMapOvr>
+    <a:masterClrMapping/>
+  </p:clrMapOvr>
+</p:sld>
+</file>
+
 <file path=ppt/slides/slide2.xml><?xml version="1.0" encoding="utf-8"?>
 <p:sld xmlns:a="http://schemas.openxmlformats.org/drawingml/2006/main" xmlns:r="http://schemas.openxmlformats.org/officeDocument/2006/relationships" xmlns:p="http://schemas.openxmlformats.org/presentationml/2006/main">
   <p:cSld>
@@ -25754,6 +31827,67 @@
 </p:sld>
 </file>
 
+<file path=ppt/slides/slide9.xml><?xml version="1.0" encoding="utf-8"?>
+<p:sld xmlns:a="http://schemas.openxmlformats.org/drawingml/2006/main" xmlns:r="http://schemas.openxmlformats.org/officeDocument/2006/relationships" xmlns:p="http://schemas.openxmlformats.org/presentationml/2006/main">
+  <p:cSld>
+    <p:spTree>
+      <p:nvGrpSpPr>
+        <p:cNvPr id="1" name=""/>
+        <p:cNvGrpSpPr/>
+        <p:nvPr/>
+      </p:nvGrpSpPr>
+      <p:grpSpPr>
+        <a:xfrm>
+          <a:off x="0" y="0"/>
+          <a:ext cx="0" cy="0"/>
+          <a:chOff x="0" y="0"/>
+          <a:chExt cx="0" cy="0"/>
+        </a:xfrm>
+      </p:grpSpPr>
+      <p:graphicFrame>
+        <p:nvGraphicFramePr>
+          <p:cNvPr id="4" name="Content Placeholder 3">
+            <a:extLst>
+              <a:ext uri="{FF2B5EF4-FFF2-40B4-BE49-F238E27FC236}">
+                <a16:creationId xmlns:a16="http://schemas.microsoft.com/office/drawing/2014/main" id="{E59EE799-D428-B18B-F941-8E4F96844163}"/>
+              </a:ext>
+            </a:extLst>
+          </p:cNvPr>
+          <p:cNvGraphicFramePr>
+            <a:graphicFrameLocks noGrp="1"/>
+          </p:cNvGraphicFramePr>
+          <p:nvPr>
+            <p:ph idx="1"/>
+            <p:extLst>
+              <p:ext uri="{D42A27DB-BD31-4B8C-83A1-F6EECF244321}">
+                <p14:modId xmlns:p14="http://schemas.microsoft.com/office/powerpoint/2010/main" val="3124720445"/>
+              </p:ext>
+            </p:extLst>
+          </p:nvPr>
+        </p:nvGraphicFramePr>
+        <p:xfrm>
+          <a:off x="838200" y="365125"/>
+          <a:ext cx="10515600" cy="5811838"/>
+        </p:xfrm>
+        <a:graphic>
+          <a:graphicData uri="http://schemas.openxmlformats.org/drawingml/2006/diagram">
+            <dgm:relIds xmlns:dgm="http://schemas.openxmlformats.org/drawingml/2006/diagram" xmlns:r="http://schemas.openxmlformats.org/officeDocument/2006/relationships" r:dm="rId2" r:lo="rId3" r:qs="rId4" r:cs="rId5"/>
+          </a:graphicData>
+        </a:graphic>
+      </p:graphicFrame>
+    </p:spTree>
+    <p:extLst>
+      <p:ext uri="{BB962C8B-B14F-4D97-AF65-F5344CB8AC3E}">
+        <p14:creationId xmlns:p14="http://schemas.microsoft.com/office/powerpoint/2010/main" val="310869083"/>
+      </p:ext>
+    </p:extLst>
+  </p:cSld>
+  <p:clrMapOvr>
+    <a:masterClrMapping/>
+  </p:clrMapOvr>
+</p:sld>
+</file>
+
 <file path=ppt/theme/theme1.xml><?xml version="1.0" encoding="utf-8"?>
 <a:theme xmlns:a="http://schemas.openxmlformats.org/drawingml/2006/main" name="Office Theme">
   <a:themeElements>

--- a/Official/Design.pptx
+++ b/Official/Design.pptx
@@ -15,6 +15,7 @@
     <p:sldId id="264" r:id="rId9"/>
     <p:sldId id="265" r:id="rId10"/>
     <p:sldId id="266" r:id="rId11"/>
+    <p:sldId id="268" r:id="rId12"/>
   </p:sldIdLst>
   <p:sldSz cx="12192000" cy="6858000"/>
   <p:notesSz cx="6858000" cy="9144000"/>
@@ -31355,6 +31356,93 @@
 </p:sld>
 </file>
 
+<file path=ppt/slides/slide11.xml><?xml version="1.0" encoding="utf-8"?>
+<p:sld xmlns:a="http://schemas.openxmlformats.org/drawingml/2006/main" xmlns:r="http://schemas.openxmlformats.org/officeDocument/2006/relationships" xmlns:p="http://schemas.openxmlformats.org/presentationml/2006/main">
+  <p:cSld>
+    <p:spTree>
+      <p:nvGrpSpPr>
+        <p:cNvPr id="1" name=""/>
+        <p:cNvGrpSpPr/>
+        <p:nvPr/>
+      </p:nvGrpSpPr>
+      <p:grpSpPr>
+        <a:xfrm>
+          <a:off x="0" y="0"/>
+          <a:ext cx="0" cy="0"/>
+          <a:chOff x="0" y="0"/>
+          <a:chExt cx="0" cy="0"/>
+        </a:xfrm>
+      </p:grpSpPr>
+      <p:sp>
+        <p:nvSpPr>
+          <p:cNvPr id="2" name="Title 1">
+            <a:extLst>
+              <a:ext uri="{FF2B5EF4-FFF2-40B4-BE49-F238E27FC236}">
+                <a16:creationId xmlns:a16="http://schemas.microsoft.com/office/drawing/2014/main" id="{5567631C-AD2C-03CF-D1A0-2786FDE39B15}"/>
+              </a:ext>
+            </a:extLst>
+          </p:cNvPr>
+          <p:cNvSpPr>
+            <a:spLocks noGrp="1"/>
+          </p:cNvSpPr>
+          <p:nvPr>
+            <p:ph type="title"/>
+          </p:nvPr>
+        </p:nvSpPr>
+        <p:spPr/>
+        <p:txBody>
+          <a:bodyPr/>
+          <a:lstStyle/>
+          <a:p>
+            <a:r>
+              <a:rPr lang="en-PH" dirty="0"/>
+              <a:t>Target Heroku Domain</a:t>
+            </a:r>
+          </a:p>
+        </p:txBody>
+      </p:sp>
+      <p:sp>
+        <p:nvSpPr>
+          <p:cNvPr id="3" name="Text Placeholder 2">
+            <a:extLst>
+              <a:ext uri="{FF2B5EF4-FFF2-40B4-BE49-F238E27FC236}">
+                <a16:creationId xmlns:a16="http://schemas.microsoft.com/office/drawing/2014/main" id="{15E8E8F9-DE56-CF86-DE05-641BB90DD944}"/>
+              </a:ext>
+            </a:extLst>
+          </p:cNvPr>
+          <p:cNvSpPr>
+            <a:spLocks noGrp="1"/>
+          </p:cNvSpPr>
+          <p:nvPr>
+            <p:ph type="body" idx="1"/>
+          </p:nvPr>
+        </p:nvSpPr>
+        <p:spPr/>
+        <p:txBody>
+          <a:bodyPr/>
+          <a:lstStyle/>
+          <a:p>
+            <a:r>
+              <a:rPr lang="en-PH"/>
+              <a:t>https://budolfinds.herokuapp.com</a:t>
+            </a:r>
+            <a:endParaRPr lang="en-PH" dirty="0"/>
+          </a:p>
+        </p:txBody>
+      </p:sp>
+    </p:spTree>
+    <p:extLst>
+      <p:ext uri="{BB962C8B-B14F-4D97-AF65-F5344CB8AC3E}">
+        <p14:creationId xmlns:p14="http://schemas.microsoft.com/office/powerpoint/2010/main" val="3281672567"/>
+      </p:ext>
+    </p:extLst>
+  </p:cSld>
+  <p:clrMapOvr>
+    <a:masterClrMapping/>
+  </p:clrMapOvr>
+</p:sld>
+</file>
+
 <file path=ppt/slides/slide2.xml><?xml version="1.0" encoding="utf-8"?>
 <p:sld xmlns:a="http://schemas.openxmlformats.org/drawingml/2006/main" xmlns:r="http://schemas.openxmlformats.org/officeDocument/2006/relationships" xmlns:p="http://schemas.openxmlformats.org/presentationml/2006/main">
   <p:cSld>

--- a/Official/Design.pptx
+++ b/Official/Design.pptx
@@ -12,10 +12,9 @@
     <p:sldId id="259" r:id="rId6"/>
     <p:sldId id="260" r:id="rId7"/>
     <p:sldId id="261" r:id="rId8"/>
-    <p:sldId id="264" r:id="rId9"/>
-    <p:sldId id="265" r:id="rId10"/>
-    <p:sldId id="266" r:id="rId11"/>
-    <p:sldId id="268" r:id="rId12"/>
+    <p:sldId id="265" r:id="rId9"/>
+    <p:sldId id="266" r:id="rId10"/>
+    <p:sldId id="268" r:id="rId11"/>
   </p:sldIdLst>
   <p:sldSz cx="12192000" cy="6858000"/>
   <p:notesSz cx="6858000" cy="9144000"/>
@@ -3869,753 +3868,6 @@
 </file>
 
 <file path=ppt/diagrams/colors6.xml><?xml version="1.0" encoding="utf-8"?>
-<dgm:colorsDef xmlns:dgm="http://schemas.openxmlformats.org/drawingml/2006/diagram" xmlns:a="http://schemas.openxmlformats.org/drawingml/2006/main" uniqueId="urn:microsoft.com/office/officeart/2005/8/colors/accent1_2">
-  <dgm:title val=""/>
-  <dgm:desc val=""/>
-  <dgm:catLst>
-    <dgm:cat type="accent1" pri="11200"/>
-  </dgm:catLst>
-  <dgm:styleLbl name="node0">
-    <dgm:fillClrLst meth="repeat">
-      <a:schemeClr val="accent1"/>
-    </dgm:fillClrLst>
-    <dgm:linClrLst meth="repeat">
-      <a:schemeClr val="lt1"/>
-    </dgm:linClrLst>
-    <dgm:effectClrLst/>
-    <dgm:txLinClrLst/>
-    <dgm:txFillClrLst/>
-    <dgm:txEffectClrLst/>
-  </dgm:styleLbl>
-  <dgm:styleLbl name="alignNode1">
-    <dgm:fillClrLst meth="repeat">
-      <a:schemeClr val="accent1"/>
-    </dgm:fillClrLst>
-    <dgm:linClrLst meth="repeat">
-      <a:schemeClr val="accent1"/>
-    </dgm:linClrLst>
-    <dgm:effectClrLst/>
-    <dgm:txLinClrLst/>
-    <dgm:txFillClrLst/>
-    <dgm:txEffectClrLst/>
-  </dgm:styleLbl>
-  <dgm:styleLbl name="node1">
-    <dgm:fillClrLst meth="repeat">
-      <a:schemeClr val="accent1"/>
-    </dgm:fillClrLst>
-    <dgm:linClrLst meth="repeat">
-      <a:schemeClr val="lt1"/>
-    </dgm:linClrLst>
-    <dgm:effectClrLst/>
-    <dgm:txLinClrLst/>
-    <dgm:txFillClrLst/>
-    <dgm:txEffectClrLst/>
-  </dgm:styleLbl>
-  <dgm:styleLbl name="lnNode1">
-    <dgm:fillClrLst meth="repeat">
-      <a:schemeClr val="accent1"/>
-    </dgm:fillClrLst>
-    <dgm:linClrLst meth="repeat">
-      <a:schemeClr val="lt1"/>
-    </dgm:linClrLst>
-    <dgm:effectClrLst/>
-    <dgm:txLinClrLst/>
-    <dgm:txFillClrLst/>
-    <dgm:txEffectClrLst/>
-  </dgm:styleLbl>
-  <dgm:styleLbl name="vennNode1">
-    <dgm:fillClrLst meth="repeat">
-      <a:schemeClr val="accent1">
-        <a:alpha val="50000"/>
-      </a:schemeClr>
-    </dgm:fillClrLst>
-    <dgm:linClrLst meth="repeat">
-      <a:schemeClr val="lt1"/>
-    </dgm:linClrLst>
-    <dgm:effectClrLst/>
-    <dgm:txLinClrLst/>
-    <dgm:txFillClrLst/>
-    <dgm:txEffectClrLst/>
-  </dgm:styleLbl>
-  <dgm:styleLbl name="node2">
-    <dgm:fillClrLst meth="repeat">
-      <a:schemeClr val="accent1"/>
-    </dgm:fillClrLst>
-    <dgm:linClrLst meth="repeat">
-      <a:schemeClr val="lt1"/>
-    </dgm:linClrLst>
-    <dgm:effectClrLst/>
-    <dgm:txLinClrLst/>
-    <dgm:txFillClrLst/>
-    <dgm:txEffectClrLst/>
-  </dgm:styleLbl>
-  <dgm:styleLbl name="node3">
-    <dgm:fillClrLst meth="repeat">
-      <a:schemeClr val="accent1"/>
-    </dgm:fillClrLst>
-    <dgm:linClrLst meth="repeat">
-      <a:schemeClr val="lt1"/>
-    </dgm:linClrLst>
-    <dgm:effectClrLst/>
-    <dgm:txLinClrLst/>
-    <dgm:txFillClrLst/>
-    <dgm:txEffectClrLst/>
-  </dgm:styleLbl>
-  <dgm:styleLbl name="node4">
-    <dgm:fillClrLst meth="repeat">
-      <a:schemeClr val="accent1"/>
-    </dgm:fillClrLst>
-    <dgm:linClrLst meth="repeat">
-      <a:schemeClr val="lt1"/>
-    </dgm:linClrLst>
-    <dgm:effectClrLst/>
-    <dgm:txLinClrLst/>
-    <dgm:txFillClrLst/>
-    <dgm:txEffectClrLst/>
-  </dgm:styleLbl>
-  <dgm:styleLbl name="fgImgPlace1">
-    <dgm:fillClrLst meth="repeat">
-      <a:schemeClr val="accent1">
-        <a:tint val="50000"/>
-      </a:schemeClr>
-    </dgm:fillClrLst>
-    <dgm:linClrLst meth="repeat">
-      <a:schemeClr val="lt1"/>
-    </dgm:linClrLst>
-    <dgm:effectClrLst/>
-    <dgm:txLinClrLst/>
-    <dgm:txFillClrLst meth="repeat">
-      <a:schemeClr val="lt1"/>
-    </dgm:txFillClrLst>
-    <dgm:txEffectClrLst/>
-  </dgm:styleLbl>
-  <dgm:styleLbl name="alignImgPlace1">
-    <dgm:fillClrLst meth="repeat">
-      <a:schemeClr val="accent1">
-        <a:tint val="50000"/>
-      </a:schemeClr>
-    </dgm:fillClrLst>
-    <dgm:linClrLst meth="repeat">
-      <a:schemeClr val="lt1"/>
-    </dgm:linClrLst>
-    <dgm:effectClrLst/>
-    <dgm:txLinClrLst/>
-    <dgm:txFillClrLst meth="repeat">
-      <a:schemeClr val="lt1"/>
-    </dgm:txFillClrLst>
-    <dgm:txEffectClrLst/>
-  </dgm:styleLbl>
-  <dgm:styleLbl name="bgImgPlace1">
-    <dgm:fillClrLst meth="repeat">
-      <a:schemeClr val="accent1">
-        <a:tint val="50000"/>
-      </a:schemeClr>
-    </dgm:fillClrLst>
-    <dgm:linClrLst meth="repeat">
-      <a:schemeClr val="lt1"/>
-    </dgm:linClrLst>
-    <dgm:effectClrLst/>
-    <dgm:txLinClrLst/>
-    <dgm:txFillClrLst meth="repeat">
-      <a:schemeClr val="lt1"/>
-    </dgm:txFillClrLst>
-    <dgm:txEffectClrLst/>
-  </dgm:styleLbl>
-  <dgm:styleLbl name="sibTrans2D1">
-    <dgm:fillClrLst meth="repeat">
-      <a:schemeClr val="accent1">
-        <a:tint val="60000"/>
-      </a:schemeClr>
-    </dgm:fillClrLst>
-    <dgm:linClrLst meth="repeat">
-      <a:schemeClr val="accent1">
-        <a:tint val="60000"/>
-      </a:schemeClr>
-    </dgm:linClrLst>
-    <dgm:effectClrLst/>
-    <dgm:txLinClrLst/>
-    <dgm:txFillClrLst/>
-    <dgm:txEffectClrLst/>
-  </dgm:styleLbl>
-  <dgm:styleLbl name="fgSibTrans2D1">
-    <dgm:fillClrLst meth="repeat">
-      <a:schemeClr val="accent1">
-        <a:tint val="60000"/>
-      </a:schemeClr>
-    </dgm:fillClrLst>
-    <dgm:linClrLst meth="repeat">
-      <a:schemeClr val="accent1">
-        <a:tint val="60000"/>
-      </a:schemeClr>
-    </dgm:linClrLst>
-    <dgm:effectClrLst/>
-    <dgm:txLinClrLst/>
-    <dgm:txFillClrLst/>
-    <dgm:txEffectClrLst/>
-  </dgm:styleLbl>
-  <dgm:styleLbl name="bgSibTrans2D1">
-    <dgm:fillClrLst meth="repeat">
-      <a:schemeClr val="accent1">
-        <a:tint val="60000"/>
-      </a:schemeClr>
-    </dgm:fillClrLst>
-    <dgm:linClrLst meth="repeat">
-      <a:schemeClr val="accent1">
-        <a:tint val="60000"/>
-      </a:schemeClr>
-    </dgm:linClrLst>
-    <dgm:effectClrLst/>
-    <dgm:txLinClrLst/>
-    <dgm:txFillClrLst/>
-    <dgm:txEffectClrLst/>
-  </dgm:styleLbl>
-  <dgm:styleLbl name="sibTrans1D1">
-    <dgm:fillClrLst meth="repeat">
-      <a:schemeClr val="accent1"/>
-    </dgm:fillClrLst>
-    <dgm:linClrLst meth="repeat">
-      <a:schemeClr val="accent1"/>
-    </dgm:linClrLst>
-    <dgm:effectClrLst/>
-    <dgm:txLinClrLst/>
-    <dgm:txFillClrLst meth="repeat">
-      <a:schemeClr val="tx1"/>
-    </dgm:txFillClrLst>
-    <dgm:txEffectClrLst/>
-  </dgm:styleLbl>
-  <dgm:styleLbl name="callout">
-    <dgm:fillClrLst meth="repeat">
-      <a:schemeClr val="accent1"/>
-    </dgm:fillClrLst>
-    <dgm:linClrLst meth="repeat">
-      <a:schemeClr val="accent1">
-        <a:tint val="50000"/>
-      </a:schemeClr>
-    </dgm:linClrLst>
-    <dgm:effectClrLst/>
-    <dgm:txLinClrLst/>
-    <dgm:txFillClrLst meth="repeat">
-      <a:schemeClr val="tx1"/>
-    </dgm:txFillClrLst>
-    <dgm:txEffectClrLst/>
-  </dgm:styleLbl>
-  <dgm:styleLbl name="asst0">
-    <dgm:fillClrLst meth="repeat">
-      <a:schemeClr val="accent1"/>
-    </dgm:fillClrLst>
-    <dgm:linClrLst meth="repeat">
-      <a:schemeClr val="lt1"/>
-    </dgm:linClrLst>
-    <dgm:effectClrLst/>
-    <dgm:txLinClrLst/>
-    <dgm:txFillClrLst/>
-    <dgm:txEffectClrLst/>
-  </dgm:styleLbl>
-  <dgm:styleLbl name="asst1">
-    <dgm:fillClrLst meth="repeat">
-      <a:schemeClr val="accent1"/>
-    </dgm:fillClrLst>
-    <dgm:linClrLst meth="repeat">
-      <a:schemeClr val="lt1"/>
-    </dgm:linClrLst>
-    <dgm:effectClrLst/>
-    <dgm:txLinClrLst/>
-    <dgm:txFillClrLst/>
-    <dgm:txEffectClrLst/>
-  </dgm:styleLbl>
-  <dgm:styleLbl name="asst2">
-    <dgm:fillClrLst meth="repeat">
-      <a:schemeClr val="accent1"/>
-    </dgm:fillClrLst>
-    <dgm:linClrLst meth="repeat">
-      <a:schemeClr val="lt1"/>
-    </dgm:linClrLst>
-    <dgm:effectClrLst/>
-    <dgm:txLinClrLst/>
-    <dgm:txFillClrLst/>
-    <dgm:txEffectClrLst/>
-  </dgm:styleLbl>
-  <dgm:styleLbl name="asst3">
-    <dgm:fillClrLst meth="repeat">
-      <a:schemeClr val="accent1"/>
-    </dgm:fillClrLst>
-    <dgm:linClrLst meth="repeat">
-      <a:schemeClr val="lt1"/>
-    </dgm:linClrLst>
-    <dgm:effectClrLst/>
-    <dgm:txLinClrLst/>
-    <dgm:txFillClrLst/>
-    <dgm:txEffectClrLst/>
-  </dgm:styleLbl>
-  <dgm:styleLbl name="asst4">
-    <dgm:fillClrLst meth="repeat">
-      <a:schemeClr val="accent1"/>
-    </dgm:fillClrLst>
-    <dgm:linClrLst meth="repeat">
-      <a:schemeClr val="lt1"/>
-    </dgm:linClrLst>
-    <dgm:effectClrLst/>
-    <dgm:txLinClrLst/>
-    <dgm:txFillClrLst/>
-    <dgm:txEffectClrLst/>
-  </dgm:styleLbl>
-  <dgm:styleLbl name="parChTrans2D1">
-    <dgm:fillClrLst meth="repeat">
-      <a:schemeClr val="accent1">
-        <a:tint val="60000"/>
-      </a:schemeClr>
-    </dgm:fillClrLst>
-    <dgm:linClrLst meth="repeat">
-      <a:schemeClr val="accent1">
-        <a:tint val="60000"/>
-      </a:schemeClr>
-    </dgm:linClrLst>
-    <dgm:effectClrLst/>
-    <dgm:txLinClrLst/>
-    <dgm:txFillClrLst meth="repeat">
-      <a:schemeClr val="lt1"/>
-    </dgm:txFillClrLst>
-    <dgm:txEffectClrLst/>
-  </dgm:styleLbl>
-  <dgm:styleLbl name="parChTrans2D2">
-    <dgm:fillClrLst meth="repeat">
-      <a:schemeClr val="accent1"/>
-    </dgm:fillClrLst>
-    <dgm:linClrLst meth="repeat">
-      <a:schemeClr val="accent1"/>
-    </dgm:linClrLst>
-    <dgm:effectClrLst/>
-    <dgm:txLinClrLst/>
-    <dgm:txFillClrLst meth="repeat">
-      <a:schemeClr val="lt1"/>
-    </dgm:txFillClrLst>
-    <dgm:txEffectClrLst/>
-  </dgm:styleLbl>
-  <dgm:styleLbl name="parChTrans2D3">
-    <dgm:fillClrLst meth="repeat">
-      <a:schemeClr val="accent1"/>
-    </dgm:fillClrLst>
-    <dgm:linClrLst meth="repeat">
-      <a:schemeClr val="accent1"/>
-    </dgm:linClrLst>
-    <dgm:effectClrLst/>
-    <dgm:txLinClrLst/>
-    <dgm:txFillClrLst meth="repeat">
-      <a:schemeClr val="lt1"/>
-    </dgm:txFillClrLst>
-    <dgm:txEffectClrLst/>
-  </dgm:styleLbl>
-  <dgm:styleLbl name="parChTrans2D4">
-    <dgm:fillClrLst meth="repeat">
-      <a:schemeClr val="accent1"/>
-    </dgm:fillClrLst>
-    <dgm:linClrLst meth="repeat">
-      <a:schemeClr val="accent1"/>
-    </dgm:linClrLst>
-    <dgm:effectClrLst/>
-    <dgm:txLinClrLst/>
-    <dgm:txFillClrLst meth="repeat">
-      <a:schemeClr val="lt1"/>
-    </dgm:txFillClrLst>
-    <dgm:txEffectClrLst/>
-  </dgm:styleLbl>
-  <dgm:styleLbl name="parChTrans1D1">
-    <dgm:fillClrLst meth="repeat">
-      <a:schemeClr val="accent1"/>
-    </dgm:fillClrLst>
-    <dgm:linClrLst meth="repeat">
-      <a:schemeClr val="accent1">
-        <a:shade val="60000"/>
-      </a:schemeClr>
-    </dgm:linClrLst>
-    <dgm:effectClrLst/>
-    <dgm:txLinClrLst/>
-    <dgm:txFillClrLst meth="repeat">
-      <a:schemeClr val="tx1"/>
-    </dgm:txFillClrLst>
-    <dgm:txEffectClrLst/>
-  </dgm:styleLbl>
-  <dgm:styleLbl name="parChTrans1D2">
-    <dgm:fillClrLst meth="repeat">
-      <a:schemeClr val="accent1"/>
-    </dgm:fillClrLst>
-    <dgm:linClrLst meth="repeat">
-      <a:schemeClr val="accent1">
-        <a:shade val="60000"/>
-      </a:schemeClr>
-    </dgm:linClrLst>
-    <dgm:effectClrLst/>
-    <dgm:txLinClrLst/>
-    <dgm:txFillClrLst meth="repeat">
-      <a:schemeClr val="tx1"/>
-    </dgm:txFillClrLst>
-    <dgm:txEffectClrLst/>
-  </dgm:styleLbl>
-  <dgm:styleLbl name="parChTrans1D3">
-    <dgm:fillClrLst meth="repeat">
-      <a:schemeClr val="accent1"/>
-    </dgm:fillClrLst>
-    <dgm:linClrLst meth="repeat">
-      <a:schemeClr val="accent1">
-        <a:shade val="80000"/>
-      </a:schemeClr>
-    </dgm:linClrLst>
-    <dgm:effectClrLst/>
-    <dgm:txLinClrLst/>
-    <dgm:txFillClrLst meth="repeat">
-      <a:schemeClr val="tx1"/>
-    </dgm:txFillClrLst>
-    <dgm:txEffectClrLst/>
-  </dgm:styleLbl>
-  <dgm:styleLbl name="parChTrans1D4">
-    <dgm:fillClrLst meth="repeat">
-      <a:schemeClr val="accent1"/>
-    </dgm:fillClrLst>
-    <dgm:linClrLst meth="repeat">
-      <a:schemeClr val="accent1">
-        <a:shade val="80000"/>
-      </a:schemeClr>
-    </dgm:linClrLst>
-    <dgm:effectClrLst/>
-    <dgm:txLinClrLst/>
-    <dgm:txFillClrLst meth="repeat">
-      <a:schemeClr val="tx1"/>
-    </dgm:txFillClrLst>
-    <dgm:txEffectClrLst/>
-  </dgm:styleLbl>
-  <dgm:styleLbl name="fgAcc1">
-    <dgm:fillClrLst meth="repeat">
-      <a:schemeClr val="lt1">
-        <a:alpha val="90000"/>
-      </a:schemeClr>
-    </dgm:fillClrLst>
-    <dgm:linClrLst meth="repeat">
-      <a:schemeClr val="accent1"/>
-    </dgm:linClrLst>
-    <dgm:effectClrLst/>
-    <dgm:txLinClrLst/>
-    <dgm:txFillClrLst meth="repeat">
-      <a:schemeClr val="dk1"/>
-    </dgm:txFillClrLst>
-    <dgm:txEffectClrLst/>
-  </dgm:styleLbl>
-  <dgm:styleLbl name="conFgAcc1">
-    <dgm:fillClrLst meth="repeat">
-      <a:schemeClr val="lt1">
-        <a:alpha val="90000"/>
-      </a:schemeClr>
-    </dgm:fillClrLst>
-    <dgm:linClrLst meth="repeat">
-      <a:schemeClr val="accent1"/>
-    </dgm:linClrLst>
-    <dgm:effectClrLst/>
-    <dgm:txLinClrLst/>
-    <dgm:txFillClrLst meth="repeat">
-      <a:schemeClr val="dk1"/>
-    </dgm:txFillClrLst>
-    <dgm:txEffectClrLst/>
-  </dgm:styleLbl>
-  <dgm:styleLbl name="alignAcc1">
-    <dgm:fillClrLst meth="repeat">
-      <a:schemeClr val="lt1">
-        <a:alpha val="90000"/>
-      </a:schemeClr>
-    </dgm:fillClrLst>
-    <dgm:linClrLst meth="repeat">
-      <a:schemeClr val="accent1"/>
-    </dgm:linClrLst>
-    <dgm:effectClrLst/>
-    <dgm:txLinClrLst/>
-    <dgm:txFillClrLst meth="repeat">
-      <a:schemeClr val="dk1"/>
-    </dgm:txFillClrLst>
-    <dgm:txEffectClrLst/>
-  </dgm:styleLbl>
-  <dgm:styleLbl name="trAlignAcc1">
-    <dgm:fillClrLst meth="repeat">
-      <a:schemeClr val="lt1">
-        <a:alpha val="40000"/>
-      </a:schemeClr>
-    </dgm:fillClrLst>
-    <dgm:linClrLst meth="repeat">
-      <a:schemeClr val="accent1"/>
-    </dgm:linClrLst>
-    <dgm:effectClrLst/>
-    <dgm:txLinClrLst/>
-    <dgm:txFillClrLst meth="repeat">
-      <a:schemeClr val="dk1"/>
-    </dgm:txFillClrLst>
-    <dgm:txEffectClrLst/>
-  </dgm:styleLbl>
-  <dgm:styleLbl name="bgAcc1">
-    <dgm:fillClrLst meth="repeat">
-      <a:schemeClr val="lt1">
-        <a:alpha val="90000"/>
-      </a:schemeClr>
-    </dgm:fillClrLst>
-    <dgm:linClrLst meth="repeat">
-      <a:schemeClr val="accent1"/>
-    </dgm:linClrLst>
-    <dgm:effectClrLst/>
-    <dgm:txLinClrLst/>
-    <dgm:txFillClrLst meth="repeat">
-      <a:schemeClr val="dk1"/>
-    </dgm:txFillClrLst>
-    <dgm:txEffectClrLst/>
-  </dgm:styleLbl>
-  <dgm:styleLbl name="solidFgAcc1">
-    <dgm:fillClrLst meth="repeat">
-      <a:schemeClr val="lt1"/>
-    </dgm:fillClrLst>
-    <dgm:linClrLst meth="repeat">
-      <a:schemeClr val="accent1"/>
-    </dgm:linClrLst>
-    <dgm:effectClrLst/>
-    <dgm:txLinClrLst/>
-    <dgm:txFillClrLst meth="repeat">
-      <a:schemeClr val="dk1"/>
-    </dgm:txFillClrLst>
-    <dgm:txEffectClrLst/>
-  </dgm:styleLbl>
-  <dgm:styleLbl name="solidAlignAcc1">
-    <dgm:fillClrLst meth="repeat">
-      <a:schemeClr val="lt1"/>
-    </dgm:fillClrLst>
-    <dgm:linClrLst meth="repeat">
-      <a:schemeClr val="accent1"/>
-    </dgm:linClrLst>
-    <dgm:effectClrLst/>
-    <dgm:txLinClrLst/>
-    <dgm:txFillClrLst meth="repeat">
-      <a:schemeClr val="dk1"/>
-    </dgm:txFillClrLst>
-    <dgm:txEffectClrLst/>
-  </dgm:styleLbl>
-  <dgm:styleLbl name="solidBgAcc1">
-    <dgm:fillClrLst meth="repeat">
-      <a:schemeClr val="lt1"/>
-    </dgm:fillClrLst>
-    <dgm:linClrLst meth="repeat">
-      <a:schemeClr val="accent1"/>
-    </dgm:linClrLst>
-    <dgm:effectClrLst/>
-    <dgm:txLinClrLst/>
-    <dgm:txFillClrLst meth="repeat">
-      <a:schemeClr val="dk1"/>
-    </dgm:txFillClrLst>
-    <dgm:txEffectClrLst/>
-  </dgm:styleLbl>
-  <dgm:styleLbl name="fgAccFollowNode1">
-    <dgm:fillClrLst meth="repeat">
-      <a:schemeClr val="accent1">
-        <a:alpha val="90000"/>
-        <a:tint val="40000"/>
-      </a:schemeClr>
-    </dgm:fillClrLst>
-    <dgm:linClrLst meth="repeat">
-      <a:schemeClr val="accent1">
-        <a:alpha val="90000"/>
-        <a:tint val="40000"/>
-      </a:schemeClr>
-    </dgm:linClrLst>
-    <dgm:effectClrLst/>
-    <dgm:txLinClrLst/>
-    <dgm:txFillClrLst meth="repeat">
-      <a:schemeClr val="dk1"/>
-    </dgm:txFillClrLst>
-    <dgm:txEffectClrLst/>
-  </dgm:styleLbl>
-  <dgm:styleLbl name="alignAccFollowNode1">
-    <dgm:fillClrLst meth="repeat">
-      <a:schemeClr val="accent1">
-        <a:alpha val="90000"/>
-        <a:tint val="40000"/>
-      </a:schemeClr>
-    </dgm:fillClrLst>
-    <dgm:linClrLst meth="repeat">
-      <a:schemeClr val="accent1">
-        <a:alpha val="90000"/>
-        <a:tint val="40000"/>
-      </a:schemeClr>
-    </dgm:linClrLst>
-    <dgm:effectClrLst/>
-    <dgm:txLinClrLst/>
-    <dgm:txFillClrLst meth="repeat">
-      <a:schemeClr val="dk1"/>
-    </dgm:txFillClrLst>
-    <dgm:txEffectClrLst/>
-  </dgm:styleLbl>
-  <dgm:styleLbl name="bgAccFollowNode1">
-    <dgm:fillClrLst meth="repeat">
-      <a:schemeClr val="accent1">
-        <a:alpha val="90000"/>
-        <a:tint val="40000"/>
-      </a:schemeClr>
-    </dgm:fillClrLst>
-    <dgm:linClrLst meth="repeat">
-      <a:schemeClr val="accent1">
-        <a:alpha val="90000"/>
-        <a:tint val="40000"/>
-      </a:schemeClr>
-    </dgm:linClrLst>
-    <dgm:effectClrLst/>
-    <dgm:txLinClrLst/>
-    <dgm:txFillClrLst meth="repeat">
-      <a:schemeClr val="dk1"/>
-    </dgm:txFillClrLst>
-    <dgm:txEffectClrLst/>
-  </dgm:styleLbl>
-  <dgm:styleLbl name="fgAcc0">
-    <dgm:fillClrLst meth="repeat">
-      <a:schemeClr val="lt1">
-        <a:alpha val="90000"/>
-      </a:schemeClr>
-    </dgm:fillClrLst>
-    <dgm:linClrLst meth="repeat">
-      <a:schemeClr val="accent1"/>
-    </dgm:linClrLst>
-    <dgm:effectClrLst/>
-    <dgm:txLinClrLst/>
-    <dgm:txFillClrLst meth="repeat">
-      <a:schemeClr val="dk1"/>
-    </dgm:txFillClrLst>
-    <dgm:txEffectClrLst/>
-  </dgm:styleLbl>
-  <dgm:styleLbl name="fgAcc2">
-    <dgm:fillClrLst meth="repeat">
-      <a:schemeClr val="lt1">
-        <a:alpha val="90000"/>
-      </a:schemeClr>
-    </dgm:fillClrLst>
-    <dgm:linClrLst meth="repeat">
-      <a:schemeClr val="accent1"/>
-    </dgm:linClrLst>
-    <dgm:effectClrLst/>
-    <dgm:txLinClrLst/>
-    <dgm:txFillClrLst meth="repeat">
-      <a:schemeClr val="dk1"/>
-    </dgm:txFillClrLst>
-    <dgm:txEffectClrLst/>
-  </dgm:styleLbl>
-  <dgm:styleLbl name="fgAcc3">
-    <dgm:fillClrLst meth="repeat">
-      <a:schemeClr val="lt1">
-        <a:alpha val="90000"/>
-      </a:schemeClr>
-    </dgm:fillClrLst>
-    <dgm:linClrLst meth="repeat">
-      <a:schemeClr val="accent1"/>
-    </dgm:linClrLst>
-    <dgm:effectClrLst/>
-    <dgm:txLinClrLst/>
-    <dgm:txFillClrLst meth="repeat">
-      <a:schemeClr val="dk1"/>
-    </dgm:txFillClrLst>
-    <dgm:txEffectClrLst/>
-  </dgm:styleLbl>
-  <dgm:styleLbl name="fgAcc4">
-    <dgm:fillClrLst meth="repeat">
-      <a:schemeClr val="lt1">
-        <a:alpha val="90000"/>
-      </a:schemeClr>
-    </dgm:fillClrLst>
-    <dgm:linClrLst meth="repeat">
-      <a:schemeClr val="accent1"/>
-    </dgm:linClrLst>
-    <dgm:effectClrLst/>
-    <dgm:txLinClrLst/>
-    <dgm:txFillClrLst meth="repeat">
-      <a:schemeClr val="dk1"/>
-    </dgm:txFillClrLst>
-    <dgm:txEffectClrLst/>
-  </dgm:styleLbl>
-  <dgm:styleLbl name="bgShp">
-    <dgm:fillClrLst meth="repeat">
-      <a:schemeClr val="accent1">
-        <a:tint val="40000"/>
-      </a:schemeClr>
-    </dgm:fillClrLst>
-    <dgm:linClrLst meth="repeat">
-      <a:schemeClr val="accent1"/>
-    </dgm:linClrLst>
-    <dgm:effectClrLst/>
-    <dgm:txLinClrLst/>
-    <dgm:txFillClrLst meth="repeat">
-      <a:schemeClr val="dk1"/>
-    </dgm:txFillClrLst>
-    <dgm:txEffectClrLst/>
-  </dgm:styleLbl>
-  <dgm:styleLbl name="dkBgShp">
-    <dgm:fillClrLst meth="repeat">
-      <a:schemeClr val="accent1">
-        <a:shade val="80000"/>
-      </a:schemeClr>
-    </dgm:fillClrLst>
-    <dgm:linClrLst meth="repeat">
-      <a:schemeClr val="accent1"/>
-    </dgm:linClrLst>
-    <dgm:effectClrLst/>
-    <dgm:txLinClrLst/>
-    <dgm:txFillClrLst meth="repeat">
-      <a:schemeClr val="lt1"/>
-    </dgm:txFillClrLst>
-    <dgm:txEffectClrLst/>
-  </dgm:styleLbl>
-  <dgm:styleLbl name="trBgShp">
-    <dgm:fillClrLst meth="repeat">
-      <a:schemeClr val="accent1">
-        <a:tint val="50000"/>
-        <a:alpha val="40000"/>
-      </a:schemeClr>
-    </dgm:fillClrLst>
-    <dgm:linClrLst meth="repeat">
-      <a:schemeClr val="accent1"/>
-    </dgm:linClrLst>
-    <dgm:effectClrLst/>
-    <dgm:txLinClrLst/>
-    <dgm:txFillClrLst meth="repeat">
-      <a:schemeClr val="lt1"/>
-    </dgm:txFillClrLst>
-    <dgm:txEffectClrLst/>
-  </dgm:styleLbl>
-  <dgm:styleLbl name="fgShp">
-    <dgm:fillClrLst meth="repeat">
-      <a:schemeClr val="accent1">
-        <a:tint val="60000"/>
-      </a:schemeClr>
-    </dgm:fillClrLst>
-    <dgm:linClrLst meth="repeat">
-      <a:schemeClr val="lt1"/>
-    </dgm:linClrLst>
-    <dgm:effectClrLst/>
-    <dgm:txLinClrLst/>
-    <dgm:txFillClrLst meth="repeat">
-      <a:schemeClr val="dk1"/>
-    </dgm:txFillClrLst>
-    <dgm:txEffectClrLst/>
-  </dgm:styleLbl>
-  <dgm:styleLbl name="revTx">
-    <dgm:fillClrLst meth="repeat">
-      <a:schemeClr val="lt1">
-        <a:alpha val="0"/>
-      </a:schemeClr>
-    </dgm:fillClrLst>
-    <dgm:linClrLst meth="repeat">
-      <a:schemeClr val="dk1">
-        <a:alpha val="0"/>
-      </a:schemeClr>
-    </dgm:linClrLst>
-    <dgm:effectClrLst/>
-    <dgm:txLinClrLst/>
-    <dgm:txFillClrLst meth="repeat">
-      <a:schemeClr val="tx1"/>
-    </dgm:txFillClrLst>
-    <dgm:txEffectClrLst/>
-  </dgm:styleLbl>
-</dgm:colorsDef>
-</file>
-
-<file path=ppt/diagrams/colors7.xml><?xml version="1.0" encoding="utf-8"?>
 <dgm:colorsDef xmlns:dgm="http://schemas.openxmlformats.org/drawingml/2006/diagram" xmlns:a="http://schemas.openxmlformats.org/drawingml/2006/main" uniqueId="urn:microsoft.com/office/officeart/2005/8/colors/accent1_2">
   <dgm:title val=""/>
   <dgm:desc val=""/>
@@ -9117,245 +8369,6 @@
         </a:p>
       </dgm:t>
     </dgm:pt>
-    <dgm:pt modelId="{C3352426-939D-4321-8649-D6716BB162C4}" type="pres">
-      <dgm:prSet presAssocID="{34BEB75E-ED6D-4113-9F50-1BF5F1954990}" presName="vert0" presStyleCnt="0">
-        <dgm:presLayoutVars>
-          <dgm:dir/>
-          <dgm:animOne val="branch"/>
-          <dgm:animLvl val="lvl"/>
-        </dgm:presLayoutVars>
-      </dgm:prSet>
-      <dgm:spPr/>
-    </dgm:pt>
-    <dgm:pt modelId="{F0557730-8B9A-4E9D-832D-78384F71DA4A}" type="pres">
-      <dgm:prSet presAssocID="{441C9BFF-8AD7-4827-90F5-60BEDCAF3705}" presName="thickLine" presStyleLbl="alignNode1" presStyleIdx="0" presStyleCnt="1"/>
-      <dgm:spPr/>
-    </dgm:pt>
-    <dgm:pt modelId="{CFD527BF-B157-4E07-8C44-F012E9130A4E}" type="pres">
-      <dgm:prSet presAssocID="{441C9BFF-8AD7-4827-90F5-60BEDCAF3705}" presName="horz1" presStyleCnt="0"/>
-      <dgm:spPr/>
-    </dgm:pt>
-    <dgm:pt modelId="{E3CC5A9C-1C2B-4849-BDA5-16B8B34A5987}" type="pres">
-      <dgm:prSet presAssocID="{441C9BFF-8AD7-4827-90F5-60BEDCAF3705}" presName="tx1" presStyleLbl="revTx" presStyleIdx="0" presStyleCnt="3"/>
-      <dgm:spPr/>
-    </dgm:pt>
-    <dgm:pt modelId="{8D16F346-2AFD-42B3-8D89-71DE88801702}" type="pres">
-      <dgm:prSet presAssocID="{441C9BFF-8AD7-4827-90F5-60BEDCAF3705}" presName="vert1" presStyleCnt="0"/>
-      <dgm:spPr/>
-    </dgm:pt>
-    <dgm:pt modelId="{B0B4D1F8-D1D3-4302-AF97-85F2B054BEC0}" type="pres">
-      <dgm:prSet presAssocID="{D809E429-04AF-422B-B080-571F331ACCDF}" presName="vertSpace2a" presStyleCnt="0"/>
-      <dgm:spPr/>
-    </dgm:pt>
-    <dgm:pt modelId="{D68C06F4-D011-4D10-A7CA-231612848987}" type="pres">
-      <dgm:prSet presAssocID="{D809E429-04AF-422B-B080-571F331ACCDF}" presName="horz2" presStyleCnt="0"/>
-      <dgm:spPr/>
-    </dgm:pt>
-    <dgm:pt modelId="{A67507B9-D4E0-45F0-8B6F-E1194C50A57D}" type="pres">
-      <dgm:prSet presAssocID="{D809E429-04AF-422B-B080-571F331ACCDF}" presName="horzSpace2" presStyleCnt="0"/>
-      <dgm:spPr/>
-    </dgm:pt>
-    <dgm:pt modelId="{7C715882-15D3-4785-8D04-6D401EF6AFB0}" type="pres">
-      <dgm:prSet presAssocID="{D809E429-04AF-422B-B080-571F331ACCDF}" presName="tx2" presStyleLbl="revTx" presStyleIdx="1" presStyleCnt="3"/>
-      <dgm:spPr/>
-    </dgm:pt>
-    <dgm:pt modelId="{7345CB9B-9D84-4289-8283-A21AB0F34105}" type="pres">
-      <dgm:prSet presAssocID="{D809E429-04AF-422B-B080-571F331ACCDF}" presName="vert2" presStyleCnt="0"/>
-      <dgm:spPr/>
-    </dgm:pt>
-    <dgm:pt modelId="{0FF34B0B-2E65-4520-92BB-4118F260C032}" type="pres">
-      <dgm:prSet presAssocID="{D809E429-04AF-422B-B080-571F331ACCDF}" presName="thinLine2b" presStyleLbl="callout" presStyleIdx="0" presStyleCnt="2"/>
-      <dgm:spPr/>
-    </dgm:pt>
-    <dgm:pt modelId="{453D1700-8AF1-45E8-959E-433D1C8D7356}" type="pres">
-      <dgm:prSet presAssocID="{D809E429-04AF-422B-B080-571F331ACCDF}" presName="vertSpace2b" presStyleCnt="0"/>
-      <dgm:spPr/>
-    </dgm:pt>
-    <dgm:pt modelId="{15A6752B-A400-4195-B5DD-03592935198C}" type="pres">
-      <dgm:prSet presAssocID="{B8A96C09-D3D8-4A74-A80B-BEA0C980453B}" presName="horz2" presStyleCnt="0"/>
-      <dgm:spPr/>
-    </dgm:pt>
-    <dgm:pt modelId="{BA431673-A4E9-4785-A54E-FCC40487DB2E}" type="pres">
-      <dgm:prSet presAssocID="{B8A96C09-D3D8-4A74-A80B-BEA0C980453B}" presName="horzSpace2" presStyleCnt="0"/>
-      <dgm:spPr/>
-    </dgm:pt>
-    <dgm:pt modelId="{347C6339-B231-447A-BCBE-4DD771E79BCD}" type="pres">
-      <dgm:prSet presAssocID="{B8A96C09-D3D8-4A74-A80B-BEA0C980453B}" presName="tx2" presStyleLbl="revTx" presStyleIdx="2" presStyleCnt="3"/>
-      <dgm:spPr/>
-    </dgm:pt>
-    <dgm:pt modelId="{B050AE53-096D-41C4-B06F-035F6E844E1A}" type="pres">
-      <dgm:prSet presAssocID="{B8A96C09-D3D8-4A74-A80B-BEA0C980453B}" presName="vert2" presStyleCnt="0"/>
-      <dgm:spPr/>
-    </dgm:pt>
-    <dgm:pt modelId="{38233778-9C02-4BB2-AB72-F25A0E5E82CE}" type="pres">
-      <dgm:prSet presAssocID="{B8A96C09-D3D8-4A74-A80B-BEA0C980453B}" presName="thinLine2b" presStyleLbl="callout" presStyleIdx="1" presStyleCnt="2"/>
-      <dgm:spPr/>
-    </dgm:pt>
-    <dgm:pt modelId="{B61029BE-BA77-4BBC-B76C-5D8976283DBB}" type="pres">
-      <dgm:prSet presAssocID="{B8A96C09-D3D8-4A74-A80B-BEA0C980453B}" presName="vertSpace2b" presStyleCnt="0"/>
-      <dgm:spPr/>
-    </dgm:pt>
-  </dgm:ptLst>
-  <dgm:cxnLst>
-    <dgm:cxn modelId="{DB4F8735-0D01-48BD-85A0-85F0B748A85D}" type="presOf" srcId="{441C9BFF-8AD7-4827-90F5-60BEDCAF3705}" destId="{E3CC5A9C-1C2B-4849-BDA5-16B8B34A5987}" srcOrd="0" destOrd="0" presId="urn:microsoft.com/office/officeart/2008/layout/LinedList"/>
-    <dgm:cxn modelId="{F51E733D-C3D0-4CA3-ADA8-483E175EAC31}" type="presOf" srcId="{D809E429-04AF-422B-B080-571F331ACCDF}" destId="{7C715882-15D3-4785-8D04-6D401EF6AFB0}" srcOrd="0" destOrd="0" presId="urn:microsoft.com/office/officeart/2008/layout/LinedList"/>
-    <dgm:cxn modelId="{605E4440-290F-426D-ACD9-1A5FCB40EB0E}" srcId="{441C9BFF-8AD7-4827-90F5-60BEDCAF3705}" destId="{D809E429-04AF-422B-B080-571F331ACCDF}" srcOrd="0" destOrd="0" parTransId="{13CCF95D-B99C-49A1-977D-D76183D718CF}" sibTransId="{E2317A59-187B-401C-A619-D2B0DDE89B9A}"/>
-    <dgm:cxn modelId="{B17A2A60-71E1-45E5-961E-93E09E16DBDE}" srcId="{441C9BFF-8AD7-4827-90F5-60BEDCAF3705}" destId="{B8A96C09-D3D8-4A74-A80B-BEA0C980453B}" srcOrd="1" destOrd="0" parTransId="{E3FAACCE-0CD7-4FD4-BC21-AA3AC94926E0}" sibTransId="{3CCF7115-C32E-40D2-B920-114BED460AFD}"/>
-    <dgm:cxn modelId="{523F296D-2CC7-4C29-85F8-5468ED82EAEB}" srcId="{34BEB75E-ED6D-4113-9F50-1BF5F1954990}" destId="{441C9BFF-8AD7-4827-90F5-60BEDCAF3705}" srcOrd="0" destOrd="0" parTransId="{AED53F1B-6F52-4865-A6C0-13F7BB680C57}" sibTransId="{EE93340F-3E48-4F2C-8A92-4BB8BFF38136}"/>
-    <dgm:cxn modelId="{740EE279-A384-42E1-9054-1B0EAAF877E3}" type="presOf" srcId="{B8A96C09-D3D8-4A74-A80B-BEA0C980453B}" destId="{347C6339-B231-447A-BCBE-4DD771E79BCD}" srcOrd="0" destOrd="0" presId="urn:microsoft.com/office/officeart/2008/layout/LinedList"/>
-    <dgm:cxn modelId="{F2B1DBC2-3901-4D1E-BB45-0A525BA7B60E}" type="presOf" srcId="{34BEB75E-ED6D-4113-9F50-1BF5F1954990}" destId="{C3352426-939D-4321-8649-D6716BB162C4}" srcOrd="0" destOrd="0" presId="urn:microsoft.com/office/officeart/2008/layout/LinedList"/>
-    <dgm:cxn modelId="{054E2C87-8887-4DA9-A413-AA67AC171074}" type="presParOf" srcId="{C3352426-939D-4321-8649-D6716BB162C4}" destId="{F0557730-8B9A-4E9D-832D-78384F71DA4A}" srcOrd="0" destOrd="0" presId="urn:microsoft.com/office/officeart/2008/layout/LinedList"/>
-    <dgm:cxn modelId="{A3C9C481-7CBF-426B-9165-22202B290AB5}" type="presParOf" srcId="{C3352426-939D-4321-8649-D6716BB162C4}" destId="{CFD527BF-B157-4E07-8C44-F012E9130A4E}" srcOrd="1" destOrd="0" presId="urn:microsoft.com/office/officeart/2008/layout/LinedList"/>
-    <dgm:cxn modelId="{FAA65E88-306D-4325-8A1B-DEB4A2D2D979}" type="presParOf" srcId="{CFD527BF-B157-4E07-8C44-F012E9130A4E}" destId="{E3CC5A9C-1C2B-4849-BDA5-16B8B34A5987}" srcOrd="0" destOrd="0" presId="urn:microsoft.com/office/officeart/2008/layout/LinedList"/>
-    <dgm:cxn modelId="{D5FB4FC5-382D-4306-8A07-BB00E2262791}" type="presParOf" srcId="{CFD527BF-B157-4E07-8C44-F012E9130A4E}" destId="{8D16F346-2AFD-42B3-8D89-71DE88801702}" srcOrd="1" destOrd="0" presId="urn:microsoft.com/office/officeart/2008/layout/LinedList"/>
-    <dgm:cxn modelId="{1690AA78-51FA-4406-A140-22F19ED979BC}" type="presParOf" srcId="{8D16F346-2AFD-42B3-8D89-71DE88801702}" destId="{B0B4D1F8-D1D3-4302-AF97-85F2B054BEC0}" srcOrd="0" destOrd="0" presId="urn:microsoft.com/office/officeart/2008/layout/LinedList"/>
-    <dgm:cxn modelId="{D4767373-135F-4A72-B3CB-3288472DCF15}" type="presParOf" srcId="{8D16F346-2AFD-42B3-8D89-71DE88801702}" destId="{D68C06F4-D011-4D10-A7CA-231612848987}" srcOrd="1" destOrd="0" presId="urn:microsoft.com/office/officeart/2008/layout/LinedList"/>
-    <dgm:cxn modelId="{07B5BAD5-CE46-4586-990B-6D623BBDD441}" type="presParOf" srcId="{D68C06F4-D011-4D10-A7CA-231612848987}" destId="{A67507B9-D4E0-45F0-8B6F-E1194C50A57D}" srcOrd="0" destOrd="0" presId="urn:microsoft.com/office/officeart/2008/layout/LinedList"/>
-    <dgm:cxn modelId="{FB25FB53-193A-4CE8-85B8-4397FFF9A349}" type="presParOf" srcId="{D68C06F4-D011-4D10-A7CA-231612848987}" destId="{7C715882-15D3-4785-8D04-6D401EF6AFB0}" srcOrd="1" destOrd="0" presId="urn:microsoft.com/office/officeart/2008/layout/LinedList"/>
-    <dgm:cxn modelId="{288BD028-A3CC-4C57-B422-2E974FFDD467}" type="presParOf" srcId="{D68C06F4-D011-4D10-A7CA-231612848987}" destId="{7345CB9B-9D84-4289-8283-A21AB0F34105}" srcOrd="2" destOrd="0" presId="urn:microsoft.com/office/officeart/2008/layout/LinedList"/>
-    <dgm:cxn modelId="{528C4013-8ED6-4310-9778-3AEE3087C5A8}" type="presParOf" srcId="{8D16F346-2AFD-42B3-8D89-71DE88801702}" destId="{0FF34B0B-2E65-4520-92BB-4118F260C032}" srcOrd="2" destOrd="0" presId="urn:microsoft.com/office/officeart/2008/layout/LinedList"/>
-    <dgm:cxn modelId="{7D06037A-BE20-40CD-BD8E-076EA7A4BE6A}" type="presParOf" srcId="{8D16F346-2AFD-42B3-8D89-71DE88801702}" destId="{453D1700-8AF1-45E8-959E-433D1C8D7356}" srcOrd="3" destOrd="0" presId="urn:microsoft.com/office/officeart/2008/layout/LinedList"/>
-    <dgm:cxn modelId="{E12C1032-48AD-4236-A9B7-65D9C8AF32DF}" type="presParOf" srcId="{8D16F346-2AFD-42B3-8D89-71DE88801702}" destId="{15A6752B-A400-4195-B5DD-03592935198C}" srcOrd="4" destOrd="0" presId="urn:microsoft.com/office/officeart/2008/layout/LinedList"/>
-    <dgm:cxn modelId="{214A6D22-8BA8-4321-82F2-64210E9D7679}" type="presParOf" srcId="{15A6752B-A400-4195-B5DD-03592935198C}" destId="{BA431673-A4E9-4785-A54E-FCC40487DB2E}" srcOrd="0" destOrd="0" presId="urn:microsoft.com/office/officeart/2008/layout/LinedList"/>
-    <dgm:cxn modelId="{93CA7631-EC17-4A30-8EB9-708FCFC14DA3}" type="presParOf" srcId="{15A6752B-A400-4195-B5DD-03592935198C}" destId="{347C6339-B231-447A-BCBE-4DD771E79BCD}" srcOrd="1" destOrd="0" presId="urn:microsoft.com/office/officeart/2008/layout/LinedList"/>
-    <dgm:cxn modelId="{CDD0300B-B5F3-4765-BE49-9A49B0E1E03F}" type="presParOf" srcId="{15A6752B-A400-4195-B5DD-03592935198C}" destId="{B050AE53-096D-41C4-B06F-035F6E844E1A}" srcOrd="2" destOrd="0" presId="urn:microsoft.com/office/officeart/2008/layout/LinedList"/>
-    <dgm:cxn modelId="{8729D974-2B57-46BF-8B0D-26A74AA7FDC6}" type="presParOf" srcId="{8D16F346-2AFD-42B3-8D89-71DE88801702}" destId="{38233778-9C02-4BB2-AB72-F25A0E5E82CE}" srcOrd="5" destOrd="0" presId="urn:microsoft.com/office/officeart/2008/layout/LinedList"/>
-    <dgm:cxn modelId="{B2C00419-4481-4CF2-B8CA-636022BCC5FC}" type="presParOf" srcId="{8D16F346-2AFD-42B3-8D89-71DE88801702}" destId="{B61029BE-BA77-4BBC-B76C-5D8976283DBB}" srcOrd="6" destOrd="0" presId="urn:microsoft.com/office/officeart/2008/layout/LinedList"/>
-  </dgm:cxnLst>
-  <dgm:bg/>
-  <dgm:whole/>
-  <dgm:extLst>
-    <a:ext uri="http://schemas.microsoft.com/office/drawing/2008/diagram">
-      <dsp:dataModelExt xmlns:dsp="http://schemas.microsoft.com/office/drawing/2008/diagram" relId="rId6" minVer="http://schemas.openxmlformats.org/drawingml/2006/diagram"/>
-    </a:ext>
-  </dgm:extLst>
-</dgm:dataModel>
-</file>
-
-<file path=ppt/diagrams/data6.xml><?xml version="1.0" encoding="utf-8"?>
-<dgm:dataModel xmlns:dgm="http://schemas.openxmlformats.org/drawingml/2006/diagram" xmlns:a="http://schemas.openxmlformats.org/drawingml/2006/main">
-  <dgm:ptLst>
-    <dgm:pt modelId="{34BEB75E-ED6D-4113-9F50-1BF5F1954990}" type="doc">
-      <dgm:prSet loTypeId="urn:microsoft.com/office/officeart/2008/layout/LinedList" loCatId="hierarchy" qsTypeId="urn:microsoft.com/office/officeart/2005/8/quickstyle/simple1" qsCatId="simple" csTypeId="urn:microsoft.com/office/officeart/2005/8/colors/accent1_2" csCatId="accent1" phldr="1"/>
-      <dgm:spPr/>
-      <dgm:t>
-        <a:bodyPr/>
-        <a:lstStyle/>
-        <a:p>
-          <a:endParaRPr lang="en-PH"/>
-        </a:p>
-      </dgm:t>
-    </dgm:pt>
-    <dgm:pt modelId="{441C9BFF-8AD7-4827-90F5-60BEDCAF3705}">
-      <dgm:prSet phldrT="[Text]"/>
-      <dgm:spPr/>
-      <dgm:t>
-        <a:bodyPr/>
-        <a:lstStyle/>
-        <a:p>
-          <a:r>
-            <a:rPr lang="en-PH" dirty="0"/>
-            <a:t>Likes</a:t>
-          </a:r>
-        </a:p>
-      </dgm:t>
-    </dgm:pt>
-    <dgm:pt modelId="{AED53F1B-6F52-4865-A6C0-13F7BB680C57}" type="parTrans" cxnId="{523F296D-2CC7-4C29-85F8-5468ED82EAEB}">
-      <dgm:prSet/>
-      <dgm:spPr/>
-      <dgm:t>
-        <a:bodyPr/>
-        <a:lstStyle/>
-        <a:p>
-          <a:endParaRPr lang="en-PH"/>
-        </a:p>
-      </dgm:t>
-    </dgm:pt>
-    <dgm:pt modelId="{EE93340F-3E48-4F2C-8A92-4BB8BFF38136}" type="sibTrans" cxnId="{523F296D-2CC7-4C29-85F8-5468ED82EAEB}">
-      <dgm:prSet/>
-      <dgm:spPr/>
-      <dgm:t>
-        <a:bodyPr/>
-        <a:lstStyle/>
-        <a:p>
-          <a:endParaRPr lang="en-PH"/>
-        </a:p>
-      </dgm:t>
-    </dgm:pt>
-    <dgm:pt modelId="{D809E429-04AF-422B-B080-571F331ACCDF}">
-      <dgm:prSet phldrT="[Text]"/>
-      <dgm:spPr/>
-      <dgm:t>
-        <a:bodyPr/>
-        <a:lstStyle/>
-        <a:p>
-          <a:r>
-            <a:rPr lang="en-PH" dirty="0" err="1"/>
-            <a:t>userId</a:t>
-          </a:r>
-          <a:endParaRPr lang="en-PH" dirty="0"/>
-        </a:p>
-      </dgm:t>
-    </dgm:pt>
-    <dgm:pt modelId="{13CCF95D-B99C-49A1-977D-D76183D718CF}" type="parTrans" cxnId="{605E4440-290F-426D-ACD9-1A5FCB40EB0E}">
-      <dgm:prSet/>
-      <dgm:spPr/>
-      <dgm:t>
-        <a:bodyPr/>
-        <a:lstStyle/>
-        <a:p>
-          <a:endParaRPr lang="en-PH"/>
-        </a:p>
-      </dgm:t>
-    </dgm:pt>
-    <dgm:pt modelId="{E2317A59-187B-401C-A619-D2B0DDE89B9A}" type="sibTrans" cxnId="{605E4440-290F-426D-ACD9-1A5FCB40EB0E}">
-      <dgm:prSet/>
-      <dgm:spPr/>
-      <dgm:t>
-        <a:bodyPr/>
-        <a:lstStyle/>
-        <a:p>
-          <a:endParaRPr lang="en-PH"/>
-        </a:p>
-      </dgm:t>
-    </dgm:pt>
-    <dgm:pt modelId="{B8A96C09-D3D8-4A74-A80B-BEA0C980453B}">
-      <dgm:prSet phldrT="[Text]"/>
-      <dgm:spPr/>
-      <dgm:t>
-        <a:bodyPr/>
-        <a:lstStyle/>
-        <a:p>
-          <a:r>
-            <a:rPr lang="en-PH" dirty="0" err="1"/>
-            <a:t>postHash</a:t>
-          </a:r>
-          <a:endParaRPr lang="en-PH" dirty="0"/>
-        </a:p>
-      </dgm:t>
-    </dgm:pt>
-    <dgm:pt modelId="{E3FAACCE-0CD7-4FD4-BC21-AA3AC94926E0}" type="parTrans" cxnId="{B17A2A60-71E1-45E5-961E-93E09E16DBDE}">
-      <dgm:prSet/>
-      <dgm:spPr/>
-      <dgm:t>
-        <a:bodyPr/>
-        <a:lstStyle/>
-        <a:p>
-          <a:endParaRPr lang="en-PH"/>
-        </a:p>
-      </dgm:t>
-    </dgm:pt>
-    <dgm:pt modelId="{3CCF7115-C32E-40D2-B920-114BED460AFD}" type="sibTrans" cxnId="{B17A2A60-71E1-45E5-961E-93E09E16DBDE}">
-      <dgm:prSet/>
-      <dgm:spPr/>
-      <dgm:t>
-        <a:bodyPr/>
-        <a:lstStyle/>
-        <a:p>
-          <a:endParaRPr lang="en-PH"/>
-        </a:p>
-      </dgm:t>
-    </dgm:pt>
     <dgm:pt modelId="{A90E5BA9-B030-4072-AA39-F4FDDB6BD880}">
       <dgm:prSet phldrT="[Text]"/>
       <dgm:spPr/>
@@ -9539,7 +8552,7 @@
 </dgm:dataModel>
 </file>
 
-<file path=ppt/diagrams/data7.xml><?xml version="1.0" encoding="utf-8"?>
+<file path=ppt/diagrams/data6.xml><?xml version="1.0" encoding="utf-8"?>
 <dgm:dataModel xmlns:dgm="http://schemas.openxmlformats.org/drawingml/2006/diagram" xmlns:a="http://schemas.openxmlformats.org/drawingml/2006/main">
   <dgm:ptLst>
     <dgm:pt modelId="{34BEB75E-ED6D-4113-9F50-1BF5F1954990}" type="doc">
@@ -15679,348 +14692,6 @@
       </dsp:nvSpPr>
       <dsp:spPr>
         <a:xfrm>
-          <a:off x="2260854" y="135079"/>
-          <a:ext cx="8254746" cy="2701596"/>
-        </a:xfrm>
-        <a:prstGeom prst="rect">
-          <a:avLst/>
-        </a:prstGeom>
-        <a:noFill/>
-        <a:ln>
-          <a:noFill/>
-        </a:ln>
-        <a:effectLst/>
-      </dsp:spPr>
-      <dsp:style>
-        <a:lnRef idx="0">
-          <a:scrgbClr r="0" g="0" b="0"/>
-        </a:lnRef>
-        <a:fillRef idx="0">
-          <a:scrgbClr r="0" g="0" b="0"/>
-        </a:fillRef>
-        <a:effectRef idx="0">
-          <a:scrgbClr r="0" g="0" b="0"/>
-        </a:effectRef>
-        <a:fontRef idx="minor"/>
-      </dsp:style>
-      <dsp:txBody>
-        <a:bodyPr spcFirstLastPara="0" vert="horz" wrap="square" lIns="247650" tIns="247650" rIns="247650" bIns="247650" numCol="1" spcCol="1270" anchor="t" anchorCtr="0">
-          <a:noAutofit/>
-        </a:bodyPr>
-        <a:lstStyle/>
-        <a:p>
-          <a:pPr marL="0" lvl="0" indent="0" algn="l" defTabSz="2889250">
-            <a:lnSpc>
-              <a:spcPct val="90000"/>
-            </a:lnSpc>
-            <a:spcBef>
-              <a:spcPct val="0"/>
-            </a:spcBef>
-            <a:spcAft>
-              <a:spcPct val="35000"/>
-            </a:spcAft>
-            <a:buNone/>
-          </a:pPr>
-          <a:r>
-            <a:rPr lang="en-PH" sz="6500" kern="1200" dirty="0" err="1"/>
-            <a:t>userId</a:t>
-          </a:r>
-          <a:endParaRPr lang="en-PH" sz="6500" kern="1200" dirty="0"/>
-        </a:p>
-      </dsp:txBody>
-      <dsp:txXfrm>
-        <a:off x="2260854" y="135079"/>
-        <a:ext cx="8254746" cy="2701596"/>
-      </dsp:txXfrm>
-    </dsp:sp>
-    <dsp:sp modelId="{0FF34B0B-2E65-4520-92BB-4118F260C032}">
-      <dsp:nvSpPr>
-        <dsp:cNvPr id="0" name=""/>
-        <dsp:cNvSpPr/>
-      </dsp:nvSpPr>
-      <dsp:spPr>
-        <a:xfrm>
-          <a:off x="2103120" y="2836676"/>
-          <a:ext cx="8412480" cy="0"/>
-        </a:xfrm>
-        <a:prstGeom prst="line">
-          <a:avLst/>
-        </a:prstGeom>
-        <a:solidFill>
-          <a:schemeClr val="accent1">
-            <a:hueOff val="0"/>
-            <a:satOff val="0"/>
-            <a:lumOff val="0"/>
-            <a:alphaOff val="0"/>
-          </a:schemeClr>
-        </a:solidFill>
-        <a:ln w="12700" cap="flat" cmpd="sng" algn="ctr">
-          <a:solidFill>
-            <a:schemeClr val="accent1">
-              <a:tint val="50000"/>
-              <a:hueOff val="0"/>
-              <a:satOff val="0"/>
-              <a:lumOff val="0"/>
-              <a:alphaOff val="0"/>
-            </a:schemeClr>
-          </a:solidFill>
-          <a:prstDash val="solid"/>
-          <a:miter lim="800000"/>
-        </a:ln>
-        <a:effectLst/>
-      </dsp:spPr>
-      <dsp:style>
-        <a:lnRef idx="2">
-          <a:scrgbClr r="0" g="0" b="0"/>
-        </a:lnRef>
-        <a:fillRef idx="1">
-          <a:scrgbClr r="0" g="0" b="0"/>
-        </a:fillRef>
-        <a:effectRef idx="0">
-          <a:scrgbClr r="0" g="0" b="0"/>
-        </a:effectRef>
-        <a:fontRef idx="minor"/>
-      </dsp:style>
-    </dsp:sp>
-    <dsp:sp modelId="{347C6339-B231-447A-BCBE-4DD771E79BCD}">
-      <dsp:nvSpPr>
-        <dsp:cNvPr id="0" name=""/>
-        <dsp:cNvSpPr/>
-      </dsp:nvSpPr>
-      <dsp:spPr>
-        <a:xfrm>
-          <a:off x="2260854" y="2971756"/>
-          <a:ext cx="8254746" cy="2701596"/>
-        </a:xfrm>
-        <a:prstGeom prst="rect">
-          <a:avLst/>
-        </a:prstGeom>
-        <a:noFill/>
-        <a:ln>
-          <a:noFill/>
-        </a:ln>
-        <a:effectLst/>
-      </dsp:spPr>
-      <dsp:style>
-        <a:lnRef idx="0">
-          <a:scrgbClr r="0" g="0" b="0"/>
-        </a:lnRef>
-        <a:fillRef idx="0">
-          <a:scrgbClr r="0" g="0" b="0"/>
-        </a:fillRef>
-        <a:effectRef idx="0">
-          <a:scrgbClr r="0" g="0" b="0"/>
-        </a:effectRef>
-        <a:fontRef idx="minor"/>
-      </dsp:style>
-      <dsp:txBody>
-        <a:bodyPr spcFirstLastPara="0" vert="horz" wrap="square" lIns="247650" tIns="247650" rIns="247650" bIns="247650" numCol="1" spcCol="1270" anchor="t" anchorCtr="0">
-          <a:noAutofit/>
-        </a:bodyPr>
-        <a:lstStyle/>
-        <a:p>
-          <a:pPr marL="0" lvl="0" indent="0" algn="l" defTabSz="2889250">
-            <a:lnSpc>
-              <a:spcPct val="90000"/>
-            </a:lnSpc>
-            <a:spcBef>
-              <a:spcPct val="0"/>
-            </a:spcBef>
-            <a:spcAft>
-              <a:spcPct val="35000"/>
-            </a:spcAft>
-            <a:buNone/>
-          </a:pPr>
-          <a:r>
-            <a:rPr lang="en-PH" sz="6500" kern="1200" dirty="0" err="1"/>
-            <a:t>postHash</a:t>
-          </a:r>
-          <a:endParaRPr lang="en-PH" sz="6500" kern="1200" dirty="0"/>
-        </a:p>
-      </dsp:txBody>
-      <dsp:txXfrm>
-        <a:off x="2260854" y="2971756"/>
-        <a:ext cx="8254746" cy="2701596"/>
-      </dsp:txXfrm>
-    </dsp:sp>
-    <dsp:sp modelId="{38233778-9C02-4BB2-AB72-F25A0E5E82CE}">
-      <dsp:nvSpPr>
-        <dsp:cNvPr id="0" name=""/>
-        <dsp:cNvSpPr/>
-      </dsp:nvSpPr>
-      <dsp:spPr>
-        <a:xfrm>
-          <a:off x="2103120" y="5673352"/>
-          <a:ext cx="8412480" cy="0"/>
-        </a:xfrm>
-        <a:prstGeom prst="line">
-          <a:avLst/>
-        </a:prstGeom>
-        <a:solidFill>
-          <a:schemeClr val="accent1">
-            <a:hueOff val="0"/>
-            <a:satOff val="0"/>
-            <a:lumOff val="0"/>
-            <a:alphaOff val="0"/>
-          </a:schemeClr>
-        </a:solidFill>
-        <a:ln w="12700" cap="flat" cmpd="sng" algn="ctr">
-          <a:solidFill>
-            <a:schemeClr val="accent1">
-              <a:tint val="50000"/>
-              <a:hueOff val="0"/>
-              <a:satOff val="0"/>
-              <a:lumOff val="0"/>
-              <a:alphaOff val="0"/>
-            </a:schemeClr>
-          </a:solidFill>
-          <a:prstDash val="solid"/>
-          <a:miter lim="800000"/>
-        </a:ln>
-        <a:effectLst/>
-      </dsp:spPr>
-      <dsp:style>
-        <a:lnRef idx="2">
-          <a:scrgbClr r="0" g="0" b="0"/>
-        </a:lnRef>
-        <a:fillRef idx="1">
-          <a:scrgbClr r="0" g="0" b="0"/>
-        </a:fillRef>
-        <a:effectRef idx="0">
-          <a:scrgbClr r="0" g="0" b="0"/>
-        </a:effectRef>
-        <a:fontRef idx="minor"/>
-      </dsp:style>
-    </dsp:sp>
-  </dsp:spTree>
-</dsp:drawing>
-</file>
-
-<file path=ppt/diagrams/drawing6.xml><?xml version="1.0" encoding="utf-8"?>
-<dsp:drawing xmlns:dgm="http://schemas.openxmlformats.org/drawingml/2006/diagram" xmlns:dsp="http://schemas.microsoft.com/office/drawing/2008/diagram" xmlns:a="http://schemas.openxmlformats.org/drawingml/2006/main">
-  <dsp:spTree>
-    <dsp:nvGrpSpPr>
-      <dsp:cNvPr id="0" name=""/>
-      <dsp:cNvGrpSpPr/>
-    </dsp:nvGrpSpPr>
-    <dsp:grpSpPr/>
-    <dsp:sp modelId="{F0557730-8B9A-4E9D-832D-78384F71DA4A}">
-      <dsp:nvSpPr>
-        <dsp:cNvPr id="0" name=""/>
-        <dsp:cNvSpPr/>
-      </dsp:nvSpPr>
-      <dsp:spPr>
-        <a:xfrm>
-          <a:off x="0" y="0"/>
-          <a:ext cx="10515600" cy="0"/>
-        </a:xfrm>
-        <a:prstGeom prst="line">
-          <a:avLst/>
-        </a:prstGeom>
-        <a:solidFill>
-          <a:schemeClr val="accent1">
-            <a:hueOff val="0"/>
-            <a:satOff val="0"/>
-            <a:lumOff val="0"/>
-            <a:alphaOff val="0"/>
-          </a:schemeClr>
-        </a:solidFill>
-        <a:ln w="12700" cap="flat" cmpd="sng" algn="ctr">
-          <a:solidFill>
-            <a:schemeClr val="accent1">
-              <a:hueOff val="0"/>
-              <a:satOff val="0"/>
-              <a:lumOff val="0"/>
-              <a:alphaOff val="0"/>
-            </a:schemeClr>
-          </a:solidFill>
-          <a:prstDash val="solid"/>
-          <a:miter lim="800000"/>
-        </a:ln>
-        <a:effectLst/>
-      </dsp:spPr>
-      <dsp:style>
-        <a:lnRef idx="2">
-          <a:scrgbClr r="0" g="0" b="0"/>
-        </a:lnRef>
-        <a:fillRef idx="1">
-          <a:scrgbClr r="0" g="0" b="0"/>
-        </a:fillRef>
-        <a:effectRef idx="0">
-          <a:scrgbClr r="0" g="0" b="0"/>
-        </a:effectRef>
-        <a:fontRef idx="minor">
-          <a:schemeClr val="lt1"/>
-        </a:fontRef>
-      </dsp:style>
-    </dsp:sp>
-    <dsp:sp modelId="{E3CC5A9C-1C2B-4849-BDA5-16B8B34A5987}">
-      <dsp:nvSpPr>
-        <dsp:cNvPr id="0" name=""/>
-        <dsp:cNvSpPr/>
-      </dsp:nvSpPr>
-      <dsp:spPr>
-        <a:xfrm>
-          <a:off x="0" y="0"/>
-          <a:ext cx="2103120" cy="5811838"/>
-        </a:xfrm>
-        <a:prstGeom prst="rect">
-          <a:avLst/>
-        </a:prstGeom>
-        <a:noFill/>
-        <a:ln>
-          <a:noFill/>
-        </a:ln>
-        <a:effectLst/>
-      </dsp:spPr>
-      <dsp:style>
-        <a:lnRef idx="0">
-          <a:scrgbClr r="0" g="0" b="0"/>
-        </a:lnRef>
-        <a:fillRef idx="0">
-          <a:scrgbClr r="0" g="0" b="0"/>
-        </a:fillRef>
-        <a:effectRef idx="0">
-          <a:scrgbClr r="0" g="0" b="0"/>
-        </a:effectRef>
-        <a:fontRef idx="minor"/>
-      </dsp:style>
-      <dsp:txBody>
-        <a:bodyPr spcFirstLastPara="0" vert="horz" wrap="square" lIns="243840" tIns="243840" rIns="243840" bIns="243840" numCol="1" spcCol="1270" anchor="t" anchorCtr="0">
-          <a:noAutofit/>
-        </a:bodyPr>
-        <a:lstStyle/>
-        <a:p>
-          <a:pPr marL="0" lvl="0" indent="0" algn="l" defTabSz="2844800">
-            <a:lnSpc>
-              <a:spcPct val="90000"/>
-            </a:lnSpc>
-            <a:spcBef>
-              <a:spcPct val="0"/>
-            </a:spcBef>
-            <a:spcAft>
-              <a:spcPct val="35000"/>
-            </a:spcAft>
-            <a:buNone/>
-          </a:pPr>
-          <a:r>
-            <a:rPr lang="en-PH" sz="6400" kern="1200" dirty="0"/>
-            <a:t>Likes</a:t>
-          </a:r>
-        </a:p>
-      </dsp:txBody>
-      <dsp:txXfrm>
-        <a:off x="0" y="0"/>
-        <a:ext cx="2103120" cy="5811838"/>
-      </dsp:txXfrm>
-    </dsp:sp>
-    <dsp:sp modelId="{7C715882-15D3-4785-8D04-6D401EF6AFB0}">
-      <dsp:nvSpPr>
-        <dsp:cNvPr id="0" name=""/>
-        <dsp:cNvSpPr/>
-      </dsp:nvSpPr>
-      <dsp:spPr>
-        <a:xfrm>
           <a:off x="2260854" y="90809"/>
           <a:ext cx="8254746" cy="1816199"/>
         </a:xfrm>
@@ -16347,7 +15018,7 @@
 </dsp:drawing>
 </file>
 
-<file path=ppt/diagrams/drawing7.xml><?xml version="1.0" encoding="utf-8"?>
+<file path=ppt/diagrams/drawing6.xml><?xml version="1.0" encoding="utf-8"?>
 <dsp:drawing xmlns:dgm="http://schemas.openxmlformats.org/drawingml/2006/diagram" xmlns:dsp="http://schemas.microsoft.com/office/drawing/2008/diagram" xmlns:a="http://schemas.openxmlformats.org/drawingml/2006/main">
   <dsp:spTree>
     <dsp:nvGrpSpPr>
@@ -20274,472 +18945,6 @@
 </dgm:layoutDef>
 </file>
 
-<file path=ppt/diagrams/layout7.xml><?xml version="1.0" encoding="utf-8"?>
-<dgm:layoutDef xmlns:dgm="http://schemas.openxmlformats.org/drawingml/2006/diagram" xmlns:a="http://schemas.openxmlformats.org/drawingml/2006/main" uniqueId="urn:microsoft.com/office/officeart/2008/layout/LinedList">
-  <dgm:title val=""/>
-  <dgm:desc val=""/>
-  <dgm:catLst>
-    <dgm:cat type="hierarchy" pri="8000"/>
-    <dgm:cat type="list" pri="2500"/>
-  </dgm:catLst>
-  <dgm:sampData>
-    <dgm:dataModel>
-      <dgm:ptLst>
-        <dgm:pt modelId="0" type="doc"/>
-        <dgm:pt modelId="1">
-          <dgm:prSet phldr="1"/>
-        </dgm:pt>
-        <dgm:pt modelId="11">
-          <dgm:prSet phldr="1"/>
-        </dgm:pt>
-        <dgm:pt modelId="12">
-          <dgm:prSet phldr="1"/>
-        </dgm:pt>
-        <dgm:pt modelId="13">
-          <dgm:prSet phldr="1"/>
-        </dgm:pt>
-      </dgm:ptLst>
-      <dgm:cxnLst>
-        <dgm:cxn modelId="2" srcId="0" destId="1" srcOrd="0" destOrd="0"/>
-        <dgm:cxn modelId="3" srcId="1" destId="11" srcOrd="0" destOrd="0"/>
-        <dgm:cxn modelId="4" srcId="1" destId="12" srcOrd="1" destOrd="0"/>
-        <dgm:cxn modelId="5" srcId="1" destId="13" srcOrd="2" destOrd="0"/>
-      </dgm:cxnLst>
-      <dgm:bg/>
-      <dgm:whole/>
-    </dgm:dataModel>
-  </dgm:sampData>
-  <dgm:styleData>
-    <dgm:dataModel>
-      <dgm:ptLst>
-        <dgm:pt modelId="0" type="doc"/>
-        <dgm:pt modelId="1">
-          <dgm:prSet phldr="1"/>
-        </dgm:pt>
-        <dgm:pt modelId="11">
-          <dgm:prSet phldr="1"/>
-        </dgm:pt>
-        <dgm:pt modelId="12">
-          <dgm:prSet phldr="1"/>
-        </dgm:pt>
-      </dgm:ptLst>
-      <dgm:cxnLst>
-        <dgm:cxn modelId="2" srcId="0" destId="1" srcOrd="0" destOrd="0"/>
-        <dgm:cxn modelId="3" srcId="1" destId="11" srcOrd="0" destOrd="0"/>
-        <dgm:cxn modelId="4" srcId="1" destId="12" srcOrd="1" destOrd="0"/>
-      </dgm:cxnLst>
-      <dgm:bg/>
-      <dgm:whole/>
-    </dgm:dataModel>
-  </dgm:styleData>
-  <dgm:clrData>
-    <dgm:dataModel>
-      <dgm:ptLst>
-        <dgm:pt modelId="0" type="doc"/>
-        <dgm:pt modelId="1">
-          <dgm:prSet phldr="1"/>
-        </dgm:pt>
-        <dgm:pt modelId="11">
-          <dgm:prSet phldr="1"/>
-        </dgm:pt>
-        <dgm:pt modelId="12">
-          <dgm:prSet phldr="1"/>
-        </dgm:pt>
-      </dgm:ptLst>
-      <dgm:cxnLst>
-        <dgm:cxn modelId="2" srcId="0" destId="1" srcOrd="0" destOrd="0"/>
-        <dgm:cxn modelId="3" srcId="1" destId="11" srcOrd="0" destOrd="0"/>
-        <dgm:cxn modelId="4" srcId="1" destId="12" srcOrd="1" destOrd="0"/>
-      </dgm:cxnLst>
-      <dgm:bg/>
-      <dgm:whole/>
-    </dgm:dataModel>
-  </dgm:clrData>
-  <dgm:layoutNode name="vert0">
-    <dgm:varLst>
-      <dgm:dir/>
-      <dgm:animOne val="branch"/>
-      <dgm:animLvl val="lvl"/>
-    </dgm:varLst>
-    <dgm:choose name="Name0">
-      <dgm:if name="Name1" func="var" arg="dir" op="equ" val="norm">
-        <dgm:alg type="lin">
-          <dgm:param type="linDir" val="fromT"/>
-          <dgm:param type="nodeHorzAlign" val="l"/>
-        </dgm:alg>
-      </dgm:if>
-      <dgm:else name="Name2">
-        <dgm:alg type="lin">
-          <dgm:param type="linDir" val="fromT"/>
-          <dgm:param type="nodeHorzAlign" val="r"/>
-        </dgm:alg>
-      </dgm:else>
-    </dgm:choose>
-    <dgm:shape xmlns:r="http://schemas.openxmlformats.org/officeDocument/2006/relationships" r:blip="">
-      <dgm:adjLst/>
-    </dgm:shape>
-    <dgm:presOf/>
-    <dgm:constrLst>
-      <dgm:constr type="w" for="ch" forName="horz1" refType="w"/>
-      <dgm:constr type="h" for="ch" forName="horz1" refType="h"/>
-      <dgm:constr type="h" for="des" forName="vert1" refType="h"/>
-      <dgm:constr type="h" for="des" forName="tx1" refType="h"/>
-      <dgm:constr type="h" for="des" forName="horz2" refType="h"/>
-      <dgm:constr type="h" for="des" forName="vert2" refType="h"/>
-      <dgm:constr type="h" for="des" forName="horz3" refType="h"/>
-      <dgm:constr type="h" for="des" forName="vert3" refType="h"/>
-      <dgm:constr type="h" for="des" forName="horz4" refType="h"/>
-      <dgm:constr type="h" for="des" ptType="node" refType="h"/>
-      <dgm:constr type="primFontSz" for="des" forName="tx1" op="equ" val="65"/>
-      <dgm:constr type="primFontSz" for="des" forName="tx2" op="equ" val="65"/>
-      <dgm:constr type="primFontSz" for="des" forName="tx3" op="equ" val="65"/>
-      <dgm:constr type="primFontSz" for="des" forName="tx4" op="equ" val="65"/>
-      <dgm:constr type="w" for="des" forName="thickLine" refType="w"/>
-      <dgm:constr type="h" for="des" forName="thickLine"/>
-      <dgm:constr type="h" for="des" forName="thinLine1"/>
-      <dgm:constr type="h" for="des" forName="thinLine2b"/>
-      <dgm:constr type="h" for="des" forName="thinLine3"/>
-      <dgm:constr type="h" for="des" forName="vertSpace2a" refType="h" fact="0.05"/>
-      <dgm:constr type="h" for="des" forName="vertSpace2b" refType="h" refFor="des" refForName="vertSpace2a"/>
-    </dgm:constrLst>
-    <dgm:forEach name="Name3" axis="ch" ptType="node">
-      <dgm:layoutNode name="thickLine" styleLbl="alignNode1">
-        <dgm:alg type="sp"/>
-        <dgm:shape xmlns:r="http://schemas.openxmlformats.org/officeDocument/2006/relationships" type="line" r:blip="">
-          <dgm:adjLst/>
-        </dgm:shape>
-        <dgm:presOf/>
-      </dgm:layoutNode>
-      <dgm:layoutNode name="horz1">
-        <dgm:choose name="Name4">
-          <dgm:if name="Name5" func="var" arg="dir" op="equ" val="norm">
-            <dgm:alg type="lin">
-              <dgm:param type="linDir" val="fromL"/>
-              <dgm:param type="nodeVertAlign" val="t"/>
-            </dgm:alg>
-          </dgm:if>
-          <dgm:else name="Name6">
-            <dgm:alg type="lin">
-              <dgm:param type="linDir" val="fromR"/>
-              <dgm:param type="nodeVertAlign" val="t"/>
-            </dgm:alg>
-          </dgm:else>
-        </dgm:choose>
-        <dgm:shape xmlns:r="http://schemas.openxmlformats.org/officeDocument/2006/relationships" r:blip="">
-          <dgm:adjLst/>
-        </dgm:shape>
-        <dgm:presOf/>
-        <dgm:choose name="Name7">
-          <dgm:if name="Name8" axis="root des" func="maxDepth" op="equ" val="1">
-            <dgm:constrLst>
-              <dgm:constr type="w" for="ch" forName="tx1" refType="w"/>
-            </dgm:constrLst>
-          </dgm:if>
-          <dgm:if name="Name9" axis="root des" func="maxDepth" op="equ" val="2">
-            <dgm:constrLst>
-              <dgm:constr type="w" for="ch" forName="tx1" refType="w" fact="0.2"/>
-              <dgm:constr type="w" for="des" forName="tx2" refType="w" fact="0.785"/>
-              <dgm:constr type="w" for="des" forName="horzSpace2" refType="w" fact="0.015"/>
-              <dgm:constr type="w" for="des" forName="thinLine2b" refType="w" fact="0.8"/>
-            </dgm:constrLst>
-          </dgm:if>
-          <dgm:if name="Name10" axis="root des" func="maxDepth" op="equ" val="3">
-            <dgm:constrLst>
-              <dgm:constr type="w" for="ch" forName="tx1" refType="w" fact="0.2"/>
-              <dgm:constr type="w" for="des" forName="tx2" refType="w" fact="0.385"/>
-              <dgm:constr type="w" for="des" forName="tx3" refType="w" fact="0.385"/>
-              <dgm:constr type="w" for="des" forName="horzSpace2" refType="w" fact="0.015"/>
-              <dgm:constr type="w" for="des" forName="horzSpace3" refType="w" fact="0.015"/>
-              <dgm:constr type="w" for="des" forName="thinLine2b" refType="w" fact="0.8"/>
-              <dgm:constr type="w" for="des" forName="thinLine3" refType="w" fact="0.385"/>
-            </dgm:constrLst>
-          </dgm:if>
-          <dgm:if name="Name11" axis="root des" func="maxDepth" op="gte" val="4">
-            <dgm:constrLst>
-              <dgm:constr type="w" for="ch" forName="tx1" refType="w" fact="0.2"/>
-              <dgm:constr type="w" for="des" forName="tx2" refType="w" fact="0.2516"/>
-              <dgm:constr type="w" for="des" forName="tx3" refType="w" fact="0.2516"/>
-              <dgm:constr type="w" for="des" forName="tx4" refType="w" fact="0.2516"/>
-              <dgm:constr type="w" for="des" forName="horzSpace2" refType="w" fact="0.015"/>
-              <dgm:constr type="w" for="des" forName="horzSpace3" refType="w" fact="0.015"/>
-              <dgm:constr type="w" for="des" forName="horzSpace4" refType="w" fact="0.015"/>
-              <dgm:constr type="w" for="des" forName="thinLine2b" refType="w" fact="0.8"/>
-              <dgm:constr type="w" for="des" forName="thinLine3" refType="w" fact="0.5332"/>
-            </dgm:constrLst>
-          </dgm:if>
-          <dgm:else name="Name12"/>
-        </dgm:choose>
-        <dgm:layoutNode name="tx1" styleLbl="revTx">
-          <dgm:alg type="tx">
-            <dgm:param type="parTxLTRAlign" val="l"/>
-            <dgm:param type="parTxRTLAlign" val="r"/>
-            <dgm:param type="txAnchorVert" val="t"/>
-          </dgm:alg>
-          <dgm:shape xmlns:r="http://schemas.openxmlformats.org/officeDocument/2006/relationships" type="rect" r:blip="">
-            <dgm:adjLst/>
-          </dgm:shape>
-          <dgm:presOf axis="self"/>
-          <dgm:constrLst>
-            <dgm:constr type="tMarg" refType="primFontSz" fact="0.3"/>
-            <dgm:constr type="bMarg" refType="primFontSz" fact="0.3"/>
-            <dgm:constr type="lMarg" refType="primFontSz" fact="0.3"/>
-            <dgm:constr type="rMarg" refType="primFontSz" fact="0.3"/>
-          </dgm:constrLst>
-          <dgm:ruleLst>
-            <dgm:rule type="primFontSz" val="5" fact="NaN" max="NaN"/>
-          </dgm:ruleLst>
-        </dgm:layoutNode>
-        <dgm:layoutNode name="vert1">
-          <dgm:choose name="Name13">
-            <dgm:if name="Name14" func="var" arg="dir" op="equ" val="norm">
-              <dgm:alg type="lin">
-                <dgm:param type="linDir" val="fromT"/>
-                <dgm:param type="nodeHorzAlign" val="l"/>
-              </dgm:alg>
-            </dgm:if>
-            <dgm:else name="Name15">
-              <dgm:alg type="lin">
-                <dgm:param type="linDir" val="fromT"/>
-                <dgm:param type="nodeHorzAlign" val="r"/>
-              </dgm:alg>
-            </dgm:else>
-          </dgm:choose>
-          <dgm:shape xmlns:r="http://schemas.openxmlformats.org/officeDocument/2006/relationships" r:blip="">
-            <dgm:adjLst/>
-          </dgm:shape>
-          <dgm:presOf/>
-          <dgm:forEach name="Name16" axis="ch" ptType="node">
-            <dgm:choose name="Name17">
-              <dgm:if name="Name18" axis="self" ptType="node" func="pos" op="equ" val="1">
-                <dgm:layoutNode name="vertSpace2a">
-                  <dgm:alg type="sp"/>
-                  <dgm:shape xmlns:r="http://schemas.openxmlformats.org/officeDocument/2006/relationships" r:blip="">
-                    <dgm:adjLst/>
-                  </dgm:shape>
-                  <dgm:presOf/>
-                </dgm:layoutNode>
-              </dgm:if>
-              <dgm:else name="Name19"/>
-            </dgm:choose>
-            <dgm:layoutNode name="horz2">
-              <dgm:choose name="Name20">
-                <dgm:if name="Name21" func="var" arg="dir" op="equ" val="norm">
-                  <dgm:alg type="lin">
-                    <dgm:param type="linDir" val="fromL"/>
-                    <dgm:param type="nodeVertAlign" val="t"/>
-                  </dgm:alg>
-                </dgm:if>
-                <dgm:else name="Name22">
-                  <dgm:alg type="lin">
-                    <dgm:param type="linDir" val="fromR"/>
-                    <dgm:param type="nodeVertAlign" val="t"/>
-                  </dgm:alg>
-                </dgm:else>
-              </dgm:choose>
-              <dgm:shape xmlns:r="http://schemas.openxmlformats.org/officeDocument/2006/relationships" r:blip="">
-                <dgm:adjLst/>
-              </dgm:shape>
-              <dgm:presOf/>
-              <dgm:layoutNode name="horzSpace2">
-                <dgm:alg type="sp"/>
-                <dgm:shape xmlns:r="http://schemas.openxmlformats.org/officeDocument/2006/relationships" r:blip="">
-                  <dgm:adjLst/>
-                </dgm:shape>
-                <dgm:presOf/>
-              </dgm:layoutNode>
-              <dgm:layoutNode name="tx2" styleLbl="revTx">
-                <dgm:alg type="tx">
-                  <dgm:param type="parTxLTRAlign" val="l"/>
-                  <dgm:param type="parTxRTLAlign" val="r"/>
-                  <dgm:param type="txAnchorVert" val="t"/>
-                </dgm:alg>
-                <dgm:shape xmlns:r="http://schemas.openxmlformats.org/officeDocument/2006/relationships" type="rect" r:blip="">
-                  <dgm:adjLst/>
-                </dgm:shape>
-                <dgm:presOf axis="self"/>
-                <dgm:constrLst>
-                  <dgm:constr type="tMarg" refType="primFontSz" fact="0.3"/>
-                  <dgm:constr type="bMarg" refType="primFontSz" fact="0.3"/>
-                  <dgm:constr type="lMarg" refType="primFontSz" fact="0.3"/>
-                  <dgm:constr type="rMarg" refType="primFontSz" fact="0.3"/>
-                </dgm:constrLst>
-                <dgm:ruleLst>
-                  <dgm:rule type="primFontSz" val="5" fact="NaN" max="NaN"/>
-                </dgm:ruleLst>
-              </dgm:layoutNode>
-              <dgm:layoutNode name="vert2">
-                <dgm:choose name="Name23">
-                  <dgm:if name="Name24" func="var" arg="dir" op="equ" val="norm">
-                    <dgm:alg type="lin">
-                      <dgm:param type="linDir" val="fromT"/>
-                      <dgm:param type="nodeHorzAlign" val="l"/>
-                    </dgm:alg>
-                  </dgm:if>
-                  <dgm:else name="Name25">
-                    <dgm:alg type="lin">
-                      <dgm:param type="linDir" val="fromT"/>
-                      <dgm:param type="nodeHorzAlign" val="r"/>
-                    </dgm:alg>
-                  </dgm:else>
-                </dgm:choose>
-                <dgm:shape xmlns:r="http://schemas.openxmlformats.org/officeDocument/2006/relationships" r:blip="">
-                  <dgm:adjLst/>
-                </dgm:shape>
-                <dgm:presOf/>
-                <dgm:forEach name="Name26" axis="ch" ptType="node">
-                  <dgm:layoutNode name="horz3">
-                    <dgm:choose name="Name27">
-                      <dgm:if name="Name28" func="var" arg="dir" op="equ" val="norm">
-                        <dgm:alg type="lin">
-                          <dgm:param type="linDir" val="fromL"/>
-                          <dgm:param type="nodeVertAlign" val="t"/>
-                        </dgm:alg>
-                      </dgm:if>
-                      <dgm:else name="Name29">
-                        <dgm:alg type="lin">
-                          <dgm:param type="linDir" val="fromR"/>
-                          <dgm:param type="nodeVertAlign" val="t"/>
-                        </dgm:alg>
-                      </dgm:else>
-                    </dgm:choose>
-                    <dgm:shape xmlns:r="http://schemas.openxmlformats.org/officeDocument/2006/relationships" r:blip="">
-                      <dgm:adjLst/>
-                    </dgm:shape>
-                    <dgm:presOf/>
-                    <dgm:layoutNode name="horzSpace3">
-                      <dgm:alg type="sp"/>
-                      <dgm:shape xmlns:r="http://schemas.openxmlformats.org/officeDocument/2006/relationships" r:blip="">
-                        <dgm:adjLst/>
-                      </dgm:shape>
-                      <dgm:presOf/>
-                    </dgm:layoutNode>
-                    <dgm:layoutNode name="tx3" styleLbl="revTx">
-                      <dgm:alg type="tx">
-                        <dgm:param type="parTxLTRAlign" val="l"/>
-                        <dgm:param type="parTxRTLAlign" val="r"/>
-                        <dgm:param type="txAnchorVert" val="t"/>
-                      </dgm:alg>
-                      <dgm:shape xmlns:r="http://schemas.openxmlformats.org/officeDocument/2006/relationships" type="rect" r:blip="">
-                        <dgm:adjLst/>
-                      </dgm:shape>
-                      <dgm:presOf axis="self"/>
-                      <dgm:constrLst>
-                        <dgm:constr type="tMarg" refType="primFontSz" fact="0.3"/>
-                        <dgm:constr type="bMarg" refType="primFontSz" fact="0.3"/>
-                        <dgm:constr type="lMarg" refType="primFontSz" fact="0.3"/>
-                        <dgm:constr type="rMarg" refType="primFontSz" fact="0.3"/>
-                      </dgm:constrLst>
-                      <dgm:ruleLst>
-                        <dgm:rule type="primFontSz" val="5" fact="NaN" max="NaN"/>
-                      </dgm:ruleLst>
-                    </dgm:layoutNode>
-                    <dgm:layoutNode name="vert3">
-                      <dgm:choose name="Name30">
-                        <dgm:if name="Name31" func="var" arg="dir" op="equ" val="norm">
-                          <dgm:alg type="lin">
-                            <dgm:param type="linDir" val="fromT"/>
-                            <dgm:param type="nodeHorzAlign" val="l"/>
-                          </dgm:alg>
-                        </dgm:if>
-                        <dgm:else name="Name32">
-                          <dgm:alg type="lin">
-                            <dgm:param type="linDir" val="fromT"/>
-                            <dgm:param type="nodeHorzAlign" val="r"/>
-                          </dgm:alg>
-                        </dgm:else>
-                      </dgm:choose>
-                      <dgm:shape xmlns:r="http://schemas.openxmlformats.org/officeDocument/2006/relationships" r:blip="">
-                        <dgm:adjLst/>
-                      </dgm:shape>
-                      <dgm:presOf/>
-                      <dgm:forEach name="Name33" axis="ch" ptType="node">
-                        <dgm:layoutNode name="horz4">
-                          <dgm:choose name="Name34">
-                            <dgm:if name="Name35" func="var" arg="dir" op="equ" val="norm">
-                              <dgm:alg type="lin">
-                                <dgm:param type="linDir" val="fromL"/>
-                                <dgm:param type="nodeVertAlign" val="t"/>
-                              </dgm:alg>
-                            </dgm:if>
-                            <dgm:else name="Name36">
-                              <dgm:alg type="lin">
-                                <dgm:param type="linDir" val="fromR"/>
-                                <dgm:param type="nodeVertAlign" val="t"/>
-                              </dgm:alg>
-                            </dgm:else>
-                          </dgm:choose>
-                          <dgm:shape xmlns:r="http://schemas.openxmlformats.org/officeDocument/2006/relationships" r:blip="">
-                            <dgm:adjLst/>
-                          </dgm:shape>
-                          <dgm:presOf/>
-                          <dgm:layoutNode name="horzSpace4">
-                            <dgm:alg type="sp"/>
-                            <dgm:shape xmlns:r="http://schemas.openxmlformats.org/officeDocument/2006/relationships" r:blip="">
-                              <dgm:adjLst/>
-                            </dgm:shape>
-                            <dgm:presOf/>
-                          </dgm:layoutNode>
-                          <dgm:layoutNode name="tx4" styleLbl="revTx">
-                            <dgm:varLst>
-                              <dgm:bulletEnabled val="1"/>
-                            </dgm:varLst>
-                            <dgm:alg type="tx">
-                              <dgm:param type="parTxLTRAlign" val="l"/>
-                              <dgm:param type="parTxRTLAlign" val="r"/>
-                              <dgm:param type="txAnchorVert" val="t"/>
-                            </dgm:alg>
-                            <dgm:shape xmlns:r="http://schemas.openxmlformats.org/officeDocument/2006/relationships" type="rect" r:blip="">
-                              <dgm:adjLst/>
-                            </dgm:shape>
-                            <dgm:presOf axis="desOrSelf" ptType="node"/>
-                            <dgm:constrLst>
-                              <dgm:constr type="tMarg" refType="primFontSz" fact="0.3"/>
-                              <dgm:constr type="bMarg" refType="primFontSz" fact="0.3"/>
-                              <dgm:constr type="lMarg" refType="primFontSz" fact="0.3"/>
-                              <dgm:constr type="rMarg" refType="primFontSz" fact="0.3"/>
-                            </dgm:constrLst>
-                            <dgm:ruleLst>
-                              <dgm:rule type="primFontSz" val="5" fact="NaN" max="NaN"/>
-                            </dgm:ruleLst>
-                          </dgm:layoutNode>
-                        </dgm:layoutNode>
-                      </dgm:forEach>
-                    </dgm:layoutNode>
-                  </dgm:layoutNode>
-                  <dgm:forEach name="Name37" axis="followSib" ptType="sibTrans" cnt="1">
-                    <dgm:layoutNode name="thinLine3" styleLbl="callout">
-                      <dgm:alg type="sp"/>
-                      <dgm:shape xmlns:r="http://schemas.openxmlformats.org/officeDocument/2006/relationships" type="line" r:blip="">
-                        <dgm:adjLst/>
-                      </dgm:shape>
-                      <dgm:presOf/>
-                    </dgm:layoutNode>
-                  </dgm:forEach>
-                </dgm:forEach>
-              </dgm:layoutNode>
-            </dgm:layoutNode>
-            <dgm:layoutNode name="thinLine2b" styleLbl="callout">
-              <dgm:alg type="sp"/>
-              <dgm:shape xmlns:r="http://schemas.openxmlformats.org/officeDocument/2006/relationships" type="line" r:blip="">
-                <dgm:adjLst/>
-              </dgm:shape>
-              <dgm:presOf/>
-            </dgm:layoutNode>
-            <dgm:layoutNode name="vertSpace2b">
-              <dgm:alg type="sp"/>
-              <dgm:shape xmlns:r="http://schemas.openxmlformats.org/officeDocument/2006/relationships" r:blip="">
-                <dgm:adjLst/>
-              </dgm:shape>
-              <dgm:presOf/>
-            </dgm:layoutNode>
-          </dgm:forEach>
-        </dgm:layoutNode>
-      </dgm:layoutNode>
-    </dgm:forEach>
-  </dgm:layoutNode>
-</dgm:layoutDef>
-</file>
-
 <file path=ppt/diagrams/quickStyle1.xml><?xml version="1.0" encoding="utf-8"?>
 <dgm:styleDef xmlns:dgm="http://schemas.openxmlformats.org/drawingml/2006/diagram" xmlns:a="http://schemas.openxmlformats.org/drawingml/2006/main" uniqueId="urn:microsoft.com/office/officeart/2005/8/quickstyle/simple1">
   <dgm:title val=""/>
@@ -25911,1040 +24116,6 @@
 </file>
 
 <file path=ppt/diagrams/quickStyle6.xml><?xml version="1.0" encoding="utf-8"?>
-<dgm:styleDef xmlns:dgm="http://schemas.openxmlformats.org/drawingml/2006/diagram" xmlns:a="http://schemas.openxmlformats.org/drawingml/2006/main" uniqueId="urn:microsoft.com/office/officeart/2005/8/quickstyle/simple1">
-  <dgm:title val=""/>
-  <dgm:desc val=""/>
-  <dgm:catLst>
-    <dgm:cat type="simple" pri="10100"/>
-  </dgm:catLst>
-  <dgm:scene3d>
-    <a:camera prst="orthographicFront"/>
-    <a:lightRig rig="threePt" dir="t"/>
-  </dgm:scene3d>
-  <dgm:styleLbl name="node0">
-    <dgm:scene3d>
-      <a:camera prst="orthographicFront"/>
-      <a:lightRig rig="threePt" dir="t"/>
-    </dgm:scene3d>
-    <dgm:sp3d/>
-    <dgm:txPr/>
-    <dgm:style>
-      <a:lnRef idx="2">
-        <a:scrgbClr r="0" g="0" b="0"/>
-      </a:lnRef>
-      <a:fillRef idx="1">
-        <a:scrgbClr r="0" g="0" b="0"/>
-      </a:fillRef>
-      <a:effectRef idx="0">
-        <a:scrgbClr r="0" g="0" b="0"/>
-      </a:effectRef>
-      <a:fontRef idx="minor">
-        <a:schemeClr val="lt1"/>
-      </a:fontRef>
-    </dgm:style>
-  </dgm:styleLbl>
-  <dgm:styleLbl name="lnNode1">
-    <dgm:scene3d>
-      <a:camera prst="orthographicFront"/>
-      <a:lightRig rig="threePt" dir="t"/>
-    </dgm:scene3d>
-    <dgm:sp3d/>
-    <dgm:txPr/>
-    <dgm:style>
-      <a:lnRef idx="2">
-        <a:scrgbClr r="0" g="0" b="0"/>
-      </a:lnRef>
-      <a:fillRef idx="1">
-        <a:scrgbClr r="0" g="0" b="0"/>
-      </a:fillRef>
-      <a:effectRef idx="0">
-        <a:scrgbClr r="0" g="0" b="0"/>
-      </a:effectRef>
-      <a:fontRef idx="minor">
-        <a:schemeClr val="lt1"/>
-      </a:fontRef>
-    </dgm:style>
-  </dgm:styleLbl>
-  <dgm:styleLbl name="vennNode1">
-    <dgm:scene3d>
-      <a:camera prst="orthographicFront"/>
-      <a:lightRig rig="threePt" dir="t"/>
-    </dgm:scene3d>
-    <dgm:sp3d/>
-    <dgm:txPr/>
-    <dgm:style>
-      <a:lnRef idx="2">
-        <a:scrgbClr r="0" g="0" b="0"/>
-      </a:lnRef>
-      <a:fillRef idx="1">
-        <a:scrgbClr r="0" g="0" b="0"/>
-      </a:fillRef>
-      <a:effectRef idx="0">
-        <a:scrgbClr r="0" g="0" b="0"/>
-      </a:effectRef>
-      <a:fontRef idx="minor">
-        <a:schemeClr val="tx1"/>
-      </a:fontRef>
-    </dgm:style>
-  </dgm:styleLbl>
-  <dgm:styleLbl name="alignNode1">
-    <dgm:scene3d>
-      <a:camera prst="orthographicFront"/>
-      <a:lightRig rig="threePt" dir="t"/>
-    </dgm:scene3d>
-    <dgm:sp3d/>
-    <dgm:txPr/>
-    <dgm:style>
-      <a:lnRef idx="2">
-        <a:scrgbClr r="0" g="0" b="0"/>
-      </a:lnRef>
-      <a:fillRef idx="1">
-        <a:scrgbClr r="0" g="0" b="0"/>
-      </a:fillRef>
-      <a:effectRef idx="0">
-        <a:scrgbClr r="0" g="0" b="0"/>
-      </a:effectRef>
-      <a:fontRef idx="minor">
-        <a:schemeClr val="lt1"/>
-      </a:fontRef>
-    </dgm:style>
-  </dgm:styleLbl>
-  <dgm:styleLbl name="node1">
-    <dgm:scene3d>
-      <a:camera prst="orthographicFront"/>
-      <a:lightRig rig="threePt" dir="t"/>
-    </dgm:scene3d>
-    <dgm:sp3d/>
-    <dgm:txPr/>
-    <dgm:style>
-      <a:lnRef idx="2">
-        <a:scrgbClr r="0" g="0" b="0"/>
-      </a:lnRef>
-      <a:fillRef idx="1">
-        <a:scrgbClr r="0" g="0" b="0"/>
-      </a:fillRef>
-      <a:effectRef idx="0">
-        <a:scrgbClr r="0" g="0" b="0"/>
-      </a:effectRef>
-      <a:fontRef idx="minor">
-        <a:schemeClr val="lt1"/>
-      </a:fontRef>
-    </dgm:style>
-  </dgm:styleLbl>
-  <dgm:styleLbl name="node2">
-    <dgm:scene3d>
-      <a:camera prst="orthographicFront"/>
-      <a:lightRig rig="threePt" dir="t"/>
-    </dgm:scene3d>
-    <dgm:sp3d/>
-    <dgm:txPr/>
-    <dgm:style>
-      <a:lnRef idx="2">
-        <a:scrgbClr r="0" g="0" b="0"/>
-      </a:lnRef>
-      <a:fillRef idx="1">
-        <a:scrgbClr r="0" g="0" b="0"/>
-      </a:fillRef>
-      <a:effectRef idx="0">
-        <a:scrgbClr r="0" g="0" b="0"/>
-      </a:effectRef>
-      <a:fontRef idx="minor">
-        <a:schemeClr val="lt1"/>
-      </a:fontRef>
-    </dgm:style>
-  </dgm:styleLbl>
-  <dgm:styleLbl name="node3">
-    <dgm:scene3d>
-      <a:camera prst="orthographicFront"/>
-      <a:lightRig rig="threePt" dir="t"/>
-    </dgm:scene3d>
-    <dgm:sp3d/>
-    <dgm:txPr/>
-    <dgm:style>
-      <a:lnRef idx="2">
-        <a:scrgbClr r="0" g="0" b="0"/>
-      </a:lnRef>
-      <a:fillRef idx="1">
-        <a:scrgbClr r="0" g="0" b="0"/>
-      </a:fillRef>
-      <a:effectRef idx="0">
-        <a:scrgbClr r="0" g="0" b="0"/>
-      </a:effectRef>
-      <a:fontRef idx="minor">
-        <a:schemeClr val="lt1"/>
-      </a:fontRef>
-    </dgm:style>
-  </dgm:styleLbl>
-  <dgm:styleLbl name="node4">
-    <dgm:scene3d>
-      <a:camera prst="orthographicFront"/>
-      <a:lightRig rig="threePt" dir="t"/>
-    </dgm:scene3d>
-    <dgm:sp3d/>
-    <dgm:txPr/>
-    <dgm:style>
-      <a:lnRef idx="2">
-        <a:scrgbClr r="0" g="0" b="0"/>
-      </a:lnRef>
-      <a:fillRef idx="1">
-        <a:scrgbClr r="0" g="0" b="0"/>
-      </a:fillRef>
-      <a:effectRef idx="0">
-        <a:scrgbClr r="0" g="0" b="0"/>
-      </a:effectRef>
-      <a:fontRef idx="minor">
-        <a:schemeClr val="lt1"/>
-      </a:fontRef>
-    </dgm:style>
-  </dgm:styleLbl>
-  <dgm:styleLbl name="fgImgPlace1">
-    <dgm:scene3d>
-      <a:camera prst="orthographicFront"/>
-      <a:lightRig rig="threePt" dir="t"/>
-    </dgm:scene3d>
-    <dgm:sp3d/>
-    <dgm:txPr/>
-    <dgm:style>
-      <a:lnRef idx="2">
-        <a:scrgbClr r="0" g="0" b="0"/>
-      </a:lnRef>
-      <a:fillRef idx="1">
-        <a:scrgbClr r="0" g="0" b="0"/>
-      </a:fillRef>
-      <a:effectRef idx="0">
-        <a:scrgbClr r="0" g="0" b="0"/>
-      </a:effectRef>
-      <a:fontRef idx="minor"/>
-    </dgm:style>
-  </dgm:styleLbl>
-  <dgm:styleLbl name="alignImgPlace1">
-    <dgm:scene3d>
-      <a:camera prst="orthographicFront"/>
-      <a:lightRig rig="threePt" dir="t"/>
-    </dgm:scene3d>
-    <dgm:sp3d/>
-    <dgm:txPr/>
-    <dgm:style>
-      <a:lnRef idx="2">
-        <a:scrgbClr r="0" g="0" b="0"/>
-      </a:lnRef>
-      <a:fillRef idx="1">
-        <a:scrgbClr r="0" g="0" b="0"/>
-      </a:fillRef>
-      <a:effectRef idx="0">
-        <a:scrgbClr r="0" g="0" b="0"/>
-      </a:effectRef>
-      <a:fontRef idx="minor"/>
-    </dgm:style>
-  </dgm:styleLbl>
-  <dgm:styleLbl name="bgImgPlace1">
-    <dgm:scene3d>
-      <a:camera prst="orthographicFront"/>
-      <a:lightRig rig="threePt" dir="t"/>
-    </dgm:scene3d>
-    <dgm:sp3d/>
-    <dgm:txPr/>
-    <dgm:style>
-      <a:lnRef idx="2">
-        <a:scrgbClr r="0" g="0" b="0"/>
-      </a:lnRef>
-      <a:fillRef idx="1">
-        <a:scrgbClr r="0" g="0" b="0"/>
-      </a:fillRef>
-      <a:effectRef idx="0">
-        <a:scrgbClr r="0" g="0" b="0"/>
-      </a:effectRef>
-      <a:fontRef idx="minor"/>
-    </dgm:style>
-  </dgm:styleLbl>
-  <dgm:styleLbl name="sibTrans2D1">
-    <dgm:scene3d>
-      <a:camera prst="orthographicFront"/>
-      <a:lightRig rig="threePt" dir="t"/>
-    </dgm:scene3d>
-    <dgm:sp3d/>
-    <dgm:txPr/>
-    <dgm:style>
-      <a:lnRef idx="0">
-        <a:scrgbClr r="0" g="0" b="0"/>
-      </a:lnRef>
-      <a:fillRef idx="1">
-        <a:scrgbClr r="0" g="0" b="0"/>
-      </a:fillRef>
-      <a:effectRef idx="0">
-        <a:scrgbClr r="0" g="0" b="0"/>
-      </a:effectRef>
-      <a:fontRef idx="minor">
-        <a:schemeClr val="lt1"/>
-      </a:fontRef>
-    </dgm:style>
-  </dgm:styleLbl>
-  <dgm:styleLbl name="fgSibTrans2D1">
-    <dgm:scene3d>
-      <a:camera prst="orthographicFront"/>
-      <a:lightRig rig="threePt" dir="t"/>
-    </dgm:scene3d>
-    <dgm:sp3d/>
-    <dgm:txPr/>
-    <dgm:style>
-      <a:lnRef idx="0">
-        <a:scrgbClr r="0" g="0" b="0"/>
-      </a:lnRef>
-      <a:fillRef idx="1">
-        <a:scrgbClr r="0" g="0" b="0"/>
-      </a:fillRef>
-      <a:effectRef idx="0">
-        <a:scrgbClr r="0" g="0" b="0"/>
-      </a:effectRef>
-      <a:fontRef idx="minor">
-        <a:schemeClr val="lt1"/>
-      </a:fontRef>
-    </dgm:style>
-  </dgm:styleLbl>
-  <dgm:styleLbl name="bgSibTrans2D1">
-    <dgm:scene3d>
-      <a:camera prst="orthographicFront"/>
-      <a:lightRig rig="threePt" dir="t"/>
-    </dgm:scene3d>
-    <dgm:sp3d/>
-    <dgm:txPr/>
-    <dgm:style>
-      <a:lnRef idx="0">
-        <a:scrgbClr r="0" g="0" b="0"/>
-      </a:lnRef>
-      <a:fillRef idx="1">
-        <a:scrgbClr r="0" g="0" b="0"/>
-      </a:fillRef>
-      <a:effectRef idx="0">
-        <a:scrgbClr r="0" g="0" b="0"/>
-      </a:effectRef>
-      <a:fontRef idx="minor">
-        <a:schemeClr val="lt1"/>
-      </a:fontRef>
-    </dgm:style>
-  </dgm:styleLbl>
-  <dgm:styleLbl name="sibTrans1D1">
-    <dgm:scene3d>
-      <a:camera prst="orthographicFront"/>
-      <a:lightRig rig="threePt" dir="t"/>
-    </dgm:scene3d>
-    <dgm:sp3d/>
-    <dgm:txPr/>
-    <dgm:style>
-      <a:lnRef idx="1">
-        <a:scrgbClr r="0" g="0" b="0"/>
-      </a:lnRef>
-      <a:fillRef idx="0">
-        <a:scrgbClr r="0" g="0" b="0"/>
-      </a:fillRef>
-      <a:effectRef idx="0">
-        <a:scrgbClr r="0" g="0" b="0"/>
-      </a:effectRef>
-      <a:fontRef idx="minor"/>
-    </dgm:style>
-  </dgm:styleLbl>
-  <dgm:styleLbl name="callout">
-    <dgm:scene3d>
-      <a:camera prst="orthographicFront"/>
-      <a:lightRig rig="threePt" dir="t"/>
-    </dgm:scene3d>
-    <dgm:sp3d/>
-    <dgm:txPr/>
-    <dgm:style>
-      <a:lnRef idx="2">
-        <a:scrgbClr r="0" g="0" b="0"/>
-      </a:lnRef>
-      <a:fillRef idx="1">
-        <a:scrgbClr r="0" g="0" b="0"/>
-      </a:fillRef>
-      <a:effectRef idx="0">
-        <a:scrgbClr r="0" g="0" b="0"/>
-      </a:effectRef>
-      <a:fontRef idx="minor"/>
-    </dgm:style>
-  </dgm:styleLbl>
-  <dgm:styleLbl name="asst0">
-    <dgm:scene3d>
-      <a:camera prst="orthographicFront"/>
-      <a:lightRig rig="threePt" dir="t"/>
-    </dgm:scene3d>
-    <dgm:sp3d/>
-    <dgm:txPr/>
-    <dgm:style>
-      <a:lnRef idx="2">
-        <a:scrgbClr r="0" g="0" b="0"/>
-      </a:lnRef>
-      <a:fillRef idx="1">
-        <a:scrgbClr r="0" g="0" b="0"/>
-      </a:fillRef>
-      <a:effectRef idx="0">
-        <a:scrgbClr r="0" g="0" b="0"/>
-      </a:effectRef>
-      <a:fontRef idx="minor">
-        <a:schemeClr val="lt1"/>
-      </a:fontRef>
-    </dgm:style>
-  </dgm:styleLbl>
-  <dgm:styleLbl name="asst1">
-    <dgm:scene3d>
-      <a:camera prst="orthographicFront"/>
-      <a:lightRig rig="threePt" dir="t"/>
-    </dgm:scene3d>
-    <dgm:sp3d/>
-    <dgm:txPr/>
-    <dgm:style>
-      <a:lnRef idx="2">
-        <a:scrgbClr r="0" g="0" b="0"/>
-      </a:lnRef>
-      <a:fillRef idx="1">
-        <a:scrgbClr r="0" g="0" b="0"/>
-      </a:fillRef>
-      <a:effectRef idx="0">
-        <a:scrgbClr r="0" g="0" b="0"/>
-      </a:effectRef>
-      <a:fontRef idx="minor">
-        <a:schemeClr val="lt1"/>
-      </a:fontRef>
-    </dgm:style>
-  </dgm:styleLbl>
-  <dgm:styleLbl name="asst2">
-    <dgm:scene3d>
-      <a:camera prst="orthographicFront"/>
-      <a:lightRig rig="threePt" dir="t"/>
-    </dgm:scene3d>
-    <dgm:sp3d/>
-    <dgm:txPr/>
-    <dgm:style>
-      <a:lnRef idx="2">
-        <a:scrgbClr r="0" g="0" b="0"/>
-      </a:lnRef>
-      <a:fillRef idx="1">
-        <a:scrgbClr r="0" g="0" b="0"/>
-      </a:fillRef>
-      <a:effectRef idx="0">
-        <a:scrgbClr r="0" g="0" b="0"/>
-      </a:effectRef>
-      <a:fontRef idx="minor">
-        <a:schemeClr val="lt1"/>
-      </a:fontRef>
-    </dgm:style>
-  </dgm:styleLbl>
-  <dgm:styleLbl name="asst3">
-    <dgm:scene3d>
-      <a:camera prst="orthographicFront"/>
-      <a:lightRig rig="threePt" dir="t"/>
-    </dgm:scene3d>
-    <dgm:sp3d/>
-    <dgm:txPr/>
-    <dgm:style>
-      <a:lnRef idx="2">
-        <a:scrgbClr r="0" g="0" b="0"/>
-      </a:lnRef>
-      <a:fillRef idx="1">
-        <a:scrgbClr r="0" g="0" b="0"/>
-      </a:fillRef>
-      <a:effectRef idx="0">
-        <a:scrgbClr r="0" g="0" b="0"/>
-      </a:effectRef>
-      <a:fontRef idx="minor">
-        <a:schemeClr val="lt1"/>
-      </a:fontRef>
-    </dgm:style>
-  </dgm:styleLbl>
-  <dgm:styleLbl name="asst4">
-    <dgm:scene3d>
-      <a:camera prst="orthographicFront"/>
-      <a:lightRig rig="threePt" dir="t"/>
-    </dgm:scene3d>
-    <dgm:sp3d/>
-    <dgm:txPr/>
-    <dgm:style>
-      <a:lnRef idx="2">
-        <a:scrgbClr r="0" g="0" b="0"/>
-      </a:lnRef>
-      <a:fillRef idx="1">
-        <a:scrgbClr r="0" g="0" b="0"/>
-      </a:fillRef>
-      <a:effectRef idx="0">
-        <a:scrgbClr r="0" g="0" b="0"/>
-      </a:effectRef>
-      <a:fontRef idx="minor">
-        <a:schemeClr val="lt1"/>
-      </a:fontRef>
-    </dgm:style>
-  </dgm:styleLbl>
-  <dgm:styleLbl name="parChTrans2D1">
-    <dgm:scene3d>
-      <a:camera prst="orthographicFront"/>
-      <a:lightRig rig="threePt" dir="t"/>
-    </dgm:scene3d>
-    <dgm:sp3d/>
-    <dgm:txPr/>
-    <dgm:style>
-      <a:lnRef idx="2">
-        <a:scrgbClr r="0" g="0" b="0"/>
-      </a:lnRef>
-      <a:fillRef idx="1">
-        <a:scrgbClr r="0" g="0" b="0"/>
-      </a:fillRef>
-      <a:effectRef idx="0">
-        <a:scrgbClr r="0" g="0" b="0"/>
-      </a:effectRef>
-      <a:fontRef idx="minor">
-        <a:schemeClr val="lt1"/>
-      </a:fontRef>
-    </dgm:style>
-  </dgm:styleLbl>
-  <dgm:styleLbl name="parChTrans2D2">
-    <dgm:scene3d>
-      <a:camera prst="orthographicFront"/>
-      <a:lightRig rig="threePt" dir="t"/>
-    </dgm:scene3d>
-    <dgm:sp3d/>
-    <dgm:txPr/>
-    <dgm:style>
-      <a:lnRef idx="2">
-        <a:scrgbClr r="0" g="0" b="0"/>
-      </a:lnRef>
-      <a:fillRef idx="1">
-        <a:scrgbClr r="0" g="0" b="0"/>
-      </a:fillRef>
-      <a:effectRef idx="0">
-        <a:scrgbClr r="0" g="0" b="0"/>
-      </a:effectRef>
-      <a:fontRef idx="minor">
-        <a:schemeClr val="lt1"/>
-      </a:fontRef>
-    </dgm:style>
-  </dgm:styleLbl>
-  <dgm:styleLbl name="parChTrans2D3">
-    <dgm:scene3d>
-      <a:camera prst="orthographicFront"/>
-      <a:lightRig rig="threePt" dir="t"/>
-    </dgm:scene3d>
-    <dgm:sp3d/>
-    <dgm:txPr/>
-    <dgm:style>
-      <a:lnRef idx="2">
-        <a:scrgbClr r="0" g="0" b="0"/>
-      </a:lnRef>
-      <a:fillRef idx="1">
-        <a:scrgbClr r="0" g="0" b="0"/>
-      </a:fillRef>
-      <a:effectRef idx="0">
-        <a:scrgbClr r="0" g="0" b="0"/>
-      </a:effectRef>
-      <a:fontRef idx="minor">
-        <a:schemeClr val="lt1"/>
-      </a:fontRef>
-    </dgm:style>
-  </dgm:styleLbl>
-  <dgm:styleLbl name="parChTrans2D4">
-    <dgm:scene3d>
-      <a:camera prst="orthographicFront"/>
-      <a:lightRig rig="threePt" dir="t"/>
-    </dgm:scene3d>
-    <dgm:sp3d/>
-    <dgm:txPr/>
-    <dgm:style>
-      <a:lnRef idx="2">
-        <a:scrgbClr r="0" g="0" b="0"/>
-      </a:lnRef>
-      <a:fillRef idx="1">
-        <a:scrgbClr r="0" g="0" b="0"/>
-      </a:fillRef>
-      <a:effectRef idx="0">
-        <a:scrgbClr r="0" g="0" b="0"/>
-      </a:effectRef>
-      <a:fontRef idx="minor">
-        <a:schemeClr val="lt1"/>
-      </a:fontRef>
-    </dgm:style>
-  </dgm:styleLbl>
-  <dgm:styleLbl name="parChTrans1D1">
-    <dgm:scene3d>
-      <a:camera prst="orthographicFront"/>
-      <a:lightRig rig="threePt" dir="t"/>
-    </dgm:scene3d>
-    <dgm:sp3d/>
-    <dgm:txPr/>
-    <dgm:style>
-      <a:lnRef idx="2">
-        <a:scrgbClr r="0" g="0" b="0"/>
-      </a:lnRef>
-      <a:fillRef idx="0">
-        <a:scrgbClr r="0" g="0" b="0"/>
-      </a:fillRef>
-      <a:effectRef idx="0">
-        <a:scrgbClr r="0" g="0" b="0"/>
-      </a:effectRef>
-      <a:fontRef idx="minor"/>
-    </dgm:style>
-  </dgm:styleLbl>
-  <dgm:styleLbl name="parChTrans1D2">
-    <dgm:scene3d>
-      <a:camera prst="orthographicFront"/>
-      <a:lightRig rig="threePt" dir="t"/>
-    </dgm:scene3d>
-    <dgm:sp3d/>
-    <dgm:txPr/>
-    <dgm:style>
-      <a:lnRef idx="2">
-        <a:scrgbClr r="0" g="0" b="0"/>
-      </a:lnRef>
-      <a:fillRef idx="0">
-        <a:scrgbClr r="0" g="0" b="0"/>
-      </a:fillRef>
-      <a:effectRef idx="0">
-        <a:scrgbClr r="0" g="0" b="0"/>
-      </a:effectRef>
-      <a:fontRef idx="minor"/>
-    </dgm:style>
-  </dgm:styleLbl>
-  <dgm:styleLbl name="parChTrans1D3">
-    <dgm:scene3d>
-      <a:camera prst="orthographicFront"/>
-      <a:lightRig rig="threePt" dir="t"/>
-    </dgm:scene3d>
-    <dgm:sp3d/>
-    <dgm:txPr/>
-    <dgm:style>
-      <a:lnRef idx="2">
-        <a:scrgbClr r="0" g="0" b="0"/>
-      </a:lnRef>
-      <a:fillRef idx="0">
-        <a:scrgbClr r="0" g="0" b="0"/>
-      </a:fillRef>
-      <a:effectRef idx="0">
-        <a:scrgbClr r="0" g="0" b="0"/>
-      </a:effectRef>
-      <a:fontRef idx="minor"/>
-    </dgm:style>
-  </dgm:styleLbl>
-  <dgm:styleLbl name="parChTrans1D4">
-    <dgm:scene3d>
-      <a:camera prst="orthographicFront"/>
-      <a:lightRig rig="threePt" dir="t"/>
-    </dgm:scene3d>
-    <dgm:sp3d/>
-    <dgm:txPr/>
-    <dgm:style>
-      <a:lnRef idx="2">
-        <a:scrgbClr r="0" g="0" b="0"/>
-      </a:lnRef>
-      <a:fillRef idx="0">
-        <a:scrgbClr r="0" g="0" b="0"/>
-      </a:fillRef>
-      <a:effectRef idx="0">
-        <a:scrgbClr r="0" g="0" b="0"/>
-      </a:effectRef>
-      <a:fontRef idx="minor"/>
-    </dgm:style>
-  </dgm:styleLbl>
-  <dgm:styleLbl name="fgAcc1">
-    <dgm:scene3d>
-      <a:camera prst="orthographicFront"/>
-      <a:lightRig rig="threePt" dir="t"/>
-    </dgm:scene3d>
-    <dgm:sp3d/>
-    <dgm:txPr/>
-    <dgm:style>
-      <a:lnRef idx="2">
-        <a:scrgbClr r="0" g="0" b="0"/>
-      </a:lnRef>
-      <a:fillRef idx="1">
-        <a:scrgbClr r="0" g="0" b="0"/>
-      </a:fillRef>
-      <a:effectRef idx="0">
-        <a:scrgbClr r="0" g="0" b="0"/>
-      </a:effectRef>
-      <a:fontRef idx="minor"/>
-    </dgm:style>
-  </dgm:styleLbl>
-  <dgm:styleLbl name="conFgAcc1">
-    <dgm:scene3d>
-      <a:camera prst="orthographicFront"/>
-      <a:lightRig rig="threePt" dir="t"/>
-    </dgm:scene3d>
-    <dgm:sp3d/>
-    <dgm:txPr/>
-    <dgm:style>
-      <a:lnRef idx="2">
-        <a:scrgbClr r="0" g="0" b="0"/>
-      </a:lnRef>
-      <a:fillRef idx="1">
-        <a:scrgbClr r="0" g="0" b="0"/>
-      </a:fillRef>
-      <a:effectRef idx="0">
-        <a:scrgbClr r="0" g="0" b="0"/>
-      </a:effectRef>
-      <a:fontRef idx="minor"/>
-    </dgm:style>
-  </dgm:styleLbl>
-  <dgm:styleLbl name="alignAcc1">
-    <dgm:scene3d>
-      <a:camera prst="orthographicFront"/>
-      <a:lightRig rig="threePt" dir="t"/>
-    </dgm:scene3d>
-    <dgm:sp3d/>
-    <dgm:txPr/>
-    <dgm:style>
-      <a:lnRef idx="2">
-        <a:scrgbClr r="0" g="0" b="0"/>
-      </a:lnRef>
-      <a:fillRef idx="1">
-        <a:scrgbClr r="0" g="0" b="0"/>
-      </a:fillRef>
-      <a:effectRef idx="0">
-        <a:scrgbClr r="0" g="0" b="0"/>
-      </a:effectRef>
-      <a:fontRef idx="minor"/>
-    </dgm:style>
-  </dgm:styleLbl>
-  <dgm:styleLbl name="trAlignAcc1">
-    <dgm:scene3d>
-      <a:camera prst="orthographicFront"/>
-      <a:lightRig rig="threePt" dir="t"/>
-    </dgm:scene3d>
-    <dgm:sp3d/>
-    <dgm:txPr/>
-    <dgm:style>
-      <a:lnRef idx="1">
-        <a:scrgbClr r="0" g="0" b="0"/>
-      </a:lnRef>
-      <a:fillRef idx="1">
-        <a:scrgbClr r="0" g="0" b="0"/>
-      </a:fillRef>
-      <a:effectRef idx="0">
-        <a:scrgbClr r="0" g="0" b="0"/>
-      </a:effectRef>
-      <a:fontRef idx="minor"/>
-    </dgm:style>
-  </dgm:styleLbl>
-  <dgm:styleLbl name="bgAcc1">
-    <dgm:scene3d>
-      <a:camera prst="orthographicFront"/>
-      <a:lightRig rig="threePt" dir="t"/>
-    </dgm:scene3d>
-    <dgm:sp3d/>
-    <dgm:txPr/>
-    <dgm:style>
-      <a:lnRef idx="2">
-        <a:scrgbClr r="0" g="0" b="0"/>
-      </a:lnRef>
-      <a:fillRef idx="1">
-        <a:scrgbClr r="0" g="0" b="0"/>
-      </a:fillRef>
-      <a:effectRef idx="0">
-        <a:scrgbClr r="0" g="0" b="0"/>
-      </a:effectRef>
-      <a:fontRef idx="minor"/>
-    </dgm:style>
-  </dgm:styleLbl>
-  <dgm:styleLbl name="solidFgAcc1">
-    <dgm:scene3d>
-      <a:camera prst="orthographicFront"/>
-      <a:lightRig rig="threePt" dir="t"/>
-    </dgm:scene3d>
-    <dgm:sp3d/>
-    <dgm:txPr/>
-    <dgm:style>
-      <a:lnRef idx="2">
-        <a:scrgbClr r="0" g="0" b="0"/>
-      </a:lnRef>
-      <a:fillRef idx="1">
-        <a:scrgbClr r="0" g="0" b="0"/>
-      </a:fillRef>
-      <a:effectRef idx="0">
-        <a:scrgbClr r="0" g="0" b="0"/>
-      </a:effectRef>
-      <a:fontRef idx="minor"/>
-    </dgm:style>
-  </dgm:styleLbl>
-  <dgm:styleLbl name="solidAlignAcc1">
-    <dgm:scene3d>
-      <a:camera prst="orthographicFront"/>
-      <a:lightRig rig="threePt" dir="t"/>
-    </dgm:scene3d>
-    <dgm:sp3d/>
-    <dgm:txPr/>
-    <dgm:style>
-      <a:lnRef idx="2">
-        <a:scrgbClr r="0" g="0" b="0"/>
-      </a:lnRef>
-      <a:fillRef idx="1">
-        <a:scrgbClr r="0" g="0" b="0"/>
-      </a:fillRef>
-      <a:effectRef idx="0">
-        <a:scrgbClr r="0" g="0" b="0"/>
-      </a:effectRef>
-      <a:fontRef idx="minor"/>
-    </dgm:style>
-  </dgm:styleLbl>
-  <dgm:styleLbl name="solidBgAcc1">
-    <dgm:scene3d>
-      <a:camera prst="orthographicFront"/>
-      <a:lightRig rig="threePt" dir="t"/>
-    </dgm:scene3d>
-    <dgm:sp3d/>
-    <dgm:txPr/>
-    <dgm:style>
-      <a:lnRef idx="2">
-        <a:scrgbClr r="0" g="0" b="0"/>
-      </a:lnRef>
-      <a:fillRef idx="1">
-        <a:scrgbClr r="0" g="0" b="0"/>
-      </a:fillRef>
-      <a:effectRef idx="0">
-        <a:scrgbClr r="0" g="0" b="0"/>
-      </a:effectRef>
-      <a:fontRef idx="minor"/>
-    </dgm:style>
-  </dgm:styleLbl>
-  <dgm:styleLbl name="fgAccFollowNode1">
-    <dgm:scene3d>
-      <a:camera prst="orthographicFront"/>
-      <a:lightRig rig="threePt" dir="t"/>
-    </dgm:scene3d>
-    <dgm:sp3d/>
-    <dgm:txPr/>
-    <dgm:style>
-      <a:lnRef idx="2">
-        <a:scrgbClr r="0" g="0" b="0"/>
-      </a:lnRef>
-      <a:fillRef idx="1">
-        <a:scrgbClr r="0" g="0" b="0"/>
-      </a:fillRef>
-      <a:effectRef idx="0">
-        <a:scrgbClr r="0" g="0" b="0"/>
-      </a:effectRef>
-      <a:fontRef idx="minor"/>
-    </dgm:style>
-  </dgm:styleLbl>
-  <dgm:styleLbl name="alignAccFollowNode1">
-    <dgm:scene3d>
-      <a:camera prst="orthographicFront"/>
-      <a:lightRig rig="threePt" dir="t"/>
-    </dgm:scene3d>
-    <dgm:sp3d/>
-    <dgm:txPr/>
-    <dgm:style>
-      <a:lnRef idx="2">
-        <a:scrgbClr r="0" g="0" b="0"/>
-      </a:lnRef>
-      <a:fillRef idx="1">
-        <a:scrgbClr r="0" g="0" b="0"/>
-      </a:fillRef>
-      <a:effectRef idx="0">
-        <a:scrgbClr r="0" g="0" b="0"/>
-      </a:effectRef>
-      <a:fontRef idx="minor"/>
-    </dgm:style>
-  </dgm:styleLbl>
-  <dgm:styleLbl name="bgAccFollowNode1">
-    <dgm:scene3d>
-      <a:camera prst="orthographicFront"/>
-      <a:lightRig rig="threePt" dir="t"/>
-    </dgm:scene3d>
-    <dgm:sp3d/>
-    <dgm:txPr/>
-    <dgm:style>
-      <a:lnRef idx="2">
-        <a:scrgbClr r="0" g="0" b="0"/>
-      </a:lnRef>
-      <a:fillRef idx="1">
-        <a:scrgbClr r="0" g="0" b="0"/>
-      </a:fillRef>
-      <a:effectRef idx="0">
-        <a:scrgbClr r="0" g="0" b="0"/>
-      </a:effectRef>
-      <a:fontRef idx="minor"/>
-    </dgm:style>
-  </dgm:styleLbl>
-  <dgm:styleLbl name="fgAcc0">
-    <dgm:scene3d>
-      <a:camera prst="orthographicFront"/>
-      <a:lightRig rig="threePt" dir="t"/>
-    </dgm:scene3d>
-    <dgm:sp3d/>
-    <dgm:txPr/>
-    <dgm:style>
-      <a:lnRef idx="2">
-        <a:scrgbClr r="0" g="0" b="0"/>
-      </a:lnRef>
-      <a:fillRef idx="1">
-        <a:scrgbClr r="0" g="0" b="0"/>
-      </a:fillRef>
-      <a:effectRef idx="0">
-        <a:scrgbClr r="0" g="0" b="0"/>
-      </a:effectRef>
-      <a:fontRef idx="minor"/>
-    </dgm:style>
-  </dgm:styleLbl>
-  <dgm:styleLbl name="fgAcc2">
-    <dgm:scene3d>
-      <a:camera prst="orthographicFront"/>
-      <a:lightRig rig="threePt" dir="t"/>
-    </dgm:scene3d>
-    <dgm:sp3d/>
-    <dgm:txPr/>
-    <dgm:style>
-      <a:lnRef idx="2">
-        <a:scrgbClr r="0" g="0" b="0"/>
-      </a:lnRef>
-      <a:fillRef idx="1">
-        <a:scrgbClr r="0" g="0" b="0"/>
-      </a:fillRef>
-      <a:effectRef idx="0">
-        <a:scrgbClr r="0" g="0" b="0"/>
-      </a:effectRef>
-      <a:fontRef idx="minor"/>
-    </dgm:style>
-  </dgm:styleLbl>
-  <dgm:styleLbl name="fgAcc3">
-    <dgm:scene3d>
-      <a:camera prst="orthographicFront"/>
-      <a:lightRig rig="threePt" dir="t"/>
-    </dgm:scene3d>
-    <dgm:sp3d/>
-    <dgm:txPr/>
-    <dgm:style>
-      <a:lnRef idx="2">
-        <a:scrgbClr r="0" g="0" b="0"/>
-      </a:lnRef>
-      <a:fillRef idx="1">
-        <a:scrgbClr r="0" g="0" b="0"/>
-      </a:fillRef>
-      <a:effectRef idx="0">
-        <a:scrgbClr r="0" g="0" b="0"/>
-      </a:effectRef>
-      <a:fontRef idx="minor"/>
-    </dgm:style>
-  </dgm:styleLbl>
-  <dgm:styleLbl name="fgAcc4">
-    <dgm:scene3d>
-      <a:camera prst="orthographicFront"/>
-      <a:lightRig rig="threePt" dir="t"/>
-    </dgm:scene3d>
-    <dgm:sp3d/>
-    <dgm:txPr/>
-    <dgm:style>
-      <a:lnRef idx="2">
-        <a:scrgbClr r="0" g="0" b="0"/>
-      </a:lnRef>
-      <a:fillRef idx="1">
-        <a:scrgbClr r="0" g="0" b="0"/>
-      </a:fillRef>
-      <a:effectRef idx="0">
-        <a:scrgbClr r="0" g="0" b="0"/>
-      </a:effectRef>
-      <a:fontRef idx="minor"/>
-    </dgm:style>
-  </dgm:styleLbl>
-  <dgm:styleLbl name="bgShp">
-    <dgm:scene3d>
-      <a:camera prst="orthographicFront"/>
-      <a:lightRig rig="threePt" dir="t"/>
-    </dgm:scene3d>
-    <dgm:sp3d/>
-    <dgm:txPr/>
-    <dgm:style>
-      <a:lnRef idx="0">
-        <a:scrgbClr r="0" g="0" b="0"/>
-      </a:lnRef>
-      <a:fillRef idx="1">
-        <a:scrgbClr r="0" g="0" b="0"/>
-      </a:fillRef>
-      <a:effectRef idx="0">
-        <a:scrgbClr r="0" g="0" b="0"/>
-      </a:effectRef>
-      <a:fontRef idx="minor"/>
-    </dgm:style>
-  </dgm:styleLbl>
-  <dgm:styleLbl name="dkBgShp">
-    <dgm:scene3d>
-      <a:camera prst="orthographicFront"/>
-      <a:lightRig rig="threePt" dir="t"/>
-    </dgm:scene3d>
-    <dgm:sp3d/>
-    <dgm:txPr/>
-    <dgm:style>
-      <a:lnRef idx="0">
-        <a:scrgbClr r="0" g="0" b="0"/>
-      </a:lnRef>
-      <a:fillRef idx="1">
-        <a:scrgbClr r="0" g="0" b="0"/>
-      </a:fillRef>
-      <a:effectRef idx="0">
-        <a:scrgbClr r="0" g="0" b="0"/>
-      </a:effectRef>
-      <a:fontRef idx="minor"/>
-    </dgm:style>
-  </dgm:styleLbl>
-  <dgm:styleLbl name="trBgShp">
-    <dgm:scene3d>
-      <a:camera prst="orthographicFront"/>
-      <a:lightRig rig="threePt" dir="t"/>
-    </dgm:scene3d>
-    <dgm:sp3d/>
-    <dgm:txPr/>
-    <dgm:style>
-      <a:lnRef idx="0">
-        <a:scrgbClr r="0" g="0" b="0"/>
-      </a:lnRef>
-      <a:fillRef idx="1">
-        <a:scrgbClr r="0" g="0" b="0"/>
-      </a:fillRef>
-      <a:effectRef idx="0">
-        <a:scrgbClr r="0" g="0" b="0"/>
-      </a:effectRef>
-      <a:fontRef idx="minor"/>
-    </dgm:style>
-  </dgm:styleLbl>
-  <dgm:styleLbl name="fgShp">
-    <dgm:scene3d>
-      <a:camera prst="orthographicFront"/>
-      <a:lightRig rig="threePt" dir="t"/>
-    </dgm:scene3d>
-    <dgm:sp3d/>
-    <dgm:txPr/>
-    <dgm:style>
-      <a:lnRef idx="2">
-        <a:scrgbClr r="0" g="0" b="0"/>
-      </a:lnRef>
-      <a:fillRef idx="1">
-        <a:scrgbClr r="0" g="0" b="0"/>
-      </a:fillRef>
-      <a:effectRef idx="0">
-        <a:scrgbClr r="0" g="0" b="0"/>
-      </a:effectRef>
-      <a:fontRef idx="minor"/>
-    </dgm:style>
-  </dgm:styleLbl>
-  <dgm:styleLbl name="revTx">
-    <dgm:scene3d>
-      <a:camera prst="orthographicFront"/>
-      <a:lightRig rig="threePt" dir="t"/>
-    </dgm:scene3d>
-    <dgm:sp3d/>
-    <dgm:txPr/>
-    <dgm:style>
-      <a:lnRef idx="0">
-        <a:scrgbClr r="0" g="0" b="0"/>
-      </a:lnRef>
-      <a:fillRef idx="0">
-        <a:scrgbClr r="0" g="0" b="0"/>
-      </a:fillRef>
-      <a:effectRef idx="0">
-        <a:scrgbClr r="0" g="0" b="0"/>
-      </a:effectRef>
-      <a:fontRef idx="minor"/>
-    </dgm:style>
-  </dgm:styleLbl>
-</dgm:styleDef>
-</file>
-
-<file path=ppt/diagrams/quickStyle7.xml><?xml version="1.0" encoding="utf-8"?>
 <dgm:styleDef xmlns:dgm="http://schemas.openxmlformats.org/drawingml/2006/diagram" xmlns:a="http://schemas.openxmlformats.org/drawingml/2006/main" uniqueId="urn:microsoft.com/office/officeart/2005/8/quickstyle/simple1">
   <dgm:title val=""/>
   <dgm:desc val=""/>
@@ -31312,67 +28483,6 @@
           <a:chExt cx="0" cy="0"/>
         </a:xfrm>
       </p:grpSpPr>
-      <p:graphicFrame>
-        <p:nvGraphicFramePr>
-          <p:cNvPr id="4" name="Content Placeholder 3">
-            <a:extLst>
-              <a:ext uri="{FF2B5EF4-FFF2-40B4-BE49-F238E27FC236}">
-                <a16:creationId xmlns:a16="http://schemas.microsoft.com/office/drawing/2014/main" id="{E59EE799-D428-B18B-F941-8E4F96844163}"/>
-              </a:ext>
-            </a:extLst>
-          </p:cNvPr>
-          <p:cNvGraphicFramePr>
-            <a:graphicFrameLocks noGrp="1"/>
-          </p:cNvGraphicFramePr>
-          <p:nvPr>
-            <p:ph idx="1"/>
-            <p:extLst>
-              <p:ext uri="{D42A27DB-BD31-4B8C-83A1-F6EECF244321}">
-                <p14:modId xmlns:p14="http://schemas.microsoft.com/office/powerpoint/2010/main" val="274332087"/>
-              </p:ext>
-            </p:extLst>
-          </p:nvPr>
-        </p:nvGraphicFramePr>
-        <p:xfrm>
-          <a:off x="838200" y="365125"/>
-          <a:ext cx="10515600" cy="5811838"/>
-        </p:xfrm>
-        <a:graphic>
-          <a:graphicData uri="http://schemas.openxmlformats.org/drawingml/2006/diagram">
-            <dgm:relIds xmlns:dgm="http://schemas.openxmlformats.org/drawingml/2006/diagram" xmlns:r="http://schemas.openxmlformats.org/officeDocument/2006/relationships" r:dm="rId2" r:lo="rId3" r:qs="rId4" r:cs="rId5"/>
-          </a:graphicData>
-        </a:graphic>
-      </p:graphicFrame>
-    </p:spTree>
-    <p:extLst>
-      <p:ext uri="{BB962C8B-B14F-4D97-AF65-F5344CB8AC3E}">
-        <p14:creationId xmlns:p14="http://schemas.microsoft.com/office/powerpoint/2010/main" val="3404919231"/>
-      </p:ext>
-    </p:extLst>
-  </p:cSld>
-  <p:clrMapOvr>
-    <a:masterClrMapping/>
-  </p:clrMapOvr>
-</p:sld>
-</file>
-
-<file path=ppt/slides/slide11.xml><?xml version="1.0" encoding="utf-8"?>
-<p:sld xmlns:a="http://schemas.openxmlformats.org/drawingml/2006/main" xmlns:r="http://schemas.openxmlformats.org/officeDocument/2006/relationships" xmlns:p="http://schemas.openxmlformats.org/presentationml/2006/main">
-  <p:cSld>
-    <p:spTree>
-      <p:nvGrpSpPr>
-        <p:cNvPr id="1" name=""/>
-        <p:cNvGrpSpPr/>
-        <p:nvPr/>
-      </p:nvGrpSpPr>
-      <p:grpSpPr>
-        <a:xfrm>
-          <a:off x="0" y="0"/>
-          <a:ext cx="0" cy="0"/>
-          <a:chOff x="0" y="0"/>
-          <a:chExt cx="0" cy="0"/>
-        </a:xfrm>
-      </p:grpSpPr>
       <p:sp>
         <p:nvSpPr>
           <p:cNvPr id="2" name="Title 1">
@@ -31887,7 +28997,7 @@
             <p:ph idx="1"/>
             <p:extLst>
               <p:ext uri="{D42A27DB-BD31-4B8C-83A1-F6EECF244321}">
-                <p14:modId xmlns:p14="http://schemas.microsoft.com/office/powerpoint/2010/main" val="3271478108"/>
+                <p14:modId xmlns:p14="http://schemas.microsoft.com/office/powerpoint/2010/main" val="3124720445"/>
               </p:ext>
             </p:extLst>
           </p:nvPr>
@@ -31905,7 +29015,7 @@
     </p:spTree>
     <p:extLst>
       <p:ext uri="{BB962C8B-B14F-4D97-AF65-F5344CB8AC3E}">
-        <p14:creationId xmlns:p14="http://schemas.microsoft.com/office/powerpoint/2010/main" val="222123436"/>
+        <p14:creationId xmlns:p14="http://schemas.microsoft.com/office/powerpoint/2010/main" val="310869083"/>
       </p:ext>
     </p:extLst>
   </p:cSld>
@@ -31948,7 +29058,7 @@
             <p:ph idx="1"/>
             <p:extLst>
               <p:ext uri="{D42A27DB-BD31-4B8C-83A1-F6EECF244321}">
-                <p14:modId xmlns:p14="http://schemas.microsoft.com/office/powerpoint/2010/main" val="3124720445"/>
+                <p14:modId xmlns:p14="http://schemas.microsoft.com/office/powerpoint/2010/main" val="274332087"/>
               </p:ext>
             </p:extLst>
           </p:nvPr>
@@ -31966,7 +29076,7 @@
     </p:spTree>
     <p:extLst>
       <p:ext uri="{BB962C8B-B14F-4D97-AF65-F5344CB8AC3E}">
-        <p14:creationId xmlns:p14="http://schemas.microsoft.com/office/powerpoint/2010/main" val="310869083"/>
+        <p14:creationId xmlns:p14="http://schemas.microsoft.com/office/powerpoint/2010/main" val="3404919231"/>
       </p:ext>
     </p:extLst>
   </p:cSld>

--- a/Official/Design.pptx
+++ b/Official/Design.pptx
@@ -5245,10 +5245,24 @@
     <dgm:pt modelId="{57A8CB2D-79BE-4C74-9A37-D6A913DE1B82}" type="parTrans" cxnId="{C81E8C91-5EF5-45E9-ACD4-E449A9809B80}">
       <dgm:prSet/>
       <dgm:spPr/>
+      <dgm:t>
+        <a:bodyPr/>
+        <a:lstStyle/>
+        <a:p>
+          <a:endParaRPr lang="en-PH"/>
+        </a:p>
+      </dgm:t>
     </dgm:pt>
     <dgm:pt modelId="{6A058D6F-D207-4F81-A3FF-D70611BE6534}" type="sibTrans" cxnId="{C81E8C91-5EF5-45E9-ACD4-E449A9809B80}">
       <dgm:prSet/>
       <dgm:spPr/>
+      <dgm:t>
+        <a:bodyPr/>
+        <a:lstStyle/>
+        <a:p>
+          <a:endParaRPr lang="en-PH"/>
+        </a:p>
+      </dgm:t>
     </dgm:pt>
     <dgm:pt modelId="{DE023E0B-5C31-4E35-A101-3DA3908C072F}">
       <dgm:prSet phldrT="[Text]"/>
@@ -5267,10 +5281,24 @@
     <dgm:pt modelId="{967C17FD-B87B-4CD0-BD44-345E2E5D2EA3}" type="parTrans" cxnId="{F812C254-ECB2-457A-B2DD-0DA61683069B}">
       <dgm:prSet/>
       <dgm:spPr/>
+      <dgm:t>
+        <a:bodyPr/>
+        <a:lstStyle/>
+        <a:p>
+          <a:endParaRPr lang="en-PH"/>
+        </a:p>
+      </dgm:t>
     </dgm:pt>
     <dgm:pt modelId="{8A9ACAAE-236A-4C50-8D2E-022C95250F55}" type="sibTrans" cxnId="{F812C254-ECB2-457A-B2DD-0DA61683069B}">
       <dgm:prSet/>
       <dgm:spPr/>
+      <dgm:t>
+        <a:bodyPr/>
+        <a:lstStyle/>
+        <a:p>
+          <a:endParaRPr lang="en-PH"/>
+        </a:p>
+      </dgm:t>
     </dgm:pt>
     <dgm:pt modelId="{10F04DDC-9425-470F-8153-E7CB032EC473}">
       <dgm:prSet phldrT="[Text]"/>
@@ -5362,10 +5390,136 @@
     <dgm:pt modelId="{3930E226-FA6F-40B0-905E-754A21C6644C}" type="parTrans" cxnId="{A379DEAC-9ED6-46D7-BA90-0F0F0114656E}">
       <dgm:prSet/>
       <dgm:spPr/>
+      <dgm:t>
+        <a:bodyPr/>
+        <a:lstStyle/>
+        <a:p>
+          <a:endParaRPr lang="en-PH"/>
+        </a:p>
+      </dgm:t>
     </dgm:pt>
     <dgm:pt modelId="{CBA63FA3-5470-4234-A511-234C76F1D9FA}" type="sibTrans" cxnId="{A379DEAC-9ED6-46D7-BA90-0F0F0114656E}">
       <dgm:prSet/>
       <dgm:spPr/>
+      <dgm:t>
+        <a:bodyPr/>
+        <a:lstStyle/>
+        <a:p>
+          <a:endParaRPr lang="en-PH"/>
+        </a:p>
+      </dgm:t>
+    </dgm:pt>
+    <dgm:pt modelId="{28ACC96C-DAEE-4690-912C-9633C398023B}">
+      <dgm:prSet phldrT="[Text]"/>
+      <dgm:spPr/>
+      <dgm:t>
+        <a:bodyPr/>
+        <a:lstStyle/>
+        <a:p>
+          <a:r>
+            <a:rPr lang="en-PH" i="0" u="none" dirty="0"/>
+            <a:t>NONE: /validate</a:t>
+          </a:r>
+        </a:p>
+      </dgm:t>
+    </dgm:pt>
+    <dgm:pt modelId="{B0804064-996B-41FA-9EBA-EC56EBF3506F}" type="parTrans" cxnId="{7E7EDEA4-6763-40BA-82A3-4F093EFBF7FD}">
+      <dgm:prSet/>
+      <dgm:spPr/>
+      <dgm:t>
+        <a:bodyPr/>
+        <a:lstStyle/>
+        <a:p>
+          <a:endParaRPr lang="en-PH"/>
+        </a:p>
+      </dgm:t>
+    </dgm:pt>
+    <dgm:pt modelId="{8AF9705A-3B07-4438-A2D1-1293791B0AE2}" type="sibTrans" cxnId="{7E7EDEA4-6763-40BA-82A3-4F093EFBF7FD}">
+      <dgm:prSet/>
+      <dgm:spPr/>
+      <dgm:t>
+        <a:bodyPr/>
+        <a:lstStyle/>
+        <a:p>
+          <a:endParaRPr lang="en-PH"/>
+        </a:p>
+      </dgm:t>
+    </dgm:pt>
+    <dgm:pt modelId="{197668C4-8212-48B8-A54E-73002176A9B9}">
+      <dgm:prSet phldrT="[Text]"/>
+      <dgm:spPr/>
+      <dgm:t>
+        <a:bodyPr/>
+        <a:lstStyle/>
+        <a:p>
+          <a:r>
+            <a:rPr lang="en-PH" i="0" u="none" dirty="0"/>
+            <a:t>POST: /validate/password</a:t>
+          </a:r>
+        </a:p>
+      </dgm:t>
+    </dgm:pt>
+    <dgm:pt modelId="{AD5EE0EA-60D1-43DE-980D-E1501EFCEDE7}" type="parTrans" cxnId="{902876D9-9133-4A48-8398-C7CAAFB05485}">
+      <dgm:prSet/>
+      <dgm:spPr/>
+      <dgm:t>
+        <a:bodyPr/>
+        <a:lstStyle/>
+        <a:p>
+          <a:endParaRPr lang="en-PH"/>
+        </a:p>
+      </dgm:t>
+    </dgm:pt>
+    <dgm:pt modelId="{ABDB2C2B-782E-4029-89BE-6E5CBB30B114}" type="sibTrans" cxnId="{902876D9-9133-4A48-8398-C7CAAFB05485}">
+      <dgm:prSet/>
+      <dgm:spPr/>
+      <dgm:t>
+        <a:bodyPr/>
+        <a:lstStyle/>
+        <a:p>
+          <a:endParaRPr lang="en-PH"/>
+        </a:p>
+      </dgm:t>
+    </dgm:pt>
+    <dgm:pt modelId="{5DF6C11B-377F-47FB-BC50-A7E3E32B7B43}">
+      <dgm:prSet phldrT="[Text]"/>
+      <dgm:spPr/>
+      <dgm:t>
+        <a:bodyPr/>
+        <a:lstStyle/>
+        <a:p>
+          <a:r>
+            <a:rPr lang="en-PH" i="0" u="none"/>
+            <a:t>POST: </a:t>
+          </a:r>
+          <a:r>
+            <a:rPr lang="en-PH" i="0" u="none" dirty="0"/>
+            <a:t>/validate/username</a:t>
+          </a:r>
+        </a:p>
+      </dgm:t>
+    </dgm:pt>
+    <dgm:pt modelId="{D672805F-D531-46CA-8240-38805655CA82}" type="parTrans" cxnId="{4FDFA2ED-B79E-47AF-A7D1-362FF3E41002}">
+      <dgm:prSet/>
+      <dgm:spPr/>
+      <dgm:t>
+        <a:bodyPr/>
+        <a:lstStyle/>
+        <a:p>
+          <a:endParaRPr lang="en-PH"/>
+        </a:p>
+      </dgm:t>
+    </dgm:pt>
+    <dgm:pt modelId="{02CB11EC-9DE7-441C-B4FD-6C7BD018BCA0}" type="sibTrans" cxnId="{4FDFA2ED-B79E-47AF-A7D1-362FF3E41002}">
+      <dgm:prSet/>
+      <dgm:spPr/>
+      <dgm:t>
+        <a:bodyPr/>
+        <a:lstStyle/>
+        <a:p>
+          <a:endParaRPr lang="en-PH"/>
+        </a:p>
+      </dgm:t>
     </dgm:pt>
     <dgm:pt modelId="{5F3FAA4C-44A3-470C-81C5-23BB7113FF75}" type="pres">
       <dgm:prSet presAssocID="{34BEB75E-ED6D-4113-9F50-1BF5F1954990}" presName="hierChild1" presStyleCnt="0">
@@ -5409,7 +5563,7 @@
       <dgm:spPr/>
     </dgm:pt>
     <dgm:pt modelId="{EA35908A-375B-4EF7-A17D-476DA652899F}" type="pres">
-      <dgm:prSet presAssocID="{A1698A36-C129-4FA1-BE7D-9B591DCFED6F}" presName="Name37" presStyleLbl="parChTrans1D2" presStyleIdx="0" presStyleCnt="7"/>
+      <dgm:prSet presAssocID="{A1698A36-C129-4FA1-BE7D-9B591DCFED6F}" presName="Name37" presStyleLbl="parChTrans1D2" presStyleIdx="0" presStyleCnt="8"/>
       <dgm:spPr/>
     </dgm:pt>
     <dgm:pt modelId="{6E4757AA-5F66-4D17-9F4E-EAD6DC00EEBB}" type="pres">
@@ -5425,7 +5579,7 @@
       <dgm:spPr/>
     </dgm:pt>
     <dgm:pt modelId="{AE1DD6B5-8922-4162-945A-41BF7A420F55}" type="pres">
-      <dgm:prSet presAssocID="{EF6B1CB1-4266-4EA5-804A-ACC48ED2EE3D}" presName="rootText" presStyleLbl="node2" presStyleIdx="0" presStyleCnt="7">
+      <dgm:prSet presAssocID="{EF6B1CB1-4266-4EA5-804A-ACC48ED2EE3D}" presName="rootText" presStyleLbl="node2" presStyleIdx="0" presStyleCnt="8">
         <dgm:presLayoutVars>
           <dgm:chPref val="3"/>
         </dgm:presLayoutVars>
@@ -5433,7 +5587,7 @@
       <dgm:spPr/>
     </dgm:pt>
     <dgm:pt modelId="{F18F04F2-ED04-4331-853F-808462CDAC9B}" type="pres">
-      <dgm:prSet presAssocID="{EF6B1CB1-4266-4EA5-804A-ACC48ED2EE3D}" presName="rootConnector" presStyleLbl="node2" presStyleIdx="0" presStyleCnt="7"/>
+      <dgm:prSet presAssocID="{EF6B1CB1-4266-4EA5-804A-ACC48ED2EE3D}" presName="rootConnector" presStyleLbl="node2" presStyleIdx="0" presStyleCnt="8"/>
       <dgm:spPr/>
     </dgm:pt>
     <dgm:pt modelId="{DB4FE243-CE1E-43FF-80E2-4160B5F6B3D7}" type="pres">
@@ -5441,7 +5595,7 @@
       <dgm:spPr/>
     </dgm:pt>
     <dgm:pt modelId="{32554A9C-FE4D-43F7-AEE1-C54D9D75C200}" type="pres">
-      <dgm:prSet presAssocID="{E8EB6F71-72ED-410E-A6D6-688CC4C8622F}" presName="Name37" presStyleLbl="parChTrans1D3" presStyleIdx="0" presStyleCnt="11"/>
+      <dgm:prSet presAssocID="{E8EB6F71-72ED-410E-A6D6-688CC4C8622F}" presName="Name37" presStyleLbl="parChTrans1D3" presStyleIdx="0" presStyleCnt="13"/>
       <dgm:spPr/>
     </dgm:pt>
     <dgm:pt modelId="{B90CC990-B130-4339-9559-D69CF90E88B4}" type="pres">
@@ -5457,7 +5611,7 @@
       <dgm:spPr/>
     </dgm:pt>
     <dgm:pt modelId="{3C293340-5887-41DE-859C-77675150C6EB}" type="pres">
-      <dgm:prSet presAssocID="{028C5DFA-CD08-425A-9808-BE49C21D580B}" presName="rootText" presStyleLbl="node3" presStyleIdx="0" presStyleCnt="11">
+      <dgm:prSet presAssocID="{028C5DFA-CD08-425A-9808-BE49C21D580B}" presName="rootText" presStyleLbl="node3" presStyleIdx="0" presStyleCnt="13">
         <dgm:presLayoutVars>
           <dgm:chPref val="3"/>
         </dgm:presLayoutVars>
@@ -5465,7 +5619,7 @@
       <dgm:spPr/>
     </dgm:pt>
     <dgm:pt modelId="{31730A28-5687-49A7-9084-9821AA2323E9}" type="pres">
-      <dgm:prSet presAssocID="{028C5DFA-CD08-425A-9808-BE49C21D580B}" presName="rootConnector" presStyleLbl="node3" presStyleIdx="0" presStyleCnt="11"/>
+      <dgm:prSet presAssocID="{028C5DFA-CD08-425A-9808-BE49C21D580B}" presName="rootConnector" presStyleLbl="node3" presStyleIdx="0" presStyleCnt="13"/>
       <dgm:spPr/>
     </dgm:pt>
     <dgm:pt modelId="{854997E6-49AF-48D8-846F-0DF8A234610E}" type="pres">
@@ -5481,7 +5635,7 @@
       <dgm:spPr/>
     </dgm:pt>
     <dgm:pt modelId="{940D3546-6031-400F-B1CF-0A05124CD0AE}" type="pres">
-      <dgm:prSet presAssocID="{B829E806-E11E-4BDA-8589-5EF437FD4FD6}" presName="Name37" presStyleLbl="parChTrans1D2" presStyleIdx="1" presStyleCnt="7"/>
+      <dgm:prSet presAssocID="{B829E806-E11E-4BDA-8589-5EF437FD4FD6}" presName="Name37" presStyleLbl="parChTrans1D2" presStyleIdx="1" presStyleCnt="8"/>
       <dgm:spPr/>
     </dgm:pt>
     <dgm:pt modelId="{2489C89A-47E0-4AA9-91DA-D3C26C334189}" type="pres">
@@ -5497,7 +5651,7 @@
       <dgm:spPr/>
     </dgm:pt>
     <dgm:pt modelId="{1FCFCB3A-B4C7-413C-B6B5-18473C4E0215}" type="pres">
-      <dgm:prSet presAssocID="{98DE5844-EBFB-4ECB-843E-1E3C116CD0A7}" presName="rootText" presStyleLbl="node2" presStyleIdx="1" presStyleCnt="7">
+      <dgm:prSet presAssocID="{98DE5844-EBFB-4ECB-843E-1E3C116CD0A7}" presName="rootText" presStyleLbl="node2" presStyleIdx="1" presStyleCnt="8">
         <dgm:presLayoutVars>
           <dgm:chPref val="3"/>
         </dgm:presLayoutVars>
@@ -5505,7 +5659,7 @@
       <dgm:spPr/>
     </dgm:pt>
     <dgm:pt modelId="{43413BE2-49D4-4AD2-85D5-14EDF44EA0F1}" type="pres">
-      <dgm:prSet presAssocID="{98DE5844-EBFB-4ECB-843E-1E3C116CD0A7}" presName="rootConnector" presStyleLbl="node2" presStyleIdx="1" presStyleCnt="7"/>
+      <dgm:prSet presAssocID="{98DE5844-EBFB-4ECB-843E-1E3C116CD0A7}" presName="rootConnector" presStyleLbl="node2" presStyleIdx="1" presStyleCnt="8"/>
       <dgm:spPr/>
     </dgm:pt>
     <dgm:pt modelId="{C5F9AA3B-B14E-4E63-8361-23B432F884E3}" type="pres">
@@ -5513,7 +5667,7 @@
       <dgm:spPr/>
     </dgm:pt>
     <dgm:pt modelId="{FC1B4037-826A-4F44-80EE-641936EF98B7}" type="pres">
-      <dgm:prSet presAssocID="{0E41C96E-49F8-4F4A-AF74-A981293F785F}" presName="Name37" presStyleLbl="parChTrans1D3" presStyleIdx="1" presStyleCnt="11"/>
+      <dgm:prSet presAssocID="{0E41C96E-49F8-4F4A-AF74-A981293F785F}" presName="Name37" presStyleLbl="parChTrans1D3" presStyleIdx="1" presStyleCnt="13"/>
       <dgm:spPr/>
     </dgm:pt>
     <dgm:pt modelId="{3B7362A0-4644-4129-AD8D-83D094010059}" type="pres">
@@ -5529,7 +5683,7 @@
       <dgm:spPr/>
     </dgm:pt>
     <dgm:pt modelId="{5CEACDA1-7667-40A9-B874-25D1B1E21A99}" type="pres">
-      <dgm:prSet presAssocID="{332EBDA1-FC91-42DD-8C1E-2C7B445019B3}" presName="rootText" presStyleLbl="node3" presStyleIdx="1" presStyleCnt="11">
+      <dgm:prSet presAssocID="{332EBDA1-FC91-42DD-8C1E-2C7B445019B3}" presName="rootText" presStyleLbl="node3" presStyleIdx="1" presStyleCnt="13">
         <dgm:presLayoutVars>
           <dgm:chPref val="3"/>
         </dgm:presLayoutVars>
@@ -5537,7 +5691,7 @@
       <dgm:spPr/>
     </dgm:pt>
     <dgm:pt modelId="{1F530FFE-35D1-4609-8D1C-CEEB0EF8690E}" type="pres">
-      <dgm:prSet presAssocID="{332EBDA1-FC91-42DD-8C1E-2C7B445019B3}" presName="rootConnector" presStyleLbl="node3" presStyleIdx="1" presStyleCnt="11"/>
+      <dgm:prSet presAssocID="{332EBDA1-FC91-42DD-8C1E-2C7B445019B3}" presName="rootConnector" presStyleLbl="node3" presStyleIdx="1" presStyleCnt="13"/>
       <dgm:spPr/>
     </dgm:pt>
     <dgm:pt modelId="{681C3D72-8919-4649-B5A8-1D83A3949CB2}" type="pres">
@@ -5553,7 +5707,7 @@
       <dgm:spPr/>
     </dgm:pt>
     <dgm:pt modelId="{F92D201F-4429-48F2-A613-5C474A994CD9}" type="pres">
-      <dgm:prSet presAssocID="{A98B9FA4-4126-4C91-AF71-10ACE11266DD}" presName="Name37" presStyleLbl="parChTrans1D2" presStyleIdx="2" presStyleCnt="7"/>
+      <dgm:prSet presAssocID="{A98B9FA4-4126-4C91-AF71-10ACE11266DD}" presName="Name37" presStyleLbl="parChTrans1D2" presStyleIdx="2" presStyleCnt="8"/>
       <dgm:spPr/>
     </dgm:pt>
     <dgm:pt modelId="{80FD1344-699F-4451-B64E-18964A3F14D0}" type="pres">
@@ -5569,7 +5723,7 @@
       <dgm:spPr/>
     </dgm:pt>
     <dgm:pt modelId="{2D05126F-7CA9-467A-B341-F8E1AF5FCF66}" type="pres">
-      <dgm:prSet presAssocID="{44363CFA-628E-4026-88F3-8868490E44F8}" presName="rootText" presStyleLbl="node2" presStyleIdx="2" presStyleCnt="7">
+      <dgm:prSet presAssocID="{44363CFA-628E-4026-88F3-8868490E44F8}" presName="rootText" presStyleLbl="node2" presStyleIdx="2" presStyleCnt="8">
         <dgm:presLayoutVars>
           <dgm:chPref val="3"/>
         </dgm:presLayoutVars>
@@ -5577,7 +5731,7 @@
       <dgm:spPr/>
     </dgm:pt>
     <dgm:pt modelId="{9C340236-4FFD-45ED-9EE1-A04737FABAE4}" type="pres">
-      <dgm:prSet presAssocID="{44363CFA-628E-4026-88F3-8868490E44F8}" presName="rootConnector" presStyleLbl="node2" presStyleIdx="2" presStyleCnt="7"/>
+      <dgm:prSet presAssocID="{44363CFA-628E-4026-88F3-8868490E44F8}" presName="rootConnector" presStyleLbl="node2" presStyleIdx="2" presStyleCnt="8"/>
       <dgm:spPr/>
     </dgm:pt>
     <dgm:pt modelId="{DE4A9740-7D9B-4A7D-9A6A-26B43F1C9054}" type="pres">
@@ -5589,7 +5743,7 @@
       <dgm:spPr/>
     </dgm:pt>
     <dgm:pt modelId="{F2FC5845-76F4-45FC-9102-1D5405CED484}" type="pres">
-      <dgm:prSet presAssocID="{3930E226-FA6F-40B0-905E-754A21C6644C}" presName="Name37" presStyleLbl="parChTrans1D2" presStyleIdx="3" presStyleCnt="7"/>
+      <dgm:prSet presAssocID="{3930E226-FA6F-40B0-905E-754A21C6644C}" presName="Name37" presStyleLbl="parChTrans1D2" presStyleIdx="3" presStyleCnt="8"/>
       <dgm:spPr/>
     </dgm:pt>
     <dgm:pt modelId="{B4B6317A-15CF-41A3-8884-996C77B54179}" type="pres">
@@ -5605,7 +5759,7 @@
       <dgm:spPr/>
     </dgm:pt>
     <dgm:pt modelId="{816DF2EF-6A2D-47D7-82D8-0F775682513B}" type="pres">
-      <dgm:prSet presAssocID="{1924ECD5-AA0E-4B54-9424-D53165043932}" presName="rootText" presStyleLbl="node2" presStyleIdx="3" presStyleCnt="7">
+      <dgm:prSet presAssocID="{1924ECD5-AA0E-4B54-9424-D53165043932}" presName="rootText" presStyleLbl="node2" presStyleIdx="3" presStyleCnt="8">
         <dgm:presLayoutVars>
           <dgm:chPref val="3"/>
         </dgm:presLayoutVars>
@@ -5613,7 +5767,7 @@
       <dgm:spPr/>
     </dgm:pt>
     <dgm:pt modelId="{29EC5DCF-76B9-464F-84BA-87F256E14F2F}" type="pres">
-      <dgm:prSet presAssocID="{1924ECD5-AA0E-4B54-9424-D53165043932}" presName="rootConnector" presStyleLbl="node2" presStyleIdx="3" presStyleCnt="7"/>
+      <dgm:prSet presAssocID="{1924ECD5-AA0E-4B54-9424-D53165043932}" presName="rootConnector" presStyleLbl="node2" presStyleIdx="3" presStyleCnt="8"/>
       <dgm:spPr/>
     </dgm:pt>
     <dgm:pt modelId="{46125244-8048-47DF-A71C-35A05F4D1C16}" type="pres">
@@ -5621,7 +5775,7 @@
       <dgm:spPr/>
     </dgm:pt>
     <dgm:pt modelId="{104BA3A7-D652-47E4-9B20-83BB4665DF76}" type="pres">
-      <dgm:prSet presAssocID="{BF950D71-5670-40D6-AC0F-099BAE4EAFCE}" presName="Name37" presStyleLbl="parChTrans1D3" presStyleIdx="2" presStyleCnt="11"/>
+      <dgm:prSet presAssocID="{BF950D71-5670-40D6-AC0F-099BAE4EAFCE}" presName="Name37" presStyleLbl="parChTrans1D3" presStyleIdx="2" presStyleCnt="13"/>
       <dgm:spPr/>
     </dgm:pt>
     <dgm:pt modelId="{531B9504-8DE6-4712-98FE-50F6F2431DE0}" type="pres">
@@ -5637,7 +5791,7 @@
       <dgm:spPr/>
     </dgm:pt>
     <dgm:pt modelId="{7F097E5B-6209-4AF0-8ED0-402082DA0749}" type="pres">
-      <dgm:prSet presAssocID="{3C6EA423-D64F-4DC7-B184-24C9BC3512E8}" presName="rootText" presStyleLbl="node3" presStyleIdx="2" presStyleCnt="11">
+      <dgm:prSet presAssocID="{3C6EA423-D64F-4DC7-B184-24C9BC3512E8}" presName="rootText" presStyleLbl="node3" presStyleIdx="2" presStyleCnt="13">
         <dgm:presLayoutVars>
           <dgm:chPref val="3"/>
         </dgm:presLayoutVars>
@@ -5645,7 +5799,7 @@
       <dgm:spPr/>
     </dgm:pt>
     <dgm:pt modelId="{6326AB10-BB5C-4854-9D21-95B3803C563E}" type="pres">
-      <dgm:prSet presAssocID="{3C6EA423-D64F-4DC7-B184-24C9BC3512E8}" presName="rootConnector" presStyleLbl="node3" presStyleIdx="2" presStyleCnt="11"/>
+      <dgm:prSet presAssocID="{3C6EA423-D64F-4DC7-B184-24C9BC3512E8}" presName="rootConnector" presStyleLbl="node3" presStyleIdx="2" presStyleCnt="13"/>
       <dgm:spPr/>
     </dgm:pt>
     <dgm:pt modelId="{25A49672-0356-4BA3-BAB1-ADB32D08F479}" type="pres">
@@ -5657,7 +5811,7 @@
       <dgm:spPr/>
     </dgm:pt>
     <dgm:pt modelId="{246DDF7E-D086-468F-AD98-C5A107AC1D5D}" type="pres">
-      <dgm:prSet presAssocID="{B9579491-E72E-41C5-854B-F50C3EB1B30B}" presName="Name37" presStyleLbl="parChTrans1D3" presStyleIdx="3" presStyleCnt="11"/>
+      <dgm:prSet presAssocID="{B9579491-E72E-41C5-854B-F50C3EB1B30B}" presName="Name37" presStyleLbl="parChTrans1D3" presStyleIdx="3" presStyleCnt="13"/>
       <dgm:spPr/>
     </dgm:pt>
     <dgm:pt modelId="{CCBEDB89-BBC0-4E76-85D0-33739605D6D2}" type="pres">
@@ -5673,7 +5827,7 @@
       <dgm:spPr/>
     </dgm:pt>
     <dgm:pt modelId="{E50F9959-464F-43F9-8195-9C82C537826B}" type="pres">
-      <dgm:prSet presAssocID="{F1DABE6E-F8F2-4453-9AF1-0A543F993768}" presName="rootText" presStyleLbl="node3" presStyleIdx="3" presStyleCnt="11">
+      <dgm:prSet presAssocID="{F1DABE6E-F8F2-4453-9AF1-0A543F993768}" presName="rootText" presStyleLbl="node3" presStyleIdx="3" presStyleCnt="13">
         <dgm:presLayoutVars>
           <dgm:chPref val="3"/>
         </dgm:presLayoutVars>
@@ -5681,7 +5835,7 @@
       <dgm:spPr/>
     </dgm:pt>
     <dgm:pt modelId="{29A7D2B3-E83F-48D3-BA82-6C1B33C7D117}" type="pres">
-      <dgm:prSet presAssocID="{F1DABE6E-F8F2-4453-9AF1-0A543F993768}" presName="rootConnector" presStyleLbl="node3" presStyleIdx="3" presStyleCnt="11"/>
+      <dgm:prSet presAssocID="{F1DABE6E-F8F2-4453-9AF1-0A543F993768}" presName="rootConnector" presStyleLbl="node3" presStyleIdx="3" presStyleCnt="13"/>
       <dgm:spPr/>
     </dgm:pt>
     <dgm:pt modelId="{3F8B49D1-1470-4AFD-996C-55991B6E6161}" type="pres">
@@ -5693,7 +5847,7 @@
       <dgm:spPr/>
     </dgm:pt>
     <dgm:pt modelId="{F07C89FB-7AC0-4D6A-BF40-C0070FED0EE3}" type="pres">
-      <dgm:prSet presAssocID="{423859FD-096E-4927-9390-25344E903FBF}" presName="Name37" presStyleLbl="parChTrans1D3" presStyleIdx="4" presStyleCnt="11"/>
+      <dgm:prSet presAssocID="{423859FD-096E-4927-9390-25344E903FBF}" presName="Name37" presStyleLbl="parChTrans1D3" presStyleIdx="4" presStyleCnt="13"/>
       <dgm:spPr/>
     </dgm:pt>
     <dgm:pt modelId="{B5323093-C52B-4762-88CA-EB05C45B59E6}" type="pres">
@@ -5709,7 +5863,7 @@
       <dgm:spPr/>
     </dgm:pt>
     <dgm:pt modelId="{B99F24ED-3BC7-432A-B386-E1A66BAEF726}" type="pres">
-      <dgm:prSet presAssocID="{A1C6BA05-AD07-4670-B0CD-118E17FA1993}" presName="rootText" presStyleLbl="node3" presStyleIdx="4" presStyleCnt="11">
+      <dgm:prSet presAssocID="{A1C6BA05-AD07-4670-B0CD-118E17FA1993}" presName="rootText" presStyleLbl="node3" presStyleIdx="4" presStyleCnt="13">
         <dgm:presLayoutVars>
           <dgm:chPref val="3"/>
         </dgm:presLayoutVars>
@@ -5717,7 +5871,7 @@
       <dgm:spPr/>
     </dgm:pt>
     <dgm:pt modelId="{19FABE79-F8A2-4566-9B89-1E2FB5DFB7A6}" type="pres">
-      <dgm:prSet presAssocID="{A1C6BA05-AD07-4670-B0CD-118E17FA1993}" presName="rootConnector" presStyleLbl="node3" presStyleIdx="4" presStyleCnt="11"/>
+      <dgm:prSet presAssocID="{A1C6BA05-AD07-4670-B0CD-118E17FA1993}" presName="rootConnector" presStyleLbl="node3" presStyleIdx="4" presStyleCnt="13"/>
       <dgm:spPr/>
     </dgm:pt>
     <dgm:pt modelId="{96062C70-76CB-46F2-A12D-7691F85D67F8}" type="pres">
@@ -5729,7 +5883,7 @@
       <dgm:spPr/>
     </dgm:pt>
     <dgm:pt modelId="{ED24999A-CB54-48D6-8528-2545D016E1D3}" type="pres">
-      <dgm:prSet presAssocID="{57A8CB2D-79BE-4C74-9A37-D6A913DE1B82}" presName="Name37" presStyleLbl="parChTrans1D3" presStyleIdx="5" presStyleCnt="11"/>
+      <dgm:prSet presAssocID="{57A8CB2D-79BE-4C74-9A37-D6A913DE1B82}" presName="Name37" presStyleLbl="parChTrans1D3" presStyleIdx="5" presStyleCnt="13"/>
       <dgm:spPr/>
     </dgm:pt>
     <dgm:pt modelId="{C220EF82-2A32-455B-B92E-AB4AE94BE50C}" type="pres">
@@ -5745,7 +5899,7 @@
       <dgm:spPr/>
     </dgm:pt>
     <dgm:pt modelId="{1B492F86-1603-4E21-B660-DA6307964BAD}" type="pres">
-      <dgm:prSet presAssocID="{305846AD-47C4-463B-9DBE-6AA8AAAFD9CA}" presName="rootText" presStyleLbl="node3" presStyleIdx="5" presStyleCnt="11">
+      <dgm:prSet presAssocID="{305846AD-47C4-463B-9DBE-6AA8AAAFD9CA}" presName="rootText" presStyleLbl="node3" presStyleIdx="5" presStyleCnt="13">
         <dgm:presLayoutVars>
           <dgm:chPref val="3"/>
         </dgm:presLayoutVars>
@@ -5753,7 +5907,7 @@
       <dgm:spPr/>
     </dgm:pt>
     <dgm:pt modelId="{166FE553-CB8C-48D6-822E-56CDBDF78666}" type="pres">
-      <dgm:prSet presAssocID="{305846AD-47C4-463B-9DBE-6AA8AAAFD9CA}" presName="rootConnector" presStyleLbl="node3" presStyleIdx="5" presStyleCnt="11"/>
+      <dgm:prSet presAssocID="{305846AD-47C4-463B-9DBE-6AA8AAAFD9CA}" presName="rootConnector" presStyleLbl="node3" presStyleIdx="5" presStyleCnt="13"/>
       <dgm:spPr/>
     </dgm:pt>
     <dgm:pt modelId="{EDD082AB-8072-49AE-821E-1F6D02B72C2A}" type="pres">
@@ -5765,7 +5919,7 @@
       <dgm:spPr/>
     </dgm:pt>
     <dgm:pt modelId="{E4F616C8-77CD-4807-B795-EDC2BC3DD8F2}" type="pres">
-      <dgm:prSet presAssocID="{967C17FD-B87B-4CD0-BD44-345E2E5D2EA3}" presName="Name37" presStyleLbl="parChTrans1D3" presStyleIdx="6" presStyleCnt="11"/>
+      <dgm:prSet presAssocID="{967C17FD-B87B-4CD0-BD44-345E2E5D2EA3}" presName="Name37" presStyleLbl="parChTrans1D3" presStyleIdx="6" presStyleCnt="13"/>
       <dgm:spPr/>
     </dgm:pt>
     <dgm:pt modelId="{97BCDE9B-FA44-4866-B9CD-42F4D28FC57C}" type="pres">
@@ -5781,7 +5935,7 @@
       <dgm:spPr/>
     </dgm:pt>
     <dgm:pt modelId="{26976F64-C724-4705-94F5-0E6CD971C2E4}" type="pres">
-      <dgm:prSet presAssocID="{DE023E0B-5C31-4E35-A101-3DA3908C072F}" presName="rootText" presStyleLbl="node3" presStyleIdx="6" presStyleCnt="11">
+      <dgm:prSet presAssocID="{DE023E0B-5C31-4E35-A101-3DA3908C072F}" presName="rootText" presStyleLbl="node3" presStyleIdx="6" presStyleCnt="13">
         <dgm:presLayoutVars>
           <dgm:chPref val="3"/>
         </dgm:presLayoutVars>
@@ -5789,7 +5943,7 @@
       <dgm:spPr/>
     </dgm:pt>
     <dgm:pt modelId="{F5DA5587-5EB1-405E-8951-92F671AE6BE5}" type="pres">
-      <dgm:prSet presAssocID="{DE023E0B-5C31-4E35-A101-3DA3908C072F}" presName="rootConnector" presStyleLbl="node3" presStyleIdx="6" presStyleCnt="11"/>
+      <dgm:prSet presAssocID="{DE023E0B-5C31-4E35-A101-3DA3908C072F}" presName="rootConnector" presStyleLbl="node3" presStyleIdx="6" presStyleCnt="13"/>
       <dgm:spPr/>
     </dgm:pt>
     <dgm:pt modelId="{0BACCB52-5846-4B4E-82B3-B705AA185DE8}" type="pres">
@@ -5801,7 +5955,7 @@
       <dgm:spPr/>
     </dgm:pt>
     <dgm:pt modelId="{72D06BF6-42C5-434C-92ED-F618F0FF3B5A}" type="pres">
-      <dgm:prSet presAssocID="{7CF047C5-7A21-4DCA-910B-CBEC1AA93BA9}" presName="Name37" presStyleLbl="parChTrans1D3" presStyleIdx="7" presStyleCnt="11"/>
+      <dgm:prSet presAssocID="{7CF047C5-7A21-4DCA-910B-CBEC1AA93BA9}" presName="Name37" presStyleLbl="parChTrans1D3" presStyleIdx="7" presStyleCnt="13"/>
       <dgm:spPr/>
     </dgm:pt>
     <dgm:pt modelId="{7CE87129-122F-415D-9687-B4831C7BAD6B}" type="pres">
@@ -5817,7 +5971,7 @@
       <dgm:spPr/>
     </dgm:pt>
     <dgm:pt modelId="{50EC3807-8481-4C01-82B7-F19C2342E1A0}" type="pres">
-      <dgm:prSet presAssocID="{10F04DDC-9425-470F-8153-E7CB032EC473}" presName="rootText" presStyleLbl="node3" presStyleIdx="7" presStyleCnt="11">
+      <dgm:prSet presAssocID="{10F04DDC-9425-470F-8153-E7CB032EC473}" presName="rootText" presStyleLbl="node3" presStyleIdx="7" presStyleCnt="13">
         <dgm:presLayoutVars>
           <dgm:chPref val="3"/>
         </dgm:presLayoutVars>
@@ -5825,7 +5979,7 @@
       <dgm:spPr/>
     </dgm:pt>
     <dgm:pt modelId="{274E767F-761A-4B30-B369-389DF89B937D}" type="pres">
-      <dgm:prSet presAssocID="{10F04DDC-9425-470F-8153-E7CB032EC473}" presName="rootConnector" presStyleLbl="node3" presStyleIdx="7" presStyleCnt="11"/>
+      <dgm:prSet presAssocID="{10F04DDC-9425-470F-8153-E7CB032EC473}" presName="rootConnector" presStyleLbl="node3" presStyleIdx="7" presStyleCnt="13"/>
       <dgm:spPr/>
     </dgm:pt>
     <dgm:pt modelId="{4A3801EA-4E87-4854-89D0-F5EE8C40E870}" type="pres">
@@ -5837,7 +5991,7 @@
       <dgm:spPr/>
     </dgm:pt>
     <dgm:pt modelId="{A3F9BD0E-C624-4151-9767-64BBD33870D8}" type="pres">
-      <dgm:prSet presAssocID="{341C93D3-8A95-4DFB-AA9D-C38CA282C9E7}" presName="Name37" presStyleLbl="parChTrans1D3" presStyleIdx="8" presStyleCnt="11"/>
+      <dgm:prSet presAssocID="{341C93D3-8A95-4DFB-AA9D-C38CA282C9E7}" presName="Name37" presStyleLbl="parChTrans1D3" presStyleIdx="8" presStyleCnt="13"/>
       <dgm:spPr/>
     </dgm:pt>
     <dgm:pt modelId="{F2908DFE-90E6-4506-8F75-EC087EFF2791}" type="pres">
@@ -5853,7 +6007,7 @@
       <dgm:spPr/>
     </dgm:pt>
     <dgm:pt modelId="{FE90803F-BB98-472A-87D1-B85B7689304F}" type="pres">
-      <dgm:prSet presAssocID="{10948DB9-C87A-4CB4-AA25-2159E53038FA}" presName="rootText" presStyleLbl="node3" presStyleIdx="8" presStyleCnt="11">
+      <dgm:prSet presAssocID="{10948DB9-C87A-4CB4-AA25-2159E53038FA}" presName="rootText" presStyleLbl="node3" presStyleIdx="8" presStyleCnt="13">
         <dgm:presLayoutVars>
           <dgm:chPref val="3"/>
         </dgm:presLayoutVars>
@@ -5861,7 +6015,7 @@
       <dgm:spPr/>
     </dgm:pt>
     <dgm:pt modelId="{BEB1E389-DC78-4834-98AF-B72FEAAD2902}" type="pres">
-      <dgm:prSet presAssocID="{10948DB9-C87A-4CB4-AA25-2159E53038FA}" presName="rootConnector" presStyleLbl="node3" presStyleIdx="8" presStyleCnt="11"/>
+      <dgm:prSet presAssocID="{10948DB9-C87A-4CB4-AA25-2159E53038FA}" presName="rootConnector" presStyleLbl="node3" presStyleIdx="8" presStyleCnt="13"/>
       <dgm:spPr/>
     </dgm:pt>
     <dgm:pt modelId="{ACA86701-4A36-495A-A1A1-9DC9B364DF9A}" type="pres">
@@ -5877,7 +6031,7 @@
       <dgm:spPr/>
     </dgm:pt>
     <dgm:pt modelId="{EDE52273-429D-4F0E-B2E9-2F7FE11FCD67}" type="pres">
-      <dgm:prSet presAssocID="{9F967694-B9EF-45F7-AC9F-9806D8CB5482}" presName="Name37" presStyleLbl="parChTrans1D2" presStyleIdx="4" presStyleCnt="7"/>
+      <dgm:prSet presAssocID="{9F967694-B9EF-45F7-AC9F-9806D8CB5482}" presName="Name37" presStyleLbl="parChTrans1D2" presStyleIdx="4" presStyleCnt="8"/>
       <dgm:spPr/>
     </dgm:pt>
     <dgm:pt modelId="{8A87B9B0-9590-4772-ADB4-79757898A6E1}" type="pres">
@@ -5893,7 +6047,7 @@
       <dgm:spPr/>
     </dgm:pt>
     <dgm:pt modelId="{0C2F2216-8D08-4E87-B39E-9F041EF12805}" type="pres">
-      <dgm:prSet presAssocID="{EB65517D-69B4-43D8-B5D7-51657BA54F8A}" presName="rootText" presStyleLbl="node2" presStyleIdx="4" presStyleCnt="7">
+      <dgm:prSet presAssocID="{EB65517D-69B4-43D8-B5D7-51657BA54F8A}" presName="rootText" presStyleLbl="node2" presStyleIdx="4" presStyleCnt="8">
         <dgm:presLayoutVars>
           <dgm:chPref val="3"/>
         </dgm:presLayoutVars>
@@ -5901,7 +6055,7 @@
       <dgm:spPr/>
     </dgm:pt>
     <dgm:pt modelId="{15D3E976-5568-44A0-A255-991A6803201C}" type="pres">
-      <dgm:prSet presAssocID="{EB65517D-69B4-43D8-B5D7-51657BA54F8A}" presName="rootConnector" presStyleLbl="node2" presStyleIdx="4" presStyleCnt="7"/>
+      <dgm:prSet presAssocID="{EB65517D-69B4-43D8-B5D7-51657BA54F8A}" presName="rootConnector" presStyleLbl="node2" presStyleIdx="4" presStyleCnt="8"/>
       <dgm:spPr/>
     </dgm:pt>
     <dgm:pt modelId="{E0EDB8A2-BD71-4E29-82CC-B81590494B83}" type="pres">
@@ -5909,7 +6063,7 @@
       <dgm:spPr/>
     </dgm:pt>
     <dgm:pt modelId="{206209FB-F600-4BD1-9606-121E90963E67}" type="pres">
-      <dgm:prSet presAssocID="{0ED2AB80-1B48-415F-BD87-852714594E12}" presName="Name37" presStyleLbl="parChTrans1D3" presStyleIdx="9" presStyleCnt="11"/>
+      <dgm:prSet presAssocID="{0ED2AB80-1B48-415F-BD87-852714594E12}" presName="Name37" presStyleLbl="parChTrans1D3" presStyleIdx="9" presStyleCnt="13"/>
       <dgm:spPr/>
     </dgm:pt>
     <dgm:pt modelId="{9D94A714-C145-4F55-BF39-E82CC94072CD}" type="pres">
@@ -5925,7 +6079,7 @@
       <dgm:spPr/>
     </dgm:pt>
     <dgm:pt modelId="{B15B783C-17E1-46DC-B52E-C2A7EDCDDBF6}" type="pres">
-      <dgm:prSet presAssocID="{785ADFEC-7668-46D6-9578-5377B24474CF}" presName="rootText" presStyleLbl="node3" presStyleIdx="9" presStyleCnt="11">
+      <dgm:prSet presAssocID="{785ADFEC-7668-46D6-9578-5377B24474CF}" presName="rootText" presStyleLbl="node3" presStyleIdx="9" presStyleCnt="13">
         <dgm:presLayoutVars>
           <dgm:chPref val="3"/>
         </dgm:presLayoutVars>
@@ -5933,7 +6087,7 @@
       <dgm:spPr/>
     </dgm:pt>
     <dgm:pt modelId="{43888EB2-C238-4AB3-84EF-EB4C21FE5D9D}" type="pres">
-      <dgm:prSet presAssocID="{785ADFEC-7668-46D6-9578-5377B24474CF}" presName="rootConnector" presStyleLbl="node3" presStyleIdx="9" presStyleCnt="11"/>
+      <dgm:prSet presAssocID="{785ADFEC-7668-46D6-9578-5377B24474CF}" presName="rootConnector" presStyleLbl="node3" presStyleIdx="9" presStyleCnt="13"/>
       <dgm:spPr/>
     </dgm:pt>
     <dgm:pt modelId="{1D44AC0C-5EFA-40AA-A409-4132EDAC6BF1}" type="pres">
@@ -5949,7 +6103,7 @@
       <dgm:spPr/>
     </dgm:pt>
     <dgm:pt modelId="{D4C5CCAB-7FF3-44F7-8278-BB322864B121}" type="pres">
-      <dgm:prSet presAssocID="{C64C22FD-D31D-4129-A644-EAC90AC2F0EF}" presName="Name37" presStyleLbl="parChTrans1D2" presStyleIdx="5" presStyleCnt="7"/>
+      <dgm:prSet presAssocID="{C64C22FD-D31D-4129-A644-EAC90AC2F0EF}" presName="Name37" presStyleLbl="parChTrans1D2" presStyleIdx="5" presStyleCnt="8"/>
       <dgm:spPr/>
     </dgm:pt>
     <dgm:pt modelId="{5CC20E89-F633-4EE5-A46A-2881618E8D80}" type="pres">
@@ -5965,7 +6119,7 @@
       <dgm:spPr/>
     </dgm:pt>
     <dgm:pt modelId="{022713AF-96D9-4A2B-A358-49115AFE68DF}" type="pres">
-      <dgm:prSet presAssocID="{347BA63F-6330-4E17-9091-C819304D8374}" presName="rootText" presStyleLbl="node2" presStyleIdx="5" presStyleCnt="7">
+      <dgm:prSet presAssocID="{347BA63F-6330-4E17-9091-C819304D8374}" presName="rootText" presStyleLbl="node2" presStyleIdx="5" presStyleCnt="8">
         <dgm:presLayoutVars>
           <dgm:chPref val="3"/>
         </dgm:presLayoutVars>
@@ -5973,7 +6127,7 @@
       <dgm:spPr/>
     </dgm:pt>
     <dgm:pt modelId="{42DEE17A-3D83-4C0D-B91C-CA141A292DA2}" type="pres">
-      <dgm:prSet presAssocID="{347BA63F-6330-4E17-9091-C819304D8374}" presName="rootConnector" presStyleLbl="node2" presStyleIdx="5" presStyleCnt="7"/>
+      <dgm:prSet presAssocID="{347BA63F-6330-4E17-9091-C819304D8374}" presName="rootConnector" presStyleLbl="node2" presStyleIdx="5" presStyleCnt="8"/>
       <dgm:spPr/>
     </dgm:pt>
     <dgm:pt modelId="{943B17A1-4133-47E1-8214-3894E9A6F0CB}" type="pres">
@@ -5981,7 +6135,7 @@
       <dgm:spPr/>
     </dgm:pt>
     <dgm:pt modelId="{865CC225-A0DA-47E2-8F93-648401CE5D35}" type="pres">
-      <dgm:prSet presAssocID="{42168C56-2F22-4C47-AD41-80714FFDE7B7}" presName="Name37" presStyleLbl="parChTrans1D3" presStyleIdx="10" presStyleCnt="11"/>
+      <dgm:prSet presAssocID="{42168C56-2F22-4C47-AD41-80714FFDE7B7}" presName="Name37" presStyleLbl="parChTrans1D3" presStyleIdx="10" presStyleCnt="13"/>
       <dgm:spPr/>
     </dgm:pt>
     <dgm:pt modelId="{70E78AA5-44C3-4381-958B-78CB23EBFFCE}" type="pres">
@@ -5997,7 +6151,7 @@
       <dgm:spPr/>
     </dgm:pt>
     <dgm:pt modelId="{CC33A293-E3CB-411D-9632-6FE6954F9F3F}" type="pres">
-      <dgm:prSet presAssocID="{4DE3A42A-E3CE-4E99-83D9-D1A6756B3CB9}" presName="rootText" presStyleLbl="node3" presStyleIdx="10" presStyleCnt="11">
+      <dgm:prSet presAssocID="{4DE3A42A-E3CE-4E99-83D9-D1A6756B3CB9}" presName="rootText" presStyleLbl="node3" presStyleIdx="10" presStyleCnt="13">
         <dgm:presLayoutVars>
           <dgm:chPref val="3"/>
         </dgm:presLayoutVars>
@@ -6005,7 +6159,7 @@
       <dgm:spPr/>
     </dgm:pt>
     <dgm:pt modelId="{2C816549-9EE9-4756-A160-AC0E53C139B8}" type="pres">
-      <dgm:prSet presAssocID="{4DE3A42A-E3CE-4E99-83D9-D1A6756B3CB9}" presName="rootConnector" presStyleLbl="node3" presStyleIdx="10" presStyleCnt="11"/>
+      <dgm:prSet presAssocID="{4DE3A42A-E3CE-4E99-83D9-D1A6756B3CB9}" presName="rootConnector" presStyleLbl="node3" presStyleIdx="10" presStyleCnt="13"/>
       <dgm:spPr/>
     </dgm:pt>
     <dgm:pt modelId="{B4B577CE-F927-44B3-B73A-132AB0F7463E}" type="pres">
@@ -6093,7 +6247,7 @@
       <dgm:spPr/>
     </dgm:pt>
     <dgm:pt modelId="{C01F831D-EFD6-481A-9BCE-21CF8207E0E1}" type="pres">
-      <dgm:prSet presAssocID="{476A2B4E-0CFD-4F03-9824-25789D527EDB}" presName="Name37" presStyleLbl="parChTrans1D2" presStyleIdx="6" presStyleCnt="7"/>
+      <dgm:prSet presAssocID="{476A2B4E-0CFD-4F03-9824-25789D527EDB}" presName="Name37" presStyleLbl="parChTrans1D2" presStyleIdx="6" presStyleCnt="8"/>
       <dgm:spPr/>
     </dgm:pt>
     <dgm:pt modelId="{C9B38781-C395-4C17-8C7F-BEE957BD4249}" type="pres">
@@ -6109,7 +6263,7 @@
       <dgm:spPr/>
     </dgm:pt>
     <dgm:pt modelId="{12F0C7F9-8119-4BBD-A7C5-DEFEEA6C7D89}" type="pres">
-      <dgm:prSet presAssocID="{A48100E6-84E1-4E3F-8C93-442D7A1A23CC}" presName="rootText" presStyleLbl="node2" presStyleIdx="6" presStyleCnt="7">
+      <dgm:prSet presAssocID="{A48100E6-84E1-4E3F-8C93-442D7A1A23CC}" presName="rootText" presStyleLbl="node2" presStyleIdx="6" presStyleCnt="8">
         <dgm:presLayoutVars>
           <dgm:chPref val="3"/>
         </dgm:presLayoutVars>
@@ -6117,7 +6271,7 @@
       <dgm:spPr/>
     </dgm:pt>
     <dgm:pt modelId="{0328B132-74A6-4425-821D-84668D625AD9}" type="pres">
-      <dgm:prSet presAssocID="{A48100E6-84E1-4E3F-8C93-442D7A1A23CC}" presName="rootConnector" presStyleLbl="node2" presStyleIdx="6" presStyleCnt="7"/>
+      <dgm:prSet presAssocID="{A48100E6-84E1-4E3F-8C93-442D7A1A23CC}" presName="rootConnector" presStyleLbl="node2" presStyleIdx="6" presStyleCnt="8"/>
       <dgm:spPr/>
     </dgm:pt>
     <dgm:pt modelId="{2576764E-D309-4CA8-B535-2E32B2410668}" type="pres">
@@ -6128,16 +6282,126 @@
       <dgm:prSet presAssocID="{A48100E6-84E1-4E3F-8C93-442D7A1A23CC}" presName="hierChild5" presStyleCnt="0"/>
       <dgm:spPr/>
     </dgm:pt>
+    <dgm:pt modelId="{DC0B8C07-BCD6-4D91-BB5F-6E51880E10CA}" type="pres">
+      <dgm:prSet presAssocID="{B0804064-996B-41FA-9EBA-EC56EBF3506F}" presName="Name37" presStyleLbl="parChTrans1D2" presStyleIdx="7" presStyleCnt="8"/>
+      <dgm:spPr/>
+    </dgm:pt>
+    <dgm:pt modelId="{B4ED0032-F552-4842-84E2-122A4AFFF45E}" type="pres">
+      <dgm:prSet presAssocID="{28ACC96C-DAEE-4690-912C-9633C398023B}" presName="hierRoot2" presStyleCnt="0">
+        <dgm:presLayoutVars>
+          <dgm:hierBranch val="init"/>
+        </dgm:presLayoutVars>
+      </dgm:prSet>
+      <dgm:spPr/>
+    </dgm:pt>
+    <dgm:pt modelId="{6D33168C-FBE8-4F1B-BC43-FCCC2110A207}" type="pres">
+      <dgm:prSet presAssocID="{28ACC96C-DAEE-4690-912C-9633C398023B}" presName="rootComposite" presStyleCnt="0"/>
+      <dgm:spPr/>
+    </dgm:pt>
+    <dgm:pt modelId="{99BBCD64-0904-4F94-938B-1D4FAE73A2E1}" type="pres">
+      <dgm:prSet presAssocID="{28ACC96C-DAEE-4690-912C-9633C398023B}" presName="rootText" presStyleLbl="node2" presStyleIdx="7" presStyleCnt="8">
+        <dgm:presLayoutVars>
+          <dgm:chPref val="3"/>
+        </dgm:presLayoutVars>
+      </dgm:prSet>
+      <dgm:spPr/>
+    </dgm:pt>
+    <dgm:pt modelId="{4C381AC9-173E-441C-AC7D-6F1D3FC15D8A}" type="pres">
+      <dgm:prSet presAssocID="{28ACC96C-DAEE-4690-912C-9633C398023B}" presName="rootConnector" presStyleLbl="node2" presStyleIdx="7" presStyleCnt="8"/>
+      <dgm:spPr/>
+    </dgm:pt>
+    <dgm:pt modelId="{1E03C464-5C83-400B-BDFE-953A491844E5}" type="pres">
+      <dgm:prSet presAssocID="{28ACC96C-DAEE-4690-912C-9633C398023B}" presName="hierChild4" presStyleCnt="0"/>
+      <dgm:spPr/>
+    </dgm:pt>
+    <dgm:pt modelId="{98DF9615-6AB1-4615-98A9-227A4B3AE02B}" type="pres">
+      <dgm:prSet presAssocID="{AD5EE0EA-60D1-43DE-980D-E1501EFCEDE7}" presName="Name37" presStyleLbl="parChTrans1D3" presStyleIdx="11" presStyleCnt="13"/>
+      <dgm:spPr/>
+    </dgm:pt>
+    <dgm:pt modelId="{F4F6AA9E-5CC7-4688-8E0A-DFFF2E2453E3}" type="pres">
+      <dgm:prSet presAssocID="{197668C4-8212-48B8-A54E-73002176A9B9}" presName="hierRoot2" presStyleCnt="0">
+        <dgm:presLayoutVars>
+          <dgm:hierBranch val="init"/>
+        </dgm:presLayoutVars>
+      </dgm:prSet>
+      <dgm:spPr/>
+    </dgm:pt>
+    <dgm:pt modelId="{BEBC0944-3EE9-44C2-9697-A828E10A67CD}" type="pres">
+      <dgm:prSet presAssocID="{197668C4-8212-48B8-A54E-73002176A9B9}" presName="rootComposite" presStyleCnt="0"/>
+      <dgm:spPr/>
+    </dgm:pt>
+    <dgm:pt modelId="{7A882588-0810-4F92-AD23-756B9035A4E8}" type="pres">
+      <dgm:prSet presAssocID="{197668C4-8212-48B8-A54E-73002176A9B9}" presName="rootText" presStyleLbl="node3" presStyleIdx="11" presStyleCnt="13">
+        <dgm:presLayoutVars>
+          <dgm:chPref val="3"/>
+        </dgm:presLayoutVars>
+      </dgm:prSet>
+      <dgm:spPr/>
+    </dgm:pt>
+    <dgm:pt modelId="{241D6C5A-A704-4FEC-BFA2-42E7E1150593}" type="pres">
+      <dgm:prSet presAssocID="{197668C4-8212-48B8-A54E-73002176A9B9}" presName="rootConnector" presStyleLbl="node3" presStyleIdx="11" presStyleCnt="13"/>
+      <dgm:spPr/>
+    </dgm:pt>
+    <dgm:pt modelId="{1773CDB1-D2E3-4EAE-A42A-B036DC3596AE}" type="pres">
+      <dgm:prSet presAssocID="{197668C4-8212-48B8-A54E-73002176A9B9}" presName="hierChild4" presStyleCnt="0"/>
+      <dgm:spPr/>
+    </dgm:pt>
+    <dgm:pt modelId="{3E037070-2817-4D54-B26C-AD6AA1BCCF21}" type="pres">
+      <dgm:prSet presAssocID="{197668C4-8212-48B8-A54E-73002176A9B9}" presName="hierChild5" presStyleCnt="0"/>
+      <dgm:spPr/>
+    </dgm:pt>
+    <dgm:pt modelId="{B4023B61-E2B4-4C69-A00E-8B14067C6DC3}" type="pres">
+      <dgm:prSet presAssocID="{D672805F-D531-46CA-8240-38805655CA82}" presName="Name37" presStyleLbl="parChTrans1D3" presStyleIdx="12" presStyleCnt="13"/>
+      <dgm:spPr/>
+    </dgm:pt>
+    <dgm:pt modelId="{BBBC079C-B4BF-4ADF-8148-1298E67D0F08}" type="pres">
+      <dgm:prSet presAssocID="{5DF6C11B-377F-47FB-BC50-A7E3E32B7B43}" presName="hierRoot2" presStyleCnt="0">
+        <dgm:presLayoutVars>
+          <dgm:hierBranch val="init"/>
+        </dgm:presLayoutVars>
+      </dgm:prSet>
+      <dgm:spPr/>
+    </dgm:pt>
+    <dgm:pt modelId="{EEAEFE05-4F93-465F-AAC6-E4FB3B09264E}" type="pres">
+      <dgm:prSet presAssocID="{5DF6C11B-377F-47FB-BC50-A7E3E32B7B43}" presName="rootComposite" presStyleCnt="0"/>
+      <dgm:spPr/>
+    </dgm:pt>
+    <dgm:pt modelId="{B04C15FD-14A3-4E7B-895B-7C4AF0E8908C}" type="pres">
+      <dgm:prSet presAssocID="{5DF6C11B-377F-47FB-BC50-A7E3E32B7B43}" presName="rootText" presStyleLbl="node3" presStyleIdx="12" presStyleCnt="13">
+        <dgm:presLayoutVars>
+          <dgm:chPref val="3"/>
+        </dgm:presLayoutVars>
+      </dgm:prSet>
+      <dgm:spPr/>
+    </dgm:pt>
+    <dgm:pt modelId="{D2420743-058E-43CD-8DE7-96F37C968137}" type="pres">
+      <dgm:prSet presAssocID="{5DF6C11B-377F-47FB-BC50-A7E3E32B7B43}" presName="rootConnector" presStyleLbl="node3" presStyleIdx="12" presStyleCnt="13"/>
+      <dgm:spPr/>
+    </dgm:pt>
+    <dgm:pt modelId="{0C86AA4C-1483-49E1-8C49-98CA315494B9}" type="pres">
+      <dgm:prSet presAssocID="{5DF6C11B-377F-47FB-BC50-A7E3E32B7B43}" presName="hierChild4" presStyleCnt="0"/>
+      <dgm:spPr/>
+    </dgm:pt>
+    <dgm:pt modelId="{4A65B302-E416-4124-B5ED-C3ABD07F5905}" type="pres">
+      <dgm:prSet presAssocID="{5DF6C11B-377F-47FB-BC50-A7E3E32B7B43}" presName="hierChild5" presStyleCnt="0"/>
+      <dgm:spPr/>
+    </dgm:pt>
+    <dgm:pt modelId="{761E2FBE-BF4C-4F06-94D6-4399B7503FC9}" type="pres">
+      <dgm:prSet presAssocID="{28ACC96C-DAEE-4690-912C-9633C398023B}" presName="hierChild5" presStyleCnt="0"/>
+      <dgm:spPr/>
+    </dgm:pt>
     <dgm:pt modelId="{2DAC1630-BA8F-4206-952C-EBE673153874}" type="pres">
       <dgm:prSet presAssocID="{441C9BFF-8AD7-4827-90F5-60BEDCAF3705}" presName="hierChild3" presStyleCnt="0"/>
       <dgm:spPr/>
     </dgm:pt>
   </dgm:ptLst>
   <dgm:cxnLst>
+    <dgm:cxn modelId="{97CC8408-2CBE-4128-A71D-18EBE43678C8}" type="presOf" srcId="{28ACC96C-DAEE-4690-912C-9633C398023B}" destId="{4C381AC9-173E-441C-AC7D-6F1D3FC15D8A}" srcOrd="1" destOrd="0" presId="urn:microsoft.com/office/officeart/2005/8/layout/orgChart1"/>
     <dgm:cxn modelId="{270DDA09-7491-47DE-BF57-0D4FA9136B89}" type="presOf" srcId="{EF6B1CB1-4266-4EA5-804A-ACC48ED2EE3D}" destId="{F18F04F2-ED04-4331-853F-808462CDAC9B}" srcOrd="1" destOrd="0" presId="urn:microsoft.com/office/officeart/2005/8/layout/orgChart1"/>
     <dgm:cxn modelId="{D95FE817-C3E6-4CE6-AC73-B2F0C288457F}" type="presOf" srcId="{305846AD-47C4-463B-9DBE-6AA8AAAFD9CA}" destId="{166FE553-CB8C-48D6-822E-56CDBDF78666}" srcOrd="1" destOrd="0" presId="urn:microsoft.com/office/officeart/2005/8/layout/orgChart1"/>
     <dgm:cxn modelId="{D5359E19-2FD0-4409-A875-DC359F817818}" srcId="{441C9BFF-8AD7-4827-90F5-60BEDCAF3705}" destId="{EF6B1CB1-4266-4EA5-804A-ACC48ED2EE3D}" srcOrd="0" destOrd="0" parTransId="{A1698A36-C129-4FA1-BE7D-9B591DCFED6F}" sibTransId="{874649DD-CE2C-4963-AD9D-6BF4EABFEA87}"/>
     <dgm:cxn modelId="{438ACE25-C8C6-4AEF-92C4-A2D3A6306E5A}" type="presOf" srcId="{332EBDA1-FC91-42DD-8C1E-2C7B445019B3}" destId="{5CEACDA1-7667-40A9-B874-25D1B1E21A99}" srcOrd="0" destOrd="0" presId="urn:microsoft.com/office/officeart/2005/8/layout/orgChart1"/>
+    <dgm:cxn modelId="{F45B7A26-8D0F-48F9-A2DC-CF949FE58CED}" type="presOf" srcId="{197668C4-8212-48B8-A54E-73002176A9B9}" destId="{7A882588-0810-4F92-AD23-756B9035A4E8}" srcOrd="0" destOrd="0" presId="urn:microsoft.com/office/officeart/2005/8/layout/orgChart1"/>
     <dgm:cxn modelId="{0A009826-02C9-4163-9C61-B7F53EBB75B2}" type="presOf" srcId="{441C9BFF-8AD7-4827-90F5-60BEDCAF3705}" destId="{D4AAF6B0-5935-4077-A7BD-9DC102060D2E}" srcOrd="0" destOrd="0" presId="urn:microsoft.com/office/officeart/2005/8/layout/orgChart1"/>
     <dgm:cxn modelId="{C54F5B28-6AE5-41FA-A76A-40C3EBDC4BAD}" type="presOf" srcId="{1924ECD5-AA0E-4B54-9424-D53165043932}" destId="{29EC5DCF-76B9-464F-84BA-87F256E14F2F}" srcOrd="1" destOrd="0" presId="urn:microsoft.com/office/officeart/2005/8/layout/orgChart1"/>
     <dgm:cxn modelId="{3CAD0829-4311-453A-B452-C74675A5E305}" srcId="{441C9BFF-8AD7-4827-90F5-60BEDCAF3705}" destId="{44363CFA-628E-4026-88F3-8868490E44F8}" srcOrd="2" destOrd="0" parTransId="{A98B9FA4-4126-4C91-AF71-10ACE11266DD}" sibTransId="{AD8C0F6F-44FE-4E14-A2AE-D5615410E79B}"/>
@@ -6146,6 +6410,8 @@
     <dgm:cxn modelId="{67EFE438-94F0-4BBA-9CA6-DCBB8E871FB1}" type="presOf" srcId="{F1DABE6E-F8F2-4453-9AF1-0A543F993768}" destId="{29A7D2B3-E83F-48D3-BA82-6C1B33C7D117}" srcOrd="1" destOrd="0" presId="urn:microsoft.com/office/officeart/2005/8/layout/orgChart1"/>
     <dgm:cxn modelId="{5B946639-C386-43A7-99EF-97B4B9A0EDAF}" type="presOf" srcId="{028C5DFA-CD08-425A-9808-BE49C21D580B}" destId="{31730A28-5687-49A7-9084-9821AA2323E9}" srcOrd="1" destOrd="0" presId="urn:microsoft.com/office/officeart/2005/8/layout/orgChart1"/>
     <dgm:cxn modelId="{78841D3B-011C-4F77-863D-764B0865371F}" type="presOf" srcId="{B829E806-E11E-4BDA-8589-5EF437FD4FD6}" destId="{940D3546-6031-400F-B1CF-0A05124CD0AE}" srcOrd="0" destOrd="0" presId="urn:microsoft.com/office/officeart/2005/8/layout/orgChart1"/>
+    <dgm:cxn modelId="{EF5B123E-DF97-4A3E-8871-AAA083F0DF6B}" type="presOf" srcId="{D672805F-D531-46CA-8240-38805655CA82}" destId="{B4023B61-E2B4-4C69-A00E-8B14067C6DC3}" srcOrd="0" destOrd="0" presId="urn:microsoft.com/office/officeart/2005/8/layout/orgChart1"/>
+    <dgm:cxn modelId="{83710E5D-5FD5-4794-8A4E-81F1DD87174C}" type="presOf" srcId="{5DF6C11B-377F-47FB-BC50-A7E3E32B7B43}" destId="{B04C15FD-14A3-4E7B-895B-7C4AF0E8908C}" srcOrd="0" destOrd="0" presId="urn:microsoft.com/office/officeart/2005/8/layout/orgChart1"/>
     <dgm:cxn modelId="{3679A549-E1BF-4456-B75B-8BA78A97E6CE}" type="presOf" srcId="{4DE3A42A-E3CE-4E99-83D9-D1A6756B3CB9}" destId="{CC33A293-E3CB-411D-9632-6FE6954F9F3F}" srcOrd="0" destOrd="0" presId="urn:microsoft.com/office/officeart/2005/8/layout/orgChart1"/>
     <dgm:cxn modelId="{1D7CEA49-FBBA-4F7B-ACF8-330C48D879F8}" type="presOf" srcId="{57A8CB2D-79BE-4C74-9A37-D6A913DE1B82}" destId="{ED24999A-CB54-48D6-8528-2545D016E1D3}" srcOrd="0" destOrd="0" presId="urn:microsoft.com/office/officeart/2005/8/layout/orgChart1"/>
     <dgm:cxn modelId="{523F296D-2CC7-4C29-85F8-5468ED82EAEB}" srcId="{34BEB75E-ED6D-4113-9F50-1BF5F1954990}" destId="{441C9BFF-8AD7-4827-90F5-60BEDCAF3705}" srcOrd="0" destOrd="0" parTransId="{AED53F1B-6F52-4865-A6C0-13F7BB680C57}" sibTransId="{EE93340F-3E48-4F2C-8A92-4BB8BFF38136}"/>
@@ -6158,6 +6424,8 @@
     <dgm:cxn modelId="{36565A79-726A-49E4-8D06-2B903089FD1B}" srcId="{347BA63F-6330-4E17-9091-C819304D8374}" destId="{4DE3A42A-E3CE-4E99-83D9-D1A6756B3CB9}" srcOrd="0" destOrd="0" parTransId="{42168C56-2F22-4C47-AD41-80714FFDE7B7}" sibTransId="{E7E8FE3B-7C4D-4032-A180-D927C1C52A59}"/>
     <dgm:cxn modelId="{3566285A-ABAE-452D-9251-F94883B7CF9E}" type="presOf" srcId="{B9579491-E72E-41C5-854B-F50C3EB1B30B}" destId="{246DDF7E-D086-468F-AD98-C5A107AC1D5D}" srcOrd="0" destOrd="0" presId="urn:microsoft.com/office/officeart/2005/8/layout/orgChart1"/>
     <dgm:cxn modelId="{4BA2AD7D-AEB8-46D3-A98C-3C01FE642FDC}" type="presOf" srcId="{A98B9FA4-4126-4C91-AF71-10ACE11266DD}" destId="{F92D201F-4429-48F2-A613-5C474A994CD9}" srcOrd="0" destOrd="0" presId="urn:microsoft.com/office/officeart/2005/8/layout/orgChart1"/>
+    <dgm:cxn modelId="{7DA59C83-E010-4A51-BDB4-766F4B168E83}" type="presOf" srcId="{197668C4-8212-48B8-A54E-73002176A9B9}" destId="{241D6C5A-A704-4FEC-BFA2-42E7E1150593}" srcOrd="1" destOrd="0" presId="urn:microsoft.com/office/officeart/2005/8/layout/orgChart1"/>
+    <dgm:cxn modelId="{73170187-0787-49D3-A63E-AB4BD41A6B23}" type="presOf" srcId="{AD5EE0EA-60D1-43DE-980D-E1501EFCEDE7}" destId="{98DF9615-6AB1-4615-98A9-227A4B3AE02B}" srcOrd="0" destOrd="0" presId="urn:microsoft.com/office/officeart/2005/8/layout/orgChart1"/>
     <dgm:cxn modelId="{7A0A5687-8D33-4C97-9CE7-B44967A81946}" srcId="{4DE3A42A-E3CE-4E99-83D9-D1A6756B3CB9}" destId="{9E9AFA18-4A4C-452D-9BB1-22608177395D}" srcOrd="0" destOrd="0" parTransId="{7EB6568E-DE68-41D0-B072-2D0DA56F4F15}" sibTransId="{DB2F4BBF-BA92-46E6-ACB3-D5B8E972779B}"/>
     <dgm:cxn modelId="{C08AD887-C20C-4490-A7AE-D52D0A77658D}" type="presOf" srcId="{BF950D71-5670-40D6-AC0F-099BAE4EAFCE}" destId="{104BA3A7-D652-47E4-9B20-83BB4665DF76}" srcOrd="0" destOrd="0" presId="urn:microsoft.com/office/officeart/2005/8/layout/orgChart1"/>
     <dgm:cxn modelId="{6C3CB288-381C-4A97-8505-4AA97B59E105}" type="presOf" srcId="{A48100E6-84E1-4E3F-8C93-442D7A1A23CC}" destId="{12F0C7F9-8119-4BBD-A7C5-DEFEEA6C7D89}" srcOrd="0" destOrd="0" presId="urn:microsoft.com/office/officeart/2005/8/layout/orgChart1"/>
@@ -6171,9 +6439,12 @@
     <dgm:cxn modelId="{3517AE9C-6628-4933-8CE6-0CA1EC7C87DD}" srcId="{441C9BFF-8AD7-4827-90F5-60BEDCAF3705}" destId="{347BA63F-6330-4E17-9091-C819304D8374}" srcOrd="5" destOrd="0" parTransId="{C64C22FD-D31D-4129-A644-EAC90AC2F0EF}" sibTransId="{36DAFF60-F4E1-4919-B05F-DD90C1E847D2}"/>
     <dgm:cxn modelId="{A939899E-AEF0-4A63-B01A-2811913BFAD2}" type="presOf" srcId="{98DE5844-EBFB-4ECB-843E-1E3C116CD0A7}" destId="{43413BE2-49D4-4AD2-85D5-14EDF44EA0F1}" srcOrd="1" destOrd="0" presId="urn:microsoft.com/office/officeart/2005/8/layout/orgChart1"/>
     <dgm:cxn modelId="{0226A49E-23FC-42BA-B8CE-BA3B5D4DCC31}" type="presOf" srcId="{EB65517D-69B4-43D8-B5D7-51657BA54F8A}" destId="{0C2F2216-8D08-4E87-B39E-9F041EF12805}" srcOrd="0" destOrd="0" presId="urn:microsoft.com/office/officeart/2005/8/layout/orgChart1"/>
+    <dgm:cxn modelId="{B881D0A1-2721-40DE-ACC5-077BA5823963}" type="presOf" srcId="{B0804064-996B-41FA-9EBA-EC56EBF3506F}" destId="{DC0B8C07-BCD6-4D91-BB5F-6E51880E10CA}" srcOrd="0" destOrd="0" presId="urn:microsoft.com/office/officeart/2005/8/layout/orgChart1"/>
+    <dgm:cxn modelId="{7E7EDEA4-6763-40BA-82A3-4F093EFBF7FD}" srcId="{441C9BFF-8AD7-4827-90F5-60BEDCAF3705}" destId="{28ACC96C-DAEE-4690-912C-9633C398023B}" srcOrd="7" destOrd="0" parTransId="{B0804064-996B-41FA-9EBA-EC56EBF3506F}" sibTransId="{8AF9705A-3B07-4438-A2D1-1293791B0AE2}"/>
     <dgm:cxn modelId="{1C5B25A9-30D7-4B17-9077-AE5716562504}" srcId="{441C9BFF-8AD7-4827-90F5-60BEDCAF3705}" destId="{EB65517D-69B4-43D8-B5D7-51657BA54F8A}" srcOrd="4" destOrd="0" parTransId="{9F967694-B9EF-45F7-AC9F-9806D8CB5482}" sibTransId="{E544A564-370F-49E5-BAD7-5F5A2C41F0DB}"/>
     <dgm:cxn modelId="{0B145AA9-D9A1-40D4-BE05-B952D9805B35}" type="presOf" srcId="{C64C22FD-D31D-4129-A644-EAC90AC2F0EF}" destId="{D4C5CCAB-7FF3-44F7-8278-BB322864B121}" srcOrd="0" destOrd="0" presId="urn:microsoft.com/office/officeart/2005/8/layout/orgChart1"/>
     <dgm:cxn modelId="{F04E5DAB-1F2B-487B-A909-786FD47B7277}" type="presOf" srcId="{EF6B1CB1-4266-4EA5-804A-ACC48ED2EE3D}" destId="{AE1DD6B5-8922-4162-945A-41BF7A420F55}" srcOrd="0" destOrd="0" presId="urn:microsoft.com/office/officeart/2005/8/layout/orgChart1"/>
+    <dgm:cxn modelId="{7BAD70AC-7CD3-469A-AB21-DA1797E8E480}" type="presOf" srcId="{28ACC96C-DAEE-4690-912C-9633C398023B}" destId="{99BBCD64-0904-4F94-938B-1D4FAE73A2E1}" srcOrd="0" destOrd="0" presId="urn:microsoft.com/office/officeart/2005/8/layout/orgChart1"/>
     <dgm:cxn modelId="{10B083AC-0A7E-4BDD-83CC-5A4036412ED4}" type="presOf" srcId="{10F04DDC-9425-470F-8153-E7CB032EC473}" destId="{50EC3807-8481-4C01-82B7-F19C2342E1A0}" srcOrd="0" destOrd="0" presId="urn:microsoft.com/office/officeart/2005/8/layout/orgChart1"/>
     <dgm:cxn modelId="{A379DEAC-9ED6-46D7-BA90-0F0F0114656E}" srcId="{441C9BFF-8AD7-4827-90F5-60BEDCAF3705}" destId="{1924ECD5-AA0E-4B54-9424-D53165043932}" srcOrd="3" destOrd="0" parTransId="{3930E226-FA6F-40B0-905E-754A21C6644C}" sibTransId="{CBA63FA3-5470-4234-A511-234C76F1D9FA}"/>
     <dgm:cxn modelId="{A58B0BAE-AB07-4924-826A-17941DCD081C}" type="presOf" srcId="{10948DB9-C87A-4CB4-AA25-2159E53038FA}" destId="{FE90803F-BB98-472A-87D1-B85B7689304F}" srcOrd="0" destOrd="0" presId="urn:microsoft.com/office/officeart/2005/8/layout/orgChart1"/>
@@ -6196,6 +6467,7 @@
     <dgm:cxn modelId="{32A76DC8-7272-4297-9017-3363D8EEE47B}" type="presOf" srcId="{3930E226-FA6F-40B0-905E-754A21C6644C}" destId="{F2FC5845-76F4-45FC-9102-1D5405CED484}" srcOrd="0" destOrd="0" presId="urn:microsoft.com/office/officeart/2005/8/layout/orgChart1"/>
     <dgm:cxn modelId="{83B220C9-575D-4410-9866-5F5B448BA45A}" srcId="{441C9BFF-8AD7-4827-90F5-60BEDCAF3705}" destId="{98DE5844-EBFB-4ECB-843E-1E3C116CD0A7}" srcOrd="1" destOrd="0" parTransId="{B829E806-E11E-4BDA-8589-5EF437FD4FD6}" sibTransId="{964986D0-5530-46C8-8F61-2A4F7C778AD2}"/>
     <dgm:cxn modelId="{E1FB8AC9-7B0A-448C-B041-15907572A693}" type="presOf" srcId="{9E9AFA18-4A4C-452D-9BB1-22608177395D}" destId="{FA7BB441-4DEF-451F-9DE9-DB38CDAFAFC2}" srcOrd="1" destOrd="0" presId="urn:microsoft.com/office/officeart/2005/8/layout/orgChart1"/>
+    <dgm:cxn modelId="{CF902CCA-D46B-45C2-9C6E-DD4533D3404D}" type="presOf" srcId="{5DF6C11B-377F-47FB-BC50-A7E3E32B7B43}" destId="{D2420743-058E-43CD-8DE7-96F37C968137}" srcOrd="1" destOrd="0" presId="urn:microsoft.com/office/officeart/2005/8/layout/orgChart1"/>
     <dgm:cxn modelId="{714EDCCA-D136-47E8-93E3-18AD130D9A96}" type="presOf" srcId="{347BA63F-6330-4E17-9091-C819304D8374}" destId="{42DEE17A-3D83-4C0D-B91C-CA141A292DA2}" srcOrd="1" destOrd="0" presId="urn:microsoft.com/office/officeart/2005/8/layout/orgChart1"/>
     <dgm:cxn modelId="{105FF0CA-A9FE-4385-849A-513AFC6AB6C4}" type="presOf" srcId="{A1698A36-C129-4FA1-BE7D-9B591DCFED6F}" destId="{EA35908A-375B-4EF7-A17D-476DA652899F}" srcOrd="0" destOrd="0" presId="urn:microsoft.com/office/officeart/2005/8/layout/orgChart1"/>
     <dgm:cxn modelId="{A894B2CE-042B-4933-973A-0F0987339BD2}" type="presOf" srcId="{10F04DDC-9425-470F-8153-E7CB032EC473}" destId="{274E767F-761A-4B30-B369-389DF89B937D}" srcOrd="1" destOrd="0" presId="urn:microsoft.com/office/officeart/2005/8/layout/orgChart1"/>
@@ -6203,6 +6475,7 @@
     <dgm:cxn modelId="{C0EFEBD5-5DF4-4D4F-8FE8-1BE15E6AF913}" type="presOf" srcId="{DE023E0B-5C31-4E35-A101-3DA3908C072F}" destId="{F5DA5587-5EB1-405E-8951-92F671AE6BE5}" srcOrd="1" destOrd="0" presId="urn:microsoft.com/office/officeart/2005/8/layout/orgChart1"/>
     <dgm:cxn modelId="{EF32A5D6-A7ED-472E-846C-E4C37BA3F657}" type="presOf" srcId="{785ADFEC-7668-46D6-9578-5377B24474CF}" destId="{B15B783C-17E1-46DC-B52E-C2A7EDCDDBF6}" srcOrd="0" destOrd="0" presId="urn:microsoft.com/office/officeart/2005/8/layout/orgChart1"/>
     <dgm:cxn modelId="{B8B8DAD8-4B10-40F0-8ED3-14035B5F0F4D}" srcId="{441C9BFF-8AD7-4827-90F5-60BEDCAF3705}" destId="{A48100E6-84E1-4E3F-8C93-442D7A1A23CC}" srcOrd="6" destOrd="0" parTransId="{476A2B4E-0CFD-4F03-9824-25789D527EDB}" sibTransId="{60462F65-71B6-4ECE-9B21-6A15610060E9}"/>
+    <dgm:cxn modelId="{902876D9-9133-4A48-8398-C7CAAFB05485}" srcId="{28ACC96C-DAEE-4690-912C-9633C398023B}" destId="{197668C4-8212-48B8-A54E-73002176A9B9}" srcOrd="0" destOrd="0" parTransId="{AD5EE0EA-60D1-43DE-980D-E1501EFCEDE7}" sibTransId="{ABDB2C2B-782E-4029-89BE-6E5CBB30B114}"/>
     <dgm:cxn modelId="{D823A7DB-3914-4E93-A007-C4D851BBA925}" type="presOf" srcId="{1924ECD5-AA0E-4B54-9424-D53165043932}" destId="{816DF2EF-6A2D-47D7-82D8-0F775682513B}" srcOrd="0" destOrd="0" presId="urn:microsoft.com/office/officeart/2005/8/layout/orgChart1"/>
     <dgm:cxn modelId="{59A442DD-F78A-464B-97AF-79AF5CC25412}" type="presOf" srcId="{7EB6568E-DE68-41D0-B072-2D0DA56F4F15}" destId="{86837EF4-E4BC-47DA-8734-FDF19B2630D1}" srcOrd="0" destOrd="0" presId="urn:microsoft.com/office/officeart/2005/8/layout/orgChart1"/>
     <dgm:cxn modelId="{374F36DF-6662-4F92-91D9-3C41AFDDBB98}" srcId="{4DE3A42A-E3CE-4E99-83D9-D1A6756B3CB9}" destId="{795061A3-2B93-41B7-8CB3-D2EA827D06F1}" srcOrd="1" destOrd="0" parTransId="{AF051581-B2C4-4A22-B3E9-D040DD094A2F}" sibTransId="{A5E25A6B-6ACF-4370-BC1D-916D50C4DBFB}"/>
@@ -6210,6 +6483,7 @@
     <dgm:cxn modelId="{A7E5B9E7-435F-412E-994E-042677F66A38}" srcId="{1924ECD5-AA0E-4B54-9424-D53165043932}" destId="{3C6EA423-D64F-4DC7-B184-24C9BC3512E8}" srcOrd="0" destOrd="0" parTransId="{BF950D71-5670-40D6-AC0F-099BAE4EAFCE}" sibTransId="{172DF7D6-467F-45FD-9576-96B3C7081EEA}"/>
     <dgm:cxn modelId="{0A8866E8-2AA7-443E-A2BD-C420D709BD0E}" type="presOf" srcId="{028C5DFA-CD08-425A-9808-BE49C21D580B}" destId="{3C293340-5887-41DE-859C-77675150C6EB}" srcOrd="0" destOrd="0" presId="urn:microsoft.com/office/officeart/2005/8/layout/orgChart1"/>
     <dgm:cxn modelId="{6BB4C4E8-ED81-4799-95D5-B6033938A327}" type="presOf" srcId="{44363CFA-628E-4026-88F3-8868490E44F8}" destId="{2D05126F-7CA9-467A-B341-F8E1AF5FCF66}" srcOrd="0" destOrd="0" presId="urn:microsoft.com/office/officeart/2005/8/layout/orgChart1"/>
+    <dgm:cxn modelId="{4FDFA2ED-B79E-47AF-A7D1-362FF3E41002}" srcId="{28ACC96C-DAEE-4690-912C-9633C398023B}" destId="{5DF6C11B-377F-47FB-BC50-A7E3E32B7B43}" srcOrd="1" destOrd="0" parTransId="{D672805F-D531-46CA-8240-38805655CA82}" sibTransId="{02CB11EC-9DE7-441C-B4FD-6C7BD018BCA0}"/>
     <dgm:cxn modelId="{B5EC76EE-B0C8-4D57-AD52-D04FB5616EC9}" type="presOf" srcId="{EB65517D-69B4-43D8-B5D7-51657BA54F8A}" destId="{15D3E976-5568-44A0-A255-991A6803201C}" srcOrd="1" destOrd="0" presId="urn:microsoft.com/office/officeart/2005/8/layout/orgChart1"/>
     <dgm:cxn modelId="{2987C2EF-D373-40CB-A3CB-1FE39C3C0855}" type="presOf" srcId="{10948DB9-C87A-4CB4-AA25-2159E53038FA}" destId="{BEB1E389-DC78-4834-98AF-B72FEAAD2902}" srcOrd="1" destOrd="0" presId="urn:microsoft.com/office/officeart/2005/8/layout/orgChart1"/>
     <dgm:cxn modelId="{C8ABDCEF-2C6B-447C-B5D4-7BA5799C33EA}" type="presOf" srcId="{476A2B4E-0CFD-4F03-9824-25789D527EDB}" destId="{C01F831D-EFD6-481A-9BCE-21CF8207E0E1}" srcOrd="0" destOrd="0" presId="urn:microsoft.com/office/officeart/2005/8/layout/orgChart1"/>
@@ -6363,6 +6637,27 @@
     <dgm:cxn modelId="{45F94CA4-F931-4C58-8F07-0AE8A82F5B4F}" type="presParOf" srcId="{E9FEC899-8424-4F91-BF00-9F0EA2743AA9}" destId="{0328B132-74A6-4425-821D-84668D625AD9}" srcOrd="1" destOrd="0" presId="urn:microsoft.com/office/officeart/2005/8/layout/orgChart1"/>
     <dgm:cxn modelId="{A6FECA18-7962-4688-9DEE-A0188685EAAA}" type="presParOf" srcId="{C9B38781-C395-4C17-8C7F-BEE957BD4249}" destId="{2576764E-D309-4CA8-B535-2E32B2410668}" srcOrd="1" destOrd="0" presId="urn:microsoft.com/office/officeart/2005/8/layout/orgChart1"/>
     <dgm:cxn modelId="{64508501-DCAE-4EAB-973D-2C42724DCA1F}" type="presParOf" srcId="{C9B38781-C395-4C17-8C7F-BEE957BD4249}" destId="{B0D3F576-543B-4CA5-96FD-7BC4FFB37716}" srcOrd="2" destOrd="0" presId="urn:microsoft.com/office/officeart/2005/8/layout/orgChart1"/>
+    <dgm:cxn modelId="{B5C14819-387C-433B-AB99-9A9D7D1B07FD}" type="presParOf" srcId="{E4F35EED-3168-4BAF-B012-BC20D796120D}" destId="{DC0B8C07-BCD6-4D91-BB5F-6E51880E10CA}" srcOrd="14" destOrd="0" presId="urn:microsoft.com/office/officeart/2005/8/layout/orgChart1"/>
+    <dgm:cxn modelId="{A8BB6728-9D05-4421-B3F4-C35D07E6592D}" type="presParOf" srcId="{E4F35EED-3168-4BAF-B012-BC20D796120D}" destId="{B4ED0032-F552-4842-84E2-122A4AFFF45E}" srcOrd="15" destOrd="0" presId="urn:microsoft.com/office/officeart/2005/8/layout/orgChart1"/>
+    <dgm:cxn modelId="{EDDC5C7C-5698-4290-8CF0-AC001DD52906}" type="presParOf" srcId="{B4ED0032-F552-4842-84E2-122A4AFFF45E}" destId="{6D33168C-FBE8-4F1B-BC43-FCCC2110A207}" srcOrd="0" destOrd="0" presId="urn:microsoft.com/office/officeart/2005/8/layout/orgChart1"/>
+    <dgm:cxn modelId="{CD2D3819-86CD-4CC6-9543-031D5B578087}" type="presParOf" srcId="{6D33168C-FBE8-4F1B-BC43-FCCC2110A207}" destId="{99BBCD64-0904-4F94-938B-1D4FAE73A2E1}" srcOrd="0" destOrd="0" presId="urn:microsoft.com/office/officeart/2005/8/layout/orgChart1"/>
+    <dgm:cxn modelId="{69F82B0E-6535-4F21-B2B1-3FF4C13F9C4B}" type="presParOf" srcId="{6D33168C-FBE8-4F1B-BC43-FCCC2110A207}" destId="{4C381AC9-173E-441C-AC7D-6F1D3FC15D8A}" srcOrd="1" destOrd="0" presId="urn:microsoft.com/office/officeart/2005/8/layout/orgChart1"/>
+    <dgm:cxn modelId="{04C1792A-AC9F-433B-8E30-0FBE1C7F167B}" type="presParOf" srcId="{B4ED0032-F552-4842-84E2-122A4AFFF45E}" destId="{1E03C464-5C83-400B-BDFE-953A491844E5}" srcOrd="1" destOrd="0" presId="urn:microsoft.com/office/officeart/2005/8/layout/orgChart1"/>
+    <dgm:cxn modelId="{11CBB448-8257-440B-A922-D8C1CEBA1424}" type="presParOf" srcId="{1E03C464-5C83-400B-BDFE-953A491844E5}" destId="{98DF9615-6AB1-4615-98A9-227A4B3AE02B}" srcOrd="0" destOrd="0" presId="urn:microsoft.com/office/officeart/2005/8/layout/orgChart1"/>
+    <dgm:cxn modelId="{D57CADD3-B6AC-4836-96A0-C21DD2440AE4}" type="presParOf" srcId="{1E03C464-5C83-400B-BDFE-953A491844E5}" destId="{F4F6AA9E-5CC7-4688-8E0A-DFFF2E2453E3}" srcOrd="1" destOrd="0" presId="urn:microsoft.com/office/officeart/2005/8/layout/orgChart1"/>
+    <dgm:cxn modelId="{F84D56F8-218A-4B44-A920-BEE2EFEA5E70}" type="presParOf" srcId="{F4F6AA9E-5CC7-4688-8E0A-DFFF2E2453E3}" destId="{BEBC0944-3EE9-44C2-9697-A828E10A67CD}" srcOrd="0" destOrd="0" presId="urn:microsoft.com/office/officeart/2005/8/layout/orgChart1"/>
+    <dgm:cxn modelId="{C5FA15F0-E63F-49C1-B765-DB10FE137B98}" type="presParOf" srcId="{BEBC0944-3EE9-44C2-9697-A828E10A67CD}" destId="{7A882588-0810-4F92-AD23-756B9035A4E8}" srcOrd="0" destOrd="0" presId="urn:microsoft.com/office/officeart/2005/8/layout/orgChart1"/>
+    <dgm:cxn modelId="{D054E011-D61C-4A09-951E-586270A52E4B}" type="presParOf" srcId="{BEBC0944-3EE9-44C2-9697-A828E10A67CD}" destId="{241D6C5A-A704-4FEC-BFA2-42E7E1150593}" srcOrd="1" destOrd="0" presId="urn:microsoft.com/office/officeart/2005/8/layout/orgChart1"/>
+    <dgm:cxn modelId="{11D83B0C-3F0A-4CFA-B963-6EF8F3B2095E}" type="presParOf" srcId="{F4F6AA9E-5CC7-4688-8E0A-DFFF2E2453E3}" destId="{1773CDB1-D2E3-4EAE-A42A-B036DC3596AE}" srcOrd="1" destOrd="0" presId="urn:microsoft.com/office/officeart/2005/8/layout/orgChart1"/>
+    <dgm:cxn modelId="{DE53CC96-EF59-48E8-8A62-801FE5FD9A89}" type="presParOf" srcId="{F4F6AA9E-5CC7-4688-8E0A-DFFF2E2453E3}" destId="{3E037070-2817-4D54-B26C-AD6AA1BCCF21}" srcOrd="2" destOrd="0" presId="urn:microsoft.com/office/officeart/2005/8/layout/orgChart1"/>
+    <dgm:cxn modelId="{0A4A03DF-37BD-43FC-994D-BC50D6AE18B9}" type="presParOf" srcId="{1E03C464-5C83-400B-BDFE-953A491844E5}" destId="{B4023B61-E2B4-4C69-A00E-8B14067C6DC3}" srcOrd="2" destOrd="0" presId="urn:microsoft.com/office/officeart/2005/8/layout/orgChart1"/>
+    <dgm:cxn modelId="{B9557D77-E3D8-41EF-95C3-07110C7F6659}" type="presParOf" srcId="{1E03C464-5C83-400B-BDFE-953A491844E5}" destId="{BBBC079C-B4BF-4ADF-8148-1298E67D0F08}" srcOrd="3" destOrd="0" presId="urn:microsoft.com/office/officeart/2005/8/layout/orgChart1"/>
+    <dgm:cxn modelId="{91D6D62D-488D-41E8-85B5-F0EB0EAEE078}" type="presParOf" srcId="{BBBC079C-B4BF-4ADF-8148-1298E67D0F08}" destId="{EEAEFE05-4F93-465F-AAC6-E4FB3B09264E}" srcOrd="0" destOrd="0" presId="urn:microsoft.com/office/officeart/2005/8/layout/orgChart1"/>
+    <dgm:cxn modelId="{0CD17DF2-CCE6-436A-9803-31E05D20DEF4}" type="presParOf" srcId="{EEAEFE05-4F93-465F-AAC6-E4FB3B09264E}" destId="{B04C15FD-14A3-4E7B-895B-7C4AF0E8908C}" srcOrd="0" destOrd="0" presId="urn:microsoft.com/office/officeart/2005/8/layout/orgChart1"/>
+    <dgm:cxn modelId="{BDE6E9B0-A786-44DE-BA58-2A37EB505501}" type="presParOf" srcId="{EEAEFE05-4F93-465F-AAC6-E4FB3B09264E}" destId="{D2420743-058E-43CD-8DE7-96F37C968137}" srcOrd="1" destOrd="0" presId="urn:microsoft.com/office/officeart/2005/8/layout/orgChart1"/>
+    <dgm:cxn modelId="{2D28EB6B-96DE-4635-95EE-234D3ACD76EC}" type="presParOf" srcId="{BBBC079C-B4BF-4ADF-8148-1298E67D0F08}" destId="{0C86AA4C-1483-49E1-8C49-98CA315494B9}" srcOrd="1" destOrd="0" presId="urn:microsoft.com/office/officeart/2005/8/layout/orgChart1"/>
+    <dgm:cxn modelId="{C9A2FC6C-ADF4-477E-ACFB-86D4B3B27040}" type="presParOf" srcId="{BBBC079C-B4BF-4ADF-8148-1298E67D0F08}" destId="{4A65B302-E416-4124-B5ED-C3ABD07F5905}" srcOrd="2" destOrd="0" presId="urn:microsoft.com/office/officeart/2005/8/layout/orgChart1"/>
+    <dgm:cxn modelId="{97490C6A-BA30-43E1-AFBB-58A5AECD5355}" type="presParOf" srcId="{B4ED0032-F552-4842-84E2-122A4AFFF45E}" destId="{761E2FBE-BF4C-4F06-94D6-4399B7503FC9}" srcOrd="2" destOrd="0" presId="urn:microsoft.com/office/officeart/2005/8/layout/orgChart1"/>
     <dgm:cxn modelId="{882046F6-F1A3-4334-AD7D-2E1C4A1F6BF0}" type="presParOf" srcId="{8B848A77-7266-476A-B593-64C912A0F29B}" destId="{2DAC1630-BA8F-4206-952C-EBE673153874}" srcOrd="2" destOrd="0" presId="urn:microsoft.com/office/officeart/2005/8/layout/orgChart1"/>
   </dgm:cxnLst>
   <dgm:bg/>
@@ -8867,15 +9162,15 @@
       <dsp:cNvGrpSpPr/>
     </dsp:nvGrpSpPr>
     <dsp:grpSpPr/>
-    <dsp:sp modelId="{C01F831D-EFD6-481A-9BCE-21CF8207E0E1}">
+    <dsp:sp modelId="{B4023B61-E2B4-4C69-A00E-8B14067C6DC3}">
       <dsp:nvSpPr>
         <dsp:cNvPr id="0" name=""/>
         <dsp:cNvSpPr/>
       </dsp:nvSpPr>
       <dsp:spPr>
         <a:xfrm>
-          <a:off x="5257800" y="470624"/>
-          <a:ext cx="3530707" cy="197456"/>
+          <a:off x="10348131" y="1344513"/>
+          <a:ext cx="166315" cy="1297260"/>
         </a:xfrm>
         <a:custGeom>
           <a:avLst/>
@@ -8889,13 +9184,131 @@
                 <a:pt x="0" y="0"/>
               </a:moveTo>
               <a:lnTo>
-                <a:pt x="0" y="98728"/>
+                <a:pt x="0" y="1297260"/>
               </a:lnTo>
               <a:lnTo>
-                <a:pt x="3530707" y="98728"/>
+                <a:pt x="166315" y="1297260"/>
+              </a:lnTo>
+            </a:path>
+          </a:pathLst>
+        </a:custGeom>
+        <a:noFill/>
+        <a:ln w="12700" cap="flat" cmpd="sng" algn="ctr">
+          <a:solidFill>
+            <a:schemeClr val="accent1">
+              <a:shade val="80000"/>
+              <a:hueOff val="0"/>
+              <a:satOff val="0"/>
+              <a:lumOff val="0"/>
+              <a:alphaOff val="0"/>
+            </a:schemeClr>
+          </a:solidFill>
+          <a:prstDash val="solid"/>
+          <a:miter lim="800000"/>
+        </a:ln>
+        <a:effectLst/>
+      </dsp:spPr>
+      <dsp:style>
+        <a:lnRef idx="2">
+          <a:scrgbClr r="0" g="0" b="0"/>
+        </a:lnRef>
+        <a:fillRef idx="0">
+          <a:scrgbClr r="0" g="0" b="0"/>
+        </a:fillRef>
+        <a:effectRef idx="0">
+          <a:scrgbClr r="0" g="0" b="0"/>
+        </a:effectRef>
+        <a:fontRef idx="minor"/>
+      </dsp:style>
+    </dsp:sp>
+    <dsp:sp modelId="{98DF9615-6AB1-4615-98A9-227A4B3AE02B}">
+      <dsp:nvSpPr>
+        <dsp:cNvPr id="0" name=""/>
+        <dsp:cNvSpPr/>
+      </dsp:nvSpPr>
+      <dsp:spPr>
+        <a:xfrm>
+          <a:off x="10348131" y="1344513"/>
+          <a:ext cx="166315" cy="510033"/>
+        </a:xfrm>
+        <a:custGeom>
+          <a:avLst/>
+          <a:gdLst/>
+          <a:ahLst/>
+          <a:cxnLst/>
+          <a:rect l="0" t="0" r="0" b="0"/>
+          <a:pathLst>
+            <a:path>
+              <a:moveTo>
+                <a:pt x="0" y="0"/>
+              </a:moveTo>
+              <a:lnTo>
+                <a:pt x="0" y="510033"/>
               </a:lnTo>
               <a:lnTo>
-                <a:pt x="3530707" y="197456"/>
+                <a:pt x="166315" y="510033"/>
+              </a:lnTo>
+            </a:path>
+          </a:pathLst>
+        </a:custGeom>
+        <a:noFill/>
+        <a:ln w="12700" cap="flat" cmpd="sng" algn="ctr">
+          <a:solidFill>
+            <a:schemeClr val="accent1">
+              <a:shade val="80000"/>
+              <a:hueOff val="0"/>
+              <a:satOff val="0"/>
+              <a:lumOff val="0"/>
+              <a:alphaOff val="0"/>
+            </a:schemeClr>
+          </a:solidFill>
+          <a:prstDash val="solid"/>
+          <a:miter lim="800000"/>
+        </a:ln>
+        <a:effectLst/>
+      </dsp:spPr>
+      <dsp:style>
+        <a:lnRef idx="2">
+          <a:scrgbClr r="0" g="0" b="0"/>
+        </a:lnRef>
+        <a:fillRef idx="0">
+          <a:scrgbClr r="0" g="0" b="0"/>
+        </a:fillRef>
+        <a:effectRef idx="0">
+          <a:scrgbClr r="0" g="0" b="0"/>
+        </a:effectRef>
+        <a:fontRef idx="minor"/>
+      </dsp:style>
+    </dsp:sp>
+    <dsp:sp modelId="{DC0B8C07-BCD6-4D91-BB5F-6E51880E10CA}">
+      <dsp:nvSpPr>
+        <dsp:cNvPr id="0" name=""/>
+        <dsp:cNvSpPr/>
+      </dsp:nvSpPr>
+      <dsp:spPr>
+        <a:xfrm>
+          <a:off x="5957403" y="557286"/>
+          <a:ext cx="4834235" cy="232841"/>
+        </a:xfrm>
+        <a:custGeom>
+          <a:avLst/>
+          <a:gdLst/>
+          <a:ahLst/>
+          <a:cxnLst/>
+          <a:rect l="0" t="0" r="0" b="0"/>
+          <a:pathLst>
+            <a:path>
+              <a:moveTo>
+                <a:pt x="0" y="0"/>
+              </a:moveTo>
+              <a:lnTo>
+                <a:pt x="0" y="116420"/>
+              </a:lnTo>
+              <a:lnTo>
+                <a:pt x="4834235" y="116420"/>
+              </a:lnTo>
+              <a:lnTo>
+                <a:pt x="4834235" y="232841"/>
               </a:lnTo>
             </a:path>
           </a:pathLst>
@@ -8929,15 +9342,15 @@
         <a:fontRef idx="minor"/>
       </dsp:style>
     </dsp:sp>
-    <dsp:sp modelId="{471300FB-DB21-4C22-8086-4742D736E0BD}">
+    <dsp:sp modelId="{C01F831D-EFD6-481A-9BCE-21CF8207E0E1}">
       <dsp:nvSpPr>
         <dsp:cNvPr id="0" name=""/>
         <dsp:cNvSpPr/>
       </dsp:nvSpPr>
       <dsp:spPr>
         <a:xfrm>
-          <a:off x="7274675" y="1805805"/>
-          <a:ext cx="141040" cy="1100113"/>
+          <a:off x="5957403" y="557286"/>
+          <a:ext cx="3492624" cy="232841"/>
         </a:xfrm>
         <a:custGeom>
           <a:avLst/>
@@ -8951,10 +9364,72 @@
                 <a:pt x="0" y="0"/>
               </a:moveTo>
               <a:lnTo>
-                <a:pt x="0" y="1100113"/>
+                <a:pt x="0" y="116420"/>
               </a:lnTo>
               <a:lnTo>
-                <a:pt x="141040" y="1100113"/>
+                <a:pt x="3492624" y="116420"/>
+              </a:lnTo>
+              <a:lnTo>
+                <a:pt x="3492624" y="232841"/>
+              </a:lnTo>
+            </a:path>
+          </a:pathLst>
+        </a:custGeom>
+        <a:noFill/>
+        <a:ln w="12700" cap="flat" cmpd="sng" algn="ctr">
+          <a:solidFill>
+            <a:schemeClr val="accent1">
+              <a:shade val="60000"/>
+              <a:hueOff val="0"/>
+              <a:satOff val="0"/>
+              <a:lumOff val="0"/>
+              <a:alphaOff val="0"/>
+            </a:schemeClr>
+          </a:solidFill>
+          <a:prstDash val="solid"/>
+          <a:miter lim="800000"/>
+        </a:ln>
+        <a:effectLst/>
+      </dsp:spPr>
+      <dsp:style>
+        <a:lnRef idx="2">
+          <a:scrgbClr r="0" g="0" b="0"/>
+        </a:lnRef>
+        <a:fillRef idx="0">
+          <a:scrgbClr r="0" g="0" b="0"/>
+        </a:fillRef>
+        <a:effectRef idx="0">
+          <a:scrgbClr r="0" g="0" b="0"/>
+        </a:effectRef>
+        <a:fontRef idx="minor"/>
+      </dsp:style>
+    </dsp:sp>
+    <dsp:sp modelId="{471300FB-DB21-4C22-8086-4742D736E0BD}">
+      <dsp:nvSpPr>
+        <dsp:cNvPr id="0" name=""/>
+        <dsp:cNvSpPr/>
+      </dsp:nvSpPr>
+      <dsp:spPr>
+        <a:xfrm>
+          <a:off x="7664908" y="2131739"/>
+          <a:ext cx="166315" cy="1297260"/>
+        </a:xfrm>
+        <a:custGeom>
+          <a:avLst/>
+          <a:gdLst/>
+          <a:ahLst/>
+          <a:cxnLst/>
+          <a:rect l="0" t="0" r="0" b="0"/>
+          <a:pathLst>
+            <a:path>
+              <a:moveTo>
+                <a:pt x="0" y="0"/>
+              </a:moveTo>
+              <a:lnTo>
+                <a:pt x="0" y="1297260"/>
+              </a:lnTo>
+              <a:lnTo>
+                <a:pt x="166315" y="1297260"/>
               </a:lnTo>
             </a:path>
           </a:pathLst>
@@ -8995,8 +9470,8 @@
       </dsp:nvSpPr>
       <dsp:spPr>
         <a:xfrm>
-          <a:off x="7274675" y="1805805"/>
-          <a:ext cx="141040" cy="432523"/>
+          <a:off x="7664908" y="2131739"/>
+          <a:ext cx="166315" cy="510033"/>
         </a:xfrm>
         <a:custGeom>
           <a:avLst/>
@@ -9010,10 +9485,10 @@
                 <a:pt x="0" y="0"/>
               </a:moveTo>
               <a:lnTo>
-                <a:pt x="0" y="432523"/>
+                <a:pt x="0" y="510033"/>
               </a:lnTo>
               <a:lnTo>
-                <a:pt x="141040" y="432523"/>
+                <a:pt x="166315" y="510033"/>
               </a:lnTo>
             </a:path>
           </a:pathLst>
@@ -9054,8 +9529,8 @@
       </dsp:nvSpPr>
       <dsp:spPr>
         <a:xfrm>
-          <a:off x="7605062" y="1138214"/>
-          <a:ext cx="91440" cy="197456"/>
+          <a:off x="8062696" y="1344513"/>
+          <a:ext cx="91440" cy="232841"/>
         </a:xfrm>
         <a:custGeom>
           <a:avLst/>
@@ -9069,7 +9544,7 @@
                 <a:pt x="45720" y="0"/>
               </a:moveTo>
               <a:lnTo>
-                <a:pt x="45720" y="197456"/>
+                <a:pt x="45720" y="232841"/>
               </a:lnTo>
             </a:path>
           </a:pathLst>
@@ -9110,8 +9585,8 @@
       </dsp:nvSpPr>
       <dsp:spPr>
         <a:xfrm>
-          <a:off x="5257800" y="470624"/>
-          <a:ext cx="2392982" cy="197456"/>
+          <a:off x="5957403" y="557286"/>
+          <a:ext cx="2151012" cy="232841"/>
         </a:xfrm>
         <a:custGeom>
           <a:avLst/>
@@ -9125,13 +9600,13 @@
                 <a:pt x="0" y="0"/>
               </a:moveTo>
               <a:lnTo>
-                <a:pt x="0" y="98728"/>
+                <a:pt x="0" y="116420"/>
               </a:lnTo>
               <a:lnTo>
-                <a:pt x="2392982" y="98728"/>
+                <a:pt x="2151012" y="116420"/>
               </a:lnTo>
               <a:lnTo>
-                <a:pt x="2392982" y="197456"/>
+                <a:pt x="2151012" y="232841"/>
               </a:lnTo>
             </a:path>
           </a:pathLst>
@@ -9172,8 +9647,8 @@
       </dsp:nvSpPr>
       <dsp:spPr>
         <a:xfrm>
-          <a:off x="5901883" y="1138214"/>
-          <a:ext cx="141040" cy="432523"/>
+          <a:off x="6046105" y="1344513"/>
+          <a:ext cx="166315" cy="510033"/>
         </a:xfrm>
         <a:custGeom>
           <a:avLst/>
@@ -9187,10 +9662,10 @@
                 <a:pt x="0" y="0"/>
               </a:moveTo>
               <a:lnTo>
-                <a:pt x="0" y="432523"/>
+                <a:pt x="0" y="510033"/>
               </a:lnTo>
               <a:lnTo>
-                <a:pt x="141040" y="432523"/>
+                <a:pt x="166315" y="510033"/>
               </a:lnTo>
             </a:path>
           </a:pathLst>
@@ -9231,8 +9706,8 @@
       </dsp:nvSpPr>
       <dsp:spPr>
         <a:xfrm>
-          <a:off x="5257800" y="470624"/>
-          <a:ext cx="1020190" cy="197456"/>
+          <a:off x="5957403" y="557286"/>
+          <a:ext cx="532209" cy="232841"/>
         </a:xfrm>
         <a:custGeom>
           <a:avLst/>
@@ -9246,13 +9721,13 @@
                 <a:pt x="0" y="0"/>
               </a:moveTo>
               <a:lnTo>
-                <a:pt x="0" y="98728"/>
+                <a:pt x="0" y="116420"/>
               </a:lnTo>
               <a:lnTo>
-                <a:pt x="1020190" y="98728"/>
+                <a:pt x="532209" y="116420"/>
               </a:lnTo>
               <a:lnTo>
-                <a:pt x="1020190" y="197456"/>
+                <a:pt x="532209" y="232841"/>
               </a:lnTo>
             </a:path>
           </a:pathLst>
@@ -9293,8 +9768,8 @@
       </dsp:nvSpPr>
       <dsp:spPr>
         <a:xfrm>
-          <a:off x="4764159" y="1138214"/>
-          <a:ext cx="141040" cy="4438065"/>
+          <a:off x="4704494" y="1344513"/>
+          <a:ext cx="166315" cy="5233392"/>
         </a:xfrm>
         <a:custGeom>
           <a:avLst/>
@@ -9308,10 +9783,10 @@
                 <a:pt x="0" y="0"/>
               </a:moveTo>
               <a:lnTo>
-                <a:pt x="0" y="4438065"/>
+                <a:pt x="0" y="5233392"/>
               </a:lnTo>
               <a:lnTo>
-                <a:pt x="141040" y="4438065"/>
+                <a:pt x="166315" y="5233392"/>
               </a:lnTo>
             </a:path>
           </a:pathLst>
@@ -9352,8 +9827,8 @@
       </dsp:nvSpPr>
       <dsp:spPr>
         <a:xfrm>
-          <a:off x="4764159" y="1138214"/>
-          <a:ext cx="141040" cy="3770475"/>
+          <a:off x="4704494" y="1344513"/>
+          <a:ext cx="166315" cy="4446165"/>
         </a:xfrm>
         <a:custGeom>
           <a:avLst/>
@@ -9367,10 +9842,10 @@
                 <a:pt x="0" y="0"/>
               </a:moveTo>
               <a:lnTo>
-                <a:pt x="0" y="3770475"/>
+                <a:pt x="0" y="4446165"/>
               </a:lnTo>
               <a:lnTo>
-                <a:pt x="141040" y="3770475"/>
+                <a:pt x="166315" y="4446165"/>
               </a:lnTo>
             </a:path>
           </a:pathLst>
@@ -9411,8 +9886,8 @@
       </dsp:nvSpPr>
       <dsp:spPr>
         <a:xfrm>
-          <a:off x="4764159" y="1138214"/>
-          <a:ext cx="141040" cy="3102885"/>
+          <a:off x="4704494" y="1344513"/>
+          <a:ext cx="166315" cy="3658939"/>
         </a:xfrm>
         <a:custGeom>
           <a:avLst/>
@@ -9426,10 +9901,10 @@
                 <a:pt x="0" y="0"/>
               </a:moveTo>
               <a:lnTo>
-                <a:pt x="0" y="3102885"/>
+                <a:pt x="0" y="3658939"/>
               </a:lnTo>
               <a:lnTo>
-                <a:pt x="141040" y="3102885"/>
+                <a:pt x="166315" y="3658939"/>
               </a:lnTo>
             </a:path>
           </a:pathLst>
@@ -9470,8 +9945,8 @@
       </dsp:nvSpPr>
       <dsp:spPr>
         <a:xfrm>
-          <a:off x="4764159" y="1138214"/>
-          <a:ext cx="141040" cy="2435294"/>
+          <a:off x="4704494" y="1344513"/>
+          <a:ext cx="166315" cy="2871713"/>
         </a:xfrm>
         <a:custGeom>
           <a:avLst/>
@@ -9485,10 +9960,10 @@
                 <a:pt x="0" y="0"/>
               </a:moveTo>
               <a:lnTo>
-                <a:pt x="0" y="2435294"/>
+                <a:pt x="0" y="2871713"/>
               </a:lnTo>
               <a:lnTo>
-                <a:pt x="141040" y="2435294"/>
+                <a:pt x="166315" y="2871713"/>
               </a:lnTo>
             </a:path>
           </a:pathLst>
@@ -9529,8 +10004,8 @@
       </dsp:nvSpPr>
       <dsp:spPr>
         <a:xfrm>
-          <a:off x="4764159" y="1138214"/>
-          <a:ext cx="141040" cy="1767704"/>
+          <a:off x="4704494" y="1344513"/>
+          <a:ext cx="166315" cy="2084486"/>
         </a:xfrm>
         <a:custGeom>
           <a:avLst/>
@@ -9544,10 +10019,10 @@
                 <a:pt x="0" y="0"/>
               </a:moveTo>
               <a:lnTo>
-                <a:pt x="0" y="1767704"/>
+                <a:pt x="0" y="2084486"/>
               </a:lnTo>
               <a:lnTo>
-                <a:pt x="141040" y="1767704"/>
+                <a:pt x="166315" y="2084486"/>
               </a:lnTo>
             </a:path>
           </a:pathLst>
@@ -9588,8 +10063,8 @@
       </dsp:nvSpPr>
       <dsp:spPr>
         <a:xfrm>
-          <a:off x="4764159" y="1138214"/>
-          <a:ext cx="141040" cy="1100113"/>
+          <a:off x="4704494" y="1344513"/>
+          <a:ext cx="166315" cy="1297260"/>
         </a:xfrm>
         <a:custGeom>
           <a:avLst/>
@@ -9603,10 +10078,10 @@
                 <a:pt x="0" y="0"/>
               </a:moveTo>
               <a:lnTo>
-                <a:pt x="0" y="1100113"/>
+                <a:pt x="0" y="1297260"/>
               </a:lnTo>
               <a:lnTo>
-                <a:pt x="141040" y="1100113"/>
+                <a:pt x="166315" y="1297260"/>
               </a:lnTo>
             </a:path>
           </a:pathLst>
@@ -9647,8 +10122,8 @@
       </dsp:nvSpPr>
       <dsp:spPr>
         <a:xfrm>
-          <a:off x="4764159" y="1138214"/>
-          <a:ext cx="141040" cy="432523"/>
+          <a:off x="4704494" y="1344513"/>
+          <a:ext cx="166315" cy="510033"/>
         </a:xfrm>
         <a:custGeom>
           <a:avLst/>
@@ -9662,10 +10137,10 @@
                 <a:pt x="0" y="0"/>
               </a:moveTo>
               <a:lnTo>
-                <a:pt x="0" y="432523"/>
+                <a:pt x="0" y="510033"/>
               </a:lnTo>
               <a:lnTo>
-                <a:pt x="141040" y="432523"/>
+                <a:pt x="166315" y="510033"/>
               </a:lnTo>
             </a:path>
           </a:pathLst>
@@ -9706,8 +10181,8 @@
       </dsp:nvSpPr>
       <dsp:spPr>
         <a:xfrm>
-          <a:off x="5140266" y="470624"/>
-          <a:ext cx="117533" cy="197456"/>
+          <a:off x="5148002" y="557286"/>
+          <a:ext cx="809401" cy="232841"/>
         </a:xfrm>
         <a:custGeom>
           <a:avLst/>
@@ -9718,16 +10193,16 @@
           <a:pathLst>
             <a:path>
               <a:moveTo>
-                <a:pt x="117533" y="0"/>
+                <a:pt x="809401" y="0"/>
               </a:moveTo>
               <a:lnTo>
-                <a:pt x="117533" y="98728"/>
+                <a:pt x="809401" y="116420"/>
               </a:lnTo>
               <a:lnTo>
-                <a:pt x="0" y="98728"/>
+                <a:pt x="0" y="116420"/>
               </a:lnTo>
               <a:lnTo>
-                <a:pt x="0" y="197456"/>
+                <a:pt x="0" y="232841"/>
               </a:lnTo>
             </a:path>
           </a:pathLst>
@@ -9768,8 +10243,8 @@
       </dsp:nvSpPr>
       <dsp:spPr>
         <a:xfrm>
-          <a:off x="4002541" y="470624"/>
-          <a:ext cx="1255258" cy="197456"/>
+          <a:off x="3806390" y="557286"/>
+          <a:ext cx="2151012" cy="232841"/>
         </a:xfrm>
         <a:custGeom>
           <a:avLst/>
@@ -9780,16 +10255,16 @@
           <a:pathLst>
             <a:path>
               <a:moveTo>
-                <a:pt x="1255258" y="0"/>
+                <a:pt x="2151012" y="0"/>
               </a:moveTo>
               <a:lnTo>
-                <a:pt x="1255258" y="98728"/>
+                <a:pt x="2151012" y="116420"/>
               </a:lnTo>
               <a:lnTo>
-                <a:pt x="0" y="98728"/>
+                <a:pt x="0" y="116420"/>
               </a:lnTo>
               <a:lnTo>
-                <a:pt x="0" y="197456"/>
+                <a:pt x="0" y="232841"/>
               </a:lnTo>
             </a:path>
           </a:pathLst>
@@ -9830,8 +10305,8 @@
       </dsp:nvSpPr>
       <dsp:spPr>
         <a:xfrm>
-          <a:off x="2488710" y="1138214"/>
-          <a:ext cx="141040" cy="432523"/>
+          <a:off x="2021271" y="1344513"/>
+          <a:ext cx="166315" cy="510033"/>
         </a:xfrm>
         <a:custGeom>
           <a:avLst/>
@@ -9845,10 +10320,10 @@
                 <a:pt x="0" y="0"/>
               </a:moveTo>
               <a:lnTo>
-                <a:pt x="0" y="432523"/>
+                <a:pt x="0" y="510033"/>
               </a:lnTo>
               <a:lnTo>
-                <a:pt x="141040" y="432523"/>
+                <a:pt x="166315" y="510033"/>
               </a:lnTo>
             </a:path>
           </a:pathLst>
@@ -9889,8 +10364,8 @@
       </dsp:nvSpPr>
       <dsp:spPr>
         <a:xfrm>
-          <a:off x="2864817" y="470624"/>
-          <a:ext cx="2392982" cy="197456"/>
+          <a:off x="2464779" y="557286"/>
+          <a:ext cx="3492624" cy="232841"/>
         </a:xfrm>
         <a:custGeom>
           <a:avLst/>
@@ -9901,16 +10376,16 @@
           <a:pathLst>
             <a:path>
               <a:moveTo>
-                <a:pt x="2392982" y="0"/>
+                <a:pt x="3492624" y="0"/>
               </a:moveTo>
               <a:lnTo>
-                <a:pt x="2392982" y="98728"/>
+                <a:pt x="3492624" y="116420"/>
               </a:lnTo>
               <a:lnTo>
-                <a:pt x="0" y="98728"/>
+                <a:pt x="0" y="116420"/>
               </a:lnTo>
               <a:lnTo>
-                <a:pt x="0" y="197456"/>
+                <a:pt x="0" y="232841"/>
               </a:lnTo>
             </a:path>
           </a:pathLst>
@@ -9951,8 +10426,8 @@
       </dsp:nvSpPr>
       <dsp:spPr>
         <a:xfrm>
-          <a:off x="1350985" y="1138214"/>
-          <a:ext cx="141040" cy="432523"/>
+          <a:off x="679660" y="1344513"/>
+          <a:ext cx="166315" cy="510033"/>
         </a:xfrm>
         <a:custGeom>
           <a:avLst/>
@@ -9966,10 +10441,10 @@
                 <a:pt x="0" y="0"/>
               </a:moveTo>
               <a:lnTo>
-                <a:pt x="0" y="432523"/>
+                <a:pt x="0" y="510033"/>
               </a:lnTo>
               <a:lnTo>
-                <a:pt x="141040" y="432523"/>
+                <a:pt x="166315" y="510033"/>
               </a:lnTo>
             </a:path>
           </a:pathLst>
@@ -10010,8 +10485,8 @@
       </dsp:nvSpPr>
       <dsp:spPr>
         <a:xfrm>
-          <a:off x="1727092" y="470624"/>
-          <a:ext cx="3530707" cy="197456"/>
+          <a:off x="1123168" y="557286"/>
+          <a:ext cx="4834235" cy="232841"/>
         </a:xfrm>
         <a:custGeom>
           <a:avLst/>
@@ -10022,16 +10497,16 @@
           <a:pathLst>
             <a:path>
               <a:moveTo>
-                <a:pt x="3530707" y="0"/>
+                <a:pt x="4834235" y="0"/>
               </a:moveTo>
               <a:lnTo>
-                <a:pt x="3530707" y="98728"/>
+                <a:pt x="4834235" y="116420"/>
               </a:lnTo>
               <a:lnTo>
-                <a:pt x="0" y="98728"/>
+                <a:pt x="0" y="116420"/>
               </a:lnTo>
               <a:lnTo>
-                <a:pt x="0" y="197456"/>
+                <a:pt x="0" y="232841"/>
               </a:lnTo>
             </a:path>
           </a:pathLst>
@@ -10072,8 +10547,8 @@
       </dsp:nvSpPr>
       <dsp:spPr>
         <a:xfrm>
-          <a:off x="4787665" y="490"/>
-          <a:ext cx="940268" cy="470134"/>
+          <a:off x="5403019" y="2902"/>
+          <a:ext cx="1108769" cy="554384"/>
         </a:xfrm>
         <a:prstGeom prst="rect">
           <a:avLst/>
@@ -10115,12 +10590,12 @@
         </a:fontRef>
       </dsp:style>
       <dsp:txBody>
-        <a:bodyPr spcFirstLastPara="0" vert="horz" wrap="square" lIns="4445" tIns="4445" rIns="4445" bIns="4445" numCol="1" spcCol="1270" anchor="ctr" anchorCtr="0">
+        <a:bodyPr spcFirstLastPara="0" vert="horz" wrap="square" lIns="5080" tIns="5080" rIns="5080" bIns="5080" numCol="1" spcCol="1270" anchor="ctr" anchorCtr="0">
           <a:noAutofit/>
         </a:bodyPr>
         <a:lstStyle/>
         <a:p>
-          <a:pPr marL="0" lvl="0" indent="0" algn="ctr" defTabSz="311150">
+          <a:pPr marL="0" lvl="0" indent="0" algn="ctr" defTabSz="355600">
             <a:lnSpc>
               <a:spcPct val="90000"/>
             </a:lnSpc>
@@ -10133,14 +10608,14 @@
             <a:buNone/>
           </a:pPr>
           <a:r>
-            <a:rPr lang="en-PH" sz="700" i="0" u="none" kern="1200" dirty="0"/>
+            <a:rPr lang="en-PH" sz="800" i="0" u="none" kern="1200" dirty="0"/>
             <a:t>GET: /</a:t>
           </a:r>
         </a:p>
       </dsp:txBody>
       <dsp:txXfrm>
-        <a:off x="4787665" y="490"/>
-        <a:ext cx="940268" cy="470134"/>
+        <a:off x="5403019" y="2902"/>
+        <a:ext cx="1108769" cy="554384"/>
       </dsp:txXfrm>
     </dsp:sp>
     <dsp:sp modelId="{AE1DD6B5-8922-4162-945A-41BF7A420F55}">
@@ -10150,8 +10625,8 @@
       </dsp:nvSpPr>
       <dsp:spPr>
         <a:xfrm>
-          <a:off x="1256958" y="668080"/>
-          <a:ext cx="940268" cy="470134"/>
+          <a:off x="568783" y="790128"/>
+          <a:ext cx="1108769" cy="554384"/>
         </a:xfrm>
         <a:prstGeom prst="rect">
           <a:avLst/>
@@ -10193,12 +10668,12 @@
         </a:fontRef>
       </dsp:style>
       <dsp:txBody>
-        <a:bodyPr spcFirstLastPara="0" vert="horz" wrap="square" lIns="4445" tIns="4445" rIns="4445" bIns="4445" numCol="1" spcCol="1270" anchor="ctr" anchorCtr="0">
+        <a:bodyPr spcFirstLastPara="0" vert="horz" wrap="square" lIns="5080" tIns="5080" rIns="5080" bIns="5080" numCol="1" spcCol="1270" anchor="ctr" anchorCtr="0">
           <a:noAutofit/>
         </a:bodyPr>
         <a:lstStyle/>
         <a:p>
-          <a:pPr marL="0" lvl="0" indent="0" algn="ctr" defTabSz="311150">
+          <a:pPr marL="0" lvl="0" indent="0" algn="ctr" defTabSz="355600">
             <a:lnSpc>
               <a:spcPct val="90000"/>
             </a:lnSpc>
@@ -10211,14 +10686,14 @@
             <a:buNone/>
           </a:pPr>
           <a:r>
-            <a:rPr lang="en-PH" sz="700" i="0" u="none" kern="1200" dirty="0"/>
+            <a:rPr lang="en-PH" sz="800" i="0" u="none" kern="1200" dirty="0"/>
             <a:t>GET: /login</a:t>
           </a:r>
         </a:p>
       </dsp:txBody>
       <dsp:txXfrm>
-        <a:off x="1256958" y="668080"/>
-        <a:ext cx="940268" cy="470134"/>
+        <a:off x="568783" y="790128"/>
+        <a:ext cx="1108769" cy="554384"/>
       </dsp:txXfrm>
     </dsp:sp>
     <dsp:sp modelId="{3C293340-5887-41DE-859C-77675150C6EB}">
@@ -10228,8 +10703,8 @@
       </dsp:nvSpPr>
       <dsp:spPr>
         <a:xfrm>
-          <a:off x="1492025" y="1335671"/>
-          <a:ext cx="940268" cy="470134"/>
+          <a:off x="845976" y="1577354"/>
+          <a:ext cx="1108769" cy="554384"/>
         </a:xfrm>
         <a:prstGeom prst="rect">
           <a:avLst/>
@@ -10271,12 +10746,12 @@
         </a:fontRef>
       </dsp:style>
       <dsp:txBody>
-        <a:bodyPr spcFirstLastPara="0" vert="horz" wrap="square" lIns="4445" tIns="4445" rIns="4445" bIns="4445" numCol="1" spcCol="1270" anchor="ctr" anchorCtr="0">
+        <a:bodyPr spcFirstLastPara="0" vert="horz" wrap="square" lIns="5080" tIns="5080" rIns="5080" bIns="5080" numCol="1" spcCol="1270" anchor="ctr" anchorCtr="0">
           <a:noAutofit/>
         </a:bodyPr>
         <a:lstStyle/>
         <a:p>
-          <a:pPr marL="0" lvl="0" indent="0" algn="ctr" defTabSz="311150">
+          <a:pPr marL="0" lvl="0" indent="0" algn="ctr" defTabSz="355600">
             <a:lnSpc>
               <a:spcPct val="90000"/>
             </a:lnSpc>
@@ -10289,14 +10764,14 @@
             <a:buNone/>
           </a:pPr>
           <a:r>
-            <a:rPr lang="en-PH" sz="700" i="0" u="none" kern="1200" dirty="0"/>
+            <a:rPr lang="en-PH" sz="800" i="0" u="none" kern="1200" dirty="0"/>
             <a:t>POST: /login/in</a:t>
           </a:r>
         </a:p>
       </dsp:txBody>
       <dsp:txXfrm>
-        <a:off x="1492025" y="1335671"/>
-        <a:ext cx="940268" cy="470134"/>
+        <a:off x="845976" y="1577354"/>
+        <a:ext cx="1108769" cy="554384"/>
       </dsp:txXfrm>
     </dsp:sp>
     <dsp:sp modelId="{1FCFCB3A-B4C7-413C-B6B5-18473C4E0215}">
@@ -10306,8 +10781,8 @@
       </dsp:nvSpPr>
       <dsp:spPr>
         <a:xfrm>
-          <a:off x="2394683" y="668080"/>
-          <a:ext cx="940268" cy="470134"/>
+          <a:off x="1910395" y="790128"/>
+          <a:ext cx="1108769" cy="554384"/>
         </a:xfrm>
         <a:prstGeom prst="rect">
           <a:avLst/>
@@ -10349,12 +10824,12 @@
         </a:fontRef>
       </dsp:style>
       <dsp:txBody>
-        <a:bodyPr spcFirstLastPara="0" vert="horz" wrap="square" lIns="4445" tIns="4445" rIns="4445" bIns="4445" numCol="1" spcCol="1270" anchor="ctr" anchorCtr="0">
+        <a:bodyPr spcFirstLastPara="0" vert="horz" wrap="square" lIns="5080" tIns="5080" rIns="5080" bIns="5080" numCol="1" spcCol="1270" anchor="ctr" anchorCtr="0">
           <a:noAutofit/>
         </a:bodyPr>
         <a:lstStyle/>
         <a:p>
-          <a:pPr marL="0" lvl="0" indent="0" algn="ctr" defTabSz="311150">
+          <a:pPr marL="0" lvl="0" indent="0" algn="ctr" defTabSz="355600">
             <a:lnSpc>
               <a:spcPct val="90000"/>
             </a:lnSpc>
@@ -10367,14 +10842,14 @@
             <a:buNone/>
           </a:pPr>
           <a:r>
-            <a:rPr lang="en-PH" sz="700" i="0" u="none" kern="1200" dirty="0"/>
+            <a:rPr lang="en-PH" sz="800" i="0" u="none" kern="1200" dirty="0"/>
             <a:t>GET: /logout</a:t>
           </a:r>
         </a:p>
       </dsp:txBody>
       <dsp:txXfrm>
-        <a:off x="2394683" y="668080"/>
-        <a:ext cx="940268" cy="470134"/>
+        <a:off x="1910395" y="790128"/>
+        <a:ext cx="1108769" cy="554384"/>
       </dsp:txXfrm>
     </dsp:sp>
     <dsp:sp modelId="{5CEACDA1-7667-40A9-B874-25D1B1E21A99}">
@@ -10384,8 +10859,8 @@
       </dsp:nvSpPr>
       <dsp:spPr>
         <a:xfrm>
-          <a:off x="2629750" y="1335671"/>
-          <a:ext cx="940268" cy="470134"/>
+          <a:off x="2187587" y="1577354"/>
+          <a:ext cx="1108769" cy="554384"/>
         </a:xfrm>
         <a:prstGeom prst="rect">
           <a:avLst/>
@@ -10427,12 +10902,12 @@
         </a:fontRef>
       </dsp:style>
       <dsp:txBody>
-        <a:bodyPr spcFirstLastPara="0" vert="horz" wrap="square" lIns="4445" tIns="4445" rIns="4445" bIns="4445" numCol="1" spcCol="1270" anchor="ctr" anchorCtr="0">
+        <a:bodyPr spcFirstLastPara="0" vert="horz" wrap="square" lIns="5080" tIns="5080" rIns="5080" bIns="5080" numCol="1" spcCol="1270" anchor="ctr" anchorCtr="0">
           <a:noAutofit/>
         </a:bodyPr>
         <a:lstStyle/>
         <a:p>
-          <a:pPr marL="0" lvl="0" indent="0" algn="ctr" defTabSz="311150">
+          <a:pPr marL="0" lvl="0" indent="0" algn="ctr" defTabSz="355600">
             <a:lnSpc>
               <a:spcPct val="90000"/>
             </a:lnSpc>
@@ -10445,14 +10920,14 @@
             <a:buNone/>
           </a:pPr>
           <a:r>
-            <a:rPr lang="en-PH" sz="700" i="0" u="none" kern="1200" dirty="0"/>
+            <a:rPr lang="en-PH" sz="800" i="0" u="none" kern="1200" dirty="0"/>
             <a:t>POST: /logout/out</a:t>
           </a:r>
         </a:p>
       </dsp:txBody>
       <dsp:txXfrm>
-        <a:off x="2629750" y="1335671"/>
-        <a:ext cx="940268" cy="470134"/>
+        <a:off x="2187587" y="1577354"/>
+        <a:ext cx="1108769" cy="554384"/>
       </dsp:txXfrm>
     </dsp:sp>
     <dsp:sp modelId="{2D05126F-7CA9-467A-B341-F8E1AF5FCF66}">
@@ -10462,8 +10937,8 @@
       </dsp:nvSpPr>
       <dsp:spPr>
         <a:xfrm>
-          <a:off x="3532407" y="668080"/>
-          <a:ext cx="940268" cy="470134"/>
+          <a:off x="3252006" y="790128"/>
+          <a:ext cx="1108769" cy="554384"/>
         </a:xfrm>
         <a:prstGeom prst="rect">
           <a:avLst/>
@@ -10505,12 +10980,12 @@
         </a:fontRef>
       </dsp:style>
       <dsp:txBody>
-        <a:bodyPr spcFirstLastPara="0" vert="horz" wrap="square" lIns="4445" tIns="4445" rIns="4445" bIns="4445" numCol="1" spcCol="1270" anchor="ctr" anchorCtr="0">
+        <a:bodyPr spcFirstLastPara="0" vert="horz" wrap="square" lIns="5080" tIns="5080" rIns="5080" bIns="5080" numCol="1" spcCol="1270" anchor="ctr" anchorCtr="0">
           <a:noAutofit/>
         </a:bodyPr>
         <a:lstStyle/>
         <a:p>
-          <a:pPr marL="0" lvl="0" indent="0" algn="ctr" defTabSz="311150">
+          <a:pPr marL="0" lvl="0" indent="0" algn="ctr" defTabSz="355600">
             <a:lnSpc>
               <a:spcPct val="90000"/>
             </a:lnSpc>
@@ -10523,14 +10998,14 @@
             <a:buNone/>
           </a:pPr>
           <a:r>
-            <a:rPr lang="en-PH" sz="700" i="0" u="none" kern="1200" dirty="0"/>
+            <a:rPr lang="en-PH" sz="800" i="0" u="none" kern="1200" dirty="0"/>
             <a:t>GET: /home</a:t>
           </a:r>
         </a:p>
       </dsp:txBody>
       <dsp:txXfrm>
-        <a:off x="3532407" y="668080"/>
-        <a:ext cx="940268" cy="470134"/>
+        <a:off x="3252006" y="790128"/>
+        <a:ext cx="1108769" cy="554384"/>
       </dsp:txXfrm>
     </dsp:sp>
     <dsp:sp modelId="{816DF2EF-6A2D-47D7-82D8-0F775682513B}">
@@ -10540,8 +11015,8 @@
       </dsp:nvSpPr>
       <dsp:spPr>
         <a:xfrm>
-          <a:off x="4670132" y="668080"/>
-          <a:ext cx="940268" cy="470134"/>
+          <a:off x="4593617" y="790128"/>
+          <a:ext cx="1108769" cy="554384"/>
         </a:xfrm>
         <a:prstGeom prst="rect">
           <a:avLst/>
@@ -10583,12 +11058,12 @@
         </a:fontRef>
       </dsp:style>
       <dsp:txBody>
-        <a:bodyPr spcFirstLastPara="0" vert="horz" wrap="square" lIns="4445" tIns="4445" rIns="4445" bIns="4445" numCol="1" spcCol="1270" anchor="ctr" anchorCtr="0">
+        <a:bodyPr spcFirstLastPara="0" vert="horz" wrap="square" lIns="5080" tIns="5080" rIns="5080" bIns="5080" numCol="1" spcCol="1270" anchor="ctr" anchorCtr="0">
           <a:noAutofit/>
         </a:bodyPr>
         <a:lstStyle/>
         <a:p>
-          <a:pPr marL="0" lvl="0" indent="0" algn="ctr" defTabSz="311150">
+          <a:pPr marL="0" lvl="0" indent="0" algn="ctr" defTabSz="355600">
             <a:lnSpc>
               <a:spcPct val="90000"/>
             </a:lnSpc>
@@ -10601,15 +11076,15 @@
             <a:buNone/>
           </a:pPr>
           <a:r>
-            <a:rPr lang="en-PH" sz="700" i="0" u="none" kern="1200"/>
+            <a:rPr lang="en-PH" sz="800" i="0" u="none" kern="1200"/>
             <a:t>GET: /post/&lt;posthash&gt;</a:t>
           </a:r>
-          <a:endParaRPr lang="en-PH" sz="700" i="0" u="none" kern="1200" dirty="0"/>
+          <a:endParaRPr lang="en-PH" sz="800" i="0" u="none" kern="1200" dirty="0"/>
         </a:p>
       </dsp:txBody>
       <dsp:txXfrm>
-        <a:off x="4670132" y="668080"/>
-        <a:ext cx="940268" cy="470134"/>
+        <a:off x="4593617" y="790128"/>
+        <a:ext cx="1108769" cy="554384"/>
       </dsp:txXfrm>
     </dsp:sp>
     <dsp:sp modelId="{7F097E5B-6209-4AF0-8ED0-402082DA0749}">
@@ -10619,8 +11094,8 @@
       </dsp:nvSpPr>
       <dsp:spPr>
         <a:xfrm>
-          <a:off x="4905199" y="1335671"/>
-          <a:ext cx="940268" cy="470134"/>
+          <a:off x="4870809" y="1577354"/>
+          <a:ext cx="1108769" cy="554384"/>
         </a:xfrm>
         <a:prstGeom prst="rect">
           <a:avLst/>
@@ -10662,12 +11137,12 @@
         </a:fontRef>
       </dsp:style>
       <dsp:txBody>
-        <a:bodyPr spcFirstLastPara="0" vert="horz" wrap="square" lIns="4445" tIns="4445" rIns="4445" bIns="4445" numCol="1" spcCol="1270" anchor="ctr" anchorCtr="0">
+        <a:bodyPr spcFirstLastPara="0" vert="horz" wrap="square" lIns="5080" tIns="5080" rIns="5080" bIns="5080" numCol="1" spcCol="1270" anchor="ctr" anchorCtr="0">
           <a:noAutofit/>
         </a:bodyPr>
         <a:lstStyle/>
         <a:p>
-          <a:pPr marL="0" lvl="0" indent="0" algn="ctr" defTabSz="311150">
+          <a:pPr marL="0" lvl="0" indent="0" algn="ctr" defTabSz="355600">
             <a:lnSpc>
               <a:spcPct val="90000"/>
             </a:lnSpc>
@@ -10680,22 +11155,22 @@
             <a:buNone/>
           </a:pPr>
           <a:r>
-            <a:rPr lang="en-PH" sz="700" i="0" u="none" kern="1200" dirty="0"/>
+            <a:rPr lang="en-PH" sz="800" i="0" u="none" kern="1200" dirty="0"/>
             <a:t>POST: /post/&lt;</a:t>
           </a:r>
           <a:r>
-            <a:rPr lang="en-PH" sz="700" i="0" u="none" kern="1200" dirty="0" err="1"/>
+            <a:rPr lang="en-PH" sz="800" i="0" u="none" kern="1200" dirty="0" err="1"/>
             <a:t>posthash</a:t>
           </a:r>
           <a:r>
-            <a:rPr lang="en-PH" sz="700" i="0" u="none" kern="1200" dirty="0"/>
+            <a:rPr lang="en-PH" sz="800" i="0" u="none" kern="1200" dirty="0"/>
             <a:t>&gt;/edit</a:t>
           </a:r>
         </a:p>
       </dsp:txBody>
       <dsp:txXfrm>
-        <a:off x="4905199" y="1335671"/>
-        <a:ext cx="940268" cy="470134"/>
+        <a:off x="4870809" y="1577354"/>
+        <a:ext cx="1108769" cy="554384"/>
       </dsp:txXfrm>
     </dsp:sp>
     <dsp:sp modelId="{E50F9959-464F-43F9-8195-9C82C537826B}">
@@ -10705,8 +11180,8 @@
       </dsp:nvSpPr>
       <dsp:spPr>
         <a:xfrm>
-          <a:off x="4905199" y="2003261"/>
-          <a:ext cx="940268" cy="470134"/>
+          <a:off x="4870809" y="2364581"/>
+          <a:ext cx="1108769" cy="554384"/>
         </a:xfrm>
         <a:prstGeom prst="rect">
           <a:avLst/>
@@ -10748,12 +11223,12 @@
         </a:fontRef>
       </dsp:style>
       <dsp:txBody>
-        <a:bodyPr spcFirstLastPara="0" vert="horz" wrap="square" lIns="4445" tIns="4445" rIns="4445" bIns="4445" numCol="1" spcCol="1270" anchor="ctr" anchorCtr="0">
+        <a:bodyPr spcFirstLastPara="0" vert="horz" wrap="square" lIns="5080" tIns="5080" rIns="5080" bIns="5080" numCol="1" spcCol="1270" anchor="ctr" anchorCtr="0">
           <a:noAutofit/>
         </a:bodyPr>
         <a:lstStyle/>
         <a:p>
-          <a:pPr marL="0" lvl="0" indent="0" algn="ctr" defTabSz="311150">
+          <a:pPr marL="0" lvl="0" indent="0" algn="ctr" defTabSz="355600">
             <a:lnSpc>
               <a:spcPct val="90000"/>
             </a:lnSpc>
@@ -10766,22 +11241,22 @@
             <a:buNone/>
           </a:pPr>
           <a:r>
-            <a:rPr lang="en-PH" sz="700" i="0" u="none" kern="1200" dirty="0"/>
+            <a:rPr lang="en-PH" sz="800" i="0" u="none" kern="1200" dirty="0"/>
             <a:t>PATCH: /post/&lt;</a:t>
           </a:r>
           <a:r>
-            <a:rPr lang="en-PH" sz="700" i="0" u="none" kern="1200" dirty="0" err="1"/>
+            <a:rPr lang="en-PH" sz="800" i="0" u="none" kern="1200" dirty="0" err="1"/>
             <a:t>posthash</a:t>
           </a:r>
           <a:r>
-            <a:rPr lang="en-PH" sz="700" i="0" u="none" kern="1200" dirty="0"/>
+            <a:rPr lang="en-PH" sz="800" i="0" u="none" kern="1200" dirty="0"/>
             <a:t>&gt;/save</a:t>
           </a:r>
         </a:p>
       </dsp:txBody>
       <dsp:txXfrm>
-        <a:off x="4905199" y="2003261"/>
-        <a:ext cx="940268" cy="470134"/>
+        <a:off x="4870809" y="2364581"/>
+        <a:ext cx="1108769" cy="554384"/>
       </dsp:txXfrm>
     </dsp:sp>
     <dsp:sp modelId="{B99F24ED-3BC7-432A-B386-E1A66BAEF726}">
@@ -10791,8 +11266,8 @@
       </dsp:nvSpPr>
       <dsp:spPr>
         <a:xfrm>
-          <a:off x="4905199" y="2670851"/>
-          <a:ext cx="940268" cy="470134"/>
+          <a:off x="4870809" y="3151807"/>
+          <a:ext cx="1108769" cy="554384"/>
         </a:xfrm>
         <a:prstGeom prst="rect">
           <a:avLst/>
@@ -10834,12 +11309,12 @@
         </a:fontRef>
       </dsp:style>
       <dsp:txBody>
-        <a:bodyPr spcFirstLastPara="0" vert="horz" wrap="square" lIns="4445" tIns="4445" rIns="4445" bIns="4445" numCol="1" spcCol="1270" anchor="ctr" anchorCtr="0">
+        <a:bodyPr spcFirstLastPara="0" vert="horz" wrap="square" lIns="5080" tIns="5080" rIns="5080" bIns="5080" numCol="1" spcCol="1270" anchor="ctr" anchorCtr="0">
           <a:noAutofit/>
         </a:bodyPr>
         <a:lstStyle/>
         <a:p>
-          <a:pPr marL="0" lvl="0" indent="0" algn="ctr" defTabSz="311150">
+          <a:pPr marL="0" lvl="0" indent="0" algn="ctr" defTabSz="355600">
             <a:lnSpc>
               <a:spcPct val="90000"/>
             </a:lnSpc>
@@ -10852,22 +11327,22 @@
             <a:buNone/>
           </a:pPr>
           <a:r>
-            <a:rPr lang="en-PH" sz="700" i="0" u="none" kern="1200" dirty="0"/>
+            <a:rPr lang="en-PH" sz="800" i="0" u="none" kern="1200" dirty="0"/>
             <a:t>DELETE: /post/&lt;</a:t>
           </a:r>
           <a:r>
-            <a:rPr lang="en-PH" sz="700" i="0" u="none" kern="1200" dirty="0" err="1"/>
+            <a:rPr lang="en-PH" sz="800" i="0" u="none" kern="1200" dirty="0" err="1"/>
             <a:t>posthash</a:t>
           </a:r>
           <a:r>
-            <a:rPr lang="en-PH" sz="700" i="0" u="none" kern="1200" dirty="0"/>
+            <a:rPr lang="en-PH" sz="800" i="0" u="none" kern="1200" dirty="0"/>
             <a:t>&gt;/delete</a:t>
           </a:r>
         </a:p>
       </dsp:txBody>
       <dsp:txXfrm>
-        <a:off x="4905199" y="2670851"/>
-        <a:ext cx="940268" cy="470134"/>
+        <a:off x="4870809" y="3151807"/>
+        <a:ext cx="1108769" cy="554384"/>
       </dsp:txXfrm>
     </dsp:sp>
     <dsp:sp modelId="{1B492F86-1603-4E21-B660-DA6307964BAD}">
@@ -10877,8 +11352,8 @@
       </dsp:nvSpPr>
       <dsp:spPr>
         <a:xfrm>
-          <a:off x="4905199" y="3338442"/>
-          <a:ext cx="940268" cy="470134"/>
+          <a:off x="4870809" y="3939033"/>
+          <a:ext cx="1108769" cy="554384"/>
         </a:xfrm>
         <a:prstGeom prst="rect">
           <a:avLst/>
@@ -10920,12 +11395,12 @@
         </a:fontRef>
       </dsp:style>
       <dsp:txBody>
-        <a:bodyPr spcFirstLastPara="0" vert="horz" wrap="square" lIns="4445" tIns="4445" rIns="4445" bIns="4445" numCol="1" spcCol="1270" anchor="ctr" anchorCtr="0">
+        <a:bodyPr spcFirstLastPara="0" vert="horz" wrap="square" lIns="5080" tIns="5080" rIns="5080" bIns="5080" numCol="1" spcCol="1270" anchor="ctr" anchorCtr="0">
           <a:noAutofit/>
         </a:bodyPr>
         <a:lstStyle/>
         <a:p>
-          <a:pPr marL="0" lvl="0" indent="0" algn="ctr" defTabSz="311150">
+          <a:pPr marL="0" lvl="0" indent="0" algn="ctr" defTabSz="355600">
             <a:lnSpc>
               <a:spcPct val="90000"/>
             </a:lnSpc>
@@ -10938,14 +11413,14 @@
             <a:buNone/>
           </a:pPr>
           <a:r>
-            <a:rPr lang="en-PH" sz="700" i="0" u="none" kern="1200" dirty="0"/>
+            <a:rPr lang="en-PH" sz="800" i="0" u="none" kern="1200" dirty="0"/>
             <a:t>POST: /post/new</a:t>
           </a:r>
         </a:p>
       </dsp:txBody>
       <dsp:txXfrm>
-        <a:off x="4905199" y="3338442"/>
-        <a:ext cx="940268" cy="470134"/>
+        <a:off x="4870809" y="3939033"/>
+        <a:ext cx="1108769" cy="554384"/>
       </dsp:txXfrm>
     </dsp:sp>
     <dsp:sp modelId="{26976F64-C724-4705-94F5-0E6CD971C2E4}">
@@ -10955,8 +11430,8 @@
       </dsp:nvSpPr>
       <dsp:spPr>
         <a:xfrm>
-          <a:off x="4905199" y="4006032"/>
-          <a:ext cx="940268" cy="470134"/>
+          <a:off x="4870809" y="4726260"/>
+          <a:ext cx="1108769" cy="554384"/>
         </a:xfrm>
         <a:prstGeom prst="rect">
           <a:avLst/>
@@ -10998,12 +11473,12 @@
         </a:fontRef>
       </dsp:style>
       <dsp:txBody>
-        <a:bodyPr spcFirstLastPara="0" vert="horz" wrap="square" lIns="4445" tIns="4445" rIns="4445" bIns="4445" numCol="1" spcCol="1270" anchor="ctr" anchorCtr="0">
+        <a:bodyPr spcFirstLastPara="0" vert="horz" wrap="square" lIns="5080" tIns="5080" rIns="5080" bIns="5080" numCol="1" spcCol="1270" anchor="ctr" anchorCtr="0">
           <a:noAutofit/>
         </a:bodyPr>
         <a:lstStyle/>
         <a:p>
-          <a:pPr marL="0" lvl="0" indent="0" algn="ctr" defTabSz="311150">
+          <a:pPr marL="0" lvl="0" indent="0" algn="ctr" defTabSz="355600">
             <a:lnSpc>
               <a:spcPct val="90000"/>
             </a:lnSpc>
@@ -11016,14 +11491,14 @@
             <a:buNone/>
           </a:pPr>
           <a:r>
-            <a:rPr lang="en-PH" sz="700" i="0" u="none" kern="1200" dirty="0"/>
+            <a:rPr lang="en-PH" sz="800" i="0" u="none" kern="1200" dirty="0"/>
             <a:t>POST: /post/like</a:t>
           </a:r>
         </a:p>
       </dsp:txBody>
       <dsp:txXfrm>
-        <a:off x="4905199" y="4006032"/>
-        <a:ext cx="940268" cy="470134"/>
+        <a:off x="4870809" y="4726260"/>
+        <a:ext cx="1108769" cy="554384"/>
       </dsp:txXfrm>
     </dsp:sp>
     <dsp:sp modelId="{50EC3807-8481-4C01-82B7-F19C2342E1A0}">
@@ -11033,8 +11508,8 @@
       </dsp:nvSpPr>
       <dsp:spPr>
         <a:xfrm>
-          <a:off x="4905199" y="4673623"/>
-          <a:ext cx="940268" cy="470134"/>
+          <a:off x="4870809" y="5513486"/>
+          <a:ext cx="1108769" cy="554384"/>
         </a:xfrm>
         <a:prstGeom prst="rect">
           <a:avLst/>
@@ -11076,12 +11551,12 @@
         </a:fontRef>
       </dsp:style>
       <dsp:txBody>
-        <a:bodyPr spcFirstLastPara="0" vert="horz" wrap="square" lIns="4445" tIns="4445" rIns="4445" bIns="4445" numCol="1" spcCol="1270" anchor="ctr" anchorCtr="0">
+        <a:bodyPr spcFirstLastPara="0" vert="horz" wrap="square" lIns="5080" tIns="5080" rIns="5080" bIns="5080" numCol="1" spcCol="1270" anchor="ctr" anchorCtr="0">
           <a:noAutofit/>
         </a:bodyPr>
         <a:lstStyle/>
         <a:p>
-          <a:pPr marL="0" lvl="0" indent="0" algn="ctr" defTabSz="311150">
+          <a:pPr marL="0" lvl="0" indent="0" algn="ctr" defTabSz="355600">
             <a:lnSpc>
               <a:spcPct val="90000"/>
             </a:lnSpc>
@@ -11094,14 +11569,14 @@
             <a:buNone/>
           </a:pPr>
           <a:r>
-            <a:rPr lang="en-PH" sz="700" i="0" u="none" kern="1200" dirty="0"/>
+            <a:rPr lang="en-PH" sz="800" i="0" u="none" kern="1200" dirty="0"/>
             <a:t>POST: /post/report</a:t>
           </a:r>
         </a:p>
       </dsp:txBody>
       <dsp:txXfrm>
-        <a:off x="4905199" y="4673623"/>
-        <a:ext cx="940268" cy="470134"/>
+        <a:off x="4870809" y="5513486"/>
+        <a:ext cx="1108769" cy="554384"/>
       </dsp:txXfrm>
     </dsp:sp>
     <dsp:sp modelId="{FE90803F-BB98-472A-87D1-B85B7689304F}">
@@ -11111,8 +11586,8 @@
       </dsp:nvSpPr>
       <dsp:spPr>
         <a:xfrm>
-          <a:off x="4905199" y="5341213"/>
-          <a:ext cx="940268" cy="470134"/>
+          <a:off x="4870809" y="6300713"/>
+          <a:ext cx="1108769" cy="554384"/>
         </a:xfrm>
         <a:prstGeom prst="rect">
           <a:avLst/>
@@ -11154,12 +11629,12 @@
         </a:fontRef>
       </dsp:style>
       <dsp:txBody>
-        <a:bodyPr spcFirstLastPara="0" vert="horz" wrap="square" lIns="4445" tIns="4445" rIns="4445" bIns="4445" numCol="1" spcCol="1270" anchor="ctr" anchorCtr="0">
+        <a:bodyPr spcFirstLastPara="0" vert="horz" wrap="square" lIns="5080" tIns="5080" rIns="5080" bIns="5080" numCol="1" spcCol="1270" anchor="ctr" anchorCtr="0">
           <a:noAutofit/>
         </a:bodyPr>
         <a:lstStyle/>
         <a:p>
-          <a:pPr marL="0" lvl="0" indent="0" algn="ctr" defTabSz="311150">
+          <a:pPr marL="0" lvl="0" indent="0" algn="ctr" defTabSz="355600">
             <a:lnSpc>
               <a:spcPct val="90000"/>
             </a:lnSpc>
@@ -11172,14 +11647,14 @@
             <a:buNone/>
           </a:pPr>
           <a:r>
-            <a:rPr lang="en-PH" sz="700" i="0" u="none" kern="1200" dirty="0"/>
+            <a:rPr lang="en-PH" sz="800" i="0" u="none" kern="1200" dirty="0"/>
             <a:t>POST: /post/comment</a:t>
           </a:r>
         </a:p>
       </dsp:txBody>
       <dsp:txXfrm>
-        <a:off x="4905199" y="5341213"/>
-        <a:ext cx="940268" cy="470134"/>
+        <a:off x="4870809" y="6300713"/>
+        <a:ext cx="1108769" cy="554384"/>
       </dsp:txXfrm>
     </dsp:sp>
     <dsp:sp modelId="{0C2F2216-8D08-4E87-B39E-9F041EF12805}">
@@ -11189,8 +11664,8 @@
       </dsp:nvSpPr>
       <dsp:spPr>
         <a:xfrm>
-          <a:off x="5807856" y="668080"/>
-          <a:ext cx="940268" cy="470134"/>
+          <a:off x="5935228" y="790128"/>
+          <a:ext cx="1108769" cy="554384"/>
         </a:xfrm>
         <a:prstGeom prst="rect">
           <a:avLst/>
@@ -11232,12 +11707,12 @@
         </a:fontRef>
       </dsp:style>
       <dsp:txBody>
-        <a:bodyPr spcFirstLastPara="0" vert="horz" wrap="square" lIns="4445" tIns="4445" rIns="4445" bIns="4445" numCol="1" spcCol="1270" anchor="ctr" anchorCtr="0">
+        <a:bodyPr spcFirstLastPara="0" vert="horz" wrap="square" lIns="5080" tIns="5080" rIns="5080" bIns="5080" numCol="1" spcCol="1270" anchor="ctr" anchorCtr="0">
           <a:noAutofit/>
         </a:bodyPr>
         <a:lstStyle/>
         <a:p>
-          <a:pPr marL="0" lvl="0" indent="0" algn="ctr" defTabSz="311150">
+          <a:pPr marL="0" lvl="0" indent="0" algn="ctr" defTabSz="355600">
             <a:lnSpc>
               <a:spcPct val="90000"/>
             </a:lnSpc>
@@ -11250,14 +11725,14 @@
             <a:buNone/>
           </a:pPr>
           <a:r>
-            <a:rPr lang="en-PH" sz="700" i="0" u="none" kern="1200" dirty="0"/>
+            <a:rPr lang="en-PH" sz="800" i="0" u="none" kern="1200" dirty="0"/>
             <a:t>GET: /signup</a:t>
           </a:r>
         </a:p>
       </dsp:txBody>
       <dsp:txXfrm>
-        <a:off x="5807856" y="668080"/>
-        <a:ext cx="940268" cy="470134"/>
+        <a:off x="5935228" y="790128"/>
+        <a:ext cx="1108769" cy="554384"/>
       </dsp:txXfrm>
     </dsp:sp>
     <dsp:sp modelId="{B15B783C-17E1-46DC-B52E-C2A7EDCDDBF6}">
@@ -11267,8 +11742,8 @@
       </dsp:nvSpPr>
       <dsp:spPr>
         <a:xfrm>
-          <a:off x="6042923" y="1335671"/>
-          <a:ext cx="940268" cy="470134"/>
+          <a:off x="6212420" y="1577354"/>
+          <a:ext cx="1108769" cy="554384"/>
         </a:xfrm>
         <a:prstGeom prst="rect">
           <a:avLst/>
@@ -11310,12 +11785,12 @@
         </a:fontRef>
       </dsp:style>
       <dsp:txBody>
-        <a:bodyPr spcFirstLastPara="0" vert="horz" wrap="square" lIns="4445" tIns="4445" rIns="4445" bIns="4445" numCol="1" spcCol="1270" anchor="ctr" anchorCtr="0">
+        <a:bodyPr spcFirstLastPara="0" vert="horz" wrap="square" lIns="5080" tIns="5080" rIns="5080" bIns="5080" numCol="1" spcCol="1270" anchor="ctr" anchorCtr="0">
           <a:noAutofit/>
         </a:bodyPr>
         <a:lstStyle/>
         <a:p>
-          <a:pPr marL="0" lvl="0" indent="0" algn="ctr" defTabSz="311150">
+          <a:pPr marL="0" lvl="0" indent="0" algn="ctr" defTabSz="355600">
             <a:lnSpc>
               <a:spcPct val="90000"/>
             </a:lnSpc>
@@ -11328,14 +11803,14 @@
             <a:buNone/>
           </a:pPr>
           <a:r>
-            <a:rPr lang="en-PH" sz="700" i="0" u="none" kern="1200" dirty="0"/>
+            <a:rPr lang="en-PH" sz="800" i="0" u="none" kern="1200" dirty="0"/>
             <a:t>POST: /signup/save</a:t>
           </a:r>
         </a:p>
       </dsp:txBody>
       <dsp:txXfrm>
-        <a:off x="6042923" y="1335671"/>
-        <a:ext cx="940268" cy="470134"/>
+        <a:off x="6212420" y="1577354"/>
+        <a:ext cx="1108769" cy="554384"/>
       </dsp:txXfrm>
     </dsp:sp>
     <dsp:sp modelId="{022713AF-96D9-4A2B-A358-49115AFE68DF}">
@@ -11345,8 +11820,8 @@
       </dsp:nvSpPr>
       <dsp:spPr>
         <a:xfrm>
-          <a:off x="7180648" y="668080"/>
-          <a:ext cx="940268" cy="470134"/>
+          <a:off x="7554031" y="790128"/>
+          <a:ext cx="1108769" cy="554384"/>
         </a:xfrm>
         <a:prstGeom prst="rect">
           <a:avLst/>
@@ -11388,12 +11863,12 @@
         </a:fontRef>
       </dsp:style>
       <dsp:txBody>
-        <a:bodyPr spcFirstLastPara="0" vert="horz" wrap="square" lIns="4445" tIns="4445" rIns="4445" bIns="4445" numCol="1" spcCol="1270" anchor="ctr" anchorCtr="0">
+        <a:bodyPr spcFirstLastPara="0" vert="horz" wrap="square" lIns="5080" tIns="5080" rIns="5080" bIns="5080" numCol="1" spcCol="1270" anchor="ctr" anchorCtr="0">
           <a:noAutofit/>
         </a:bodyPr>
         <a:lstStyle/>
         <a:p>
-          <a:pPr marL="0" lvl="0" indent="0" algn="ctr" defTabSz="311150">
+          <a:pPr marL="0" lvl="0" indent="0" algn="ctr" defTabSz="355600">
             <a:lnSpc>
               <a:spcPct val="90000"/>
             </a:lnSpc>
@@ -11406,14 +11881,14 @@
             <a:buNone/>
           </a:pPr>
           <a:r>
-            <a:rPr lang="en-PH" sz="700" i="0" u="none" kern="1200" dirty="0"/>
+            <a:rPr lang="en-PH" sz="800" i="0" u="none" kern="1200" dirty="0"/>
             <a:t>GET: /profile</a:t>
           </a:r>
         </a:p>
       </dsp:txBody>
       <dsp:txXfrm>
-        <a:off x="7180648" y="668080"/>
-        <a:ext cx="940268" cy="470134"/>
+        <a:off x="7554031" y="790128"/>
+        <a:ext cx="1108769" cy="554384"/>
       </dsp:txXfrm>
     </dsp:sp>
     <dsp:sp modelId="{CC33A293-E3CB-411D-9632-6FE6954F9F3F}">
@@ -11423,8 +11898,8 @@
       </dsp:nvSpPr>
       <dsp:spPr>
         <a:xfrm>
-          <a:off x="7180648" y="1335671"/>
-          <a:ext cx="940268" cy="470134"/>
+          <a:off x="7554031" y="1577354"/>
+          <a:ext cx="1108769" cy="554384"/>
         </a:xfrm>
         <a:prstGeom prst="rect">
           <a:avLst/>
@@ -11466,12 +11941,12 @@
         </a:fontRef>
       </dsp:style>
       <dsp:txBody>
-        <a:bodyPr spcFirstLastPara="0" vert="horz" wrap="square" lIns="4445" tIns="4445" rIns="4445" bIns="4445" numCol="1" spcCol="1270" anchor="ctr" anchorCtr="0">
+        <a:bodyPr spcFirstLastPara="0" vert="horz" wrap="square" lIns="5080" tIns="5080" rIns="5080" bIns="5080" numCol="1" spcCol="1270" anchor="ctr" anchorCtr="0">
           <a:noAutofit/>
         </a:bodyPr>
         <a:lstStyle/>
         <a:p>
-          <a:pPr marL="0" lvl="0" indent="0" algn="ctr" defTabSz="311150">
+          <a:pPr marL="0" lvl="0" indent="0" algn="ctr" defTabSz="355600">
             <a:lnSpc>
               <a:spcPct val="90000"/>
             </a:lnSpc>
@@ -11484,14 +11959,14 @@
             <a:buNone/>
           </a:pPr>
           <a:r>
-            <a:rPr lang="en-PH" sz="700" i="0" u="none" kern="1200" dirty="0"/>
+            <a:rPr lang="en-PH" sz="800" i="0" u="none" kern="1200" dirty="0"/>
             <a:t>GET: /profile/settings</a:t>
           </a:r>
         </a:p>
       </dsp:txBody>
       <dsp:txXfrm>
-        <a:off x="7180648" y="1335671"/>
-        <a:ext cx="940268" cy="470134"/>
+        <a:off x="7554031" y="1577354"/>
+        <a:ext cx="1108769" cy="554384"/>
       </dsp:txXfrm>
     </dsp:sp>
     <dsp:sp modelId="{070D4700-2947-4504-A795-8589C16A902C}">
@@ -11501,8 +11976,8 @@
       </dsp:nvSpPr>
       <dsp:spPr>
         <a:xfrm>
-          <a:off x="7415715" y="2003261"/>
-          <a:ext cx="940268" cy="470134"/>
+          <a:off x="7831224" y="2364581"/>
+          <a:ext cx="1108769" cy="554384"/>
         </a:xfrm>
         <a:prstGeom prst="rect">
           <a:avLst/>
@@ -11544,12 +12019,12 @@
         </a:fontRef>
       </dsp:style>
       <dsp:txBody>
-        <a:bodyPr spcFirstLastPara="0" vert="horz" wrap="square" lIns="4445" tIns="4445" rIns="4445" bIns="4445" numCol="1" spcCol="1270" anchor="ctr" anchorCtr="0">
+        <a:bodyPr spcFirstLastPara="0" vert="horz" wrap="square" lIns="5080" tIns="5080" rIns="5080" bIns="5080" numCol="1" spcCol="1270" anchor="ctr" anchorCtr="0">
           <a:noAutofit/>
         </a:bodyPr>
         <a:lstStyle/>
         <a:p>
-          <a:pPr marL="0" lvl="0" indent="0" algn="ctr" defTabSz="311150">
+          <a:pPr marL="0" lvl="0" indent="0" algn="ctr" defTabSz="355600">
             <a:lnSpc>
               <a:spcPct val="90000"/>
             </a:lnSpc>
@@ -11562,14 +12037,14 @@
             <a:buNone/>
           </a:pPr>
           <a:r>
-            <a:rPr lang="en-PH" sz="700" i="0" u="none" kern="1200" dirty="0"/>
+            <a:rPr lang="en-PH" sz="800" i="0" u="none" kern="1200" dirty="0"/>
             <a:t>PATCH: profile/settings/save</a:t>
           </a:r>
         </a:p>
       </dsp:txBody>
       <dsp:txXfrm>
-        <a:off x="7415715" y="2003261"/>
-        <a:ext cx="940268" cy="470134"/>
+        <a:off x="7831224" y="2364581"/>
+        <a:ext cx="1108769" cy="554384"/>
       </dsp:txXfrm>
     </dsp:sp>
     <dsp:sp modelId="{6E5659B3-987D-47B1-A1A1-39AAF04C38E5}">
@@ -11579,8 +12054,8 @@
       </dsp:nvSpPr>
       <dsp:spPr>
         <a:xfrm>
-          <a:off x="7415715" y="2670851"/>
-          <a:ext cx="940268" cy="470134"/>
+          <a:off x="7831224" y="3151807"/>
+          <a:ext cx="1108769" cy="554384"/>
         </a:xfrm>
         <a:prstGeom prst="rect">
           <a:avLst/>
@@ -11622,12 +12097,12 @@
         </a:fontRef>
       </dsp:style>
       <dsp:txBody>
-        <a:bodyPr spcFirstLastPara="0" vert="horz" wrap="square" lIns="4445" tIns="4445" rIns="4445" bIns="4445" numCol="1" spcCol="1270" anchor="ctr" anchorCtr="0">
+        <a:bodyPr spcFirstLastPara="0" vert="horz" wrap="square" lIns="5080" tIns="5080" rIns="5080" bIns="5080" numCol="1" spcCol="1270" anchor="ctr" anchorCtr="0">
           <a:noAutofit/>
         </a:bodyPr>
         <a:lstStyle/>
         <a:p>
-          <a:pPr marL="0" lvl="0" indent="0" algn="ctr" defTabSz="311150">
+          <a:pPr marL="0" lvl="0" indent="0" algn="ctr" defTabSz="355600">
             <a:lnSpc>
               <a:spcPct val="90000"/>
             </a:lnSpc>
@@ -11640,14 +12115,14 @@
             <a:buNone/>
           </a:pPr>
           <a:r>
-            <a:rPr lang="en-PH" sz="700" i="0" u="none" kern="1200" dirty="0"/>
+            <a:rPr lang="en-PH" sz="800" i="0" u="none" kern="1200" dirty="0"/>
             <a:t>DELETE: profile/settings/delete</a:t>
           </a:r>
         </a:p>
       </dsp:txBody>
       <dsp:txXfrm>
-        <a:off x="7415715" y="2670851"/>
-        <a:ext cx="940268" cy="470134"/>
+        <a:off x="7831224" y="3151807"/>
+        <a:ext cx="1108769" cy="554384"/>
       </dsp:txXfrm>
     </dsp:sp>
     <dsp:sp modelId="{12F0C7F9-8119-4BBD-A7C5-DEFEEA6C7D89}">
@@ -11657,8 +12132,8 @@
       </dsp:nvSpPr>
       <dsp:spPr>
         <a:xfrm>
-          <a:off x="8318372" y="668080"/>
-          <a:ext cx="940268" cy="470134"/>
+          <a:off x="8895643" y="790128"/>
+          <a:ext cx="1108769" cy="554384"/>
         </a:xfrm>
         <a:prstGeom prst="rect">
           <a:avLst/>
@@ -11700,12 +12175,12 @@
         </a:fontRef>
       </dsp:style>
       <dsp:txBody>
-        <a:bodyPr spcFirstLastPara="0" vert="horz" wrap="square" lIns="4445" tIns="4445" rIns="4445" bIns="4445" numCol="1" spcCol="1270" anchor="ctr" anchorCtr="0">
+        <a:bodyPr spcFirstLastPara="0" vert="horz" wrap="square" lIns="5080" tIns="5080" rIns="5080" bIns="5080" numCol="1" spcCol="1270" anchor="ctr" anchorCtr="0">
           <a:noAutofit/>
         </a:bodyPr>
         <a:lstStyle/>
         <a:p>
-          <a:pPr marL="0" lvl="0" indent="0" algn="ctr" defTabSz="311150">
+          <a:pPr marL="0" lvl="0" indent="0" algn="ctr" defTabSz="355600">
             <a:lnSpc>
               <a:spcPct val="90000"/>
             </a:lnSpc>
@@ -11718,14 +12193,252 @@
             <a:buNone/>
           </a:pPr>
           <a:r>
-            <a:rPr lang="en-PH" sz="700" i="0" u="none" kern="1200" dirty="0"/>
+            <a:rPr lang="en-PH" sz="800" i="0" u="none" kern="1200" dirty="0"/>
             <a:t>GET: /user/&lt;username&gt;</a:t>
           </a:r>
         </a:p>
       </dsp:txBody>
       <dsp:txXfrm>
-        <a:off x="8318372" y="668080"/>
-        <a:ext cx="940268" cy="470134"/>
+        <a:off x="8895643" y="790128"/>
+        <a:ext cx="1108769" cy="554384"/>
+      </dsp:txXfrm>
+    </dsp:sp>
+    <dsp:sp modelId="{99BBCD64-0904-4F94-938B-1D4FAE73A2E1}">
+      <dsp:nvSpPr>
+        <dsp:cNvPr id="0" name=""/>
+        <dsp:cNvSpPr/>
+      </dsp:nvSpPr>
+      <dsp:spPr>
+        <a:xfrm>
+          <a:off x="10237254" y="790128"/>
+          <a:ext cx="1108769" cy="554384"/>
+        </a:xfrm>
+        <a:prstGeom prst="rect">
+          <a:avLst/>
+        </a:prstGeom>
+        <a:solidFill>
+          <a:schemeClr val="accent1">
+            <a:hueOff val="0"/>
+            <a:satOff val="0"/>
+            <a:lumOff val="0"/>
+            <a:alphaOff val="0"/>
+          </a:schemeClr>
+        </a:solidFill>
+        <a:ln w="12700" cap="flat" cmpd="sng" algn="ctr">
+          <a:solidFill>
+            <a:schemeClr val="lt1">
+              <a:hueOff val="0"/>
+              <a:satOff val="0"/>
+              <a:lumOff val="0"/>
+              <a:alphaOff val="0"/>
+            </a:schemeClr>
+          </a:solidFill>
+          <a:prstDash val="solid"/>
+          <a:miter lim="800000"/>
+        </a:ln>
+        <a:effectLst/>
+      </dsp:spPr>
+      <dsp:style>
+        <a:lnRef idx="2">
+          <a:scrgbClr r="0" g="0" b="0"/>
+        </a:lnRef>
+        <a:fillRef idx="1">
+          <a:scrgbClr r="0" g="0" b="0"/>
+        </a:fillRef>
+        <a:effectRef idx="0">
+          <a:scrgbClr r="0" g="0" b="0"/>
+        </a:effectRef>
+        <a:fontRef idx="minor">
+          <a:schemeClr val="lt1"/>
+        </a:fontRef>
+      </dsp:style>
+      <dsp:txBody>
+        <a:bodyPr spcFirstLastPara="0" vert="horz" wrap="square" lIns="5080" tIns="5080" rIns="5080" bIns="5080" numCol="1" spcCol="1270" anchor="ctr" anchorCtr="0">
+          <a:noAutofit/>
+        </a:bodyPr>
+        <a:lstStyle/>
+        <a:p>
+          <a:pPr marL="0" lvl="0" indent="0" algn="ctr" defTabSz="355600">
+            <a:lnSpc>
+              <a:spcPct val="90000"/>
+            </a:lnSpc>
+            <a:spcBef>
+              <a:spcPct val="0"/>
+            </a:spcBef>
+            <a:spcAft>
+              <a:spcPct val="35000"/>
+            </a:spcAft>
+            <a:buNone/>
+          </a:pPr>
+          <a:r>
+            <a:rPr lang="en-PH" sz="800" i="0" u="none" kern="1200" dirty="0"/>
+            <a:t>NONE: /validate</a:t>
+          </a:r>
+        </a:p>
+      </dsp:txBody>
+      <dsp:txXfrm>
+        <a:off x="10237254" y="790128"/>
+        <a:ext cx="1108769" cy="554384"/>
+      </dsp:txXfrm>
+    </dsp:sp>
+    <dsp:sp modelId="{7A882588-0810-4F92-AD23-756B9035A4E8}">
+      <dsp:nvSpPr>
+        <dsp:cNvPr id="0" name=""/>
+        <dsp:cNvSpPr/>
+      </dsp:nvSpPr>
+      <dsp:spPr>
+        <a:xfrm>
+          <a:off x="10514446" y="1577354"/>
+          <a:ext cx="1108769" cy="554384"/>
+        </a:xfrm>
+        <a:prstGeom prst="rect">
+          <a:avLst/>
+        </a:prstGeom>
+        <a:solidFill>
+          <a:schemeClr val="accent1">
+            <a:hueOff val="0"/>
+            <a:satOff val="0"/>
+            <a:lumOff val="0"/>
+            <a:alphaOff val="0"/>
+          </a:schemeClr>
+        </a:solidFill>
+        <a:ln w="12700" cap="flat" cmpd="sng" algn="ctr">
+          <a:solidFill>
+            <a:schemeClr val="lt1">
+              <a:hueOff val="0"/>
+              <a:satOff val="0"/>
+              <a:lumOff val="0"/>
+              <a:alphaOff val="0"/>
+            </a:schemeClr>
+          </a:solidFill>
+          <a:prstDash val="solid"/>
+          <a:miter lim="800000"/>
+        </a:ln>
+        <a:effectLst/>
+      </dsp:spPr>
+      <dsp:style>
+        <a:lnRef idx="2">
+          <a:scrgbClr r="0" g="0" b="0"/>
+        </a:lnRef>
+        <a:fillRef idx="1">
+          <a:scrgbClr r="0" g="0" b="0"/>
+        </a:fillRef>
+        <a:effectRef idx="0">
+          <a:scrgbClr r="0" g="0" b="0"/>
+        </a:effectRef>
+        <a:fontRef idx="minor">
+          <a:schemeClr val="lt1"/>
+        </a:fontRef>
+      </dsp:style>
+      <dsp:txBody>
+        <a:bodyPr spcFirstLastPara="0" vert="horz" wrap="square" lIns="5080" tIns="5080" rIns="5080" bIns="5080" numCol="1" spcCol="1270" anchor="ctr" anchorCtr="0">
+          <a:noAutofit/>
+        </a:bodyPr>
+        <a:lstStyle/>
+        <a:p>
+          <a:pPr marL="0" lvl="0" indent="0" algn="ctr" defTabSz="355600">
+            <a:lnSpc>
+              <a:spcPct val="90000"/>
+            </a:lnSpc>
+            <a:spcBef>
+              <a:spcPct val="0"/>
+            </a:spcBef>
+            <a:spcAft>
+              <a:spcPct val="35000"/>
+            </a:spcAft>
+            <a:buNone/>
+          </a:pPr>
+          <a:r>
+            <a:rPr lang="en-PH" sz="800" i="0" u="none" kern="1200" dirty="0"/>
+            <a:t>POST: /validate/password</a:t>
+          </a:r>
+        </a:p>
+      </dsp:txBody>
+      <dsp:txXfrm>
+        <a:off x="10514446" y="1577354"/>
+        <a:ext cx="1108769" cy="554384"/>
+      </dsp:txXfrm>
+    </dsp:sp>
+    <dsp:sp modelId="{B04C15FD-14A3-4E7B-895B-7C4AF0E8908C}">
+      <dsp:nvSpPr>
+        <dsp:cNvPr id="0" name=""/>
+        <dsp:cNvSpPr/>
+      </dsp:nvSpPr>
+      <dsp:spPr>
+        <a:xfrm>
+          <a:off x="10514446" y="2364581"/>
+          <a:ext cx="1108769" cy="554384"/>
+        </a:xfrm>
+        <a:prstGeom prst="rect">
+          <a:avLst/>
+        </a:prstGeom>
+        <a:solidFill>
+          <a:schemeClr val="accent1">
+            <a:hueOff val="0"/>
+            <a:satOff val="0"/>
+            <a:lumOff val="0"/>
+            <a:alphaOff val="0"/>
+          </a:schemeClr>
+        </a:solidFill>
+        <a:ln w="12700" cap="flat" cmpd="sng" algn="ctr">
+          <a:solidFill>
+            <a:schemeClr val="lt1">
+              <a:hueOff val="0"/>
+              <a:satOff val="0"/>
+              <a:lumOff val="0"/>
+              <a:alphaOff val="0"/>
+            </a:schemeClr>
+          </a:solidFill>
+          <a:prstDash val="solid"/>
+          <a:miter lim="800000"/>
+        </a:ln>
+        <a:effectLst/>
+      </dsp:spPr>
+      <dsp:style>
+        <a:lnRef idx="2">
+          <a:scrgbClr r="0" g="0" b="0"/>
+        </a:lnRef>
+        <a:fillRef idx="1">
+          <a:scrgbClr r="0" g="0" b="0"/>
+        </a:fillRef>
+        <a:effectRef idx="0">
+          <a:scrgbClr r="0" g="0" b="0"/>
+        </a:effectRef>
+        <a:fontRef idx="minor">
+          <a:schemeClr val="lt1"/>
+        </a:fontRef>
+      </dsp:style>
+      <dsp:txBody>
+        <a:bodyPr spcFirstLastPara="0" vert="horz" wrap="square" lIns="5080" tIns="5080" rIns="5080" bIns="5080" numCol="1" spcCol="1270" anchor="ctr" anchorCtr="0">
+          <a:noAutofit/>
+        </a:bodyPr>
+        <a:lstStyle/>
+        <a:p>
+          <a:pPr marL="0" lvl="0" indent="0" algn="ctr" defTabSz="355600">
+            <a:lnSpc>
+              <a:spcPct val="90000"/>
+            </a:lnSpc>
+            <a:spcBef>
+              <a:spcPct val="0"/>
+            </a:spcBef>
+            <a:spcAft>
+              <a:spcPct val="35000"/>
+            </a:spcAft>
+            <a:buNone/>
+          </a:pPr>
+          <a:r>
+            <a:rPr lang="en-PH" sz="800" i="0" u="none" kern="1200"/>
+            <a:t>POST: </a:t>
+          </a:r>
+          <a:r>
+            <a:rPr lang="en-PH" sz="800" i="0" u="none" kern="1200" dirty="0"/>
+            <a:t>/validate/username</a:t>
+          </a:r>
+        </a:p>
+      </dsp:txBody>
+      <dsp:txXfrm>
+        <a:off x="10514446" y="2364581"/>
+        <a:ext cx="1108769" cy="554384"/>
       </dsp:txXfrm>
     </dsp:sp>
   </dsp:spTree>
@@ -25298,7 +26011,7 @@
           <a:p>
             <a:fld id="{2CDD62A0-B891-4650-A5BB-561AD783AD7C}" type="datetimeFigureOut">
               <a:rPr lang="en-PH" smtClean="0"/>
-              <a:t>29/05/2022</a:t>
+              <a:t>30/05/2022</a:t>
             </a:fld>
             <a:endParaRPr lang="en-PH"/>
           </a:p>
@@ -25498,7 +26211,7 @@
           <a:p>
             <a:fld id="{2CDD62A0-B891-4650-A5BB-561AD783AD7C}" type="datetimeFigureOut">
               <a:rPr lang="en-PH" smtClean="0"/>
-              <a:t>29/05/2022</a:t>
+              <a:t>30/05/2022</a:t>
             </a:fld>
             <a:endParaRPr lang="en-PH"/>
           </a:p>
@@ -25708,7 +26421,7 @@
           <a:p>
             <a:fld id="{2CDD62A0-B891-4650-A5BB-561AD783AD7C}" type="datetimeFigureOut">
               <a:rPr lang="en-PH" smtClean="0"/>
-              <a:t>29/05/2022</a:t>
+              <a:t>30/05/2022</a:t>
             </a:fld>
             <a:endParaRPr lang="en-PH"/>
           </a:p>
@@ -25908,7 +26621,7 @@
           <a:p>
             <a:fld id="{2CDD62A0-B891-4650-A5BB-561AD783AD7C}" type="datetimeFigureOut">
               <a:rPr lang="en-PH" smtClean="0"/>
-              <a:t>29/05/2022</a:t>
+              <a:t>30/05/2022</a:t>
             </a:fld>
             <a:endParaRPr lang="en-PH"/>
           </a:p>
@@ -26184,7 +26897,7 @@
           <a:p>
             <a:fld id="{2CDD62A0-B891-4650-A5BB-561AD783AD7C}" type="datetimeFigureOut">
               <a:rPr lang="en-PH" smtClean="0"/>
-              <a:t>29/05/2022</a:t>
+              <a:t>30/05/2022</a:t>
             </a:fld>
             <a:endParaRPr lang="en-PH"/>
           </a:p>
@@ -26452,7 +27165,7 @@
           <a:p>
             <a:fld id="{2CDD62A0-B891-4650-A5BB-561AD783AD7C}" type="datetimeFigureOut">
               <a:rPr lang="en-PH" smtClean="0"/>
-              <a:t>29/05/2022</a:t>
+              <a:t>30/05/2022</a:t>
             </a:fld>
             <a:endParaRPr lang="en-PH"/>
           </a:p>
@@ -26867,7 +27580,7 @@
           <a:p>
             <a:fld id="{2CDD62A0-B891-4650-A5BB-561AD783AD7C}" type="datetimeFigureOut">
               <a:rPr lang="en-PH" smtClean="0"/>
-              <a:t>29/05/2022</a:t>
+              <a:t>30/05/2022</a:t>
             </a:fld>
             <a:endParaRPr lang="en-PH"/>
           </a:p>
@@ -27009,7 +27722,7 @@
           <a:p>
             <a:fld id="{2CDD62A0-B891-4650-A5BB-561AD783AD7C}" type="datetimeFigureOut">
               <a:rPr lang="en-PH" smtClean="0"/>
-              <a:t>29/05/2022</a:t>
+              <a:t>30/05/2022</a:t>
             </a:fld>
             <a:endParaRPr lang="en-PH"/>
           </a:p>
@@ -27122,7 +27835,7 @@
           <a:p>
             <a:fld id="{2CDD62A0-B891-4650-A5BB-561AD783AD7C}" type="datetimeFigureOut">
               <a:rPr lang="en-PH" smtClean="0"/>
-              <a:t>29/05/2022</a:t>
+              <a:t>30/05/2022</a:t>
             </a:fld>
             <a:endParaRPr lang="en-PH"/>
           </a:p>
@@ -27435,7 +28148,7 @@
           <a:p>
             <a:fld id="{2CDD62A0-B891-4650-A5BB-561AD783AD7C}" type="datetimeFigureOut">
               <a:rPr lang="en-PH" smtClean="0"/>
-              <a:t>29/05/2022</a:t>
+              <a:t>30/05/2022</a:t>
             </a:fld>
             <a:endParaRPr lang="en-PH"/>
           </a:p>
@@ -27724,7 +28437,7 @@
           <a:p>
             <a:fld id="{2CDD62A0-B891-4650-A5BB-561AD783AD7C}" type="datetimeFigureOut">
               <a:rPr lang="en-PH" smtClean="0"/>
-              <a:t>29/05/2022</a:t>
+              <a:t>30/05/2022</a:t>
             </a:fld>
             <a:endParaRPr lang="en-PH"/>
           </a:p>
@@ -27967,7 +28680,7 @@
           <a:p>
             <a:fld id="{2CDD62A0-B891-4650-A5BB-561AD783AD7C}" type="datetimeFigureOut">
               <a:rPr lang="en-PH" smtClean="0"/>
-              <a:t>29/05/2022</a:t>
+              <a:t>30/05/2022</a:t>
             </a:fld>
             <a:endParaRPr lang="en-PH"/>
           </a:p>
@@ -28669,14 +29382,14 @@
             <p:ph idx="1"/>
             <p:extLst>
               <p:ext uri="{D42A27DB-BD31-4B8C-83A1-F6EECF244321}">
-                <p14:modId xmlns:p14="http://schemas.microsoft.com/office/powerpoint/2010/main" val="289620441"/>
+                <p14:modId xmlns:p14="http://schemas.microsoft.com/office/powerpoint/2010/main" val="2785262154"/>
               </p:ext>
             </p:extLst>
           </p:nvPr>
         </p:nvGraphicFramePr>
         <p:xfrm>
-          <a:off x="838200" y="365125"/>
-          <a:ext cx="10515600" cy="5811838"/>
+          <a:off x="0" y="0"/>
+          <a:ext cx="12192000" cy="6858000"/>
         </p:xfrm>
         <a:graphic>
           <a:graphicData uri="http://schemas.openxmlformats.org/drawingml/2006/diagram">
